--- a/WPF Validation.pptx
+++ b/WPF Validation.pptx
@@ -2,11 +2,33 @@
 <file path=ppt/presentation.xml><?xml version="1.0" encoding="utf-8"?>
 <p:presentation xmlns:a="http://schemas.openxmlformats.org/drawingml/2006/main" xmlns:r="http://schemas.openxmlformats.org/officeDocument/2006/relationships" xmlns:p="http://schemas.openxmlformats.org/presentationml/2006/main" saveSubsetFonts="1">
   <p:sldMasterIdLst>
-    <p:sldMasterId id="2147483648" r:id="rId1"/>
+    <p:sldMasterId id="2147483768" r:id="rId1"/>
   </p:sldMasterIdLst>
   <p:sldIdLst>
     <p:sldId id="256" r:id="rId2"/>
     <p:sldId id="257" r:id="rId3"/>
+    <p:sldId id="258" r:id="rId4"/>
+    <p:sldId id="262" r:id="rId5"/>
+    <p:sldId id="259" r:id="rId6"/>
+    <p:sldId id="263" r:id="rId7"/>
+    <p:sldId id="264" r:id="rId8"/>
+    <p:sldId id="265" r:id="rId9"/>
+    <p:sldId id="266" r:id="rId10"/>
+    <p:sldId id="267" r:id="rId11"/>
+    <p:sldId id="268" r:id="rId12"/>
+    <p:sldId id="269" r:id="rId13"/>
+    <p:sldId id="260" r:id="rId14"/>
+    <p:sldId id="270" r:id="rId15"/>
+    <p:sldId id="271" r:id="rId16"/>
+    <p:sldId id="261" r:id="rId17"/>
+    <p:sldId id="272" r:id="rId18"/>
+    <p:sldId id="273" r:id="rId19"/>
+    <p:sldId id="274" r:id="rId20"/>
+    <p:sldId id="276" r:id="rId21"/>
+    <p:sldId id="275" r:id="rId22"/>
+    <p:sldId id="277" r:id="rId23"/>
+    <p:sldId id="278" r:id="rId24"/>
+    <p:sldId id="279" r:id="rId25"/>
   </p:sldIdLst>
   <p:sldSz cx="9144000" cy="6858000" type="screen4x3"/>
   <p:notesSz cx="6858000" cy="9144000"/>
@@ -109,8 +131,13 @@
 </file>
 
 <file path=ppt/slideLayouts/slideLayout1.xml><?xml version="1.0" encoding="utf-8"?>
-<p:sldLayout xmlns:a="http://schemas.openxmlformats.org/drawingml/2006/main" xmlns:r="http://schemas.openxmlformats.org/officeDocument/2006/relationships" xmlns:p="http://schemas.openxmlformats.org/presentationml/2006/main" type="title" preserve="1">
+<p:sldLayout xmlns:a="http://schemas.openxmlformats.org/drawingml/2006/main" xmlns:r="http://schemas.openxmlformats.org/officeDocument/2006/relationships" xmlns:p="http://schemas.openxmlformats.org/presentationml/2006/main" showMasterSp="0" type="title" preserve="1">
   <p:cSld name="Title Slide">
+    <p:bg>
+      <p:bgRef idx="1002">
+        <a:schemeClr val="bg2"/>
+      </p:bgRef>
+    </p:bg>
     <p:spTree>
       <p:nvGrpSpPr>
         <p:cNvPr id="1" name=""/>
@@ -127,7 +154,203 @@
       </p:grpSpPr>
       <p:sp>
         <p:nvSpPr>
-          <p:cNvPr id="2" name="Title 1"/>
+          <p:cNvPr id="7" name="Freeform 6"/>
+          <p:cNvSpPr>
+            <a:spLocks/>
+          </p:cNvSpPr>
+          <p:nvPr/>
+        </p:nvSpPr>
+        <p:spPr bwMode="auto">
+          <a:xfrm>
+            <a:off x="0" y="4752126"/>
+            <a:ext cx="9144000" cy="2112962"/>
+          </a:xfrm>
+          <a:custGeom>
+            <a:avLst>
+              <a:gd name="A1" fmla="val 0"/>
+              <a:gd name="A2" fmla="val 0"/>
+              <a:gd name="A3" fmla="val 0"/>
+              <a:gd name="A4" fmla="val 0"/>
+              <a:gd name="A5" fmla="val 0"/>
+              <a:gd name="A6" fmla="val 0"/>
+              <a:gd name="A7" fmla="val 0"/>
+              <a:gd name="A8" fmla="val 0"/>
+            </a:avLst>
+            <a:gdLst/>
+            <a:ahLst/>
+            <a:cxnLst>
+              <a:cxn ang="0">
+                <a:pos x="0" y="1066"/>
+              </a:cxn>
+              <a:cxn ang="0">
+                <a:pos x="0" y="1331"/>
+              </a:cxn>
+              <a:cxn ang="0">
+                <a:pos x="5760" y="1331"/>
+              </a:cxn>
+              <a:cxn ang="0">
+                <a:pos x="5760" y="0"/>
+              </a:cxn>
+              <a:cxn ang="0">
+                <a:pos x="0" y="1066"/>
+              </a:cxn>
+            </a:cxnLst>
+            <a:rect l="0" t="0" r="0" b="0"/>
+            <a:pathLst>
+              <a:path w="5760" h="1331">
+                <a:moveTo>
+                  <a:pt x="0" y="1066"/>
+                </a:moveTo>
+                <a:lnTo>
+                  <a:pt x="0" y="1331"/>
+                </a:lnTo>
+                <a:lnTo>
+                  <a:pt x="5760" y="1331"/>
+                </a:lnTo>
+                <a:lnTo>
+                  <a:pt x="5760" y="0"/>
+                </a:lnTo>
+                <a:cubicBezTo>
+                  <a:pt x="3220" y="1206"/>
+                  <a:pt x="2250" y="1146"/>
+                  <a:pt x="0" y="1066"/>
+                </a:cubicBezTo>
+                <a:close/>
+              </a:path>
+            </a:pathLst>
+          </a:custGeom>
+          <a:solidFill>
+            <a:schemeClr val="bg1">
+              <a:tint val="80000"/>
+              <a:satMod val="200000"/>
+              <a:alpha val="45000"/>
+            </a:schemeClr>
+          </a:solidFill>
+          <a:ln w="9525" cap="flat" cmpd="sng" algn="ctr">
+            <a:noFill/>
+            <a:prstDash val="solid"/>
+            <a:round/>
+            <a:headEnd type="none" w="med" len="med"/>
+            <a:tailEnd type="none" w="med" len="med"/>
+          </a:ln>
+          <a:effectLst>
+            <a:outerShdw blurRad="50800" dist="44450" dir="16200000" algn="ctr" rotWithShape="0">
+              <a:prstClr val="black">
+                <a:alpha val="35000"/>
+              </a:prstClr>
+            </a:outerShdw>
+          </a:effectLst>
+        </p:spPr>
+        <p:txBody>
+          <a:bodyPr vert="horz" wrap="square" lIns="91440" tIns="45720" rIns="91440" bIns="45720" anchor="t" compatLnSpc="1"/>
+          <a:lstStyle/>
+          <a:p>
+            <a:endParaRPr kumimoji="0" lang="en-US"/>
+          </a:p>
+        </p:txBody>
+      </p:sp>
+      <p:sp>
+        <p:nvSpPr>
+          <p:cNvPr id="8" name="Freeform 7"/>
+          <p:cNvSpPr>
+            <a:spLocks/>
+          </p:cNvSpPr>
+          <p:nvPr/>
+        </p:nvSpPr>
+        <p:spPr bwMode="auto">
+          <a:xfrm>
+            <a:off x="6105525" y="0"/>
+            <a:ext cx="3038475" cy="6858000"/>
+          </a:xfrm>
+          <a:custGeom>
+            <a:avLst/>
+            <a:gdLst>
+              <a:gd name="connsiteX0" fmla="*/ 1914 w 1914"/>
+              <a:gd name="connsiteY0" fmla="*/ 9 h 4329"/>
+              <a:gd name="connsiteX1" fmla="*/ 1914 w 1914"/>
+              <a:gd name="connsiteY1" fmla="*/ 4329 h 4329"/>
+              <a:gd name="connsiteX2" fmla="*/ 204 w 1914"/>
+              <a:gd name="connsiteY2" fmla="*/ 4327 h 4329"/>
+              <a:gd name="connsiteX3" fmla="*/ 0 w 1914"/>
+              <a:gd name="connsiteY3" fmla="*/ 0 h 4329"/>
+              <a:gd name="connsiteX4" fmla="*/ 1914 w 1914"/>
+              <a:gd name="connsiteY4" fmla="*/ 9 h 4329"/>
+            </a:gdLst>
+            <a:ahLst/>
+            <a:cxnLst>
+              <a:cxn ang="0">
+                <a:pos x="connsiteX0" y="connsiteY0"/>
+              </a:cxn>
+              <a:cxn ang="0">
+                <a:pos x="connsiteX1" y="connsiteY1"/>
+              </a:cxn>
+              <a:cxn ang="0">
+                <a:pos x="connsiteX2" y="connsiteY2"/>
+              </a:cxn>
+              <a:cxn ang="0">
+                <a:pos x="connsiteX3" y="connsiteY3"/>
+              </a:cxn>
+              <a:cxn ang="0">
+                <a:pos x="connsiteX4" y="connsiteY4"/>
+              </a:cxn>
+            </a:cxnLst>
+            <a:rect l="l" t="t" r="r" b="b"/>
+            <a:pathLst>
+              <a:path w="1914" h="4329">
+                <a:moveTo>
+                  <a:pt x="1914" y="9"/>
+                </a:moveTo>
+                <a:lnTo>
+                  <a:pt x="1914" y="4329"/>
+                </a:lnTo>
+                <a:lnTo>
+                  <a:pt x="204" y="4327"/>
+                </a:lnTo>
+                <a:cubicBezTo>
+                  <a:pt x="1288" y="3574"/>
+                  <a:pt x="1608" y="1590"/>
+                  <a:pt x="0" y="0"/>
+                </a:cubicBezTo>
+                <a:lnTo>
+                  <a:pt x="1914" y="9"/>
+                </a:lnTo>
+                <a:close/>
+              </a:path>
+            </a:pathLst>
+          </a:custGeom>
+          <a:solidFill>
+            <a:schemeClr val="bg1">
+              <a:tint val="90000"/>
+              <a:satMod val="350000"/>
+              <a:alpha val="40000"/>
+            </a:schemeClr>
+          </a:solidFill>
+          <a:ln w="9525" cap="flat" cmpd="sng" algn="ctr">
+            <a:noFill/>
+            <a:prstDash val="solid"/>
+            <a:round/>
+            <a:headEnd type="none" w="med" len="med"/>
+            <a:tailEnd type="none" w="med" len="med"/>
+          </a:ln>
+          <a:effectLst>
+            <a:outerShdw blurRad="50800" dist="50800" dir="10800000" algn="ctr" rotWithShape="0">
+              <a:prstClr val="black">
+                <a:alpha val="45000"/>
+              </a:prstClr>
+            </a:outerShdw>
+          </a:effectLst>
+        </p:spPr>
+        <p:txBody>
+          <a:bodyPr vert="horz" wrap="square" lIns="91440" tIns="45720" rIns="91440" bIns="45720" anchor="t" compatLnSpc="1"/>
+          <a:lstStyle/>
+          <a:p>
+            <a:endParaRPr kumimoji="0" lang="en-US"/>
+          </a:p>
+        </p:txBody>
+      </p:sp>
+      <p:sp>
+        <p:nvSpPr>
+          <p:cNvPr id="9" name="Title 8"/>
           <p:cNvSpPr>
             <a:spLocks noGrp="1"/>
           </p:cNvSpPr>
@@ -137,25 +360,82 @@
         </p:nvSpPr>
         <p:spPr>
           <a:xfrm>
-            <a:off x="685800" y="2130425"/>
-            <a:ext cx="7772400" cy="1470025"/>
-          </a:xfrm>
-        </p:spPr>
-        <p:txBody>
-          <a:bodyPr/>
-          <a:lstStyle/>
-          <a:p>
-            <a:r>
-              <a:rPr lang="en-US" smtClean="0"/>
+            <a:off x="429064" y="3337560"/>
+            <a:ext cx="6480048" cy="2301240"/>
+          </a:xfrm>
+        </p:spPr>
+        <p:txBody>
+          <a:bodyPr rIns="45720" anchor="t"/>
+          <a:lstStyle>
+            <a:lvl1pPr algn="r">
+              <a:defRPr lang="en-US" b="1" cap="all" baseline="0" dirty="0">
+                <a:ln w="5000" cmpd="sng">
+                  <a:solidFill>
+                    <a:schemeClr val="accent1">
+                      <a:tint val="80000"/>
+                      <a:shade val="99000"/>
+                      <a:satMod val="500000"/>
+                    </a:schemeClr>
+                  </a:solidFill>
+                  <a:prstDash val="solid"/>
+                </a:ln>
+                <a:gradFill>
+                  <a:gsLst>
+                    <a:gs pos="0">
+                      <a:schemeClr val="accent1">
+                        <a:tint val="63000"/>
+                        <a:satMod val="255000"/>
+                      </a:schemeClr>
+                    </a:gs>
+                    <a:gs pos="9000">
+                      <a:schemeClr val="accent1">
+                        <a:tint val="63000"/>
+                        <a:satMod val="255000"/>
+                      </a:schemeClr>
+                    </a:gs>
+                    <a:gs pos="53000">
+                      <a:schemeClr val="accent1">
+                        <a:shade val="60000"/>
+                        <a:satMod val="100000"/>
+                      </a:schemeClr>
+                    </a:gs>
+                    <a:gs pos="90000">
+                      <a:schemeClr val="accent1">
+                        <a:tint val="63000"/>
+                        <a:satMod val="255000"/>
+                      </a:schemeClr>
+                    </a:gs>
+                    <a:gs pos="100000">
+                      <a:schemeClr val="accent1">
+                        <a:tint val="63000"/>
+                        <a:satMod val="255000"/>
+                      </a:schemeClr>
+                    </a:gs>
+                  </a:gsLst>
+                  <a:lin ang="5400000"/>
+                </a:gradFill>
+                <a:effectLst>
+                  <a:outerShdw blurRad="50800" dist="38100" dir="5400000" algn="t" rotWithShape="0">
+                    <a:prstClr val="black">
+                      <a:alpha val="50000"/>
+                    </a:prstClr>
+                  </a:outerShdw>
+                </a:effectLst>
+              </a:defRPr>
+            </a:lvl1pPr>
+          </a:lstStyle>
+          <a:p>
+            <a:r>
+              <a:rPr kumimoji="0" lang="en-US" smtClean="0"/>
               <a:t>Click to edit Master title style</a:t>
             </a:r>
-            <a:endParaRPr lang="en-US"/>
-          </a:p>
-        </p:txBody>
-      </p:sp>
-      <p:sp>
-        <p:nvSpPr>
-          <p:cNvPr id="3" name="Subtitle 2"/>
+            <a:endParaRPr kumimoji="0" lang="en-US"/>
+          </a:p>
+        </p:txBody>
+      </p:sp>
+      <p:sp>
+        <p:nvSpPr>
+          <p:cNvPr id="17" name="Subtitle 16"/>
           <p:cNvSpPr>
             <a:spLocks noGrp="1"/>
           </p:cNvSpPr>
@@ -165,116 +445,61 @@
         </p:nvSpPr>
         <p:spPr>
           <a:xfrm>
-            <a:off x="1371600" y="3886200"/>
-            <a:ext cx="6400800" cy="1752600"/>
-          </a:xfrm>
-        </p:spPr>
-        <p:txBody>
-          <a:bodyPr/>
+            <a:off x="433050" y="1544812"/>
+            <a:ext cx="6480048" cy="1752600"/>
+          </a:xfrm>
+        </p:spPr>
+        <p:txBody>
+          <a:bodyPr tIns="0" rIns="45720" bIns="0" anchor="b">
+            <a:normAutofit/>
+          </a:bodyPr>
           <a:lstStyle>
-            <a:lvl1pPr marL="0" indent="0" algn="ctr">
+            <a:lvl1pPr marL="0" indent="0" algn="r">
               <a:buNone/>
-              <a:defRPr>
+              <a:defRPr sz="2000">
                 <a:solidFill>
-                  <a:schemeClr val="tx1">
-                    <a:tint val="75000"/>
-                  </a:schemeClr>
+                  <a:schemeClr val="tx1"/>
                 </a:solidFill>
+                <a:effectLst/>
               </a:defRPr>
             </a:lvl1pPr>
             <a:lvl2pPr marL="457200" indent="0" algn="ctr">
               <a:buNone/>
-              <a:defRPr>
-                <a:solidFill>
-                  <a:schemeClr val="tx1">
-                    <a:tint val="75000"/>
-                  </a:schemeClr>
-                </a:solidFill>
-              </a:defRPr>
             </a:lvl2pPr>
             <a:lvl3pPr marL="914400" indent="0" algn="ctr">
               <a:buNone/>
-              <a:defRPr>
-                <a:solidFill>
-                  <a:schemeClr val="tx1">
-                    <a:tint val="75000"/>
-                  </a:schemeClr>
-                </a:solidFill>
-              </a:defRPr>
             </a:lvl3pPr>
             <a:lvl4pPr marL="1371600" indent="0" algn="ctr">
               <a:buNone/>
-              <a:defRPr>
-                <a:solidFill>
-                  <a:schemeClr val="tx1">
-                    <a:tint val="75000"/>
-                  </a:schemeClr>
-                </a:solidFill>
-              </a:defRPr>
             </a:lvl4pPr>
             <a:lvl5pPr marL="1828800" indent="0" algn="ctr">
               <a:buNone/>
-              <a:defRPr>
-                <a:solidFill>
-                  <a:schemeClr val="tx1">
-                    <a:tint val="75000"/>
-                  </a:schemeClr>
-                </a:solidFill>
-              </a:defRPr>
             </a:lvl5pPr>
             <a:lvl6pPr marL="2286000" indent="0" algn="ctr">
               <a:buNone/>
-              <a:defRPr>
-                <a:solidFill>
-                  <a:schemeClr val="tx1">
-                    <a:tint val="75000"/>
-                  </a:schemeClr>
-                </a:solidFill>
-              </a:defRPr>
             </a:lvl6pPr>
             <a:lvl7pPr marL="2743200" indent="0" algn="ctr">
               <a:buNone/>
-              <a:defRPr>
-                <a:solidFill>
-                  <a:schemeClr val="tx1">
-                    <a:tint val="75000"/>
-                  </a:schemeClr>
-                </a:solidFill>
-              </a:defRPr>
             </a:lvl7pPr>
             <a:lvl8pPr marL="3200400" indent="0" algn="ctr">
               <a:buNone/>
-              <a:defRPr>
-                <a:solidFill>
-                  <a:schemeClr val="tx1">
-                    <a:tint val="75000"/>
-                  </a:schemeClr>
-                </a:solidFill>
-              </a:defRPr>
             </a:lvl8pPr>
             <a:lvl9pPr marL="3657600" indent="0" algn="ctr">
               <a:buNone/>
-              <a:defRPr>
-                <a:solidFill>
-                  <a:schemeClr val="tx1">
-                    <a:tint val="75000"/>
-                  </a:schemeClr>
-                </a:solidFill>
-              </a:defRPr>
             </a:lvl9pPr>
           </a:lstStyle>
           <a:p>
             <a:r>
-              <a:rPr lang="en-US" smtClean="0"/>
+              <a:rPr kumimoji="0" lang="en-US" smtClean="0"/>
               <a:t>Click to edit Master subtitle style</a:t>
             </a:r>
-            <a:endParaRPr lang="en-US"/>
-          </a:p>
-        </p:txBody>
-      </p:sp>
-      <p:sp>
-        <p:nvSpPr>
-          <p:cNvPr id="4" name="Date Placeholder 3"/>
+            <a:endParaRPr kumimoji="0" lang="en-US"/>
+          </a:p>
+        </p:txBody>
+      </p:sp>
+      <p:sp>
+        <p:nvSpPr>
+          <p:cNvPr id="30" name="Date Placeholder 29"/>
           <p:cNvSpPr>
             <a:spLocks noGrp="1"/>
           </p:cNvSpPr>
@@ -289,7 +514,8 @@
           <a:p>
             <a:fld id="{60029C98-5D54-43BD-B436-29F4C541DD0B}" type="datetimeFigureOut">
               <a:rPr lang="en-US" smtClean="0"/>
-              <a:t>8/10/2009</a:t>
+              <a:pPr/>
+              <a:t>9/19/2009</a:t>
             </a:fld>
             <a:endParaRPr lang="en-US"/>
           </a:p>
@@ -297,7 +523,7 @@
       </p:sp>
       <p:sp>
         <p:nvSpPr>
-          <p:cNvPr id="5" name="Footer Placeholder 4"/>
+          <p:cNvPr id="19" name="Footer Placeholder 18"/>
           <p:cNvSpPr>
             <a:spLocks noGrp="1"/>
           </p:cNvSpPr>
@@ -316,7 +542,7 @@
       </p:sp>
       <p:sp>
         <p:nvSpPr>
-          <p:cNvPr id="6" name="Slide Number Placeholder 5"/>
+          <p:cNvPr id="27" name="Slide Number Placeholder 26"/>
           <p:cNvSpPr>
             <a:spLocks noGrp="1"/>
           </p:cNvSpPr>
@@ -331,6 +557,7 @@
           <a:p>
             <a:fld id="{B5418864-DC6A-43DD-9573-4BD82577934E}" type="slidenum">
               <a:rPr lang="en-US" smtClean="0"/>
+              <a:pPr/>
               <a:t>‹#›</a:t>
             </a:fld>
             <a:endParaRPr lang="en-US"/>
@@ -340,7 +567,7 @@
     </p:spTree>
   </p:cSld>
   <p:clrMapOvr>
-    <a:masterClrMapping/>
+    <a:overrideClrMapping bg1="dk1" tx1="lt1" bg2="dk2" tx2="lt2" accent1="accent1" accent2="accent2" accent3="accent3" accent4="accent4" accent5="accent5" accent6="accent6" hlink="hlink" folHlink="folHlink"/>
   </p:clrMapOvr>
 </p:sldLayout>
 </file>
@@ -378,10 +605,10 @@
           <a:lstStyle/>
           <a:p>
             <a:r>
-              <a:rPr lang="en-US" smtClean="0"/>
+              <a:rPr kumimoji="0" lang="en-US" smtClean="0"/>
               <a:t>Click to edit Master title style</a:t>
             </a:r>
-            <a:endParaRPr lang="en-US"/>
+            <a:endParaRPr kumimoji="0" lang="en-US"/>
           </a:p>
         </p:txBody>
       </p:sp>
@@ -400,40 +627,40 @@
           <a:bodyPr vert="eaVert"/>
           <a:lstStyle/>
           <a:p>
-            <a:pPr lvl="0"/>
+            <a:pPr lvl="0" eaLnBrk="1" latinLnBrk="0" hangingPunct="1"/>
             <a:r>
               <a:rPr lang="en-US" smtClean="0"/>
               <a:t>Click to edit Master text styles</a:t>
             </a:r>
           </a:p>
           <a:p>
-            <a:pPr lvl="1"/>
+            <a:pPr lvl="1" eaLnBrk="1" latinLnBrk="0" hangingPunct="1"/>
             <a:r>
               <a:rPr lang="en-US" smtClean="0"/>
               <a:t>Second level</a:t>
             </a:r>
           </a:p>
           <a:p>
-            <a:pPr lvl="2"/>
+            <a:pPr lvl="2" eaLnBrk="1" latinLnBrk="0" hangingPunct="1"/>
             <a:r>
               <a:rPr lang="en-US" smtClean="0"/>
               <a:t>Third level</a:t>
             </a:r>
           </a:p>
           <a:p>
-            <a:pPr lvl="3"/>
+            <a:pPr lvl="3" eaLnBrk="1" latinLnBrk="0" hangingPunct="1"/>
             <a:r>
               <a:rPr lang="en-US" smtClean="0"/>
               <a:t>Fourth level</a:t>
             </a:r>
           </a:p>
           <a:p>
-            <a:pPr lvl="4"/>
+            <a:pPr lvl="4" eaLnBrk="1" latinLnBrk="0" hangingPunct="1"/>
             <a:r>
               <a:rPr lang="en-US" smtClean="0"/>
               <a:t>Fifth level</a:t>
             </a:r>
-            <a:endParaRPr lang="en-US"/>
+            <a:endParaRPr kumimoji="0" lang="en-US"/>
           </a:p>
         </p:txBody>
       </p:sp>
@@ -454,7 +681,8 @@
           <a:p>
             <a:fld id="{60029C98-5D54-43BD-B436-29F4C541DD0B}" type="datetimeFigureOut">
               <a:rPr lang="en-US" smtClean="0"/>
-              <a:t>8/10/2009</a:t>
+              <a:pPr/>
+              <a:t>9/19/2009</a:t>
             </a:fld>
             <a:endParaRPr lang="en-US"/>
           </a:p>
@@ -496,6 +724,7 @@
           <a:p>
             <a:fld id="{B5418864-DC6A-43DD-9573-4BD82577934E}" type="slidenum">
               <a:rPr lang="en-US" smtClean="0"/>
+              <a:pPr/>
               <a:t>‹#›</a:t>
             </a:fld>
             <a:endParaRPr lang="en-US"/>
@@ -548,10 +777,10 @@
           <a:lstStyle/>
           <a:p>
             <a:r>
-              <a:rPr lang="en-US" smtClean="0"/>
+              <a:rPr kumimoji="0" lang="en-US" smtClean="0"/>
               <a:t>Click to edit Master title style</a:t>
             </a:r>
-            <a:endParaRPr lang="en-US"/>
+            <a:endParaRPr kumimoji="0" lang="en-US"/>
           </a:p>
         </p:txBody>
       </p:sp>
@@ -575,40 +804,40 @@
           <a:bodyPr vert="eaVert"/>
           <a:lstStyle/>
           <a:p>
-            <a:pPr lvl="0"/>
+            <a:pPr lvl="0" eaLnBrk="1" latinLnBrk="0" hangingPunct="1"/>
             <a:r>
               <a:rPr lang="en-US" smtClean="0"/>
               <a:t>Click to edit Master text styles</a:t>
             </a:r>
           </a:p>
           <a:p>
-            <a:pPr lvl="1"/>
+            <a:pPr lvl="1" eaLnBrk="1" latinLnBrk="0" hangingPunct="1"/>
             <a:r>
               <a:rPr lang="en-US" smtClean="0"/>
               <a:t>Second level</a:t>
             </a:r>
           </a:p>
           <a:p>
-            <a:pPr lvl="2"/>
+            <a:pPr lvl="2" eaLnBrk="1" latinLnBrk="0" hangingPunct="1"/>
             <a:r>
               <a:rPr lang="en-US" smtClean="0"/>
               <a:t>Third level</a:t>
             </a:r>
           </a:p>
           <a:p>
-            <a:pPr lvl="3"/>
+            <a:pPr lvl="3" eaLnBrk="1" latinLnBrk="0" hangingPunct="1"/>
             <a:r>
               <a:rPr lang="en-US" smtClean="0"/>
               <a:t>Fourth level</a:t>
             </a:r>
           </a:p>
           <a:p>
-            <a:pPr lvl="4"/>
+            <a:pPr lvl="4" eaLnBrk="1" latinLnBrk="0" hangingPunct="1"/>
             <a:r>
               <a:rPr lang="en-US" smtClean="0"/>
               <a:t>Fifth level</a:t>
             </a:r>
-            <a:endParaRPr lang="en-US"/>
+            <a:endParaRPr kumimoji="0" lang="en-US"/>
           </a:p>
         </p:txBody>
       </p:sp>
@@ -629,7 +858,8 @@
           <a:p>
             <a:fld id="{60029C98-5D54-43BD-B436-29F4C541DD0B}" type="datetimeFigureOut">
               <a:rPr lang="en-US" smtClean="0"/>
-              <a:t>8/10/2009</a:t>
+              <a:pPr/>
+              <a:t>9/19/2009</a:t>
             </a:fld>
             <a:endParaRPr lang="en-US"/>
           </a:p>
@@ -671,6 +901,7 @@
           <a:p>
             <a:fld id="{B5418864-DC6A-43DD-9573-4BD82577934E}" type="slidenum">
               <a:rPr lang="en-US" smtClean="0"/>
+              <a:pPr/>
               <a:t>‹#›</a:t>
             </a:fld>
             <a:endParaRPr lang="en-US"/>
@@ -715,13 +946,17 @@
         <p:spPr/>
         <p:txBody>
           <a:bodyPr/>
-          <a:lstStyle/>
-          <a:p>
-            <a:r>
-              <a:rPr lang="en-US" smtClean="0"/>
+          <a:lstStyle>
+            <a:lvl1pPr algn="l">
+              <a:defRPr/>
+            </a:lvl1pPr>
+          </a:lstStyle>
+          <a:p>
+            <a:r>
+              <a:rPr kumimoji="0" lang="en-US" smtClean="0"/>
               <a:t>Click to edit Master title style</a:t>
             </a:r>
-            <a:endParaRPr lang="en-US"/>
+            <a:endParaRPr kumimoji="0" lang="en-US"/>
           </a:p>
         </p:txBody>
       </p:sp>
@@ -740,40 +975,40 @@
           <a:bodyPr/>
           <a:lstStyle/>
           <a:p>
-            <a:pPr lvl="0"/>
+            <a:pPr lvl="0" eaLnBrk="1" latinLnBrk="0" hangingPunct="1"/>
             <a:r>
               <a:rPr lang="en-US" smtClean="0"/>
               <a:t>Click to edit Master text styles</a:t>
             </a:r>
           </a:p>
           <a:p>
-            <a:pPr lvl="1"/>
+            <a:pPr lvl="1" eaLnBrk="1" latinLnBrk="0" hangingPunct="1"/>
             <a:r>
               <a:rPr lang="en-US" smtClean="0"/>
               <a:t>Second level</a:t>
             </a:r>
           </a:p>
           <a:p>
-            <a:pPr lvl="2"/>
+            <a:pPr lvl="2" eaLnBrk="1" latinLnBrk="0" hangingPunct="1"/>
             <a:r>
               <a:rPr lang="en-US" smtClean="0"/>
               <a:t>Third level</a:t>
             </a:r>
           </a:p>
           <a:p>
-            <a:pPr lvl="3"/>
+            <a:pPr lvl="3" eaLnBrk="1" latinLnBrk="0" hangingPunct="1"/>
             <a:r>
               <a:rPr lang="en-US" smtClean="0"/>
               <a:t>Fourth level</a:t>
             </a:r>
           </a:p>
           <a:p>
-            <a:pPr lvl="4"/>
+            <a:pPr lvl="4" eaLnBrk="1" latinLnBrk="0" hangingPunct="1"/>
             <a:r>
               <a:rPr lang="en-US" smtClean="0"/>
               <a:t>Fifth level</a:t>
             </a:r>
-            <a:endParaRPr lang="en-US"/>
+            <a:endParaRPr kumimoji="0" lang="en-US"/>
           </a:p>
         </p:txBody>
       </p:sp>
@@ -794,7 +1029,8 @@
           <a:p>
             <a:fld id="{60029C98-5D54-43BD-B436-29F4C541DD0B}" type="datetimeFigureOut">
               <a:rPr lang="en-US" smtClean="0"/>
-              <a:t>8/10/2009</a:t>
+              <a:pPr/>
+              <a:t>9/19/2009</a:t>
             </a:fld>
             <a:endParaRPr lang="en-US"/>
           </a:p>
@@ -836,6 +1072,7 @@
           <a:p>
             <a:fld id="{B5418864-DC6A-43DD-9573-4BD82577934E}" type="slidenum">
               <a:rPr lang="en-US" smtClean="0"/>
+              <a:pPr/>
               <a:t>‹#›</a:t>
             </a:fld>
             <a:endParaRPr lang="en-US"/>
@@ -851,8 +1088,13 @@
 </file>
 
 <file path=ppt/slideLayouts/slideLayout3.xml><?xml version="1.0" encoding="utf-8"?>
-<p:sldLayout xmlns:a="http://schemas.openxmlformats.org/drawingml/2006/main" xmlns:r="http://schemas.openxmlformats.org/officeDocument/2006/relationships" xmlns:p="http://schemas.openxmlformats.org/presentationml/2006/main" type="secHead" preserve="1">
+<p:sldLayout xmlns:a="http://schemas.openxmlformats.org/drawingml/2006/main" xmlns:r="http://schemas.openxmlformats.org/officeDocument/2006/relationships" xmlns:p="http://schemas.openxmlformats.org/presentationml/2006/main" showMasterSp="0" type="secHead" preserve="1">
   <p:cSld name="Section Header">
+    <p:bg>
+      <p:bgRef idx="1002">
+        <a:schemeClr val="bg2"/>
+      </p:bgRef>
+    </p:bg>
     <p:spTree>
       <p:nvGrpSpPr>
         <p:cNvPr id="1" name=""/>
@@ -869,6 +1111,202 @@
       </p:grpSpPr>
       <p:sp>
         <p:nvSpPr>
+          <p:cNvPr id="7" name="Freeform 6"/>
+          <p:cNvSpPr>
+            <a:spLocks/>
+          </p:cNvSpPr>
+          <p:nvPr/>
+        </p:nvSpPr>
+        <p:spPr bwMode="auto">
+          <a:xfrm>
+            <a:off x="0" y="4752126"/>
+            <a:ext cx="9144000" cy="2112962"/>
+          </a:xfrm>
+          <a:custGeom>
+            <a:avLst>
+              <a:gd name="A1" fmla="val 0"/>
+              <a:gd name="A2" fmla="val 0"/>
+              <a:gd name="A3" fmla="val 0"/>
+              <a:gd name="A4" fmla="val 0"/>
+              <a:gd name="A5" fmla="val 0"/>
+              <a:gd name="A6" fmla="val 0"/>
+              <a:gd name="A7" fmla="val 0"/>
+              <a:gd name="A8" fmla="val 0"/>
+            </a:avLst>
+            <a:gdLst/>
+            <a:ahLst/>
+            <a:cxnLst>
+              <a:cxn ang="0">
+                <a:pos x="0" y="1066"/>
+              </a:cxn>
+              <a:cxn ang="0">
+                <a:pos x="0" y="1331"/>
+              </a:cxn>
+              <a:cxn ang="0">
+                <a:pos x="5760" y="1331"/>
+              </a:cxn>
+              <a:cxn ang="0">
+                <a:pos x="5760" y="0"/>
+              </a:cxn>
+              <a:cxn ang="0">
+                <a:pos x="0" y="1066"/>
+              </a:cxn>
+            </a:cxnLst>
+            <a:rect l="0" t="0" r="0" b="0"/>
+            <a:pathLst>
+              <a:path w="5760" h="1331">
+                <a:moveTo>
+                  <a:pt x="0" y="1066"/>
+                </a:moveTo>
+                <a:lnTo>
+                  <a:pt x="0" y="1331"/>
+                </a:lnTo>
+                <a:lnTo>
+                  <a:pt x="5760" y="1331"/>
+                </a:lnTo>
+                <a:lnTo>
+                  <a:pt x="5760" y="0"/>
+                </a:lnTo>
+                <a:cubicBezTo>
+                  <a:pt x="3220" y="1206"/>
+                  <a:pt x="2250" y="1146"/>
+                  <a:pt x="0" y="1066"/>
+                </a:cubicBezTo>
+                <a:close/>
+              </a:path>
+            </a:pathLst>
+          </a:custGeom>
+          <a:solidFill>
+            <a:schemeClr val="bg1">
+              <a:tint val="80000"/>
+              <a:satMod val="200000"/>
+              <a:alpha val="45000"/>
+            </a:schemeClr>
+          </a:solidFill>
+          <a:ln w="9525" cap="flat" cmpd="sng" algn="ctr">
+            <a:noFill/>
+            <a:prstDash val="solid"/>
+            <a:round/>
+            <a:headEnd type="none" w="med" len="med"/>
+            <a:tailEnd type="none" w="med" len="med"/>
+          </a:ln>
+          <a:effectLst>
+            <a:outerShdw blurRad="50800" dist="44450" dir="16200000" algn="ctr" rotWithShape="0">
+              <a:prstClr val="black">
+                <a:alpha val="35000"/>
+              </a:prstClr>
+            </a:outerShdw>
+          </a:effectLst>
+        </p:spPr>
+        <p:txBody>
+          <a:bodyPr vert="horz" wrap="square" lIns="91440" tIns="45720" rIns="91440" bIns="45720" anchor="t" compatLnSpc="1"/>
+          <a:lstStyle/>
+          <a:p>
+            <a:endParaRPr kumimoji="0" lang="en-US"/>
+          </a:p>
+        </p:txBody>
+      </p:sp>
+      <p:sp>
+        <p:nvSpPr>
+          <p:cNvPr id="9" name="Freeform 8"/>
+          <p:cNvSpPr>
+            <a:spLocks/>
+          </p:cNvSpPr>
+          <p:nvPr/>
+        </p:nvSpPr>
+        <p:spPr bwMode="auto">
+          <a:xfrm>
+            <a:off x="6105525" y="0"/>
+            <a:ext cx="3038475" cy="6858000"/>
+          </a:xfrm>
+          <a:custGeom>
+            <a:avLst/>
+            <a:gdLst>
+              <a:gd name="connsiteX0" fmla="*/ 1914 w 1914"/>
+              <a:gd name="connsiteY0" fmla="*/ 9 h 4329"/>
+              <a:gd name="connsiteX1" fmla="*/ 1914 w 1914"/>
+              <a:gd name="connsiteY1" fmla="*/ 4329 h 4329"/>
+              <a:gd name="connsiteX2" fmla="*/ 204 w 1914"/>
+              <a:gd name="connsiteY2" fmla="*/ 4327 h 4329"/>
+              <a:gd name="connsiteX3" fmla="*/ 0 w 1914"/>
+              <a:gd name="connsiteY3" fmla="*/ 0 h 4329"/>
+              <a:gd name="connsiteX4" fmla="*/ 1914 w 1914"/>
+              <a:gd name="connsiteY4" fmla="*/ 9 h 4329"/>
+            </a:gdLst>
+            <a:ahLst/>
+            <a:cxnLst>
+              <a:cxn ang="0">
+                <a:pos x="connsiteX0" y="connsiteY0"/>
+              </a:cxn>
+              <a:cxn ang="0">
+                <a:pos x="connsiteX1" y="connsiteY1"/>
+              </a:cxn>
+              <a:cxn ang="0">
+                <a:pos x="connsiteX2" y="connsiteY2"/>
+              </a:cxn>
+              <a:cxn ang="0">
+                <a:pos x="connsiteX3" y="connsiteY3"/>
+              </a:cxn>
+              <a:cxn ang="0">
+                <a:pos x="connsiteX4" y="connsiteY4"/>
+              </a:cxn>
+            </a:cxnLst>
+            <a:rect l="l" t="t" r="r" b="b"/>
+            <a:pathLst>
+              <a:path w="1914" h="4329">
+                <a:moveTo>
+                  <a:pt x="1914" y="9"/>
+                </a:moveTo>
+                <a:lnTo>
+                  <a:pt x="1914" y="4329"/>
+                </a:lnTo>
+                <a:lnTo>
+                  <a:pt x="204" y="4327"/>
+                </a:lnTo>
+                <a:cubicBezTo>
+                  <a:pt x="1288" y="3574"/>
+                  <a:pt x="1608" y="1590"/>
+                  <a:pt x="0" y="0"/>
+                </a:cubicBezTo>
+                <a:lnTo>
+                  <a:pt x="1914" y="9"/>
+                </a:lnTo>
+                <a:close/>
+              </a:path>
+            </a:pathLst>
+          </a:custGeom>
+          <a:solidFill>
+            <a:schemeClr val="bg1">
+              <a:tint val="90000"/>
+              <a:satMod val="350000"/>
+              <a:alpha val="40000"/>
+            </a:schemeClr>
+          </a:solidFill>
+          <a:ln w="9525" cap="flat" cmpd="sng" algn="ctr">
+            <a:noFill/>
+            <a:prstDash val="solid"/>
+            <a:round/>
+            <a:headEnd type="none" w="med" len="med"/>
+            <a:tailEnd type="none" w="med" len="med"/>
+          </a:ln>
+          <a:effectLst>
+            <a:outerShdw blurRad="50800" dist="50800" dir="10800000" algn="ctr" rotWithShape="0">
+              <a:prstClr val="black">
+                <a:alpha val="45000"/>
+              </a:prstClr>
+            </a:outerShdw>
+          </a:effectLst>
+        </p:spPr>
+        <p:txBody>
+          <a:bodyPr vert="horz" wrap="square" lIns="91440" tIns="45720" rIns="91440" bIns="45720" anchor="t" compatLnSpc="1"/>
+          <a:lstStyle/>
+          <a:p>
+            <a:endParaRPr kumimoji="0" lang="en-US"/>
+          </a:p>
+        </p:txBody>
+      </p:sp>
+      <p:sp>
+        <p:nvSpPr>
           <p:cNvPr id="2" name="Title 1"/>
           <p:cNvSpPr>
             <a:spLocks noGrp="1"/>
@@ -879,23 +1317,77 @@
         </p:nvSpPr>
         <p:spPr>
           <a:xfrm>
-            <a:off x="722313" y="4406900"/>
-            <a:ext cx="7772400" cy="1362075"/>
-          </a:xfrm>
-        </p:spPr>
-        <p:txBody>
-          <a:bodyPr anchor="t"/>
+            <a:off x="685800" y="3583837"/>
+            <a:ext cx="6629400" cy="1826363"/>
+          </a:xfrm>
+        </p:spPr>
+        <p:txBody>
+          <a:bodyPr tIns="0" bIns="0" anchor="t"/>
           <a:lstStyle>
             <a:lvl1pPr algn="l">
-              <a:defRPr sz="4000" b="1" cap="all"/>
+              <a:buNone/>
+              <a:defRPr sz="4200" b="1" cap="none" baseline="0">
+                <a:ln w="5000" cmpd="sng">
+                  <a:solidFill>
+                    <a:schemeClr val="accent1">
+                      <a:tint val="80000"/>
+                      <a:shade val="99000"/>
+                      <a:satMod val="500000"/>
+                    </a:schemeClr>
+                  </a:solidFill>
+                  <a:prstDash val="solid"/>
+                </a:ln>
+                <a:gradFill>
+                  <a:gsLst>
+                    <a:gs pos="0">
+                      <a:schemeClr val="accent1">
+                        <a:tint val="63000"/>
+                        <a:satMod val="255000"/>
+                      </a:schemeClr>
+                    </a:gs>
+                    <a:gs pos="9000">
+                      <a:schemeClr val="accent1">
+                        <a:tint val="63000"/>
+                        <a:satMod val="255000"/>
+                      </a:schemeClr>
+                    </a:gs>
+                    <a:gs pos="53000">
+                      <a:schemeClr val="accent1">
+                        <a:shade val="60000"/>
+                        <a:satMod val="100000"/>
+                      </a:schemeClr>
+                    </a:gs>
+                    <a:gs pos="90000">
+                      <a:schemeClr val="accent1">
+                        <a:tint val="63000"/>
+                        <a:satMod val="255000"/>
+                      </a:schemeClr>
+                    </a:gs>
+                    <a:gs pos="100000">
+                      <a:schemeClr val="accent1">
+                        <a:tint val="63000"/>
+                        <a:satMod val="255000"/>
+                      </a:schemeClr>
+                    </a:gs>
+                  </a:gsLst>
+                  <a:lin ang="5400000"/>
+                </a:gradFill>
+                <a:effectLst>
+                  <a:outerShdw blurRad="50800" dist="38100" dir="5400000" algn="t" rotWithShape="0">
+                    <a:prstClr val="black">
+                      <a:alpha val="50000"/>
+                    </a:prstClr>
+                  </a:outerShdw>
+                </a:effectLst>
+              </a:defRPr>
             </a:lvl1pPr>
           </a:lstStyle>
           <a:p>
             <a:r>
-              <a:rPr lang="en-US" smtClean="0"/>
+              <a:rPr kumimoji="0" lang="en-US" smtClean="0"/>
               <a:t>Click to edit Master title style</a:t>
             </a:r>
-            <a:endParaRPr lang="en-US"/>
+            <a:endParaRPr kumimoji="0" lang="en-US"/>
           </a:p>
         </p:txBody>
       </p:sp>
@@ -911,24 +1403,23 @@
         </p:nvSpPr>
         <p:spPr>
           <a:xfrm>
-            <a:off x="722313" y="2906713"/>
-            <a:ext cx="7772400" cy="1500187"/>
-          </a:xfrm>
-        </p:spPr>
-        <p:txBody>
-          <a:bodyPr anchor="b"/>
+            <a:off x="685800" y="2485800"/>
+            <a:ext cx="6629400" cy="1066688"/>
+          </a:xfrm>
+        </p:spPr>
+        <p:txBody>
+          <a:bodyPr lIns="45720" tIns="0" rIns="45720" bIns="0" anchor="b"/>
           <a:lstStyle>
-            <a:lvl1pPr marL="0" indent="0">
+            <a:lvl1pPr marL="0" indent="0" algn="l">
               <a:buNone/>
               <a:defRPr sz="2000">
                 <a:solidFill>
-                  <a:schemeClr val="tx1">
-                    <a:tint val="75000"/>
-                  </a:schemeClr>
+                  <a:schemeClr val="tx1"/>
                 </a:solidFill>
+                <a:effectLst/>
               </a:defRPr>
             </a:lvl1pPr>
-            <a:lvl2pPr marL="457200" indent="0">
+            <a:lvl2pPr>
               <a:buNone/>
               <a:defRPr sz="1800">
                 <a:solidFill>
@@ -938,7 +1429,7 @@
                 </a:solidFill>
               </a:defRPr>
             </a:lvl2pPr>
-            <a:lvl3pPr marL="914400" indent="0">
+            <a:lvl3pPr>
               <a:buNone/>
               <a:defRPr sz="1600">
                 <a:solidFill>
@@ -948,7 +1439,7 @@
                 </a:solidFill>
               </a:defRPr>
             </a:lvl3pPr>
-            <a:lvl4pPr marL="1371600" indent="0">
+            <a:lvl4pPr>
               <a:buNone/>
               <a:defRPr sz="1400">
                 <a:solidFill>
@@ -958,7 +1449,7 @@
                 </a:solidFill>
               </a:defRPr>
             </a:lvl4pPr>
-            <a:lvl5pPr marL="1828800" indent="0">
+            <a:lvl5pPr>
               <a:buNone/>
               <a:defRPr sz="1400">
                 <a:solidFill>
@@ -968,51 +1459,11 @@
                 </a:solidFill>
               </a:defRPr>
             </a:lvl5pPr>
-            <a:lvl6pPr marL="2286000" indent="0">
-              <a:buNone/>
-              <a:defRPr sz="1400">
-                <a:solidFill>
-                  <a:schemeClr val="tx1">
-                    <a:tint val="75000"/>
-                  </a:schemeClr>
-                </a:solidFill>
-              </a:defRPr>
-            </a:lvl6pPr>
-            <a:lvl7pPr marL="2743200" indent="0">
-              <a:buNone/>
-              <a:defRPr sz="1400">
-                <a:solidFill>
-                  <a:schemeClr val="tx1">
-                    <a:tint val="75000"/>
-                  </a:schemeClr>
-                </a:solidFill>
-              </a:defRPr>
-            </a:lvl7pPr>
-            <a:lvl8pPr marL="3200400" indent="0">
-              <a:buNone/>
-              <a:defRPr sz="1400">
-                <a:solidFill>
-                  <a:schemeClr val="tx1">
-                    <a:tint val="75000"/>
-                  </a:schemeClr>
-                </a:solidFill>
-              </a:defRPr>
-            </a:lvl8pPr>
-            <a:lvl9pPr marL="3657600" indent="0">
-              <a:buNone/>
-              <a:defRPr sz="1400">
-                <a:solidFill>
-                  <a:schemeClr val="tx1">
-                    <a:tint val="75000"/>
-                  </a:schemeClr>
-                </a:solidFill>
-              </a:defRPr>
-            </a:lvl9pPr>
           </a:lstStyle>
           <a:p>
-            <a:pPr lvl="0"/>
-            <a:r>
-              <a:rPr lang="en-US" smtClean="0"/>
+            <a:pPr lvl="0" eaLnBrk="1" latinLnBrk="0" hangingPunct="1"/>
+            <a:r>
+              <a:rPr kumimoji="0" lang="en-US" smtClean="0"/>
               <a:t>Click to edit Master text styles</a:t>
             </a:r>
           </a:p>
@@ -1035,7 +1486,8 @@
           <a:p>
             <a:fld id="{60029C98-5D54-43BD-B436-29F4C541DD0B}" type="datetimeFigureOut">
               <a:rPr lang="en-US" smtClean="0"/>
-              <a:t>8/10/2009</a:t>
+              <a:pPr/>
+              <a:t>9/19/2009</a:t>
             </a:fld>
             <a:endParaRPr lang="en-US"/>
           </a:p>
@@ -1077,6 +1529,7 @@
           <a:p>
             <a:fld id="{B5418864-DC6A-43DD-9573-4BD82577934E}" type="slidenum">
               <a:rPr lang="en-US" smtClean="0"/>
+              <a:pPr/>
               <a:t>‹#›</a:t>
             </a:fld>
             <a:endParaRPr lang="en-US"/>
@@ -1086,7 +1539,7 @@
     </p:spTree>
   </p:cSld>
   <p:clrMapOvr>
-    <a:masterClrMapping/>
+    <a:overrideClrMapping bg1="dk1" tx1="lt1" bg2="dk2" tx2="lt2" accent1="accent1" accent2="accent2" accent3="accent3" accent4="accent4" accent5="accent5" accent6="accent6" hlink="hlink" folHlink="folHlink"/>
   </p:clrMapOvr>
 </p:sldLayout>
 </file>
@@ -1118,16 +1571,21 @@
             <p:ph type="title"/>
           </p:nvPr>
         </p:nvSpPr>
-        <p:spPr/>
+        <p:spPr>
+          <a:xfrm>
+            <a:off x="457200" y="274638"/>
+            <a:ext cx="7467600" cy="1143000"/>
+          </a:xfrm>
+        </p:spPr>
         <p:txBody>
           <a:bodyPr/>
           <a:lstStyle/>
           <a:p>
             <a:r>
-              <a:rPr lang="en-US" smtClean="0"/>
+              <a:rPr kumimoji="0" lang="en-US" smtClean="0"/>
               <a:t>Click to edit Master title style</a:t>
             </a:r>
-            <a:endParaRPr lang="en-US"/>
+            <a:endParaRPr kumimoji="0" lang="en-US"/>
           </a:p>
         </p:txBody>
       </p:sp>
@@ -1144,17 +1602,17 @@
         <p:spPr>
           <a:xfrm>
             <a:off x="457200" y="1600200"/>
-            <a:ext cx="4038600" cy="4525963"/>
+            <a:ext cx="3657600" cy="4525963"/>
           </a:xfrm>
         </p:spPr>
         <p:txBody>
           <a:bodyPr/>
           <a:lstStyle>
             <a:lvl1pPr>
-              <a:defRPr sz="2800"/>
+              <a:defRPr sz="2600"/>
             </a:lvl1pPr>
             <a:lvl2pPr>
-              <a:defRPr sz="2400"/>
+              <a:defRPr sz="2200"/>
             </a:lvl2pPr>
             <a:lvl3pPr>
               <a:defRPr sz="2000"/>
@@ -1165,54 +1623,42 @@
             <a:lvl5pPr>
               <a:defRPr sz="1800"/>
             </a:lvl5pPr>
-            <a:lvl6pPr>
-              <a:defRPr sz="1800"/>
-            </a:lvl6pPr>
-            <a:lvl7pPr>
-              <a:defRPr sz="1800"/>
-            </a:lvl7pPr>
-            <a:lvl8pPr>
-              <a:defRPr sz="1800"/>
-            </a:lvl8pPr>
-            <a:lvl9pPr>
-              <a:defRPr sz="1800"/>
-            </a:lvl9pPr>
           </a:lstStyle>
           <a:p>
-            <a:pPr lvl="0"/>
+            <a:pPr lvl="0" eaLnBrk="1" latinLnBrk="0" hangingPunct="1"/>
             <a:r>
               <a:rPr lang="en-US" smtClean="0"/>
               <a:t>Click to edit Master text styles</a:t>
             </a:r>
           </a:p>
           <a:p>
-            <a:pPr lvl="1"/>
+            <a:pPr lvl="1" eaLnBrk="1" latinLnBrk="0" hangingPunct="1"/>
             <a:r>
               <a:rPr lang="en-US" smtClean="0"/>
               <a:t>Second level</a:t>
             </a:r>
           </a:p>
           <a:p>
-            <a:pPr lvl="2"/>
+            <a:pPr lvl="2" eaLnBrk="1" latinLnBrk="0" hangingPunct="1"/>
             <a:r>
               <a:rPr lang="en-US" smtClean="0"/>
               <a:t>Third level</a:t>
             </a:r>
           </a:p>
           <a:p>
-            <a:pPr lvl="3"/>
+            <a:pPr lvl="3" eaLnBrk="1" latinLnBrk="0" hangingPunct="1"/>
             <a:r>
               <a:rPr lang="en-US" smtClean="0"/>
               <a:t>Fourth level</a:t>
             </a:r>
           </a:p>
           <a:p>
-            <a:pPr lvl="4"/>
+            <a:pPr lvl="4" eaLnBrk="1" latinLnBrk="0" hangingPunct="1"/>
             <a:r>
               <a:rPr lang="en-US" smtClean="0"/>
               <a:t>Fifth level</a:t>
             </a:r>
-            <a:endParaRPr lang="en-US"/>
+            <a:endParaRPr kumimoji="0" lang="en-US"/>
           </a:p>
         </p:txBody>
       </p:sp>
@@ -1228,18 +1674,18 @@
         </p:nvSpPr>
         <p:spPr>
           <a:xfrm>
-            <a:off x="4648200" y="1600200"/>
-            <a:ext cx="4038600" cy="4525963"/>
+            <a:off x="4267200" y="1600200"/>
+            <a:ext cx="3657600" cy="4525963"/>
           </a:xfrm>
         </p:spPr>
         <p:txBody>
           <a:bodyPr/>
           <a:lstStyle>
             <a:lvl1pPr>
-              <a:defRPr sz="2800"/>
+              <a:defRPr sz="2600"/>
             </a:lvl1pPr>
             <a:lvl2pPr>
-              <a:defRPr sz="2400"/>
+              <a:defRPr sz="2200"/>
             </a:lvl2pPr>
             <a:lvl3pPr>
               <a:defRPr sz="2000"/>
@@ -1250,54 +1696,42 @@
             <a:lvl5pPr>
               <a:defRPr sz="1800"/>
             </a:lvl5pPr>
-            <a:lvl6pPr>
-              <a:defRPr sz="1800"/>
-            </a:lvl6pPr>
-            <a:lvl7pPr>
-              <a:defRPr sz="1800"/>
-            </a:lvl7pPr>
-            <a:lvl8pPr>
-              <a:defRPr sz="1800"/>
-            </a:lvl8pPr>
-            <a:lvl9pPr>
-              <a:defRPr sz="1800"/>
-            </a:lvl9pPr>
           </a:lstStyle>
           <a:p>
-            <a:pPr lvl="0"/>
+            <a:pPr lvl="0" eaLnBrk="1" latinLnBrk="0" hangingPunct="1"/>
             <a:r>
               <a:rPr lang="en-US" smtClean="0"/>
               <a:t>Click to edit Master text styles</a:t>
             </a:r>
           </a:p>
           <a:p>
-            <a:pPr lvl="1"/>
+            <a:pPr lvl="1" eaLnBrk="1" latinLnBrk="0" hangingPunct="1"/>
             <a:r>
               <a:rPr lang="en-US" smtClean="0"/>
               <a:t>Second level</a:t>
             </a:r>
           </a:p>
           <a:p>
-            <a:pPr lvl="2"/>
+            <a:pPr lvl="2" eaLnBrk="1" latinLnBrk="0" hangingPunct="1"/>
             <a:r>
               <a:rPr lang="en-US" smtClean="0"/>
               <a:t>Third level</a:t>
             </a:r>
           </a:p>
           <a:p>
-            <a:pPr lvl="3"/>
+            <a:pPr lvl="3" eaLnBrk="1" latinLnBrk="0" hangingPunct="1"/>
             <a:r>
               <a:rPr lang="en-US" smtClean="0"/>
               <a:t>Fourth level</a:t>
             </a:r>
           </a:p>
           <a:p>
-            <a:pPr lvl="4"/>
+            <a:pPr lvl="4" eaLnBrk="1" latinLnBrk="0" hangingPunct="1"/>
             <a:r>
               <a:rPr lang="en-US" smtClean="0"/>
               <a:t>Fifth level</a:t>
             </a:r>
-            <a:endParaRPr lang="en-US"/>
+            <a:endParaRPr kumimoji="0" lang="en-US"/>
           </a:p>
         </p:txBody>
       </p:sp>
@@ -1318,7 +1752,8 @@
           <a:p>
             <a:fld id="{60029C98-5D54-43BD-B436-29F4C541DD0B}" type="datetimeFigureOut">
               <a:rPr lang="en-US" smtClean="0"/>
-              <a:t>8/10/2009</a:t>
+              <a:pPr/>
+              <a:t>9/19/2009</a:t>
             </a:fld>
             <a:endParaRPr lang="en-US"/>
           </a:p>
@@ -1360,6 +1795,7 @@
           <a:p>
             <a:fld id="{B5418864-DC6A-43DD-9573-4BD82577934E}" type="slidenum">
               <a:rPr lang="en-US" smtClean="0"/>
+              <a:pPr/>
               <a:t>‹#›</a:t>
             </a:fld>
             <a:endParaRPr lang="en-US"/>
@@ -1375,7 +1811,7 @@
 </file>
 
 <file path=ppt/slideLayouts/slideLayout5.xml><?xml version="1.0" encoding="utf-8"?>
-<p:sldLayout xmlns:a="http://schemas.openxmlformats.org/drawingml/2006/main" xmlns:r="http://schemas.openxmlformats.org/officeDocument/2006/relationships" xmlns:p="http://schemas.openxmlformats.org/presentationml/2006/main" type="twoTxTwoObj" preserve="1">
+<p:sldLayout xmlns:a="http://schemas.openxmlformats.org/drawingml/2006/main" xmlns:r="http://schemas.openxmlformats.org/officeDocument/2006/relationships" xmlns:p="http://schemas.openxmlformats.org/presentationml/2006/main" showMasterSp="0" type="twoTxTwoObj" preserve="1">
   <p:cSld name="Comparison">
     <p:spTree>
       <p:nvGrpSpPr>
@@ -1401,9 +1837,14 @@
             <p:ph type="title"/>
           </p:nvPr>
         </p:nvSpPr>
-        <p:spPr/>
-        <p:txBody>
-          <a:bodyPr/>
+        <p:spPr>
+          <a:xfrm>
+            <a:off x="457200" y="273050"/>
+            <a:ext cx="8229600" cy="1143000"/>
+          </a:xfrm>
+        </p:spPr>
+        <p:txBody>
+          <a:bodyPr anchor="ctr"/>
           <a:lstStyle>
             <a:lvl1pPr>
               <a:defRPr/>
@@ -1411,10 +1852,10 @@
           </a:lstStyle>
           <a:p>
             <a:r>
-              <a:rPr lang="en-US" smtClean="0"/>
+              <a:rPr kumimoji="0" lang="en-US" smtClean="0"/>
               <a:t>Click to edit Master title style</a:t>
             </a:r>
-            <a:endParaRPr lang="en-US"/>
+            <a:endParaRPr kumimoji="0" lang="en-US"/>
           </a:p>
         </p:txBody>
       </p:sp>
@@ -1430,54 +1871,95 @@
         </p:nvSpPr>
         <p:spPr>
           <a:xfrm>
-            <a:off x="457200" y="1535113"/>
-            <a:ext cx="4040188" cy="639762"/>
-          </a:xfrm>
-        </p:spPr>
-        <p:txBody>
-          <a:bodyPr anchor="b"/>
+            <a:off x="457200" y="5486400"/>
+            <a:ext cx="4040188" cy="838200"/>
+          </a:xfrm>
+        </p:spPr>
+        <p:txBody>
+          <a:bodyPr anchor="t"/>
           <a:lstStyle>
             <a:lvl1pPr marL="0" indent="0">
               <a:buNone/>
-              <a:defRPr sz="2400" b="1"/>
+              <a:defRPr sz="2400" b="1">
+                <a:solidFill>
+                  <a:schemeClr val="accent1"/>
+                </a:solidFill>
+              </a:defRPr>
             </a:lvl1pPr>
-            <a:lvl2pPr marL="457200" indent="0">
+            <a:lvl2pPr>
               <a:buNone/>
               <a:defRPr sz="2000" b="1"/>
             </a:lvl2pPr>
-            <a:lvl3pPr marL="914400" indent="0">
+            <a:lvl3pPr>
               <a:buNone/>
               <a:defRPr sz="1800" b="1"/>
             </a:lvl3pPr>
-            <a:lvl4pPr marL="1371600" indent="0">
+            <a:lvl4pPr>
               <a:buNone/>
               <a:defRPr sz="1600" b="1"/>
             </a:lvl4pPr>
-            <a:lvl5pPr marL="1828800" indent="0">
+            <a:lvl5pPr>
               <a:buNone/>
               <a:defRPr sz="1600" b="1"/>
             </a:lvl5pPr>
-            <a:lvl6pPr marL="2286000" indent="0">
+          </a:lstStyle>
+          <a:p>
+            <a:pPr lvl="0" eaLnBrk="1" latinLnBrk="0" hangingPunct="1"/>
+            <a:r>
+              <a:rPr kumimoji="0" lang="en-US" smtClean="0"/>
+              <a:t>Click to edit Master text styles</a:t>
+            </a:r>
+          </a:p>
+        </p:txBody>
+      </p:sp>
+      <p:sp>
+        <p:nvSpPr>
+          <p:cNvPr id="4" name="Text Placeholder 3"/>
+          <p:cNvSpPr>
+            <a:spLocks noGrp="1"/>
+          </p:cNvSpPr>
+          <p:nvPr>
+            <p:ph type="body" sz="half" idx="3"/>
+          </p:nvPr>
+        </p:nvSpPr>
+        <p:spPr>
+          <a:xfrm>
+            <a:off x="4645025" y="5486400"/>
+            <a:ext cx="4041775" cy="838200"/>
+          </a:xfrm>
+        </p:spPr>
+        <p:txBody>
+          <a:bodyPr anchor="t"/>
+          <a:lstStyle>
+            <a:lvl1pPr marL="0" indent="0">
+              <a:buNone/>
+              <a:defRPr sz="2400" b="1">
+                <a:solidFill>
+                  <a:schemeClr val="accent1"/>
+                </a:solidFill>
+              </a:defRPr>
+            </a:lvl1pPr>
+            <a:lvl2pPr>
+              <a:buNone/>
+              <a:defRPr sz="2000" b="1"/>
+            </a:lvl2pPr>
+            <a:lvl3pPr>
+              <a:buNone/>
+              <a:defRPr sz="1800" b="1"/>
+            </a:lvl3pPr>
+            <a:lvl4pPr>
               <a:buNone/>
               <a:defRPr sz="1600" b="1"/>
-            </a:lvl6pPr>
-            <a:lvl7pPr marL="2743200" indent="0">
+            </a:lvl4pPr>
+            <a:lvl5pPr>
               <a:buNone/>
               <a:defRPr sz="1600" b="1"/>
-            </a:lvl7pPr>
-            <a:lvl8pPr marL="3200400" indent="0">
-              <a:buNone/>
-              <a:defRPr sz="1600" b="1"/>
-            </a:lvl8pPr>
-            <a:lvl9pPr marL="3657600" indent="0">
-              <a:buNone/>
-              <a:defRPr sz="1600" b="1"/>
-            </a:lvl9pPr>
+            </a:lvl5pPr>
           </a:lstStyle>
           <a:p>
-            <a:pPr lvl="0"/>
-            <a:r>
-              <a:rPr lang="en-US" smtClean="0"/>
+            <a:pPr lvl="0" eaLnBrk="1" latinLnBrk="0" hangingPunct="1"/>
+            <a:r>
+              <a:rPr kumimoji="0" lang="en-US" smtClean="0"/>
               <a:t>Click to edit Master text styles</a:t>
             </a:r>
           </a:p>
@@ -1485,18 +1967,18 @@
       </p:sp>
       <p:sp>
         <p:nvSpPr>
-          <p:cNvPr id="4" name="Content Placeholder 3"/>
-          <p:cNvSpPr>
-            <a:spLocks noGrp="1"/>
-          </p:cNvSpPr>
-          <p:nvPr>
-            <p:ph sz="half" idx="2"/>
+          <p:cNvPr id="5" name="Content Placeholder 4"/>
+          <p:cNvSpPr>
+            <a:spLocks noGrp="1"/>
+          </p:cNvSpPr>
+          <p:nvPr>
+            <p:ph sz="quarter" idx="2"/>
           </p:nvPr>
         </p:nvSpPr>
         <p:spPr>
           <a:xfrm>
-            <a:off x="457200" y="2174875"/>
-            <a:ext cx="4040188" cy="3951288"/>
+            <a:off x="457200" y="1516912"/>
+            <a:ext cx="4040188" cy="3941763"/>
           </a:xfrm>
         </p:spPr>
         <p:txBody>
@@ -1517,136 +1999,59 @@
             <a:lvl5pPr>
               <a:defRPr sz="1600"/>
             </a:lvl5pPr>
-            <a:lvl6pPr>
-              <a:defRPr sz="1600"/>
-            </a:lvl6pPr>
-            <a:lvl7pPr>
-              <a:defRPr sz="1600"/>
-            </a:lvl7pPr>
-            <a:lvl8pPr>
-              <a:defRPr sz="1600"/>
-            </a:lvl8pPr>
-            <a:lvl9pPr>
-              <a:defRPr sz="1600"/>
-            </a:lvl9pPr>
           </a:lstStyle>
           <a:p>
-            <a:pPr lvl="0"/>
+            <a:pPr lvl="0" eaLnBrk="1" latinLnBrk="0" hangingPunct="1"/>
             <a:r>
               <a:rPr lang="en-US" smtClean="0"/>
               <a:t>Click to edit Master text styles</a:t>
             </a:r>
           </a:p>
           <a:p>
-            <a:pPr lvl="1"/>
+            <a:pPr lvl="1" eaLnBrk="1" latinLnBrk="0" hangingPunct="1"/>
             <a:r>
               <a:rPr lang="en-US" smtClean="0"/>
               <a:t>Second level</a:t>
             </a:r>
           </a:p>
           <a:p>
-            <a:pPr lvl="2"/>
+            <a:pPr lvl="2" eaLnBrk="1" latinLnBrk="0" hangingPunct="1"/>
             <a:r>
               <a:rPr lang="en-US" smtClean="0"/>
               <a:t>Third level</a:t>
             </a:r>
           </a:p>
           <a:p>
-            <a:pPr lvl="3"/>
+            <a:pPr lvl="3" eaLnBrk="1" latinLnBrk="0" hangingPunct="1"/>
             <a:r>
               <a:rPr lang="en-US" smtClean="0"/>
               <a:t>Fourth level</a:t>
             </a:r>
           </a:p>
           <a:p>
-            <a:pPr lvl="4"/>
+            <a:pPr lvl="4" eaLnBrk="1" latinLnBrk="0" hangingPunct="1"/>
             <a:r>
               <a:rPr lang="en-US" smtClean="0"/>
               <a:t>Fifth level</a:t>
             </a:r>
-            <a:endParaRPr lang="en-US"/>
-          </a:p>
-        </p:txBody>
-      </p:sp>
-      <p:sp>
-        <p:nvSpPr>
-          <p:cNvPr id="5" name="Text Placeholder 4"/>
-          <p:cNvSpPr>
-            <a:spLocks noGrp="1"/>
-          </p:cNvSpPr>
-          <p:nvPr>
-            <p:ph type="body" sz="quarter" idx="3"/>
+            <a:endParaRPr kumimoji="0" lang="en-US"/>
+          </a:p>
+        </p:txBody>
+      </p:sp>
+      <p:sp>
+        <p:nvSpPr>
+          <p:cNvPr id="6" name="Content Placeholder 5"/>
+          <p:cNvSpPr>
+            <a:spLocks noGrp="1"/>
+          </p:cNvSpPr>
+          <p:nvPr>
+            <p:ph sz="quarter" idx="4"/>
           </p:nvPr>
         </p:nvSpPr>
         <p:spPr>
           <a:xfrm>
-            <a:off x="4645025" y="1535113"/>
-            <a:ext cx="4041775" cy="639762"/>
-          </a:xfrm>
-        </p:spPr>
-        <p:txBody>
-          <a:bodyPr anchor="b"/>
-          <a:lstStyle>
-            <a:lvl1pPr marL="0" indent="0">
-              <a:buNone/>
-              <a:defRPr sz="2400" b="1"/>
-            </a:lvl1pPr>
-            <a:lvl2pPr marL="457200" indent="0">
-              <a:buNone/>
-              <a:defRPr sz="2000" b="1"/>
-            </a:lvl2pPr>
-            <a:lvl3pPr marL="914400" indent="0">
-              <a:buNone/>
-              <a:defRPr sz="1800" b="1"/>
-            </a:lvl3pPr>
-            <a:lvl4pPr marL="1371600" indent="0">
-              <a:buNone/>
-              <a:defRPr sz="1600" b="1"/>
-            </a:lvl4pPr>
-            <a:lvl5pPr marL="1828800" indent="0">
-              <a:buNone/>
-              <a:defRPr sz="1600" b="1"/>
-            </a:lvl5pPr>
-            <a:lvl6pPr marL="2286000" indent="0">
-              <a:buNone/>
-              <a:defRPr sz="1600" b="1"/>
-            </a:lvl6pPr>
-            <a:lvl7pPr marL="2743200" indent="0">
-              <a:buNone/>
-              <a:defRPr sz="1600" b="1"/>
-            </a:lvl7pPr>
-            <a:lvl8pPr marL="3200400" indent="0">
-              <a:buNone/>
-              <a:defRPr sz="1600" b="1"/>
-            </a:lvl8pPr>
-            <a:lvl9pPr marL="3657600" indent="0">
-              <a:buNone/>
-              <a:defRPr sz="1600" b="1"/>
-            </a:lvl9pPr>
-          </a:lstStyle>
-          <a:p>
-            <a:pPr lvl="0"/>
-            <a:r>
-              <a:rPr lang="en-US" smtClean="0"/>
-              <a:t>Click to edit Master text styles</a:t>
-            </a:r>
-          </a:p>
-        </p:txBody>
-      </p:sp>
-      <p:sp>
-        <p:nvSpPr>
-          <p:cNvPr id="6" name="Content Placeholder 5"/>
-          <p:cNvSpPr>
-            <a:spLocks noGrp="1"/>
-          </p:cNvSpPr>
-          <p:nvPr>
-            <p:ph sz="quarter" idx="4"/>
-          </p:nvPr>
-        </p:nvSpPr>
-        <p:spPr>
-          <a:xfrm>
-            <a:off x="4645025" y="2174875"/>
-            <a:ext cx="4041775" cy="3951288"/>
+            <a:off x="4645025" y="1516912"/>
+            <a:ext cx="4041775" cy="3941763"/>
           </a:xfrm>
         </p:spPr>
         <p:txBody>
@@ -1667,54 +2072,42 @@
             <a:lvl5pPr>
               <a:defRPr sz="1600"/>
             </a:lvl5pPr>
-            <a:lvl6pPr>
-              <a:defRPr sz="1600"/>
-            </a:lvl6pPr>
-            <a:lvl7pPr>
-              <a:defRPr sz="1600"/>
-            </a:lvl7pPr>
-            <a:lvl8pPr>
-              <a:defRPr sz="1600"/>
-            </a:lvl8pPr>
-            <a:lvl9pPr>
-              <a:defRPr sz="1600"/>
-            </a:lvl9pPr>
           </a:lstStyle>
           <a:p>
-            <a:pPr lvl="0"/>
+            <a:pPr lvl="0" eaLnBrk="1" latinLnBrk="0" hangingPunct="1"/>
             <a:r>
               <a:rPr lang="en-US" smtClean="0"/>
               <a:t>Click to edit Master text styles</a:t>
             </a:r>
           </a:p>
           <a:p>
-            <a:pPr lvl="1"/>
+            <a:pPr lvl="1" eaLnBrk="1" latinLnBrk="0" hangingPunct="1"/>
             <a:r>
               <a:rPr lang="en-US" smtClean="0"/>
               <a:t>Second level</a:t>
             </a:r>
           </a:p>
           <a:p>
-            <a:pPr lvl="2"/>
+            <a:pPr lvl="2" eaLnBrk="1" latinLnBrk="0" hangingPunct="1"/>
             <a:r>
               <a:rPr lang="en-US" smtClean="0"/>
               <a:t>Third level</a:t>
             </a:r>
           </a:p>
           <a:p>
-            <a:pPr lvl="3"/>
+            <a:pPr lvl="3" eaLnBrk="1" latinLnBrk="0" hangingPunct="1"/>
             <a:r>
               <a:rPr lang="en-US" smtClean="0"/>
               <a:t>Fourth level</a:t>
             </a:r>
           </a:p>
           <a:p>
-            <a:pPr lvl="4"/>
+            <a:pPr lvl="4" eaLnBrk="1" latinLnBrk="0" hangingPunct="1"/>
             <a:r>
               <a:rPr lang="en-US" smtClean="0"/>
               <a:t>Fifth level</a:t>
             </a:r>
-            <a:endParaRPr lang="en-US"/>
+            <a:endParaRPr kumimoji="0" lang="en-US"/>
           </a:p>
         </p:txBody>
       </p:sp>
@@ -1735,7 +2128,8 @@
           <a:p>
             <a:fld id="{60029C98-5D54-43BD-B436-29F4C541DD0B}" type="datetimeFigureOut">
               <a:rPr lang="en-US" smtClean="0"/>
-              <a:t>8/10/2009</a:t>
+              <a:pPr/>
+              <a:t>9/19/2009</a:t>
             </a:fld>
             <a:endParaRPr lang="en-US"/>
           </a:p>
@@ -1777,6 +2171,7 @@
           <a:p>
             <a:fld id="{B5418864-DC6A-43DD-9573-4BD82577934E}" type="slidenum">
               <a:rPr lang="en-US" smtClean="0"/>
+              <a:pPr/>
               <a:t>‹#›</a:t>
             </a:fld>
             <a:endParaRPr lang="en-US"/>
@@ -1818,22 +2213,31 @@
             <p:ph type="title"/>
           </p:nvPr>
         </p:nvSpPr>
-        <p:spPr/>
-        <p:txBody>
-          <a:bodyPr/>
-          <a:lstStyle/>
-          <a:p>
-            <a:r>
-              <a:rPr lang="en-US" smtClean="0"/>
+        <p:spPr>
+          <a:xfrm>
+            <a:off x="457200" y="274320"/>
+            <a:ext cx="7470648" cy="1143000"/>
+          </a:xfrm>
+        </p:spPr>
+        <p:txBody>
+          <a:bodyPr anchor="ctr"/>
+          <a:lstStyle>
+            <a:lvl1pPr algn="l">
+              <a:defRPr sz="4600"/>
+            </a:lvl1pPr>
+          </a:lstStyle>
+          <a:p>
+            <a:r>
+              <a:rPr kumimoji="0" lang="en-US" smtClean="0"/>
               <a:t>Click to edit Master title style</a:t>
             </a:r>
-            <a:endParaRPr lang="en-US"/>
-          </a:p>
-        </p:txBody>
-      </p:sp>
-      <p:sp>
-        <p:nvSpPr>
-          <p:cNvPr id="3" name="Date Placeholder 2"/>
+            <a:endParaRPr kumimoji="0" lang="en-US"/>
+          </a:p>
+        </p:txBody>
+      </p:sp>
+      <p:sp>
+        <p:nvSpPr>
+          <p:cNvPr id="7" name="Date Placeholder 6"/>
           <p:cNvSpPr>
             <a:spLocks noGrp="1"/>
           </p:cNvSpPr>
@@ -1848,7 +2252,8 @@
           <a:p>
             <a:fld id="{60029C98-5D54-43BD-B436-29F4C541DD0B}" type="datetimeFigureOut">
               <a:rPr lang="en-US" smtClean="0"/>
-              <a:t>8/10/2009</a:t>
+              <a:pPr/>
+              <a:t>9/19/2009</a:t>
             </a:fld>
             <a:endParaRPr lang="en-US"/>
           </a:p>
@@ -1856,31 +2261,12 @@
       </p:sp>
       <p:sp>
         <p:nvSpPr>
-          <p:cNvPr id="4" name="Footer Placeholder 3"/>
-          <p:cNvSpPr>
-            <a:spLocks noGrp="1"/>
-          </p:cNvSpPr>
-          <p:nvPr>
-            <p:ph type="ftr" sz="quarter" idx="11"/>
-          </p:nvPr>
-        </p:nvSpPr>
-        <p:spPr/>
-        <p:txBody>
-          <a:bodyPr/>
-          <a:lstStyle/>
-          <a:p>
-            <a:endParaRPr lang="en-US"/>
-          </a:p>
-        </p:txBody>
-      </p:sp>
-      <p:sp>
-        <p:nvSpPr>
-          <p:cNvPr id="5" name="Slide Number Placeholder 4"/>
-          <p:cNvSpPr>
-            <a:spLocks noGrp="1"/>
-          </p:cNvSpPr>
-          <p:nvPr>
-            <p:ph type="sldNum" sz="quarter" idx="12"/>
+          <p:cNvPr id="8" name="Slide Number Placeholder 7"/>
+          <p:cNvSpPr>
+            <a:spLocks noGrp="1"/>
+          </p:cNvSpPr>
+          <p:nvPr>
+            <p:ph type="sldNum" sz="quarter" idx="11"/>
           </p:nvPr>
         </p:nvSpPr>
         <p:spPr/>
@@ -1890,8 +2276,28 @@
           <a:p>
             <a:fld id="{B5418864-DC6A-43DD-9573-4BD82577934E}" type="slidenum">
               <a:rPr lang="en-US" smtClean="0"/>
+              <a:pPr/>
               <a:t>‹#›</a:t>
             </a:fld>
+            <a:endParaRPr lang="en-US"/>
+          </a:p>
+        </p:txBody>
+      </p:sp>
+      <p:sp>
+        <p:nvSpPr>
+          <p:cNvPr id="9" name="Footer Placeholder 8"/>
+          <p:cNvSpPr>
+            <a:spLocks noGrp="1"/>
+          </p:cNvSpPr>
+          <p:nvPr>
+            <p:ph type="ftr" sz="quarter" idx="12"/>
+          </p:nvPr>
+        </p:nvSpPr>
+        <p:spPr/>
+        <p:txBody>
+          <a:bodyPr/>
+          <a:lstStyle/>
+          <a:p>
             <a:endParaRPr lang="en-US"/>
           </a:p>
         </p:txBody>
@@ -1938,7 +2344,8 @@
           <a:p>
             <a:fld id="{60029C98-5D54-43BD-B436-29F4C541DD0B}" type="datetimeFigureOut">
               <a:rPr lang="en-US" smtClean="0"/>
-              <a:t>8/10/2009</a:t>
+              <a:pPr/>
+              <a:t>9/19/2009</a:t>
             </a:fld>
             <a:endParaRPr lang="en-US"/>
           </a:p>
@@ -1980,6 +2387,7 @@
           <a:p>
             <a:fld id="{B5418864-DC6A-43DD-9573-4BD82577934E}" type="slidenum">
               <a:rPr lang="en-US" smtClean="0"/>
+              <a:pPr/>
               <a:t>‹#›</a:t>
             </a:fld>
             <a:endParaRPr lang="en-US"/>
@@ -2023,53 +2431,107 @@
         </p:nvSpPr>
         <p:spPr>
           <a:xfrm>
-            <a:off x="457200" y="273050"/>
-            <a:ext cx="3008313" cy="1162050"/>
-          </a:xfrm>
-        </p:spPr>
-        <p:txBody>
-          <a:bodyPr anchor="b"/>
+            <a:off x="457200" y="1185528"/>
+            <a:ext cx="3200400" cy="730250"/>
+          </a:xfrm>
+        </p:spPr>
+        <p:txBody>
+          <a:bodyPr tIns="0" bIns="0" anchor="t"/>
           <a:lstStyle>
             <a:lvl1pPr algn="l">
-              <a:defRPr sz="2000" b="1"/>
+              <a:buNone/>
+              <a:defRPr sz="1800" b="1">
+                <a:solidFill>
+                  <a:schemeClr val="accent1"/>
+                </a:solidFill>
+              </a:defRPr>
             </a:lvl1pPr>
           </a:lstStyle>
           <a:p>
             <a:r>
-              <a:rPr lang="en-US" smtClean="0"/>
+              <a:rPr kumimoji="0" lang="en-US" smtClean="0"/>
               <a:t>Click to edit Master title style</a:t>
             </a:r>
-            <a:endParaRPr lang="en-US"/>
-          </a:p>
-        </p:txBody>
-      </p:sp>
-      <p:sp>
-        <p:nvSpPr>
-          <p:cNvPr id="3" name="Content Placeholder 2"/>
-          <p:cNvSpPr>
-            <a:spLocks noGrp="1"/>
-          </p:cNvSpPr>
-          <p:nvPr>
-            <p:ph idx="1"/>
+            <a:endParaRPr kumimoji="0" lang="en-US"/>
+          </a:p>
+        </p:txBody>
+      </p:sp>
+      <p:sp>
+        <p:nvSpPr>
+          <p:cNvPr id="3" name="Text Placeholder 2"/>
+          <p:cNvSpPr>
+            <a:spLocks noGrp="1"/>
+          </p:cNvSpPr>
+          <p:nvPr>
+            <p:ph type="body" idx="2"/>
           </p:nvPr>
         </p:nvSpPr>
         <p:spPr>
           <a:xfrm>
-            <a:off x="3575050" y="273050"/>
-            <a:ext cx="5111750" cy="5853113"/>
+            <a:off x="457200" y="214424"/>
+            <a:ext cx="2743200" cy="914400"/>
+          </a:xfrm>
+        </p:spPr>
+        <p:txBody>
+          <a:bodyPr lIns="45720" tIns="0" rIns="45720" bIns="0" anchor="b"/>
+          <a:lstStyle>
+            <a:lvl1pPr marL="0" indent="0" algn="l">
+              <a:buNone/>
+              <a:defRPr sz="1400"/>
+            </a:lvl1pPr>
+            <a:lvl2pPr>
+              <a:buNone/>
+              <a:defRPr sz="1200"/>
+            </a:lvl2pPr>
+            <a:lvl3pPr>
+              <a:buNone/>
+              <a:defRPr sz="1000"/>
+            </a:lvl3pPr>
+            <a:lvl4pPr>
+              <a:buNone/>
+              <a:defRPr sz="900"/>
+            </a:lvl4pPr>
+            <a:lvl5pPr>
+              <a:buNone/>
+              <a:defRPr sz="900"/>
+            </a:lvl5pPr>
+          </a:lstStyle>
+          <a:p>
+            <a:pPr lvl="0" eaLnBrk="1" latinLnBrk="0" hangingPunct="1"/>
+            <a:r>
+              <a:rPr kumimoji="0" lang="en-US" smtClean="0"/>
+              <a:t>Click to edit Master text styles</a:t>
+            </a:r>
+          </a:p>
+        </p:txBody>
+      </p:sp>
+      <p:sp>
+        <p:nvSpPr>
+          <p:cNvPr id="4" name="Content Placeholder 3"/>
+          <p:cNvSpPr>
+            <a:spLocks noGrp="1"/>
+          </p:cNvSpPr>
+          <p:nvPr>
+            <p:ph sz="half" idx="1"/>
+          </p:nvPr>
+        </p:nvSpPr>
+        <p:spPr>
+          <a:xfrm>
+            <a:off x="457200" y="1981200"/>
+            <a:ext cx="7086600" cy="3810000"/>
           </a:xfrm>
         </p:spPr>
         <p:txBody>
           <a:bodyPr/>
           <a:lstStyle>
             <a:lvl1pPr>
-              <a:defRPr sz="3200"/>
+              <a:defRPr sz="2800"/>
             </a:lvl1pPr>
             <a:lvl2pPr>
-              <a:defRPr sz="2800"/>
+              <a:defRPr sz="2400"/>
             </a:lvl2pPr>
             <a:lvl3pPr>
-              <a:defRPr sz="2400"/>
+              <a:defRPr sz="2200"/>
             </a:lvl3pPr>
             <a:lvl4pPr>
               <a:defRPr sz="2000"/>
@@ -2077,181 +2539,111 @@
             <a:lvl5pPr>
               <a:defRPr sz="2000"/>
             </a:lvl5pPr>
-            <a:lvl6pPr>
-              <a:defRPr sz="2000"/>
-            </a:lvl6pPr>
-            <a:lvl7pPr>
-              <a:defRPr sz="2000"/>
-            </a:lvl7pPr>
-            <a:lvl8pPr>
-              <a:defRPr sz="2000"/>
-            </a:lvl8pPr>
-            <a:lvl9pPr>
-              <a:defRPr sz="2000"/>
-            </a:lvl9pPr>
           </a:lstStyle>
           <a:p>
-            <a:pPr lvl="0"/>
+            <a:pPr lvl="0" eaLnBrk="1" latinLnBrk="0" hangingPunct="1"/>
             <a:r>
               <a:rPr lang="en-US" smtClean="0"/>
               <a:t>Click to edit Master text styles</a:t>
             </a:r>
           </a:p>
           <a:p>
-            <a:pPr lvl="1"/>
+            <a:pPr lvl="1" eaLnBrk="1" latinLnBrk="0" hangingPunct="1"/>
             <a:r>
               <a:rPr lang="en-US" smtClean="0"/>
               <a:t>Second level</a:t>
             </a:r>
           </a:p>
           <a:p>
-            <a:pPr lvl="2"/>
+            <a:pPr lvl="2" eaLnBrk="1" latinLnBrk="0" hangingPunct="1"/>
             <a:r>
               <a:rPr lang="en-US" smtClean="0"/>
               <a:t>Third level</a:t>
             </a:r>
           </a:p>
           <a:p>
-            <a:pPr lvl="3"/>
+            <a:pPr lvl="3" eaLnBrk="1" latinLnBrk="0" hangingPunct="1"/>
             <a:r>
               <a:rPr lang="en-US" smtClean="0"/>
               <a:t>Fourth level</a:t>
             </a:r>
           </a:p>
           <a:p>
-            <a:pPr lvl="4"/>
+            <a:pPr lvl="4" eaLnBrk="1" latinLnBrk="0" hangingPunct="1"/>
             <a:r>
               <a:rPr lang="en-US" smtClean="0"/>
               <a:t>Fifth level</a:t>
             </a:r>
+            <a:endParaRPr kumimoji="0" lang="en-US"/>
+          </a:p>
+        </p:txBody>
+      </p:sp>
+      <p:sp>
+        <p:nvSpPr>
+          <p:cNvPr id="5" name="Date Placeholder 4"/>
+          <p:cNvSpPr>
+            <a:spLocks noGrp="1"/>
+          </p:cNvSpPr>
+          <p:nvPr>
+            <p:ph type="dt" sz="half" idx="10"/>
+          </p:nvPr>
+        </p:nvSpPr>
+        <p:spPr/>
+        <p:txBody>
+          <a:bodyPr/>
+          <a:lstStyle/>
+          <a:p>
+            <a:fld id="{60029C98-5D54-43BD-B436-29F4C541DD0B}" type="datetimeFigureOut">
+              <a:rPr lang="en-US" smtClean="0"/>
+              <a:pPr/>
+              <a:t>9/19/2009</a:t>
+            </a:fld>
             <a:endParaRPr lang="en-US"/>
           </a:p>
         </p:txBody>
       </p:sp>
       <p:sp>
         <p:nvSpPr>
-          <p:cNvPr id="4" name="Text Placeholder 3"/>
-          <p:cNvSpPr>
-            <a:spLocks noGrp="1"/>
-          </p:cNvSpPr>
-          <p:nvPr>
-            <p:ph type="body" sz="half" idx="2"/>
+          <p:cNvPr id="6" name="Footer Placeholder 5"/>
+          <p:cNvSpPr>
+            <a:spLocks noGrp="1"/>
+          </p:cNvSpPr>
+          <p:nvPr>
+            <p:ph type="ftr" sz="quarter" idx="11"/>
+          </p:nvPr>
+        </p:nvSpPr>
+        <p:spPr/>
+        <p:txBody>
+          <a:bodyPr/>
+          <a:lstStyle/>
+          <a:p>
+            <a:endParaRPr lang="en-US"/>
+          </a:p>
+        </p:txBody>
+      </p:sp>
+      <p:sp>
+        <p:nvSpPr>
+          <p:cNvPr id="7" name="Slide Number Placeholder 6"/>
+          <p:cNvSpPr>
+            <a:spLocks noGrp="1"/>
+          </p:cNvSpPr>
+          <p:nvPr>
+            <p:ph type="sldNum" sz="quarter" idx="12"/>
           </p:nvPr>
         </p:nvSpPr>
         <p:spPr>
           <a:xfrm>
-            <a:off x="457200" y="1435100"/>
-            <a:ext cx="3008313" cy="4691063"/>
-          </a:xfrm>
-        </p:spPr>
-        <p:txBody>
-          <a:bodyPr/>
-          <a:lstStyle>
-            <a:lvl1pPr marL="0" indent="0">
-              <a:buNone/>
-              <a:defRPr sz="1400"/>
-            </a:lvl1pPr>
-            <a:lvl2pPr marL="457200" indent="0">
-              <a:buNone/>
-              <a:defRPr sz="1200"/>
-            </a:lvl2pPr>
-            <a:lvl3pPr marL="914400" indent="0">
-              <a:buNone/>
-              <a:defRPr sz="1000"/>
-            </a:lvl3pPr>
-            <a:lvl4pPr marL="1371600" indent="0">
-              <a:buNone/>
-              <a:defRPr sz="900"/>
-            </a:lvl4pPr>
-            <a:lvl5pPr marL="1828800" indent="0">
-              <a:buNone/>
-              <a:defRPr sz="900"/>
-            </a:lvl5pPr>
-            <a:lvl6pPr marL="2286000" indent="0">
-              <a:buNone/>
-              <a:defRPr sz="900"/>
-            </a:lvl6pPr>
-            <a:lvl7pPr marL="2743200" indent="0">
-              <a:buNone/>
-              <a:defRPr sz="900"/>
-            </a:lvl7pPr>
-            <a:lvl8pPr marL="3200400" indent="0">
-              <a:buNone/>
-              <a:defRPr sz="900"/>
-            </a:lvl8pPr>
-            <a:lvl9pPr marL="3657600" indent="0">
-              <a:buNone/>
-              <a:defRPr sz="900"/>
-            </a:lvl9pPr>
-          </a:lstStyle>
-          <a:p>
-            <a:pPr lvl="0"/>
-            <a:r>
-              <a:rPr lang="en-US" smtClean="0"/>
-              <a:t>Click to edit Master text styles</a:t>
-            </a:r>
-          </a:p>
-        </p:txBody>
-      </p:sp>
-      <p:sp>
-        <p:nvSpPr>
-          <p:cNvPr id="5" name="Date Placeholder 4"/>
-          <p:cNvSpPr>
-            <a:spLocks noGrp="1"/>
-          </p:cNvSpPr>
-          <p:nvPr>
-            <p:ph type="dt" sz="half" idx="10"/>
-          </p:nvPr>
-        </p:nvSpPr>
-        <p:spPr/>
-        <p:txBody>
-          <a:bodyPr/>
-          <a:lstStyle/>
-          <a:p>
-            <a:fld id="{60029C98-5D54-43BD-B436-29F4C541DD0B}" type="datetimeFigureOut">
-              <a:rPr lang="en-US" smtClean="0"/>
-              <a:t>8/10/2009</a:t>
-            </a:fld>
-            <a:endParaRPr lang="en-US"/>
-          </a:p>
-        </p:txBody>
-      </p:sp>
-      <p:sp>
-        <p:nvSpPr>
-          <p:cNvPr id="6" name="Footer Placeholder 5"/>
-          <p:cNvSpPr>
-            <a:spLocks noGrp="1"/>
-          </p:cNvSpPr>
-          <p:nvPr>
-            <p:ph type="ftr" sz="quarter" idx="11"/>
-          </p:nvPr>
-        </p:nvSpPr>
-        <p:spPr/>
-        <p:txBody>
-          <a:bodyPr/>
-          <a:lstStyle/>
-          <a:p>
-            <a:endParaRPr lang="en-US"/>
-          </a:p>
-        </p:txBody>
-      </p:sp>
-      <p:sp>
-        <p:nvSpPr>
-          <p:cNvPr id="7" name="Slide Number Placeholder 6"/>
-          <p:cNvSpPr>
-            <a:spLocks noGrp="1"/>
-          </p:cNvSpPr>
-          <p:nvPr>
-            <p:ph type="sldNum" sz="quarter" idx="12"/>
-          </p:nvPr>
-        </p:nvSpPr>
-        <p:spPr/>
+            <a:off x="8156448" y="6422064"/>
+            <a:ext cx="762000" cy="365125"/>
+          </a:xfrm>
+        </p:spPr>
         <p:txBody>
           <a:bodyPr/>
           <a:lstStyle/>
           <a:p>
             <a:fld id="{B5418864-DC6A-43DD-9573-4BD82577934E}" type="slidenum">
               <a:rPr lang="en-US" smtClean="0"/>
+              <a:pPr/>
               <a:t>‹#›</a:t>
             </a:fld>
             <a:endParaRPr lang="en-US"/>
@@ -2267,7 +2659,7 @@
 </file>
 
 <file path=ppt/slideLayouts/slideLayout9.xml><?xml version="1.0" encoding="utf-8"?>
-<p:sldLayout xmlns:a="http://schemas.openxmlformats.org/drawingml/2006/main" xmlns:r="http://schemas.openxmlformats.org/officeDocument/2006/relationships" xmlns:p="http://schemas.openxmlformats.org/presentationml/2006/main" type="picTx" preserve="1">
+<p:sldLayout xmlns:a="http://schemas.openxmlformats.org/drawingml/2006/main" xmlns:r="http://schemas.openxmlformats.org/officeDocument/2006/relationships" xmlns:p="http://schemas.openxmlformats.org/presentationml/2006/main" showMasterSp="0" type="picTx" preserve="1">
   <p:cSld name="Picture with Caption">
     <p:spTree>
       <p:nvGrpSpPr>
@@ -2295,23 +2687,28 @@
         </p:nvSpPr>
         <p:spPr>
           <a:xfrm>
-            <a:off x="1792288" y="4800600"/>
-            <a:ext cx="5486400" cy="566738"/>
+            <a:off x="5556732" y="1705709"/>
+            <a:ext cx="3053868" cy="1253808"/>
           </a:xfrm>
         </p:spPr>
         <p:txBody>
           <a:bodyPr anchor="b"/>
           <a:lstStyle>
             <a:lvl1pPr algn="l">
-              <a:defRPr sz="2000" b="1"/>
+              <a:buNone/>
+              <a:defRPr sz="2200" b="1">
+                <a:solidFill>
+                  <a:schemeClr val="accent1"/>
+                </a:solidFill>
+              </a:defRPr>
             </a:lvl1pPr>
           </a:lstStyle>
           <a:p>
             <a:r>
-              <a:rPr lang="en-US" smtClean="0"/>
+              <a:rPr kumimoji="0" lang="en-US" smtClean="0"/>
               <a:t>Click to edit Master title style</a:t>
             </a:r>
-            <a:endParaRPr lang="en-US"/>
+            <a:endParaRPr kumimoji="0" lang="en-US"/>
           </a:p>
         </p:txBody>
       </p:sp>
@@ -2327,9 +2724,44 @@
         </p:nvSpPr>
         <p:spPr>
           <a:xfrm>
-            <a:off x="1792288" y="612775"/>
-            <a:ext cx="5486400" cy="4114800"/>
-          </a:xfrm>
+            <a:off x="1065628" y="1019907"/>
+            <a:ext cx="4114800" cy="4114800"/>
+          </a:xfrm>
+          <a:prstGeom prst="ellipse">
+            <a:avLst/>
+          </a:prstGeom>
+          <a:solidFill>
+            <a:schemeClr val="bg2">
+              <a:shade val="50000"/>
+            </a:schemeClr>
+          </a:solidFill>
+          <a:ln w="50800" cap="flat">
+            <a:solidFill>
+              <a:schemeClr val="bg2"/>
+            </a:solidFill>
+            <a:miter lim="800000"/>
+          </a:ln>
+          <a:effectLst>
+            <a:outerShdw blurRad="152000" dist="345000" dir="5400000" sx="-80000" sy="-18000" rotWithShape="0">
+              <a:srgbClr val="000000">
+                <a:alpha val="25000"/>
+              </a:srgbClr>
+            </a:outerShdw>
+          </a:effectLst>
+          <a:scene3d>
+            <a:camera prst="orthographicFront"/>
+            <a:lightRig rig="contrasting" dir="t">
+              <a:rot lat="0" lon="0" rev="2400000"/>
+            </a:lightRig>
+          </a:scene3d>
+          <a:sp3d contourW="7620">
+            <a:bevelT w="63500" h="63500"/>
+            <a:contourClr>
+              <a:schemeClr val="bg2">
+                <a:shade val="50000"/>
+              </a:schemeClr>
+            </a:contourClr>
+          </a:sp3d>
         </p:spPr>
         <p:txBody>
           <a:bodyPr/>
@@ -2338,41 +2770,13 @@
               <a:buNone/>
               <a:defRPr sz="3200"/>
             </a:lvl1pPr>
-            <a:lvl2pPr marL="457200" indent="0">
-              <a:buNone/>
-              <a:defRPr sz="2800"/>
-            </a:lvl2pPr>
-            <a:lvl3pPr marL="914400" indent="0">
-              <a:buNone/>
-              <a:defRPr sz="2400"/>
-            </a:lvl3pPr>
-            <a:lvl4pPr marL="1371600" indent="0">
-              <a:buNone/>
-              <a:defRPr sz="2000"/>
-            </a:lvl4pPr>
-            <a:lvl5pPr marL="1828800" indent="0">
-              <a:buNone/>
-              <a:defRPr sz="2000"/>
-            </a:lvl5pPr>
-            <a:lvl6pPr marL="2286000" indent="0">
-              <a:buNone/>
-              <a:defRPr sz="2000"/>
-            </a:lvl6pPr>
-            <a:lvl7pPr marL="2743200" indent="0">
-              <a:buNone/>
-              <a:defRPr sz="2000"/>
-            </a:lvl7pPr>
-            <a:lvl8pPr marL="3200400" indent="0">
-              <a:buNone/>
-              <a:defRPr sz="2000"/>
-            </a:lvl8pPr>
-            <a:lvl9pPr marL="3657600" indent="0">
-              <a:buNone/>
-              <a:defRPr sz="2000"/>
-            </a:lvl9pPr>
           </a:lstStyle>
           <a:p>
-            <a:endParaRPr lang="en-US"/>
+            <a:r>
+              <a:rPr kumimoji="0" lang="en-US" smtClean="0"/>
+              <a:t>Click icon to add picture</a:t>
+            </a:r>
+            <a:endParaRPr kumimoji="0" lang="en-US" dirty="0"/>
           </a:p>
         </p:txBody>
       </p:sp>
@@ -2388,54 +2792,43 @@
         </p:nvSpPr>
         <p:spPr>
           <a:xfrm>
-            <a:off x="1792288" y="5367338"/>
-            <a:ext cx="5486400" cy="804862"/>
-          </a:xfrm>
-        </p:spPr>
-        <p:txBody>
-          <a:bodyPr/>
+            <a:off x="5556734" y="2998765"/>
+            <a:ext cx="3053866" cy="2663482"/>
+          </a:xfrm>
+        </p:spPr>
+        <p:txBody>
+          <a:bodyPr lIns="45720" rIns="45720"/>
           <a:lstStyle>
             <a:lvl1pPr marL="0" indent="0">
+              <a:buFontTx/>
               <a:buNone/>
-              <a:defRPr sz="1400"/>
+              <a:defRPr sz="1200"/>
             </a:lvl1pPr>
-            <a:lvl2pPr marL="457200" indent="0">
+            <a:lvl2pPr>
+              <a:buFontTx/>
               <a:buNone/>
               <a:defRPr sz="1200"/>
             </a:lvl2pPr>
-            <a:lvl3pPr marL="914400" indent="0">
+            <a:lvl3pPr>
+              <a:buFontTx/>
               <a:buNone/>
               <a:defRPr sz="1000"/>
             </a:lvl3pPr>
-            <a:lvl4pPr marL="1371600" indent="0">
+            <a:lvl4pPr>
+              <a:buFontTx/>
               <a:buNone/>
               <a:defRPr sz="900"/>
             </a:lvl4pPr>
-            <a:lvl5pPr marL="1828800" indent="0">
+            <a:lvl5pPr>
+              <a:buFontTx/>
               <a:buNone/>
               <a:defRPr sz="900"/>
             </a:lvl5pPr>
-            <a:lvl6pPr marL="2286000" indent="0">
-              <a:buNone/>
-              <a:defRPr sz="900"/>
-            </a:lvl6pPr>
-            <a:lvl7pPr marL="2743200" indent="0">
-              <a:buNone/>
-              <a:defRPr sz="900"/>
-            </a:lvl7pPr>
-            <a:lvl8pPr marL="3200400" indent="0">
-              <a:buNone/>
-              <a:defRPr sz="900"/>
-            </a:lvl8pPr>
-            <a:lvl9pPr marL="3657600" indent="0">
-              <a:buNone/>
-              <a:defRPr sz="900"/>
-            </a:lvl9pPr>
           </a:lstStyle>
           <a:p>
-            <a:pPr lvl="0"/>
-            <a:r>
-              <a:rPr lang="en-US" smtClean="0"/>
+            <a:pPr lvl="0" eaLnBrk="1" latinLnBrk="0" hangingPunct="1"/>
+            <a:r>
+              <a:rPr kumimoji="0" lang="en-US" smtClean="0"/>
               <a:t>Click to edit Master text styles</a:t>
             </a:r>
           </a:p>
@@ -2451,14 +2844,20 @@
             <p:ph type="dt" sz="half" idx="10"/>
           </p:nvPr>
         </p:nvSpPr>
-        <p:spPr/>
+        <p:spPr>
+          <a:xfrm>
+            <a:off x="457200" y="6422064"/>
+            <a:ext cx="2133600" cy="365125"/>
+          </a:xfrm>
+        </p:spPr>
         <p:txBody>
           <a:bodyPr/>
           <a:lstStyle/>
           <a:p>
             <a:fld id="{60029C98-5D54-43BD-B436-29F4C541DD0B}" type="datetimeFigureOut">
               <a:rPr lang="en-US" smtClean="0"/>
-              <a:t>8/10/2009</a:t>
+              <a:pPr/>
+              <a:t>9/19/2009</a:t>
             </a:fld>
             <a:endParaRPr lang="en-US"/>
           </a:p>
@@ -2500,6 +2899,7 @@
           <a:p>
             <a:fld id="{B5418864-DC6A-43DD-9573-4BD82577934E}" type="slidenum">
               <a:rPr lang="en-US" smtClean="0"/>
+              <a:pPr/>
               <a:t>‹#›</a:t>
             </a:fld>
             <a:endParaRPr lang="en-US"/>
@@ -2519,7 +2919,7 @@
   <p:cSld>
     <p:bg>
       <p:bgRef idx="1001">
-        <a:schemeClr val="bg1"/>
+        <a:schemeClr val="bg2"/>
       </p:bgRef>
     </p:bg>
     <p:spTree>
@@ -2538,7 +2938,203 @@
       </p:grpSpPr>
       <p:sp>
         <p:nvSpPr>
-          <p:cNvPr id="2" name="Title Placeholder 1"/>
+          <p:cNvPr id="12" name="Freeform 11"/>
+          <p:cNvSpPr>
+            <a:spLocks/>
+          </p:cNvSpPr>
+          <p:nvPr/>
+        </p:nvSpPr>
+        <p:spPr bwMode="auto">
+          <a:xfrm>
+            <a:off x="0" y="4752126"/>
+            <a:ext cx="9144000" cy="2112962"/>
+          </a:xfrm>
+          <a:custGeom>
+            <a:avLst>
+              <a:gd name="A1" fmla="val 0"/>
+              <a:gd name="A2" fmla="val 0"/>
+              <a:gd name="A3" fmla="val 0"/>
+              <a:gd name="A4" fmla="val 0"/>
+              <a:gd name="A5" fmla="val 0"/>
+              <a:gd name="A6" fmla="val 0"/>
+              <a:gd name="A7" fmla="val 0"/>
+              <a:gd name="A8" fmla="val 0"/>
+            </a:avLst>
+            <a:gdLst/>
+            <a:ahLst/>
+            <a:cxnLst>
+              <a:cxn ang="0">
+                <a:pos x="0" y="1066"/>
+              </a:cxn>
+              <a:cxn ang="0">
+                <a:pos x="0" y="1331"/>
+              </a:cxn>
+              <a:cxn ang="0">
+                <a:pos x="5760" y="1331"/>
+              </a:cxn>
+              <a:cxn ang="0">
+                <a:pos x="5760" y="0"/>
+              </a:cxn>
+              <a:cxn ang="0">
+                <a:pos x="0" y="1066"/>
+              </a:cxn>
+            </a:cxnLst>
+            <a:rect l="0" t="0" r="0" b="0"/>
+            <a:pathLst>
+              <a:path w="5760" h="1331">
+                <a:moveTo>
+                  <a:pt x="0" y="1066"/>
+                </a:moveTo>
+                <a:lnTo>
+                  <a:pt x="0" y="1331"/>
+                </a:lnTo>
+                <a:lnTo>
+                  <a:pt x="5760" y="1331"/>
+                </a:lnTo>
+                <a:lnTo>
+                  <a:pt x="5760" y="0"/>
+                </a:lnTo>
+                <a:cubicBezTo>
+                  <a:pt x="3220" y="1206"/>
+                  <a:pt x="2250" y="1146"/>
+                  <a:pt x="0" y="1066"/>
+                </a:cubicBezTo>
+                <a:close/>
+              </a:path>
+            </a:pathLst>
+          </a:custGeom>
+          <a:solidFill>
+            <a:schemeClr val="bg1">
+              <a:tint val="80000"/>
+              <a:satMod val="200000"/>
+              <a:alpha val="45000"/>
+            </a:schemeClr>
+          </a:solidFill>
+          <a:ln w="9525" cap="flat" cmpd="sng" algn="ctr">
+            <a:noFill/>
+            <a:prstDash val="solid"/>
+            <a:round/>
+            <a:headEnd type="none" w="med" len="med"/>
+            <a:tailEnd type="none" w="med" len="med"/>
+          </a:ln>
+          <a:effectLst>
+            <a:outerShdw blurRad="50800" dist="44450" dir="16200000" algn="ctr" rotWithShape="0">
+              <a:prstClr val="black">
+                <a:alpha val="35000"/>
+              </a:prstClr>
+            </a:outerShdw>
+          </a:effectLst>
+        </p:spPr>
+        <p:txBody>
+          <a:bodyPr vert="horz" wrap="square" lIns="91440" tIns="45720" rIns="91440" bIns="45720" anchor="t" compatLnSpc="1"/>
+          <a:lstStyle/>
+          <a:p>
+            <a:endParaRPr kumimoji="0" lang="en-US"/>
+          </a:p>
+        </p:txBody>
+      </p:sp>
+      <p:sp>
+        <p:nvSpPr>
+          <p:cNvPr id="16" name="Freeform 15"/>
+          <p:cNvSpPr>
+            <a:spLocks/>
+          </p:cNvSpPr>
+          <p:nvPr/>
+        </p:nvSpPr>
+        <p:spPr bwMode="auto">
+          <a:xfrm>
+            <a:off x="7315200" y="0"/>
+            <a:ext cx="1828800" cy="6858000"/>
+          </a:xfrm>
+          <a:custGeom>
+            <a:avLst/>
+            <a:gdLst>
+              <a:gd name="connsiteX0" fmla="*/ 1914 w 1914"/>
+              <a:gd name="connsiteY0" fmla="*/ 9 h 4329"/>
+              <a:gd name="connsiteX1" fmla="*/ 1914 w 1914"/>
+              <a:gd name="connsiteY1" fmla="*/ 4329 h 4329"/>
+              <a:gd name="connsiteX2" fmla="*/ 204 w 1914"/>
+              <a:gd name="connsiteY2" fmla="*/ 4327 h 4329"/>
+              <a:gd name="connsiteX3" fmla="*/ 0 w 1914"/>
+              <a:gd name="connsiteY3" fmla="*/ 0 h 4329"/>
+              <a:gd name="connsiteX4" fmla="*/ 1914 w 1914"/>
+              <a:gd name="connsiteY4" fmla="*/ 9 h 4329"/>
+            </a:gdLst>
+            <a:ahLst/>
+            <a:cxnLst>
+              <a:cxn ang="0">
+                <a:pos x="connsiteX0" y="connsiteY0"/>
+              </a:cxn>
+              <a:cxn ang="0">
+                <a:pos x="connsiteX1" y="connsiteY1"/>
+              </a:cxn>
+              <a:cxn ang="0">
+                <a:pos x="connsiteX2" y="connsiteY2"/>
+              </a:cxn>
+              <a:cxn ang="0">
+                <a:pos x="connsiteX3" y="connsiteY3"/>
+              </a:cxn>
+              <a:cxn ang="0">
+                <a:pos x="connsiteX4" y="connsiteY4"/>
+              </a:cxn>
+            </a:cxnLst>
+            <a:rect l="l" t="t" r="r" b="b"/>
+            <a:pathLst>
+              <a:path w="1914" h="4329">
+                <a:moveTo>
+                  <a:pt x="1914" y="9"/>
+                </a:moveTo>
+                <a:lnTo>
+                  <a:pt x="1914" y="4329"/>
+                </a:lnTo>
+                <a:lnTo>
+                  <a:pt x="204" y="4327"/>
+                </a:lnTo>
+                <a:cubicBezTo>
+                  <a:pt x="1288" y="3574"/>
+                  <a:pt x="2082" y="1734"/>
+                  <a:pt x="0" y="0"/>
+                </a:cubicBezTo>
+                <a:lnTo>
+                  <a:pt x="1914" y="9"/>
+                </a:lnTo>
+                <a:close/>
+              </a:path>
+            </a:pathLst>
+          </a:custGeom>
+          <a:solidFill>
+            <a:schemeClr val="bg1">
+              <a:tint val="90000"/>
+              <a:satMod val="350000"/>
+              <a:alpha val="40000"/>
+            </a:schemeClr>
+          </a:solidFill>
+          <a:ln w="9525" cap="flat" cmpd="sng" algn="ctr">
+            <a:noFill/>
+            <a:prstDash val="solid"/>
+            <a:round/>
+            <a:headEnd type="none" w="med" len="med"/>
+            <a:tailEnd type="none" w="med" len="med"/>
+          </a:ln>
+          <a:effectLst>
+            <a:outerShdw blurRad="50800" dist="50800" dir="10800000" algn="ctr" rotWithShape="0">
+              <a:prstClr val="black">
+                <a:alpha val="45000"/>
+              </a:prstClr>
+            </a:outerShdw>
+          </a:effectLst>
+        </p:spPr>
+        <p:txBody>
+          <a:bodyPr vert="horz" wrap="square" lIns="91440" tIns="45720" rIns="91440" bIns="45720" anchor="t" compatLnSpc="1"/>
+          <a:lstStyle/>
+          <a:p>
+            <a:endParaRPr kumimoji="0" lang="en-US"/>
+          </a:p>
+        </p:txBody>
+      </p:sp>
+      <p:sp>
+        <p:nvSpPr>
+          <p:cNvPr id="9" name="Title Placeholder 8"/>
           <p:cNvSpPr>
             <a:spLocks noGrp="1"/>
           </p:cNvSpPr>
@@ -2549,29 +3145,29 @@
         <p:spPr>
           <a:xfrm>
             <a:off x="457200" y="274638"/>
-            <a:ext cx="8229600" cy="1143000"/>
+            <a:ext cx="7467600" cy="1143000"/>
           </a:xfrm>
           <a:prstGeom prst="rect">
             <a:avLst/>
           </a:prstGeom>
         </p:spPr>
         <p:txBody>
-          <a:bodyPr vert="horz" lIns="91440" tIns="45720" rIns="91440" bIns="45720" rtlCol="0" anchor="ctr">
+          <a:bodyPr vert="horz" lIns="45720" rIns="45720" anchor="ctr">
             <a:normAutofit/>
           </a:bodyPr>
           <a:lstStyle/>
           <a:p>
             <a:r>
-              <a:rPr lang="en-US" smtClean="0"/>
+              <a:rPr kumimoji="0" lang="en-US" smtClean="0"/>
               <a:t>Click to edit Master title style</a:t>
             </a:r>
-            <a:endParaRPr lang="en-US"/>
-          </a:p>
-        </p:txBody>
-      </p:sp>
-      <p:sp>
-        <p:nvSpPr>
-          <p:cNvPr id="3" name="Text Placeholder 2"/>
+            <a:endParaRPr kumimoji="0" lang="en-US"/>
+          </a:p>
+        </p:txBody>
+      </p:sp>
+      <p:sp>
+        <p:nvSpPr>
+          <p:cNvPr id="30" name="Text Placeholder 29"/>
           <p:cNvSpPr>
             <a:spLocks noGrp="1"/>
           </p:cNvSpPr>
@@ -2582,58 +3178,58 @@
         <p:spPr>
           <a:xfrm>
             <a:off x="457200" y="1600200"/>
-            <a:ext cx="8229600" cy="4525963"/>
+            <a:ext cx="7467600" cy="4525963"/>
           </a:xfrm>
           <a:prstGeom prst="rect">
             <a:avLst/>
           </a:prstGeom>
         </p:spPr>
         <p:txBody>
-          <a:bodyPr vert="horz" lIns="91440" tIns="45720" rIns="91440" bIns="45720" rtlCol="0">
+          <a:bodyPr vert="horz">
             <a:normAutofit/>
           </a:bodyPr>
           <a:lstStyle/>
           <a:p>
-            <a:pPr lvl="0"/>
-            <a:r>
-              <a:rPr lang="en-US" smtClean="0"/>
+            <a:pPr lvl="0" eaLnBrk="1" latinLnBrk="0" hangingPunct="1"/>
+            <a:r>
+              <a:rPr kumimoji="0" lang="en-US" smtClean="0"/>
               <a:t>Click to edit Master text styles</a:t>
             </a:r>
           </a:p>
           <a:p>
-            <a:pPr lvl="1"/>
-            <a:r>
-              <a:rPr lang="en-US" smtClean="0"/>
+            <a:pPr lvl="1" eaLnBrk="1" latinLnBrk="0" hangingPunct="1"/>
+            <a:r>
+              <a:rPr kumimoji="0" lang="en-US" smtClean="0"/>
               <a:t>Second level</a:t>
             </a:r>
           </a:p>
           <a:p>
-            <a:pPr lvl="2"/>
-            <a:r>
-              <a:rPr lang="en-US" smtClean="0"/>
+            <a:pPr lvl="2" eaLnBrk="1" latinLnBrk="0" hangingPunct="1"/>
+            <a:r>
+              <a:rPr kumimoji="0" lang="en-US" smtClean="0"/>
               <a:t>Third level</a:t>
             </a:r>
           </a:p>
           <a:p>
-            <a:pPr lvl="3"/>
-            <a:r>
-              <a:rPr lang="en-US" smtClean="0"/>
+            <a:pPr lvl="3" eaLnBrk="1" latinLnBrk="0" hangingPunct="1"/>
+            <a:r>
+              <a:rPr kumimoji="0" lang="en-US" smtClean="0"/>
               <a:t>Fourth level</a:t>
             </a:r>
           </a:p>
           <a:p>
-            <a:pPr lvl="4"/>
-            <a:r>
-              <a:rPr lang="en-US" smtClean="0"/>
+            <a:pPr lvl="4" eaLnBrk="1" latinLnBrk="0" hangingPunct="1"/>
+            <a:r>
+              <a:rPr kumimoji="0" lang="en-US" smtClean="0"/>
               <a:t>Fifth level</a:t>
             </a:r>
-            <a:endParaRPr lang="en-US"/>
-          </a:p>
-        </p:txBody>
-      </p:sp>
-      <p:sp>
-        <p:nvSpPr>
-          <p:cNvPr id="4" name="Date Placeholder 3"/>
+            <a:endParaRPr kumimoji="0" lang="en-US"/>
+          </a:p>
+        </p:txBody>
+      </p:sp>
+      <p:sp>
+        <p:nvSpPr>
+          <p:cNvPr id="10" name="Date Placeholder 9"/>
           <p:cNvSpPr>
             <a:spLocks noGrp="1"/>
           </p:cNvSpPr>
@@ -2643,7 +3239,7 @@
         </p:nvSpPr>
         <p:spPr>
           <a:xfrm>
-            <a:off x="457200" y="6356350"/>
+            <a:off x="457200" y="6422064"/>
             <a:ext cx="2133600" cy="365125"/>
           </a:xfrm>
           <a:prstGeom prst="rect">
@@ -2651,13 +3247,13 @@
           </a:prstGeom>
         </p:spPr>
         <p:txBody>
-          <a:bodyPr vert="horz" lIns="91440" tIns="45720" rIns="91440" bIns="45720" rtlCol="0" anchor="ctr"/>
+          <a:bodyPr vert="horz" bIns="0" anchor="b"/>
           <a:lstStyle>
-            <a:lvl1pPr algn="l">
-              <a:defRPr sz="1200">
+            <a:lvl1pPr algn="l" eaLnBrk="1" latinLnBrk="0" hangingPunct="1">
+              <a:defRPr kumimoji="0" sz="1000">
                 <a:solidFill>
-                  <a:schemeClr val="tx1">
-                    <a:tint val="75000"/>
+                  <a:schemeClr val="tx2">
+                    <a:shade val="50000"/>
                   </a:schemeClr>
                 </a:solidFill>
               </a:defRPr>
@@ -2666,7 +3262,8 @@
           <a:p>
             <a:fld id="{60029C98-5D54-43BD-B436-29F4C541DD0B}" type="datetimeFigureOut">
               <a:rPr lang="en-US" smtClean="0"/>
-              <a:t>8/10/2009</a:t>
+              <a:pPr/>
+              <a:t>9/19/2009</a:t>
             </a:fld>
             <a:endParaRPr lang="en-US"/>
           </a:p>
@@ -2674,7 +3271,7 @@
       </p:sp>
       <p:sp>
         <p:nvSpPr>
-          <p:cNvPr id="5" name="Footer Placeholder 4"/>
+          <p:cNvPr id="22" name="Footer Placeholder 21"/>
           <p:cNvSpPr>
             <a:spLocks noGrp="1"/>
           </p:cNvSpPr>
@@ -2684,7 +3281,7 @@
         </p:nvSpPr>
         <p:spPr>
           <a:xfrm>
-            <a:off x="3124200" y="6356350"/>
+            <a:off x="3124200" y="6422064"/>
             <a:ext cx="2895600" cy="365125"/>
           </a:xfrm>
           <a:prstGeom prst="rect">
@@ -2692,13 +3289,13 @@
           </a:prstGeom>
         </p:spPr>
         <p:txBody>
-          <a:bodyPr vert="horz" lIns="91440" tIns="45720" rIns="91440" bIns="45720" rtlCol="0" anchor="ctr"/>
+          <a:bodyPr vert="horz" lIns="0" rIns="0" bIns="0" anchor="b"/>
           <a:lstStyle>
-            <a:lvl1pPr algn="ctr">
-              <a:defRPr sz="1200">
+            <a:lvl1pPr algn="ctr" eaLnBrk="1" latinLnBrk="0" hangingPunct="1">
+              <a:defRPr kumimoji="0" sz="1000">
                 <a:solidFill>
-                  <a:schemeClr val="tx1">
-                    <a:tint val="75000"/>
+                  <a:schemeClr val="tx2">
+                    <a:shade val="50000"/>
                   </a:schemeClr>
                 </a:solidFill>
               </a:defRPr>
@@ -2711,7 +3308,7 @@
       </p:sp>
       <p:sp>
         <p:nvSpPr>
-          <p:cNvPr id="6" name="Slide Number Placeholder 5"/>
+          <p:cNvPr id="18" name="Slide Number Placeholder 17"/>
           <p:cNvSpPr>
             <a:spLocks noGrp="1"/>
           </p:cNvSpPr>
@@ -2721,21 +3318,21 @@
         </p:nvSpPr>
         <p:spPr>
           <a:xfrm>
-            <a:off x="6553200" y="6356350"/>
-            <a:ext cx="2133600" cy="365125"/>
+            <a:off x="8153400" y="6422064"/>
+            <a:ext cx="762000" cy="365125"/>
           </a:xfrm>
           <a:prstGeom prst="rect">
             <a:avLst/>
           </a:prstGeom>
         </p:spPr>
         <p:txBody>
-          <a:bodyPr vert="horz" lIns="91440" tIns="45720" rIns="91440" bIns="45720" rtlCol="0" anchor="ctr"/>
+          <a:bodyPr vert="horz" lIns="0" tIns="0" rIns="0" bIns="0" anchor="b"/>
           <a:lstStyle>
-            <a:lvl1pPr algn="r">
-              <a:defRPr sz="1200">
+            <a:lvl1pPr algn="r" eaLnBrk="1" latinLnBrk="0" hangingPunct="1">
+              <a:defRPr kumimoji="0" sz="1000">
                 <a:solidFill>
-                  <a:schemeClr val="tx1">
-                    <a:tint val="75000"/>
+                  <a:schemeClr val="tx2">
+                    <a:shade val="50000"/>
                   </a:schemeClr>
                 </a:solidFill>
               </a:defRPr>
@@ -2744,6 +3341,7 @@
           <a:p>
             <a:fld id="{B5418864-DC6A-43DD-9573-4BD82577934E}" type="slidenum">
               <a:rPr lang="en-US" smtClean="0"/>
+              <a:pPr/>
               <a:t>‹#›</a:t>
             </a:fld>
             <a:endParaRPr lang="en-US"/>
@@ -2752,28 +3350,28 @@
       </p:sp>
     </p:spTree>
   </p:cSld>
-  <p:clrMap bg1="lt1" tx1="dk1" bg2="lt2" tx2="dk2" accent1="accent1" accent2="accent2" accent3="accent3" accent4="accent4" accent5="accent5" accent6="accent6" hlink="hlink" folHlink="folHlink"/>
+  <p:clrMap bg1="dk1" tx1="lt1" bg2="dk2" tx2="lt2" accent1="accent1" accent2="accent2" accent3="accent3" accent4="accent4" accent5="accent5" accent6="accent6" hlink="hlink" folHlink="folHlink"/>
   <p:sldLayoutIdLst>
-    <p:sldLayoutId id="2147483649" r:id="rId1"/>
-    <p:sldLayoutId id="2147483650" r:id="rId2"/>
-    <p:sldLayoutId id="2147483651" r:id="rId3"/>
-    <p:sldLayoutId id="2147483652" r:id="rId4"/>
-    <p:sldLayoutId id="2147483653" r:id="rId5"/>
-    <p:sldLayoutId id="2147483654" r:id="rId6"/>
-    <p:sldLayoutId id="2147483655" r:id="rId7"/>
-    <p:sldLayoutId id="2147483656" r:id="rId8"/>
-    <p:sldLayoutId id="2147483657" r:id="rId9"/>
-    <p:sldLayoutId id="2147483658" r:id="rId10"/>
-    <p:sldLayoutId id="2147483659" r:id="rId11"/>
+    <p:sldLayoutId id="2147483769" r:id="rId1"/>
+    <p:sldLayoutId id="2147483770" r:id="rId2"/>
+    <p:sldLayoutId id="2147483771" r:id="rId3"/>
+    <p:sldLayoutId id="2147483772" r:id="rId4"/>
+    <p:sldLayoutId id="2147483773" r:id="rId5"/>
+    <p:sldLayoutId id="2147483774" r:id="rId6"/>
+    <p:sldLayoutId id="2147483775" r:id="rId7"/>
+    <p:sldLayoutId id="2147483776" r:id="rId8"/>
+    <p:sldLayoutId id="2147483777" r:id="rId9"/>
+    <p:sldLayoutId id="2147483778" r:id="rId10"/>
+    <p:sldLayoutId id="2147483779" r:id="rId11"/>
   </p:sldLayoutIdLst>
   <p:txStyles>
     <p:titleStyle>
-      <a:lvl1pPr algn="ctr" defTabSz="914400" rtl="0" eaLnBrk="1" latinLnBrk="0" hangingPunct="1">
+      <a:lvl1pPr algn="l" rtl="0" eaLnBrk="1" latinLnBrk="0" hangingPunct="1">
         <a:spcBef>
           <a:spcPct val="0"/>
         </a:spcBef>
         <a:buNone/>
-        <a:defRPr sz="4400" kern="1200">
+        <a:defRPr kumimoji="0" sz="4600" kern="1200">
           <a:solidFill>
             <a:schemeClr val="tx1"/>
           </a:solidFill>
@@ -2784,13 +3382,17 @@
       </a:lvl1pPr>
     </p:titleStyle>
     <p:bodyStyle>
-      <a:lvl1pPr marL="342900" indent="-342900" algn="l" defTabSz="914400" rtl="0" eaLnBrk="1" latinLnBrk="0" hangingPunct="1">
+      <a:lvl1pPr marL="420624" indent="-384048" algn="l" rtl="0" eaLnBrk="1" latinLnBrk="0" hangingPunct="1">
         <a:spcBef>
           <a:spcPct val="20000"/>
         </a:spcBef>
-        <a:buFont typeface="Arial" pitchFamily="34" charset="0"/>
-        <a:buChar char="•"/>
-        <a:defRPr sz="3200" kern="1200">
+        <a:buClr>
+          <a:schemeClr val="accent1"/>
+        </a:buClr>
+        <a:buSzPct val="80000"/>
+        <a:buFont typeface="Wingdings 2"/>
+        <a:buChar char=""/>
+        <a:defRPr kumimoji="0" sz="3000" kern="1200">
           <a:solidFill>
             <a:schemeClr val="tx1"/>
           </a:solidFill>
@@ -2799,13 +3401,17 @@
           <a:cs typeface="+mn-cs"/>
         </a:defRPr>
       </a:lvl1pPr>
-      <a:lvl2pPr marL="742950" indent="-285750" algn="l" defTabSz="914400" rtl="0" eaLnBrk="1" latinLnBrk="0" hangingPunct="1">
+      <a:lvl2pPr marL="722376" indent="-274320" algn="l" rtl="0" eaLnBrk="1" latinLnBrk="0" hangingPunct="1">
         <a:spcBef>
           <a:spcPct val="20000"/>
         </a:spcBef>
-        <a:buFont typeface="Arial" pitchFamily="34" charset="0"/>
-        <a:buChar char="–"/>
-        <a:defRPr sz="2800" kern="1200">
+        <a:buClr>
+          <a:schemeClr val="accent1"/>
+        </a:buClr>
+        <a:buSzPct val="90000"/>
+        <a:buFont typeface="Wingdings 2"/>
+        <a:buChar char=""/>
+        <a:defRPr kumimoji="0" sz="2600" kern="1200">
           <a:solidFill>
             <a:schemeClr val="tx1"/>
           </a:solidFill>
@@ -2814,13 +3420,17 @@
           <a:cs typeface="+mn-cs"/>
         </a:defRPr>
       </a:lvl2pPr>
-      <a:lvl3pPr marL="1143000" indent="-228600" algn="l" defTabSz="914400" rtl="0" eaLnBrk="1" latinLnBrk="0" hangingPunct="1">
+      <a:lvl3pPr marL="1005840" indent="-256032" algn="l" rtl="0" eaLnBrk="1" latinLnBrk="0" hangingPunct="1">
         <a:spcBef>
           <a:spcPct val="20000"/>
         </a:spcBef>
-        <a:buFont typeface="Arial" pitchFamily="34" charset="0"/>
-        <a:buChar char="•"/>
-        <a:defRPr sz="2400" kern="1200">
+        <a:buClr>
+          <a:schemeClr val="accent2"/>
+        </a:buClr>
+        <a:buSzPct val="85000"/>
+        <a:buFont typeface="Arial"/>
+        <a:buChar char="○"/>
+        <a:defRPr kumimoji="0" sz="2400" kern="1200">
           <a:solidFill>
             <a:schemeClr val="tx1"/>
           </a:solidFill>
@@ -2829,13 +3439,17 @@
           <a:cs typeface="+mn-cs"/>
         </a:defRPr>
       </a:lvl3pPr>
-      <a:lvl4pPr marL="1600200" indent="-228600" algn="l" defTabSz="914400" rtl="0" eaLnBrk="1" latinLnBrk="0" hangingPunct="1">
+      <a:lvl4pPr marL="1280160" indent="-237744" algn="l" rtl="0" eaLnBrk="1" latinLnBrk="0" hangingPunct="1">
         <a:spcBef>
           <a:spcPct val="20000"/>
         </a:spcBef>
-        <a:buFont typeface="Arial" pitchFamily="34" charset="0"/>
-        <a:buChar char="–"/>
-        <a:defRPr sz="2000" kern="1200">
+        <a:buClr>
+          <a:schemeClr val="accent3"/>
+        </a:buClr>
+        <a:buSzPct val="90000"/>
+        <a:buFont typeface="Wingdings 2"/>
+        <a:buChar char=""/>
+        <a:defRPr kumimoji="0" sz="2000" kern="1200">
           <a:solidFill>
             <a:schemeClr val="tx1"/>
           </a:solidFill>
@@ -2844,13 +3458,17 @@
           <a:cs typeface="+mn-cs"/>
         </a:defRPr>
       </a:lvl4pPr>
-      <a:lvl5pPr marL="2057400" indent="-228600" algn="l" defTabSz="914400" rtl="0" eaLnBrk="1" latinLnBrk="0" hangingPunct="1">
+      <a:lvl5pPr marL="1490472" indent="-182880" algn="l" rtl="0" eaLnBrk="1" latinLnBrk="0" hangingPunct="1">
         <a:spcBef>
           <a:spcPct val="20000"/>
         </a:spcBef>
-        <a:buFont typeface="Arial" pitchFamily="34" charset="0"/>
-        <a:buChar char="»"/>
-        <a:defRPr sz="2000" kern="1200">
+        <a:buClr>
+          <a:schemeClr val="accent4"/>
+        </a:buClr>
+        <a:buSzPct val="100000"/>
+        <a:buFont typeface="Arial"/>
+        <a:buChar char="-"/>
+        <a:defRPr kumimoji="0" sz="2000" kern="1200">
           <a:solidFill>
             <a:schemeClr val="tx1"/>
           </a:solidFill>
@@ -2859,13 +3477,16 @@
           <a:cs typeface="+mn-cs"/>
         </a:defRPr>
       </a:lvl5pPr>
-      <a:lvl6pPr marL="2514600" indent="-228600" algn="l" defTabSz="914400" rtl="0" eaLnBrk="1" latinLnBrk="0" hangingPunct="1">
+      <a:lvl6pPr marL="1700784" indent="-182880" algn="l" rtl="0" eaLnBrk="1" latinLnBrk="0" hangingPunct="1">
         <a:spcBef>
           <a:spcPct val="20000"/>
         </a:spcBef>
-        <a:buFont typeface="Arial" pitchFamily="34" charset="0"/>
-        <a:buChar char="•"/>
-        <a:defRPr sz="2000" kern="1200">
+        <a:buClr>
+          <a:schemeClr val="accent5"/>
+        </a:buClr>
+        <a:buFont typeface="Arial"/>
+        <a:buChar char="-"/>
+        <a:defRPr kumimoji="0" sz="2000" kern="1200" baseline="0">
           <a:solidFill>
             <a:schemeClr val="tx1"/>
           </a:solidFill>
@@ -2874,13 +3495,17 @@
           <a:cs typeface="+mn-cs"/>
         </a:defRPr>
       </a:lvl6pPr>
-      <a:lvl7pPr marL="2971800" indent="-228600" algn="l" defTabSz="914400" rtl="0" eaLnBrk="1" latinLnBrk="0" hangingPunct="1">
+      <a:lvl7pPr marL="1920240" indent="-182880" algn="l" rtl="0" eaLnBrk="1" latinLnBrk="0" hangingPunct="1">
         <a:spcBef>
           <a:spcPct val="20000"/>
         </a:spcBef>
-        <a:buFont typeface="Arial" pitchFamily="34" charset="0"/>
+        <a:buClr>
+          <a:schemeClr val="accent6"/>
+        </a:buClr>
+        <a:buSzPct val="100000"/>
+        <a:buFont typeface="Arial"/>
         <a:buChar char="•"/>
-        <a:defRPr sz="2000" kern="1200">
+        <a:defRPr kumimoji="0" sz="1800" kern="1200" baseline="0">
           <a:solidFill>
             <a:schemeClr val="tx1"/>
           </a:solidFill>
@@ -2889,13 +3514,16 @@
           <a:cs typeface="+mn-cs"/>
         </a:defRPr>
       </a:lvl7pPr>
-      <a:lvl8pPr marL="3429000" indent="-228600" algn="l" defTabSz="914400" rtl="0" eaLnBrk="1" latinLnBrk="0" hangingPunct="1">
+      <a:lvl8pPr marL="2139696" indent="-182880" algn="l" rtl="0" eaLnBrk="1" latinLnBrk="0" hangingPunct="1">
         <a:spcBef>
           <a:spcPct val="20000"/>
         </a:spcBef>
-        <a:buFont typeface="Arial" pitchFamily="34" charset="0"/>
-        <a:buChar char="•"/>
-        <a:defRPr sz="2000" kern="1200">
+        <a:buClr>
+          <a:schemeClr val="accent6"/>
+        </a:buClr>
+        <a:buFont typeface="Arial"/>
+        <a:buChar char="▪"/>
+        <a:defRPr kumimoji="0" sz="1600" kern="1200">
           <a:solidFill>
             <a:schemeClr val="tx1"/>
           </a:solidFill>
@@ -2904,13 +3532,16 @@
           <a:cs typeface="+mn-cs"/>
         </a:defRPr>
       </a:lvl8pPr>
-      <a:lvl9pPr marL="3886200" indent="-228600" algn="l" defTabSz="914400" rtl="0" eaLnBrk="1" latinLnBrk="0" hangingPunct="1">
+      <a:lvl9pPr marL="2331720" indent="-182880" algn="l" rtl="0" eaLnBrk="1" latinLnBrk="0" hangingPunct="1">
         <a:spcBef>
           <a:spcPct val="20000"/>
         </a:spcBef>
-        <a:buFont typeface="Arial" pitchFamily="34" charset="0"/>
+        <a:buClr>
+          <a:schemeClr val="accent6"/>
+        </a:buClr>
+        <a:buFont typeface="Arial"/>
         <a:buChar char="•"/>
-        <a:defRPr sz="2000" kern="1200">
+        <a:defRPr kumimoji="0" sz="1600" kern="1200">
           <a:solidFill>
             <a:schemeClr val="tx1"/>
           </a:solidFill>
@@ -2921,11 +3552,8 @@
       </a:lvl9pPr>
     </p:bodyStyle>
     <p:otherStyle>
-      <a:defPPr>
-        <a:defRPr lang="en-US"/>
-      </a:defPPr>
-      <a:lvl1pPr marL="0" algn="l" defTabSz="914400" rtl="0" eaLnBrk="1" latinLnBrk="0" hangingPunct="1">
-        <a:defRPr sz="1800" kern="1200">
+      <a:lvl1pPr marL="0" algn="l" rtl="0" eaLnBrk="1" latinLnBrk="0" hangingPunct="1">
+        <a:defRPr kumimoji="0" kern="1200">
           <a:solidFill>
             <a:schemeClr val="tx1"/>
           </a:solidFill>
@@ -2934,8 +3562,8 @@
           <a:cs typeface="+mn-cs"/>
         </a:defRPr>
       </a:lvl1pPr>
-      <a:lvl2pPr marL="457200" algn="l" defTabSz="914400" rtl="0" eaLnBrk="1" latinLnBrk="0" hangingPunct="1">
-        <a:defRPr sz="1800" kern="1200">
+      <a:lvl2pPr marL="457200" algn="l" rtl="0" eaLnBrk="1" latinLnBrk="0" hangingPunct="1">
+        <a:defRPr kumimoji="0" kern="1200">
           <a:solidFill>
             <a:schemeClr val="tx1"/>
           </a:solidFill>
@@ -2944,8 +3572,8 @@
           <a:cs typeface="+mn-cs"/>
         </a:defRPr>
       </a:lvl2pPr>
-      <a:lvl3pPr marL="914400" algn="l" defTabSz="914400" rtl="0" eaLnBrk="1" latinLnBrk="0" hangingPunct="1">
-        <a:defRPr sz="1800" kern="1200">
+      <a:lvl3pPr marL="914400" algn="l" rtl="0" eaLnBrk="1" latinLnBrk="0" hangingPunct="1">
+        <a:defRPr kumimoji="0" kern="1200">
           <a:solidFill>
             <a:schemeClr val="tx1"/>
           </a:solidFill>
@@ -2954,8 +3582,8 @@
           <a:cs typeface="+mn-cs"/>
         </a:defRPr>
       </a:lvl3pPr>
-      <a:lvl4pPr marL="1371600" algn="l" defTabSz="914400" rtl="0" eaLnBrk="1" latinLnBrk="0" hangingPunct="1">
-        <a:defRPr sz="1800" kern="1200">
+      <a:lvl4pPr marL="1371600" algn="l" rtl="0" eaLnBrk="1" latinLnBrk="0" hangingPunct="1">
+        <a:defRPr kumimoji="0" kern="1200">
           <a:solidFill>
             <a:schemeClr val="tx1"/>
           </a:solidFill>
@@ -2964,8 +3592,8 @@
           <a:cs typeface="+mn-cs"/>
         </a:defRPr>
       </a:lvl4pPr>
-      <a:lvl5pPr marL="1828800" algn="l" defTabSz="914400" rtl="0" eaLnBrk="1" latinLnBrk="0" hangingPunct="1">
-        <a:defRPr sz="1800" kern="1200">
+      <a:lvl5pPr marL="1828800" algn="l" rtl="0" eaLnBrk="1" latinLnBrk="0" hangingPunct="1">
+        <a:defRPr kumimoji="0" kern="1200">
           <a:solidFill>
             <a:schemeClr val="tx1"/>
           </a:solidFill>
@@ -2974,8 +3602,8 @@
           <a:cs typeface="+mn-cs"/>
         </a:defRPr>
       </a:lvl5pPr>
-      <a:lvl6pPr marL="2286000" algn="l" defTabSz="914400" rtl="0" eaLnBrk="1" latinLnBrk="0" hangingPunct="1">
-        <a:defRPr sz="1800" kern="1200">
+      <a:lvl6pPr marL="2286000" algn="l" rtl="0" eaLnBrk="1" latinLnBrk="0" hangingPunct="1">
+        <a:defRPr kumimoji="0" kern="1200">
           <a:solidFill>
             <a:schemeClr val="tx1"/>
           </a:solidFill>
@@ -2984,8 +3612,8 @@
           <a:cs typeface="+mn-cs"/>
         </a:defRPr>
       </a:lvl6pPr>
-      <a:lvl7pPr marL="2743200" algn="l" defTabSz="914400" rtl="0" eaLnBrk="1" latinLnBrk="0" hangingPunct="1">
-        <a:defRPr sz="1800" kern="1200">
+      <a:lvl7pPr marL="2743200" algn="l" rtl="0" eaLnBrk="1" latinLnBrk="0" hangingPunct="1">
+        <a:defRPr kumimoji="0" kern="1200">
           <a:solidFill>
             <a:schemeClr val="tx1"/>
           </a:solidFill>
@@ -2994,8 +3622,8 @@
           <a:cs typeface="+mn-cs"/>
         </a:defRPr>
       </a:lvl7pPr>
-      <a:lvl8pPr marL="3200400" algn="l" defTabSz="914400" rtl="0" eaLnBrk="1" latinLnBrk="0" hangingPunct="1">
-        <a:defRPr sz="1800" kern="1200">
+      <a:lvl8pPr marL="3200400" algn="l" rtl="0" eaLnBrk="1" latinLnBrk="0" hangingPunct="1">
+        <a:defRPr kumimoji="0" kern="1200">
           <a:solidFill>
             <a:schemeClr val="tx1"/>
           </a:solidFill>
@@ -3004,8 +3632,8 @@
           <a:cs typeface="+mn-cs"/>
         </a:defRPr>
       </a:lvl8pPr>
-      <a:lvl9pPr marL="3657600" algn="l" defTabSz="914400" rtl="0" eaLnBrk="1" latinLnBrk="0" hangingPunct="1">
-        <a:defRPr sz="1800" kern="1200">
+      <a:lvl9pPr marL="3657600" algn="l" rtl="0" eaLnBrk="1" latinLnBrk="0" hangingPunct="1">
+        <a:defRPr kumimoji="0" kern="1200">
           <a:solidFill>
             <a:schemeClr val="tx1"/>
           </a:solidFill>
@@ -3086,6 +3714,1239 @@
 </p:sld>
 </file>
 
+<file path=ppt/slides/slide10.xml><?xml version="1.0" encoding="utf-8"?>
+<p:sld xmlns:a="http://schemas.openxmlformats.org/drawingml/2006/main" xmlns:r="http://schemas.openxmlformats.org/officeDocument/2006/relationships" xmlns:p="http://schemas.openxmlformats.org/presentationml/2006/main">
+  <p:cSld>
+    <p:spTree>
+      <p:nvGrpSpPr>
+        <p:cNvPr id="1" name=""/>
+        <p:cNvGrpSpPr/>
+        <p:nvPr/>
+      </p:nvGrpSpPr>
+      <p:grpSpPr>
+        <a:xfrm>
+          <a:off x="0" y="0"/>
+          <a:ext cx="0" cy="0"/>
+          <a:chOff x="0" y="0"/>
+          <a:chExt cx="0" cy="0"/>
+        </a:xfrm>
+      </p:grpSpPr>
+      <p:sp>
+        <p:nvSpPr>
+          <p:cNvPr id="2" name="Title 1"/>
+          <p:cNvSpPr>
+            <a:spLocks noGrp="1"/>
+          </p:cNvSpPr>
+          <p:nvPr>
+            <p:ph type="title"/>
+          </p:nvPr>
+        </p:nvSpPr>
+        <p:spPr/>
+        <p:txBody>
+          <a:bodyPr>
+            <a:normAutofit fontScale="90000"/>
+          </a:bodyPr>
+          <a:lstStyle/>
+          <a:p>
+            <a:r>
+              <a:rPr lang="en-US" dirty="0" smtClean="0"/>
+              <a:t>Implement Validate and return </a:t>
+            </a:r>
+            <a:r>
+              <a:rPr lang="en-US" dirty="0" err="1" smtClean="0"/>
+              <a:t>ValidationResult</a:t>
+            </a:r>
+            <a:endParaRPr lang="en-US" dirty="0"/>
+          </a:p>
+        </p:txBody>
+      </p:sp>
+      <p:pic>
+        <p:nvPicPr>
+          <p:cNvPr id="3075" name="Picture 3"/>
+          <p:cNvPicPr>
+            <a:picLocks noChangeAspect="1" noChangeArrowheads="1"/>
+          </p:cNvPicPr>
+          <p:nvPr/>
+        </p:nvPicPr>
+        <p:blipFill>
+          <a:blip r:embed="rId2"/>
+          <a:srcRect/>
+          <a:stretch>
+            <a:fillRect/>
+          </a:stretch>
+        </p:blipFill>
+        <p:spPr bwMode="auto">
+          <a:xfrm>
+            <a:off x="381000" y="2133600"/>
+            <a:ext cx="8205199" cy="2835972"/>
+          </a:xfrm>
+          <a:prstGeom prst="rect">
+            <a:avLst/>
+          </a:prstGeom>
+          <a:noFill/>
+          <a:ln w="9525">
+            <a:noFill/>
+            <a:miter lim="800000"/>
+            <a:headEnd/>
+            <a:tailEnd/>
+          </a:ln>
+          <a:effectLst/>
+        </p:spPr>
+      </p:pic>
+      <p:sp>
+        <p:nvSpPr>
+          <p:cNvPr id="12" name="Right Arrow 11"/>
+          <p:cNvSpPr/>
+          <p:nvPr/>
+        </p:nvSpPr>
+        <p:spPr>
+          <a:xfrm rot="10800000">
+            <a:off x="6705600" y="2590800"/>
+            <a:ext cx="533400" cy="457200"/>
+          </a:xfrm>
+          <a:prstGeom prst="rightArrow">
+            <a:avLst/>
+          </a:prstGeom>
+        </p:spPr>
+        <p:style>
+          <a:lnRef idx="2">
+            <a:schemeClr val="accent1">
+              <a:shade val="50000"/>
+            </a:schemeClr>
+          </a:lnRef>
+          <a:fillRef idx="1">
+            <a:schemeClr val="accent1"/>
+          </a:fillRef>
+          <a:effectRef idx="0">
+            <a:schemeClr val="accent1"/>
+          </a:effectRef>
+          <a:fontRef idx="minor">
+            <a:schemeClr val="lt1"/>
+          </a:fontRef>
+        </p:style>
+        <p:txBody>
+          <a:bodyPr rtlCol="0" anchor="ctr"/>
+          <a:lstStyle/>
+          <a:p>
+            <a:pPr algn="ctr"/>
+            <a:endParaRPr lang="en-US"/>
+          </a:p>
+        </p:txBody>
+      </p:sp>
+      <p:sp>
+        <p:nvSpPr>
+          <p:cNvPr id="13" name="Right Arrow 12"/>
+          <p:cNvSpPr/>
+          <p:nvPr/>
+        </p:nvSpPr>
+        <p:spPr>
+          <a:xfrm rot="10800000">
+            <a:off x="4495800" y="4038600"/>
+            <a:ext cx="533400" cy="457200"/>
+          </a:xfrm>
+          <a:prstGeom prst="rightArrow">
+            <a:avLst/>
+          </a:prstGeom>
+        </p:spPr>
+        <p:style>
+          <a:lnRef idx="2">
+            <a:schemeClr val="accent1">
+              <a:shade val="50000"/>
+            </a:schemeClr>
+          </a:lnRef>
+          <a:fillRef idx="1">
+            <a:schemeClr val="accent1"/>
+          </a:fillRef>
+          <a:effectRef idx="0">
+            <a:schemeClr val="accent1"/>
+          </a:effectRef>
+          <a:fontRef idx="minor">
+            <a:schemeClr val="lt1"/>
+          </a:fontRef>
+        </p:style>
+        <p:txBody>
+          <a:bodyPr rtlCol="0" anchor="ctr"/>
+          <a:lstStyle/>
+          <a:p>
+            <a:pPr algn="ctr"/>
+            <a:endParaRPr lang="en-US"/>
+          </a:p>
+        </p:txBody>
+      </p:sp>
+      <p:sp>
+        <p:nvSpPr>
+          <p:cNvPr id="14" name="TextBox 13"/>
+          <p:cNvSpPr txBox="1"/>
+          <p:nvPr/>
+        </p:nvSpPr>
+        <p:spPr>
+          <a:xfrm>
+            <a:off x="7315200" y="2590800"/>
+            <a:ext cx="556563" cy="369332"/>
+          </a:xfrm>
+          <a:prstGeom prst="rect">
+            <a:avLst/>
+          </a:prstGeom>
+          <a:noFill/>
+        </p:spPr>
+        <p:txBody>
+          <a:bodyPr wrap="none" rtlCol="0">
+            <a:spAutoFit/>
+          </a:bodyPr>
+          <a:lstStyle/>
+          <a:p>
+            <a:r>
+              <a:rPr lang="en-US" dirty="0" smtClean="0">
+                <a:solidFill>
+                  <a:schemeClr val="bg1"/>
+                </a:solidFill>
+              </a:rPr>
+              <a:t>Fail</a:t>
+            </a:r>
+            <a:endParaRPr lang="en-US" dirty="0">
+              <a:solidFill>
+                <a:schemeClr val="bg1"/>
+              </a:solidFill>
+            </a:endParaRPr>
+          </a:p>
+        </p:txBody>
+      </p:sp>
+      <p:sp>
+        <p:nvSpPr>
+          <p:cNvPr id="15" name="TextBox 14"/>
+          <p:cNvSpPr txBox="1"/>
+          <p:nvPr/>
+        </p:nvSpPr>
+        <p:spPr>
+          <a:xfrm>
+            <a:off x="5257800" y="4038600"/>
+            <a:ext cx="697627" cy="369332"/>
+          </a:xfrm>
+          <a:prstGeom prst="rect">
+            <a:avLst/>
+          </a:prstGeom>
+          <a:noFill/>
+        </p:spPr>
+        <p:txBody>
+          <a:bodyPr wrap="none" rtlCol="0">
+            <a:spAutoFit/>
+          </a:bodyPr>
+          <a:lstStyle/>
+          <a:p>
+            <a:r>
+              <a:rPr lang="en-US" dirty="0" smtClean="0">
+                <a:solidFill>
+                  <a:schemeClr val="bg1"/>
+                </a:solidFill>
+              </a:rPr>
+              <a:t>Pass</a:t>
+            </a:r>
+            <a:endParaRPr lang="en-US" dirty="0">
+              <a:solidFill>
+                <a:schemeClr val="bg1"/>
+              </a:solidFill>
+            </a:endParaRPr>
+          </a:p>
+        </p:txBody>
+      </p:sp>
+    </p:spTree>
+  </p:cSld>
+  <p:clrMapOvr>
+    <a:masterClrMapping/>
+  </p:clrMapOvr>
+</p:sld>
+</file>
+
+<file path=ppt/slides/slide11.xml><?xml version="1.0" encoding="utf-8"?>
+<p:sld xmlns:a="http://schemas.openxmlformats.org/drawingml/2006/main" xmlns:r="http://schemas.openxmlformats.org/officeDocument/2006/relationships" xmlns:p="http://schemas.openxmlformats.org/presentationml/2006/main">
+  <p:cSld>
+    <p:spTree>
+      <p:nvGrpSpPr>
+        <p:cNvPr id="1" name=""/>
+        <p:cNvGrpSpPr/>
+        <p:nvPr/>
+      </p:nvGrpSpPr>
+      <p:grpSpPr>
+        <a:xfrm>
+          <a:off x="0" y="0"/>
+          <a:ext cx="0" cy="0"/>
+          <a:chOff x="0" y="0"/>
+          <a:chExt cx="0" cy="0"/>
+        </a:xfrm>
+      </p:grpSpPr>
+      <p:sp>
+        <p:nvSpPr>
+          <p:cNvPr id="2" name="Title 1"/>
+          <p:cNvSpPr>
+            <a:spLocks noGrp="1"/>
+          </p:cNvSpPr>
+          <p:nvPr>
+            <p:ph type="title"/>
+          </p:nvPr>
+        </p:nvSpPr>
+        <p:spPr/>
+        <p:txBody>
+          <a:bodyPr/>
+          <a:lstStyle/>
+          <a:p>
+            <a:r>
+              <a:rPr lang="en-US" dirty="0" smtClean="0"/>
+              <a:t>Displaying the Errors</a:t>
+            </a:r>
+            <a:endParaRPr lang="en-US" dirty="0"/>
+          </a:p>
+        </p:txBody>
+      </p:sp>
+      <p:sp>
+        <p:nvSpPr>
+          <p:cNvPr id="3" name="Text Placeholder 2"/>
+          <p:cNvSpPr>
+            <a:spLocks noGrp="1"/>
+          </p:cNvSpPr>
+          <p:nvPr>
+            <p:ph type="body" idx="1"/>
+          </p:nvPr>
+        </p:nvSpPr>
+        <p:spPr/>
+        <p:txBody>
+          <a:bodyPr/>
+          <a:lstStyle/>
+          <a:p>
+            <a:endParaRPr lang="en-US"/>
+          </a:p>
+        </p:txBody>
+      </p:sp>
+    </p:spTree>
+  </p:cSld>
+  <p:clrMapOvr>
+    <a:masterClrMapping/>
+  </p:clrMapOvr>
+</p:sld>
+</file>
+
+<file path=ppt/slides/slide12.xml><?xml version="1.0" encoding="utf-8"?>
+<p:sld xmlns:a="http://schemas.openxmlformats.org/drawingml/2006/main" xmlns:r="http://schemas.openxmlformats.org/officeDocument/2006/relationships" xmlns:p="http://schemas.openxmlformats.org/presentationml/2006/main">
+  <p:cSld>
+    <p:spTree>
+      <p:nvGrpSpPr>
+        <p:cNvPr id="1" name=""/>
+        <p:cNvGrpSpPr/>
+        <p:nvPr/>
+      </p:nvGrpSpPr>
+      <p:grpSpPr>
+        <a:xfrm>
+          <a:off x="0" y="0"/>
+          <a:ext cx="0" cy="0"/>
+          <a:chOff x="0" y="0"/>
+          <a:chExt cx="0" cy="0"/>
+        </a:xfrm>
+      </p:grpSpPr>
+      <p:sp>
+        <p:nvSpPr>
+          <p:cNvPr id="2" name="Title 1"/>
+          <p:cNvSpPr>
+            <a:spLocks noGrp="1"/>
+          </p:cNvSpPr>
+          <p:nvPr>
+            <p:ph type="title"/>
+          </p:nvPr>
+        </p:nvSpPr>
+        <p:spPr/>
+        <p:txBody>
+          <a:bodyPr>
+            <a:normAutofit fontScale="90000"/>
+          </a:bodyPr>
+          <a:lstStyle/>
+          <a:p>
+            <a:r>
+              <a:rPr lang="en-US" dirty="0" smtClean="0"/>
+              <a:t>Displaying Error using a Style and Template</a:t>
+            </a:r>
+            <a:endParaRPr lang="en-US" dirty="0"/>
+          </a:p>
+        </p:txBody>
+      </p:sp>
+      <p:pic>
+        <p:nvPicPr>
+          <p:cNvPr id="4098" name="Picture 2"/>
+          <p:cNvPicPr>
+            <a:picLocks noChangeAspect="1" noChangeArrowheads="1"/>
+          </p:cNvPicPr>
+          <p:nvPr/>
+        </p:nvPicPr>
+        <p:blipFill>
+          <a:blip r:embed="rId2"/>
+          <a:srcRect/>
+          <a:stretch>
+            <a:fillRect/>
+          </a:stretch>
+        </p:blipFill>
+        <p:spPr bwMode="auto">
+          <a:xfrm>
+            <a:off x="304800" y="1828800"/>
+            <a:ext cx="8620125" cy="3538045"/>
+          </a:xfrm>
+          <a:prstGeom prst="rect">
+            <a:avLst/>
+          </a:prstGeom>
+          <a:noFill/>
+          <a:ln w="9525">
+            <a:noFill/>
+            <a:miter lim="800000"/>
+            <a:headEnd/>
+            <a:tailEnd/>
+          </a:ln>
+          <a:effectLst/>
+        </p:spPr>
+      </p:pic>
+    </p:spTree>
+  </p:cSld>
+  <p:clrMapOvr>
+    <a:masterClrMapping/>
+  </p:clrMapOvr>
+</p:sld>
+</file>
+
+<file path=ppt/slides/slide13.xml><?xml version="1.0" encoding="utf-8"?>
+<p:sld xmlns:a="http://schemas.openxmlformats.org/drawingml/2006/main" xmlns:r="http://schemas.openxmlformats.org/officeDocument/2006/relationships" xmlns:p="http://schemas.openxmlformats.org/presentationml/2006/main">
+  <p:cSld>
+    <p:spTree>
+      <p:nvGrpSpPr>
+        <p:cNvPr id="1" name=""/>
+        <p:cNvGrpSpPr/>
+        <p:nvPr/>
+      </p:nvGrpSpPr>
+      <p:grpSpPr>
+        <a:xfrm>
+          <a:off x="0" y="0"/>
+          <a:ext cx="0" cy="0"/>
+          <a:chOff x="0" y="0"/>
+          <a:chExt cx="0" cy="0"/>
+        </a:xfrm>
+      </p:grpSpPr>
+      <p:sp>
+        <p:nvSpPr>
+          <p:cNvPr id="2" name="Title 1"/>
+          <p:cNvSpPr>
+            <a:spLocks noGrp="1"/>
+          </p:cNvSpPr>
+          <p:nvPr>
+            <p:ph type="title"/>
+          </p:nvPr>
+        </p:nvSpPr>
+        <p:spPr/>
+        <p:txBody>
+          <a:bodyPr/>
+          <a:lstStyle/>
+          <a:p>
+            <a:r>
+              <a:rPr lang="en-US" dirty="0" smtClean="0"/>
+              <a:t>Using Exceptions</a:t>
+            </a:r>
+            <a:endParaRPr lang="en-US" dirty="0"/>
+          </a:p>
+        </p:txBody>
+      </p:sp>
+      <p:sp>
+        <p:nvSpPr>
+          <p:cNvPr id="3" name="Text Placeholder 2"/>
+          <p:cNvSpPr>
+            <a:spLocks noGrp="1"/>
+          </p:cNvSpPr>
+          <p:nvPr>
+            <p:ph type="body" idx="1"/>
+          </p:nvPr>
+        </p:nvSpPr>
+        <p:spPr/>
+        <p:txBody>
+          <a:bodyPr/>
+          <a:lstStyle/>
+          <a:p>
+            <a:endParaRPr lang="en-US"/>
+          </a:p>
+        </p:txBody>
+      </p:sp>
+    </p:spTree>
+  </p:cSld>
+  <p:clrMapOvr>
+    <a:masterClrMapping/>
+  </p:clrMapOvr>
+</p:sld>
+</file>
+
+<file path=ppt/slides/slide14.xml><?xml version="1.0" encoding="utf-8"?>
+<p:sld xmlns:a="http://schemas.openxmlformats.org/drawingml/2006/main" xmlns:r="http://schemas.openxmlformats.org/officeDocument/2006/relationships" xmlns:p="http://schemas.openxmlformats.org/presentationml/2006/main">
+  <p:cSld>
+    <p:spTree>
+      <p:nvGrpSpPr>
+        <p:cNvPr id="1" name=""/>
+        <p:cNvGrpSpPr/>
+        <p:nvPr/>
+      </p:nvGrpSpPr>
+      <p:grpSpPr>
+        <a:xfrm>
+          <a:off x="0" y="0"/>
+          <a:ext cx="0" cy="0"/>
+          <a:chOff x="0" y="0"/>
+          <a:chExt cx="0" cy="0"/>
+        </a:xfrm>
+      </p:grpSpPr>
+      <p:sp>
+        <p:nvSpPr>
+          <p:cNvPr id="2" name="Title 1"/>
+          <p:cNvSpPr>
+            <a:spLocks noGrp="1"/>
+          </p:cNvSpPr>
+          <p:nvPr>
+            <p:ph type="title"/>
+          </p:nvPr>
+        </p:nvSpPr>
+        <p:spPr/>
+        <p:txBody>
+          <a:bodyPr>
+            <a:normAutofit/>
+          </a:bodyPr>
+          <a:lstStyle/>
+          <a:p>
+            <a:r>
+              <a:rPr lang="en-US" dirty="0" smtClean="0"/>
+              <a:t>On source…</a:t>
+            </a:r>
+            <a:endParaRPr lang="en-US" dirty="0"/>
+          </a:p>
+        </p:txBody>
+      </p:sp>
+      <p:pic>
+        <p:nvPicPr>
+          <p:cNvPr id="5122" name="Picture 2"/>
+          <p:cNvPicPr>
+            <a:picLocks noChangeAspect="1" noChangeArrowheads="1"/>
+          </p:cNvPicPr>
+          <p:nvPr/>
+        </p:nvPicPr>
+        <p:blipFill>
+          <a:blip r:embed="rId2"/>
+          <a:srcRect/>
+          <a:stretch>
+            <a:fillRect/>
+          </a:stretch>
+        </p:blipFill>
+        <p:spPr bwMode="auto">
+          <a:xfrm>
+            <a:off x="762000" y="2133600"/>
+            <a:ext cx="6520460" cy="2667000"/>
+          </a:xfrm>
+          <a:prstGeom prst="rect">
+            <a:avLst/>
+          </a:prstGeom>
+          <a:noFill/>
+          <a:ln w="9525">
+            <a:noFill/>
+            <a:miter lim="800000"/>
+            <a:headEnd/>
+            <a:tailEnd/>
+          </a:ln>
+          <a:effectLst/>
+        </p:spPr>
+      </p:pic>
+      <p:sp>
+        <p:nvSpPr>
+          <p:cNvPr id="6" name="Down Arrow 5"/>
+          <p:cNvSpPr/>
+          <p:nvPr/>
+        </p:nvSpPr>
+        <p:spPr>
+          <a:xfrm rot="10800000">
+            <a:off x="5715000" y="4114800"/>
+            <a:ext cx="533400" cy="1143000"/>
+          </a:xfrm>
+          <a:prstGeom prst="downArrow">
+            <a:avLst/>
+          </a:prstGeom>
+        </p:spPr>
+        <p:style>
+          <a:lnRef idx="2">
+            <a:schemeClr val="accent1">
+              <a:shade val="50000"/>
+            </a:schemeClr>
+          </a:lnRef>
+          <a:fillRef idx="1">
+            <a:schemeClr val="accent1"/>
+          </a:fillRef>
+          <a:effectRef idx="0">
+            <a:schemeClr val="accent1"/>
+          </a:effectRef>
+          <a:fontRef idx="minor">
+            <a:schemeClr val="lt1"/>
+          </a:fontRef>
+        </p:style>
+        <p:txBody>
+          <a:bodyPr rtlCol="0" anchor="ctr"/>
+          <a:lstStyle/>
+          <a:p>
+            <a:pPr algn="ctr"/>
+            <a:endParaRPr lang="en-US"/>
+          </a:p>
+        </p:txBody>
+      </p:sp>
+      <p:sp>
+        <p:nvSpPr>
+          <p:cNvPr id="7" name="TextBox 6"/>
+          <p:cNvSpPr txBox="1"/>
+          <p:nvPr/>
+        </p:nvSpPr>
+        <p:spPr>
+          <a:xfrm>
+            <a:off x="3733800" y="5410200"/>
+            <a:ext cx="4660250" cy="369332"/>
+          </a:xfrm>
+          <a:prstGeom prst="rect">
+            <a:avLst/>
+          </a:prstGeom>
+          <a:noFill/>
+        </p:spPr>
+        <p:txBody>
+          <a:bodyPr wrap="none" rtlCol="0">
+            <a:spAutoFit/>
+          </a:bodyPr>
+          <a:lstStyle/>
+          <a:p>
+            <a:r>
+              <a:rPr lang="en-US" dirty="0" smtClean="0"/>
+              <a:t>Exception message will be the error content</a:t>
+            </a:r>
+            <a:endParaRPr lang="en-US" dirty="0"/>
+          </a:p>
+        </p:txBody>
+      </p:sp>
+      <p:sp>
+        <p:nvSpPr>
+          <p:cNvPr id="8" name="TextBox 7"/>
+          <p:cNvSpPr txBox="1"/>
+          <p:nvPr/>
+        </p:nvSpPr>
+        <p:spPr>
+          <a:xfrm>
+            <a:off x="3124200" y="1600200"/>
+            <a:ext cx="1877437" cy="369332"/>
+          </a:xfrm>
+          <a:prstGeom prst="rect">
+            <a:avLst/>
+          </a:prstGeom>
+          <a:noFill/>
+        </p:spPr>
+        <p:txBody>
+          <a:bodyPr wrap="none" rtlCol="0">
+            <a:spAutoFit/>
+          </a:bodyPr>
+          <a:lstStyle/>
+          <a:p>
+            <a:r>
+              <a:rPr lang="en-US" dirty="0" smtClean="0"/>
+              <a:t>Throw exception</a:t>
+            </a:r>
+            <a:endParaRPr lang="en-US" dirty="0"/>
+          </a:p>
+        </p:txBody>
+      </p:sp>
+      <p:sp>
+        <p:nvSpPr>
+          <p:cNvPr id="10" name="Down Arrow 9"/>
+          <p:cNvSpPr/>
+          <p:nvPr/>
+        </p:nvSpPr>
+        <p:spPr>
+          <a:xfrm>
+            <a:off x="3505200" y="2057400"/>
+            <a:ext cx="533400" cy="1600200"/>
+          </a:xfrm>
+          <a:prstGeom prst="downArrow">
+            <a:avLst/>
+          </a:prstGeom>
+        </p:spPr>
+        <p:style>
+          <a:lnRef idx="2">
+            <a:schemeClr val="accent1">
+              <a:shade val="50000"/>
+            </a:schemeClr>
+          </a:lnRef>
+          <a:fillRef idx="1">
+            <a:schemeClr val="accent1"/>
+          </a:fillRef>
+          <a:effectRef idx="0">
+            <a:schemeClr val="accent1"/>
+          </a:effectRef>
+          <a:fontRef idx="minor">
+            <a:schemeClr val="lt1"/>
+          </a:fontRef>
+        </p:style>
+        <p:txBody>
+          <a:bodyPr rtlCol="0" anchor="ctr"/>
+          <a:lstStyle/>
+          <a:p>
+            <a:pPr algn="ctr"/>
+            <a:endParaRPr lang="en-US"/>
+          </a:p>
+        </p:txBody>
+      </p:sp>
+    </p:spTree>
+  </p:cSld>
+  <p:clrMapOvr>
+    <a:masterClrMapping/>
+  </p:clrMapOvr>
+</p:sld>
+</file>
+
+<file path=ppt/slides/slide15.xml><?xml version="1.0" encoding="utf-8"?>
+<p:sld xmlns:a="http://schemas.openxmlformats.org/drawingml/2006/main" xmlns:r="http://schemas.openxmlformats.org/officeDocument/2006/relationships" xmlns:p="http://schemas.openxmlformats.org/presentationml/2006/main">
+  <p:cSld>
+    <p:spTree>
+      <p:nvGrpSpPr>
+        <p:cNvPr id="1" name=""/>
+        <p:cNvGrpSpPr/>
+        <p:nvPr/>
+      </p:nvGrpSpPr>
+      <p:grpSpPr>
+        <a:xfrm>
+          <a:off x="0" y="0"/>
+          <a:ext cx="0" cy="0"/>
+          <a:chOff x="0" y="0"/>
+          <a:chExt cx="0" cy="0"/>
+        </a:xfrm>
+      </p:grpSpPr>
+      <p:sp>
+        <p:nvSpPr>
+          <p:cNvPr id="2" name="Title 1"/>
+          <p:cNvSpPr>
+            <a:spLocks noGrp="1"/>
+          </p:cNvSpPr>
+          <p:nvPr>
+            <p:ph type="title"/>
+          </p:nvPr>
+        </p:nvSpPr>
+        <p:spPr/>
+        <p:txBody>
+          <a:bodyPr>
+            <a:normAutofit/>
+          </a:bodyPr>
+          <a:lstStyle/>
+          <a:p>
+            <a:r>
+              <a:rPr lang="en-US" dirty="0" smtClean="0"/>
+              <a:t>On binding…</a:t>
+            </a:r>
+            <a:endParaRPr lang="en-US" dirty="0"/>
+          </a:p>
+        </p:txBody>
+      </p:sp>
+      <p:sp>
+        <p:nvSpPr>
+          <p:cNvPr id="7" name="TextBox 6"/>
+          <p:cNvSpPr txBox="1"/>
+          <p:nvPr/>
+        </p:nvSpPr>
+        <p:spPr>
+          <a:xfrm>
+            <a:off x="3124200" y="1524000"/>
+            <a:ext cx="2963183" cy="369332"/>
+          </a:xfrm>
+          <a:prstGeom prst="rect">
+            <a:avLst/>
+          </a:prstGeom>
+          <a:noFill/>
+        </p:spPr>
+        <p:txBody>
+          <a:bodyPr wrap="none" rtlCol="0">
+            <a:spAutoFit/>
+          </a:bodyPr>
+          <a:lstStyle/>
+          <a:p>
+            <a:r>
+              <a:rPr lang="en-US" dirty="0" smtClean="0"/>
+              <a:t>Set </a:t>
+            </a:r>
+            <a:r>
+              <a:rPr lang="en-US" dirty="0" err="1" smtClean="0"/>
+              <a:t>ValidatesOnExceptions</a:t>
+            </a:r>
+            <a:endParaRPr lang="en-US" dirty="0"/>
+          </a:p>
+        </p:txBody>
+      </p:sp>
+      <p:pic>
+        <p:nvPicPr>
+          <p:cNvPr id="6146" name="Picture 2"/>
+          <p:cNvPicPr>
+            <a:picLocks noChangeAspect="1" noChangeArrowheads="1"/>
+          </p:cNvPicPr>
+          <p:nvPr/>
+        </p:nvPicPr>
+        <p:blipFill>
+          <a:blip r:embed="rId2"/>
+          <a:srcRect/>
+          <a:stretch>
+            <a:fillRect/>
+          </a:stretch>
+        </p:blipFill>
+        <p:spPr bwMode="auto">
+          <a:xfrm>
+            <a:off x="990600" y="3114675"/>
+            <a:ext cx="6067425" cy="466725"/>
+          </a:xfrm>
+          <a:prstGeom prst="rect">
+            <a:avLst/>
+          </a:prstGeom>
+          <a:noFill/>
+          <a:ln w="9525">
+            <a:noFill/>
+            <a:miter lim="800000"/>
+            <a:headEnd/>
+            <a:tailEnd/>
+          </a:ln>
+          <a:effectLst/>
+        </p:spPr>
+      </p:pic>
+      <p:sp>
+        <p:nvSpPr>
+          <p:cNvPr id="6" name="Down Arrow 5"/>
+          <p:cNvSpPr/>
+          <p:nvPr/>
+        </p:nvSpPr>
+        <p:spPr>
+          <a:xfrm>
+            <a:off x="5029200" y="2057400"/>
+            <a:ext cx="533400" cy="1143000"/>
+          </a:xfrm>
+          <a:prstGeom prst="downArrow">
+            <a:avLst/>
+          </a:prstGeom>
+        </p:spPr>
+        <p:style>
+          <a:lnRef idx="2">
+            <a:schemeClr val="accent1">
+              <a:shade val="50000"/>
+            </a:schemeClr>
+          </a:lnRef>
+          <a:fillRef idx="1">
+            <a:schemeClr val="accent1"/>
+          </a:fillRef>
+          <a:effectRef idx="0">
+            <a:schemeClr val="accent1"/>
+          </a:effectRef>
+          <a:fontRef idx="minor">
+            <a:schemeClr val="lt1"/>
+          </a:fontRef>
+        </p:style>
+        <p:txBody>
+          <a:bodyPr rtlCol="0" anchor="ctr"/>
+          <a:lstStyle/>
+          <a:p>
+            <a:pPr algn="ctr"/>
+            <a:endParaRPr lang="en-US"/>
+          </a:p>
+        </p:txBody>
+      </p:sp>
+    </p:spTree>
+  </p:cSld>
+  <p:clrMapOvr>
+    <a:masterClrMapping/>
+  </p:clrMapOvr>
+</p:sld>
+</file>
+
+<file path=ppt/slides/slide16.xml><?xml version="1.0" encoding="utf-8"?>
+<p:sld xmlns:a="http://schemas.openxmlformats.org/drawingml/2006/main" xmlns:r="http://schemas.openxmlformats.org/officeDocument/2006/relationships" xmlns:p="http://schemas.openxmlformats.org/presentationml/2006/main">
+  <p:cSld>
+    <p:spTree>
+      <p:nvGrpSpPr>
+        <p:cNvPr id="1" name=""/>
+        <p:cNvGrpSpPr/>
+        <p:nvPr/>
+      </p:nvGrpSpPr>
+      <p:grpSpPr>
+        <a:xfrm>
+          <a:off x="0" y="0"/>
+          <a:ext cx="0" cy="0"/>
+          <a:chOff x="0" y="0"/>
+          <a:chExt cx="0" cy="0"/>
+        </a:xfrm>
+      </p:grpSpPr>
+      <p:sp>
+        <p:nvSpPr>
+          <p:cNvPr id="2" name="Title 1"/>
+          <p:cNvSpPr>
+            <a:spLocks noGrp="1"/>
+          </p:cNvSpPr>
+          <p:nvPr>
+            <p:ph type="title"/>
+          </p:nvPr>
+        </p:nvSpPr>
+        <p:spPr/>
+        <p:txBody>
+          <a:bodyPr/>
+          <a:lstStyle/>
+          <a:p>
+            <a:r>
+              <a:rPr lang="en-US" dirty="0" smtClean="0"/>
+              <a:t>Using </a:t>
+            </a:r>
+            <a:r>
+              <a:rPr lang="en-US" dirty="0" err="1" smtClean="0"/>
+              <a:t>IDataErrorinfo</a:t>
+            </a:r>
+            <a:endParaRPr lang="en-US" dirty="0"/>
+          </a:p>
+        </p:txBody>
+      </p:sp>
+      <p:sp>
+        <p:nvSpPr>
+          <p:cNvPr id="3" name="Text Placeholder 2"/>
+          <p:cNvSpPr>
+            <a:spLocks noGrp="1"/>
+          </p:cNvSpPr>
+          <p:nvPr>
+            <p:ph type="body" idx="1"/>
+          </p:nvPr>
+        </p:nvSpPr>
+        <p:spPr/>
+        <p:txBody>
+          <a:bodyPr/>
+          <a:lstStyle/>
+          <a:p>
+            <a:endParaRPr lang="en-US"/>
+          </a:p>
+        </p:txBody>
+      </p:sp>
+    </p:spTree>
+  </p:cSld>
+  <p:clrMapOvr>
+    <a:masterClrMapping/>
+  </p:clrMapOvr>
+</p:sld>
+</file>
+
+<file path=ppt/slides/slide17.xml><?xml version="1.0" encoding="utf-8"?>
+<p:sld xmlns:a="http://schemas.openxmlformats.org/drawingml/2006/main" xmlns:r="http://schemas.openxmlformats.org/officeDocument/2006/relationships" xmlns:p="http://schemas.openxmlformats.org/presentationml/2006/main">
+  <p:cSld>
+    <p:spTree>
+      <p:nvGrpSpPr>
+        <p:cNvPr id="1" name=""/>
+        <p:cNvGrpSpPr/>
+        <p:nvPr/>
+      </p:nvGrpSpPr>
+      <p:grpSpPr>
+        <a:xfrm>
+          <a:off x="0" y="0"/>
+          <a:ext cx="0" cy="0"/>
+          <a:chOff x="0" y="0"/>
+          <a:chExt cx="0" cy="0"/>
+        </a:xfrm>
+      </p:grpSpPr>
+      <p:sp>
+        <p:nvSpPr>
+          <p:cNvPr id="2" name="Title 1"/>
+          <p:cNvSpPr>
+            <a:spLocks noGrp="1"/>
+          </p:cNvSpPr>
+          <p:nvPr>
+            <p:ph type="title"/>
+          </p:nvPr>
+        </p:nvSpPr>
+        <p:spPr/>
+        <p:txBody>
+          <a:bodyPr/>
+          <a:lstStyle/>
+          <a:p>
+            <a:r>
+              <a:rPr lang="en-US" dirty="0" smtClean="0"/>
+              <a:t>Implements</a:t>
+            </a:r>
+            <a:endParaRPr lang="en-US" dirty="0"/>
+          </a:p>
+        </p:txBody>
+      </p:sp>
+      <p:pic>
+        <p:nvPicPr>
+          <p:cNvPr id="7170" name="Picture 2"/>
+          <p:cNvPicPr>
+            <a:picLocks noChangeAspect="1" noChangeArrowheads="1"/>
+          </p:cNvPicPr>
+          <p:nvPr/>
+        </p:nvPicPr>
+        <p:blipFill>
+          <a:blip r:embed="rId2"/>
+          <a:srcRect/>
+          <a:stretch>
+            <a:fillRect/>
+          </a:stretch>
+        </p:blipFill>
+        <p:spPr bwMode="auto">
+          <a:xfrm>
+            <a:off x="762000" y="1447800"/>
+            <a:ext cx="1838325" cy="419100"/>
+          </a:xfrm>
+          <a:prstGeom prst="rect">
+            <a:avLst/>
+          </a:prstGeom>
+          <a:noFill/>
+          <a:ln w="9525">
+            <a:noFill/>
+            <a:miter lim="800000"/>
+            <a:headEnd/>
+            <a:tailEnd/>
+          </a:ln>
+          <a:effectLst/>
+        </p:spPr>
+      </p:pic>
+      <p:pic>
+        <p:nvPicPr>
+          <p:cNvPr id="7171" name="Picture 3"/>
+          <p:cNvPicPr>
+            <a:picLocks noChangeAspect="1" noChangeArrowheads="1"/>
+          </p:cNvPicPr>
+          <p:nvPr/>
+        </p:nvPicPr>
+        <p:blipFill>
+          <a:blip r:embed="rId3"/>
+          <a:srcRect/>
+          <a:stretch>
+            <a:fillRect/>
+          </a:stretch>
+        </p:blipFill>
+        <p:spPr bwMode="auto">
+          <a:xfrm>
+            <a:off x="762000" y="2676525"/>
+            <a:ext cx="4895850" cy="2124075"/>
+          </a:xfrm>
+          <a:prstGeom prst="rect">
+            <a:avLst/>
+          </a:prstGeom>
+          <a:noFill/>
+          <a:ln w="9525">
+            <a:noFill/>
+            <a:miter lim="800000"/>
+            <a:headEnd/>
+            <a:tailEnd/>
+          </a:ln>
+          <a:effectLst/>
+        </p:spPr>
+      </p:pic>
+      <p:sp>
+        <p:nvSpPr>
+          <p:cNvPr id="6" name="Down Arrow 5"/>
+          <p:cNvSpPr/>
+          <p:nvPr/>
+        </p:nvSpPr>
+        <p:spPr>
+          <a:xfrm>
+            <a:off x="1524000" y="1905000"/>
+            <a:ext cx="391886" cy="685800"/>
+          </a:xfrm>
+          <a:prstGeom prst="downArrow">
+            <a:avLst/>
+          </a:prstGeom>
+        </p:spPr>
+        <p:style>
+          <a:lnRef idx="2">
+            <a:schemeClr val="accent1">
+              <a:shade val="50000"/>
+            </a:schemeClr>
+          </a:lnRef>
+          <a:fillRef idx="1">
+            <a:schemeClr val="accent1"/>
+          </a:fillRef>
+          <a:effectRef idx="0">
+            <a:schemeClr val="accent1"/>
+          </a:effectRef>
+          <a:fontRef idx="minor">
+            <a:schemeClr val="lt1"/>
+          </a:fontRef>
+        </p:style>
+        <p:txBody>
+          <a:bodyPr rtlCol="0" anchor="ctr"/>
+          <a:lstStyle/>
+          <a:p>
+            <a:pPr algn="ctr"/>
+            <a:endParaRPr lang="en-US"/>
+          </a:p>
+        </p:txBody>
+      </p:sp>
+    </p:spTree>
+  </p:cSld>
+  <p:clrMapOvr>
+    <a:masterClrMapping/>
+  </p:clrMapOvr>
+</p:sld>
+</file>
+
+<file path=ppt/slides/slide18.xml><?xml version="1.0" encoding="utf-8"?>
+<p:sld xmlns:a="http://schemas.openxmlformats.org/drawingml/2006/main" xmlns:r="http://schemas.openxmlformats.org/officeDocument/2006/relationships" xmlns:p="http://schemas.openxmlformats.org/presentationml/2006/main">
+  <p:cSld>
+    <p:spTree>
+      <p:nvGrpSpPr>
+        <p:cNvPr id="1" name=""/>
+        <p:cNvGrpSpPr/>
+        <p:nvPr/>
+      </p:nvGrpSpPr>
+      <p:grpSpPr>
+        <a:xfrm>
+          <a:off x="0" y="0"/>
+          <a:ext cx="0" cy="0"/>
+          <a:chOff x="0" y="0"/>
+          <a:chExt cx="0" cy="0"/>
+        </a:xfrm>
+      </p:grpSpPr>
+      <p:sp>
+        <p:nvSpPr>
+          <p:cNvPr id="2" name="Title 1"/>
+          <p:cNvSpPr>
+            <a:spLocks noGrp="1"/>
+          </p:cNvSpPr>
+          <p:nvPr>
+            <p:ph type="title"/>
+          </p:nvPr>
+        </p:nvSpPr>
+        <p:spPr/>
+        <p:txBody>
+          <a:bodyPr>
+            <a:normAutofit fontScale="90000"/>
+          </a:bodyPr>
+          <a:lstStyle/>
+          <a:p>
+            <a:r>
+              <a:rPr lang="en-US" dirty="0" smtClean="0"/>
+              <a:t>In my example on </a:t>
+            </a:r>
+            <a:r>
+              <a:rPr lang="en-US" dirty="0" err="1" smtClean="0"/>
+              <a:t>ViewModel</a:t>
+            </a:r>
+            <a:endParaRPr lang="en-US" dirty="0"/>
+          </a:p>
+        </p:txBody>
+      </p:sp>
+      <p:pic>
+        <p:nvPicPr>
+          <p:cNvPr id="8194" name="Picture 2"/>
+          <p:cNvPicPr>
+            <a:picLocks noChangeAspect="1" noChangeArrowheads="1"/>
+          </p:cNvPicPr>
+          <p:nvPr/>
+        </p:nvPicPr>
+        <p:blipFill>
+          <a:blip r:embed="rId2"/>
+          <a:srcRect/>
+          <a:stretch>
+            <a:fillRect/>
+          </a:stretch>
+        </p:blipFill>
+        <p:spPr bwMode="auto">
+          <a:xfrm>
+            <a:off x="685800" y="1295400"/>
+            <a:ext cx="5867400" cy="4752975"/>
+          </a:xfrm>
+          <a:prstGeom prst="rect">
+            <a:avLst/>
+          </a:prstGeom>
+          <a:noFill/>
+          <a:ln w="9525">
+            <a:noFill/>
+            <a:miter lim="800000"/>
+            <a:headEnd/>
+            <a:tailEnd/>
+          </a:ln>
+          <a:effectLst/>
+        </p:spPr>
+      </p:pic>
+    </p:spTree>
+  </p:cSld>
+  <p:clrMapOvr>
+    <a:masterClrMapping/>
+  </p:clrMapOvr>
+</p:sld>
+</file>
+
+<file path=ppt/slides/slide19.xml><?xml version="1.0" encoding="utf-8"?>
+<p:sld xmlns:a="http://schemas.openxmlformats.org/drawingml/2006/main" xmlns:r="http://schemas.openxmlformats.org/officeDocument/2006/relationships" xmlns:p="http://schemas.openxmlformats.org/presentationml/2006/main">
+  <p:cSld>
+    <p:spTree>
+      <p:nvGrpSpPr>
+        <p:cNvPr id="1" name=""/>
+        <p:cNvGrpSpPr/>
+        <p:nvPr/>
+      </p:nvGrpSpPr>
+      <p:grpSpPr>
+        <a:xfrm>
+          <a:off x="0" y="0"/>
+          <a:ext cx="0" cy="0"/>
+          <a:chOff x="0" y="0"/>
+          <a:chExt cx="0" cy="0"/>
+        </a:xfrm>
+      </p:grpSpPr>
+      <p:sp>
+        <p:nvSpPr>
+          <p:cNvPr id="2" name="Title 1"/>
+          <p:cNvSpPr>
+            <a:spLocks noGrp="1"/>
+          </p:cNvSpPr>
+          <p:nvPr>
+            <p:ph type="title"/>
+          </p:nvPr>
+        </p:nvSpPr>
+        <p:spPr/>
+        <p:txBody>
+          <a:bodyPr/>
+          <a:lstStyle/>
+          <a:p>
+            <a:r>
+              <a:rPr lang="en-US" dirty="0" smtClean="0"/>
+              <a:t>On Party Invitee View Model</a:t>
+            </a:r>
+            <a:endParaRPr lang="en-US" dirty="0"/>
+          </a:p>
+        </p:txBody>
+      </p:sp>
+      <p:pic>
+        <p:nvPicPr>
+          <p:cNvPr id="9218" name="Picture 2"/>
+          <p:cNvPicPr>
+            <a:picLocks noChangeAspect="1" noChangeArrowheads="1"/>
+          </p:cNvPicPr>
+          <p:nvPr/>
+        </p:nvPicPr>
+        <p:blipFill>
+          <a:blip r:embed="rId2"/>
+          <a:srcRect/>
+          <a:stretch>
+            <a:fillRect/>
+          </a:stretch>
+        </p:blipFill>
+        <p:spPr bwMode="auto">
+          <a:xfrm>
+            <a:off x="609600" y="1295400"/>
+            <a:ext cx="7686675" cy="5054492"/>
+          </a:xfrm>
+          <a:prstGeom prst="rect">
+            <a:avLst/>
+          </a:prstGeom>
+          <a:noFill/>
+          <a:ln w="9525">
+            <a:noFill/>
+            <a:miter lim="800000"/>
+            <a:headEnd/>
+            <a:tailEnd/>
+          </a:ln>
+          <a:effectLst/>
+        </p:spPr>
+      </p:pic>
+    </p:spTree>
+  </p:cSld>
+  <p:clrMapOvr>
+    <a:masterClrMapping/>
+  </p:clrMapOvr>
+</p:sld>
+</file>
+
 <file path=ppt/slides/slide2.xml><?xml version="1.0" encoding="utf-8"?>
 <p:sld xmlns:a="http://schemas.openxmlformats.org/drawingml/2006/main" xmlns:r="http://schemas.openxmlformats.org/officeDocument/2006/relationships" xmlns:p="http://schemas.openxmlformats.org/presentationml/2006/main">
   <p:cSld>
@@ -3191,10 +5052,1555 @@
 </p:sld>
 </file>
 
+<file path=ppt/slides/slide20.xml><?xml version="1.0" encoding="utf-8"?>
+<p:sld xmlns:a="http://schemas.openxmlformats.org/drawingml/2006/main" xmlns:r="http://schemas.openxmlformats.org/officeDocument/2006/relationships" xmlns:p="http://schemas.openxmlformats.org/presentationml/2006/main">
+  <p:cSld>
+    <p:spTree>
+      <p:nvGrpSpPr>
+        <p:cNvPr id="1" name=""/>
+        <p:cNvGrpSpPr/>
+        <p:nvPr/>
+      </p:nvGrpSpPr>
+      <p:grpSpPr>
+        <a:xfrm>
+          <a:off x="0" y="0"/>
+          <a:ext cx="0" cy="0"/>
+          <a:chOff x="0" y="0"/>
+          <a:chExt cx="0" cy="0"/>
+        </a:xfrm>
+      </p:grpSpPr>
+      <p:sp>
+        <p:nvSpPr>
+          <p:cNvPr id="2" name="Title 1"/>
+          <p:cNvSpPr>
+            <a:spLocks noGrp="1"/>
+          </p:cNvSpPr>
+          <p:nvPr>
+            <p:ph type="title"/>
+          </p:nvPr>
+        </p:nvSpPr>
+        <p:spPr/>
+        <p:txBody>
+          <a:bodyPr/>
+          <a:lstStyle/>
+          <a:p>
+            <a:r>
+              <a:rPr lang="en-US" dirty="0" smtClean="0"/>
+              <a:t>On Binding</a:t>
+            </a:r>
+            <a:endParaRPr lang="en-US" dirty="0"/>
+          </a:p>
+        </p:txBody>
+      </p:sp>
+      <p:pic>
+        <p:nvPicPr>
+          <p:cNvPr id="10242" name="Picture 2"/>
+          <p:cNvPicPr>
+            <a:picLocks noChangeAspect="1" noChangeArrowheads="1"/>
+          </p:cNvPicPr>
+          <p:nvPr/>
+        </p:nvPicPr>
+        <p:blipFill>
+          <a:blip r:embed="rId2"/>
+          <a:srcRect/>
+          <a:stretch>
+            <a:fillRect/>
+          </a:stretch>
+        </p:blipFill>
+        <p:spPr bwMode="auto">
+          <a:xfrm>
+            <a:off x="838200" y="1905000"/>
+            <a:ext cx="6977743" cy="381000"/>
+          </a:xfrm>
+          <a:prstGeom prst="rect">
+            <a:avLst/>
+          </a:prstGeom>
+          <a:noFill/>
+          <a:ln w="9525">
+            <a:noFill/>
+            <a:miter lim="800000"/>
+            <a:headEnd/>
+            <a:tailEnd/>
+          </a:ln>
+          <a:effectLst/>
+        </p:spPr>
+      </p:pic>
+      <p:sp>
+        <p:nvSpPr>
+          <p:cNvPr id="5" name="Down Arrow 4"/>
+          <p:cNvSpPr/>
+          <p:nvPr/>
+        </p:nvSpPr>
+        <p:spPr>
+          <a:xfrm rot="10800000">
+            <a:off x="5029200" y="2362200"/>
+            <a:ext cx="609600" cy="1230702"/>
+          </a:xfrm>
+          <a:prstGeom prst="downArrow">
+            <a:avLst/>
+          </a:prstGeom>
+        </p:spPr>
+        <p:style>
+          <a:lnRef idx="2">
+            <a:schemeClr val="accent1">
+              <a:shade val="50000"/>
+            </a:schemeClr>
+          </a:lnRef>
+          <a:fillRef idx="1">
+            <a:schemeClr val="accent1"/>
+          </a:fillRef>
+          <a:effectRef idx="0">
+            <a:schemeClr val="accent1"/>
+          </a:effectRef>
+          <a:fontRef idx="minor">
+            <a:schemeClr val="lt1"/>
+          </a:fontRef>
+        </p:style>
+        <p:txBody>
+          <a:bodyPr rtlCol="0" anchor="ctr"/>
+          <a:lstStyle/>
+          <a:p>
+            <a:pPr algn="ctr"/>
+            <a:endParaRPr lang="en-US"/>
+          </a:p>
+        </p:txBody>
+      </p:sp>
+      <p:sp>
+        <p:nvSpPr>
+          <p:cNvPr id="6" name="TextBox 5"/>
+          <p:cNvSpPr txBox="1"/>
+          <p:nvPr/>
+        </p:nvSpPr>
+        <p:spPr>
+          <a:xfrm>
+            <a:off x="3657600" y="3657600"/>
+            <a:ext cx="2732351" cy="369332"/>
+          </a:xfrm>
+          <a:prstGeom prst="rect">
+            <a:avLst/>
+          </a:prstGeom>
+          <a:noFill/>
+        </p:spPr>
+        <p:txBody>
+          <a:bodyPr wrap="none" rtlCol="0">
+            <a:spAutoFit/>
+          </a:bodyPr>
+          <a:lstStyle/>
+          <a:p>
+            <a:r>
+              <a:rPr lang="en-US" dirty="0" smtClean="0"/>
+              <a:t>Validates On Data Errors</a:t>
+            </a:r>
+            <a:endParaRPr lang="en-US" dirty="0"/>
+          </a:p>
+        </p:txBody>
+      </p:sp>
+    </p:spTree>
+  </p:cSld>
+  <p:clrMapOvr>
+    <a:masterClrMapping/>
+  </p:clrMapOvr>
+</p:sld>
+</file>
+
+<file path=ppt/slides/slide21.xml><?xml version="1.0" encoding="utf-8"?>
+<p:sld xmlns:a="http://schemas.openxmlformats.org/drawingml/2006/main" xmlns:r="http://schemas.openxmlformats.org/officeDocument/2006/relationships" xmlns:p="http://schemas.openxmlformats.org/presentationml/2006/main">
+  <p:cSld>
+    <p:spTree>
+      <p:nvGrpSpPr>
+        <p:cNvPr id="1" name=""/>
+        <p:cNvGrpSpPr/>
+        <p:nvPr/>
+      </p:nvGrpSpPr>
+      <p:grpSpPr>
+        <a:xfrm>
+          <a:off x="0" y="0"/>
+          <a:ext cx="0" cy="0"/>
+          <a:chOff x="0" y="0"/>
+          <a:chExt cx="0" cy="0"/>
+        </a:xfrm>
+      </p:grpSpPr>
+      <p:sp>
+        <p:nvSpPr>
+          <p:cNvPr id="2" name="Title 1"/>
+          <p:cNvSpPr>
+            <a:spLocks noGrp="1"/>
+          </p:cNvSpPr>
+          <p:nvPr>
+            <p:ph type="title"/>
+          </p:nvPr>
+        </p:nvSpPr>
+        <p:spPr/>
+        <p:txBody>
+          <a:bodyPr/>
+          <a:lstStyle/>
+          <a:p>
+            <a:r>
+              <a:rPr lang="en-US" dirty="0" smtClean="0"/>
+              <a:t>Enterprise Library </a:t>
+            </a:r>
+            <a:endParaRPr lang="en-US" dirty="0"/>
+          </a:p>
+        </p:txBody>
+      </p:sp>
+      <p:sp>
+        <p:nvSpPr>
+          <p:cNvPr id="3" name="Text Placeholder 2"/>
+          <p:cNvSpPr>
+            <a:spLocks noGrp="1"/>
+          </p:cNvSpPr>
+          <p:nvPr>
+            <p:ph type="body" idx="1"/>
+          </p:nvPr>
+        </p:nvSpPr>
+        <p:spPr/>
+        <p:txBody>
+          <a:bodyPr/>
+          <a:lstStyle/>
+          <a:p>
+            <a:endParaRPr lang="en-US"/>
+          </a:p>
+        </p:txBody>
+      </p:sp>
+    </p:spTree>
+  </p:cSld>
+  <p:clrMapOvr>
+    <a:masterClrMapping/>
+  </p:clrMapOvr>
+</p:sld>
+</file>
+
+<file path=ppt/slides/slide22.xml><?xml version="1.0" encoding="utf-8"?>
+<p:sld xmlns:a="http://schemas.openxmlformats.org/drawingml/2006/main" xmlns:r="http://schemas.openxmlformats.org/officeDocument/2006/relationships" xmlns:p="http://schemas.openxmlformats.org/presentationml/2006/main">
+  <p:cSld>
+    <p:spTree>
+      <p:nvGrpSpPr>
+        <p:cNvPr id="1" name=""/>
+        <p:cNvGrpSpPr/>
+        <p:nvPr/>
+      </p:nvGrpSpPr>
+      <p:grpSpPr>
+        <a:xfrm>
+          <a:off x="0" y="0"/>
+          <a:ext cx="0" cy="0"/>
+          <a:chOff x="0" y="0"/>
+          <a:chExt cx="0" cy="0"/>
+        </a:xfrm>
+      </p:grpSpPr>
+      <p:sp>
+        <p:nvSpPr>
+          <p:cNvPr id="2" name="Title 1"/>
+          <p:cNvSpPr>
+            <a:spLocks noGrp="1"/>
+          </p:cNvSpPr>
+          <p:nvPr>
+            <p:ph type="title"/>
+          </p:nvPr>
+        </p:nvSpPr>
+        <p:spPr/>
+        <p:txBody>
+          <a:bodyPr/>
+          <a:lstStyle/>
+          <a:p>
+            <a:r>
+              <a:rPr lang="en-US" dirty="0" smtClean="0"/>
+              <a:t>Enterprise Library is</a:t>
+            </a:r>
+            <a:endParaRPr lang="en-US" dirty="0"/>
+          </a:p>
+        </p:txBody>
+      </p:sp>
+      <p:sp>
+        <p:nvSpPr>
+          <p:cNvPr id="3" name="Content Placeholder 2"/>
+          <p:cNvSpPr>
+            <a:spLocks noGrp="1"/>
+          </p:cNvSpPr>
+          <p:nvPr>
+            <p:ph idx="1"/>
+          </p:nvPr>
+        </p:nvSpPr>
+        <p:spPr/>
+        <p:txBody>
+          <a:bodyPr/>
+          <a:lstStyle/>
+          <a:p>
+            <a:r>
+              <a:rPr lang="en-US" dirty="0" smtClean="0"/>
+              <a:t>The Microsoft Enterprise Library is a collection of application blocks designed to assist developers with common enterprise development </a:t>
+            </a:r>
+            <a:r>
+              <a:rPr lang="en-US" dirty="0" smtClean="0"/>
+              <a:t>challenges</a:t>
+            </a:r>
+          </a:p>
+          <a:p>
+            <a:r>
+              <a:rPr lang="en-US" dirty="0" smtClean="0"/>
+              <a:t>Major Blocks</a:t>
+            </a:r>
+          </a:p>
+          <a:p>
+            <a:pPr lvl="1"/>
+            <a:r>
+              <a:rPr lang="en-US" dirty="0" smtClean="0"/>
+              <a:t>Validation Block</a:t>
+            </a:r>
+            <a:endParaRPr lang="en-US" dirty="0"/>
+          </a:p>
+        </p:txBody>
+      </p:sp>
+    </p:spTree>
+  </p:cSld>
+  <p:clrMapOvr>
+    <a:masterClrMapping/>
+  </p:clrMapOvr>
+</p:sld>
+</file>
+
+<file path=ppt/slides/slide23.xml><?xml version="1.0" encoding="utf-8"?>
+<p:sld xmlns:a="http://schemas.openxmlformats.org/drawingml/2006/main" xmlns:r="http://schemas.openxmlformats.org/officeDocument/2006/relationships" xmlns:p="http://schemas.openxmlformats.org/presentationml/2006/main">
+  <p:cSld>
+    <p:spTree>
+      <p:nvGrpSpPr>
+        <p:cNvPr id="1" name=""/>
+        <p:cNvGrpSpPr/>
+        <p:nvPr/>
+      </p:nvGrpSpPr>
+      <p:grpSpPr>
+        <a:xfrm>
+          <a:off x="0" y="0"/>
+          <a:ext cx="0" cy="0"/>
+          <a:chOff x="0" y="0"/>
+          <a:chExt cx="0" cy="0"/>
+        </a:xfrm>
+      </p:grpSpPr>
+      <p:sp>
+        <p:nvSpPr>
+          <p:cNvPr id="2" name="Title 1"/>
+          <p:cNvSpPr>
+            <a:spLocks noGrp="1"/>
+          </p:cNvSpPr>
+          <p:nvPr>
+            <p:ph type="title"/>
+          </p:nvPr>
+        </p:nvSpPr>
+        <p:spPr/>
+        <p:txBody>
+          <a:bodyPr/>
+          <a:lstStyle/>
+          <a:p>
+            <a:r>
+              <a:rPr lang="en-US" dirty="0" smtClean="0"/>
+              <a:t>You can get </a:t>
+            </a:r>
+            <a:r>
+              <a:rPr lang="en-US" dirty="0" err="1" smtClean="0"/>
+              <a:t>EntLib</a:t>
+            </a:r>
+            <a:r>
+              <a:rPr lang="en-US" dirty="0" smtClean="0"/>
+              <a:t> 4.1 here</a:t>
+            </a:r>
+            <a:endParaRPr lang="en-US" dirty="0"/>
+          </a:p>
+        </p:txBody>
+      </p:sp>
+      <p:sp>
+        <p:nvSpPr>
+          <p:cNvPr id="3" name="Content Placeholder 2"/>
+          <p:cNvSpPr>
+            <a:spLocks noGrp="1"/>
+          </p:cNvSpPr>
+          <p:nvPr>
+            <p:ph idx="1"/>
+          </p:nvPr>
+        </p:nvSpPr>
+        <p:spPr/>
+        <p:txBody>
+          <a:bodyPr/>
+          <a:lstStyle/>
+          <a:p>
+            <a:r>
+              <a:rPr lang="en-US" dirty="0" smtClean="0"/>
+              <a:t>http://msdn.microsoft.com/en-us/library/dd203099.aspx</a:t>
+            </a:r>
+            <a:endParaRPr lang="en-US" dirty="0"/>
+          </a:p>
+        </p:txBody>
+      </p:sp>
+      <p:pic>
+        <p:nvPicPr>
+          <p:cNvPr id="11268" name="Picture 4"/>
+          <p:cNvPicPr>
+            <a:picLocks noChangeAspect="1" noChangeArrowheads="1"/>
+          </p:cNvPicPr>
+          <p:nvPr/>
+        </p:nvPicPr>
+        <p:blipFill>
+          <a:blip r:embed="rId2"/>
+          <a:srcRect/>
+          <a:stretch>
+            <a:fillRect/>
+          </a:stretch>
+        </p:blipFill>
+        <p:spPr bwMode="auto">
+          <a:xfrm>
+            <a:off x="304800" y="2819400"/>
+            <a:ext cx="8477250" cy="2628900"/>
+          </a:xfrm>
+          <a:prstGeom prst="rect">
+            <a:avLst/>
+          </a:prstGeom>
+          <a:noFill/>
+          <a:ln w="9525">
+            <a:noFill/>
+            <a:miter lim="800000"/>
+            <a:headEnd/>
+            <a:tailEnd/>
+          </a:ln>
+          <a:effectLst/>
+        </p:spPr>
+      </p:pic>
+      <p:sp>
+        <p:nvSpPr>
+          <p:cNvPr id="8" name="Rectangle 7"/>
+          <p:cNvSpPr/>
+          <p:nvPr/>
+        </p:nvSpPr>
+        <p:spPr>
+          <a:xfrm>
+            <a:off x="2286000" y="4953000"/>
+            <a:ext cx="5181600" cy="533400"/>
+          </a:xfrm>
+          <a:prstGeom prst="rect">
+            <a:avLst/>
+          </a:prstGeom>
+          <a:noFill/>
+          <a:ln w="28575">
+            <a:solidFill>
+              <a:srgbClr val="FF0000"/>
+            </a:solidFill>
+          </a:ln>
+        </p:spPr>
+        <p:style>
+          <a:lnRef idx="2">
+            <a:schemeClr val="accent1">
+              <a:shade val="50000"/>
+            </a:schemeClr>
+          </a:lnRef>
+          <a:fillRef idx="1">
+            <a:schemeClr val="accent1"/>
+          </a:fillRef>
+          <a:effectRef idx="0">
+            <a:schemeClr val="accent1"/>
+          </a:effectRef>
+          <a:fontRef idx="minor">
+            <a:schemeClr val="lt1"/>
+          </a:fontRef>
+        </p:style>
+        <p:txBody>
+          <a:bodyPr rtlCol="0" anchor="ctr"/>
+          <a:lstStyle/>
+          <a:p>
+            <a:pPr algn="ctr"/>
+            <a:endParaRPr lang="en-US"/>
+          </a:p>
+        </p:txBody>
+      </p:sp>
+    </p:spTree>
+  </p:cSld>
+  <p:clrMapOvr>
+    <a:masterClrMapping/>
+  </p:clrMapOvr>
+</p:sld>
+</file>
+
+<file path=ppt/slides/slide24.xml><?xml version="1.0" encoding="utf-8"?>
+<p:sld xmlns:a="http://schemas.openxmlformats.org/drawingml/2006/main" xmlns:r="http://schemas.openxmlformats.org/officeDocument/2006/relationships" xmlns:p="http://schemas.openxmlformats.org/presentationml/2006/main">
+  <p:cSld>
+    <p:spTree>
+      <p:nvGrpSpPr>
+        <p:cNvPr id="1" name=""/>
+        <p:cNvGrpSpPr/>
+        <p:nvPr/>
+      </p:nvGrpSpPr>
+      <p:grpSpPr>
+        <a:xfrm>
+          <a:off x="0" y="0"/>
+          <a:ext cx="0" cy="0"/>
+          <a:chOff x="0" y="0"/>
+          <a:chExt cx="0" cy="0"/>
+        </a:xfrm>
+      </p:grpSpPr>
+      <p:sp>
+        <p:nvSpPr>
+          <p:cNvPr id="2" name="Title 1"/>
+          <p:cNvSpPr>
+            <a:spLocks noGrp="1"/>
+          </p:cNvSpPr>
+          <p:nvPr>
+            <p:ph type="title"/>
+          </p:nvPr>
+        </p:nvSpPr>
+        <p:spPr/>
+        <p:txBody>
+          <a:bodyPr/>
+          <a:lstStyle/>
+          <a:p>
+            <a:r>
+              <a:rPr lang="en-US" dirty="0" smtClean="0"/>
+              <a:t>Add Reference</a:t>
+            </a:r>
+            <a:endParaRPr lang="en-US" dirty="0"/>
+          </a:p>
+        </p:txBody>
+      </p:sp>
+      <p:sp>
+        <p:nvSpPr>
+          <p:cNvPr id="3" name="Content Placeholder 2"/>
+          <p:cNvSpPr>
+            <a:spLocks noGrp="1"/>
+          </p:cNvSpPr>
+          <p:nvPr>
+            <p:ph idx="1"/>
+          </p:nvPr>
+        </p:nvSpPr>
+        <p:spPr/>
+        <p:txBody>
+          <a:bodyPr/>
+          <a:lstStyle/>
+          <a:p>
+            <a:endParaRPr lang="en-US"/>
+          </a:p>
+        </p:txBody>
+      </p:sp>
+    </p:spTree>
+  </p:cSld>
+  <p:clrMapOvr>
+    <a:masterClrMapping/>
+  </p:clrMapOvr>
+</p:sld>
+</file>
+
+<file path=ppt/slides/slide3.xml><?xml version="1.0" encoding="utf-8"?>
+<p:sld xmlns:a="http://schemas.openxmlformats.org/drawingml/2006/main" xmlns:r="http://schemas.openxmlformats.org/officeDocument/2006/relationships" xmlns:p="http://schemas.openxmlformats.org/presentationml/2006/main">
+  <p:cSld>
+    <p:spTree>
+      <p:nvGrpSpPr>
+        <p:cNvPr id="1" name=""/>
+        <p:cNvGrpSpPr/>
+        <p:nvPr/>
+      </p:nvGrpSpPr>
+      <p:grpSpPr>
+        <a:xfrm>
+          <a:off x="0" y="0"/>
+          <a:ext cx="0" cy="0"/>
+          <a:chOff x="0" y="0"/>
+          <a:chExt cx="0" cy="0"/>
+        </a:xfrm>
+      </p:grpSpPr>
+      <p:sp>
+        <p:nvSpPr>
+          <p:cNvPr id="2" name="Title 1"/>
+          <p:cNvSpPr>
+            <a:spLocks noGrp="1"/>
+          </p:cNvSpPr>
+          <p:nvPr>
+            <p:ph type="title"/>
+          </p:nvPr>
+        </p:nvSpPr>
+        <p:spPr/>
+        <p:txBody>
+          <a:bodyPr>
+            <a:normAutofit fontScale="90000"/>
+          </a:bodyPr>
+          <a:lstStyle/>
+          <a:p>
+            <a:r>
+              <a:rPr lang="en-US" dirty="0" smtClean="0"/>
+              <a:t>If you know all this… then feel free to leave</a:t>
+            </a:r>
+            <a:endParaRPr lang="en-US" dirty="0"/>
+          </a:p>
+        </p:txBody>
+      </p:sp>
+      <p:sp>
+        <p:nvSpPr>
+          <p:cNvPr id="3" name="Content Placeholder 2"/>
+          <p:cNvSpPr>
+            <a:spLocks noGrp="1"/>
+          </p:cNvSpPr>
+          <p:nvPr>
+            <p:ph idx="1"/>
+          </p:nvPr>
+        </p:nvSpPr>
+        <p:spPr/>
+        <p:txBody>
+          <a:bodyPr/>
+          <a:lstStyle/>
+          <a:p>
+            <a:r>
+              <a:rPr lang="en-US" dirty="0" smtClean="0"/>
+              <a:t>How to do binding validation with:</a:t>
+            </a:r>
+          </a:p>
+          <a:p>
+            <a:pPr lvl="1"/>
+            <a:r>
+              <a:rPr lang="en-US" dirty="0" smtClean="0"/>
+              <a:t>Validation Rules</a:t>
+            </a:r>
+          </a:p>
+          <a:p>
+            <a:pPr lvl="1">
+              <a:buFontTx/>
+              <a:buChar char="-"/>
+            </a:pPr>
+            <a:r>
+              <a:rPr lang="en-US" dirty="0" smtClean="0"/>
+              <a:t>Exceptions</a:t>
+            </a:r>
+          </a:p>
+          <a:p>
+            <a:pPr lvl="1">
+              <a:buFontTx/>
+              <a:buChar char="-"/>
+            </a:pPr>
+            <a:r>
+              <a:rPr lang="en-US" dirty="0" err="1" smtClean="0"/>
+              <a:t>IDataErrorInfo</a:t>
+            </a:r>
+            <a:endParaRPr lang="en-US" dirty="0" smtClean="0"/>
+          </a:p>
+          <a:p>
+            <a:pPr lvl="1">
+              <a:buFontTx/>
+              <a:buChar char="-"/>
+            </a:pPr>
+            <a:r>
+              <a:rPr lang="en-US" dirty="0" smtClean="0"/>
+              <a:t>Validation Application Block</a:t>
+            </a:r>
+          </a:p>
+          <a:p>
+            <a:pPr lvl="1">
+              <a:buFontTx/>
+              <a:buChar char="-"/>
+            </a:pPr>
+            <a:r>
+              <a:rPr lang="en-US" dirty="0" smtClean="0"/>
+              <a:t>Markup Extensions</a:t>
+            </a:r>
+            <a:endParaRPr lang="en-US" dirty="0"/>
+          </a:p>
+        </p:txBody>
+      </p:sp>
+    </p:spTree>
+  </p:cSld>
+  <p:clrMapOvr>
+    <a:masterClrMapping/>
+  </p:clrMapOvr>
+</p:sld>
+</file>
+
+<file path=ppt/slides/slide4.xml><?xml version="1.0" encoding="utf-8"?>
+<p:sld xmlns:a="http://schemas.openxmlformats.org/drawingml/2006/main" xmlns:r="http://schemas.openxmlformats.org/officeDocument/2006/relationships" xmlns:p="http://schemas.openxmlformats.org/presentationml/2006/main">
+  <p:cSld>
+    <p:spTree>
+      <p:nvGrpSpPr>
+        <p:cNvPr id="1" name=""/>
+        <p:cNvGrpSpPr/>
+        <p:nvPr/>
+      </p:nvGrpSpPr>
+      <p:grpSpPr>
+        <a:xfrm>
+          <a:off x="0" y="0"/>
+          <a:ext cx="0" cy="0"/>
+          <a:chOff x="0" y="0"/>
+          <a:chExt cx="0" cy="0"/>
+        </a:xfrm>
+      </p:grpSpPr>
+      <p:sp>
+        <p:nvSpPr>
+          <p:cNvPr id="2" name="Title 1"/>
+          <p:cNvSpPr>
+            <a:spLocks noGrp="1"/>
+          </p:cNvSpPr>
+          <p:nvPr>
+            <p:ph type="title"/>
+          </p:nvPr>
+        </p:nvSpPr>
+        <p:spPr/>
+        <p:txBody>
+          <a:bodyPr/>
+          <a:lstStyle/>
+          <a:p>
+            <a:r>
+              <a:rPr lang="en-US" dirty="0" smtClean="0"/>
+              <a:t>Rules for being an Invitee</a:t>
+            </a:r>
+            <a:endParaRPr lang="en-US" dirty="0"/>
+          </a:p>
+        </p:txBody>
+      </p:sp>
+      <p:sp>
+        <p:nvSpPr>
+          <p:cNvPr id="3" name="Content Placeholder 2"/>
+          <p:cNvSpPr>
+            <a:spLocks noGrp="1"/>
+          </p:cNvSpPr>
+          <p:nvPr>
+            <p:ph idx="1"/>
+          </p:nvPr>
+        </p:nvSpPr>
+        <p:spPr/>
+        <p:txBody>
+          <a:bodyPr/>
+          <a:lstStyle/>
+          <a:p>
+            <a:r>
+              <a:rPr lang="en-US" dirty="0" smtClean="0"/>
+              <a:t>Name is required</a:t>
+            </a:r>
+          </a:p>
+          <a:p>
+            <a:r>
+              <a:rPr lang="en-US" dirty="0" smtClean="0"/>
+              <a:t>Age has to be greater than 18</a:t>
+            </a:r>
+          </a:p>
+          <a:p>
+            <a:r>
+              <a:rPr lang="en-US" dirty="0" smtClean="0"/>
+              <a:t>Must have a valid email address</a:t>
+            </a:r>
+          </a:p>
+        </p:txBody>
+      </p:sp>
+    </p:spTree>
+  </p:cSld>
+  <p:clrMapOvr>
+    <a:masterClrMapping/>
+  </p:clrMapOvr>
+</p:sld>
+</file>
+
+<file path=ppt/slides/slide5.xml><?xml version="1.0" encoding="utf-8"?>
+<p:sld xmlns:a="http://schemas.openxmlformats.org/drawingml/2006/main" xmlns:r="http://schemas.openxmlformats.org/officeDocument/2006/relationships" xmlns:p="http://schemas.openxmlformats.org/presentationml/2006/main">
+  <p:cSld>
+    <p:spTree>
+      <p:nvGrpSpPr>
+        <p:cNvPr id="1" name=""/>
+        <p:cNvGrpSpPr/>
+        <p:nvPr/>
+      </p:nvGrpSpPr>
+      <p:grpSpPr>
+        <a:xfrm>
+          <a:off x="0" y="0"/>
+          <a:ext cx="0" cy="0"/>
+          <a:chOff x="0" y="0"/>
+          <a:chExt cx="0" cy="0"/>
+        </a:xfrm>
+      </p:grpSpPr>
+      <p:sp>
+        <p:nvSpPr>
+          <p:cNvPr id="2" name="Title 1"/>
+          <p:cNvSpPr>
+            <a:spLocks noGrp="1"/>
+          </p:cNvSpPr>
+          <p:nvPr>
+            <p:ph type="title"/>
+          </p:nvPr>
+        </p:nvSpPr>
+        <p:spPr/>
+        <p:txBody>
+          <a:bodyPr/>
+          <a:lstStyle/>
+          <a:p>
+            <a:r>
+              <a:rPr lang="en-US" dirty="0" smtClean="0"/>
+              <a:t>Using Validation Rules</a:t>
+            </a:r>
+            <a:endParaRPr lang="en-US" dirty="0"/>
+          </a:p>
+        </p:txBody>
+      </p:sp>
+      <p:sp>
+        <p:nvSpPr>
+          <p:cNvPr id="3" name="Text Placeholder 2"/>
+          <p:cNvSpPr>
+            <a:spLocks noGrp="1"/>
+          </p:cNvSpPr>
+          <p:nvPr>
+            <p:ph type="body" idx="1"/>
+          </p:nvPr>
+        </p:nvSpPr>
+        <p:spPr/>
+        <p:txBody>
+          <a:bodyPr/>
+          <a:lstStyle/>
+          <a:p>
+            <a:endParaRPr lang="en-US"/>
+          </a:p>
+        </p:txBody>
+      </p:sp>
+    </p:spTree>
+  </p:cSld>
+  <p:clrMapOvr>
+    <a:masterClrMapping/>
+  </p:clrMapOvr>
+</p:sld>
+</file>
+
+<file path=ppt/slides/slide6.xml><?xml version="1.0" encoding="utf-8"?>
+<p:sld xmlns:a="http://schemas.openxmlformats.org/drawingml/2006/main" xmlns:r="http://schemas.openxmlformats.org/officeDocument/2006/relationships" xmlns:p="http://schemas.openxmlformats.org/presentationml/2006/main">
+  <p:cSld>
+    <p:spTree>
+      <p:nvGrpSpPr>
+        <p:cNvPr id="1" name=""/>
+        <p:cNvGrpSpPr/>
+        <p:nvPr/>
+      </p:nvGrpSpPr>
+      <p:grpSpPr>
+        <a:xfrm>
+          <a:off x="0" y="0"/>
+          <a:ext cx="0" cy="0"/>
+          <a:chOff x="0" y="0"/>
+          <a:chExt cx="0" cy="0"/>
+        </a:xfrm>
+      </p:grpSpPr>
+      <p:sp>
+        <p:nvSpPr>
+          <p:cNvPr id="2" name="Title 1"/>
+          <p:cNvSpPr>
+            <a:spLocks noGrp="1"/>
+          </p:cNvSpPr>
+          <p:nvPr>
+            <p:ph type="title"/>
+          </p:nvPr>
+        </p:nvSpPr>
+        <p:spPr/>
+        <p:txBody>
+          <a:bodyPr/>
+          <a:lstStyle/>
+          <a:p>
+            <a:r>
+              <a:rPr lang="en-US" dirty="0" smtClean="0"/>
+              <a:t>Binding – Markup Extension</a:t>
+            </a:r>
+            <a:endParaRPr lang="en-US" dirty="0"/>
+          </a:p>
+        </p:txBody>
+      </p:sp>
+      <p:sp>
+        <p:nvSpPr>
+          <p:cNvPr id="6" name="TextBox 5"/>
+          <p:cNvSpPr txBox="1"/>
+          <p:nvPr/>
+        </p:nvSpPr>
+        <p:spPr>
+          <a:xfrm>
+            <a:off x="2819400" y="2819400"/>
+            <a:ext cx="4557658" cy="369332"/>
+          </a:xfrm>
+          <a:prstGeom prst="rect">
+            <a:avLst/>
+          </a:prstGeom>
+          <a:noFill/>
+        </p:spPr>
+        <p:txBody>
+          <a:bodyPr wrap="none" rtlCol="0">
+            <a:spAutoFit/>
+          </a:bodyPr>
+          <a:lstStyle/>
+          <a:p>
+            <a:r>
+              <a:rPr lang="en-US" dirty="0" smtClean="0"/>
+              <a:t>but that is just a binding markup extension.</a:t>
+            </a:r>
+            <a:endParaRPr lang="en-US" dirty="0"/>
+          </a:p>
+        </p:txBody>
+      </p:sp>
+      <p:pic>
+        <p:nvPicPr>
+          <p:cNvPr id="1028" name="Picture 4"/>
+          <p:cNvPicPr>
+            <a:picLocks noChangeAspect="1" noChangeArrowheads="1"/>
+          </p:cNvPicPr>
+          <p:nvPr/>
+        </p:nvPicPr>
+        <p:blipFill>
+          <a:blip r:embed="rId2"/>
+          <a:srcRect/>
+          <a:stretch>
+            <a:fillRect/>
+          </a:stretch>
+        </p:blipFill>
+        <p:spPr bwMode="auto">
+          <a:xfrm>
+            <a:off x="762000" y="2057400"/>
+            <a:ext cx="3495675" cy="619125"/>
+          </a:xfrm>
+          <a:prstGeom prst="rect">
+            <a:avLst/>
+          </a:prstGeom>
+          <a:noFill/>
+          <a:ln w="9525">
+            <a:noFill/>
+            <a:miter lim="800000"/>
+            <a:headEnd/>
+            <a:tailEnd/>
+          </a:ln>
+          <a:effectLst/>
+        </p:spPr>
+      </p:pic>
+      <p:pic>
+        <p:nvPicPr>
+          <p:cNvPr id="1029" name="Picture 5"/>
+          <p:cNvPicPr>
+            <a:picLocks noChangeAspect="1" noChangeArrowheads="1"/>
+          </p:cNvPicPr>
+          <p:nvPr/>
+        </p:nvPicPr>
+        <p:blipFill>
+          <a:blip r:embed="rId3"/>
+          <a:srcRect/>
+          <a:stretch>
+            <a:fillRect/>
+          </a:stretch>
+        </p:blipFill>
+        <p:spPr bwMode="auto">
+          <a:xfrm>
+            <a:off x="3733800" y="4038600"/>
+            <a:ext cx="3409950" cy="1409700"/>
+          </a:xfrm>
+          <a:prstGeom prst="rect">
+            <a:avLst/>
+          </a:prstGeom>
+          <a:noFill/>
+          <a:ln w="9525">
+            <a:noFill/>
+            <a:miter lim="800000"/>
+            <a:headEnd/>
+            <a:tailEnd/>
+          </a:ln>
+          <a:effectLst/>
+        </p:spPr>
+      </p:pic>
+      <p:sp>
+        <p:nvSpPr>
+          <p:cNvPr id="9" name="TextBox 8"/>
+          <p:cNvSpPr txBox="1"/>
+          <p:nvPr/>
+        </p:nvSpPr>
+        <p:spPr>
+          <a:xfrm>
+            <a:off x="304800" y="1524000"/>
+            <a:ext cx="3082895" cy="369332"/>
+          </a:xfrm>
+          <a:prstGeom prst="rect">
+            <a:avLst/>
+          </a:prstGeom>
+          <a:noFill/>
+        </p:spPr>
+        <p:txBody>
+          <a:bodyPr wrap="none" rtlCol="0">
+            <a:spAutoFit/>
+          </a:bodyPr>
+          <a:lstStyle/>
+          <a:p>
+            <a:r>
+              <a:rPr lang="en-US" dirty="0" smtClean="0"/>
+              <a:t>Normally you see binding as</a:t>
+            </a:r>
+            <a:endParaRPr lang="en-US" dirty="0"/>
+          </a:p>
+        </p:txBody>
+      </p:sp>
+      <p:sp>
+        <p:nvSpPr>
+          <p:cNvPr id="10" name="TextBox 9"/>
+          <p:cNvSpPr txBox="1"/>
+          <p:nvPr/>
+        </p:nvSpPr>
+        <p:spPr>
+          <a:xfrm>
+            <a:off x="1066800" y="3505200"/>
+            <a:ext cx="3655809" cy="369332"/>
+          </a:xfrm>
+          <a:prstGeom prst="rect">
+            <a:avLst/>
+          </a:prstGeom>
+          <a:noFill/>
+        </p:spPr>
+        <p:txBody>
+          <a:bodyPr wrap="none" rtlCol="0">
+            <a:spAutoFit/>
+          </a:bodyPr>
+          <a:lstStyle/>
+          <a:p>
+            <a:r>
+              <a:rPr lang="en-US" dirty="0" smtClean="0"/>
+              <a:t>We can also set a binding like this</a:t>
+            </a:r>
+            <a:endParaRPr lang="en-US" dirty="0"/>
+          </a:p>
+        </p:txBody>
+      </p:sp>
+    </p:spTree>
+  </p:cSld>
+  <p:clrMapOvr>
+    <a:masterClrMapping/>
+  </p:clrMapOvr>
+</p:sld>
+</file>
+
+<file path=ppt/slides/slide7.xml><?xml version="1.0" encoding="utf-8"?>
+<p:sld xmlns:a="http://schemas.openxmlformats.org/drawingml/2006/main" xmlns:r="http://schemas.openxmlformats.org/officeDocument/2006/relationships" xmlns:p="http://schemas.openxmlformats.org/presentationml/2006/main">
+  <p:cSld>
+    <p:spTree>
+      <p:nvGrpSpPr>
+        <p:cNvPr id="1" name=""/>
+        <p:cNvGrpSpPr/>
+        <p:nvPr/>
+      </p:nvGrpSpPr>
+      <p:grpSpPr>
+        <a:xfrm>
+          <a:off x="0" y="0"/>
+          <a:ext cx="0" cy="0"/>
+          <a:chOff x="0" y="0"/>
+          <a:chExt cx="0" cy="0"/>
+        </a:xfrm>
+      </p:grpSpPr>
+      <p:sp>
+        <p:nvSpPr>
+          <p:cNvPr id="2" name="Title 1"/>
+          <p:cNvSpPr>
+            <a:spLocks noGrp="1"/>
+          </p:cNvSpPr>
+          <p:nvPr>
+            <p:ph type="title"/>
+          </p:nvPr>
+        </p:nvSpPr>
+        <p:spPr/>
+        <p:txBody>
+          <a:bodyPr>
+            <a:normAutofit fontScale="90000"/>
+          </a:bodyPr>
+          <a:lstStyle/>
+          <a:p>
+            <a:r>
+              <a:rPr lang="en-US" dirty="0" smtClean="0"/>
+              <a:t>Add Validation Rules to Binding</a:t>
+            </a:r>
+            <a:endParaRPr lang="en-US" dirty="0"/>
+          </a:p>
+        </p:txBody>
+      </p:sp>
+      <p:pic>
+        <p:nvPicPr>
+          <p:cNvPr id="2050" name="Picture 2"/>
+          <p:cNvPicPr>
+            <a:picLocks noChangeAspect="1" noChangeArrowheads="1"/>
+          </p:cNvPicPr>
+          <p:nvPr/>
+        </p:nvPicPr>
+        <p:blipFill>
+          <a:blip r:embed="rId2"/>
+          <a:srcRect/>
+          <a:stretch>
+            <a:fillRect/>
+          </a:stretch>
+        </p:blipFill>
+        <p:spPr bwMode="auto">
+          <a:xfrm>
+            <a:off x="2895600" y="2286000"/>
+            <a:ext cx="5410200" cy="2390775"/>
+          </a:xfrm>
+          <a:prstGeom prst="rect">
+            <a:avLst/>
+          </a:prstGeom>
+          <a:noFill/>
+          <a:ln w="9525">
+            <a:noFill/>
+            <a:miter lim="800000"/>
+            <a:headEnd/>
+            <a:tailEnd/>
+          </a:ln>
+          <a:effectLst/>
+        </p:spPr>
+      </p:pic>
+      <p:sp>
+        <p:nvSpPr>
+          <p:cNvPr id="8" name="Down Arrow 7"/>
+          <p:cNvSpPr/>
+          <p:nvPr/>
+        </p:nvSpPr>
+        <p:spPr>
+          <a:xfrm>
+            <a:off x="6248400" y="1600200"/>
+            <a:ext cx="609600" cy="1219200"/>
+          </a:xfrm>
+          <a:prstGeom prst="downArrow">
+            <a:avLst/>
+          </a:prstGeom>
+        </p:spPr>
+        <p:style>
+          <a:lnRef idx="2">
+            <a:schemeClr val="accent1">
+              <a:shade val="50000"/>
+            </a:schemeClr>
+          </a:lnRef>
+          <a:fillRef idx="1">
+            <a:schemeClr val="accent1"/>
+          </a:fillRef>
+          <a:effectRef idx="0">
+            <a:schemeClr val="accent1"/>
+          </a:effectRef>
+          <a:fontRef idx="minor">
+            <a:schemeClr val="lt1"/>
+          </a:fontRef>
+        </p:style>
+        <p:txBody>
+          <a:bodyPr rtlCol="0" anchor="ctr"/>
+          <a:lstStyle/>
+          <a:p>
+            <a:pPr algn="ctr"/>
+            <a:endParaRPr lang="en-US"/>
+          </a:p>
+        </p:txBody>
+      </p:sp>
+      <p:sp>
+        <p:nvSpPr>
+          <p:cNvPr id="9" name="Right Arrow 8"/>
+          <p:cNvSpPr/>
+          <p:nvPr/>
+        </p:nvSpPr>
+        <p:spPr>
+          <a:xfrm>
+            <a:off x="2438400" y="3276600"/>
+            <a:ext cx="1828800" cy="533400"/>
+          </a:xfrm>
+          <a:prstGeom prst="rightArrow">
+            <a:avLst/>
+          </a:prstGeom>
+        </p:spPr>
+        <p:style>
+          <a:lnRef idx="2">
+            <a:schemeClr val="accent1">
+              <a:shade val="50000"/>
+            </a:schemeClr>
+          </a:lnRef>
+          <a:fillRef idx="1">
+            <a:schemeClr val="accent1"/>
+          </a:fillRef>
+          <a:effectRef idx="0">
+            <a:schemeClr val="accent1"/>
+          </a:effectRef>
+          <a:fontRef idx="minor">
+            <a:schemeClr val="lt1"/>
+          </a:fontRef>
+        </p:style>
+        <p:txBody>
+          <a:bodyPr rtlCol="0" anchor="ctr"/>
+          <a:lstStyle/>
+          <a:p>
+            <a:pPr algn="ctr"/>
+            <a:endParaRPr lang="en-US"/>
+          </a:p>
+        </p:txBody>
+      </p:sp>
+      <p:sp>
+        <p:nvSpPr>
+          <p:cNvPr id="10" name="TextBox 9"/>
+          <p:cNvSpPr txBox="1"/>
+          <p:nvPr/>
+        </p:nvSpPr>
+        <p:spPr>
+          <a:xfrm>
+            <a:off x="2819400" y="1143000"/>
+            <a:ext cx="4232762" cy="369332"/>
+          </a:xfrm>
+          <a:prstGeom prst="rect">
+            <a:avLst/>
+          </a:prstGeom>
+          <a:noFill/>
+        </p:spPr>
+        <p:txBody>
+          <a:bodyPr wrap="none" rtlCol="0">
+            <a:spAutoFit/>
+          </a:bodyPr>
+          <a:lstStyle/>
+          <a:p>
+            <a:r>
+              <a:rPr lang="en-US" dirty="0" smtClean="0"/>
+              <a:t>Binding needs to Validate on Data Error</a:t>
+            </a:r>
+            <a:endParaRPr lang="en-US" dirty="0"/>
+          </a:p>
+        </p:txBody>
+      </p:sp>
+      <p:sp>
+        <p:nvSpPr>
+          <p:cNvPr id="11" name="TextBox 10"/>
+          <p:cNvSpPr txBox="1"/>
+          <p:nvPr/>
+        </p:nvSpPr>
+        <p:spPr>
+          <a:xfrm>
+            <a:off x="228600" y="3048000"/>
+            <a:ext cx="2209800" cy="923330"/>
+          </a:xfrm>
+          <a:prstGeom prst="rect">
+            <a:avLst/>
+          </a:prstGeom>
+          <a:noFill/>
+        </p:spPr>
+        <p:txBody>
+          <a:bodyPr wrap="square" rtlCol="0">
+            <a:spAutoFit/>
+          </a:bodyPr>
+          <a:lstStyle/>
+          <a:p>
+            <a:r>
+              <a:rPr lang="en-US" dirty="0" smtClean="0"/>
+              <a:t>Allows to the setting of Validation Rules to Binding</a:t>
+            </a:r>
+            <a:endParaRPr lang="en-US" dirty="0"/>
+          </a:p>
+        </p:txBody>
+      </p:sp>
+    </p:spTree>
+  </p:cSld>
+  <p:clrMapOvr>
+    <a:masterClrMapping/>
+  </p:clrMapOvr>
+</p:sld>
+</file>
+
+<file path=ppt/slides/slide8.xml><?xml version="1.0" encoding="utf-8"?>
+<p:sld xmlns:a="http://schemas.openxmlformats.org/drawingml/2006/main" xmlns:r="http://schemas.openxmlformats.org/officeDocument/2006/relationships" xmlns:p="http://schemas.openxmlformats.org/presentationml/2006/main">
+  <p:cSld>
+    <p:spTree>
+      <p:nvGrpSpPr>
+        <p:cNvPr id="1" name=""/>
+        <p:cNvGrpSpPr/>
+        <p:nvPr/>
+      </p:nvGrpSpPr>
+      <p:grpSpPr>
+        <a:xfrm>
+          <a:off x="0" y="0"/>
+          <a:ext cx="0" cy="0"/>
+          <a:chOff x="0" y="0"/>
+          <a:chExt cx="0" cy="0"/>
+        </a:xfrm>
+      </p:grpSpPr>
+      <p:sp>
+        <p:nvSpPr>
+          <p:cNvPr id="2" name="Title 1"/>
+          <p:cNvSpPr>
+            <a:spLocks noGrp="1"/>
+          </p:cNvSpPr>
+          <p:nvPr>
+            <p:ph type="title"/>
+          </p:nvPr>
+        </p:nvSpPr>
+        <p:spPr/>
+        <p:txBody>
+          <a:bodyPr>
+            <a:normAutofit fontScale="90000"/>
+          </a:bodyPr>
+          <a:lstStyle/>
+          <a:p>
+            <a:r>
+              <a:rPr lang="en-US" dirty="0" smtClean="0"/>
+              <a:t>What Validation Rules come with WPF</a:t>
+            </a:r>
+            <a:endParaRPr lang="en-US" dirty="0"/>
+          </a:p>
+        </p:txBody>
+      </p:sp>
+      <p:sp>
+        <p:nvSpPr>
+          <p:cNvPr id="4" name="TextBox 3"/>
+          <p:cNvSpPr txBox="1"/>
+          <p:nvPr/>
+        </p:nvSpPr>
+        <p:spPr>
+          <a:xfrm>
+            <a:off x="914400" y="2133600"/>
+            <a:ext cx="5313699" cy="1200329"/>
+          </a:xfrm>
+          <a:prstGeom prst="rect">
+            <a:avLst/>
+          </a:prstGeom>
+          <a:noFill/>
+        </p:spPr>
+        <p:txBody>
+          <a:bodyPr wrap="none" rtlCol="0">
+            <a:spAutoFit/>
+          </a:bodyPr>
+          <a:lstStyle/>
+          <a:p>
+            <a:pPr>
+              <a:buFont typeface="Arial" pitchFamily="34" charset="0"/>
+              <a:buChar char="•"/>
+            </a:pPr>
+            <a:r>
+              <a:rPr lang="en-US" sz="3600" dirty="0" err="1" smtClean="0"/>
+              <a:t>DataErrorValidationRule</a:t>
+            </a:r>
+            <a:endParaRPr lang="en-US" sz="3600" dirty="0" smtClean="0"/>
+          </a:p>
+          <a:p>
+            <a:pPr>
+              <a:buFont typeface="Arial" pitchFamily="34" charset="0"/>
+              <a:buChar char="•"/>
+            </a:pPr>
+            <a:r>
+              <a:rPr lang="en-US" sz="3600" dirty="0" err="1" smtClean="0"/>
+              <a:t>ExceptionValidationRule</a:t>
+            </a:r>
+            <a:endParaRPr lang="en-US" sz="3600" dirty="0"/>
+          </a:p>
+        </p:txBody>
+      </p:sp>
+    </p:spTree>
+  </p:cSld>
+  <p:clrMapOvr>
+    <a:masterClrMapping/>
+  </p:clrMapOvr>
+</p:sld>
+</file>
+
+<file path=ppt/slides/slide9.xml><?xml version="1.0" encoding="utf-8"?>
+<p:sld xmlns:a="http://schemas.openxmlformats.org/drawingml/2006/main" xmlns:r="http://schemas.openxmlformats.org/officeDocument/2006/relationships" xmlns:p="http://schemas.openxmlformats.org/presentationml/2006/main">
+  <p:cSld>
+    <p:spTree>
+      <p:nvGrpSpPr>
+        <p:cNvPr id="1" name=""/>
+        <p:cNvGrpSpPr/>
+        <p:nvPr/>
+      </p:nvGrpSpPr>
+      <p:grpSpPr>
+        <a:xfrm>
+          <a:off x="0" y="0"/>
+          <a:ext cx="0" cy="0"/>
+          <a:chOff x="0" y="0"/>
+          <a:chExt cx="0" cy="0"/>
+        </a:xfrm>
+      </p:grpSpPr>
+      <p:sp>
+        <p:nvSpPr>
+          <p:cNvPr id="2" name="Title 1"/>
+          <p:cNvSpPr>
+            <a:spLocks noGrp="1"/>
+          </p:cNvSpPr>
+          <p:nvPr>
+            <p:ph type="title"/>
+          </p:nvPr>
+        </p:nvSpPr>
+        <p:spPr/>
+        <p:txBody>
+          <a:bodyPr>
+            <a:normAutofit fontScale="90000"/>
+          </a:bodyPr>
+          <a:lstStyle/>
+          <a:p>
+            <a:r>
+              <a:rPr lang="en-US" dirty="0" smtClean="0"/>
+              <a:t>How can I make my own Validation Rule</a:t>
+            </a:r>
+            <a:endParaRPr lang="en-US" dirty="0"/>
+          </a:p>
+        </p:txBody>
+      </p:sp>
+      <p:pic>
+        <p:nvPicPr>
+          <p:cNvPr id="3074" name="Picture 2"/>
+          <p:cNvPicPr>
+            <a:picLocks noChangeAspect="1" noChangeArrowheads="1"/>
+          </p:cNvPicPr>
+          <p:nvPr/>
+        </p:nvPicPr>
+        <p:blipFill>
+          <a:blip r:embed="rId2"/>
+          <a:srcRect/>
+          <a:stretch>
+            <a:fillRect/>
+          </a:stretch>
+        </p:blipFill>
+        <p:spPr bwMode="auto">
+          <a:xfrm>
+            <a:off x="304800" y="2057400"/>
+            <a:ext cx="5210175" cy="276225"/>
+          </a:xfrm>
+          <a:prstGeom prst="rect">
+            <a:avLst/>
+          </a:prstGeom>
+          <a:noFill/>
+          <a:ln w="9525">
+            <a:noFill/>
+            <a:miter lim="800000"/>
+            <a:headEnd/>
+            <a:tailEnd/>
+          </a:ln>
+          <a:effectLst/>
+        </p:spPr>
+      </p:pic>
+      <p:sp>
+        <p:nvSpPr>
+          <p:cNvPr id="5" name="Rectangle 4"/>
+          <p:cNvSpPr/>
+          <p:nvPr/>
+        </p:nvSpPr>
+        <p:spPr>
+          <a:xfrm>
+            <a:off x="3733800" y="1981200"/>
+            <a:ext cx="1981200" cy="457200"/>
+          </a:xfrm>
+          <a:prstGeom prst="rect">
+            <a:avLst/>
+          </a:prstGeom>
+          <a:noFill/>
+          <a:ln w="28575">
+            <a:solidFill>
+              <a:srgbClr val="FF0000"/>
+            </a:solidFill>
+          </a:ln>
+        </p:spPr>
+        <p:style>
+          <a:lnRef idx="2">
+            <a:schemeClr val="accent1">
+              <a:shade val="50000"/>
+            </a:schemeClr>
+          </a:lnRef>
+          <a:fillRef idx="1">
+            <a:schemeClr val="accent1"/>
+          </a:fillRef>
+          <a:effectRef idx="0">
+            <a:schemeClr val="accent1"/>
+          </a:effectRef>
+          <a:fontRef idx="minor">
+            <a:schemeClr val="lt1"/>
+          </a:fontRef>
+        </p:style>
+        <p:txBody>
+          <a:bodyPr rtlCol="0" anchor="ctr"/>
+          <a:lstStyle/>
+          <a:p>
+            <a:pPr algn="ctr"/>
+            <a:endParaRPr lang="en-US"/>
+          </a:p>
+        </p:txBody>
+      </p:sp>
+      <p:sp>
+        <p:nvSpPr>
+          <p:cNvPr id="6" name="TextBox 5"/>
+          <p:cNvSpPr txBox="1"/>
+          <p:nvPr/>
+        </p:nvSpPr>
+        <p:spPr>
+          <a:xfrm>
+            <a:off x="685800" y="2590800"/>
+            <a:ext cx="3424848" cy="369332"/>
+          </a:xfrm>
+          <a:prstGeom prst="rect">
+            <a:avLst/>
+          </a:prstGeom>
+          <a:noFill/>
+        </p:spPr>
+        <p:txBody>
+          <a:bodyPr wrap="none" rtlCol="0">
+            <a:spAutoFit/>
+          </a:bodyPr>
+          <a:lstStyle/>
+          <a:p>
+            <a:r>
+              <a:rPr lang="en-US" dirty="0" smtClean="0"/>
+              <a:t>Just inherit from Validation Rule</a:t>
+            </a:r>
+            <a:endParaRPr lang="en-US" dirty="0"/>
+          </a:p>
+        </p:txBody>
+      </p:sp>
+      <p:sp>
+        <p:nvSpPr>
+          <p:cNvPr id="7" name="TextBox 6"/>
+          <p:cNvSpPr txBox="1"/>
+          <p:nvPr/>
+        </p:nvSpPr>
+        <p:spPr>
+          <a:xfrm>
+            <a:off x="1752600" y="3048000"/>
+            <a:ext cx="2604111" cy="369332"/>
+          </a:xfrm>
+          <a:prstGeom prst="rect">
+            <a:avLst/>
+          </a:prstGeom>
+          <a:noFill/>
+        </p:spPr>
+        <p:txBody>
+          <a:bodyPr wrap="none" rtlCol="0">
+            <a:spAutoFit/>
+          </a:bodyPr>
+          <a:lstStyle/>
+          <a:p>
+            <a:r>
+              <a:rPr lang="en-US" dirty="0" smtClean="0"/>
+              <a:t>And override Validate…</a:t>
+            </a:r>
+            <a:endParaRPr lang="en-US" dirty="0"/>
+          </a:p>
+        </p:txBody>
+      </p:sp>
+      <p:pic>
+        <p:nvPicPr>
+          <p:cNvPr id="3075" name="Picture 3"/>
+          <p:cNvPicPr>
+            <a:picLocks noChangeAspect="1" noChangeArrowheads="1"/>
+          </p:cNvPicPr>
+          <p:nvPr/>
+        </p:nvPicPr>
+        <p:blipFill>
+          <a:blip r:embed="rId3"/>
+          <a:srcRect/>
+          <a:stretch>
+            <a:fillRect/>
+          </a:stretch>
+        </p:blipFill>
+        <p:spPr bwMode="auto">
+          <a:xfrm>
+            <a:off x="533400" y="3581400"/>
+            <a:ext cx="7543800" cy="2607372"/>
+          </a:xfrm>
+          <a:prstGeom prst="rect">
+            <a:avLst/>
+          </a:prstGeom>
+          <a:noFill/>
+          <a:ln w="9525">
+            <a:noFill/>
+            <a:miter lim="800000"/>
+            <a:headEnd/>
+            <a:tailEnd/>
+          </a:ln>
+          <a:effectLst/>
+        </p:spPr>
+      </p:pic>
+    </p:spTree>
+  </p:cSld>
+  <p:clrMapOvr>
+    <a:masterClrMapping/>
+  </p:clrMapOvr>
+</p:sld>
+</file>
+
 <file path=ppt/theme/theme1.xml><?xml version="1.0" encoding="utf-8"?>
-<a:theme xmlns:a="http://schemas.openxmlformats.org/drawingml/2006/main" name="Office Theme">
+<a:theme xmlns:a="http://schemas.openxmlformats.org/drawingml/2006/main" name="Technic">
   <a:themeElements>
-    <a:clrScheme name="Office">
+    <a:clrScheme name="Technic">
       <a:dk1>
         <a:sysClr val="windowText" lastClr="000000"/>
       </a:dk1>
@@ -3202,80 +6608,46 @@
         <a:sysClr val="window" lastClr="FFFFFF"/>
       </a:lt1>
       <a:dk2>
-        <a:srgbClr val="1F497D"/>
+        <a:srgbClr val="3B3B3B"/>
       </a:dk2>
       <a:lt2>
-        <a:srgbClr val="EEECE1"/>
+        <a:srgbClr val="D4D2D0"/>
       </a:lt2>
       <a:accent1>
-        <a:srgbClr val="4F81BD"/>
+        <a:srgbClr val="6EA0B0"/>
       </a:accent1>
       <a:accent2>
-        <a:srgbClr val="C0504D"/>
+        <a:srgbClr val="CCAF0A"/>
       </a:accent2>
       <a:accent3>
-        <a:srgbClr val="9BBB59"/>
+        <a:srgbClr val="8D89A4"/>
       </a:accent3>
       <a:accent4>
-        <a:srgbClr val="8064A2"/>
+        <a:srgbClr val="748560"/>
       </a:accent4>
       <a:accent5>
-        <a:srgbClr val="4BACC6"/>
+        <a:srgbClr val="9E9273"/>
       </a:accent5>
       <a:accent6>
-        <a:srgbClr val="F79646"/>
+        <a:srgbClr val="7E848D"/>
       </a:accent6>
       <a:hlink>
-        <a:srgbClr val="0000FF"/>
+        <a:srgbClr val="00C8C3"/>
       </a:hlink>
       <a:folHlink>
-        <a:srgbClr val="800080"/>
+        <a:srgbClr val="A116E0"/>
       </a:folHlink>
     </a:clrScheme>
-    <a:fontScheme name="Office">
+    <a:fontScheme name="Technic">
       <a:majorFont>
-        <a:latin typeface="Calibri"/>
+        <a:latin typeface="Franklin Gothic Book"/>
         <a:ea typeface=""/>
         <a:cs typeface=""/>
         <a:font script="Jpan" typeface="ＭＳ Ｐゴシック"/>
-        <a:font script="Hang" typeface="맑은 고딕"/>
+        <a:font script="Hang" typeface="HY견고딕"/>
         <a:font script="Hans" typeface="宋体"/>
-        <a:font script="Hant" typeface="新細明體"/>
-        <a:font script="Arab" typeface="Times New Roman"/>
-        <a:font script="Hebr" typeface="Times New Roman"/>
-        <a:font script="Thai" typeface="Angsana New"/>
-        <a:font script="Ethi" typeface="Nyala"/>
-        <a:font script="Beng" typeface="Vrinda"/>
-        <a:font script="Gujr" typeface="Shruti"/>
-        <a:font script="Khmr" typeface="MoolBoran"/>
-        <a:font script="Knda" typeface="Tunga"/>
-        <a:font script="Guru" typeface="Raavi"/>
-        <a:font script="Cans" typeface="Euphemia"/>
-        <a:font script="Cher" typeface="Plantagenet Cherokee"/>
-        <a:font script="Yiii" typeface="Microsoft Yi Baiti"/>
-        <a:font script="Tibt" typeface="Microsoft Himalaya"/>
-        <a:font script="Thaa" typeface="MV Boli"/>
-        <a:font script="Deva" typeface="Mangal"/>
-        <a:font script="Telu" typeface="Gautami"/>
-        <a:font script="Taml" typeface="Latha"/>
-        <a:font script="Syrc" typeface="Estrangelo Edessa"/>
-        <a:font script="Orya" typeface="Kalinga"/>
-        <a:font script="Mlym" typeface="Kartika"/>
-        <a:font script="Laoo" typeface="DokChampa"/>
-        <a:font script="Sinh" typeface="Iskoola Pota"/>
-        <a:font script="Mong" typeface="Mongolian Baiti"/>
-        <a:font script="Viet" typeface="Times New Roman"/>
-        <a:font script="Uigh" typeface="Microsoft Uighur"/>
-      </a:majorFont>
-      <a:minorFont>
-        <a:latin typeface="Calibri"/>
-        <a:ea typeface=""/>
-        <a:cs typeface=""/>
-        <a:font script="Jpan" typeface="ＭＳ Ｐゴシック"/>
-        <a:font script="Hang" typeface="맑은 고딕"/>
-        <a:font script="Hans" typeface="宋体"/>
-        <a:font script="Hant" typeface="新細明體"/>
-        <a:font script="Arab" typeface="Arial"/>
+        <a:font script="Hant" typeface="微軟正黑體"/>
+        <a:font script="Arab" typeface="Tahoma"/>
         <a:font script="Hebr" typeface="Arial"/>
         <a:font script="Thai" typeface="Cordia New"/>
         <a:font script="Ethi" typeface="Nyala"/>
@@ -3300,9 +6672,43 @@
         <a:font script="Mong" typeface="Mongolian Baiti"/>
         <a:font script="Viet" typeface="Arial"/>
         <a:font script="Uigh" typeface="Microsoft Uighur"/>
+      </a:majorFont>
+      <a:minorFont>
+        <a:latin typeface="Arial"/>
+        <a:ea typeface=""/>
+        <a:cs typeface=""/>
+        <a:font script="Jpan" typeface="HGｺﾞｼｯｸM"/>
+        <a:font script="Hang" typeface="HY중고딕"/>
+        <a:font script="Hans" typeface="黑体"/>
+        <a:font script="Hant" typeface="微軟正黑體"/>
+        <a:font script="Arab" typeface="Tahoma"/>
+        <a:font script="Hebr" typeface="Levenim MT"/>
+        <a:font script="Thai" typeface="LilyUPC"/>
+        <a:font script="Ethi" typeface="Nyala"/>
+        <a:font script="Beng" typeface="Vrinda"/>
+        <a:font script="Gujr" typeface="Shruti"/>
+        <a:font script="Khmr" typeface="DaunPenh"/>
+        <a:font script="Knda" typeface="Tunga"/>
+        <a:font script="Guru" typeface="Raavi"/>
+        <a:font script="Cans" typeface="Euphemia"/>
+        <a:font script="Cher" typeface="Plantagenet Cherokee"/>
+        <a:font script="Yiii" typeface="Microsoft Yi Baiti"/>
+        <a:font script="Tibt" typeface="Microsoft Himalaya"/>
+        <a:font script="Thaa" typeface="MV Boli"/>
+        <a:font script="Deva" typeface="Mangal"/>
+        <a:font script="Telu" typeface="Gautami"/>
+        <a:font script="Taml" typeface="Latha"/>
+        <a:font script="Syrc" typeface="Estrangelo Edessa"/>
+        <a:font script="Orya" typeface="Kalinga"/>
+        <a:font script="Mlym" typeface="Kartika"/>
+        <a:font script="Laoo" typeface="DokChampa"/>
+        <a:font script="Sinh" typeface="Iskoola Pota"/>
+        <a:font script="Mong" typeface="Mongolian Baiti"/>
+        <a:font script="Viet" typeface="Arial"/>
+        <a:font script="Uigh" typeface="Microsoft Uighur"/>
       </a:minorFont>
     </a:fontScheme>
-    <a:fmtScheme name="Office">
+    <a:fmtScheme name="Technic">
       <a:fillStyleLst>
         <a:solidFill>
           <a:schemeClr val="phClr"/>
@@ -3311,66 +6717,99 @@
           <a:gsLst>
             <a:gs pos="0">
               <a:schemeClr val="phClr">
-                <a:tint val="50000"/>
-                <a:satMod val="300000"/>
+                <a:tint val="1000"/>
               </a:schemeClr>
             </a:gs>
-            <a:gs pos="35000">
+            <a:gs pos="68000">
               <a:schemeClr val="phClr">
-                <a:tint val="37000"/>
-                <a:satMod val="300000"/>
+                <a:tint val="77000"/>
+              </a:schemeClr>
+            </a:gs>
+            <a:gs pos="81000">
+              <a:schemeClr val="phClr">
+                <a:tint val="79000"/>
+              </a:schemeClr>
+            </a:gs>
+            <a:gs pos="86000">
+              <a:schemeClr val="phClr">
+                <a:tint val="73000"/>
               </a:schemeClr>
             </a:gs>
             <a:gs pos="100000">
               <a:schemeClr val="phClr">
-                <a:tint val="15000"/>
-                <a:satMod val="350000"/>
+                <a:tint val="35000"/>
               </a:schemeClr>
             </a:gs>
           </a:gsLst>
-          <a:lin ang="16200000" scaled="1"/>
+          <a:lin ang="5400000" scaled="1"/>
         </a:gradFill>
         <a:gradFill rotWithShape="1">
           <a:gsLst>
             <a:gs pos="0">
               <a:schemeClr val="phClr">
-                <a:shade val="51000"/>
-                <a:satMod val="130000"/>
+                <a:tint val="73000"/>
+                <a:satMod val="150000"/>
+              </a:schemeClr>
+            </a:gs>
+            <a:gs pos="25000">
+              <a:schemeClr val="phClr">
+                <a:tint val="96000"/>
+                <a:shade val="80000"/>
+                <a:satMod val="105000"/>
+              </a:schemeClr>
+            </a:gs>
+            <a:gs pos="38000">
+              <a:schemeClr val="phClr">
+                <a:tint val="96000"/>
+                <a:shade val="59000"/>
+                <a:satMod val="120000"/>
+              </a:schemeClr>
+            </a:gs>
+            <a:gs pos="55000">
+              <a:schemeClr val="phClr">
+                <a:shade val="57000"/>
+                <a:satMod val="120000"/>
               </a:schemeClr>
             </a:gs>
             <a:gs pos="80000">
               <a:schemeClr val="phClr">
-                <a:shade val="93000"/>
-                <a:satMod val="130000"/>
+                <a:shade val="56000"/>
+                <a:satMod val="145000"/>
+              </a:schemeClr>
+            </a:gs>
+            <a:gs pos="88000">
+              <a:schemeClr val="phClr">
+                <a:shade val="63000"/>
+                <a:satMod val="160000"/>
               </a:schemeClr>
             </a:gs>
             <a:gs pos="100000">
               <a:schemeClr val="phClr">
-                <a:shade val="94000"/>
-                <a:satMod val="135000"/>
+                <a:tint val="99555"/>
+                <a:satMod val="155000"/>
               </a:schemeClr>
             </a:gs>
           </a:gsLst>
-          <a:lin ang="16200000" scaled="0"/>
+          <a:lin ang="5400000" scaled="1"/>
         </a:gradFill>
       </a:fillStyleLst>
       <a:lnStyleLst>
         <a:ln w="9525" cap="flat" cmpd="sng" algn="ctr">
           <a:solidFill>
             <a:schemeClr val="phClr">
-              <a:shade val="95000"/>
-              <a:satMod val="105000"/>
+              <a:shade val="60000"/>
+              <a:satMod val="300000"/>
             </a:schemeClr>
           </a:solidFill>
           <a:prstDash val="solid"/>
         </a:ln>
-        <a:ln w="25400" cap="flat" cmpd="sng" algn="ctr">
+        <a:ln w="19050" cap="flat" cmpd="sng" algn="ctr">
           <a:solidFill>
             <a:schemeClr val="phClr"/>
           </a:solidFill>
           <a:prstDash val="solid"/>
         </a:ln>
-        <a:ln w="38100" cap="flat" cmpd="sng" algn="ctr">
+        <a:ln w="19050" cap="flat" cmpd="sng" algn="ctr">
           <a:solidFill>
             <a:schemeClr val="phClr"/>
           </a:solidFill>
@@ -3380,40 +6819,55 @@
       <a:effectStyleLst>
         <a:effectStyle>
           <a:effectLst>
-            <a:outerShdw blurRad="40000" dist="20000" dir="5400000" rotWithShape="0">
-              <a:srgbClr val="000000">
-                <a:alpha val="38000"/>
-              </a:srgbClr>
-            </a:outerShdw>
+            <a:glow rad="63500">
+              <a:schemeClr val="phClr">
+                <a:tint val="30000"/>
+                <a:shade val="95000"/>
+                <a:satMod val="300000"/>
+                <a:alpha val="50000"/>
+              </a:schemeClr>
+            </a:glow>
           </a:effectLst>
         </a:effectStyle>
         <a:effectStyle>
           <a:effectLst>
-            <a:outerShdw blurRad="40000" dist="23000" dir="5400000" rotWithShape="0">
-              <a:srgbClr val="000000">
-                <a:alpha val="35000"/>
-              </a:srgbClr>
-            </a:outerShdw>
+            <a:glow rad="70000">
+              <a:schemeClr val="phClr">
+                <a:tint val="30000"/>
+                <a:shade val="95000"/>
+                <a:satMod val="300000"/>
+                <a:alpha val="50000"/>
+              </a:schemeClr>
+            </a:glow>
           </a:effectLst>
         </a:effectStyle>
         <a:effectStyle>
           <a:effectLst>
-            <a:outerShdw blurRad="40000" dist="23000" dir="5400000" rotWithShape="0">
-              <a:srgbClr val="000000">
-                <a:alpha val="35000"/>
-              </a:srgbClr>
-            </a:outerShdw>
+            <a:glow rad="76200">
+              <a:schemeClr val="phClr">
+                <a:tint val="30000"/>
+                <a:shade val="95000"/>
+                <a:satMod val="300000"/>
+                <a:alpha val="50000"/>
+              </a:schemeClr>
+            </a:glow>
           </a:effectLst>
           <a:scene3d>
-            <a:camera prst="orthographicFront">
+            <a:camera prst="orthographicFront" fov="0">
               <a:rot lat="0" lon="0" rev="0"/>
             </a:camera>
-            <a:lightRig rig="threePt" dir="t">
-              <a:rot lat="0" lon="0" rev="1200000"/>
+            <a:lightRig rig="harsh" dir="t">
+              <a:rot lat="6000000" lon="6000000" rev="0"/>
             </a:lightRig>
           </a:scene3d>
-          <a:sp3d>
-            <a:bevelT w="63500" h="25400"/>
+          <a:sp3d contourW="10000" prstMaterial="metal">
+            <a:bevelT w="20000" h="9000" prst="softRound"/>
+            <a:contourClr>
+              <a:schemeClr val="phClr">
+                <a:shade val="30000"/>
+                <a:satMod val="200000"/>
+              </a:schemeClr>
+            </a:contourClr>
           </a:sp3d>
         </a:effectStyle>
       </a:effectStyleLst>
@@ -3425,45 +6879,42 @@
           <a:gsLst>
             <a:gs pos="0">
               <a:schemeClr val="phClr">
-                <a:tint val="40000"/>
-                <a:satMod val="350000"/>
+                <a:shade val="40000"/>
+                <a:satMod val="150000"/>
               </a:schemeClr>
             </a:gs>
-            <a:gs pos="40000">
+            <a:gs pos="30000">
               <a:schemeClr val="phClr">
-                <a:tint val="45000"/>
-                <a:shade val="99000"/>
-                <a:satMod val="350000"/>
+                <a:shade val="60000"/>
+                <a:satMod val="150000"/>
               </a:schemeClr>
             </a:gs>
             <a:gs pos="100000">
               <a:schemeClr val="phClr">
-                <a:shade val="20000"/>
-                <a:satMod val="255000"/>
+                <a:tint val="83000"/>
+                <a:satMod val="200000"/>
               </a:schemeClr>
             </a:gs>
           </a:gsLst>
-          <a:path path="circle">
-            <a:fillToRect l="50000" t="-80000" r="50000" b="180000"/>
-          </a:path>
+          <a:lin ang="13000000" scaled="0"/>
         </a:gradFill>
         <a:gradFill rotWithShape="1">
           <a:gsLst>
             <a:gs pos="0">
               <a:schemeClr val="phClr">
-                <a:tint val="80000"/>
-                <a:satMod val="300000"/>
+                <a:tint val="78000"/>
+                <a:satMod val="220000"/>
               </a:schemeClr>
             </a:gs>
             <a:gs pos="100000">
               <a:schemeClr val="phClr">
-                <a:shade val="30000"/>
-                <a:satMod val="200000"/>
+                <a:shade val="35000"/>
+                <a:satMod val="155000"/>
               </a:schemeClr>
             </a:gs>
           </a:gsLst>
           <a:path path="circle">
-            <a:fillToRect l="50000" t="50000" r="50000" b="50000"/>
+            <a:fillToRect l="60000" t="50000" r="40000" b="50000"/>
           </a:path>
         </a:gradFill>
       </a:bgFillStyleLst>

--- a/WPF Validation.pptx
+++ b/WPF Validation.pptx
@@ -2,7 +2,7 @@
 <file path=ppt/presentation.xml><?xml version="1.0" encoding="utf-8"?>
 <p:presentation xmlns:a="http://schemas.openxmlformats.org/drawingml/2006/main" xmlns:r="http://schemas.openxmlformats.org/officeDocument/2006/relationships" xmlns:p="http://schemas.openxmlformats.org/presentationml/2006/main" saveSubsetFonts="1">
   <p:sldMasterIdLst>
-    <p:sldMasterId id="2147483768" r:id="rId1"/>
+    <p:sldMasterId id="2147483780" r:id="rId1"/>
   </p:sldMasterIdLst>
   <p:sldIdLst>
     <p:sldId id="256" r:id="rId2"/>
@@ -131,13 +131,8 @@
 </file>
 
 <file path=ppt/slideLayouts/slideLayout1.xml><?xml version="1.0" encoding="utf-8"?>
-<p:sldLayout xmlns:a="http://schemas.openxmlformats.org/drawingml/2006/main" xmlns:r="http://schemas.openxmlformats.org/officeDocument/2006/relationships" xmlns:p="http://schemas.openxmlformats.org/presentationml/2006/main" showMasterSp="0" type="title" preserve="1">
+<p:sldLayout xmlns:a="http://schemas.openxmlformats.org/drawingml/2006/main" xmlns:r="http://schemas.openxmlformats.org/officeDocument/2006/relationships" xmlns:p="http://schemas.openxmlformats.org/presentationml/2006/main" type="title" preserve="1">
   <p:cSld name="Title Slide">
-    <p:bg>
-      <p:bgRef idx="1002">
-        <a:schemeClr val="bg2"/>
-      </p:bgRef>
-    </p:bg>
     <p:spTree>
       <p:nvGrpSpPr>
         <p:cNvPr id="1" name=""/>
@@ -154,203 +149,7 @@
       </p:grpSpPr>
       <p:sp>
         <p:nvSpPr>
-          <p:cNvPr id="7" name="Freeform 6"/>
-          <p:cNvSpPr>
-            <a:spLocks/>
-          </p:cNvSpPr>
-          <p:nvPr/>
-        </p:nvSpPr>
-        <p:spPr bwMode="auto">
-          <a:xfrm>
-            <a:off x="0" y="4752126"/>
-            <a:ext cx="9144000" cy="2112962"/>
-          </a:xfrm>
-          <a:custGeom>
-            <a:avLst>
-              <a:gd name="A1" fmla="val 0"/>
-              <a:gd name="A2" fmla="val 0"/>
-              <a:gd name="A3" fmla="val 0"/>
-              <a:gd name="A4" fmla="val 0"/>
-              <a:gd name="A5" fmla="val 0"/>
-              <a:gd name="A6" fmla="val 0"/>
-              <a:gd name="A7" fmla="val 0"/>
-              <a:gd name="A8" fmla="val 0"/>
-            </a:avLst>
-            <a:gdLst/>
-            <a:ahLst/>
-            <a:cxnLst>
-              <a:cxn ang="0">
-                <a:pos x="0" y="1066"/>
-              </a:cxn>
-              <a:cxn ang="0">
-                <a:pos x="0" y="1331"/>
-              </a:cxn>
-              <a:cxn ang="0">
-                <a:pos x="5760" y="1331"/>
-              </a:cxn>
-              <a:cxn ang="0">
-                <a:pos x="5760" y="0"/>
-              </a:cxn>
-              <a:cxn ang="0">
-                <a:pos x="0" y="1066"/>
-              </a:cxn>
-            </a:cxnLst>
-            <a:rect l="0" t="0" r="0" b="0"/>
-            <a:pathLst>
-              <a:path w="5760" h="1331">
-                <a:moveTo>
-                  <a:pt x="0" y="1066"/>
-                </a:moveTo>
-                <a:lnTo>
-                  <a:pt x="0" y="1331"/>
-                </a:lnTo>
-                <a:lnTo>
-                  <a:pt x="5760" y="1331"/>
-                </a:lnTo>
-                <a:lnTo>
-                  <a:pt x="5760" y="0"/>
-                </a:lnTo>
-                <a:cubicBezTo>
-                  <a:pt x="3220" y="1206"/>
-                  <a:pt x="2250" y="1146"/>
-                  <a:pt x="0" y="1066"/>
-                </a:cubicBezTo>
-                <a:close/>
-              </a:path>
-            </a:pathLst>
-          </a:custGeom>
-          <a:solidFill>
-            <a:schemeClr val="bg1">
-              <a:tint val="80000"/>
-              <a:satMod val="200000"/>
-              <a:alpha val="45000"/>
-            </a:schemeClr>
-          </a:solidFill>
-          <a:ln w="9525" cap="flat" cmpd="sng" algn="ctr">
-            <a:noFill/>
-            <a:prstDash val="solid"/>
-            <a:round/>
-            <a:headEnd type="none" w="med" len="med"/>
-            <a:tailEnd type="none" w="med" len="med"/>
-          </a:ln>
-          <a:effectLst>
-            <a:outerShdw blurRad="50800" dist="44450" dir="16200000" algn="ctr" rotWithShape="0">
-              <a:prstClr val="black">
-                <a:alpha val="35000"/>
-              </a:prstClr>
-            </a:outerShdw>
-          </a:effectLst>
-        </p:spPr>
-        <p:txBody>
-          <a:bodyPr vert="horz" wrap="square" lIns="91440" tIns="45720" rIns="91440" bIns="45720" anchor="t" compatLnSpc="1"/>
-          <a:lstStyle/>
-          <a:p>
-            <a:endParaRPr kumimoji="0" lang="en-US"/>
-          </a:p>
-        </p:txBody>
-      </p:sp>
-      <p:sp>
-        <p:nvSpPr>
-          <p:cNvPr id="8" name="Freeform 7"/>
-          <p:cNvSpPr>
-            <a:spLocks/>
-          </p:cNvSpPr>
-          <p:nvPr/>
-        </p:nvSpPr>
-        <p:spPr bwMode="auto">
-          <a:xfrm>
-            <a:off x="6105525" y="0"/>
-            <a:ext cx="3038475" cy="6858000"/>
-          </a:xfrm>
-          <a:custGeom>
-            <a:avLst/>
-            <a:gdLst>
-              <a:gd name="connsiteX0" fmla="*/ 1914 w 1914"/>
-              <a:gd name="connsiteY0" fmla="*/ 9 h 4329"/>
-              <a:gd name="connsiteX1" fmla="*/ 1914 w 1914"/>
-              <a:gd name="connsiteY1" fmla="*/ 4329 h 4329"/>
-              <a:gd name="connsiteX2" fmla="*/ 204 w 1914"/>
-              <a:gd name="connsiteY2" fmla="*/ 4327 h 4329"/>
-              <a:gd name="connsiteX3" fmla="*/ 0 w 1914"/>
-              <a:gd name="connsiteY3" fmla="*/ 0 h 4329"/>
-              <a:gd name="connsiteX4" fmla="*/ 1914 w 1914"/>
-              <a:gd name="connsiteY4" fmla="*/ 9 h 4329"/>
-            </a:gdLst>
-            <a:ahLst/>
-            <a:cxnLst>
-              <a:cxn ang="0">
-                <a:pos x="connsiteX0" y="connsiteY0"/>
-              </a:cxn>
-              <a:cxn ang="0">
-                <a:pos x="connsiteX1" y="connsiteY1"/>
-              </a:cxn>
-              <a:cxn ang="0">
-                <a:pos x="connsiteX2" y="connsiteY2"/>
-              </a:cxn>
-              <a:cxn ang="0">
-                <a:pos x="connsiteX3" y="connsiteY3"/>
-              </a:cxn>
-              <a:cxn ang="0">
-                <a:pos x="connsiteX4" y="connsiteY4"/>
-              </a:cxn>
-            </a:cxnLst>
-            <a:rect l="l" t="t" r="r" b="b"/>
-            <a:pathLst>
-              <a:path w="1914" h="4329">
-                <a:moveTo>
-                  <a:pt x="1914" y="9"/>
-                </a:moveTo>
-                <a:lnTo>
-                  <a:pt x="1914" y="4329"/>
-                </a:lnTo>
-                <a:lnTo>
-                  <a:pt x="204" y="4327"/>
-                </a:lnTo>
-                <a:cubicBezTo>
-                  <a:pt x="1288" y="3574"/>
-                  <a:pt x="1608" y="1590"/>
-                  <a:pt x="0" y="0"/>
-                </a:cubicBezTo>
-                <a:lnTo>
-                  <a:pt x="1914" y="9"/>
-                </a:lnTo>
-                <a:close/>
-              </a:path>
-            </a:pathLst>
-          </a:custGeom>
-          <a:solidFill>
-            <a:schemeClr val="bg1">
-              <a:tint val="90000"/>
-              <a:satMod val="350000"/>
-              <a:alpha val="40000"/>
-            </a:schemeClr>
-          </a:solidFill>
-          <a:ln w="9525" cap="flat" cmpd="sng" algn="ctr">
-            <a:noFill/>
-            <a:prstDash val="solid"/>
-            <a:round/>
-            <a:headEnd type="none" w="med" len="med"/>
-            <a:tailEnd type="none" w="med" len="med"/>
-          </a:ln>
-          <a:effectLst>
-            <a:outerShdw blurRad="50800" dist="50800" dir="10800000" algn="ctr" rotWithShape="0">
-              <a:prstClr val="black">
-                <a:alpha val="45000"/>
-              </a:prstClr>
-            </a:outerShdw>
-          </a:effectLst>
-        </p:spPr>
-        <p:txBody>
-          <a:bodyPr vert="horz" wrap="square" lIns="91440" tIns="45720" rIns="91440" bIns="45720" anchor="t" compatLnSpc="1"/>
-          <a:lstStyle/>
-          <a:p>
-            <a:endParaRPr kumimoji="0" lang="en-US"/>
-          </a:p>
-        </p:txBody>
-      </p:sp>
-      <p:sp>
-        <p:nvSpPr>
-          <p:cNvPr id="9" name="Title 8"/>
+          <p:cNvPr id="2" name="Title 1"/>
           <p:cNvSpPr>
             <a:spLocks noGrp="1"/>
           </p:cNvSpPr>
@@ -360,82 +159,25 @@
         </p:nvSpPr>
         <p:spPr>
           <a:xfrm>
-            <a:off x="429064" y="3337560"/>
-            <a:ext cx="6480048" cy="2301240"/>
+            <a:off x="685800" y="2130425"/>
+            <a:ext cx="7772400" cy="1470025"/>
           </a:xfrm>
         </p:spPr>
         <p:txBody>
-          <a:bodyPr rIns="45720" anchor="t"/>
-          <a:lstStyle>
-            <a:lvl1pPr algn="r">
-              <a:defRPr lang="en-US" b="1" cap="all" baseline="0" dirty="0">
-                <a:ln w="5000" cmpd="sng">
-                  <a:solidFill>
-                    <a:schemeClr val="accent1">
-                      <a:tint val="80000"/>
-                      <a:shade val="99000"/>
-                      <a:satMod val="500000"/>
-                    </a:schemeClr>
-                  </a:solidFill>
-                  <a:prstDash val="solid"/>
-                </a:ln>
-                <a:gradFill>
-                  <a:gsLst>
-                    <a:gs pos="0">
-                      <a:schemeClr val="accent1">
-                        <a:tint val="63000"/>
-                        <a:satMod val="255000"/>
-                      </a:schemeClr>
-                    </a:gs>
-                    <a:gs pos="9000">
-                      <a:schemeClr val="accent1">
-                        <a:tint val="63000"/>
-                        <a:satMod val="255000"/>
-                      </a:schemeClr>
-                    </a:gs>
-                    <a:gs pos="53000">
-                      <a:schemeClr val="accent1">
-                        <a:shade val="60000"/>
-                        <a:satMod val="100000"/>
-                      </a:schemeClr>
-                    </a:gs>
-                    <a:gs pos="90000">
-                      <a:schemeClr val="accent1">
-                        <a:tint val="63000"/>
-                        <a:satMod val="255000"/>
-                      </a:schemeClr>
-                    </a:gs>
-                    <a:gs pos="100000">
-                      <a:schemeClr val="accent1">
-                        <a:tint val="63000"/>
-                        <a:satMod val="255000"/>
-                      </a:schemeClr>
-                    </a:gs>
-                  </a:gsLst>
-                  <a:lin ang="5400000"/>
-                </a:gradFill>
-                <a:effectLst>
-                  <a:outerShdw blurRad="50800" dist="38100" dir="5400000" algn="t" rotWithShape="0">
-                    <a:prstClr val="black">
-                      <a:alpha val="50000"/>
-                    </a:prstClr>
-                  </a:outerShdw>
-                </a:effectLst>
-              </a:defRPr>
-            </a:lvl1pPr>
-          </a:lstStyle>
-          <a:p>
-            <a:r>
-              <a:rPr kumimoji="0" lang="en-US" smtClean="0"/>
+          <a:bodyPr/>
+          <a:lstStyle/>
+          <a:p>
+            <a:r>
+              <a:rPr lang="en-US" smtClean="0"/>
               <a:t>Click to edit Master title style</a:t>
             </a:r>
-            <a:endParaRPr kumimoji="0" lang="en-US"/>
-          </a:p>
-        </p:txBody>
-      </p:sp>
-      <p:sp>
-        <p:nvSpPr>
-          <p:cNvPr id="17" name="Subtitle 16"/>
+            <a:endParaRPr lang="en-US"/>
+          </a:p>
+        </p:txBody>
+      </p:sp>
+      <p:sp>
+        <p:nvSpPr>
+          <p:cNvPr id="3" name="Subtitle 2"/>
           <p:cNvSpPr>
             <a:spLocks noGrp="1"/>
           </p:cNvSpPr>
@@ -445,61 +187,116 @@
         </p:nvSpPr>
         <p:spPr>
           <a:xfrm>
-            <a:off x="433050" y="1544812"/>
-            <a:ext cx="6480048" cy="1752600"/>
+            <a:off x="1371600" y="3886200"/>
+            <a:ext cx="6400800" cy="1752600"/>
           </a:xfrm>
         </p:spPr>
         <p:txBody>
-          <a:bodyPr tIns="0" rIns="45720" bIns="0" anchor="b">
-            <a:normAutofit/>
-          </a:bodyPr>
+          <a:bodyPr/>
           <a:lstStyle>
-            <a:lvl1pPr marL="0" indent="0" algn="r">
+            <a:lvl1pPr marL="0" indent="0" algn="ctr">
               <a:buNone/>
-              <a:defRPr sz="2000">
+              <a:defRPr>
                 <a:solidFill>
-                  <a:schemeClr val="tx1"/>
+                  <a:schemeClr val="tx1">
+                    <a:tint val="75000"/>
+                  </a:schemeClr>
                 </a:solidFill>
-                <a:effectLst/>
               </a:defRPr>
             </a:lvl1pPr>
             <a:lvl2pPr marL="457200" indent="0" algn="ctr">
               <a:buNone/>
+              <a:defRPr>
+                <a:solidFill>
+                  <a:schemeClr val="tx1">
+                    <a:tint val="75000"/>
+                  </a:schemeClr>
+                </a:solidFill>
+              </a:defRPr>
             </a:lvl2pPr>
             <a:lvl3pPr marL="914400" indent="0" algn="ctr">
               <a:buNone/>
+              <a:defRPr>
+                <a:solidFill>
+                  <a:schemeClr val="tx1">
+                    <a:tint val="75000"/>
+                  </a:schemeClr>
+                </a:solidFill>
+              </a:defRPr>
             </a:lvl3pPr>
             <a:lvl4pPr marL="1371600" indent="0" algn="ctr">
               <a:buNone/>
+              <a:defRPr>
+                <a:solidFill>
+                  <a:schemeClr val="tx1">
+                    <a:tint val="75000"/>
+                  </a:schemeClr>
+                </a:solidFill>
+              </a:defRPr>
             </a:lvl4pPr>
             <a:lvl5pPr marL="1828800" indent="0" algn="ctr">
               <a:buNone/>
+              <a:defRPr>
+                <a:solidFill>
+                  <a:schemeClr val="tx1">
+                    <a:tint val="75000"/>
+                  </a:schemeClr>
+                </a:solidFill>
+              </a:defRPr>
             </a:lvl5pPr>
             <a:lvl6pPr marL="2286000" indent="0" algn="ctr">
               <a:buNone/>
+              <a:defRPr>
+                <a:solidFill>
+                  <a:schemeClr val="tx1">
+                    <a:tint val="75000"/>
+                  </a:schemeClr>
+                </a:solidFill>
+              </a:defRPr>
             </a:lvl6pPr>
             <a:lvl7pPr marL="2743200" indent="0" algn="ctr">
               <a:buNone/>
+              <a:defRPr>
+                <a:solidFill>
+                  <a:schemeClr val="tx1">
+                    <a:tint val="75000"/>
+                  </a:schemeClr>
+                </a:solidFill>
+              </a:defRPr>
             </a:lvl7pPr>
             <a:lvl8pPr marL="3200400" indent="0" algn="ctr">
               <a:buNone/>
+              <a:defRPr>
+                <a:solidFill>
+                  <a:schemeClr val="tx1">
+                    <a:tint val="75000"/>
+                  </a:schemeClr>
+                </a:solidFill>
+              </a:defRPr>
             </a:lvl8pPr>
             <a:lvl9pPr marL="3657600" indent="0" algn="ctr">
               <a:buNone/>
+              <a:defRPr>
+                <a:solidFill>
+                  <a:schemeClr val="tx1">
+                    <a:tint val="75000"/>
+                  </a:schemeClr>
+                </a:solidFill>
+              </a:defRPr>
             </a:lvl9pPr>
           </a:lstStyle>
           <a:p>
             <a:r>
-              <a:rPr kumimoji="0" lang="en-US" smtClean="0"/>
+              <a:rPr lang="en-US" smtClean="0"/>
               <a:t>Click to edit Master subtitle style</a:t>
             </a:r>
-            <a:endParaRPr kumimoji="0" lang="en-US"/>
-          </a:p>
-        </p:txBody>
-      </p:sp>
-      <p:sp>
-        <p:nvSpPr>
-          <p:cNvPr id="30" name="Date Placeholder 29"/>
+            <a:endParaRPr lang="en-US"/>
+          </a:p>
+        </p:txBody>
+      </p:sp>
+      <p:sp>
+        <p:nvSpPr>
+          <p:cNvPr id="4" name="Date Placeholder 3"/>
           <p:cNvSpPr>
             <a:spLocks noGrp="1"/>
           </p:cNvSpPr>
@@ -515,7 +312,7 @@
             <a:fld id="{60029C98-5D54-43BD-B436-29F4C541DD0B}" type="datetimeFigureOut">
               <a:rPr lang="en-US" smtClean="0"/>
               <a:pPr/>
-              <a:t>9/19/2009</a:t>
+              <a:t>9/23/2009</a:t>
             </a:fld>
             <a:endParaRPr lang="en-US"/>
           </a:p>
@@ -523,7 +320,7 @@
       </p:sp>
       <p:sp>
         <p:nvSpPr>
-          <p:cNvPr id="19" name="Footer Placeholder 18"/>
+          <p:cNvPr id="5" name="Footer Placeholder 4"/>
           <p:cNvSpPr>
             <a:spLocks noGrp="1"/>
           </p:cNvSpPr>
@@ -542,7 +339,7 @@
       </p:sp>
       <p:sp>
         <p:nvSpPr>
-          <p:cNvPr id="27" name="Slide Number Placeholder 26"/>
+          <p:cNvPr id="6" name="Slide Number Placeholder 5"/>
           <p:cNvSpPr>
             <a:spLocks noGrp="1"/>
           </p:cNvSpPr>
@@ -567,7 +364,7 @@
     </p:spTree>
   </p:cSld>
   <p:clrMapOvr>
-    <a:overrideClrMapping bg1="dk1" tx1="lt1" bg2="dk2" tx2="lt2" accent1="accent1" accent2="accent2" accent3="accent3" accent4="accent4" accent5="accent5" accent6="accent6" hlink="hlink" folHlink="folHlink"/>
+    <a:masterClrMapping/>
   </p:clrMapOvr>
 </p:sldLayout>
 </file>
@@ -605,10 +402,10 @@
           <a:lstStyle/>
           <a:p>
             <a:r>
-              <a:rPr kumimoji="0" lang="en-US" smtClean="0"/>
+              <a:rPr lang="en-US" smtClean="0"/>
               <a:t>Click to edit Master title style</a:t>
             </a:r>
-            <a:endParaRPr kumimoji="0" lang="en-US"/>
+            <a:endParaRPr lang="en-US"/>
           </a:p>
         </p:txBody>
       </p:sp>
@@ -627,40 +424,40 @@
           <a:bodyPr vert="eaVert"/>
           <a:lstStyle/>
           <a:p>
-            <a:pPr lvl="0" eaLnBrk="1" latinLnBrk="0" hangingPunct="1"/>
+            <a:pPr lvl="0"/>
             <a:r>
               <a:rPr lang="en-US" smtClean="0"/>
               <a:t>Click to edit Master text styles</a:t>
             </a:r>
           </a:p>
           <a:p>
-            <a:pPr lvl="1" eaLnBrk="1" latinLnBrk="0" hangingPunct="1"/>
+            <a:pPr lvl="1"/>
             <a:r>
               <a:rPr lang="en-US" smtClean="0"/>
               <a:t>Second level</a:t>
             </a:r>
           </a:p>
           <a:p>
-            <a:pPr lvl="2" eaLnBrk="1" latinLnBrk="0" hangingPunct="1"/>
+            <a:pPr lvl="2"/>
             <a:r>
               <a:rPr lang="en-US" smtClean="0"/>
               <a:t>Third level</a:t>
             </a:r>
           </a:p>
           <a:p>
-            <a:pPr lvl="3" eaLnBrk="1" latinLnBrk="0" hangingPunct="1"/>
+            <a:pPr lvl="3"/>
             <a:r>
               <a:rPr lang="en-US" smtClean="0"/>
               <a:t>Fourth level</a:t>
             </a:r>
           </a:p>
           <a:p>
-            <a:pPr lvl="4" eaLnBrk="1" latinLnBrk="0" hangingPunct="1"/>
+            <a:pPr lvl="4"/>
             <a:r>
               <a:rPr lang="en-US" smtClean="0"/>
               <a:t>Fifth level</a:t>
             </a:r>
-            <a:endParaRPr kumimoji="0" lang="en-US"/>
+            <a:endParaRPr lang="en-US"/>
           </a:p>
         </p:txBody>
       </p:sp>
@@ -682,7 +479,7 @@
             <a:fld id="{60029C98-5D54-43BD-B436-29F4C541DD0B}" type="datetimeFigureOut">
               <a:rPr lang="en-US" smtClean="0"/>
               <a:pPr/>
-              <a:t>9/19/2009</a:t>
+              <a:t>9/23/2009</a:t>
             </a:fld>
             <a:endParaRPr lang="en-US"/>
           </a:p>
@@ -777,10 +574,10 @@
           <a:lstStyle/>
           <a:p>
             <a:r>
-              <a:rPr kumimoji="0" lang="en-US" smtClean="0"/>
+              <a:rPr lang="en-US" smtClean="0"/>
               <a:t>Click to edit Master title style</a:t>
             </a:r>
-            <a:endParaRPr kumimoji="0" lang="en-US"/>
+            <a:endParaRPr lang="en-US"/>
           </a:p>
         </p:txBody>
       </p:sp>
@@ -804,40 +601,40 @@
           <a:bodyPr vert="eaVert"/>
           <a:lstStyle/>
           <a:p>
-            <a:pPr lvl="0" eaLnBrk="1" latinLnBrk="0" hangingPunct="1"/>
+            <a:pPr lvl="0"/>
             <a:r>
               <a:rPr lang="en-US" smtClean="0"/>
               <a:t>Click to edit Master text styles</a:t>
             </a:r>
           </a:p>
           <a:p>
-            <a:pPr lvl="1" eaLnBrk="1" latinLnBrk="0" hangingPunct="1"/>
+            <a:pPr lvl="1"/>
             <a:r>
               <a:rPr lang="en-US" smtClean="0"/>
               <a:t>Second level</a:t>
             </a:r>
           </a:p>
           <a:p>
-            <a:pPr lvl="2" eaLnBrk="1" latinLnBrk="0" hangingPunct="1"/>
+            <a:pPr lvl="2"/>
             <a:r>
               <a:rPr lang="en-US" smtClean="0"/>
               <a:t>Third level</a:t>
             </a:r>
           </a:p>
           <a:p>
-            <a:pPr lvl="3" eaLnBrk="1" latinLnBrk="0" hangingPunct="1"/>
+            <a:pPr lvl="3"/>
             <a:r>
               <a:rPr lang="en-US" smtClean="0"/>
               <a:t>Fourth level</a:t>
             </a:r>
           </a:p>
           <a:p>
-            <a:pPr lvl="4" eaLnBrk="1" latinLnBrk="0" hangingPunct="1"/>
+            <a:pPr lvl="4"/>
             <a:r>
               <a:rPr lang="en-US" smtClean="0"/>
               <a:t>Fifth level</a:t>
             </a:r>
-            <a:endParaRPr kumimoji="0" lang="en-US"/>
+            <a:endParaRPr lang="en-US"/>
           </a:p>
         </p:txBody>
       </p:sp>
@@ -859,7 +656,7 @@
             <a:fld id="{60029C98-5D54-43BD-B436-29F4C541DD0B}" type="datetimeFigureOut">
               <a:rPr lang="en-US" smtClean="0"/>
               <a:pPr/>
-              <a:t>9/19/2009</a:t>
+              <a:t>9/23/2009</a:t>
             </a:fld>
             <a:endParaRPr lang="en-US"/>
           </a:p>
@@ -946,17 +743,13 @@
         <p:spPr/>
         <p:txBody>
           <a:bodyPr/>
-          <a:lstStyle>
-            <a:lvl1pPr algn="l">
-              <a:defRPr/>
-            </a:lvl1pPr>
-          </a:lstStyle>
-          <a:p>
-            <a:r>
-              <a:rPr kumimoji="0" lang="en-US" smtClean="0"/>
+          <a:lstStyle/>
+          <a:p>
+            <a:r>
+              <a:rPr lang="en-US" smtClean="0"/>
               <a:t>Click to edit Master title style</a:t>
             </a:r>
-            <a:endParaRPr kumimoji="0" lang="en-US"/>
+            <a:endParaRPr lang="en-US"/>
           </a:p>
         </p:txBody>
       </p:sp>
@@ -975,40 +768,40 @@
           <a:bodyPr/>
           <a:lstStyle/>
           <a:p>
-            <a:pPr lvl="0" eaLnBrk="1" latinLnBrk="0" hangingPunct="1"/>
+            <a:pPr lvl="0"/>
             <a:r>
               <a:rPr lang="en-US" smtClean="0"/>
               <a:t>Click to edit Master text styles</a:t>
             </a:r>
           </a:p>
           <a:p>
-            <a:pPr lvl="1" eaLnBrk="1" latinLnBrk="0" hangingPunct="1"/>
+            <a:pPr lvl="1"/>
             <a:r>
               <a:rPr lang="en-US" smtClean="0"/>
               <a:t>Second level</a:t>
             </a:r>
           </a:p>
           <a:p>
-            <a:pPr lvl="2" eaLnBrk="1" latinLnBrk="0" hangingPunct="1"/>
+            <a:pPr lvl="2"/>
             <a:r>
               <a:rPr lang="en-US" smtClean="0"/>
               <a:t>Third level</a:t>
             </a:r>
           </a:p>
           <a:p>
-            <a:pPr lvl="3" eaLnBrk="1" latinLnBrk="0" hangingPunct="1"/>
+            <a:pPr lvl="3"/>
             <a:r>
               <a:rPr lang="en-US" smtClean="0"/>
               <a:t>Fourth level</a:t>
             </a:r>
           </a:p>
           <a:p>
-            <a:pPr lvl="4" eaLnBrk="1" latinLnBrk="0" hangingPunct="1"/>
+            <a:pPr lvl="4"/>
             <a:r>
               <a:rPr lang="en-US" smtClean="0"/>
               <a:t>Fifth level</a:t>
             </a:r>
-            <a:endParaRPr kumimoji="0" lang="en-US"/>
+            <a:endParaRPr lang="en-US"/>
           </a:p>
         </p:txBody>
       </p:sp>
@@ -1030,7 +823,7 @@
             <a:fld id="{60029C98-5D54-43BD-B436-29F4C541DD0B}" type="datetimeFigureOut">
               <a:rPr lang="en-US" smtClean="0"/>
               <a:pPr/>
-              <a:t>9/19/2009</a:t>
+              <a:t>9/23/2009</a:t>
             </a:fld>
             <a:endParaRPr lang="en-US"/>
           </a:p>
@@ -1088,13 +881,8 @@
 </file>
 
 <file path=ppt/slideLayouts/slideLayout3.xml><?xml version="1.0" encoding="utf-8"?>
-<p:sldLayout xmlns:a="http://schemas.openxmlformats.org/drawingml/2006/main" xmlns:r="http://schemas.openxmlformats.org/officeDocument/2006/relationships" xmlns:p="http://schemas.openxmlformats.org/presentationml/2006/main" showMasterSp="0" type="secHead" preserve="1">
+<p:sldLayout xmlns:a="http://schemas.openxmlformats.org/drawingml/2006/main" xmlns:r="http://schemas.openxmlformats.org/officeDocument/2006/relationships" xmlns:p="http://schemas.openxmlformats.org/presentationml/2006/main" type="secHead" preserve="1">
   <p:cSld name="Section Header">
-    <p:bg>
-      <p:bgRef idx="1002">
-        <a:schemeClr val="bg2"/>
-      </p:bgRef>
-    </p:bg>
     <p:spTree>
       <p:nvGrpSpPr>
         <p:cNvPr id="1" name=""/>
@@ -1111,202 +899,6 @@
       </p:grpSpPr>
       <p:sp>
         <p:nvSpPr>
-          <p:cNvPr id="7" name="Freeform 6"/>
-          <p:cNvSpPr>
-            <a:spLocks/>
-          </p:cNvSpPr>
-          <p:nvPr/>
-        </p:nvSpPr>
-        <p:spPr bwMode="auto">
-          <a:xfrm>
-            <a:off x="0" y="4752126"/>
-            <a:ext cx="9144000" cy="2112962"/>
-          </a:xfrm>
-          <a:custGeom>
-            <a:avLst>
-              <a:gd name="A1" fmla="val 0"/>
-              <a:gd name="A2" fmla="val 0"/>
-              <a:gd name="A3" fmla="val 0"/>
-              <a:gd name="A4" fmla="val 0"/>
-              <a:gd name="A5" fmla="val 0"/>
-              <a:gd name="A6" fmla="val 0"/>
-              <a:gd name="A7" fmla="val 0"/>
-              <a:gd name="A8" fmla="val 0"/>
-            </a:avLst>
-            <a:gdLst/>
-            <a:ahLst/>
-            <a:cxnLst>
-              <a:cxn ang="0">
-                <a:pos x="0" y="1066"/>
-              </a:cxn>
-              <a:cxn ang="0">
-                <a:pos x="0" y="1331"/>
-              </a:cxn>
-              <a:cxn ang="0">
-                <a:pos x="5760" y="1331"/>
-              </a:cxn>
-              <a:cxn ang="0">
-                <a:pos x="5760" y="0"/>
-              </a:cxn>
-              <a:cxn ang="0">
-                <a:pos x="0" y="1066"/>
-              </a:cxn>
-            </a:cxnLst>
-            <a:rect l="0" t="0" r="0" b="0"/>
-            <a:pathLst>
-              <a:path w="5760" h="1331">
-                <a:moveTo>
-                  <a:pt x="0" y="1066"/>
-                </a:moveTo>
-                <a:lnTo>
-                  <a:pt x="0" y="1331"/>
-                </a:lnTo>
-                <a:lnTo>
-                  <a:pt x="5760" y="1331"/>
-                </a:lnTo>
-                <a:lnTo>
-                  <a:pt x="5760" y="0"/>
-                </a:lnTo>
-                <a:cubicBezTo>
-                  <a:pt x="3220" y="1206"/>
-                  <a:pt x="2250" y="1146"/>
-                  <a:pt x="0" y="1066"/>
-                </a:cubicBezTo>
-                <a:close/>
-              </a:path>
-            </a:pathLst>
-          </a:custGeom>
-          <a:solidFill>
-            <a:schemeClr val="bg1">
-              <a:tint val="80000"/>
-              <a:satMod val="200000"/>
-              <a:alpha val="45000"/>
-            </a:schemeClr>
-          </a:solidFill>
-          <a:ln w="9525" cap="flat" cmpd="sng" algn="ctr">
-            <a:noFill/>
-            <a:prstDash val="solid"/>
-            <a:round/>
-            <a:headEnd type="none" w="med" len="med"/>
-            <a:tailEnd type="none" w="med" len="med"/>
-          </a:ln>
-          <a:effectLst>
-            <a:outerShdw blurRad="50800" dist="44450" dir="16200000" algn="ctr" rotWithShape="0">
-              <a:prstClr val="black">
-                <a:alpha val="35000"/>
-              </a:prstClr>
-            </a:outerShdw>
-          </a:effectLst>
-        </p:spPr>
-        <p:txBody>
-          <a:bodyPr vert="horz" wrap="square" lIns="91440" tIns="45720" rIns="91440" bIns="45720" anchor="t" compatLnSpc="1"/>
-          <a:lstStyle/>
-          <a:p>
-            <a:endParaRPr kumimoji="0" lang="en-US"/>
-          </a:p>
-        </p:txBody>
-      </p:sp>
-      <p:sp>
-        <p:nvSpPr>
-          <p:cNvPr id="9" name="Freeform 8"/>
-          <p:cNvSpPr>
-            <a:spLocks/>
-          </p:cNvSpPr>
-          <p:nvPr/>
-        </p:nvSpPr>
-        <p:spPr bwMode="auto">
-          <a:xfrm>
-            <a:off x="6105525" y="0"/>
-            <a:ext cx="3038475" cy="6858000"/>
-          </a:xfrm>
-          <a:custGeom>
-            <a:avLst/>
-            <a:gdLst>
-              <a:gd name="connsiteX0" fmla="*/ 1914 w 1914"/>
-              <a:gd name="connsiteY0" fmla="*/ 9 h 4329"/>
-              <a:gd name="connsiteX1" fmla="*/ 1914 w 1914"/>
-              <a:gd name="connsiteY1" fmla="*/ 4329 h 4329"/>
-              <a:gd name="connsiteX2" fmla="*/ 204 w 1914"/>
-              <a:gd name="connsiteY2" fmla="*/ 4327 h 4329"/>
-              <a:gd name="connsiteX3" fmla="*/ 0 w 1914"/>
-              <a:gd name="connsiteY3" fmla="*/ 0 h 4329"/>
-              <a:gd name="connsiteX4" fmla="*/ 1914 w 1914"/>
-              <a:gd name="connsiteY4" fmla="*/ 9 h 4329"/>
-            </a:gdLst>
-            <a:ahLst/>
-            <a:cxnLst>
-              <a:cxn ang="0">
-                <a:pos x="connsiteX0" y="connsiteY0"/>
-              </a:cxn>
-              <a:cxn ang="0">
-                <a:pos x="connsiteX1" y="connsiteY1"/>
-              </a:cxn>
-              <a:cxn ang="0">
-                <a:pos x="connsiteX2" y="connsiteY2"/>
-              </a:cxn>
-              <a:cxn ang="0">
-                <a:pos x="connsiteX3" y="connsiteY3"/>
-              </a:cxn>
-              <a:cxn ang="0">
-                <a:pos x="connsiteX4" y="connsiteY4"/>
-              </a:cxn>
-            </a:cxnLst>
-            <a:rect l="l" t="t" r="r" b="b"/>
-            <a:pathLst>
-              <a:path w="1914" h="4329">
-                <a:moveTo>
-                  <a:pt x="1914" y="9"/>
-                </a:moveTo>
-                <a:lnTo>
-                  <a:pt x="1914" y="4329"/>
-                </a:lnTo>
-                <a:lnTo>
-                  <a:pt x="204" y="4327"/>
-                </a:lnTo>
-                <a:cubicBezTo>
-                  <a:pt x="1288" y="3574"/>
-                  <a:pt x="1608" y="1590"/>
-                  <a:pt x="0" y="0"/>
-                </a:cubicBezTo>
-                <a:lnTo>
-                  <a:pt x="1914" y="9"/>
-                </a:lnTo>
-                <a:close/>
-              </a:path>
-            </a:pathLst>
-          </a:custGeom>
-          <a:solidFill>
-            <a:schemeClr val="bg1">
-              <a:tint val="90000"/>
-              <a:satMod val="350000"/>
-              <a:alpha val="40000"/>
-            </a:schemeClr>
-          </a:solidFill>
-          <a:ln w="9525" cap="flat" cmpd="sng" algn="ctr">
-            <a:noFill/>
-            <a:prstDash val="solid"/>
-            <a:round/>
-            <a:headEnd type="none" w="med" len="med"/>
-            <a:tailEnd type="none" w="med" len="med"/>
-          </a:ln>
-          <a:effectLst>
-            <a:outerShdw blurRad="50800" dist="50800" dir="10800000" algn="ctr" rotWithShape="0">
-              <a:prstClr val="black">
-                <a:alpha val="45000"/>
-              </a:prstClr>
-            </a:outerShdw>
-          </a:effectLst>
-        </p:spPr>
-        <p:txBody>
-          <a:bodyPr vert="horz" wrap="square" lIns="91440" tIns="45720" rIns="91440" bIns="45720" anchor="t" compatLnSpc="1"/>
-          <a:lstStyle/>
-          <a:p>
-            <a:endParaRPr kumimoji="0" lang="en-US"/>
-          </a:p>
-        </p:txBody>
-      </p:sp>
-      <p:sp>
-        <p:nvSpPr>
           <p:cNvPr id="2" name="Title 1"/>
           <p:cNvSpPr>
             <a:spLocks noGrp="1"/>
@@ -1317,77 +909,23 @@
         </p:nvSpPr>
         <p:spPr>
           <a:xfrm>
-            <a:off x="685800" y="3583837"/>
-            <a:ext cx="6629400" cy="1826363"/>
+            <a:off x="722313" y="4406900"/>
+            <a:ext cx="7772400" cy="1362075"/>
           </a:xfrm>
         </p:spPr>
         <p:txBody>
-          <a:bodyPr tIns="0" bIns="0" anchor="t"/>
+          <a:bodyPr anchor="t"/>
           <a:lstStyle>
             <a:lvl1pPr algn="l">
-              <a:buNone/>
-              <a:defRPr sz="4200" b="1" cap="none" baseline="0">
-                <a:ln w="5000" cmpd="sng">
-                  <a:solidFill>
-                    <a:schemeClr val="accent1">
-                      <a:tint val="80000"/>
-                      <a:shade val="99000"/>
-                      <a:satMod val="500000"/>
-                    </a:schemeClr>
-                  </a:solidFill>
-                  <a:prstDash val="solid"/>
-                </a:ln>
-                <a:gradFill>
-                  <a:gsLst>
-                    <a:gs pos="0">
-                      <a:schemeClr val="accent1">
-                        <a:tint val="63000"/>
-                        <a:satMod val="255000"/>
-                      </a:schemeClr>
-                    </a:gs>
-                    <a:gs pos="9000">
-                      <a:schemeClr val="accent1">
-                        <a:tint val="63000"/>
-                        <a:satMod val="255000"/>
-                      </a:schemeClr>
-                    </a:gs>
-                    <a:gs pos="53000">
-                      <a:schemeClr val="accent1">
-                        <a:shade val="60000"/>
-                        <a:satMod val="100000"/>
-                      </a:schemeClr>
-                    </a:gs>
-                    <a:gs pos="90000">
-                      <a:schemeClr val="accent1">
-                        <a:tint val="63000"/>
-                        <a:satMod val="255000"/>
-                      </a:schemeClr>
-                    </a:gs>
-                    <a:gs pos="100000">
-                      <a:schemeClr val="accent1">
-                        <a:tint val="63000"/>
-                        <a:satMod val="255000"/>
-                      </a:schemeClr>
-                    </a:gs>
-                  </a:gsLst>
-                  <a:lin ang="5400000"/>
-                </a:gradFill>
-                <a:effectLst>
-                  <a:outerShdw blurRad="50800" dist="38100" dir="5400000" algn="t" rotWithShape="0">
-                    <a:prstClr val="black">
-                      <a:alpha val="50000"/>
-                    </a:prstClr>
-                  </a:outerShdw>
-                </a:effectLst>
-              </a:defRPr>
+              <a:defRPr sz="4000" b="1" cap="all"/>
             </a:lvl1pPr>
           </a:lstStyle>
           <a:p>
             <a:r>
-              <a:rPr kumimoji="0" lang="en-US" smtClean="0"/>
+              <a:rPr lang="en-US" smtClean="0"/>
               <a:t>Click to edit Master title style</a:t>
             </a:r>
-            <a:endParaRPr kumimoji="0" lang="en-US"/>
+            <a:endParaRPr lang="en-US"/>
           </a:p>
         </p:txBody>
       </p:sp>
@@ -1403,23 +941,24 @@
         </p:nvSpPr>
         <p:spPr>
           <a:xfrm>
-            <a:off x="685800" y="2485800"/>
-            <a:ext cx="6629400" cy="1066688"/>
+            <a:off x="722313" y="2906713"/>
+            <a:ext cx="7772400" cy="1500187"/>
           </a:xfrm>
         </p:spPr>
         <p:txBody>
-          <a:bodyPr lIns="45720" tIns="0" rIns="45720" bIns="0" anchor="b"/>
+          <a:bodyPr anchor="b"/>
           <a:lstStyle>
-            <a:lvl1pPr marL="0" indent="0" algn="l">
+            <a:lvl1pPr marL="0" indent="0">
               <a:buNone/>
               <a:defRPr sz="2000">
                 <a:solidFill>
-                  <a:schemeClr val="tx1"/>
+                  <a:schemeClr val="tx1">
+                    <a:tint val="75000"/>
+                  </a:schemeClr>
                 </a:solidFill>
-                <a:effectLst/>
               </a:defRPr>
             </a:lvl1pPr>
-            <a:lvl2pPr>
+            <a:lvl2pPr marL="457200" indent="0">
               <a:buNone/>
               <a:defRPr sz="1800">
                 <a:solidFill>
@@ -1429,7 +968,7 @@
                 </a:solidFill>
               </a:defRPr>
             </a:lvl2pPr>
-            <a:lvl3pPr>
+            <a:lvl3pPr marL="914400" indent="0">
               <a:buNone/>
               <a:defRPr sz="1600">
                 <a:solidFill>
@@ -1439,7 +978,7 @@
                 </a:solidFill>
               </a:defRPr>
             </a:lvl3pPr>
-            <a:lvl4pPr>
+            <a:lvl4pPr marL="1371600" indent="0">
               <a:buNone/>
               <a:defRPr sz="1400">
                 <a:solidFill>
@@ -1449,7 +988,7 @@
                 </a:solidFill>
               </a:defRPr>
             </a:lvl4pPr>
-            <a:lvl5pPr>
+            <a:lvl5pPr marL="1828800" indent="0">
               <a:buNone/>
               <a:defRPr sz="1400">
                 <a:solidFill>
@@ -1459,11 +998,51 @@
                 </a:solidFill>
               </a:defRPr>
             </a:lvl5pPr>
+            <a:lvl6pPr marL="2286000" indent="0">
+              <a:buNone/>
+              <a:defRPr sz="1400">
+                <a:solidFill>
+                  <a:schemeClr val="tx1">
+                    <a:tint val="75000"/>
+                  </a:schemeClr>
+                </a:solidFill>
+              </a:defRPr>
+            </a:lvl6pPr>
+            <a:lvl7pPr marL="2743200" indent="0">
+              <a:buNone/>
+              <a:defRPr sz="1400">
+                <a:solidFill>
+                  <a:schemeClr val="tx1">
+                    <a:tint val="75000"/>
+                  </a:schemeClr>
+                </a:solidFill>
+              </a:defRPr>
+            </a:lvl7pPr>
+            <a:lvl8pPr marL="3200400" indent="0">
+              <a:buNone/>
+              <a:defRPr sz="1400">
+                <a:solidFill>
+                  <a:schemeClr val="tx1">
+                    <a:tint val="75000"/>
+                  </a:schemeClr>
+                </a:solidFill>
+              </a:defRPr>
+            </a:lvl8pPr>
+            <a:lvl9pPr marL="3657600" indent="0">
+              <a:buNone/>
+              <a:defRPr sz="1400">
+                <a:solidFill>
+                  <a:schemeClr val="tx1">
+                    <a:tint val="75000"/>
+                  </a:schemeClr>
+                </a:solidFill>
+              </a:defRPr>
+            </a:lvl9pPr>
           </a:lstStyle>
           <a:p>
-            <a:pPr lvl="0" eaLnBrk="1" latinLnBrk="0" hangingPunct="1"/>
-            <a:r>
-              <a:rPr kumimoji="0" lang="en-US" smtClean="0"/>
+            <a:pPr lvl="0"/>
+            <a:r>
+              <a:rPr lang="en-US" smtClean="0"/>
               <a:t>Click to edit Master text styles</a:t>
             </a:r>
           </a:p>
@@ -1487,7 +1066,7 @@
             <a:fld id="{60029C98-5D54-43BD-B436-29F4C541DD0B}" type="datetimeFigureOut">
               <a:rPr lang="en-US" smtClean="0"/>
               <a:pPr/>
-              <a:t>9/19/2009</a:t>
+              <a:t>9/23/2009</a:t>
             </a:fld>
             <a:endParaRPr lang="en-US"/>
           </a:p>
@@ -1539,7 +1118,7 @@
     </p:spTree>
   </p:cSld>
   <p:clrMapOvr>
-    <a:overrideClrMapping bg1="dk1" tx1="lt1" bg2="dk2" tx2="lt2" accent1="accent1" accent2="accent2" accent3="accent3" accent4="accent4" accent5="accent5" accent6="accent6" hlink="hlink" folHlink="folHlink"/>
+    <a:masterClrMapping/>
   </p:clrMapOvr>
 </p:sldLayout>
 </file>
@@ -1571,21 +1150,16 @@
             <p:ph type="title"/>
           </p:nvPr>
         </p:nvSpPr>
-        <p:spPr>
-          <a:xfrm>
-            <a:off x="457200" y="274638"/>
-            <a:ext cx="7467600" cy="1143000"/>
-          </a:xfrm>
-        </p:spPr>
-        <p:txBody>
-          <a:bodyPr/>
-          <a:lstStyle/>
-          <a:p>
-            <a:r>
-              <a:rPr kumimoji="0" lang="en-US" smtClean="0"/>
+        <p:spPr/>
+        <p:txBody>
+          <a:bodyPr/>
+          <a:lstStyle/>
+          <a:p>
+            <a:r>
+              <a:rPr lang="en-US" smtClean="0"/>
               <a:t>Click to edit Master title style</a:t>
             </a:r>
-            <a:endParaRPr kumimoji="0" lang="en-US"/>
+            <a:endParaRPr lang="en-US"/>
           </a:p>
         </p:txBody>
       </p:sp>
@@ -1602,17 +1176,17 @@
         <p:spPr>
           <a:xfrm>
             <a:off x="457200" y="1600200"/>
-            <a:ext cx="3657600" cy="4525963"/>
+            <a:ext cx="4038600" cy="4525963"/>
           </a:xfrm>
         </p:spPr>
         <p:txBody>
           <a:bodyPr/>
           <a:lstStyle>
             <a:lvl1pPr>
-              <a:defRPr sz="2600"/>
+              <a:defRPr sz="2800"/>
             </a:lvl1pPr>
             <a:lvl2pPr>
-              <a:defRPr sz="2200"/>
+              <a:defRPr sz="2400"/>
             </a:lvl2pPr>
             <a:lvl3pPr>
               <a:defRPr sz="2000"/>
@@ -1623,42 +1197,54 @@
             <a:lvl5pPr>
               <a:defRPr sz="1800"/>
             </a:lvl5pPr>
+            <a:lvl6pPr>
+              <a:defRPr sz="1800"/>
+            </a:lvl6pPr>
+            <a:lvl7pPr>
+              <a:defRPr sz="1800"/>
+            </a:lvl7pPr>
+            <a:lvl8pPr>
+              <a:defRPr sz="1800"/>
+            </a:lvl8pPr>
+            <a:lvl9pPr>
+              <a:defRPr sz="1800"/>
+            </a:lvl9pPr>
           </a:lstStyle>
           <a:p>
-            <a:pPr lvl="0" eaLnBrk="1" latinLnBrk="0" hangingPunct="1"/>
+            <a:pPr lvl="0"/>
             <a:r>
               <a:rPr lang="en-US" smtClean="0"/>
               <a:t>Click to edit Master text styles</a:t>
             </a:r>
           </a:p>
           <a:p>
-            <a:pPr lvl="1" eaLnBrk="1" latinLnBrk="0" hangingPunct="1"/>
+            <a:pPr lvl="1"/>
             <a:r>
               <a:rPr lang="en-US" smtClean="0"/>
               <a:t>Second level</a:t>
             </a:r>
           </a:p>
           <a:p>
-            <a:pPr lvl="2" eaLnBrk="1" latinLnBrk="0" hangingPunct="1"/>
+            <a:pPr lvl="2"/>
             <a:r>
               <a:rPr lang="en-US" smtClean="0"/>
               <a:t>Third level</a:t>
             </a:r>
           </a:p>
           <a:p>
-            <a:pPr lvl="3" eaLnBrk="1" latinLnBrk="0" hangingPunct="1"/>
+            <a:pPr lvl="3"/>
             <a:r>
               <a:rPr lang="en-US" smtClean="0"/>
               <a:t>Fourth level</a:t>
             </a:r>
           </a:p>
           <a:p>
-            <a:pPr lvl="4" eaLnBrk="1" latinLnBrk="0" hangingPunct="1"/>
+            <a:pPr lvl="4"/>
             <a:r>
               <a:rPr lang="en-US" smtClean="0"/>
               <a:t>Fifth level</a:t>
             </a:r>
-            <a:endParaRPr kumimoji="0" lang="en-US"/>
+            <a:endParaRPr lang="en-US"/>
           </a:p>
         </p:txBody>
       </p:sp>
@@ -1674,18 +1260,18 @@
         </p:nvSpPr>
         <p:spPr>
           <a:xfrm>
-            <a:off x="4267200" y="1600200"/>
-            <a:ext cx="3657600" cy="4525963"/>
+            <a:off x="4648200" y="1600200"/>
+            <a:ext cx="4038600" cy="4525963"/>
           </a:xfrm>
         </p:spPr>
         <p:txBody>
           <a:bodyPr/>
           <a:lstStyle>
             <a:lvl1pPr>
-              <a:defRPr sz="2600"/>
+              <a:defRPr sz="2800"/>
             </a:lvl1pPr>
             <a:lvl2pPr>
-              <a:defRPr sz="2200"/>
+              <a:defRPr sz="2400"/>
             </a:lvl2pPr>
             <a:lvl3pPr>
               <a:defRPr sz="2000"/>
@@ -1696,42 +1282,54 @@
             <a:lvl5pPr>
               <a:defRPr sz="1800"/>
             </a:lvl5pPr>
+            <a:lvl6pPr>
+              <a:defRPr sz="1800"/>
+            </a:lvl6pPr>
+            <a:lvl7pPr>
+              <a:defRPr sz="1800"/>
+            </a:lvl7pPr>
+            <a:lvl8pPr>
+              <a:defRPr sz="1800"/>
+            </a:lvl8pPr>
+            <a:lvl9pPr>
+              <a:defRPr sz="1800"/>
+            </a:lvl9pPr>
           </a:lstStyle>
           <a:p>
-            <a:pPr lvl="0" eaLnBrk="1" latinLnBrk="0" hangingPunct="1"/>
+            <a:pPr lvl="0"/>
             <a:r>
               <a:rPr lang="en-US" smtClean="0"/>
               <a:t>Click to edit Master text styles</a:t>
             </a:r>
           </a:p>
           <a:p>
-            <a:pPr lvl="1" eaLnBrk="1" latinLnBrk="0" hangingPunct="1"/>
+            <a:pPr lvl="1"/>
             <a:r>
               <a:rPr lang="en-US" smtClean="0"/>
               <a:t>Second level</a:t>
             </a:r>
           </a:p>
           <a:p>
-            <a:pPr lvl="2" eaLnBrk="1" latinLnBrk="0" hangingPunct="1"/>
+            <a:pPr lvl="2"/>
             <a:r>
               <a:rPr lang="en-US" smtClean="0"/>
               <a:t>Third level</a:t>
             </a:r>
           </a:p>
           <a:p>
-            <a:pPr lvl="3" eaLnBrk="1" latinLnBrk="0" hangingPunct="1"/>
+            <a:pPr lvl="3"/>
             <a:r>
               <a:rPr lang="en-US" smtClean="0"/>
               <a:t>Fourth level</a:t>
             </a:r>
           </a:p>
           <a:p>
-            <a:pPr lvl="4" eaLnBrk="1" latinLnBrk="0" hangingPunct="1"/>
+            <a:pPr lvl="4"/>
             <a:r>
               <a:rPr lang="en-US" smtClean="0"/>
               <a:t>Fifth level</a:t>
             </a:r>
-            <a:endParaRPr kumimoji="0" lang="en-US"/>
+            <a:endParaRPr lang="en-US"/>
           </a:p>
         </p:txBody>
       </p:sp>
@@ -1753,7 +1351,7 @@
             <a:fld id="{60029C98-5D54-43BD-B436-29F4C541DD0B}" type="datetimeFigureOut">
               <a:rPr lang="en-US" smtClean="0"/>
               <a:pPr/>
-              <a:t>9/19/2009</a:t>
+              <a:t>9/23/2009</a:t>
             </a:fld>
             <a:endParaRPr lang="en-US"/>
           </a:p>
@@ -1811,7 +1409,7 @@
 </file>
 
 <file path=ppt/slideLayouts/slideLayout5.xml><?xml version="1.0" encoding="utf-8"?>
-<p:sldLayout xmlns:a="http://schemas.openxmlformats.org/drawingml/2006/main" xmlns:r="http://schemas.openxmlformats.org/officeDocument/2006/relationships" xmlns:p="http://schemas.openxmlformats.org/presentationml/2006/main" showMasterSp="0" type="twoTxTwoObj" preserve="1">
+<p:sldLayout xmlns:a="http://schemas.openxmlformats.org/drawingml/2006/main" xmlns:r="http://schemas.openxmlformats.org/officeDocument/2006/relationships" xmlns:p="http://schemas.openxmlformats.org/presentationml/2006/main" type="twoTxTwoObj" preserve="1">
   <p:cSld name="Comparison">
     <p:spTree>
       <p:nvGrpSpPr>
@@ -1837,14 +1435,9 @@
             <p:ph type="title"/>
           </p:nvPr>
         </p:nvSpPr>
-        <p:spPr>
-          <a:xfrm>
-            <a:off x="457200" y="273050"/>
-            <a:ext cx="8229600" cy="1143000"/>
-          </a:xfrm>
-        </p:spPr>
-        <p:txBody>
-          <a:bodyPr anchor="ctr"/>
+        <p:spPr/>
+        <p:txBody>
+          <a:bodyPr/>
           <a:lstStyle>
             <a:lvl1pPr>
               <a:defRPr/>
@@ -1852,10 +1445,10 @@
           </a:lstStyle>
           <a:p>
             <a:r>
-              <a:rPr kumimoji="0" lang="en-US" smtClean="0"/>
+              <a:rPr lang="en-US" smtClean="0"/>
               <a:t>Click to edit Master title style</a:t>
             </a:r>
-            <a:endParaRPr kumimoji="0" lang="en-US"/>
+            <a:endParaRPr lang="en-US"/>
           </a:p>
         </p:txBody>
       </p:sp>
@@ -1871,42 +1464,54 @@
         </p:nvSpPr>
         <p:spPr>
           <a:xfrm>
-            <a:off x="457200" y="5486400"/>
-            <a:ext cx="4040188" cy="838200"/>
+            <a:off x="457200" y="1535113"/>
+            <a:ext cx="4040188" cy="639762"/>
           </a:xfrm>
         </p:spPr>
         <p:txBody>
-          <a:bodyPr anchor="t"/>
+          <a:bodyPr anchor="b"/>
           <a:lstStyle>
             <a:lvl1pPr marL="0" indent="0">
               <a:buNone/>
-              <a:defRPr sz="2400" b="1">
-                <a:solidFill>
-                  <a:schemeClr val="accent1"/>
-                </a:solidFill>
-              </a:defRPr>
+              <a:defRPr sz="2400" b="1"/>
             </a:lvl1pPr>
-            <a:lvl2pPr>
+            <a:lvl2pPr marL="457200" indent="0">
               <a:buNone/>
               <a:defRPr sz="2000" b="1"/>
             </a:lvl2pPr>
-            <a:lvl3pPr>
+            <a:lvl3pPr marL="914400" indent="0">
               <a:buNone/>
               <a:defRPr sz="1800" b="1"/>
             </a:lvl3pPr>
-            <a:lvl4pPr>
+            <a:lvl4pPr marL="1371600" indent="0">
               <a:buNone/>
               <a:defRPr sz="1600" b="1"/>
             </a:lvl4pPr>
-            <a:lvl5pPr>
+            <a:lvl5pPr marL="1828800" indent="0">
               <a:buNone/>
               <a:defRPr sz="1600" b="1"/>
             </a:lvl5pPr>
+            <a:lvl6pPr marL="2286000" indent="0">
+              <a:buNone/>
+              <a:defRPr sz="1600" b="1"/>
+            </a:lvl6pPr>
+            <a:lvl7pPr marL="2743200" indent="0">
+              <a:buNone/>
+              <a:defRPr sz="1600" b="1"/>
+            </a:lvl7pPr>
+            <a:lvl8pPr marL="3200400" indent="0">
+              <a:buNone/>
+              <a:defRPr sz="1600" b="1"/>
+            </a:lvl8pPr>
+            <a:lvl9pPr marL="3657600" indent="0">
+              <a:buNone/>
+              <a:defRPr sz="1600" b="1"/>
+            </a:lvl9pPr>
           </a:lstStyle>
           <a:p>
-            <a:pPr lvl="0" eaLnBrk="1" latinLnBrk="0" hangingPunct="1"/>
-            <a:r>
-              <a:rPr kumimoji="0" lang="en-US" smtClean="0"/>
+            <a:pPr lvl="0"/>
+            <a:r>
+              <a:rPr lang="en-US" smtClean="0"/>
               <a:t>Click to edit Master text styles</a:t>
             </a:r>
           </a:p>
@@ -1914,71 +1519,18 @@
       </p:sp>
       <p:sp>
         <p:nvSpPr>
-          <p:cNvPr id="4" name="Text Placeholder 3"/>
-          <p:cNvSpPr>
-            <a:spLocks noGrp="1"/>
-          </p:cNvSpPr>
-          <p:nvPr>
-            <p:ph type="body" sz="half" idx="3"/>
+          <p:cNvPr id="4" name="Content Placeholder 3"/>
+          <p:cNvSpPr>
+            <a:spLocks noGrp="1"/>
+          </p:cNvSpPr>
+          <p:nvPr>
+            <p:ph sz="half" idx="2"/>
           </p:nvPr>
         </p:nvSpPr>
         <p:spPr>
           <a:xfrm>
-            <a:off x="4645025" y="5486400"/>
-            <a:ext cx="4041775" cy="838200"/>
-          </a:xfrm>
-        </p:spPr>
-        <p:txBody>
-          <a:bodyPr anchor="t"/>
-          <a:lstStyle>
-            <a:lvl1pPr marL="0" indent="0">
-              <a:buNone/>
-              <a:defRPr sz="2400" b="1">
-                <a:solidFill>
-                  <a:schemeClr val="accent1"/>
-                </a:solidFill>
-              </a:defRPr>
-            </a:lvl1pPr>
-            <a:lvl2pPr>
-              <a:buNone/>
-              <a:defRPr sz="2000" b="1"/>
-            </a:lvl2pPr>
-            <a:lvl3pPr>
-              <a:buNone/>
-              <a:defRPr sz="1800" b="1"/>
-            </a:lvl3pPr>
-            <a:lvl4pPr>
-              <a:buNone/>
-              <a:defRPr sz="1600" b="1"/>
-            </a:lvl4pPr>
-            <a:lvl5pPr>
-              <a:buNone/>
-              <a:defRPr sz="1600" b="1"/>
-            </a:lvl5pPr>
-          </a:lstStyle>
-          <a:p>
-            <a:pPr lvl="0" eaLnBrk="1" latinLnBrk="0" hangingPunct="1"/>
-            <a:r>
-              <a:rPr kumimoji="0" lang="en-US" smtClean="0"/>
-              <a:t>Click to edit Master text styles</a:t>
-            </a:r>
-          </a:p>
-        </p:txBody>
-      </p:sp>
-      <p:sp>
-        <p:nvSpPr>
-          <p:cNvPr id="5" name="Content Placeholder 4"/>
-          <p:cNvSpPr>
-            <a:spLocks noGrp="1"/>
-          </p:cNvSpPr>
-          <p:nvPr>
-            <p:ph sz="quarter" idx="2"/>
-          </p:nvPr>
-        </p:nvSpPr>
-        <p:spPr>
-          <a:xfrm>
-            <a:off x="457200" y="1516912"/>
-            <a:ext cx="4040188" cy="3941763"/>
+            <a:off x="457200" y="2174875"/>
+            <a:ext cx="4040188" cy="3951288"/>
           </a:xfrm>
         </p:spPr>
         <p:txBody>
@@ -1999,59 +1551,136 @@
             <a:lvl5pPr>
               <a:defRPr sz="1600"/>
             </a:lvl5pPr>
+            <a:lvl6pPr>
+              <a:defRPr sz="1600"/>
+            </a:lvl6pPr>
+            <a:lvl7pPr>
+              <a:defRPr sz="1600"/>
+            </a:lvl7pPr>
+            <a:lvl8pPr>
+              <a:defRPr sz="1600"/>
+            </a:lvl8pPr>
+            <a:lvl9pPr>
+              <a:defRPr sz="1600"/>
+            </a:lvl9pPr>
           </a:lstStyle>
           <a:p>
-            <a:pPr lvl="0" eaLnBrk="1" latinLnBrk="0" hangingPunct="1"/>
+            <a:pPr lvl="0"/>
             <a:r>
               <a:rPr lang="en-US" smtClean="0"/>
               <a:t>Click to edit Master text styles</a:t>
             </a:r>
           </a:p>
           <a:p>
-            <a:pPr lvl="1" eaLnBrk="1" latinLnBrk="0" hangingPunct="1"/>
+            <a:pPr lvl="1"/>
             <a:r>
               <a:rPr lang="en-US" smtClean="0"/>
               <a:t>Second level</a:t>
             </a:r>
           </a:p>
           <a:p>
-            <a:pPr lvl="2" eaLnBrk="1" latinLnBrk="0" hangingPunct="1"/>
+            <a:pPr lvl="2"/>
             <a:r>
               <a:rPr lang="en-US" smtClean="0"/>
               <a:t>Third level</a:t>
             </a:r>
           </a:p>
           <a:p>
-            <a:pPr lvl="3" eaLnBrk="1" latinLnBrk="0" hangingPunct="1"/>
+            <a:pPr lvl="3"/>
             <a:r>
               <a:rPr lang="en-US" smtClean="0"/>
               <a:t>Fourth level</a:t>
             </a:r>
           </a:p>
           <a:p>
-            <a:pPr lvl="4" eaLnBrk="1" latinLnBrk="0" hangingPunct="1"/>
+            <a:pPr lvl="4"/>
             <a:r>
               <a:rPr lang="en-US" smtClean="0"/>
               <a:t>Fifth level</a:t>
             </a:r>
-            <a:endParaRPr kumimoji="0" lang="en-US"/>
-          </a:p>
-        </p:txBody>
-      </p:sp>
-      <p:sp>
-        <p:nvSpPr>
-          <p:cNvPr id="6" name="Content Placeholder 5"/>
-          <p:cNvSpPr>
-            <a:spLocks noGrp="1"/>
-          </p:cNvSpPr>
-          <p:nvPr>
-            <p:ph sz="quarter" idx="4"/>
+            <a:endParaRPr lang="en-US"/>
+          </a:p>
+        </p:txBody>
+      </p:sp>
+      <p:sp>
+        <p:nvSpPr>
+          <p:cNvPr id="5" name="Text Placeholder 4"/>
+          <p:cNvSpPr>
+            <a:spLocks noGrp="1"/>
+          </p:cNvSpPr>
+          <p:nvPr>
+            <p:ph type="body" sz="quarter" idx="3"/>
           </p:nvPr>
         </p:nvSpPr>
         <p:spPr>
           <a:xfrm>
-            <a:off x="4645025" y="1516912"/>
-            <a:ext cx="4041775" cy="3941763"/>
+            <a:off x="4645025" y="1535113"/>
+            <a:ext cx="4041775" cy="639762"/>
+          </a:xfrm>
+        </p:spPr>
+        <p:txBody>
+          <a:bodyPr anchor="b"/>
+          <a:lstStyle>
+            <a:lvl1pPr marL="0" indent="0">
+              <a:buNone/>
+              <a:defRPr sz="2400" b="1"/>
+            </a:lvl1pPr>
+            <a:lvl2pPr marL="457200" indent="0">
+              <a:buNone/>
+              <a:defRPr sz="2000" b="1"/>
+            </a:lvl2pPr>
+            <a:lvl3pPr marL="914400" indent="0">
+              <a:buNone/>
+              <a:defRPr sz="1800" b="1"/>
+            </a:lvl3pPr>
+            <a:lvl4pPr marL="1371600" indent="0">
+              <a:buNone/>
+              <a:defRPr sz="1600" b="1"/>
+            </a:lvl4pPr>
+            <a:lvl5pPr marL="1828800" indent="0">
+              <a:buNone/>
+              <a:defRPr sz="1600" b="1"/>
+            </a:lvl5pPr>
+            <a:lvl6pPr marL="2286000" indent="0">
+              <a:buNone/>
+              <a:defRPr sz="1600" b="1"/>
+            </a:lvl6pPr>
+            <a:lvl7pPr marL="2743200" indent="0">
+              <a:buNone/>
+              <a:defRPr sz="1600" b="1"/>
+            </a:lvl7pPr>
+            <a:lvl8pPr marL="3200400" indent="0">
+              <a:buNone/>
+              <a:defRPr sz="1600" b="1"/>
+            </a:lvl8pPr>
+            <a:lvl9pPr marL="3657600" indent="0">
+              <a:buNone/>
+              <a:defRPr sz="1600" b="1"/>
+            </a:lvl9pPr>
+          </a:lstStyle>
+          <a:p>
+            <a:pPr lvl="0"/>
+            <a:r>
+              <a:rPr lang="en-US" smtClean="0"/>
+              <a:t>Click to edit Master text styles</a:t>
+            </a:r>
+          </a:p>
+        </p:txBody>
+      </p:sp>
+      <p:sp>
+        <p:nvSpPr>
+          <p:cNvPr id="6" name="Content Placeholder 5"/>
+          <p:cNvSpPr>
+            <a:spLocks noGrp="1"/>
+          </p:cNvSpPr>
+          <p:nvPr>
+            <p:ph sz="quarter" idx="4"/>
+          </p:nvPr>
+        </p:nvSpPr>
+        <p:spPr>
+          <a:xfrm>
+            <a:off x="4645025" y="2174875"/>
+            <a:ext cx="4041775" cy="3951288"/>
           </a:xfrm>
         </p:spPr>
         <p:txBody>
@@ -2072,42 +1701,54 @@
             <a:lvl5pPr>
               <a:defRPr sz="1600"/>
             </a:lvl5pPr>
+            <a:lvl6pPr>
+              <a:defRPr sz="1600"/>
+            </a:lvl6pPr>
+            <a:lvl7pPr>
+              <a:defRPr sz="1600"/>
+            </a:lvl7pPr>
+            <a:lvl8pPr>
+              <a:defRPr sz="1600"/>
+            </a:lvl8pPr>
+            <a:lvl9pPr>
+              <a:defRPr sz="1600"/>
+            </a:lvl9pPr>
           </a:lstStyle>
           <a:p>
-            <a:pPr lvl="0" eaLnBrk="1" latinLnBrk="0" hangingPunct="1"/>
+            <a:pPr lvl="0"/>
             <a:r>
               <a:rPr lang="en-US" smtClean="0"/>
               <a:t>Click to edit Master text styles</a:t>
             </a:r>
           </a:p>
           <a:p>
-            <a:pPr lvl="1" eaLnBrk="1" latinLnBrk="0" hangingPunct="1"/>
+            <a:pPr lvl="1"/>
             <a:r>
               <a:rPr lang="en-US" smtClean="0"/>
               <a:t>Second level</a:t>
             </a:r>
           </a:p>
           <a:p>
-            <a:pPr lvl="2" eaLnBrk="1" latinLnBrk="0" hangingPunct="1"/>
+            <a:pPr lvl="2"/>
             <a:r>
               <a:rPr lang="en-US" smtClean="0"/>
               <a:t>Third level</a:t>
             </a:r>
           </a:p>
           <a:p>
-            <a:pPr lvl="3" eaLnBrk="1" latinLnBrk="0" hangingPunct="1"/>
+            <a:pPr lvl="3"/>
             <a:r>
               <a:rPr lang="en-US" smtClean="0"/>
               <a:t>Fourth level</a:t>
             </a:r>
           </a:p>
           <a:p>
-            <a:pPr lvl="4" eaLnBrk="1" latinLnBrk="0" hangingPunct="1"/>
+            <a:pPr lvl="4"/>
             <a:r>
               <a:rPr lang="en-US" smtClean="0"/>
               <a:t>Fifth level</a:t>
             </a:r>
-            <a:endParaRPr kumimoji="0" lang="en-US"/>
+            <a:endParaRPr lang="en-US"/>
           </a:p>
         </p:txBody>
       </p:sp>
@@ -2129,7 +1770,7 @@
             <a:fld id="{60029C98-5D54-43BD-B436-29F4C541DD0B}" type="datetimeFigureOut">
               <a:rPr lang="en-US" smtClean="0"/>
               <a:pPr/>
-              <a:t>9/19/2009</a:t>
+              <a:t>9/23/2009</a:t>
             </a:fld>
             <a:endParaRPr lang="en-US"/>
           </a:p>
@@ -2213,31 +1854,22 @@
             <p:ph type="title"/>
           </p:nvPr>
         </p:nvSpPr>
-        <p:spPr>
-          <a:xfrm>
-            <a:off x="457200" y="274320"/>
-            <a:ext cx="7470648" cy="1143000"/>
-          </a:xfrm>
-        </p:spPr>
-        <p:txBody>
-          <a:bodyPr anchor="ctr"/>
-          <a:lstStyle>
-            <a:lvl1pPr algn="l">
-              <a:defRPr sz="4600"/>
-            </a:lvl1pPr>
-          </a:lstStyle>
-          <a:p>
-            <a:r>
-              <a:rPr kumimoji="0" lang="en-US" smtClean="0"/>
+        <p:spPr/>
+        <p:txBody>
+          <a:bodyPr/>
+          <a:lstStyle/>
+          <a:p>
+            <a:r>
+              <a:rPr lang="en-US" smtClean="0"/>
               <a:t>Click to edit Master title style</a:t>
             </a:r>
-            <a:endParaRPr kumimoji="0" lang="en-US"/>
-          </a:p>
-        </p:txBody>
-      </p:sp>
-      <p:sp>
-        <p:nvSpPr>
-          <p:cNvPr id="7" name="Date Placeholder 6"/>
+            <a:endParaRPr lang="en-US"/>
+          </a:p>
+        </p:txBody>
+      </p:sp>
+      <p:sp>
+        <p:nvSpPr>
+          <p:cNvPr id="3" name="Date Placeholder 2"/>
           <p:cNvSpPr>
             <a:spLocks noGrp="1"/>
           </p:cNvSpPr>
@@ -2253,7 +1885,7 @@
             <a:fld id="{60029C98-5D54-43BD-B436-29F4C541DD0B}" type="datetimeFigureOut">
               <a:rPr lang="en-US" smtClean="0"/>
               <a:pPr/>
-              <a:t>9/19/2009</a:t>
+              <a:t>9/23/2009</a:t>
             </a:fld>
             <a:endParaRPr lang="en-US"/>
           </a:p>
@@ -2261,12 +1893,31 @@
       </p:sp>
       <p:sp>
         <p:nvSpPr>
-          <p:cNvPr id="8" name="Slide Number Placeholder 7"/>
-          <p:cNvSpPr>
-            <a:spLocks noGrp="1"/>
-          </p:cNvSpPr>
-          <p:nvPr>
-            <p:ph type="sldNum" sz="quarter" idx="11"/>
+          <p:cNvPr id="4" name="Footer Placeholder 3"/>
+          <p:cNvSpPr>
+            <a:spLocks noGrp="1"/>
+          </p:cNvSpPr>
+          <p:nvPr>
+            <p:ph type="ftr" sz="quarter" idx="11"/>
+          </p:nvPr>
+        </p:nvSpPr>
+        <p:spPr/>
+        <p:txBody>
+          <a:bodyPr/>
+          <a:lstStyle/>
+          <a:p>
+            <a:endParaRPr lang="en-US"/>
+          </a:p>
+        </p:txBody>
+      </p:sp>
+      <p:sp>
+        <p:nvSpPr>
+          <p:cNvPr id="5" name="Slide Number Placeholder 4"/>
+          <p:cNvSpPr>
+            <a:spLocks noGrp="1"/>
+          </p:cNvSpPr>
+          <p:nvPr>
+            <p:ph type="sldNum" sz="quarter" idx="12"/>
           </p:nvPr>
         </p:nvSpPr>
         <p:spPr/>
@@ -2279,25 +1930,6 @@
               <a:pPr/>
               <a:t>‹#›</a:t>
             </a:fld>
-            <a:endParaRPr lang="en-US"/>
-          </a:p>
-        </p:txBody>
-      </p:sp>
-      <p:sp>
-        <p:nvSpPr>
-          <p:cNvPr id="9" name="Footer Placeholder 8"/>
-          <p:cNvSpPr>
-            <a:spLocks noGrp="1"/>
-          </p:cNvSpPr>
-          <p:nvPr>
-            <p:ph type="ftr" sz="quarter" idx="12"/>
-          </p:nvPr>
-        </p:nvSpPr>
-        <p:spPr/>
-        <p:txBody>
-          <a:bodyPr/>
-          <a:lstStyle/>
-          <a:p>
             <a:endParaRPr lang="en-US"/>
           </a:p>
         </p:txBody>
@@ -2345,7 +1977,7 @@
             <a:fld id="{60029C98-5D54-43BD-B436-29F4C541DD0B}" type="datetimeFigureOut">
               <a:rPr lang="en-US" smtClean="0"/>
               <a:pPr/>
-              <a:t>9/19/2009</a:t>
+              <a:t>9/23/2009</a:t>
             </a:fld>
             <a:endParaRPr lang="en-US"/>
           </a:p>
@@ -2431,107 +2063,53 @@
         </p:nvSpPr>
         <p:spPr>
           <a:xfrm>
-            <a:off x="457200" y="1185528"/>
-            <a:ext cx="3200400" cy="730250"/>
+            <a:off x="457200" y="273050"/>
+            <a:ext cx="3008313" cy="1162050"/>
           </a:xfrm>
         </p:spPr>
         <p:txBody>
-          <a:bodyPr tIns="0" bIns="0" anchor="t"/>
+          <a:bodyPr anchor="b"/>
           <a:lstStyle>
             <a:lvl1pPr algn="l">
-              <a:buNone/>
-              <a:defRPr sz="1800" b="1">
-                <a:solidFill>
-                  <a:schemeClr val="accent1"/>
-                </a:solidFill>
-              </a:defRPr>
+              <a:defRPr sz="2000" b="1"/>
             </a:lvl1pPr>
           </a:lstStyle>
           <a:p>
             <a:r>
-              <a:rPr kumimoji="0" lang="en-US" smtClean="0"/>
+              <a:rPr lang="en-US" smtClean="0"/>
               <a:t>Click to edit Master title style</a:t>
             </a:r>
-            <a:endParaRPr kumimoji="0" lang="en-US"/>
-          </a:p>
-        </p:txBody>
-      </p:sp>
-      <p:sp>
-        <p:nvSpPr>
-          <p:cNvPr id="3" name="Text Placeholder 2"/>
-          <p:cNvSpPr>
-            <a:spLocks noGrp="1"/>
-          </p:cNvSpPr>
-          <p:nvPr>
-            <p:ph type="body" idx="2"/>
+            <a:endParaRPr lang="en-US"/>
+          </a:p>
+        </p:txBody>
+      </p:sp>
+      <p:sp>
+        <p:nvSpPr>
+          <p:cNvPr id="3" name="Content Placeholder 2"/>
+          <p:cNvSpPr>
+            <a:spLocks noGrp="1"/>
+          </p:cNvSpPr>
+          <p:nvPr>
+            <p:ph idx="1"/>
           </p:nvPr>
         </p:nvSpPr>
         <p:spPr>
           <a:xfrm>
-            <a:off x="457200" y="214424"/>
-            <a:ext cx="2743200" cy="914400"/>
+            <a:off x="3575050" y="273050"/>
+            <a:ext cx="5111750" cy="5853113"/>
           </a:xfrm>
         </p:spPr>
         <p:txBody>
-          <a:bodyPr lIns="45720" tIns="0" rIns="45720" bIns="0" anchor="b"/>
+          <a:bodyPr/>
           <a:lstStyle>
-            <a:lvl1pPr marL="0" indent="0" algn="l">
-              <a:buNone/>
-              <a:defRPr sz="1400"/>
+            <a:lvl1pPr>
+              <a:defRPr sz="3200"/>
             </a:lvl1pPr>
             <a:lvl2pPr>
-              <a:buNone/>
-              <a:defRPr sz="1200"/>
+              <a:defRPr sz="2800"/>
             </a:lvl2pPr>
             <a:lvl3pPr>
-              <a:buNone/>
-              <a:defRPr sz="1000"/>
-            </a:lvl3pPr>
-            <a:lvl4pPr>
-              <a:buNone/>
-              <a:defRPr sz="900"/>
-            </a:lvl4pPr>
-            <a:lvl5pPr>
-              <a:buNone/>
-              <a:defRPr sz="900"/>
-            </a:lvl5pPr>
-          </a:lstStyle>
-          <a:p>
-            <a:pPr lvl="0" eaLnBrk="1" latinLnBrk="0" hangingPunct="1"/>
-            <a:r>
-              <a:rPr kumimoji="0" lang="en-US" smtClean="0"/>
-              <a:t>Click to edit Master text styles</a:t>
-            </a:r>
-          </a:p>
-        </p:txBody>
-      </p:sp>
-      <p:sp>
-        <p:nvSpPr>
-          <p:cNvPr id="4" name="Content Placeholder 3"/>
-          <p:cNvSpPr>
-            <a:spLocks noGrp="1"/>
-          </p:cNvSpPr>
-          <p:nvPr>
-            <p:ph sz="half" idx="1"/>
-          </p:nvPr>
-        </p:nvSpPr>
-        <p:spPr>
-          <a:xfrm>
-            <a:off x="457200" y="1981200"/>
-            <a:ext cx="7086600" cy="3810000"/>
-          </a:xfrm>
-        </p:spPr>
-        <p:txBody>
-          <a:bodyPr/>
-          <a:lstStyle>
-            <a:lvl1pPr>
-              <a:defRPr sz="2800"/>
-            </a:lvl1pPr>
-            <a:lvl2pPr>
               <a:defRPr sz="2400"/>
-            </a:lvl2pPr>
-            <a:lvl3pPr>
-              <a:defRPr sz="2200"/>
             </a:lvl3pPr>
             <a:lvl4pPr>
               <a:defRPr sz="2000"/>
@@ -2539,104 +2117,176 @@
             <a:lvl5pPr>
               <a:defRPr sz="2000"/>
             </a:lvl5pPr>
+            <a:lvl6pPr>
+              <a:defRPr sz="2000"/>
+            </a:lvl6pPr>
+            <a:lvl7pPr>
+              <a:defRPr sz="2000"/>
+            </a:lvl7pPr>
+            <a:lvl8pPr>
+              <a:defRPr sz="2000"/>
+            </a:lvl8pPr>
+            <a:lvl9pPr>
+              <a:defRPr sz="2000"/>
+            </a:lvl9pPr>
           </a:lstStyle>
           <a:p>
-            <a:pPr lvl="0" eaLnBrk="1" latinLnBrk="0" hangingPunct="1"/>
+            <a:pPr lvl="0"/>
             <a:r>
               <a:rPr lang="en-US" smtClean="0"/>
               <a:t>Click to edit Master text styles</a:t>
             </a:r>
           </a:p>
           <a:p>
-            <a:pPr lvl="1" eaLnBrk="1" latinLnBrk="0" hangingPunct="1"/>
+            <a:pPr lvl="1"/>
             <a:r>
               <a:rPr lang="en-US" smtClean="0"/>
               <a:t>Second level</a:t>
             </a:r>
           </a:p>
           <a:p>
-            <a:pPr lvl="2" eaLnBrk="1" latinLnBrk="0" hangingPunct="1"/>
+            <a:pPr lvl="2"/>
             <a:r>
               <a:rPr lang="en-US" smtClean="0"/>
               <a:t>Third level</a:t>
             </a:r>
           </a:p>
           <a:p>
-            <a:pPr lvl="3" eaLnBrk="1" latinLnBrk="0" hangingPunct="1"/>
+            <a:pPr lvl="3"/>
             <a:r>
               <a:rPr lang="en-US" smtClean="0"/>
               <a:t>Fourth level</a:t>
             </a:r>
           </a:p>
           <a:p>
-            <a:pPr lvl="4" eaLnBrk="1" latinLnBrk="0" hangingPunct="1"/>
+            <a:pPr lvl="4"/>
             <a:r>
               <a:rPr lang="en-US" smtClean="0"/>
               <a:t>Fifth level</a:t>
             </a:r>
-            <a:endParaRPr kumimoji="0" lang="en-US"/>
-          </a:p>
-        </p:txBody>
-      </p:sp>
-      <p:sp>
-        <p:nvSpPr>
-          <p:cNvPr id="5" name="Date Placeholder 4"/>
-          <p:cNvSpPr>
-            <a:spLocks noGrp="1"/>
-          </p:cNvSpPr>
-          <p:nvPr>
-            <p:ph type="dt" sz="half" idx="10"/>
-          </p:nvPr>
-        </p:nvSpPr>
-        <p:spPr/>
-        <p:txBody>
-          <a:bodyPr/>
-          <a:lstStyle/>
-          <a:p>
-            <a:fld id="{60029C98-5D54-43BD-B436-29F4C541DD0B}" type="datetimeFigureOut">
-              <a:rPr lang="en-US" smtClean="0"/>
-              <a:pPr/>
-              <a:t>9/19/2009</a:t>
-            </a:fld>
-            <a:endParaRPr lang="en-US"/>
-          </a:p>
-        </p:txBody>
-      </p:sp>
-      <p:sp>
-        <p:nvSpPr>
-          <p:cNvPr id="6" name="Footer Placeholder 5"/>
-          <p:cNvSpPr>
-            <a:spLocks noGrp="1"/>
-          </p:cNvSpPr>
-          <p:nvPr>
-            <p:ph type="ftr" sz="quarter" idx="11"/>
-          </p:nvPr>
-        </p:nvSpPr>
-        <p:spPr/>
-        <p:txBody>
-          <a:bodyPr/>
-          <a:lstStyle/>
-          <a:p>
-            <a:endParaRPr lang="en-US"/>
-          </a:p>
-        </p:txBody>
-      </p:sp>
-      <p:sp>
-        <p:nvSpPr>
-          <p:cNvPr id="7" name="Slide Number Placeholder 6"/>
-          <p:cNvSpPr>
-            <a:spLocks noGrp="1"/>
-          </p:cNvSpPr>
-          <p:nvPr>
-            <p:ph type="sldNum" sz="quarter" idx="12"/>
+            <a:endParaRPr lang="en-US"/>
+          </a:p>
+        </p:txBody>
+      </p:sp>
+      <p:sp>
+        <p:nvSpPr>
+          <p:cNvPr id="4" name="Text Placeholder 3"/>
+          <p:cNvSpPr>
+            <a:spLocks noGrp="1"/>
+          </p:cNvSpPr>
+          <p:nvPr>
+            <p:ph type="body" sz="half" idx="2"/>
           </p:nvPr>
         </p:nvSpPr>
         <p:spPr>
           <a:xfrm>
-            <a:off x="8156448" y="6422064"/>
-            <a:ext cx="762000" cy="365125"/>
+            <a:off x="457200" y="1435100"/>
+            <a:ext cx="3008313" cy="4691063"/>
           </a:xfrm>
         </p:spPr>
+        <p:txBody>
+          <a:bodyPr/>
+          <a:lstStyle>
+            <a:lvl1pPr marL="0" indent="0">
+              <a:buNone/>
+              <a:defRPr sz="1400"/>
+            </a:lvl1pPr>
+            <a:lvl2pPr marL="457200" indent="0">
+              <a:buNone/>
+              <a:defRPr sz="1200"/>
+            </a:lvl2pPr>
+            <a:lvl3pPr marL="914400" indent="0">
+              <a:buNone/>
+              <a:defRPr sz="1000"/>
+            </a:lvl3pPr>
+            <a:lvl4pPr marL="1371600" indent="0">
+              <a:buNone/>
+              <a:defRPr sz="900"/>
+            </a:lvl4pPr>
+            <a:lvl5pPr marL="1828800" indent="0">
+              <a:buNone/>
+              <a:defRPr sz="900"/>
+            </a:lvl5pPr>
+            <a:lvl6pPr marL="2286000" indent="0">
+              <a:buNone/>
+              <a:defRPr sz="900"/>
+            </a:lvl6pPr>
+            <a:lvl7pPr marL="2743200" indent="0">
+              <a:buNone/>
+              <a:defRPr sz="900"/>
+            </a:lvl7pPr>
+            <a:lvl8pPr marL="3200400" indent="0">
+              <a:buNone/>
+              <a:defRPr sz="900"/>
+            </a:lvl8pPr>
+            <a:lvl9pPr marL="3657600" indent="0">
+              <a:buNone/>
+              <a:defRPr sz="900"/>
+            </a:lvl9pPr>
+          </a:lstStyle>
+          <a:p>
+            <a:pPr lvl="0"/>
+            <a:r>
+              <a:rPr lang="en-US" smtClean="0"/>
+              <a:t>Click to edit Master text styles</a:t>
+            </a:r>
+          </a:p>
+        </p:txBody>
+      </p:sp>
+      <p:sp>
+        <p:nvSpPr>
+          <p:cNvPr id="5" name="Date Placeholder 4"/>
+          <p:cNvSpPr>
+            <a:spLocks noGrp="1"/>
+          </p:cNvSpPr>
+          <p:nvPr>
+            <p:ph type="dt" sz="half" idx="10"/>
+          </p:nvPr>
+        </p:nvSpPr>
+        <p:spPr/>
+        <p:txBody>
+          <a:bodyPr/>
+          <a:lstStyle/>
+          <a:p>
+            <a:fld id="{60029C98-5D54-43BD-B436-29F4C541DD0B}" type="datetimeFigureOut">
+              <a:rPr lang="en-US" smtClean="0"/>
+              <a:pPr/>
+              <a:t>9/23/2009</a:t>
+            </a:fld>
+            <a:endParaRPr lang="en-US"/>
+          </a:p>
+        </p:txBody>
+      </p:sp>
+      <p:sp>
+        <p:nvSpPr>
+          <p:cNvPr id="6" name="Footer Placeholder 5"/>
+          <p:cNvSpPr>
+            <a:spLocks noGrp="1"/>
+          </p:cNvSpPr>
+          <p:nvPr>
+            <p:ph type="ftr" sz="quarter" idx="11"/>
+          </p:nvPr>
+        </p:nvSpPr>
+        <p:spPr/>
+        <p:txBody>
+          <a:bodyPr/>
+          <a:lstStyle/>
+          <a:p>
+            <a:endParaRPr lang="en-US"/>
+          </a:p>
+        </p:txBody>
+      </p:sp>
+      <p:sp>
+        <p:nvSpPr>
+          <p:cNvPr id="7" name="Slide Number Placeholder 6"/>
+          <p:cNvSpPr>
+            <a:spLocks noGrp="1"/>
+          </p:cNvSpPr>
+          <p:nvPr>
+            <p:ph type="sldNum" sz="quarter" idx="12"/>
+          </p:nvPr>
+        </p:nvSpPr>
+        <p:spPr/>
         <p:txBody>
           <a:bodyPr/>
           <a:lstStyle/>
@@ -2659,7 +2309,7 @@
 </file>
 
 <file path=ppt/slideLayouts/slideLayout9.xml><?xml version="1.0" encoding="utf-8"?>
-<p:sldLayout xmlns:a="http://schemas.openxmlformats.org/drawingml/2006/main" xmlns:r="http://schemas.openxmlformats.org/officeDocument/2006/relationships" xmlns:p="http://schemas.openxmlformats.org/presentationml/2006/main" showMasterSp="0" type="picTx" preserve="1">
+<p:sldLayout xmlns:a="http://schemas.openxmlformats.org/drawingml/2006/main" xmlns:r="http://schemas.openxmlformats.org/officeDocument/2006/relationships" xmlns:p="http://schemas.openxmlformats.org/presentationml/2006/main" type="picTx" preserve="1">
   <p:cSld name="Picture with Caption">
     <p:spTree>
       <p:nvGrpSpPr>
@@ -2687,28 +2337,23 @@
         </p:nvSpPr>
         <p:spPr>
           <a:xfrm>
-            <a:off x="5556732" y="1705709"/>
-            <a:ext cx="3053868" cy="1253808"/>
+            <a:off x="1792288" y="4800600"/>
+            <a:ext cx="5486400" cy="566738"/>
           </a:xfrm>
         </p:spPr>
         <p:txBody>
           <a:bodyPr anchor="b"/>
           <a:lstStyle>
             <a:lvl1pPr algn="l">
-              <a:buNone/>
-              <a:defRPr sz="2200" b="1">
-                <a:solidFill>
-                  <a:schemeClr val="accent1"/>
-                </a:solidFill>
-              </a:defRPr>
+              <a:defRPr sz="2000" b="1"/>
             </a:lvl1pPr>
           </a:lstStyle>
           <a:p>
             <a:r>
-              <a:rPr kumimoji="0" lang="en-US" smtClean="0"/>
+              <a:rPr lang="en-US" smtClean="0"/>
               <a:t>Click to edit Master title style</a:t>
             </a:r>
-            <a:endParaRPr kumimoji="0" lang="en-US"/>
+            <a:endParaRPr lang="en-US"/>
           </a:p>
         </p:txBody>
       </p:sp>
@@ -2724,44 +2369,9 @@
         </p:nvSpPr>
         <p:spPr>
           <a:xfrm>
-            <a:off x="1065628" y="1019907"/>
-            <a:ext cx="4114800" cy="4114800"/>
+            <a:off x="1792288" y="612775"/>
+            <a:ext cx="5486400" cy="4114800"/>
           </a:xfrm>
-          <a:prstGeom prst="ellipse">
-            <a:avLst/>
-          </a:prstGeom>
-          <a:solidFill>
-            <a:schemeClr val="bg2">
-              <a:shade val="50000"/>
-            </a:schemeClr>
-          </a:solidFill>
-          <a:ln w="50800" cap="flat">
-            <a:solidFill>
-              <a:schemeClr val="bg2"/>
-            </a:solidFill>
-            <a:miter lim="800000"/>
-          </a:ln>
-          <a:effectLst>
-            <a:outerShdw blurRad="152000" dist="345000" dir="5400000" sx="-80000" sy="-18000" rotWithShape="0">
-              <a:srgbClr val="000000">
-                <a:alpha val="25000"/>
-              </a:srgbClr>
-            </a:outerShdw>
-          </a:effectLst>
-          <a:scene3d>
-            <a:camera prst="orthographicFront"/>
-            <a:lightRig rig="contrasting" dir="t">
-              <a:rot lat="0" lon="0" rev="2400000"/>
-            </a:lightRig>
-          </a:scene3d>
-          <a:sp3d contourW="7620">
-            <a:bevelT w="63500" h="63500"/>
-            <a:contourClr>
-              <a:schemeClr val="bg2">
-                <a:shade val="50000"/>
-              </a:schemeClr>
-            </a:contourClr>
-          </a:sp3d>
         </p:spPr>
         <p:txBody>
           <a:bodyPr/>
@@ -2770,13 +2380,45 @@
               <a:buNone/>
               <a:defRPr sz="3200"/>
             </a:lvl1pPr>
+            <a:lvl2pPr marL="457200" indent="0">
+              <a:buNone/>
+              <a:defRPr sz="2800"/>
+            </a:lvl2pPr>
+            <a:lvl3pPr marL="914400" indent="0">
+              <a:buNone/>
+              <a:defRPr sz="2400"/>
+            </a:lvl3pPr>
+            <a:lvl4pPr marL="1371600" indent="0">
+              <a:buNone/>
+              <a:defRPr sz="2000"/>
+            </a:lvl4pPr>
+            <a:lvl5pPr marL="1828800" indent="0">
+              <a:buNone/>
+              <a:defRPr sz="2000"/>
+            </a:lvl5pPr>
+            <a:lvl6pPr marL="2286000" indent="0">
+              <a:buNone/>
+              <a:defRPr sz="2000"/>
+            </a:lvl6pPr>
+            <a:lvl7pPr marL="2743200" indent="0">
+              <a:buNone/>
+              <a:defRPr sz="2000"/>
+            </a:lvl7pPr>
+            <a:lvl8pPr marL="3200400" indent="0">
+              <a:buNone/>
+              <a:defRPr sz="2000"/>
+            </a:lvl8pPr>
+            <a:lvl9pPr marL="3657600" indent="0">
+              <a:buNone/>
+              <a:defRPr sz="2000"/>
+            </a:lvl9pPr>
           </a:lstStyle>
           <a:p>
             <a:r>
-              <a:rPr kumimoji="0" lang="en-US" smtClean="0"/>
+              <a:rPr lang="en-US" smtClean="0"/>
               <a:t>Click icon to add picture</a:t>
             </a:r>
-            <a:endParaRPr kumimoji="0" lang="en-US" dirty="0"/>
+            <a:endParaRPr lang="en-US"/>
           </a:p>
         </p:txBody>
       </p:sp>
@@ -2792,43 +2434,54 @@
         </p:nvSpPr>
         <p:spPr>
           <a:xfrm>
-            <a:off x="5556734" y="2998765"/>
-            <a:ext cx="3053866" cy="2663482"/>
+            <a:off x="1792288" y="5367338"/>
+            <a:ext cx="5486400" cy="804862"/>
           </a:xfrm>
         </p:spPr>
         <p:txBody>
-          <a:bodyPr lIns="45720" rIns="45720"/>
+          <a:bodyPr/>
           <a:lstStyle>
             <a:lvl1pPr marL="0" indent="0">
-              <a:buFontTx/>
               <a:buNone/>
-              <a:defRPr sz="1200"/>
+              <a:defRPr sz="1400"/>
             </a:lvl1pPr>
-            <a:lvl2pPr>
-              <a:buFontTx/>
+            <a:lvl2pPr marL="457200" indent="0">
               <a:buNone/>
               <a:defRPr sz="1200"/>
             </a:lvl2pPr>
-            <a:lvl3pPr>
-              <a:buFontTx/>
+            <a:lvl3pPr marL="914400" indent="0">
               <a:buNone/>
               <a:defRPr sz="1000"/>
             </a:lvl3pPr>
-            <a:lvl4pPr>
-              <a:buFontTx/>
+            <a:lvl4pPr marL="1371600" indent="0">
               <a:buNone/>
               <a:defRPr sz="900"/>
             </a:lvl4pPr>
-            <a:lvl5pPr>
-              <a:buFontTx/>
+            <a:lvl5pPr marL="1828800" indent="0">
               <a:buNone/>
               <a:defRPr sz="900"/>
             </a:lvl5pPr>
+            <a:lvl6pPr marL="2286000" indent="0">
+              <a:buNone/>
+              <a:defRPr sz="900"/>
+            </a:lvl6pPr>
+            <a:lvl7pPr marL="2743200" indent="0">
+              <a:buNone/>
+              <a:defRPr sz="900"/>
+            </a:lvl7pPr>
+            <a:lvl8pPr marL="3200400" indent="0">
+              <a:buNone/>
+              <a:defRPr sz="900"/>
+            </a:lvl8pPr>
+            <a:lvl9pPr marL="3657600" indent="0">
+              <a:buNone/>
+              <a:defRPr sz="900"/>
+            </a:lvl9pPr>
           </a:lstStyle>
           <a:p>
-            <a:pPr lvl="0" eaLnBrk="1" latinLnBrk="0" hangingPunct="1"/>
-            <a:r>
-              <a:rPr kumimoji="0" lang="en-US" smtClean="0"/>
+            <a:pPr lvl="0"/>
+            <a:r>
+              <a:rPr lang="en-US" smtClean="0"/>
               <a:t>Click to edit Master text styles</a:t>
             </a:r>
           </a:p>
@@ -2844,12 +2497,7 @@
             <p:ph type="dt" sz="half" idx="10"/>
           </p:nvPr>
         </p:nvSpPr>
-        <p:spPr>
-          <a:xfrm>
-            <a:off x="457200" y="6422064"/>
-            <a:ext cx="2133600" cy="365125"/>
-          </a:xfrm>
-        </p:spPr>
+        <p:spPr/>
         <p:txBody>
           <a:bodyPr/>
           <a:lstStyle/>
@@ -2857,7 +2505,7 @@
             <a:fld id="{60029C98-5D54-43BD-B436-29F4C541DD0B}" type="datetimeFigureOut">
               <a:rPr lang="en-US" smtClean="0"/>
               <a:pPr/>
-              <a:t>9/19/2009</a:t>
+              <a:t>9/23/2009</a:t>
             </a:fld>
             <a:endParaRPr lang="en-US"/>
           </a:p>
@@ -2918,9 +2566,26 @@
 <p:sldMaster xmlns:a="http://schemas.openxmlformats.org/drawingml/2006/main" xmlns:r="http://schemas.openxmlformats.org/officeDocument/2006/relationships" xmlns:p="http://schemas.openxmlformats.org/presentationml/2006/main">
   <p:cSld>
     <p:bg>
-      <p:bgRef idx="1001">
-        <a:schemeClr val="bg2"/>
-      </p:bgRef>
+      <p:bgPr>
+        <a:gradFill flip="none" rotWithShape="1">
+          <a:gsLst>
+            <a:gs pos="0">
+              <a:schemeClr val="bg1">
+                <a:lumMod val="75000"/>
+                <a:lumOff val="25000"/>
+              </a:schemeClr>
+            </a:gs>
+            <a:gs pos="100000">
+              <a:schemeClr val="bg1"/>
+            </a:gs>
+          </a:gsLst>
+          <a:path path="circle">
+            <a:fillToRect l="50000" t="50000" r="50000" b="50000"/>
+          </a:path>
+          <a:tileRect/>
+        </a:gradFill>
+        <a:effectLst/>
+      </p:bgPr>
     </p:bg>
     <p:spTree>
       <p:nvGrpSpPr>
@@ -2938,203 +2603,7 @@
       </p:grpSpPr>
       <p:sp>
         <p:nvSpPr>
-          <p:cNvPr id="12" name="Freeform 11"/>
-          <p:cNvSpPr>
-            <a:spLocks/>
-          </p:cNvSpPr>
-          <p:nvPr/>
-        </p:nvSpPr>
-        <p:spPr bwMode="auto">
-          <a:xfrm>
-            <a:off x="0" y="4752126"/>
-            <a:ext cx="9144000" cy="2112962"/>
-          </a:xfrm>
-          <a:custGeom>
-            <a:avLst>
-              <a:gd name="A1" fmla="val 0"/>
-              <a:gd name="A2" fmla="val 0"/>
-              <a:gd name="A3" fmla="val 0"/>
-              <a:gd name="A4" fmla="val 0"/>
-              <a:gd name="A5" fmla="val 0"/>
-              <a:gd name="A6" fmla="val 0"/>
-              <a:gd name="A7" fmla="val 0"/>
-              <a:gd name="A8" fmla="val 0"/>
-            </a:avLst>
-            <a:gdLst/>
-            <a:ahLst/>
-            <a:cxnLst>
-              <a:cxn ang="0">
-                <a:pos x="0" y="1066"/>
-              </a:cxn>
-              <a:cxn ang="0">
-                <a:pos x="0" y="1331"/>
-              </a:cxn>
-              <a:cxn ang="0">
-                <a:pos x="5760" y="1331"/>
-              </a:cxn>
-              <a:cxn ang="0">
-                <a:pos x="5760" y="0"/>
-              </a:cxn>
-              <a:cxn ang="0">
-                <a:pos x="0" y="1066"/>
-              </a:cxn>
-            </a:cxnLst>
-            <a:rect l="0" t="0" r="0" b="0"/>
-            <a:pathLst>
-              <a:path w="5760" h="1331">
-                <a:moveTo>
-                  <a:pt x="0" y="1066"/>
-                </a:moveTo>
-                <a:lnTo>
-                  <a:pt x="0" y="1331"/>
-                </a:lnTo>
-                <a:lnTo>
-                  <a:pt x="5760" y="1331"/>
-                </a:lnTo>
-                <a:lnTo>
-                  <a:pt x="5760" y="0"/>
-                </a:lnTo>
-                <a:cubicBezTo>
-                  <a:pt x="3220" y="1206"/>
-                  <a:pt x="2250" y="1146"/>
-                  <a:pt x="0" y="1066"/>
-                </a:cubicBezTo>
-                <a:close/>
-              </a:path>
-            </a:pathLst>
-          </a:custGeom>
-          <a:solidFill>
-            <a:schemeClr val="bg1">
-              <a:tint val="80000"/>
-              <a:satMod val="200000"/>
-              <a:alpha val="45000"/>
-            </a:schemeClr>
-          </a:solidFill>
-          <a:ln w="9525" cap="flat" cmpd="sng" algn="ctr">
-            <a:noFill/>
-            <a:prstDash val="solid"/>
-            <a:round/>
-            <a:headEnd type="none" w="med" len="med"/>
-            <a:tailEnd type="none" w="med" len="med"/>
-          </a:ln>
-          <a:effectLst>
-            <a:outerShdw blurRad="50800" dist="44450" dir="16200000" algn="ctr" rotWithShape="0">
-              <a:prstClr val="black">
-                <a:alpha val="35000"/>
-              </a:prstClr>
-            </a:outerShdw>
-          </a:effectLst>
-        </p:spPr>
-        <p:txBody>
-          <a:bodyPr vert="horz" wrap="square" lIns="91440" tIns="45720" rIns="91440" bIns="45720" anchor="t" compatLnSpc="1"/>
-          <a:lstStyle/>
-          <a:p>
-            <a:endParaRPr kumimoji="0" lang="en-US"/>
-          </a:p>
-        </p:txBody>
-      </p:sp>
-      <p:sp>
-        <p:nvSpPr>
-          <p:cNvPr id="16" name="Freeform 15"/>
-          <p:cNvSpPr>
-            <a:spLocks/>
-          </p:cNvSpPr>
-          <p:nvPr/>
-        </p:nvSpPr>
-        <p:spPr bwMode="auto">
-          <a:xfrm>
-            <a:off x="7315200" y="0"/>
-            <a:ext cx="1828800" cy="6858000"/>
-          </a:xfrm>
-          <a:custGeom>
-            <a:avLst/>
-            <a:gdLst>
-              <a:gd name="connsiteX0" fmla="*/ 1914 w 1914"/>
-              <a:gd name="connsiteY0" fmla="*/ 9 h 4329"/>
-              <a:gd name="connsiteX1" fmla="*/ 1914 w 1914"/>
-              <a:gd name="connsiteY1" fmla="*/ 4329 h 4329"/>
-              <a:gd name="connsiteX2" fmla="*/ 204 w 1914"/>
-              <a:gd name="connsiteY2" fmla="*/ 4327 h 4329"/>
-              <a:gd name="connsiteX3" fmla="*/ 0 w 1914"/>
-              <a:gd name="connsiteY3" fmla="*/ 0 h 4329"/>
-              <a:gd name="connsiteX4" fmla="*/ 1914 w 1914"/>
-              <a:gd name="connsiteY4" fmla="*/ 9 h 4329"/>
-            </a:gdLst>
-            <a:ahLst/>
-            <a:cxnLst>
-              <a:cxn ang="0">
-                <a:pos x="connsiteX0" y="connsiteY0"/>
-              </a:cxn>
-              <a:cxn ang="0">
-                <a:pos x="connsiteX1" y="connsiteY1"/>
-              </a:cxn>
-              <a:cxn ang="0">
-                <a:pos x="connsiteX2" y="connsiteY2"/>
-              </a:cxn>
-              <a:cxn ang="0">
-                <a:pos x="connsiteX3" y="connsiteY3"/>
-              </a:cxn>
-              <a:cxn ang="0">
-                <a:pos x="connsiteX4" y="connsiteY4"/>
-              </a:cxn>
-            </a:cxnLst>
-            <a:rect l="l" t="t" r="r" b="b"/>
-            <a:pathLst>
-              <a:path w="1914" h="4329">
-                <a:moveTo>
-                  <a:pt x="1914" y="9"/>
-                </a:moveTo>
-                <a:lnTo>
-                  <a:pt x="1914" y="4329"/>
-                </a:lnTo>
-                <a:lnTo>
-                  <a:pt x="204" y="4327"/>
-                </a:lnTo>
-                <a:cubicBezTo>
-                  <a:pt x="1288" y="3574"/>
-                  <a:pt x="2082" y="1734"/>
-                  <a:pt x="0" y="0"/>
-                </a:cubicBezTo>
-                <a:lnTo>
-                  <a:pt x="1914" y="9"/>
-                </a:lnTo>
-                <a:close/>
-              </a:path>
-            </a:pathLst>
-          </a:custGeom>
-          <a:solidFill>
-            <a:schemeClr val="bg1">
-              <a:tint val="90000"/>
-              <a:satMod val="350000"/>
-              <a:alpha val="40000"/>
-            </a:schemeClr>
-          </a:solidFill>
-          <a:ln w="9525" cap="flat" cmpd="sng" algn="ctr">
-            <a:noFill/>
-            <a:prstDash val="solid"/>
-            <a:round/>
-            <a:headEnd type="none" w="med" len="med"/>
-            <a:tailEnd type="none" w="med" len="med"/>
-          </a:ln>
-          <a:effectLst>
-            <a:outerShdw blurRad="50800" dist="50800" dir="10800000" algn="ctr" rotWithShape="0">
-              <a:prstClr val="black">
-                <a:alpha val="45000"/>
-              </a:prstClr>
-            </a:outerShdw>
-          </a:effectLst>
-        </p:spPr>
-        <p:txBody>
-          <a:bodyPr vert="horz" wrap="square" lIns="91440" tIns="45720" rIns="91440" bIns="45720" anchor="t" compatLnSpc="1"/>
-          <a:lstStyle/>
-          <a:p>
-            <a:endParaRPr kumimoji="0" lang="en-US"/>
-          </a:p>
-        </p:txBody>
-      </p:sp>
-      <p:sp>
-        <p:nvSpPr>
-          <p:cNvPr id="9" name="Title Placeholder 8"/>
+          <p:cNvPr id="2" name="Title Placeholder 1"/>
           <p:cNvSpPr>
             <a:spLocks noGrp="1"/>
           </p:cNvSpPr>
@@ -3145,29 +2614,29 @@
         <p:spPr>
           <a:xfrm>
             <a:off x="457200" y="274638"/>
-            <a:ext cx="7467600" cy="1143000"/>
+            <a:ext cx="8229600" cy="1143000"/>
           </a:xfrm>
           <a:prstGeom prst="rect">
             <a:avLst/>
           </a:prstGeom>
         </p:spPr>
         <p:txBody>
-          <a:bodyPr vert="horz" lIns="45720" rIns="45720" anchor="ctr">
+          <a:bodyPr vert="horz" lIns="91440" tIns="45720" rIns="91440" bIns="45720" rtlCol="0" anchor="ctr">
             <a:normAutofit/>
           </a:bodyPr>
           <a:lstStyle/>
           <a:p>
             <a:r>
-              <a:rPr kumimoji="0" lang="en-US" smtClean="0"/>
+              <a:rPr lang="en-US" smtClean="0"/>
               <a:t>Click to edit Master title style</a:t>
             </a:r>
-            <a:endParaRPr kumimoji="0" lang="en-US"/>
-          </a:p>
-        </p:txBody>
-      </p:sp>
-      <p:sp>
-        <p:nvSpPr>
-          <p:cNvPr id="30" name="Text Placeholder 29"/>
+            <a:endParaRPr lang="en-US"/>
+          </a:p>
+        </p:txBody>
+      </p:sp>
+      <p:sp>
+        <p:nvSpPr>
+          <p:cNvPr id="3" name="Text Placeholder 2"/>
           <p:cNvSpPr>
             <a:spLocks noGrp="1"/>
           </p:cNvSpPr>
@@ -3178,58 +2647,58 @@
         <p:spPr>
           <a:xfrm>
             <a:off x="457200" y="1600200"/>
-            <a:ext cx="7467600" cy="4525963"/>
+            <a:ext cx="8229600" cy="4525963"/>
           </a:xfrm>
           <a:prstGeom prst="rect">
             <a:avLst/>
           </a:prstGeom>
         </p:spPr>
         <p:txBody>
-          <a:bodyPr vert="horz">
+          <a:bodyPr vert="horz" lIns="91440" tIns="45720" rIns="91440" bIns="45720" rtlCol="0">
             <a:normAutofit/>
           </a:bodyPr>
           <a:lstStyle/>
           <a:p>
-            <a:pPr lvl="0" eaLnBrk="1" latinLnBrk="0" hangingPunct="1"/>
-            <a:r>
-              <a:rPr kumimoji="0" lang="en-US" smtClean="0"/>
+            <a:pPr lvl="0"/>
+            <a:r>
+              <a:rPr lang="en-US" smtClean="0"/>
               <a:t>Click to edit Master text styles</a:t>
             </a:r>
           </a:p>
           <a:p>
-            <a:pPr lvl="1" eaLnBrk="1" latinLnBrk="0" hangingPunct="1"/>
-            <a:r>
-              <a:rPr kumimoji="0" lang="en-US" smtClean="0"/>
+            <a:pPr lvl="1"/>
+            <a:r>
+              <a:rPr lang="en-US" smtClean="0"/>
               <a:t>Second level</a:t>
             </a:r>
           </a:p>
           <a:p>
-            <a:pPr lvl="2" eaLnBrk="1" latinLnBrk="0" hangingPunct="1"/>
-            <a:r>
-              <a:rPr kumimoji="0" lang="en-US" smtClean="0"/>
+            <a:pPr lvl="2"/>
+            <a:r>
+              <a:rPr lang="en-US" smtClean="0"/>
               <a:t>Third level</a:t>
             </a:r>
           </a:p>
           <a:p>
-            <a:pPr lvl="3" eaLnBrk="1" latinLnBrk="0" hangingPunct="1"/>
-            <a:r>
-              <a:rPr kumimoji="0" lang="en-US" smtClean="0"/>
+            <a:pPr lvl="3"/>
+            <a:r>
+              <a:rPr lang="en-US" smtClean="0"/>
               <a:t>Fourth level</a:t>
             </a:r>
           </a:p>
           <a:p>
-            <a:pPr lvl="4" eaLnBrk="1" latinLnBrk="0" hangingPunct="1"/>
-            <a:r>
-              <a:rPr kumimoji="0" lang="en-US" smtClean="0"/>
+            <a:pPr lvl="4"/>
+            <a:r>
+              <a:rPr lang="en-US" smtClean="0"/>
               <a:t>Fifth level</a:t>
             </a:r>
-            <a:endParaRPr kumimoji="0" lang="en-US"/>
-          </a:p>
-        </p:txBody>
-      </p:sp>
-      <p:sp>
-        <p:nvSpPr>
-          <p:cNvPr id="10" name="Date Placeholder 9"/>
+            <a:endParaRPr lang="en-US"/>
+          </a:p>
+        </p:txBody>
+      </p:sp>
+      <p:sp>
+        <p:nvSpPr>
+          <p:cNvPr id="4" name="Date Placeholder 3"/>
           <p:cNvSpPr>
             <a:spLocks noGrp="1"/>
           </p:cNvSpPr>
@@ -3239,7 +2708,7 @@
         </p:nvSpPr>
         <p:spPr>
           <a:xfrm>
-            <a:off x="457200" y="6422064"/>
+            <a:off x="457200" y="6356350"/>
             <a:ext cx="2133600" cy="365125"/>
           </a:xfrm>
           <a:prstGeom prst="rect">
@@ -3247,13 +2716,13 @@
           </a:prstGeom>
         </p:spPr>
         <p:txBody>
-          <a:bodyPr vert="horz" bIns="0" anchor="b"/>
+          <a:bodyPr vert="horz" lIns="91440" tIns="45720" rIns="91440" bIns="45720" rtlCol="0" anchor="ctr"/>
           <a:lstStyle>
-            <a:lvl1pPr algn="l" eaLnBrk="1" latinLnBrk="0" hangingPunct="1">
-              <a:defRPr kumimoji="0" sz="1000">
+            <a:lvl1pPr algn="l">
+              <a:defRPr sz="1200">
                 <a:solidFill>
-                  <a:schemeClr val="tx2">
-                    <a:shade val="50000"/>
+                  <a:schemeClr val="tx1">
+                    <a:tint val="75000"/>
                   </a:schemeClr>
                 </a:solidFill>
               </a:defRPr>
@@ -3263,7 +2732,7 @@
             <a:fld id="{60029C98-5D54-43BD-B436-29F4C541DD0B}" type="datetimeFigureOut">
               <a:rPr lang="en-US" smtClean="0"/>
               <a:pPr/>
-              <a:t>9/19/2009</a:t>
+              <a:t>9/23/2009</a:t>
             </a:fld>
             <a:endParaRPr lang="en-US"/>
           </a:p>
@@ -3271,7 +2740,7 @@
       </p:sp>
       <p:sp>
         <p:nvSpPr>
-          <p:cNvPr id="22" name="Footer Placeholder 21"/>
+          <p:cNvPr id="5" name="Footer Placeholder 4"/>
           <p:cNvSpPr>
             <a:spLocks noGrp="1"/>
           </p:cNvSpPr>
@@ -3281,7 +2750,7 @@
         </p:nvSpPr>
         <p:spPr>
           <a:xfrm>
-            <a:off x="3124200" y="6422064"/>
+            <a:off x="3124200" y="6356350"/>
             <a:ext cx="2895600" cy="365125"/>
           </a:xfrm>
           <a:prstGeom prst="rect">
@@ -3289,13 +2758,13 @@
           </a:prstGeom>
         </p:spPr>
         <p:txBody>
-          <a:bodyPr vert="horz" lIns="0" rIns="0" bIns="0" anchor="b"/>
+          <a:bodyPr vert="horz" lIns="91440" tIns="45720" rIns="91440" bIns="45720" rtlCol="0" anchor="ctr"/>
           <a:lstStyle>
-            <a:lvl1pPr algn="ctr" eaLnBrk="1" latinLnBrk="0" hangingPunct="1">
-              <a:defRPr kumimoji="0" sz="1000">
+            <a:lvl1pPr algn="ctr">
+              <a:defRPr sz="1200">
                 <a:solidFill>
-                  <a:schemeClr val="tx2">
-                    <a:shade val="50000"/>
+                  <a:schemeClr val="tx1">
+                    <a:tint val="75000"/>
                   </a:schemeClr>
                 </a:solidFill>
               </a:defRPr>
@@ -3308,7 +2777,7 @@
       </p:sp>
       <p:sp>
         <p:nvSpPr>
-          <p:cNvPr id="18" name="Slide Number Placeholder 17"/>
+          <p:cNvPr id="6" name="Slide Number Placeholder 5"/>
           <p:cNvSpPr>
             <a:spLocks noGrp="1"/>
           </p:cNvSpPr>
@@ -3318,21 +2787,21 @@
         </p:nvSpPr>
         <p:spPr>
           <a:xfrm>
-            <a:off x="8153400" y="6422064"/>
-            <a:ext cx="762000" cy="365125"/>
+            <a:off x="6553200" y="6356350"/>
+            <a:ext cx="2133600" cy="365125"/>
           </a:xfrm>
           <a:prstGeom prst="rect">
             <a:avLst/>
           </a:prstGeom>
         </p:spPr>
         <p:txBody>
-          <a:bodyPr vert="horz" lIns="0" tIns="0" rIns="0" bIns="0" anchor="b"/>
+          <a:bodyPr vert="horz" lIns="91440" tIns="45720" rIns="91440" bIns="45720" rtlCol="0" anchor="ctr"/>
           <a:lstStyle>
-            <a:lvl1pPr algn="r" eaLnBrk="1" latinLnBrk="0" hangingPunct="1">
-              <a:defRPr kumimoji="0" sz="1000">
+            <a:lvl1pPr algn="r">
+              <a:defRPr sz="1200">
                 <a:solidFill>
-                  <a:schemeClr val="tx2">
-                    <a:shade val="50000"/>
+                  <a:schemeClr val="tx1">
+                    <a:tint val="75000"/>
                   </a:schemeClr>
                 </a:solidFill>
               </a:defRPr>
@@ -3352,26 +2821,26 @@
   </p:cSld>
   <p:clrMap bg1="dk1" tx1="lt1" bg2="dk2" tx2="lt2" accent1="accent1" accent2="accent2" accent3="accent3" accent4="accent4" accent5="accent5" accent6="accent6" hlink="hlink" folHlink="folHlink"/>
   <p:sldLayoutIdLst>
-    <p:sldLayoutId id="2147483769" r:id="rId1"/>
-    <p:sldLayoutId id="2147483770" r:id="rId2"/>
-    <p:sldLayoutId id="2147483771" r:id="rId3"/>
-    <p:sldLayoutId id="2147483772" r:id="rId4"/>
-    <p:sldLayoutId id="2147483773" r:id="rId5"/>
-    <p:sldLayoutId id="2147483774" r:id="rId6"/>
-    <p:sldLayoutId id="2147483775" r:id="rId7"/>
-    <p:sldLayoutId id="2147483776" r:id="rId8"/>
-    <p:sldLayoutId id="2147483777" r:id="rId9"/>
-    <p:sldLayoutId id="2147483778" r:id="rId10"/>
-    <p:sldLayoutId id="2147483779" r:id="rId11"/>
+    <p:sldLayoutId id="2147483781" r:id="rId1"/>
+    <p:sldLayoutId id="2147483782" r:id="rId2"/>
+    <p:sldLayoutId id="2147483783" r:id="rId3"/>
+    <p:sldLayoutId id="2147483784" r:id="rId4"/>
+    <p:sldLayoutId id="2147483785" r:id="rId5"/>
+    <p:sldLayoutId id="2147483786" r:id="rId6"/>
+    <p:sldLayoutId id="2147483787" r:id="rId7"/>
+    <p:sldLayoutId id="2147483788" r:id="rId8"/>
+    <p:sldLayoutId id="2147483789" r:id="rId9"/>
+    <p:sldLayoutId id="2147483790" r:id="rId10"/>
+    <p:sldLayoutId id="2147483791" r:id="rId11"/>
   </p:sldLayoutIdLst>
   <p:txStyles>
     <p:titleStyle>
-      <a:lvl1pPr algn="l" rtl="0" eaLnBrk="1" latinLnBrk="0" hangingPunct="1">
+      <a:lvl1pPr algn="ctr" defTabSz="914400" rtl="0" eaLnBrk="1" latinLnBrk="0" hangingPunct="1">
         <a:spcBef>
           <a:spcPct val="0"/>
         </a:spcBef>
         <a:buNone/>
-        <a:defRPr kumimoji="0" sz="4600" kern="1200">
+        <a:defRPr sz="4400" kern="1200">
           <a:solidFill>
             <a:schemeClr val="tx1"/>
           </a:solidFill>
@@ -3382,17 +2851,13 @@
       </a:lvl1pPr>
     </p:titleStyle>
     <p:bodyStyle>
-      <a:lvl1pPr marL="420624" indent="-384048" algn="l" rtl="0" eaLnBrk="1" latinLnBrk="0" hangingPunct="1">
+      <a:lvl1pPr marL="342900" indent="-342900" algn="l" defTabSz="914400" rtl="0" eaLnBrk="1" latinLnBrk="0" hangingPunct="1">
         <a:spcBef>
           <a:spcPct val="20000"/>
         </a:spcBef>
-        <a:buClr>
-          <a:schemeClr val="accent1"/>
-        </a:buClr>
-        <a:buSzPct val="80000"/>
-        <a:buFont typeface="Wingdings 2"/>
-        <a:buChar char=""/>
-        <a:defRPr kumimoji="0" sz="3000" kern="1200">
+        <a:buFont typeface="Arial" pitchFamily="34" charset="0"/>
+        <a:buChar char="•"/>
+        <a:defRPr sz="3200" kern="1200">
           <a:solidFill>
             <a:schemeClr val="tx1"/>
           </a:solidFill>
@@ -3401,17 +2866,13 @@
           <a:cs typeface="+mn-cs"/>
         </a:defRPr>
       </a:lvl1pPr>
-      <a:lvl2pPr marL="722376" indent="-274320" algn="l" rtl="0" eaLnBrk="1" latinLnBrk="0" hangingPunct="1">
+      <a:lvl2pPr marL="742950" indent="-285750" algn="l" defTabSz="914400" rtl="0" eaLnBrk="1" latinLnBrk="0" hangingPunct="1">
         <a:spcBef>
           <a:spcPct val="20000"/>
         </a:spcBef>
-        <a:buClr>
-          <a:schemeClr val="accent1"/>
-        </a:buClr>
-        <a:buSzPct val="90000"/>
-        <a:buFont typeface="Wingdings 2"/>
-        <a:buChar char=""/>
-        <a:defRPr kumimoji="0" sz="2600" kern="1200">
+        <a:buFont typeface="Arial" pitchFamily="34" charset="0"/>
+        <a:buChar char="–"/>
+        <a:defRPr sz="2800" kern="1200">
           <a:solidFill>
             <a:schemeClr val="tx1"/>
           </a:solidFill>
@@ -3420,17 +2881,13 @@
           <a:cs typeface="+mn-cs"/>
         </a:defRPr>
       </a:lvl2pPr>
-      <a:lvl3pPr marL="1005840" indent="-256032" algn="l" rtl="0" eaLnBrk="1" latinLnBrk="0" hangingPunct="1">
+      <a:lvl3pPr marL="1143000" indent="-228600" algn="l" defTabSz="914400" rtl="0" eaLnBrk="1" latinLnBrk="0" hangingPunct="1">
         <a:spcBef>
           <a:spcPct val="20000"/>
         </a:spcBef>
-        <a:buClr>
-          <a:schemeClr val="accent2"/>
-        </a:buClr>
-        <a:buSzPct val="85000"/>
-        <a:buFont typeface="Arial"/>
-        <a:buChar char="○"/>
-        <a:defRPr kumimoji="0" sz="2400" kern="1200">
+        <a:buFont typeface="Arial" pitchFamily="34" charset="0"/>
+        <a:buChar char="•"/>
+        <a:defRPr sz="2400" kern="1200">
           <a:solidFill>
             <a:schemeClr val="tx1"/>
           </a:solidFill>
@@ -3439,17 +2896,13 @@
           <a:cs typeface="+mn-cs"/>
         </a:defRPr>
       </a:lvl3pPr>
-      <a:lvl4pPr marL="1280160" indent="-237744" algn="l" rtl="0" eaLnBrk="1" latinLnBrk="0" hangingPunct="1">
+      <a:lvl4pPr marL="1600200" indent="-228600" algn="l" defTabSz="914400" rtl="0" eaLnBrk="1" latinLnBrk="0" hangingPunct="1">
         <a:spcBef>
           <a:spcPct val="20000"/>
         </a:spcBef>
-        <a:buClr>
-          <a:schemeClr val="accent3"/>
-        </a:buClr>
-        <a:buSzPct val="90000"/>
-        <a:buFont typeface="Wingdings 2"/>
-        <a:buChar char=""/>
-        <a:defRPr kumimoji="0" sz="2000" kern="1200">
+        <a:buFont typeface="Arial" pitchFamily="34" charset="0"/>
+        <a:buChar char="–"/>
+        <a:defRPr sz="2000" kern="1200">
           <a:solidFill>
             <a:schemeClr val="tx1"/>
           </a:solidFill>
@@ -3458,17 +2911,13 @@
           <a:cs typeface="+mn-cs"/>
         </a:defRPr>
       </a:lvl4pPr>
-      <a:lvl5pPr marL="1490472" indent="-182880" algn="l" rtl="0" eaLnBrk="1" latinLnBrk="0" hangingPunct="1">
+      <a:lvl5pPr marL="2057400" indent="-228600" algn="l" defTabSz="914400" rtl="0" eaLnBrk="1" latinLnBrk="0" hangingPunct="1">
         <a:spcBef>
           <a:spcPct val="20000"/>
         </a:spcBef>
-        <a:buClr>
-          <a:schemeClr val="accent4"/>
-        </a:buClr>
-        <a:buSzPct val="100000"/>
-        <a:buFont typeface="Arial"/>
-        <a:buChar char="-"/>
-        <a:defRPr kumimoji="0" sz="2000" kern="1200">
+        <a:buFont typeface="Arial" pitchFamily="34" charset="0"/>
+        <a:buChar char="»"/>
+        <a:defRPr sz="2000" kern="1200">
           <a:solidFill>
             <a:schemeClr val="tx1"/>
           </a:solidFill>
@@ -3477,16 +2926,13 @@
           <a:cs typeface="+mn-cs"/>
         </a:defRPr>
       </a:lvl5pPr>
-      <a:lvl6pPr marL="1700784" indent="-182880" algn="l" rtl="0" eaLnBrk="1" latinLnBrk="0" hangingPunct="1">
+      <a:lvl6pPr marL="2514600" indent="-228600" algn="l" defTabSz="914400" rtl="0" eaLnBrk="1" latinLnBrk="0" hangingPunct="1">
         <a:spcBef>
           <a:spcPct val="20000"/>
         </a:spcBef>
-        <a:buClr>
-          <a:schemeClr val="accent5"/>
-        </a:buClr>
-        <a:buFont typeface="Arial"/>
-        <a:buChar char="-"/>
-        <a:defRPr kumimoji="0" sz="2000" kern="1200" baseline="0">
+        <a:buFont typeface="Arial" pitchFamily="34" charset="0"/>
+        <a:buChar char="•"/>
+        <a:defRPr sz="2000" kern="1200">
           <a:solidFill>
             <a:schemeClr val="tx1"/>
           </a:solidFill>
@@ -3495,17 +2941,13 @@
           <a:cs typeface="+mn-cs"/>
         </a:defRPr>
       </a:lvl6pPr>
-      <a:lvl7pPr marL="1920240" indent="-182880" algn="l" rtl="0" eaLnBrk="1" latinLnBrk="0" hangingPunct="1">
+      <a:lvl7pPr marL="2971800" indent="-228600" algn="l" defTabSz="914400" rtl="0" eaLnBrk="1" latinLnBrk="0" hangingPunct="1">
         <a:spcBef>
           <a:spcPct val="20000"/>
         </a:spcBef>
-        <a:buClr>
-          <a:schemeClr val="accent6"/>
-        </a:buClr>
-        <a:buSzPct val="100000"/>
-        <a:buFont typeface="Arial"/>
+        <a:buFont typeface="Arial" pitchFamily="34" charset="0"/>
         <a:buChar char="•"/>
-        <a:defRPr kumimoji="0" sz="1800" kern="1200" baseline="0">
+        <a:defRPr sz="2000" kern="1200">
           <a:solidFill>
             <a:schemeClr val="tx1"/>
           </a:solidFill>
@@ -3514,16 +2956,13 @@
           <a:cs typeface="+mn-cs"/>
         </a:defRPr>
       </a:lvl7pPr>
-      <a:lvl8pPr marL="2139696" indent="-182880" algn="l" rtl="0" eaLnBrk="1" latinLnBrk="0" hangingPunct="1">
+      <a:lvl8pPr marL="3429000" indent="-228600" algn="l" defTabSz="914400" rtl="0" eaLnBrk="1" latinLnBrk="0" hangingPunct="1">
         <a:spcBef>
           <a:spcPct val="20000"/>
         </a:spcBef>
-        <a:buClr>
-          <a:schemeClr val="accent6"/>
-        </a:buClr>
-        <a:buFont typeface="Arial"/>
-        <a:buChar char="▪"/>
-        <a:defRPr kumimoji="0" sz="1600" kern="1200">
+        <a:buFont typeface="Arial" pitchFamily="34" charset="0"/>
+        <a:buChar char="•"/>
+        <a:defRPr sz="2000" kern="1200">
           <a:solidFill>
             <a:schemeClr val="tx1"/>
           </a:solidFill>
@@ -3532,16 +2971,13 @@
           <a:cs typeface="+mn-cs"/>
         </a:defRPr>
       </a:lvl8pPr>
-      <a:lvl9pPr marL="2331720" indent="-182880" algn="l" rtl="0" eaLnBrk="1" latinLnBrk="0" hangingPunct="1">
+      <a:lvl9pPr marL="3886200" indent="-228600" algn="l" defTabSz="914400" rtl="0" eaLnBrk="1" latinLnBrk="0" hangingPunct="1">
         <a:spcBef>
           <a:spcPct val="20000"/>
         </a:spcBef>
-        <a:buClr>
-          <a:schemeClr val="accent6"/>
-        </a:buClr>
-        <a:buFont typeface="Arial"/>
+        <a:buFont typeface="Arial" pitchFamily="34" charset="0"/>
         <a:buChar char="•"/>
-        <a:defRPr kumimoji="0" sz="1600" kern="1200">
+        <a:defRPr sz="2000" kern="1200">
           <a:solidFill>
             <a:schemeClr val="tx1"/>
           </a:solidFill>
@@ -3552,8 +2988,11 @@
       </a:lvl9pPr>
     </p:bodyStyle>
     <p:otherStyle>
-      <a:lvl1pPr marL="0" algn="l" rtl="0" eaLnBrk="1" latinLnBrk="0" hangingPunct="1">
-        <a:defRPr kumimoji="0" kern="1200">
+      <a:defPPr>
+        <a:defRPr lang="en-US"/>
+      </a:defPPr>
+      <a:lvl1pPr marL="0" algn="l" defTabSz="914400" rtl="0" eaLnBrk="1" latinLnBrk="0" hangingPunct="1">
+        <a:defRPr sz="1800" kern="1200">
           <a:solidFill>
             <a:schemeClr val="tx1"/>
           </a:solidFill>
@@ -3562,8 +3001,8 @@
           <a:cs typeface="+mn-cs"/>
         </a:defRPr>
       </a:lvl1pPr>
-      <a:lvl2pPr marL="457200" algn="l" rtl="0" eaLnBrk="1" latinLnBrk="0" hangingPunct="1">
-        <a:defRPr kumimoji="0" kern="1200">
+      <a:lvl2pPr marL="457200" algn="l" defTabSz="914400" rtl="0" eaLnBrk="1" latinLnBrk="0" hangingPunct="1">
+        <a:defRPr sz="1800" kern="1200">
           <a:solidFill>
             <a:schemeClr val="tx1"/>
           </a:solidFill>
@@ -3572,8 +3011,8 @@
           <a:cs typeface="+mn-cs"/>
         </a:defRPr>
       </a:lvl2pPr>
-      <a:lvl3pPr marL="914400" algn="l" rtl="0" eaLnBrk="1" latinLnBrk="0" hangingPunct="1">
-        <a:defRPr kumimoji="0" kern="1200">
+      <a:lvl3pPr marL="914400" algn="l" defTabSz="914400" rtl="0" eaLnBrk="1" latinLnBrk="0" hangingPunct="1">
+        <a:defRPr sz="1800" kern="1200">
           <a:solidFill>
             <a:schemeClr val="tx1"/>
           </a:solidFill>
@@ -3582,8 +3021,8 @@
           <a:cs typeface="+mn-cs"/>
         </a:defRPr>
       </a:lvl3pPr>
-      <a:lvl4pPr marL="1371600" algn="l" rtl="0" eaLnBrk="1" latinLnBrk="0" hangingPunct="1">
-        <a:defRPr kumimoji="0" kern="1200">
+      <a:lvl4pPr marL="1371600" algn="l" defTabSz="914400" rtl="0" eaLnBrk="1" latinLnBrk="0" hangingPunct="1">
+        <a:defRPr sz="1800" kern="1200">
           <a:solidFill>
             <a:schemeClr val="tx1"/>
           </a:solidFill>
@@ -3592,8 +3031,8 @@
           <a:cs typeface="+mn-cs"/>
         </a:defRPr>
       </a:lvl4pPr>
-      <a:lvl5pPr marL="1828800" algn="l" rtl="0" eaLnBrk="1" latinLnBrk="0" hangingPunct="1">
-        <a:defRPr kumimoji="0" kern="1200">
+      <a:lvl5pPr marL="1828800" algn="l" defTabSz="914400" rtl="0" eaLnBrk="1" latinLnBrk="0" hangingPunct="1">
+        <a:defRPr sz="1800" kern="1200">
           <a:solidFill>
             <a:schemeClr val="tx1"/>
           </a:solidFill>
@@ -3602,8 +3041,8 @@
           <a:cs typeface="+mn-cs"/>
         </a:defRPr>
       </a:lvl5pPr>
-      <a:lvl6pPr marL="2286000" algn="l" rtl="0" eaLnBrk="1" latinLnBrk="0" hangingPunct="1">
-        <a:defRPr kumimoji="0" kern="1200">
+      <a:lvl6pPr marL="2286000" algn="l" defTabSz="914400" rtl="0" eaLnBrk="1" latinLnBrk="0" hangingPunct="1">
+        <a:defRPr sz="1800" kern="1200">
           <a:solidFill>
             <a:schemeClr val="tx1"/>
           </a:solidFill>
@@ -3612,8 +3051,8 @@
           <a:cs typeface="+mn-cs"/>
         </a:defRPr>
       </a:lvl6pPr>
-      <a:lvl7pPr marL="2743200" algn="l" rtl="0" eaLnBrk="1" latinLnBrk="0" hangingPunct="1">
-        <a:defRPr kumimoji="0" kern="1200">
+      <a:lvl7pPr marL="2743200" algn="l" defTabSz="914400" rtl="0" eaLnBrk="1" latinLnBrk="0" hangingPunct="1">
+        <a:defRPr sz="1800" kern="1200">
           <a:solidFill>
             <a:schemeClr val="tx1"/>
           </a:solidFill>
@@ -3622,8 +3061,8 @@
           <a:cs typeface="+mn-cs"/>
         </a:defRPr>
       </a:lvl7pPr>
-      <a:lvl8pPr marL="3200400" algn="l" rtl="0" eaLnBrk="1" latinLnBrk="0" hangingPunct="1">
-        <a:defRPr kumimoji="0" kern="1200">
+      <a:lvl8pPr marL="3200400" algn="l" defTabSz="914400" rtl="0" eaLnBrk="1" latinLnBrk="0" hangingPunct="1">
+        <a:defRPr sz="1800" kern="1200">
           <a:solidFill>
             <a:schemeClr val="tx1"/>
           </a:solidFill>
@@ -3632,8 +3071,8 @@
           <a:cs typeface="+mn-cs"/>
         </a:defRPr>
       </a:lvl8pPr>
-      <a:lvl9pPr marL="3657600" algn="l" rtl="0" eaLnBrk="1" latinLnBrk="0" hangingPunct="1">
-        <a:defRPr kumimoji="0" kern="1200">
+      <a:lvl9pPr marL="3657600" algn="l" defTabSz="914400" rtl="0" eaLnBrk="1" latinLnBrk="0" hangingPunct="1">
+        <a:defRPr sz="1800" kern="1200">
           <a:solidFill>
             <a:schemeClr val="tx1"/>
           </a:solidFill>
@@ -3769,7 +3208,7 @@
           <p:nvPr/>
         </p:nvPicPr>
         <p:blipFill>
-          <a:blip r:embed="rId2"/>
+          <a:blip r:embed="rId2" cstate="print"/>
           <a:srcRect/>
           <a:stretch>
             <a:fillRect/>
@@ -4075,7 +3514,7 @@
           <p:nvPr/>
         </p:nvPicPr>
         <p:blipFill>
-          <a:blip r:embed="rId2"/>
+          <a:blip r:embed="rId2" cstate="print"/>
           <a:srcRect/>
           <a:stretch>
             <a:fillRect/>
@@ -4225,7 +3664,7 @@
           <p:nvPr/>
         </p:nvPicPr>
         <p:blipFill>
-          <a:blip r:embed="rId2"/>
+          <a:blip r:embed="rId2" cstate="print"/>
           <a:srcRect/>
           <a:stretch>
             <a:fillRect/>
@@ -4266,15 +3705,15 @@
         </p:spPr>
         <p:style>
           <a:lnRef idx="2">
-            <a:schemeClr val="accent1">
+            <a:schemeClr val="accent2">
               <a:shade val="50000"/>
             </a:schemeClr>
           </a:lnRef>
           <a:fillRef idx="1">
-            <a:schemeClr val="accent1"/>
+            <a:schemeClr val="accent2"/>
           </a:fillRef>
           <a:effectRef idx="0">
-            <a:schemeClr val="accent1"/>
+            <a:schemeClr val="accent2"/>
           </a:effectRef>
           <a:fontRef idx="minor">
             <a:schemeClr val="lt1"/>
@@ -4366,15 +3805,15 @@
         </p:spPr>
         <p:style>
           <a:lnRef idx="2">
-            <a:schemeClr val="accent1">
+            <a:schemeClr val="accent2">
               <a:shade val="50000"/>
             </a:schemeClr>
           </a:lnRef>
           <a:fillRef idx="1">
-            <a:schemeClr val="accent1"/>
+            <a:schemeClr val="accent2"/>
           </a:fillRef>
           <a:effectRef idx="0">
-            <a:schemeClr val="accent1"/>
+            <a:schemeClr val="accent2"/>
           </a:effectRef>
           <a:fontRef idx="minor">
             <a:schemeClr val="lt1"/>
@@ -4482,7 +3921,7 @@
           <p:nvPr/>
         </p:nvPicPr>
         <p:blipFill>
-          <a:blip r:embed="rId2"/>
+          <a:blip r:embed="rId2" cstate="print"/>
           <a:srcRect/>
           <a:stretch>
             <a:fillRect/>
@@ -4674,7 +4113,7 @@
           <p:nvPr/>
         </p:nvPicPr>
         <p:blipFill>
-          <a:blip r:embed="rId2"/>
+          <a:blip r:embed="rId2" cstate="print"/>
           <a:srcRect/>
           <a:stretch>
             <a:fillRect/>
@@ -4707,7 +4146,7 @@
           <p:nvPr/>
         </p:nvPicPr>
         <p:blipFill>
-          <a:blip r:embed="rId3"/>
+          <a:blip r:embed="rId3" cstate="print"/>
           <a:srcRect/>
           <a:stretch>
             <a:fillRect/>
@@ -4809,13 +4248,13 @@
         <p:spPr/>
         <p:txBody>
           <a:bodyPr>
-            <a:normAutofit fontScale="90000"/>
+            <a:normAutofit/>
           </a:bodyPr>
           <a:lstStyle/>
           <a:p>
             <a:r>
               <a:rPr lang="en-US" dirty="0" smtClean="0"/>
-              <a:t>In my example on </a:t>
+              <a:t>On base </a:t>
             </a:r>
             <a:r>
               <a:rPr lang="en-US" dirty="0" err="1" smtClean="0"/>
@@ -4834,7 +4273,7 @@
           <p:nvPr/>
         </p:nvPicPr>
         <p:blipFill>
-          <a:blip r:embed="rId2"/>
+          <a:blip r:embed="rId2" cstate="print"/>
           <a:srcRect/>
           <a:stretch>
             <a:fillRect/>
@@ -4915,7 +4354,7 @@
           <p:nvPr/>
         </p:nvPicPr>
         <p:blipFill>
-          <a:blip r:embed="rId2"/>
+          <a:blip r:embed="rId2" cstate="print"/>
           <a:srcRect/>
           <a:stretch>
             <a:fillRect/>
@@ -5101,7 +4540,7 @@
           <p:nvPr/>
         </p:nvPicPr>
         <p:blipFill>
-          <a:blip r:embed="rId2"/>
+          <a:blip r:embed="rId2" cstate="print"/>
           <a:srcRect/>
           <a:stretch>
             <a:fillRect/>
@@ -5327,11 +4766,7 @@
           <a:p>
             <a:r>
               <a:rPr lang="en-US" dirty="0" smtClean="0"/>
-              <a:t>The Microsoft Enterprise Library is a collection of application blocks designed to assist developers with common enterprise development </a:t>
-            </a:r>
-            <a:r>
-              <a:rPr lang="en-US" dirty="0" smtClean="0"/>
-              <a:t>challenges</a:t>
+              <a:t>The Microsoft Enterprise Library is a collection of application blocks designed to assist developers with common enterprise development challenges</a:t>
             </a:r>
           </a:p>
           <a:p>
@@ -5438,7 +4873,7 @@
           <p:nvPr/>
         </p:nvPicPr>
         <p:blipFill>
-          <a:blip r:embed="rId2"/>
+          <a:blip r:embed="rId2" cstate="print"/>
           <a:srcRect/>
           <a:stretch>
             <a:fillRect/>
@@ -5571,7 +5006,13 @@
           <a:bodyPr/>
           <a:lstStyle/>
           <a:p>
-            <a:endParaRPr lang="en-US"/>
+            <a:r>
+              <a:rPr lang="en-US" dirty="0" smtClean="0"/>
+              <a:t>http://msdn.microsoft.com/en-us/library/dd203099.aspx</a:t>
+            </a:r>
+          </a:p>
+          <a:p>
+            <a:endParaRPr lang="en-US" dirty="0"/>
           </a:p>
         </p:txBody>
       </p:sp>
@@ -5932,7 +5373,7 @@
           <p:nvPr/>
         </p:nvPicPr>
         <p:blipFill>
-          <a:blip r:embed="rId2"/>
+          <a:blip r:embed="rId2" cstate="print"/>
           <a:srcRect/>
           <a:stretch>
             <a:fillRect/>
@@ -5965,7 +5406,7 @@
           <p:nvPr/>
         </p:nvPicPr>
         <p:blipFill>
-          <a:blip r:embed="rId3"/>
+          <a:blip r:embed="rId3" cstate="print"/>
           <a:srcRect/>
           <a:stretch>
             <a:fillRect/>
@@ -6087,7 +5528,7 @@
         <p:spPr/>
         <p:txBody>
           <a:bodyPr>
-            <a:normAutofit fontScale="90000"/>
+            <a:normAutofit/>
           </a:bodyPr>
           <a:lstStyle/>
           <a:p>
@@ -6108,7 +5549,7 @@
           <p:nvPr/>
         </p:nvPicPr>
         <p:blipFill>
-          <a:blip r:embed="rId2"/>
+          <a:blip r:embed="rId2" cstate="print"/>
           <a:srcRect/>
           <a:stretch>
             <a:fillRect/>
@@ -6140,8 +5581,8 @@
         </p:nvSpPr>
         <p:spPr>
           <a:xfrm>
-            <a:off x="6248400" y="1600200"/>
-            <a:ext cx="609600" cy="1219200"/>
+            <a:off x="6248400" y="1905000"/>
+            <a:ext cx="609600" cy="1066800"/>
           </a:xfrm>
           <a:prstGeom prst="downArrow">
             <a:avLst/>
@@ -6149,15 +5590,15 @@
         </p:spPr>
         <p:style>
           <a:lnRef idx="2">
-            <a:schemeClr val="accent1">
+            <a:schemeClr val="accent2">
               <a:shade val="50000"/>
             </a:schemeClr>
           </a:lnRef>
           <a:fillRef idx="1">
-            <a:schemeClr val="accent1"/>
+            <a:schemeClr val="accent2"/>
           </a:fillRef>
           <a:effectRef idx="0">
-            <a:schemeClr val="accent1"/>
+            <a:schemeClr val="accent2"/>
           </a:effectRef>
           <a:fontRef idx="minor">
             <a:schemeClr val="lt1"/>
@@ -6189,15 +5630,15 @@
         </p:spPr>
         <p:style>
           <a:lnRef idx="2">
-            <a:schemeClr val="accent1">
+            <a:schemeClr val="accent2">
               <a:shade val="50000"/>
             </a:schemeClr>
           </a:lnRef>
           <a:fillRef idx="1">
-            <a:schemeClr val="accent1"/>
+            <a:schemeClr val="accent2"/>
           </a:fillRef>
           <a:effectRef idx="0">
-            <a:schemeClr val="accent1"/>
+            <a:schemeClr val="accent2"/>
           </a:effectRef>
           <a:fontRef idx="minor">
             <a:schemeClr val="lt1"/>
@@ -6220,7 +5661,7 @@
         </p:nvSpPr>
         <p:spPr>
           <a:xfrm>
-            <a:off x="2819400" y="1143000"/>
+            <a:off x="2819400" y="1524000"/>
             <a:ext cx="4232762" cy="369332"/>
           </a:xfrm>
           <a:prstGeom prst="rect">
@@ -6426,7 +5867,7 @@
           <p:nvPr/>
         </p:nvPicPr>
         <p:blipFill>
-          <a:blip r:embed="rId2"/>
+          <a:blip r:embed="rId2" cstate="print"/>
           <a:srcRect/>
           <a:stretch>
             <a:fillRect/>
@@ -6565,7 +6006,7 @@
           <p:nvPr/>
         </p:nvPicPr>
         <p:blipFill>
-          <a:blip r:embed="rId3"/>
+          <a:blip r:embed="rId3" cstate="print"/>
           <a:srcRect/>
           <a:stretch>
             <a:fillRect/>
@@ -6598,9 +6039,9 @@
 </file>
 
 <file path=ppt/theme/theme1.xml><?xml version="1.0" encoding="utf-8"?>
-<a:theme xmlns:a="http://schemas.openxmlformats.org/drawingml/2006/main" name="Technic">
+<a:theme xmlns:a="http://schemas.openxmlformats.org/drawingml/2006/main" name="TechFest">
   <a:themeElements>
-    <a:clrScheme name="Technic">
+    <a:clrScheme name="Office">
       <a:dk1>
         <a:sysClr val="windowText" lastClr="000000"/>
       </a:dk1>
@@ -6608,107 +6049,49 @@
         <a:sysClr val="window" lastClr="FFFFFF"/>
       </a:lt1>
       <a:dk2>
-        <a:srgbClr val="3B3B3B"/>
+        <a:srgbClr val="1F497D"/>
       </a:dk2>
       <a:lt2>
-        <a:srgbClr val="D4D2D0"/>
+        <a:srgbClr val="EEECE1"/>
       </a:lt2>
       <a:accent1>
-        <a:srgbClr val="6EA0B0"/>
+        <a:srgbClr val="4F81BD"/>
       </a:accent1>
       <a:accent2>
-        <a:srgbClr val="CCAF0A"/>
+        <a:srgbClr val="C0504D"/>
       </a:accent2>
       <a:accent3>
-        <a:srgbClr val="8D89A4"/>
+        <a:srgbClr val="9BBB59"/>
       </a:accent3>
       <a:accent4>
-        <a:srgbClr val="748560"/>
+        <a:srgbClr val="8064A2"/>
       </a:accent4>
       <a:accent5>
-        <a:srgbClr val="9E9273"/>
+        <a:srgbClr val="4BACC6"/>
       </a:accent5>
       <a:accent6>
-        <a:srgbClr val="7E848D"/>
+        <a:srgbClr val="F79646"/>
       </a:accent6>
       <a:hlink>
-        <a:srgbClr val="00C8C3"/>
+        <a:srgbClr val="0000FF"/>
       </a:hlink>
       <a:folHlink>
-        <a:srgbClr val="A116E0"/>
+        <a:srgbClr val="800080"/>
       </a:folHlink>
     </a:clrScheme>
-    <a:fontScheme name="Technic">
+    <a:fontScheme name="TechFest">
       <a:majorFont>
-        <a:latin typeface="Franklin Gothic Book"/>
+        <a:latin typeface="FuturaTCEMed"/>
         <a:ea typeface=""/>
         <a:cs typeface=""/>
-        <a:font script="Jpan" typeface="ＭＳ Ｐゴシック"/>
-        <a:font script="Hang" typeface="HY견고딕"/>
-        <a:font script="Hans" typeface="宋体"/>
-        <a:font script="Hant" typeface="微軟正黑體"/>
-        <a:font script="Arab" typeface="Tahoma"/>
-        <a:font script="Hebr" typeface="Arial"/>
-        <a:font script="Thai" typeface="Cordia New"/>
-        <a:font script="Ethi" typeface="Nyala"/>
-        <a:font script="Beng" typeface="Vrinda"/>
-        <a:font script="Gujr" typeface="Shruti"/>
-        <a:font script="Khmr" typeface="DaunPenh"/>
-        <a:font script="Knda" typeface="Tunga"/>
-        <a:font script="Guru" typeface="Raavi"/>
-        <a:font script="Cans" typeface="Euphemia"/>
-        <a:font script="Cher" typeface="Plantagenet Cherokee"/>
-        <a:font script="Yiii" typeface="Microsoft Yi Baiti"/>
-        <a:font script="Tibt" typeface="Microsoft Himalaya"/>
-        <a:font script="Thaa" typeface="MV Boli"/>
-        <a:font script="Deva" typeface="Mangal"/>
-        <a:font script="Telu" typeface="Gautami"/>
-        <a:font script="Taml" typeface="Latha"/>
-        <a:font script="Syrc" typeface="Estrangelo Edessa"/>
-        <a:font script="Orya" typeface="Kalinga"/>
-        <a:font script="Mlym" typeface="Kartika"/>
-        <a:font script="Laoo" typeface="DokChampa"/>
-        <a:font script="Sinh" typeface="Iskoola Pota"/>
-        <a:font script="Mong" typeface="Mongolian Baiti"/>
-        <a:font script="Viet" typeface="Arial"/>
-        <a:font script="Uigh" typeface="Microsoft Uighur"/>
       </a:majorFont>
       <a:minorFont>
-        <a:latin typeface="Arial"/>
+        <a:latin typeface="FuturaTCEMed"/>
         <a:ea typeface=""/>
         <a:cs typeface=""/>
-        <a:font script="Jpan" typeface="HGｺﾞｼｯｸM"/>
-        <a:font script="Hang" typeface="HY중고딕"/>
-        <a:font script="Hans" typeface="黑体"/>
-        <a:font script="Hant" typeface="微軟正黑體"/>
-        <a:font script="Arab" typeface="Tahoma"/>
-        <a:font script="Hebr" typeface="Levenim MT"/>
-        <a:font script="Thai" typeface="LilyUPC"/>
-        <a:font script="Ethi" typeface="Nyala"/>
-        <a:font script="Beng" typeface="Vrinda"/>
-        <a:font script="Gujr" typeface="Shruti"/>
-        <a:font script="Khmr" typeface="DaunPenh"/>
-        <a:font script="Knda" typeface="Tunga"/>
-        <a:font script="Guru" typeface="Raavi"/>
-        <a:font script="Cans" typeface="Euphemia"/>
-        <a:font script="Cher" typeface="Plantagenet Cherokee"/>
-        <a:font script="Yiii" typeface="Microsoft Yi Baiti"/>
-        <a:font script="Tibt" typeface="Microsoft Himalaya"/>
-        <a:font script="Thaa" typeface="MV Boli"/>
-        <a:font script="Deva" typeface="Mangal"/>
-        <a:font script="Telu" typeface="Gautami"/>
-        <a:font script="Taml" typeface="Latha"/>
-        <a:font script="Syrc" typeface="Estrangelo Edessa"/>
-        <a:font script="Orya" typeface="Kalinga"/>
-        <a:font script="Mlym" typeface="Kartika"/>
-        <a:font script="Laoo" typeface="DokChampa"/>
-        <a:font script="Sinh" typeface="Iskoola Pota"/>
-        <a:font script="Mong" typeface="Mongolian Baiti"/>
-        <a:font script="Viet" typeface="Arial"/>
-        <a:font script="Uigh" typeface="Microsoft Uighur"/>
       </a:minorFont>
     </a:fontScheme>
-    <a:fmtScheme name="Technic">
+    <a:fmtScheme name="Office">
       <a:fillStyleLst>
         <a:solidFill>
           <a:schemeClr val="phClr"/>
@@ -6717,99 +6100,66 @@
           <a:gsLst>
             <a:gs pos="0">
               <a:schemeClr val="phClr">
-                <a:tint val="1000"/>
+                <a:tint val="50000"/>
+                <a:satMod val="300000"/>
               </a:schemeClr>
             </a:gs>
-            <a:gs pos="68000">
+            <a:gs pos="35000">
               <a:schemeClr val="phClr">
-                <a:tint val="77000"/>
-              </a:schemeClr>
-            </a:gs>
-            <a:gs pos="81000">
-              <a:schemeClr val="phClr">
-                <a:tint val="79000"/>
-              </a:schemeClr>
-            </a:gs>
-            <a:gs pos="86000">
-              <a:schemeClr val="phClr">
-                <a:tint val="73000"/>
+                <a:tint val="37000"/>
+                <a:satMod val="300000"/>
               </a:schemeClr>
             </a:gs>
             <a:gs pos="100000">
               <a:schemeClr val="phClr">
-                <a:tint val="35000"/>
+                <a:tint val="15000"/>
+                <a:satMod val="350000"/>
               </a:schemeClr>
             </a:gs>
           </a:gsLst>
-          <a:lin ang="5400000" scaled="1"/>
+          <a:lin ang="16200000" scaled="1"/>
         </a:gradFill>
         <a:gradFill rotWithShape="1">
           <a:gsLst>
             <a:gs pos="0">
               <a:schemeClr val="phClr">
-                <a:tint val="73000"/>
-                <a:satMod val="150000"/>
-              </a:schemeClr>
-            </a:gs>
-            <a:gs pos="25000">
-              <a:schemeClr val="phClr">
-                <a:tint val="96000"/>
-                <a:shade val="80000"/>
-                <a:satMod val="105000"/>
-              </a:schemeClr>
-            </a:gs>
-            <a:gs pos="38000">
-              <a:schemeClr val="phClr">
-                <a:tint val="96000"/>
-                <a:shade val="59000"/>
-                <a:satMod val="120000"/>
-              </a:schemeClr>
-            </a:gs>
-            <a:gs pos="55000">
-              <a:schemeClr val="phClr">
-                <a:shade val="57000"/>
-                <a:satMod val="120000"/>
+                <a:shade val="51000"/>
+                <a:satMod val="130000"/>
               </a:schemeClr>
             </a:gs>
             <a:gs pos="80000">
               <a:schemeClr val="phClr">
-                <a:shade val="56000"/>
-                <a:satMod val="145000"/>
-              </a:schemeClr>
-            </a:gs>
-            <a:gs pos="88000">
-              <a:schemeClr val="phClr">
-                <a:shade val="63000"/>
-                <a:satMod val="160000"/>
+                <a:shade val="93000"/>
+                <a:satMod val="130000"/>
               </a:schemeClr>
             </a:gs>
             <a:gs pos="100000">
               <a:schemeClr val="phClr">
-                <a:tint val="99555"/>
-                <a:satMod val="155000"/>
+                <a:shade val="94000"/>
+                <a:satMod val="135000"/>
               </a:schemeClr>
             </a:gs>
           </a:gsLst>
-          <a:lin ang="5400000" scaled="1"/>
+          <a:lin ang="16200000" scaled="0"/>
         </a:gradFill>
       </a:fillStyleLst>
       <a:lnStyleLst>
         <a:ln w="9525" cap="flat" cmpd="sng" algn="ctr">
           <a:solidFill>
             <a:schemeClr val="phClr">
-              <a:shade val="60000"/>
-              <a:satMod val="300000"/>
+              <a:shade val="95000"/>
+              <a:satMod val="105000"/>
             </a:schemeClr>
           </a:solidFill>
           <a:prstDash val="solid"/>
         </a:ln>
-        <a:ln w="19050" cap="flat" cmpd="sng" algn="ctr">
+        <a:ln w="25400" cap="flat" cmpd="sng" algn="ctr">
           <a:solidFill>
             <a:schemeClr val="phClr"/>
           </a:solidFill>
           <a:prstDash val="solid"/>
         </a:ln>
-        <a:ln w="19050" cap="flat" cmpd="sng" algn="ctr">
+        <a:ln w="38100" cap="flat" cmpd="sng" algn="ctr">
           <a:solidFill>
             <a:schemeClr val="phClr"/>
           </a:solidFill>
@@ -6819,55 +6169,40 @@
       <a:effectStyleLst>
         <a:effectStyle>
           <a:effectLst>
-            <a:glow rad="63500">
-              <a:schemeClr val="phClr">
-                <a:tint val="30000"/>
-                <a:shade val="95000"/>
-                <a:satMod val="300000"/>
-                <a:alpha val="50000"/>
-              </a:schemeClr>
-            </a:glow>
+            <a:outerShdw blurRad="40000" dist="20000" dir="5400000" rotWithShape="0">
+              <a:srgbClr val="000000">
+                <a:alpha val="38000"/>
+              </a:srgbClr>
+            </a:outerShdw>
           </a:effectLst>
         </a:effectStyle>
         <a:effectStyle>
           <a:effectLst>
-            <a:glow rad="70000">
-              <a:schemeClr val="phClr">
-                <a:tint val="30000"/>
-                <a:shade val="95000"/>
-                <a:satMod val="300000"/>
-                <a:alpha val="50000"/>
-              </a:schemeClr>
-            </a:glow>
+            <a:outerShdw blurRad="40000" dist="23000" dir="5400000" rotWithShape="0">
+              <a:srgbClr val="000000">
+                <a:alpha val="35000"/>
+              </a:srgbClr>
+            </a:outerShdw>
           </a:effectLst>
         </a:effectStyle>
         <a:effectStyle>
           <a:effectLst>
-            <a:glow rad="76200">
-              <a:schemeClr val="phClr">
-                <a:tint val="30000"/>
-                <a:shade val="95000"/>
-                <a:satMod val="300000"/>
-                <a:alpha val="50000"/>
-              </a:schemeClr>
-            </a:glow>
+            <a:outerShdw blurRad="40000" dist="23000" dir="5400000" rotWithShape="0">
+              <a:srgbClr val="000000">
+                <a:alpha val="35000"/>
+              </a:srgbClr>
+            </a:outerShdw>
           </a:effectLst>
           <a:scene3d>
-            <a:camera prst="orthographicFront" fov="0">
+            <a:camera prst="orthographicFront">
               <a:rot lat="0" lon="0" rev="0"/>
             </a:camera>
-            <a:lightRig rig="harsh" dir="t">
-              <a:rot lat="6000000" lon="6000000" rev="0"/>
+            <a:lightRig rig="threePt" dir="t">
+              <a:rot lat="0" lon="0" rev="1200000"/>
             </a:lightRig>
           </a:scene3d>
-          <a:sp3d contourW="10000" prstMaterial="metal">
-            <a:bevelT w="20000" h="9000" prst="softRound"/>
-            <a:contourClr>
-              <a:schemeClr val="phClr">
-                <a:shade val="30000"/>
-                <a:satMod val="200000"/>
-              </a:schemeClr>
-            </a:contourClr>
+          <a:sp3d>
+            <a:bevelT w="63500" h="25400"/>
           </a:sp3d>
         </a:effectStyle>
       </a:effectStyleLst>
@@ -6879,42 +6214,45 @@
           <a:gsLst>
             <a:gs pos="0">
               <a:schemeClr val="phClr">
-                <a:shade val="40000"/>
-                <a:satMod val="150000"/>
+                <a:tint val="40000"/>
+                <a:satMod val="350000"/>
               </a:schemeClr>
             </a:gs>
-            <a:gs pos="30000">
+            <a:gs pos="40000">
               <a:schemeClr val="phClr">
-                <a:shade val="60000"/>
-                <a:satMod val="150000"/>
+                <a:tint val="45000"/>
+                <a:shade val="99000"/>
+                <a:satMod val="350000"/>
               </a:schemeClr>
             </a:gs>
             <a:gs pos="100000">
               <a:schemeClr val="phClr">
-                <a:tint val="83000"/>
-                <a:satMod val="200000"/>
+                <a:shade val="20000"/>
+                <a:satMod val="255000"/>
               </a:schemeClr>
             </a:gs>
           </a:gsLst>
-          <a:lin ang="13000000" scaled="0"/>
+          <a:path path="circle">
+            <a:fillToRect l="50000" t="-80000" r="50000" b="180000"/>
+          </a:path>
         </a:gradFill>
         <a:gradFill rotWithShape="1">
           <a:gsLst>
             <a:gs pos="0">
               <a:schemeClr val="phClr">
-                <a:tint val="78000"/>
-                <a:satMod val="220000"/>
+                <a:tint val="80000"/>
+                <a:satMod val="300000"/>
               </a:schemeClr>
             </a:gs>
             <a:gs pos="100000">
               <a:schemeClr val="phClr">
-                <a:shade val="35000"/>
-                <a:satMod val="155000"/>
+                <a:shade val="30000"/>
+                <a:satMod val="200000"/>
               </a:schemeClr>
             </a:gs>
           </a:gsLst>
           <a:path path="circle">
-            <a:fillToRect l="60000" t="50000" r="40000" b="50000"/>
+            <a:fillToRect l="50000" t="50000" r="50000" b="50000"/>
           </a:path>
         </a:gradFill>
       </a:bgFillStyleLst>

--- a/WPF Validation.pptx
+++ b/WPF Validation.pptx
@@ -29,6 +29,10 @@
     <p:sldId id="277" r:id="rId23"/>
     <p:sldId id="278" r:id="rId24"/>
     <p:sldId id="279" r:id="rId25"/>
+    <p:sldId id="281" r:id="rId26"/>
+    <p:sldId id="283" r:id="rId27"/>
+    <p:sldId id="282" r:id="rId28"/>
+    <p:sldId id="280" r:id="rId29"/>
   </p:sldIdLst>
   <p:sldSz cx="9144000" cy="6858000" type="screen4x3"/>
   <p:notesSz cx="6858000" cy="9144000"/>
@@ -4991,6 +4995,473 @@
           </a:p>
         </p:txBody>
       </p:sp>
+      <p:pic>
+        <p:nvPicPr>
+          <p:cNvPr id="1026" name="Picture 2"/>
+          <p:cNvPicPr>
+            <a:picLocks noChangeAspect="1" noChangeArrowheads="1"/>
+          </p:cNvPicPr>
+          <p:nvPr/>
+        </p:nvPicPr>
+        <p:blipFill>
+          <a:blip r:embed="rId2" cstate="print"/>
+          <a:srcRect/>
+          <a:stretch>
+            <a:fillRect/>
+          </a:stretch>
+        </p:blipFill>
+        <p:spPr bwMode="auto">
+          <a:xfrm>
+            <a:off x="2209800" y="1423988"/>
+            <a:ext cx="4724400" cy="4010025"/>
+          </a:xfrm>
+          <a:prstGeom prst="rect">
+            <a:avLst/>
+          </a:prstGeom>
+          <a:noFill/>
+          <a:ln w="9525">
+            <a:noFill/>
+            <a:miter lim="800000"/>
+            <a:headEnd/>
+            <a:tailEnd/>
+          </a:ln>
+        </p:spPr>
+      </p:pic>
+    </p:spTree>
+  </p:cSld>
+  <p:clrMapOvr>
+    <a:masterClrMapping/>
+  </p:clrMapOvr>
+</p:sld>
+</file>
+
+<file path=ppt/slides/slide25.xml><?xml version="1.0" encoding="utf-8"?>
+<p:sld xmlns:a="http://schemas.openxmlformats.org/drawingml/2006/main" xmlns:r="http://schemas.openxmlformats.org/officeDocument/2006/relationships" xmlns:p="http://schemas.openxmlformats.org/presentationml/2006/main">
+  <p:cSld>
+    <p:spTree>
+      <p:nvGrpSpPr>
+        <p:cNvPr id="1" name=""/>
+        <p:cNvGrpSpPr/>
+        <p:nvPr/>
+      </p:nvGrpSpPr>
+      <p:grpSpPr>
+        <a:xfrm>
+          <a:off x="0" y="0"/>
+          <a:ext cx="0" cy="0"/>
+          <a:chOff x="0" y="0"/>
+          <a:chExt cx="0" cy="0"/>
+        </a:xfrm>
+      </p:grpSpPr>
+      <p:sp>
+        <p:nvSpPr>
+          <p:cNvPr id="2" name="Title 1"/>
+          <p:cNvSpPr>
+            <a:spLocks noGrp="1"/>
+          </p:cNvSpPr>
+          <p:nvPr>
+            <p:ph type="title"/>
+          </p:nvPr>
+        </p:nvSpPr>
+        <p:spPr/>
+        <p:txBody>
+          <a:bodyPr/>
+          <a:lstStyle/>
+          <a:p>
+            <a:r>
+              <a:rPr lang="en-US" dirty="0" smtClean="0"/>
+              <a:t>Use Validation Attributes</a:t>
+            </a:r>
+            <a:endParaRPr lang="en-US" dirty="0"/>
+          </a:p>
+        </p:txBody>
+      </p:sp>
+      <p:pic>
+        <p:nvPicPr>
+          <p:cNvPr id="2050" name="Picture 2"/>
+          <p:cNvPicPr>
+            <a:picLocks noChangeAspect="1" noChangeArrowheads="1"/>
+          </p:cNvPicPr>
+          <p:nvPr/>
+        </p:nvPicPr>
+        <p:blipFill>
+          <a:blip r:embed="rId2" cstate="print"/>
+          <a:srcRect/>
+          <a:stretch>
+            <a:fillRect/>
+          </a:stretch>
+        </p:blipFill>
+        <p:spPr bwMode="auto">
+          <a:xfrm>
+            <a:off x="304800" y="1295400"/>
+            <a:ext cx="4362450" cy="2238375"/>
+          </a:xfrm>
+          <a:prstGeom prst="rect">
+            <a:avLst/>
+          </a:prstGeom>
+          <a:noFill/>
+          <a:ln w="9525">
+            <a:noFill/>
+            <a:miter lim="800000"/>
+            <a:headEnd/>
+            <a:tailEnd/>
+          </a:ln>
+          <a:effectLst>
+            <a:outerShdw blurRad="63500" sx="102000" sy="102000" algn="ctr" rotWithShape="0">
+              <a:prstClr val="black">
+                <a:alpha val="40000"/>
+              </a:prstClr>
+            </a:outerShdw>
+          </a:effectLst>
+        </p:spPr>
+      </p:pic>
+      <p:pic>
+        <p:nvPicPr>
+          <p:cNvPr id="2051" name="Picture 3"/>
+          <p:cNvPicPr>
+            <a:picLocks noChangeAspect="1" noChangeArrowheads="1"/>
+          </p:cNvPicPr>
+          <p:nvPr/>
+        </p:nvPicPr>
+        <p:blipFill>
+          <a:blip r:embed="rId3" cstate="print"/>
+          <a:srcRect/>
+          <a:stretch>
+            <a:fillRect/>
+          </a:stretch>
+        </p:blipFill>
+        <p:spPr bwMode="auto">
+          <a:xfrm>
+            <a:off x="4114800" y="2057400"/>
+            <a:ext cx="4438650" cy="2247900"/>
+          </a:xfrm>
+          <a:prstGeom prst="rect">
+            <a:avLst/>
+          </a:prstGeom>
+          <a:noFill/>
+          <a:ln w="9525">
+            <a:noFill/>
+            <a:miter lim="800000"/>
+            <a:headEnd/>
+            <a:tailEnd/>
+          </a:ln>
+          <a:effectLst>
+            <a:outerShdw blurRad="63500" sx="102000" sy="102000" algn="ctr" rotWithShape="0">
+              <a:prstClr val="black">
+                <a:alpha val="40000"/>
+              </a:prstClr>
+            </a:outerShdw>
+          </a:effectLst>
+        </p:spPr>
+      </p:pic>
+      <p:pic>
+        <p:nvPicPr>
+          <p:cNvPr id="2052" name="Picture 4"/>
+          <p:cNvPicPr>
+            <a:picLocks noChangeAspect="1" noChangeArrowheads="1"/>
+          </p:cNvPicPr>
+          <p:nvPr/>
+        </p:nvPicPr>
+        <p:blipFill>
+          <a:blip r:embed="rId4" cstate="print"/>
+          <a:srcRect/>
+          <a:stretch>
+            <a:fillRect/>
+          </a:stretch>
+        </p:blipFill>
+        <p:spPr bwMode="auto">
+          <a:xfrm>
+            <a:off x="304800" y="3962400"/>
+            <a:ext cx="7696200" cy="1903711"/>
+          </a:xfrm>
+          <a:prstGeom prst="rect">
+            <a:avLst/>
+          </a:prstGeom>
+          <a:noFill/>
+          <a:ln w="9525">
+            <a:noFill/>
+            <a:miter lim="800000"/>
+            <a:headEnd/>
+            <a:tailEnd/>
+          </a:ln>
+          <a:effectLst>
+            <a:outerShdw blurRad="63500" sx="102000" sy="102000" algn="ctr" rotWithShape="0">
+              <a:prstClr val="black">
+                <a:alpha val="40000"/>
+              </a:prstClr>
+            </a:outerShdw>
+          </a:effectLst>
+        </p:spPr>
+      </p:pic>
+    </p:spTree>
+  </p:cSld>
+  <p:clrMapOvr>
+    <a:masterClrMapping/>
+  </p:clrMapOvr>
+</p:sld>
+</file>
+
+<file path=ppt/slides/slide26.xml><?xml version="1.0" encoding="utf-8"?>
+<p:sld xmlns:a="http://schemas.openxmlformats.org/drawingml/2006/main" xmlns:r="http://schemas.openxmlformats.org/officeDocument/2006/relationships" xmlns:p="http://schemas.openxmlformats.org/presentationml/2006/main">
+  <p:cSld>
+    <p:spTree>
+      <p:nvGrpSpPr>
+        <p:cNvPr id="1" name=""/>
+        <p:cNvGrpSpPr/>
+        <p:nvPr/>
+      </p:nvGrpSpPr>
+      <p:grpSpPr>
+        <a:xfrm>
+          <a:off x="0" y="0"/>
+          <a:ext cx="0" cy="0"/>
+          <a:chOff x="0" y="0"/>
+          <a:chExt cx="0" cy="0"/>
+        </a:xfrm>
+      </p:grpSpPr>
+      <p:sp>
+        <p:nvSpPr>
+          <p:cNvPr id="2" name="Title 1"/>
+          <p:cNvSpPr>
+            <a:spLocks noGrp="1"/>
+          </p:cNvSpPr>
+          <p:nvPr>
+            <p:ph type="title"/>
+          </p:nvPr>
+        </p:nvSpPr>
+        <p:spPr/>
+        <p:txBody>
+          <a:bodyPr/>
+          <a:lstStyle/>
+          <a:p>
+            <a:r>
+              <a:rPr lang="en-US" dirty="0" smtClean="0"/>
+              <a:t>On Binding</a:t>
+            </a:r>
+            <a:endParaRPr lang="en-US" dirty="0"/>
+          </a:p>
+        </p:txBody>
+      </p:sp>
+      <p:pic>
+        <p:nvPicPr>
+          <p:cNvPr id="10242" name="Picture 2"/>
+          <p:cNvPicPr>
+            <a:picLocks noChangeAspect="1" noChangeArrowheads="1"/>
+          </p:cNvPicPr>
+          <p:nvPr/>
+        </p:nvPicPr>
+        <p:blipFill>
+          <a:blip r:embed="rId2" cstate="print"/>
+          <a:srcRect/>
+          <a:stretch>
+            <a:fillRect/>
+          </a:stretch>
+        </p:blipFill>
+        <p:spPr bwMode="auto">
+          <a:xfrm>
+            <a:off x="838200" y="1905000"/>
+            <a:ext cx="6977743" cy="381000"/>
+          </a:xfrm>
+          <a:prstGeom prst="rect">
+            <a:avLst/>
+          </a:prstGeom>
+          <a:noFill/>
+          <a:ln w="9525">
+            <a:noFill/>
+            <a:miter lim="800000"/>
+            <a:headEnd/>
+            <a:tailEnd/>
+          </a:ln>
+          <a:effectLst/>
+        </p:spPr>
+      </p:pic>
+      <p:sp>
+        <p:nvSpPr>
+          <p:cNvPr id="5" name="Down Arrow 4"/>
+          <p:cNvSpPr/>
+          <p:nvPr/>
+        </p:nvSpPr>
+        <p:spPr>
+          <a:xfrm rot="10800000">
+            <a:off x="5029200" y="2362200"/>
+            <a:ext cx="609600" cy="1230702"/>
+          </a:xfrm>
+          <a:prstGeom prst="downArrow">
+            <a:avLst/>
+          </a:prstGeom>
+        </p:spPr>
+        <p:style>
+          <a:lnRef idx="2">
+            <a:schemeClr val="accent1">
+              <a:shade val="50000"/>
+            </a:schemeClr>
+          </a:lnRef>
+          <a:fillRef idx="1">
+            <a:schemeClr val="accent1"/>
+          </a:fillRef>
+          <a:effectRef idx="0">
+            <a:schemeClr val="accent1"/>
+          </a:effectRef>
+          <a:fontRef idx="minor">
+            <a:schemeClr val="lt1"/>
+          </a:fontRef>
+        </p:style>
+        <p:txBody>
+          <a:bodyPr rtlCol="0" anchor="ctr"/>
+          <a:lstStyle/>
+          <a:p>
+            <a:pPr algn="ctr"/>
+            <a:endParaRPr lang="en-US"/>
+          </a:p>
+        </p:txBody>
+      </p:sp>
+      <p:sp>
+        <p:nvSpPr>
+          <p:cNvPr id="6" name="TextBox 5"/>
+          <p:cNvSpPr txBox="1"/>
+          <p:nvPr/>
+        </p:nvSpPr>
+        <p:spPr>
+          <a:xfrm>
+            <a:off x="3657600" y="3657600"/>
+            <a:ext cx="2732351" cy="369332"/>
+          </a:xfrm>
+          <a:prstGeom prst="rect">
+            <a:avLst/>
+          </a:prstGeom>
+          <a:noFill/>
+        </p:spPr>
+        <p:txBody>
+          <a:bodyPr wrap="none" rtlCol="0">
+            <a:spAutoFit/>
+          </a:bodyPr>
+          <a:lstStyle/>
+          <a:p>
+            <a:r>
+              <a:rPr lang="en-US" dirty="0" smtClean="0"/>
+              <a:t>Validates On Data Errors</a:t>
+            </a:r>
+            <a:endParaRPr lang="en-US" dirty="0"/>
+          </a:p>
+        </p:txBody>
+      </p:sp>
+    </p:spTree>
+  </p:cSld>
+  <p:clrMapOvr>
+    <a:masterClrMapping/>
+  </p:clrMapOvr>
+</p:sld>
+</file>
+
+<file path=ppt/slides/slide27.xml><?xml version="1.0" encoding="utf-8"?>
+<p:sld xmlns:a="http://schemas.openxmlformats.org/drawingml/2006/main" xmlns:r="http://schemas.openxmlformats.org/officeDocument/2006/relationships" xmlns:p="http://schemas.openxmlformats.org/presentationml/2006/main">
+  <p:cSld>
+    <p:spTree>
+      <p:nvGrpSpPr>
+        <p:cNvPr id="1" name=""/>
+        <p:cNvGrpSpPr/>
+        <p:nvPr/>
+      </p:nvGrpSpPr>
+      <p:grpSpPr>
+        <a:xfrm>
+          <a:off x="0" y="0"/>
+          <a:ext cx="0" cy="0"/>
+          <a:chOff x="0" y="0"/>
+          <a:chExt cx="0" cy="0"/>
+        </a:xfrm>
+      </p:grpSpPr>
+      <p:sp>
+        <p:nvSpPr>
+          <p:cNvPr id="2" name="Title 1"/>
+          <p:cNvSpPr>
+            <a:spLocks noGrp="1"/>
+          </p:cNvSpPr>
+          <p:nvPr>
+            <p:ph type="title"/>
+          </p:nvPr>
+        </p:nvSpPr>
+        <p:spPr/>
+        <p:txBody>
+          <a:bodyPr/>
+          <a:lstStyle/>
+          <a:p>
+            <a:r>
+              <a:rPr lang="en-US" dirty="0" smtClean="0"/>
+              <a:t>Custom </a:t>
+            </a:r>
+            <a:r>
+              <a:rPr lang="en-US" smtClean="0"/>
+              <a:t>Markup Extensions</a:t>
+            </a:r>
+            <a:endParaRPr lang="en-US" dirty="0"/>
+          </a:p>
+        </p:txBody>
+      </p:sp>
+      <p:sp>
+        <p:nvSpPr>
+          <p:cNvPr id="3" name="Content Placeholder 2"/>
+          <p:cNvSpPr>
+            <a:spLocks noGrp="1"/>
+          </p:cNvSpPr>
+          <p:nvPr>
+            <p:ph idx="1"/>
+          </p:nvPr>
+        </p:nvSpPr>
+        <p:spPr/>
+        <p:txBody>
+          <a:bodyPr/>
+          <a:lstStyle/>
+          <a:p>
+            <a:endParaRPr lang="en-US"/>
+          </a:p>
+        </p:txBody>
+      </p:sp>
+    </p:spTree>
+  </p:cSld>
+  <p:clrMapOvr>
+    <a:masterClrMapping/>
+  </p:clrMapOvr>
+</p:sld>
+</file>
+
+<file path=ppt/slides/slide28.xml><?xml version="1.0" encoding="utf-8"?>
+<p:sld xmlns:a="http://schemas.openxmlformats.org/drawingml/2006/main" xmlns:r="http://schemas.openxmlformats.org/officeDocument/2006/relationships" xmlns:p="http://schemas.openxmlformats.org/presentationml/2006/main">
+  <p:cSld>
+    <p:spTree>
+      <p:nvGrpSpPr>
+        <p:cNvPr id="1" name=""/>
+        <p:cNvGrpSpPr/>
+        <p:nvPr/>
+      </p:nvGrpSpPr>
+      <p:grpSpPr>
+        <a:xfrm>
+          <a:off x="0" y="0"/>
+          <a:ext cx="0" cy="0"/>
+          <a:chOff x="0" y="0"/>
+          <a:chExt cx="0" cy="0"/>
+        </a:xfrm>
+      </p:grpSpPr>
+      <p:sp>
+        <p:nvSpPr>
+          <p:cNvPr id="2" name="Title 1"/>
+          <p:cNvSpPr>
+            <a:spLocks noGrp="1"/>
+          </p:cNvSpPr>
+          <p:nvPr>
+            <p:ph type="title"/>
+          </p:nvPr>
+        </p:nvSpPr>
+        <p:spPr/>
+        <p:txBody>
+          <a:bodyPr/>
+          <a:lstStyle/>
+          <a:p>
+            <a:r>
+              <a:rPr lang="en-US" dirty="0" smtClean="0"/>
+              <a:t>References</a:t>
+            </a:r>
+            <a:endParaRPr lang="en-US" dirty="0"/>
+          </a:p>
+        </p:txBody>
+      </p:sp>
       <p:sp>
         <p:nvSpPr>
           <p:cNvPr id="3" name="Content Placeholder 2"/>

--- a/WPF Validation.pptx
+++ b/WPF Validation.pptx
@@ -6,33 +6,48 @@
   </p:sldMasterIdLst>
   <p:sldIdLst>
     <p:sldId id="256" r:id="rId2"/>
-    <p:sldId id="257" r:id="rId3"/>
-    <p:sldId id="258" r:id="rId4"/>
-    <p:sldId id="262" r:id="rId5"/>
-    <p:sldId id="259" r:id="rId6"/>
+    <p:sldId id="258" r:id="rId3"/>
+    <p:sldId id="262" r:id="rId4"/>
+    <p:sldId id="259" r:id="rId5"/>
+    <p:sldId id="297" r:id="rId6"/>
     <p:sldId id="263" r:id="rId7"/>
     <p:sldId id="264" r:id="rId8"/>
     <p:sldId id="265" r:id="rId9"/>
     <p:sldId id="266" r:id="rId10"/>
     <p:sldId id="267" r:id="rId11"/>
-    <p:sldId id="268" r:id="rId12"/>
-    <p:sldId id="269" r:id="rId13"/>
-    <p:sldId id="260" r:id="rId14"/>
-    <p:sldId id="270" r:id="rId15"/>
-    <p:sldId id="271" r:id="rId16"/>
-    <p:sldId id="261" r:id="rId17"/>
-    <p:sldId id="272" r:id="rId18"/>
-    <p:sldId id="273" r:id="rId19"/>
-    <p:sldId id="274" r:id="rId20"/>
-    <p:sldId id="276" r:id="rId21"/>
-    <p:sldId id="275" r:id="rId22"/>
-    <p:sldId id="277" r:id="rId23"/>
-    <p:sldId id="278" r:id="rId24"/>
-    <p:sldId id="279" r:id="rId25"/>
-    <p:sldId id="281" r:id="rId26"/>
-    <p:sldId id="283" r:id="rId27"/>
-    <p:sldId id="282" r:id="rId28"/>
-    <p:sldId id="280" r:id="rId29"/>
+    <p:sldId id="292" r:id="rId12"/>
+    <p:sldId id="293" r:id="rId13"/>
+    <p:sldId id="294" r:id="rId14"/>
+    <p:sldId id="268" r:id="rId15"/>
+    <p:sldId id="295" r:id="rId16"/>
+    <p:sldId id="296" r:id="rId17"/>
+    <p:sldId id="260" r:id="rId18"/>
+    <p:sldId id="270" r:id="rId19"/>
+    <p:sldId id="271" r:id="rId20"/>
+    <p:sldId id="301" r:id="rId21"/>
+    <p:sldId id="261" r:id="rId22"/>
+    <p:sldId id="272" r:id="rId23"/>
+    <p:sldId id="273" r:id="rId24"/>
+    <p:sldId id="274" r:id="rId25"/>
+    <p:sldId id="276" r:id="rId26"/>
+    <p:sldId id="298" r:id="rId27"/>
+    <p:sldId id="299" r:id="rId28"/>
+    <p:sldId id="300" r:id="rId29"/>
+    <p:sldId id="275" r:id="rId30"/>
+    <p:sldId id="277" r:id="rId31"/>
+    <p:sldId id="278" r:id="rId32"/>
+    <p:sldId id="279" r:id="rId33"/>
+    <p:sldId id="281" r:id="rId34"/>
+    <p:sldId id="283" r:id="rId35"/>
+    <p:sldId id="284" r:id="rId36"/>
+    <p:sldId id="285" r:id="rId37"/>
+    <p:sldId id="282" r:id="rId38"/>
+    <p:sldId id="286" r:id="rId39"/>
+    <p:sldId id="287" r:id="rId40"/>
+    <p:sldId id="289" r:id="rId41"/>
+    <p:sldId id="290" r:id="rId42"/>
+    <p:sldId id="291" r:id="rId43"/>
+    <p:sldId id="280" r:id="rId44"/>
   </p:sldIdLst>
   <p:sldSz cx="9144000" cy="6858000" type="screen4x3"/>
   <p:notesSz cx="6858000" cy="9144000"/>
@@ -316,7 +331,7 @@
             <a:fld id="{60029C98-5D54-43BD-B436-29F4C541DD0B}" type="datetimeFigureOut">
               <a:rPr lang="en-US" smtClean="0"/>
               <a:pPr/>
-              <a:t>9/23/2009</a:t>
+              <a:t>9/24/2009</a:t>
             </a:fld>
             <a:endParaRPr lang="en-US"/>
           </a:p>
@@ -483,7 +498,7 @@
             <a:fld id="{60029C98-5D54-43BD-B436-29F4C541DD0B}" type="datetimeFigureOut">
               <a:rPr lang="en-US" smtClean="0"/>
               <a:pPr/>
-              <a:t>9/23/2009</a:t>
+              <a:t>9/24/2009</a:t>
             </a:fld>
             <a:endParaRPr lang="en-US"/>
           </a:p>
@@ -660,7 +675,7 @@
             <a:fld id="{60029C98-5D54-43BD-B436-29F4C541DD0B}" type="datetimeFigureOut">
               <a:rPr lang="en-US" smtClean="0"/>
               <a:pPr/>
-              <a:t>9/23/2009</a:t>
+              <a:t>9/24/2009</a:t>
             </a:fld>
             <a:endParaRPr lang="en-US"/>
           </a:p>
@@ -827,7 +842,7 @@
             <a:fld id="{60029C98-5D54-43BD-B436-29F4C541DD0B}" type="datetimeFigureOut">
               <a:rPr lang="en-US" smtClean="0"/>
               <a:pPr/>
-              <a:t>9/23/2009</a:t>
+              <a:t>9/24/2009</a:t>
             </a:fld>
             <a:endParaRPr lang="en-US"/>
           </a:p>
@@ -1070,7 +1085,7 @@
             <a:fld id="{60029C98-5D54-43BD-B436-29F4C541DD0B}" type="datetimeFigureOut">
               <a:rPr lang="en-US" smtClean="0"/>
               <a:pPr/>
-              <a:t>9/23/2009</a:t>
+              <a:t>9/24/2009</a:t>
             </a:fld>
             <a:endParaRPr lang="en-US"/>
           </a:p>
@@ -1355,7 +1370,7 @@
             <a:fld id="{60029C98-5D54-43BD-B436-29F4C541DD0B}" type="datetimeFigureOut">
               <a:rPr lang="en-US" smtClean="0"/>
               <a:pPr/>
-              <a:t>9/23/2009</a:t>
+              <a:t>9/24/2009</a:t>
             </a:fld>
             <a:endParaRPr lang="en-US"/>
           </a:p>
@@ -1774,7 +1789,7 @@
             <a:fld id="{60029C98-5D54-43BD-B436-29F4C541DD0B}" type="datetimeFigureOut">
               <a:rPr lang="en-US" smtClean="0"/>
               <a:pPr/>
-              <a:t>9/23/2009</a:t>
+              <a:t>9/24/2009</a:t>
             </a:fld>
             <a:endParaRPr lang="en-US"/>
           </a:p>
@@ -1889,7 +1904,7 @@
             <a:fld id="{60029C98-5D54-43BD-B436-29F4C541DD0B}" type="datetimeFigureOut">
               <a:rPr lang="en-US" smtClean="0"/>
               <a:pPr/>
-              <a:t>9/23/2009</a:t>
+              <a:t>9/24/2009</a:t>
             </a:fld>
             <a:endParaRPr lang="en-US"/>
           </a:p>
@@ -1981,7 +1996,7 @@
             <a:fld id="{60029C98-5D54-43BD-B436-29F4C541DD0B}" type="datetimeFigureOut">
               <a:rPr lang="en-US" smtClean="0"/>
               <a:pPr/>
-              <a:t>9/23/2009</a:t>
+              <a:t>9/24/2009</a:t>
             </a:fld>
             <a:endParaRPr lang="en-US"/>
           </a:p>
@@ -2255,7 +2270,7 @@
             <a:fld id="{60029C98-5D54-43BD-B436-29F4C541DD0B}" type="datetimeFigureOut">
               <a:rPr lang="en-US" smtClean="0"/>
               <a:pPr/>
-              <a:t>9/23/2009</a:t>
+              <a:t>9/24/2009</a:t>
             </a:fld>
             <a:endParaRPr lang="en-US"/>
           </a:p>
@@ -2509,7 +2524,7 @@
             <a:fld id="{60029C98-5D54-43BD-B436-29F4C541DD0B}" type="datetimeFigureOut">
               <a:rPr lang="en-US" smtClean="0"/>
               <a:pPr/>
-              <a:t>9/23/2009</a:t>
+              <a:t>9/24/2009</a:t>
             </a:fld>
             <a:endParaRPr lang="en-US"/>
           </a:p>
@@ -2736,7 +2751,7 @@
             <a:fld id="{60029C98-5D54-43BD-B436-29F4C541DD0B}" type="datetimeFigureOut">
               <a:rPr lang="en-US" smtClean="0"/>
               <a:pPr/>
-              <a:t>9/23/2009</a:t>
+              <a:t>9/24/2009</a:t>
             </a:fld>
             <a:endParaRPr lang="en-US"/>
           </a:p>
@@ -3392,6 +3407,76 @@
           </a:p>
         </p:txBody>
       </p:sp>
+      <p:sp>
+        <p:nvSpPr>
+          <p:cNvPr id="8" name="Right Arrow 7"/>
+          <p:cNvSpPr/>
+          <p:nvPr/>
+        </p:nvSpPr>
+        <p:spPr>
+          <a:xfrm rot="16200000">
+            <a:off x="4305300" y="4838700"/>
+            <a:ext cx="609600" cy="533400"/>
+          </a:xfrm>
+          <a:prstGeom prst="rightArrow">
+            <a:avLst/>
+          </a:prstGeom>
+        </p:spPr>
+        <p:style>
+          <a:lnRef idx="2">
+            <a:schemeClr val="accent1">
+              <a:shade val="50000"/>
+            </a:schemeClr>
+          </a:lnRef>
+          <a:fillRef idx="1">
+            <a:schemeClr val="accent1"/>
+          </a:fillRef>
+          <a:effectRef idx="0">
+            <a:schemeClr val="accent1"/>
+          </a:effectRef>
+          <a:fontRef idx="minor">
+            <a:schemeClr val="lt1"/>
+          </a:fontRef>
+        </p:style>
+        <p:txBody>
+          <a:bodyPr rtlCol="0" anchor="ctr"/>
+          <a:lstStyle/>
+          <a:p>
+            <a:pPr algn="ctr"/>
+            <a:endParaRPr lang="en-US"/>
+          </a:p>
+        </p:txBody>
+      </p:sp>
+      <p:sp>
+        <p:nvSpPr>
+          <p:cNvPr id="9" name="TextBox 8"/>
+          <p:cNvSpPr txBox="1"/>
+          <p:nvPr/>
+        </p:nvSpPr>
+        <p:spPr>
+          <a:xfrm>
+            <a:off x="3481092" y="5486400"/>
+            <a:ext cx="2538708" cy="369332"/>
+          </a:xfrm>
+          <a:prstGeom prst="rect">
+            <a:avLst/>
+          </a:prstGeom>
+          <a:noFill/>
+        </p:spPr>
+        <p:txBody>
+          <a:bodyPr wrap="none" rtlCol="0">
+            <a:spAutoFit/>
+          </a:bodyPr>
+          <a:lstStyle/>
+          <a:p>
+            <a:r>
+              <a:rPr lang="en-US" dirty="0" smtClean="0"/>
+              <a:t>Validation Error Message</a:t>
+            </a:r>
+            <a:endParaRPr lang="en-US" dirty="0"/>
+          </a:p>
+        </p:txBody>
+      </p:sp>
     </p:spTree>
   </p:cSld>
   <p:clrMapOvr>
@@ -3434,31 +3519,90 @@
           <a:p>
             <a:r>
               <a:rPr lang="en-US" dirty="0" smtClean="0"/>
-              <a:t>Displaying the Errors</a:t>
+              <a:t>Required</a:t>
             </a:r>
             <a:endParaRPr lang="en-US" dirty="0"/>
           </a:p>
         </p:txBody>
       </p:sp>
-      <p:sp>
-        <p:nvSpPr>
-          <p:cNvPr id="3" name="Text Placeholder 2"/>
-          <p:cNvSpPr>
-            <a:spLocks noGrp="1"/>
-          </p:cNvSpPr>
-          <p:nvPr>
-            <p:ph type="body" idx="1"/>
-          </p:nvPr>
-        </p:nvSpPr>
-        <p:spPr/>
-        <p:txBody>
-          <a:bodyPr/>
-          <a:lstStyle/>
-          <a:p>
-            <a:endParaRPr lang="en-US"/>
-          </a:p>
-        </p:txBody>
-      </p:sp>
+      <p:pic>
+        <p:nvPicPr>
+          <p:cNvPr id="8194" name="Picture 2"/>
+          <p:cNvPicPr>
+            <a:picLocks noChangeAspect="1" noChangeArrowheads="1"/>
+          </p:cNvPicPr>
+          <p:nvPr/>
+        </p:nvPicPr>
+        <p:blipFill>
+          <a:blip r:embed="rId2" cstate="print"/>
+          <a:srcRect/>
+          <a:stretch>
+            <a:fillRect/>
+          </a:stretch>
+        </p:blipFill>
+        <p:spPr bwMode="auto">
+          <a:xfrm>
+            <a:off x="304799" y="1371600"/>
+            <a:ext cx="6771557" cy="2438400"/>
+          </a:xfrm>
+          <a:prstGeom prst="rect">
+            <a:avLst/>
+          </a:prstGeom>
+          <a:noFill/>
+          <a:ln w="9525">
+            <a:noFill/>
+            <a:miter lim="800000"/>
+            <a:headEnd/>
+            <a:tailEnd/>
+          </a:ln>
+          <a:effectLst>
+            <a:outerShdw blurRad="63500" sx="102000" sy="102000" algn="ctr" rotWithShape="0">
+              <a:prstClr val="black">
+                <a:alpha val="40000"/>
+              </a:prstClr>
+            </a:outerShdw>
+          </a:effectLst>
+        </p:spPr>
+      </p:pic>
+      <p:pic>
+        <p:nvPicPr>
+          <p:cNvPr id="8195" name="Picture 3"/>
+          <p:cNvPicPr>
+            <a:picLocks noChangeAspect="1" noChangeArrowheads="1"/>
+          </p:cNvPicPr>
+          <p:nvPr/>
+        </p:nvPicPr>
+        <p:blipFill>
+          <a:blip r:embed="rId3" cstate="print"/>
+          <a:srcRect/>
+          <a:stretch>
+            <a:fillRect/>
+          </a:stretch>
+        </p:blipFill>
+        <p:spPr bwMode="auto">
+          <a:xfrm>
+            <a:off x="3429000" y="3581400"/>
+            <a:ext cx="4545366" cy="1828800"/>
+          </a:xfrm>
+          <a:prstGeom prst="rect">
+            <a:avLst/>
+          </a:prstGeom>
+          <a:noFill/>
+          <a:ln w="9525">
+            <a:noFill/>
+            <a:miter lim="800000"/>
+            <a:headEnd/>
+            <a:tailEnd/>
+          </a:ln>
+          <a:effectLst>
+            <a:outerShdw blurRad="63500" sx="102000" sy="102000" algn="ctr" rotWithShape="0">
+              <a:prstClr val="black">
+                <a:alpha val="40000"/>
+              </a:prstClr>
+            </a:outerShdw>
+          </a:effectLst>
+        </p:spPr>
+      </p:pic>
     </p:spTree>
   </p:cSld>
   <p:clrMapOvr>
@@ -3496,14 +3640,12 @@
         </p:nvSpPr>
         <p:spPr/>
         <p:txBody>
-          <a:bodyPr>
-            <a:normAutofit fontScale="90000"/>
-          </a:bodyPr>
-          <a:lstStyle/>
-          <a:p>
-            <a:r>
-              <a:rPr lang="en-US" dirty="0" smtClean="0"/>
-              <a:t>Displaying Error using a Style and Template</a:t>
+          <a:bodyPr/>
+          <a:lstStyle/>
+          <a:p>
+            <a:r>
+              <a:rPr lang="en-US" dirty="0" smtClean="0"/>
+              <a:t>Greater Than</a:t>
             </a:r>
             <a:endParaRPr lang="en-US" dirty="0"/>
           </a:p>
@@ -3511,7 +3653,7 @@
       </p:sp>
       <p:pic>
         <p:nvPicPr>
-          <p:cNvPr id="4098" name="Picture 2"/>
+          <p:cNvPr id="7" name="Picture 3"/>
           <p:cNvPicPr>
             <a:picLocks noChangeAspect="1" noChangeArrowheads="1"/>
           </p:cNvPicPr>
@@ -3526,8 +3668,8 @@
         </p:blipFill>
         <p:spPr bwMode="auto">
           <a:xfrm>
-            <a:off x="304800" y="1828800"/>
-            <a:ext cx="8620125" cy="3538045"/>
+            <a:off x="381000" y="1219200"/>
+            <a:ext cx="6969494" cy="3276600"/>
           </a:xfrm>
           <a:prstGeom prst="rect">
             <a:avLst/>
@@ -3539,7 +3681,52 @@
             <a:headEnd/>
             <a:tailEnd/>
           </a:ln>
-          <a:effectLst/>
+          <a:effectLst>
+            <a:outerShdw blurRad="63500" sx="102000" sy="102000" algn="ctr" rotWithShape="0">
+              <a:prstClr val="black">
+                <a:alpha val="40000"/>
+              </a:prstClr>
+            </a:outerShdw>
+          </a:effectLst>
+        </p:spPr>
+      </p:pic>
+      <p:pic>
+        <p:nvPicPr>
+          <p:cNvPr id="9218" name="Picture 2"/>
+          <p:cNvPicPr>
+            <a:picLocks noChangeAspect="1" noChangeArrowheads="1"/>
+          </p:cNvPicPr>
+          <p:nvPr/>
+        </p:nvPicPr>
+        <p:blipFill>
+          <a:blip r:embed="rId3" cstate="print"/>
+          <a:srcRect/>
+          <a:stretch>
+            <a:fillRect/>
+          </a:stretch>
+        </p:blipFill>
+        <p:spPr bwMode="auto">
+          <a:xfrm>
+            <a:off x="3048000" y="4343400"/>
+            <a:ext cx="5153025" cy="1786727"/>
+          </a:xfrm>
+          <a:prstGeom prst="rect">
+            <a:avLst/>
+          </a:prstGeom>
+          <a:noFill/>
+          <a:ln w="9525">
+            <a:noFill/>
+            <a:miter lim="800000"/>
+            <a:headEnd/>
+            <a:tailEnd/>
+          </a:ln>
+          <a:effectLst>
+            <a:outerShdw blurRad="63500" sx="102000" sy="102000" algn="ctr" rotWithShape="0">
+              <a:prstClr val="black">
+                <a:alpha val="40000"/>
+              </a:prstClr>
+            </a:outerShdw>
+          </a:effectLst>
         </p:spPr>
       </p:pic>
     </p:spTree>
@@ -3584,31 +3771,90 @@
           <a:p>
             <a:r>
               <a:rPr lang="en-US" dirty="0" smtClean="0"/>
-              <a:t>Using Exceptions</a:t>
+              <a:t>Regular Expression</a:t>
             </a:r>
             <a:endParaRPr lang="en-US" dirty="0"/>
           </a:p>
         </p:txBody>
       </p:sp>
-      <p:sp>
-        <p:nvSpPr>
-          <p:cNvPr id="3" name="Text Placeholder 2"/>
-          <p:cNvSpPr>
-            <a:spLocks noGrp="1"/>
-          </p:cNvSpPr>
-          <p:nvPr>
-            <p:ph type="body" idx="1"/>
-          </p:nvPr>
-        </p:nvSpPr>
-        <p:spPr/>
-        <p:txBody>
-          <a:bodyPr/>
-          <a:lstStyle/>
-          <a:p>
-            <a:endParaRPr lang="en-US"/>
-          </a:p>
-        </p:txBody>
-      </p:sp>
+      <p:pic>
+        <p:nvPicPr>
+          <p:cNvPr id="10242" name="Picture 2"/>
+          <p:cNvPicPr>
+            <a:picLocks noChangeAspect="1" noChangeArrowheads="1"/>
+          </p:cNvPicPr>
+          <p:nvPr/>
+        </p:nvPicPr>
+        <p:blipFill>
+          <a:blip r:embed="rId2" cstate="print"/>
+          <a:srcRect/>
+          <a:stretch>
+            <a:fillRect/>
+          </a:stretch>
+        </p:blipFill>
+        <p:spPr bwMode="auto">
+          <a:xfrm>
+            <a:off x="304800" y="1239962"/>
+            <a:ext cx="7772400" cy="3484438"/>
+          </a:xfrm>
+          <a:prstGeom prst="rect">
+            <a:avLst/>
+          </a:prstGeom>
+          <a:noFill/>
+          <a:ln w="9525">
+            <a:noFill/>
+            <a:miter lim="800000"/>
+            <a:headEnd/>
+            <a:tailEnd/>
+          </a:ln>
+          <a:effectLst>
+            <a:outerShdw blurRad="63500" sx="102000" sy="102000" algn="ctr" rotWithShape="0">
+              <a:prstClr val="black">
+                <a:alpha val="40000"/>
+              </a:prstClr>
+            </a:outerShdw>
+          </a:effectLst>
+        </p:spPr>
+      </p:pic>
+      <p:pic>
+        <p:nvPicPr>
+          <p:cNvPr id="10243" name="Picture 3"/>
+          <p:cNvPicPr>
+            <a:picLocks noChangeAspect="1" noChangeArrowheads="1"/>
+          </p:cNvPicPr>
+          <p:nvPr/>
+        </p:nvPicPr>
+        <p:blipFill>
+          <a:blip r:embed="rId3" cstate="print"/>
+          <a:srcRect/>
+          <a:stretch>
+            <a:fillRect/>
+          </a:stretch>
+        </p:blipFill>
+        <p:spPr bwMode="auto">
+          <a:xfrm>
+            <a:off x="1905000" y="4419600"/>
+            <a:ext cx="6600825" cy="2190750"/>
+          </a:xfrm>
+          <a:prstGeom prst="rect">
+            <a:avLst/>
+          </a:prstGeom>
+          <a:noFill/>
+          <a:ln w="9525">
+            <a:noFill/>
+            <a:miter lim="800000"/>
+            <a:headEnd/>
+            <a:tailEnd/>
+          </a:ln>
+          <a:effectLst>
+            <a:outerShdw blurRad="63500" sx="102000" sy="102000" algn="ctr" rotWithShape="0">
+              <a:prstClr val="black">
+                <a:alpha val="40000"/>
+              </a:prstClr>
+            </a:outerShdw>
+          </a:effectLst>
+        </p:spPr>
+      </p:pic>
     </p:spTree>
   </p:cSld>
   <p:clrMapOvr>
@@ -3646,188 +3892,32 @@
         </p:nvSpPr>
         <p:spPr/>
         <p:txBody>
-          <a:bodyPr>
-            <a:normAutofit/>
-          </a:bodyPr>
-          <a:lstStyle/>
-          <a:p>
-            <a:r>
-              <a:rPr lang="en-US" dirty="0" smtClean="0"/>
-              <a:t>On source…</a:t>
+          <a:bodyPr/>
+          <a:lstStyle/>
+          <a:p>
+            <a:r>
+              <a:rPr lang="en-US" dirty="0" smtClean="0"/>
+              <a:t>Displaying the Errors</a:t>
             </a:r>
             <a:endParaRPr lang="en-US" dirty="0"/>
           </a:p>
         </p:txBody>
       </p:sp>
-      <p:pic>
-        <p:nvPicPr>
-          <p:cNvPr id="5122" name="Picture 2"/>
-          <p:cNvPicPr>
-            <a:picLocks noChangeAspect="1" noChangeArrowheads="1"/>
-          </p:cNvPicPr>
-          <p:nvPr/>
-        </p:nvPicPr>
-        <p:blipFill>
-          <a:blip r:embed="rId2" cstate="print"/>
-          <a:srcRect/>
-          <a:stretch>
-            <a:fillRect/>
-          </a:stretch>
-        </p:blipFill>
-        <p:spPr bwMode="auto">
-          <a:xfrm>
-            <a:off x="762000" y="2133600"/>
-            <a:ext cx="6520460" cy="2667000"/>
-          </a:xfrm>
-          <a:prstGeom prst="rect">
-            <a:avLst/>
-          </a:prstGeom>
-          <a:noFill/>
-          <a:ln w="9525">
-            <a:noFill/>
-            <a:miter lim="800000"/>
-            <a:headEnd/>
-            <a:tailEnd/>
-          </a:ln>
-          <a:effectLst/>
-        </p:spPr>
-      </p:pic>
-      <p:sp>
-        <p:nvSpPr>
-          <p:cNvPr id="6" name="Down Arrow 5"/>
-          <p:cNvSpPr/>
-          <p:nvPr/>
-        </p:nvSpPr>
-        <p:spPr>
-          <a:xfrm rot="10800000">
-            <a:off x="5715000" y="4114800"/>
-            <a:ext cx="533400" cy="1143000"/>
-          </a:xfrm>
-          <a:prstGeom prst="downArrow">
-            <a:avLst/>
-          </a:prstGeom>
-        </p:spPr>
-        <p:style>
-          <a:lnRef idx="2">
-            <a:schemeClr val="accent2">
-              <a:shade val="50000"/>
-            </a:schemeClr>
-          </a:lnRef>
-          <a:fillRef idx="1">
-            <a:schemeClr val="accent2"/>
-          </a:fillRef>
-          <a:effectRef idx="0">
-            <a:schemeClr val="accent2"/>
-          </a:effectRef>
-          <a:fontRef idx="minor">
-            <a:schemeClr val="lt1"/>
-          </a:fontRef>
-        </p:style>
-        <p:txBody>
-          <a:bodyPr rtlCol="0" anchor="ctr"/>
-          <a:lstStyle/>
-          <a:p>
-            <a:pPr algn="ctr"/>
-            <a:endParaRPr lang="en-US"/>
-          </a:p>
-        </p:txBody>
-      </p:sp>
-      <p:sp>
-        <p:nvSpPr>
-          <p:cNvPr id="7" name="TextBox 6"/>
-          <p:cNvSpPr txBox="1"/>
-          <p:nvPr/>
-        </p:nvSpPr>
-        <p:spPr>
-          <a:xfrm>
-            <a:off x="3733800" y="5410200"/>
-            <a:ext cx="4660250" cy="369332"/>
-          </a:xfrm>
-          <a:prstGeom prst="rect">
-            <a:avLst/>
-          </a:prstGeom>
-          <a:noFill/>
-        </p:spPr>
-        <p:txBody>
-          <a:bodyPr wrap="none" rtlCol="0">
-            <a:spAutoFit/>
-          </a:bodyPr>
-          <a:lstStyle/>
-          <a:p>
-            <a:r>
-              <a:rPr lang="en-US" dirty="0" smtClean="0"/>
-              <a:t>Exception message will be the error content</a:t>
-            </a:r>
-            <a:endParaRPr lang="en-US" dirty="0"/>
-          </a:p>
-        </p:txBody>
-      </p:sp>
-      <p:sp>
-        <p:nvSpPr>
-          <p:cNvPr id="8" name="TextBox 7"/>
-          <p:cNvSpPr txBox="1"/>
-          <p:nvPr/>
-        </p:nvSpPr>
-        <p:spPr>
-          <a:xfrm>
-            <a:off x="3124200" y="1600200"/>
-            <a:ext cx="1877437" cy="369332"/>
-          </a:xfrm>
-          <a:prstGeom prst="rect">
-            <a:avLst/>
-          </a:prstGeom>
-          <a:noFill/>
-        </p:spPr>
-        <p:txBody>
-          <a:bodyPr wrap="none" rtlCol="0">
-            <a:spAutoFit/>
-          </a:bodyPr>
-          <a:lstStyle/>
-          <a:p>
-            <a:r>
-              <a:rPr lang="en-US" dirty="0" smtClean="0"/>
-              <a:t>Throw exception</a:t>
-            </a:r>
-            <a:endParaRPr lang="en-US" dirty="0"/>
-          </a:p>
-        </p:txBody>
-      </p:sp>
-      <p:sp>
-        <p:nvSpPr>
-          <p:cNvPr id="10" name="Down Arrow 9"/>
-          <p:cNvSpPr/>
-          <p:nvPr/>
-        </p:nvSpPr>
-        <p:spPr>
-          <a:xfrm>
-            <a:off x="3505200" y="2057400"/>
-            <a:ext cx="533400" cy="1600200"/>
-          </a:xfrm>
-          <a:prstGeom prst="downArrow">
-            <a:avLst/>
-          </a:prstGeom>
-        </p:spPr>
-        <p:style>
-          <a:lnRef idx="2">
-            <a:schemeClr val="accent2">
-              <a:shade val="50000"/>
-            </a:schemeClr>
-          </a:lnRef>
-          <a:fillRef idx="1">
-            <a:schemeClr val="accent2"/>
-          </a:fillRef>
-          <a:effectRef idx="0">
-            <a:schemeClr val="accent2"/>
-          </a:effectRef>
-          <a:fontRef idx="minor">
-            <a:schemeClr val="lt1"/>
-          </a:fontRef>
-        </p:style>
-        <p:txBody>
-          <a:bodyPr rtlCol="0" anchor="ctr"/>
-          <a:lstStyle/>
-          <a:p>
-            <a:pPr algn="ctr"/>
+      <p:sp>
+        <p:nvSpPr>
+          <p:cNvPr id="3" name="Text Placeholder 2"/>
+          <p:cNvSpPr>
+            <a:spLocks noGrp="1"/>
+          </p:cNvSpPr>
+          <p:nvPr>
+            <p:ph type="body" idx="1"/>
+          </p:nvPr>
+        </p:nvSpPr>
+        <p:spPr/>
+        <p:txBody>
+          <a:bodyPr/>
+          <a:lstStyle/>
+          <a:p>
             <a:endParaRPr lang="en-US"/>
           </a:p>
         </p:txBody>
@@ -3869,48 +3959,12 @@
         </p:nvSpPr>
         <p:spPr/>
         <p:txBody>
-          <a:bodyPr>
-            <a:normAutofit/>
-          </a:bodyPr>
-          <a:lstStyle/>
-          <a:p>
-            <a:r>
-              <a:rPr lang="en-US" dirty="0" smtClean="0"/>
-              <a:t>On binding…</a:t>
-            </a:r>
-            <a:endParaRPr lang="en-US" dirty="0"/>
-          </a:p>
-        </p:txBody>
-      </p:sp>
-      <p:sp>
-        <p:nvSpPr>
-          <p:cNvPr id="7" name="TextBox 6"/>
-          <p:cNvSpPr txBox="1"/>
-          <p:nvPr/>
-        </p:nvSpPr>
-        <p:spPr>
-          <a:xfrm>
-            <a:off x="3124200" y="1524000"/>
-            <a:ext cx="2963183" cy="369332"/>
-          </a:xfrm>
-          <a:prstGeom prst="rect">
-            <a:avLst/>
-          </a:prstGeom>
-          <a:noFill/>
-        </p:spPr>
-        <p:txBody>
-          <a:bodyPr wrap="none" rtlCol="0">
-            <a:spAutoFit/>
-          </a:bodyPr>
-          <a:lstStyle/>
-          <a:p>
-            <a:r>
-              <a:rPr lang="en-US" dirty="0" smtClean="0"/>
-              <a:t>Set </a:t>
-            </a:r>
-            <a:r>
-              <a:rPr lang="en-US" dirty="0" err="1" smtClean="0"/>
-              <a:t>ValidatesOnExceptions</a:t>
+          <a:bodyPr/>
+          <a:lstStyle/>
+          <a:p>
+            <a:r>
+              <a:rPr lang="en-US" dirty="0" smtClean="0"/>
+              <a:t>Error Template</a:t>
             </a:r>
             <a:endParaRPr lang="en-US" dirty="0"/>
           </a:p>
@@ -3918,7 +3972,7 @@
       </p:sp>
       <p:pic>
         <p:nvPicPr>
-          <p:cNvPr id="6146" name="Picture 2"/>
+          <p:cNvPr id="11266" name="Picture 2"/>
           <p:cNvPicPr>
             <a:picLocks noChangeAspect="1" noChangeArrowheads="1"/>
           </p:cNvPicPr>
@@ -3933,8 +3987,8 @@
         </p:blipFill>
         <p:spPr bwMode="auto">
           <a:xfrm>
-            <a:off x="990600" y="3114675"/>
-            <a:ext cx="6067425" cy="466725"/>
+            <a:off x="304800" y="1752600"/>
+            <a:ext cx="3810000" cy="1362075"/>
           </a:xfrm>
           <a:prstGeom prst="rect">
             <a:avLst/>
@@ -3946,35 +4000,66 @@
             <a:headEnd/>
             <a:tailEnd/>
           </a:ln>
-          <a:effectLst/>
         </p:spPr>
       </p:pic>
-      <p:sp>
-        <p:nvSpPr>
-          <p:cNvPr id="6" name="Down Arrow 5"/>
+      <p:pic>
+        <p:nvPicPr>
+          <p:cNvPr id="11267" name="Picture 3"/>
+          <p:cNvPicPr>
+            <a:picLocks noChangeAspect="1" noChangeArrowheads="1"/>
+          </p:cNvPicPr>
+          <p:nvPr/>
+        </p:nvPicPr>
+        <p:blipFill>
+          <a:blip r:embed="rId3" cstate="print"/>
+          <a:srcRect/>
+          <a:stretch>
+            <a:fillRect/>
+          </a:stretch>
+        </p:blipFill>
+        <p:spPr bwMode="auto">
+          <a:xfrm>
+            <a:off x="2057400" y="3886200"/>
+            <a:ext cx="5848350" cy="1009650"/>
+          </a:xfrm>
+          <a:prstGeom prst="rect">
+            <a:avLst/>
+          </a:prstGeom>
+          <a:noFill/>
+          <a:ln w="9525">
+            <a:noFill/>
+            <a:miter lim="800000"/>
+            <a:headEnd/>
+            <a:tailEnd/>
+          </a:ln>
+        </p:spPr>
+      </p:pic>
+      <p:sp>
+        <p:nvSpPr>
+          <p:cNvPr id="6" name="Bent Arrow 5"/>
           <p:cNvSpPr/>
           <p:nvPr/>
         </p:nvSpPr>
         <p:spPr>
-          <a:xfrm>
-            <a:off x="5029200" y="2057400"/>
-            <a:ext cx="533400" cy="1143000"/>
-          </a:xfrm>
-          <a:prstGeom prst="downArrow">
+          <a:xfrm rot="5400000">
+            <a:off x="4076700" y="2247900"/>
+            <a:ext cx="1905000" cy="1676400"/>
+          </a:xfrm>
+          <a:prstGeom prst="bentArrow">
             <a:avLst/>
           </a:prstGeom>
         </p:spPr>
         <p:style>
           <a:lnRef idx="2">
-            <a:schemeClr val="accent1">
+            <a:schemeClr val="accent2">
               <a:shade val="50000"/>
             </a:schemeClr>
           </a:lnRef>
           <a:fillRef idx="1">
-            <a:schemeClr val="accent1"/>
+            <a:schemeClr val="accent2"/>
           </a:fillRef>
           <a:effectRef idx="0">
-            <a:schemeClr val="accent1"/>
+            <a:schemeClr val="accent2"/>
           </a:effectRef>
           <a:fontRef idx="minor">
             <a:schemeClr val="lt1"/>
@@ -3985,7 +4070,41 @@
           <a:lstStyle/>
           <a:p>
             <a:pPr algn="ctr"/>
-            <a:endParaRPr lang="en-US"/>
+            <a:endParaRPr lang="en-US">
+              <a:solidFill>
+                <a:schemeClr val="tx1"/>
+              </a:solidFill>
+            </a:endParaRPr>
+          </a:p>
+        </p:txBody>
+      </p:sp>
+      <p:sp>
+        <p:nvSpPr>
+          <p:cNvPr id="7" name="TextBox 6"/>
+          <p:cNvSpPr txBox="1"/>
+          <p:nvPr/>
+        </p:nvSpPr>
+        <p:spPr>
+          <a:xfrm>
+            <a:off x="4953000" y="1752600"/>
+            <a:ext cx="2284408" cy="369332"/>
+          </a:xfrm>
+          <a:prstGeom prst="rect">
+            <a:avLst/>
+          </a:prstGeom>
+          <a:noFill/>
+        </p:spPr>
+        <p:txBody>
+          <a:bodyPr wrap="none" rtlCol="0">
+            <a:spAutoFit/>
+          </a:bodyPr>
+          <a:lstStyle/>
+          <a:p>
+            <a:r>
+              <a:rPr lang="en-US" dirty="0" smtClean="0"/>
+              <a:t>Creates the red border</a:t>
+            </a:r>
+            <a:endParaRPr lang="en-US" dirty="0"/>
           </a:p>
         </p:txBody>
       </p:sp>
@@ -4031,32 +4150,221 @@
           <a:p>
             <a:r>
               <a:rPr lang="en-US" dirty="0" smtClean="0"/>
-              <a:t>Using </a:t>
-            </a:r>
-            <a:r>
-              <a:rPr lang="en-US" dirty="0" err="1" smtClean="0"/>
-              <a:t>IDataErrorinfo</a:t>
+              <a:t>Displaying Error Message</a:t>
             </a:r>
             <a:endParaRPr lang="en-US" dirty="0"/>
           </a:p>
         </p:txBody>
       </p:sp>
-      <p:sp>
-        <p:nvSpPr>
-          <p:cNvPr id="3" name="Text Placeholder 2"/>
-          <p:cNvSpPr>
-            <a:spLocks noGrp="1"/>
-          </p:cNvSpPr>
-          <p:nvPr>
-            <p:ph type="body" idx="1"/>
-          </p:nvPr>
-        </p:nvSpPr>
-        <p:spPr/>
-        <p:txBody>
-          <a:bodyPr/>
-          <a:lstStyle/>
-          <a:p>
+      <p:pic>
+        <p:nvPicPr>
+          <p:cNvPr id="4" name="Picture 3"/>
+          <p:cNvPicPr>
+            <a:picLocks noChangeAspect="1" noChangeArrowheads="1"/>
+          </p:cNvPicPr>
+          <p:nvPr/>
+        </p:nvPicPr>
+        <p:blipFill>
+          <a:blip r:embed="rId2" cstate="print"/>
+          <a:srcRect/>
+          <a:stretch>
+            <a:fillRect/>
+          </a:stretch>
+        </p:blipFill>
+        <p:spPr bwMode="auto">
+          <a:xfrm>
+            <a:off x="2133600" y="4495800"/>
+            <a:ext cx="5848350" cy="1009650"/>
+          </a:xfrm>
+          <a:prstGeom prst="rect">
+            <a:avLst/>
+          </a:prstGeom>
+          <a:noFill/>
+          <a:ln w="9525">
+            <a:noFill/>
+            <a:miter lim="800000"/>
+            <a:headEnd/>
+            <a:tailEnd/>
+          </a:ln>
+        </p:spPr>
+      </p:pic>
+      <p:pic>
+        <p:nvPicPr>
+          <p:cNvPr id="12290" name="Picture 2"/>
+          <p:cNvPicPr>
+            <a:picLocks noChangeAspect="1" noChangeArrowheads="1"/>
+          </p:cNvPicPr>
+          <p:nvPr/>
+        </p:nvPicPr>
+        <p:blipFill>
+          <a:blip r:embed="rId3" cstate="print"/>
+          <a:srcRect/>
+          <a:stretch>
+            <a:fillRect/>
+          </a:stretch>
+        </p:blipFill>
+        <p:spPr bwMode="auto">
+          <a:xfrm>
+            <a:off x="228600" y="1828800"/>
+            <a:ext cx="8524875" cy="2438400"/>
+          </a:xfrm>
+          <a:prstGeom prst="rect">
+            <a:avLst/>
+          </a:prstGeom>
+          <a:noFill/>
+          <a:ln w="9525">
+            <a:noFill/>
+            <a:miter lim="800000"/>
+            <a:headEnd/>
+            <a:tailEnd/>
+          </a:ln>
+        </p:spPr>
+      </p:pic>
+      <p:sp>
+        <p:nvSpPr>
+          <p:cNvPr id="6" name="TextBox 5"/>
+          <p:cNvSpPr txBox="1"/>
+          <p:nvPr/>
+        </p:nvSpPr>
+        <p:spPr>
+          <a:xfrm>
+            <a:off x="3657600" y="1295400"/>
+            <a:ext cx="4294061" cy="369332"/>
+          </a:xfrm>
+          <a:prstGeom prst="rect">
+            <a:avLst/>
+          </a:prstGeom>
+          <a:noFill/>
+        </p:spPr>
+        <p:txBody>
+          <a:bodyPr wrap="none" rtlCol="0">
+            <a:spAutoFit/>
+          </a:bodyPr>
+          <a:lstStyle/>
+          <a:p>
+            <a:r>
+              <a:rPr lang="en-US" dirty="0" smtClean="0"/>
+              <a:t>This is setting the error template we specified</a:t>
+            </a:r>
+            <a:endParaRPr lang="en-US" dirty="0"/>
+          </a:p>
+        </p:txBody>
+      </p:sp>
+      <p:sp>
+        <p:nvSpPr>
+          <p:cNvPr id="7" name="Down Arrow 6"/>
+          <p:cNvSpPr/>
+          <p:nvPr/>
+        </p:nvSpPr>
+        <p:spPr>
+          <a:xfrm>
+            <a:off x="6629400" y="1676400"/>
+            <a:ext cx="381000" cy="381000"/>
+          </a:xfrm>
+          <a:prstGeom prst="downArrow">
+            <a:avLst/>
+          </a:prstGeom>
+        </p:spPr>
+        <p:style>
+          <a:lnRef idx="2">
+            <a:schemeClr val="accent2">
+              <a:shade val="50000"/>
+            </a:schemeClr>
+          </a:lnRef>
+          <a:fillRef idx="1">
+            <a:schemeClr val="accent2"/>
+          </a:fillRef>
+          <a:effectRef idx="0">
+            <a:schemeClr val="accent2"/>
+          </a:effectRef>
+          <a:fontRef idx="minor">
+            <a:schemeClr val="lt1"/>
+          </a:fontRef>
+        </p:style>
+        <p:txBody>
+          <a:bodyPr rtlCol="0" anchor="ctr"/>
+          <a:lstStyle/>
+          <a:p>
+            <a:pPr algn="ctr"/>
             <a:endParaRPr lang="en-US"/>
+          </a:p>
+        </p:txBody>
+      </p:sp>
+      <p:sp>
+        <p:nvSpPr>
+          <p:cNvPr id="8" name="Down Arrow 7"/>
+          <p:cNvSpPr/>
+          <p:nvPr/>
+        </p:nvSpPr>
+        <p:spPr>
+          <a:xfrm>
+            <a:off x="3124200" y="3429000"/>
+            <a:ext cx="533400" cy="1600200"/>
+          </a:xfrm>
+          <a:prstGeom prst="downArrow">
+            <a:avLst/>
+          </a:prstGeom>
+        </p:spPr>
+        <p:style>
+          <a:lnRef idx="2">
+            <a:schemeClr val="accent2">
+              <a:shade val="50000"/>
+            </a:schemeClr>
+          </a:lnRef>
+          <a:fillRef idx="1">
+            <a:schemeClr val="accent2"/>
+          </a:fillRef>
+          <a:effectRef idx="0">
+            <a:schemeClr val="accent2"/>
+          </a:effectRef>
+          <a:fontRef idx="minor">
+            <a:schemeClr val="lt1"/>
+          </a:fontRef>
+        </p:style>
+        <p:txBody>
+          <a:bodyPr rtlCol="0" anchor="ctr"/>
+          <a:lstStyle/>
+          <a:p>
+            <a:pPr algn="ctr"/>
+            <a:endParaRPr lang="en-US"/>
+          </a:p>
+        </p:txBody>
+      </p:sp>
+      <p:sp>
+        <p:nvSpPr>
+          <p:cNvPr id="9" name="TextBox 8"/>
+          <p:cNvSpPr txBox="1"/>
+          <p:nvPr/>
+        </p:nvSpPr>
+        <p:spPr>
+          <a:xfrm>
+            <a:off x="3733800" y="3733800"/>
+            <a:ext cx="4533613" cy="369332"/>
+          </a:xfrm>
+          <a:prstGeom prst="rect">
+            <a:avLst/>
+          </a:prstGeom>
+          <a:noFill/>
+        </p:spPr>
+        <p:txBody>
+          <a:bodyPr wrap="none" rtlCol="0">
+            <a:spAutoFit/>
+          </a:bodyPr>
+          <a:lstStyle/>
+          <a:p>
+            <a:r>
+              <a:rPr lang="en-US" dirty="0" smtClean="0">
+                <a:solidFill>
+                  <a:schemeClr val="bg1"/>
+                </a:solidFill>
+              </a:rPr>
+              <a:t>This trigger sets the tooltip to the error message</a:t>
+            </a:r>
+            <a:endParaRPr lang="en-US" dirty="0">
+              <a:solidFill>
+                <a:schemeClr val="bg1"/>
+              </a:solidFill>
+            </a:endParaRPr>
           </a:p>
         </p:txBody>
       </p:sp>
@@ -4102,114 +4410,27 @@
           <a:p>
             <a:r>
               <a:rPr lang="en-US" dirty="0" smtClean="0"/>
-              <a:t>Implements</a:t>
+              <a:t>Using Exceptions</a:t>
             </a:r>
             <a:endParaRPr lang="en-US" dirty="0"/>
           </a:p>
         </p:txBody>
       </p:sp>
-      <p:pic>
-        <p:nvPicPr>
-          <p:cNvPr id="7170" name="Picture 2"/>
-          <p:cNvPicPr>
-            <a:picLocks noChangeAspect="1" noChangeArrowheads="1"/>
-          </p:cNvPicPr>
-          <p:nvPr/>
-        </p:nvPicPr>
-        <p:blipFill>
-          <a:blip r:embed="rId2" cstate="print"/>
-          <a:srcRect/>
-          <a:stretch>
-            <a:fillRect/>
-          </a:stretch>
-        </p:blipFill>
-        <p:spPr bwMode="auto">
-          <a:xfrm>
-            <a:off x="762000" y="1447800"/>
-            <a:ext cx="1838325" cy="419100"/>
-          </a:xfrm>
-          <a:prstGeom prst="rect">
-            <a:avLst/>
-          </a:prstGeom>
-          <a:noFill/>
-          <a:ln w="9525">
-            <a:noFill/>
-            <a:miter lim="800000"/>
-            <a:headEnd/>
-            <a:tailEnd/>
-          </a:ln>
-          <a:effectLst/>
-        </p:spPr>
-      </p:pic>
-      <p:pic>
-        <p:nvPicPr>
-          <p:cNvPr id="7171" name="Picture 3"/>
-          <p:cNvPicPr>
-            <a:picLocks noChangeAspect="1" noChangeArrowheads="1"/>
-          </p:cNvPicPr>
-          <p:nvPr/>
-        </p:nvPicPr>
-        <p:blipFill>
-          <a:blip r:embed="rId3" cstate="print"/>
-          <a:srcRect/>
-          <a:stretch>
-            <a:fillRect/>
-          </a:stretch>
-        </p:blipFill>
-        <p:spPr bwMode="auto">
-          <a:xfrm>
-            <a:off x="762000" y="2676525"/>
-            <a:ext cx="4895850" cy="2124075"/>
-          </a:xfrm>
-          <a:prstGeom prst="rect">
-            <a:avLst/>
-          </a:prstGeom>
-          <a:noFill/>
-          <a:ln w="9525">
-            <a:noFill/>
-            <a:miter lim="800000"/>
-            <a:headEnd/>
-            <a:tailEnd/>
-          </a:ln>
-          <a:effectLst/>
-        </p:spPr>
-      </p:pic>
-      <p:sp>
-        <p:nvSpPr>
-          <p:cNvPr id="6" name="Down Arrow 5"/>
-          <p:cNvSpPr/>
-          <p:nvPr/>
-        </p:nvSpPr>
-        <p:spPr>
-          <a:xfrm>
-            <a:off x="1524000" y="1905000"/>
-            <a:ext cx="391886" cy="685800"/>
-          </a:xfrm>
-          <a:prstGeom prst="downArrow">
-            <a:avLst/>
-          </a:prstGeom>
-        </p:spPr>
-        <p:style>
-          <a:lnRef idx="2">
-            <a:schemeClr val="accent1">
-              <a:shade val="50000"/>
-            </a:schemeClr>
-          </a:lnRef>
-          <a:fillRef idx="1">
-            <a:schemeClr val="accent1"/>
-          </a:fillRef>
-          <a:effectRef idx="0">
-            <a:schemeClr val="accent1"/>
-          </a:effectRef>
-          <a:fontRef idx="minor">
-            <a:schemeClr val="lt1"/>
-          </a:fontRef>
-        </p:style>
-        <p:txBody>
-          <a:bodyPr rtlCol="0" anchor="ctr"/>
-          <a:lstStyle/>
-          <a:p>
-            <a:pPr algn="ctr"/>
+      <p:sp>
+        <p:nvSpPr>
+          <p:cNvPr id="3" name="Text Placeholder 2"/>
+          <p:cNvSpPr>
+            <a:spLocks noGrp="1"/>
+          </p:cNvSpPr>
+          <p:nvPr>
+            <p:ph type="body" idx="1"/>
+          </p:nvPr>
+        </p:nvSpPr>
+        <p:spPr/>
+        <p:txBody>
+          <a:bodyPr/>
+          <a:lstStyle/>
+          <a:p>
             <a:endParaRPr lang="en-US"/>
           </a:p>
         </p:txBody>
@@ -4239,38 +4460,9 @@
           <a:chExt cx="0" cy="0"/>
         </a:xfrm>
       </p:grpSpPr>
-      <p:sp>
-        <p:nvSpPr>
-          <p:cNvPr id="2" name="Title 1"/>
-          <p:cNvSpPr>
-            <a:spLocks noGrp="1"/>
-          </p:cNvSpPr>
-          <p:nvPr>
-            <p:ph type="title"/>
-          </p:nvPr>
-        </p:nvSpPr>
-        <p:spPr/>
-        <p:txBody>
-          <a:bodyPr>
-            <a:normAutofit/>
-          </a:bodyPr>
-          <a:lstStyle/>
-          <a:p>
-            <a:r>
-              <a:rPr lang="en-US" dirty="0" smtClean="0"/>
-              <a:t>On base </a:t>
-            </a:r>
-            <a:r>
-              <a:rPr lang="en-US" dirty="0" err="1" smtClean="0"/>
-              <a:t>ViewModel</a:t>
-            </a:r>
-            <a:endParaRPr lang="en-US" dirty="0"/>
-          </a:p>
-        </p:txBody>
-      </p:sp>
       <p:pic>
         <p:nvPicPr>
-          <p:cNvPr id="8194" name="Picture 2"/>
+          <p:cNvPr id="18434" name="Picture 2"/>
           <p:cNvPicPr>
             <a:picLocks noChangeAspect="1" noChangeArrowheads="1"/>
           </p:cNvPicPr>
@@ -4285,8 +4477,8 @@
         </p:blipFill>
         <p:spPr bwMode="auto">
           <a:xfrm>
-            <a:off x="685800" y="1295400"/>
-            <a:ext cx="5867400" cy="4752975"/>
+            <a:off x="990600" y="2362200"/>
+            <a:ext cx="6067425" cy="2667000"/>
           </a:xfrm>
           <a:prstGeom prst="rect">
             <a:avLst/>
@@ -4298,9 +4490,173 @@
             <a:headEnd/>
             <a:tailEnd/>
           </a:ln>
-          <a:effectLst/>
         </p:spPr>
       </p:pic>
+      <p:sp>
+        <p:nvSpPr>
+          <p:cNvPr id="2" name="Title 1"/>
+          <p:cNvSpPr>
+            <a:spLocks noGrp="1"/>
+          </p:cNvSpPr>
+          <p:nvPr>
+            <p:ph type="title"/>
+          </p:nvPr>
+        </p:nvSpPr>
+        <p:spPr/>
+        <p:txBody>
+          <a:bodyPr>
+            <a:normAutofit/>
+          </a:bodyPr>
+          <a:lstStyle/>
+          <a:p>
+            <a:r>
+              <a:rPr lang="en-US" dirty="0" smtClean="0"/>
+              <a:t>On source…</a:t>
+            </a:r>
+            <a:endParaRPr lang="en-US" dirty="0"/>
+          </a:p>
+        </p:txBody>
+      </p:sp>
+      <p:sp>
+        <p:nvSpPr>
+          <p:cNvPr id="6" name="Down Arrow 5"/>
+          <p:cNvSpPr/>
+          <p:nvPr/>
+        </p:nvSpPr>
+        <p:spPr>
+          <a:xfrm rot="10800000">
+            <a:off x="5715000" y="4114800"/>
+            <a:ext cx="533400" cy="1143000"/>
+          </a:xfrm>
+          <a:prstGeom prst="downArrow">
+            <a:avLst/>
+          </a:prstGeom>
+        </p:spPr>
+        <p:style>
+          <a:lnRef idx="2">
+            <a:schemeClr val="accent2">
+              <a:shade val="50000"/>
+            </a:schemeClr>
+          </a:lnRef>
+          <a:fillRef idx="1">
+            <a:schemeClr val="accent2"/>
+          </a:fillRef>
+          <a:effectRef idx="0">
+            <a:schemeClr val="accent2"/>
+          </a:effectRef>
+          <a:fontRef idx="minor">
+            <a:schemeClr val="lt1"/>
+          </a:fontRef>
+        </p:style>
+        <p:txBody>
+          <a:bodyPr rtlCol="0" anchor="ctr"/>
+          <a:lstStyle/>
+          <a:p>
+            <a:pPr algn="ctr"/>
+            <a:endParaRPr lang="en-US"/>
+          </a:p>
+        </p:txBody>
+      </p:sp>
+      <p:sp>
+        <p:nvSpPr>
+          <p:cNvPr id="7" name="TextBox 6"/>
+          <p:cNvSpPr txBox="1"/>
+          <p:nvPr/>
+        </p:nvSpPr>
+        <p:spPr>
+          <a:xfrm>
+            <a:off x="3733800" y="5410200"/>
+            <a:ext cx="4660250" cy="369332"/>
+          </a:xfrm>
+          <a:prstGeom prst="rect">
+            <a:avLst/>
+          </a:prstGeom>
+          <a:noFill/>
+        </p:spPr>
+        <p:txBody>
+          <a:bodyPr wrap="none" rtlCol="0">
+            <a:spAutoFit/>
+          </a:bodyPr>
+          <a:lstStyle/>
+          <a:p>
+            <a:r>
+              <a:rPr lang="en-US" dirty="0" smtClean="0"/>
+              <a:t>Exception message will be the error content</a:t>
+            </a:r>
+            <a:endParaRPr lang="en-US" dirty="0"/>
+          </a:p>
+        </p:txBody>
+      </p:sp>
+      <p:sp>
+        <p:nvSpPr>
+          <p:cNvPr id="8" name="TextBox 7"/>
+          <p:cNvSpPr txBox="1"/>
+          <p:nvPr/>
+        </p:nvSpPr>
+        <p:spPr>
+          <a:xfrm>
+            <a:off x="3124200" y="1600200"/>
+            <a:ext cx="1877437" cy="369332"/>
+          </a:xfrm>
+          <a:prstGeom prst="rect">
+            <a:avLst/>
+          </a:prstGeom>
+          <a:noFill/>
+        </p:spPr>
+        <p:txBody>
+          <a:bodyPr wrap="none" rtlCol="0">
+            <a:spAutoFit/>
+          </a:bodyPr>
+          <a:lstStyle/>
+          <a:p>
+            <a:r>
+              <a:rPr lang="en-US" dirty="0" smtClean="0"/>
+              <a:t>Throw exception</a:t>
+            </a:r>
+            <a:endParaRPr lang="en-US" dirty="0"/>
+          </a:p>
+        </p:txBody>
+      </p:sp>
+      <p:sp>
+        <p:nvSpPr>
+          <p:cNvPr id="10" name="Down Arrow 9"/>
+          <p:cNvSpPr/>
+          <p:nvPr/>
+        </p:nvSpPr>
+        <p:spPr>
+          <a:xfrm>
+            <a:off x="3505200" y="2057400"/>
+            <a:ext cx="533400" cy="1600200"/>
+          </a:xfrm>
+          <a:prstGeom prst="downArrow">
+            <a:avLst/>
+          </a:prstGeom>
+        </p:spPr>
+        <p:style>
+          <a:lnRef idx="2">
+            <a:schemeClr val="accent2">
+              <a:shade val="50000"/>
+            </a:schemeClr>
+          </a:lnRef>
+          <a:fillRef idx="1">
+            <a:schemeClr val="accent2"/>
+          </a:fillRef>
+          <a:effectRef idx="0">
+            <a:schemeClr val="accent2"/>
+          </a:effectRef>
+          <a:fontRef idx="minor">
+            <a:schemeClr val="lt1"/>
+          </a:fontRef>
+        </p:style>
+        <p:txBody>
+          <a:bodyPr rtlCol="0" anchor="ctr"/>
+          <a:lstStyle/>
+          <a:p>
+            <a:pPr algn="ctr"/>
+            <a:endParaRPr lang="en-US"/>
+          </a:p>
+        </p:txBody>
+      </p:sp>
     </p:spTree>
   </p:cSld>
   <p:clrMapOvr>
@@ -4338,12 +4694,48 @@
         </p:nvSpPr>
         <p:spPr/>
         <p:txBody>
-          <a:bodyPr/>
-          <a:lstStyle/>
-          <a:p>
-            <a:r>
-              <a:rPr lang="en-US" dirty="0" smtClean="0"/>
-              <a:t>On Party Invitee View Model</a:t>
+          <a:bodyPr>
+            <a:normAutofit/>
+          </a:bodyPr>
+          <a:lstStyle/>
+          <a:p>
+            <a:r>
+              <a:rPr lang="en-US" dirty="0" smtClean="0"/>
+              <a:t>On binding…</a:t>
+            </a:r>
+            <a:endParaRPr lang="en-US" dirty="0"/>
+          </a:p>
+        </p:txBody>
+      </p:sp>
+      <p:sp>
+        <p:nvSpPr>
+          <p:cNvPr id="7" name="TextBox 6"/>
+          <p:cNvSpPr txBox="1"/>
+          <p:nvPr/>
+        </p:nvSpPr>
+        <p:spPr>
+          <a:xfrm>
+            <a:off x="3124200" y="1524000"/>
+            <a:ext cx="2963183" cy="369332"/>
+          </a:xfrm>
+          <a:prstGeom prst="rect">
+            <a:avLst/>
+          </a:prstGeom>
+          <a:noFill/>
+        </p:spPr>
+        <p:txBody>
+          <a:bodyPr wrap="none" rtlCol="0">
+            <a:spAutoFit/>
+          </a:bodyPr>
+          <a:lstStyle/>
+          <a:p>
+            <a:r>
+              <a:rPr lang="en-US" dirty="0" smtClean="0"/>
+              <a:t>Set </a:t>
+            </a:r>
+            <a:r>
+              <a:rPr lang="en-US" dirty="0" err="1" smtClean="0"/>
+              <a:t>ValidatesOnExceptions</a:t>
             </a:r>
             <a:endParaRPr lang="en-US" dirty="0"/>
           </a:p>
@@ -4351,7 +4743,7 @@
       </p:sp>
       <p:pic>
         <p:nvPicPr>
-          <p:cNvPr id="9218" name="Picture 2"/>
+          <p:cNvPr id="6146" name="Picture 2"/>
           <p:cNvPicPr>
             <a:picLocks noChangeAspect="1" noChangeArrowheads="1"/>
           </p:cNvPicPr>
@@ -4366,8 +4758,8 @@
         </p:blipFill>
         <p:spPr bwMode="auto">
           <a:xfrm>
-            <a:off x="609600" y="1295400"/>
-            <a:ext cx="7686675" cy="5054492"/>
+            <a:off x="990600" y="3114675"/>
+            <a:ext cx="6067425" cy="466725"/>
           </a:xfrm>
           <a:prstGeom prst="rect">
             <a:avLst/>
@@ -4382,6 +4774,46 @@
           <a:effectLst/>
         </p:spPr>
       </p:pic>
+      <p:sp>
+        <p:nvSpPr>
+          <p:cNvPr id="6" name="Down Arrow 5"/>
+          <p:cNvSpPr/>
+          <p:nvPr/>
+        </p:nvSpPr>
+        <p:spPr>
+          <a:xfrm>
+            <a:off x="5029200" y="2057400"/>
+            <a:ext cx="533400" cy="1143000"/>
+          </a:xfrm>
+          <a:prstGeom prst="downArrow">
+            <a:avLst/>
+          </a:prstGeom>
+        </p:spPr>
+        <p:style>
+          <a:lnRef idx="2">
+            <a:schemeClr val="accent2">
+              <a:shade val="50000"/>
+            </a:schemeClr>
+          </a:lnRef>
+          <a:fillRef idx="1">
+            <a:schemeClr val="accent2"/>
+          </a:fillRef>
+          <a:effectRef idx="0">
+            <a:schemeClr val="accent2"/>
+          </a:effectRef>
+          <a:fontRef idx="minor">
+            <a:schemeClr val="lt1"/>
+          </a:fontRef>
+        </p:style>
+        <p:txBody>
+          <a:bodyPr rtlCol="0" anchor="ctr"/>
+          <a:lstStyle/>
+          <a:p>
+            <a:pPr algn="ctr"/>
+            <a:endParaRPr lang="en-US"/>
+          </a:p>
+        </p:txBody>
+      </p:sp>
     </p:spTree>
   </p:cSld>
   <p:clrMapOvr>
@@ -4419,12 +4851,14 @@
         </p:nvSpPr>
         <p:spPr/>
         <p:txBody>
-          <a:bodyPr/>
-          <a:lstStyle/>
-          <a:p>
-            <a:r>
-              <a:rPr lang="en-US" dirty="0" smtClean="0"/>
-              <a:t>Agenda</a:t>
+          <a:bodyPr>
+            <a:normAutofit fontScale="90000"/>
+          </a:bodyPr>
+          <a:lstStyle/>
+          <a:p>
+            <a:r>
+              <a:rPr lang="en-US" dirty="0" smtClean="0"/>
+              <a:t>If you know all this… then feel free to leave</a:t>
             </a:r>
             <a:endParaRPr lang="en-US" dirty="0"/>
           </a:p>
@@ -4447,25 +4881,31 @@
           <a:p>
             <a:r>
               <a:rPr lang="en-US" dirty="0" smtClean="0"/>
-              <a:t>Binding Validation</a:t>
+              <a:t>How to do binding validation with:</a:t>
             </a:r>
           </a:p>
           <a:p>
             <a:pPr lvl="1"/>
             <a:r>
               <a:rPr lang="en-US" dirty="0" smtClean="0"/>
-              <a:t>Validation Rule</a:t>
-            </a:r>
-          </a:p>
-          <a:p>
-            <a:pPr lvl="1"/>
-            <a:r>
-              <a:rPr lang="en-US" smtClean="0"/>
-              <a:t>Error Template</a:t>
-            </a:r>
-            <a:endParaRPr lang="en-US" dirty="0" smtClean="0"/>
-          </a:p>
-          <a:p>
+              <a:t>Validation Rules</a:t>
+            </a:r>
+          </a:p>
+          <a:p>
+            <a:pPr lvl="1">
+              <a:buFontTx/>
+              <a:buChar char="-"/>
+            </a:pPr>
+            <a:r>
+              <a:rPr lang="en-US" dirty="0" smtClean="0"/>
+              <a:t>Exceptions</a:t>
+            </a:r>
+          </a:p>
+          <a:p>
+            <a:pPr lvl="1">
+              <a:buFontTx/>
+              <a:buChar char="-"/>
+            </a:pPr>
             <a:r>
               <a:rPr lang="en-US" dirty="0" err="1" smtClean="0"/>
               <a:t>IDataErrorInfo</a:t>
@@ -4473,15 +4913,23 @@
             <a:endParaRPr lang="en-US" dirty="0" smtClean="0"/>
           </a:p>
           <a:p>
-            <a:r>
-              <a:rPr lang="en-US" dirty="0" smtClean="0"/>
-              <a:t>Enterprise Library 4</a:t>
-            </a:r>
-          </a:p>
-          <a:p>
-            <a:r>
-              <a:rPr lang="en-US" dirty="0" smtClean="0"/>
-              <a:t>Custom Markup Extension</a:t>
+            <a:pPr lvl="1">
+              <a:buFontTx/>
+              <a:buChar char="-"/>
+            </a:pPr>
+            <a:r>
+              <a:rPr lang="en-US" dirty="0" smtClean="0"/>
+              <a:t>Validation Application Block</a:t>
+            </a:r>
+          </a:p>
+          <a:p>
+            <a:pPr lvl="1">
+              <a:buFontTx/>
+              <a:buChar char="-"/>
+            </a:pPr>
+            <a:r>
+              <a:rPr lang="en-US" dirty="0" smtClean="0"/>
+              <a:t>Markup Extensions</a:t>
             </a:r>
             <a:endParaRPr lang="en-US" dirty="0"/>
           </a:p>
@@ -4529,7 +4977,7 @@
           <a:p>
             <a:r>
               <a:rPr lang="en-US" dirty="0" smtClean="0"/>
-              <a:t>On Binding</a:t>
+              <a:t>Exception Messages</a:t>
             </a:r>
             <a:endParaRPr lang="en-US" dirty="0"/>
           </a:p>
@@ -4537,11 +4985,13 @@
       </p:sp>
       <p:pic>
         <p:nvPicPr>
-          <p:cNvPr id="10242" name="Picture 2"/>
+          <p:cNvPr id="17410" name="Picture 2"/>
           <p:cNvPicPr>
-            <a:picLocks noChangeAspect="1" noChangeArrowheads="1"/>
+            <a:picLocks noGrp="1" noChangeAspect="1" noChangeArrowheads="1"/>
           </p:cNvPicPr>
-          <p:nvPr/>
+          <p:nvPr>
+            <p:ph idx="1"/>
+          </p:nvPr>
         </p:nvPicPr>
         <p:blipFill>
           <a:blip r:embed="rId2" cstate="print"/>
@@ -4552,8 +5002,8 @@
         </p:blipFill>
         <p:spPr bwMode="auto">
           <a:xfrm>
-            <a:off x="838200" y="1905000"/>
-            <a:ext cx="6977743" cy="381000"/>
+            <a:off x="1295400" y="1447800"/>
+            <a:ext cx="5819775" cy="971550"/>
           </a:xfrm>
           <a:prstGeom prst="rect">
             <a:avLst/>
@@ -4565,59 +5015,82 @@
             <a:headEnd/>
             <a:tailEnd/>
           </a:ln>
-          <a:effectLst/>
         </p:spPr>
       </p:pic>
-      <p:sp>
-        <p:nvSpPr>
-          <p:cNvPr id="5" name="Down Arrow 4"/>
-          <p:cNvSpPr/>
+      <p:pic>
+        <p:nvPicPr>
+          <p:cNvPr id="17412" name="Picture 4"/>
+          <p:cNvPicPr>
+            <a:picLocks noChangeAspect="1" noChangeArrowheads="1"/>
+          </p:cNvPicPr>
+          <p:nvPr/>
+        </p:nvPicPr>
+        <p:blipFill>
+          <a:blip r:embed="rId3" cstate="print"/>
+          <a:srcRect/>
+          <a:stretch>
+            <a:fillRect/>
+          </a:stretch>
+        </p:blipFill>
+        <p:spPr bwMode="auto">
+          <a:xfrm>
+            <a:off x="1295400" y="4876800"/>
+            <a:ext cx="5819775" cy="942975"/>
+          </a:xfrm>
+          <a:prstGeom prst="rect">
+            <a:avLst/>
+          </a:prstGeom>
+          <a:noFill/>
+          <a:ln w="9525">
+            <a:noFill/>
+            <a:miter lim="800000"/>
+            <a:headEnd/>
+            <a:tailEnd/>
+          </a:ln>
+        </p:spPr>
+      </p:pic>
+      <p:pic>
+        <p:nvPicPr>
+          <p:cNvPr id="17414" name="Picture 6"/>
+          <p:cNvPicPr>
+            <a:picLocks noChangeAspect="1" noChangeArrowheads="1"/>
+          </p:cNvPicPr>
+          <p:nvPr/>
+        </p:nvPicPr>
+        <p:blipFill>
+          <a:blip r:embed="rId4" cstate="print"/>
+          <a:srcRect/>
+          <a:stretch>
+            <a:fillRect/>
+          </a:stretch>
+        </p:blipFill>
+        <p:spPr bwMode="auto">
+          <a:xfrm>
+            <a:off x="1295400" y="3124200"/>
+            <a:ext cx="5829300" cy="923925"/>
+          </a:xfrm>
+          <a:prstGeom prst="rect">
+            <a:avLst/>
+          </a:prstGeom>
+          <a:noFill/>
+          <a:ln w="9525">
+            <a:noFill/>
+            <a:miter lim="800000"/>
+            <a:headEnd/>
+            <a:tailEnd/>
+          </a:ln>
+        </p:spPr>
+      </p:pic>
+      <p:sp>
+        <p:nvSpPr>
+          <p:cNvPr id="9" name="TextBox 8"/>
+          <p:cNvSpPr txBox="1"/>
           <p:nvPr/>
         </p:nvSpPr>
         <p:spPr>
-          <a:xfrm rot="10800000">
-            <a:off x="5029200" y="2362200"/>
-            <a:ext cx="609600" cy="1230702"/>
-          </a:xfrm>
-          <a:prstGeom prst="downArrow">
-            <a:avLst/>
-          </a:prstGeom>
-        </p:spPr>
-        <p:style>
-          <a:lnRef idx="2">
-            <a:schemeClr val="accent1">
-              <a:shade val="50000"/>
-            </a:schemeClr>
-          </a:lnRef>
-          <a:fillRef idx="1">
-            <a:schemeClr val="accent1"/>
-          </a:fillRef>
-          <a:effectRef idx="0">
-            <a:schemeClr val="accent1"/>
-          </a:effectRef>
-          <a:fontRef idx="minor">
-            <a:schemeClr val="lt1"/>
-          </a:fontRef>
-        </p:style>
-        <p:txBody>
-          <a:bodyPr rtlCol="0" anchor="ctr"/>
-          <a:lstStyle/>
-          <a:p>
-            <a:pPr algn="ctr"/>
-            <a:endParaRPr lang="en-US"/>
-          </a:p>
-        </p:txBody>
-      </p:sp>
-      <p:sp>
-        <p:nvSpPr>
-          <p:cNvPr id="6" name="TextBox 5"/>
-          <p:cNvSpPr txBox="1"/>
-          <p:nvPr/>
-        </p:nvSpPr>
-        <p:spPr>
-          <a:xfrm>
-            <a:off x="3657600" y="3657600"/>
-            <a:ext cx="2732351" cy="369332"/>
+          <a:xfrm>
+            <a:off x="1371600" y="2667000"/>
+            <a:ext cx="5253361" cy="369332"/>
           </a:xfrm>
           <a:prstGeom prst="rect">
             <a:avLst/>
@@ -4632,7 +5105,37 @@
           <a:p>
             <a:r>
               <a:rPr lang="en-US" dirty="0" smtClean="0"/>
-              <a:t>Validates On Data Errors</a:t>
+              <a:t>Hmm… not exactly the error message we would want…</a:t>
+            </a:r>
+            <a:endParaRPr lang="en-US" dirty="0"/>
+          </a:p>
+        </p:txBody>
+      </p:sp>
+      <p:sp>
+        <p:nvSpPr>
+          <p:cNvPr id="10" name="TextBox 9"/>
+          <p:cNvSpPr txBox="1"/>
+          <p:nvPr/>
+        </p:nvSpPr>
+        <p:spPr>
+          <a:xfrm>
+            <a:off x="1447800" y="4267200"/>
+            <a:ext cx="4370042" cy="369332"/>
+          </a:xfrm>
+          <a:prstGeom prst="rect">
+            <a:avLst/>
+          </a:prstGeom>
+          <a:noFill/>
+        </p:spPr>
+        <p:txBody>
+          <a:bodyPr wrap="none" rtlCol="0">
+            <a:spAutoFit/>
+          </a:bodyPr>
+          <a:lstStyle/>
+          <a:p>
+            <a:r>
+              <a:rPr lang="en-US" dirty="0" smtClean="0"/>
+              <a:t>Although nice to report.. The message is lame</a:t>
             </a:r>
             <a:endParaRPr lang="en-US" dirty="0"/>
           </a:p>
@@ -4680,7 +5183,11 @@
           <a:p>
             <a:r>
               <a:rPr lang="en-US" dirty="0" smtClean="0"/>
-              <a:t>Enterprise Library </a:t>
+              <a:t>Using </a:t>
+            </a:r>
+            <a:r>
+              <a:rPr lang="en-US" dirty="0" err="1" smtClean="0"/>
+              <a:t>IDataErrorinfo</a:t>
             </a:r>
             <a:endParaRPr lang="en-US" dirty="0"/>
           </a:p>
@@ -4747,45 +5254,115 @@
           <a:p>
             <a:r>
               <a:rPr lang="en-US" dirty="0" smtClean="0"/>
-              <a:t>Enterprise Library is</a:t>
+              <a:t>Implement</a:t>
             </a:r>
             <a:endParaRPr lang="en-US" dirty="0"/>
           </a:p>
         </p:txBody>
       </p:sp>
-      <p:sp>
-        <p:nvSpPr>
-          <p:cNvPr id="3" name="Content Placeholder 2"/>
-          <p:cNvSpPr>
-            <a:spLocks noGrp="1"/>
-          </p:cNvSpPr>
-          <p:nvPr>
-            <p:ph idx="1"/>
-          </p:nvPr>
-        </p:nvSpPr>
-        <p:spPr/>
-        <p:txBody>
-          <a:bodyPr/>
-          <a:lstStyle/>
-          <a:p>
-            <a:r>
-              <a:rPr lang="en-US" dirty="0" smtClean="0"/>
-              <a:t>The Microsoft Enterprise Library is a collection of application blocks designed to assist developers with common enterprise development challenges</a:t>
-            </a:r>
-          </a:p>
-          <a:p>
-            <a:r>
-              <a:rPr lang="en-US" dirty="0" smtClean="0"/>
-              <a:t>Major Blocks</a:t>
-            </a:r>
-          </a:p>
-          <a:p>
-            <a:pPr lvl="1"/>
-            <a:r>
-              <a:rPr lang="en-US" dirty="0" smtClean="0"/>
-              <a:t>Validation Block</a:t>
-            </a:r>
-            <a:endParaRPr lang="en-US" dirty="0"/>
+      <p:pic>
+        <p:nvPicPr>
+          <p:cNvPr id="7170" name="Picture 2"/>
+          <p:cNvPicPr>
+            <a:picLocks noChangeAspect="1" noChangeArrowheads="1"/>
+          </p:cNvPicPr>
+          <p:nvPr/>
+        </p:nvPicPr>
+        <p:blipFill>
+          <a:blip r:embed="rId2" cstate="print"/>
+          <a:srcRect/>
+          <a:stretch>
+            <a:fillRect/>
+          </a:stretch>
+        </p:blipFill>
+        <p:spPr bwMode="auto">
+          <a:xfrm>
+            <a:off x="1371600" y="1600200"/>
+            <a:ext cx="1838325" cy="419100"/>
+          </a:xfrm>
+          <a:prstGeom prst="rect">
+            <a:avLst/>
+          </a:prstGeom>
+          <a:noFill/>
+          <a:ln w="9525">
+            <a:noFill/>
+            <a:miter lim="800000"/>
+            <a:headEnd/>
+            <a:tailEnd/>
+          </a:ln>
+          <a:effectLst/>
+        </p:spPr>
+      </p:pic>
+      <p:pic>
+        <p:nvPicPr>
+          <p:cNvPr id="7171" name="Picture 3"/>
+          <p:cNvPicPr>
+            <a:picLocks noChangeAspect="1" noChangeArrowheads="1"/>
+          </p:cNvPicPr>
+          <p:nvPr/>
+        </p:nvPicPr>
+        <p:blipFill>
+          <a:blip r:embed="rId3" cstate="print"/>
+          <a:srcRect/>
+          <a:stretch>
+            <a:fillRect/>
+          </a:stretch>
+        </p:blipFill>
+        <p:spPr bwMode="auto">
+          <a:xfrm>
+            <a:off x="1219200" y="2828925"/>
+            <a:ext cx="4895850" cy="2124075"/>
+          </a:xfrm>
+          <a:prstGeom prst="rect">
+            <a:avLst/>
+          </a:prstGeom>
+          <a:noFill/>
+          <a:ln w="9525">
+            <a:noFill/>
+            <a:miter lim="800000"/>
+            <a:headEnd/>
+            <a:tailEnd/>
+          </a:ln>
+          <a:effectLst/>
+        </p:spPr>
+      </p:pic>
+      <p:sp>
+        <p:nvSpPr>
+          <p:cNvPr id="6" name="Down Arrow 5"/>
+          <p:cNvSpPr/>
+          <p:nvPr/>
+        </p:nvSpPr>
+        <p:spPr>
+          <a:xfrm>
+            <a:off x="1981200" y="2057400"/>
+            <a:ext cx="391886" cy="685800"/>
+          </a:xfrm>
+          <a:prstGeom prst="downArrow">
+            <a:avLst/>
+          </a:prstGeom>
+        </p:spPr>
+        <p:style>
+          <a:lnRef idx="2">
+            <a:schemeClr val="accent2">
+              <a:shade val="50000"/>
+            </a:schemeClr>
+          </a:lnRef>
+          <a:fillRef idx="1">
+            <a:schemeClr val="accent2"/>
+          </a:fillRef>
+          <a:effectRef idx="0">
+            <a:schemeClr val="accent2"/>
+          </a:effectRef>
+          <a:fontRef idx="minor">
+            <a:schemeClr val="lt1"/>
+          </a:fontRef>
+        </p:style>
+        <p:txBody>
+          <a:bodyPr rtlCol="0" anchor="ctr"/>
+          <a:lstStyle/>
+          <a:p>
+            <a:pPr algn="ctr"/>
+            <a:endParaRPr lang="en-US"/>
           </a:p>
         </p:txBody>
       </p:sp>
@@ -4826,43 +5403,18 @@
         </p:nvSpPr>
         <p:spPr/>
         <p:txBody>
-          <a:bodyPr/>
-          <a:lstStyle/>
-          <a:p>
-            <a:r>
-              <a:rPr lang="en-US" dirty="0" smtClean="0"/>
-              <a:t>You can get </a:t>
+          <a:bodyPr>
+            <a:normAutofit/>
+          </a:bodyPr>
+          <a:lstStyle/>
+          <a:p>
+            <a:r>
+              <a:rPr lang="en-US" dirty="0" smtClean="0"/>
+              <a:t>On base </a:t>
             </a:r>
             <a:r>
               <a:rPr lang="en-US" dirty="0" err="1" smtClean="0"/>
-              <a:t>EntLib</a:t>
-            </a:r>
-            <a:r>
-              <a:rPr lang="en-US" dirty="0" smtClean="0"/>
-              <a:t> 4.1 here</a:t>
-            </a:r>
-            <a:endParaRPr lang="en-US" dirty="0"/>
-          </a:p>
-        </p:txBody>
-      </p:sp>
-      <p:sp>
-        <p:nvSpPr>
-          <p:cNvPr id="3" name="Content Placeholder 2"/>
-          <p:cNvSpPr>
-            <a:spLocks noGrp="1"/>
-          </p:cNvSpPr>
-          <p:nvPr>
-            <p:ph idx="1"/>
-          </p:nvPr>
-        </p:nvSpPr>
-        <p:spPr/>
-        <p:txBody>
-          <a:bodyPr/>
-          <a:lstStyle/>
-          <a:p>
-            <a:r>
-              <a:rPr lang="en-US" dirty="0" smtClean="0"/>
-              <a:t>http://msdn.microsoft.com/en-us/library/dd203099.aspx</a:t>
+              <a:t>ViewModel</a:t>
             </a:r>
             <a:endParaRPr lang="en-US" dirty="0"/>
           </a:p>
@@ -4870,7 +5422,7 @@
       </p:sp>
       <p:pic>
         <p:nvPicPr>
-          <p:cNvPr id="11268" name="Picture 4"/>
+          <p:cNvPr id="8194" name="Picture 2"/>
           <p:cNvPicPr>
             <a:picLocks noChangeAspect="1" noChangeArrowheads="1"/>
           </p:cNvPicPr>
@@ -4885,8 +5437,8 @@
         </p:blipFill>
         <p:spPr bwMode="auto">
           <a:xfrm>
-            <a:off x="304800" y="2819400"/>
-            <a:ext cx="8477250" cy="2628900"/>
+            <a:off x="685800" y="1295400"/>
+            <a:ext cx="5867400" cy="4752975"/>
           </a:xfrm>
           <a:prstGeom prst="rect">
             <a:avLst/>
@@ -4901,52 +5453,6 @@
           <a:effectLst/>
         </p:spPr>
       </p:pic>
-      <p:sp>
-        <p:nvSpPr>
-          <p:cNvPr id="8" name="Rectangle 7"/>
-          <p:cNvSpPr/>
-          <p:nvPr/>
-        </p:nvSpPr>
-        <p:spPr>
-          <a:xfrm>
-            <a:off x="2286000" y="4953000"/>
-            <a:ext cx="5181600" cy="533400"/>
-          </a:xfrm>
-          <a:prstGeom prst="rect">
-            <a:avLst/>
-          </a:prstGeom>
-          <a:noFill/>
-          <a:ln w="28575">
-            <a:solidFill>
-              <a:srgbClr val="FF0000"/>
-            </a:solidFill>
-          </a:ln>
-        </p:spPr>
-        <p:style>
-          <a:lnRef idx="2">
-            <a:schemeClr val="accent1">
-              <a:shade val="50000"/>
-            </a:schemeClr>
-          </a:lnRef>
-          <a:fillRef idx="1">
-            <a:schemeClr val="accent1"/>
-          </a:fillRef>
-          <a:effectRef idx="0">
-            <a:schemeClr val="accent1"/>
-          </a:effectRef>
-          <a:fontRef idx="minor">
-            <a:schemeClr val="lt1"/>
-          </a:fontRef>
-        </p:style>
-        <p:txBody>
-          <a:bodyPr rtlCol="0" anchor="ctr"/>
-          <a:lstStyle/>
-          <a:p>
-            <a:pPr algn="ctr"/>
-            <a:endParaRPr lang="en-US"/>
-          </a:p>
-        </p:txBody>
-      </p:sp>
     </p:spTree>
   </p:cSld>
   <p:clrMapOvr>
@@ -4989,7 +5495,7 @@
           <a:p>
             <a:r>
               <a:rPr lang="en-US" dirty="0" smtClean="0"/>
-              <a:t>Add Reference</a:t>
+              <a:t>On Party Invitee View Model</a:t>
             </a:r>
             <a:endParaRPr lang="en-US" dirty="0"/>
           </a:p>
@@ -4997,7 +5503,7 @@
       </p:sp>
       <p:pic>
         <p:nvPicPr>
-          <p:cNvPr id="1026" name="Picture 2"/>
+          <p:cNvPr id="14338" name="Picture 2"/>
           <p:cNvPicPr>
             <a:picLocks noChangeAspect="1" noChangeArrowheads="1"/>
           </p:cNvPicPr>
@@ -5012,8 +5518,8 @@
         </p:blipFill>
         <p:spPr bwMode="auto">
           <a:xfrm>
-            <a:off x="2209800" y="1423988"/>
-            <a:ext cx="4724400" cy="4010025"/>
+            <a:off x="457200" y="1219200"/>
+            <a:ext cx="8248650" cy="5276850"/>
           </a:xfrm>
           <a:prstGeom prst="rect">
             <a:avLst/>
@@ -5069,7 +5575,7 @@
           <a:p>
             <a:r>
               <a:rPr lang="en-US" dirty="0" smtClean="0"/>
-              <a:t>Use Validation Attributes</a:t>
+              <a:t>On Binding</a:t>
             </a:r>
             <a:endParaRPr lang="en-US" dirty="0"/>
           </a:p>
@@ -5077,7 +5583,7 @@
       </p:sp>
       <p:pic>
         <p:nvPicPr>
-          <p:cNvPr id="2050" name="Picture 2"/>
+          <p:cNvPr id="10242" name="Picture 2"/>
           <p:cNvPicPr>
             <a:picLocks noChangeAspect="1" noChangeArrowheads="1"/>
           </p:cNvPicPr>
@@ -5092,8 +5598,8 @@
         </p:blipFill>
         <p:spPr bwMode="auto">
           <a:xfrm>
-            <a:off x="304800" y="1295400"/>
-            <a:ext cx="4362450" cy="2238375"/>
+            <a:off x="838200" y="1905000"/>
+            <a:ext cx="6977743" cy="381000"/>
           </a:xfrm>
           <a:prstGeom prst="rect">
             <a:avLst/>
@@ -5105,93 +5611,79 @@
             <a:headEnd/>
             <a:tailEnd/>
           </a:ln>
-          <a:effectLst>
-            <a:outerShdw blurRad="63500" sx="102000" sy="102000" algn="ctr" rotWithShape="0">
-              <a:prstClr val="black">
-                <a:alpha val="40000"/>
-              </a:prstClr>
-            </a:outerShdw>
-          </a:effectLst>
+          <a:effectLst/>
         </p:spPr>
       </p:pic>
-      <p:pic>
-        <p:nvPicPr>
-          <p:cNvPr id="2051" name="Picture 3"/>
-          <p:cNvPicPr>
-            <a:picLocks noChangeAspect="1" noChangeArrowheads="1"/>
-          </p:cNvPicPr>
-          <p:nvPr/>
-        </p:nvPicPr>
-        <p:blipFill>
-          <a:blip r:embed="rId3" cstate="print"/>
-          <a:srcRect/>
-          <a:stretch>
-            <a:fillRect/>
-          </a:stretch>
-        </p:blipFill>
-        <p:spPr bwMode="auto">
-          <a:xfrm>
-            <a:off x="4114800" y="2057400"/>
-            <a:ext cx="4438650" cy="2247900"/>
+      <p:sp>
+        <p:nvSpPr>
+          <p:cNvPr id="5" name="Down Arrow 4"/>
+          <p:cNvSpPr/>
+          <p:nvPr/>
+        </p:nvSpPr>
+        <p:spPr>
+          <a:xfrm rot="10800000">
+            <a:off x="5029200" y="2362200"/>
+            <a:ext cx="609600" cy="1230702"/>
+          </a:xfrm>
+          <a:prstGeom prst="downArrow">
+            <a:avLst/>
+          </a:prstGeom>
+        </p:spPr>
+        <p:style>
+          <a:lnRef idx="2">
+            <a:schemeClr val="accent1">
+              <a:shade val="50000"/>
+            </a:schemeClr>
+          </a:lnRef>
+          <a:fillRef idx="1">
+            <a:schemeClr val="accent1"/>
+          </a:fillRef>
+          <a:effectRef idx="0">
+            <a:schemeClr val="accent1"/>
+          </a:effectRef>
+          <a:fontRef idx="minor">
+            <a:schemeClr val="lt1"/>
+          </a:fontRef>
+        </p:style>
+        <p:txBody>
+          <a:bodyPr rtlCol="0" anchor="ctr"/>
+          <a:lstStyle/>
+          <a:p>
+            <a:pPr algn="ctr"/>
+            <a:endParaRPr lang="en-US"/>
+          </a:p>
+        </p:txBody>
+      </p:sp>
+      <p:sp>
+        <p:nvSpPr>
+          <p:cNvPr id="6" name="TextBox 5"/>
+          <p:cNvSpPr txBox="1"/>
+          <p:nvPr/>
+        </p:nvSpPr>
+        <p:spPr>
+          <a:xfrm>
+            <a:off x="3657600" y="3657600"/>
+            <a:ext cx="2732351" cy="369332"/>
           </a:xfrm>
           <a:prstGeom prst="rect">
             <a:avLst/>
           </a:prstGeom>
           <a:noFill/>
-          <a:ln w="9525">
-            <a:noFill/>
-            <a:miter lim="800000"/>
-            <a:headEnd/>
-            <a:tailEnd/>
-          </a:ln>
-          <a:effectLst>
-            <a:outerShdw blurRad="63500" sx="102000" sy="102000" algn="ctr" rotWithShape="0">
-              <a:prstClr val="black">
-                <a:alpha val="40000"/>
-              </a:prstClr>
-            </a:outerShdw>
-          </a:effectLst>
-        </p:spPr>
-      </p:pic>
-      <p:pic>
-        <p:nvPicPr>
-          <p:cNvPr id="2052" name="Picture 4"/>
-          <p:cNvPicPr>
-            <a:picLocks noChangeAspect="1" noChangeArrowheads="1"/>
-          </p:cNvPicPr>
-          <p:nvPr/>
-        </p:nvPicPr>
-        <p:blipFill>
-          <a:blip r:embed="rId4" cstate="print"/>
-          <a:srcRect/>
-          <a:stretch>
-            <a:fillRect/>
-          </a:stretch>
-        </p:blipFill>
-        <p:spPr bwMode="auto">
-          <a:xfrm>
-            <a:off x="304800" y="3962400"/>
-            <a:ext cx="7696200" cy="1903711"/>
-          </a:xfrm>
-          <a:prstGeom prst="rect">
-            <a:avLst/>
-          </a:prstGeom>
-          <a:noFill/>
-          <a:ln w="9525">
-            <a:noFill/>
-            <a:miter lim="800000"/>
-            <a:headEnd/>
-            <a:tailEnd/>
-          </a:ln>
-          <a:effectLst>
-            <a:outerShdw blurRad="63500" sx="102000" sy="102000" algn="ctr" rotWithShape="0">
-              <a:prstClr val="black">
-                <a:alpha val="40000"/>
-              </a:prstClr>
-            </a:outerShdw>
-          </a:effectLst>
-        </p:spPr>
-      </p:pic>
+        </p:spPr>
+        <p:txBody>
+          <a:bodyPr wrap="none" rtlCol="0">
+            <a:spAutoFit/>
+          </a:bodyPr>
+          <a:lstStyle/>
+          <a:p>
+            <a:r>
+              <a:rPr lang="en-US" dirty="0" smtClean="0"/>
+              <a:t>Validates On Data Errors</a:t>
+            </a:r>
+            <a:endParaRPr lang="en-US" dirty="0"/>
+          </a:p>
+        </p:txBody>
+      </p:sp>
     </p:spTree>
   </p:cSld>
   <p:clrMapOvr>
@@ -5234,7 +5726,51 @@
           <a:p>
             <a:r>
               <a:rPr lang="en-US" dirty="0" smtClean="0"/>
-              <a:t>On Binding</a:t>
+              <a:t>Works great right?</a:t>
+            </a:r>
+            <a:endParaRPr lang="en-US" dirty="0"/>
+          </a:p>
+        </p:txBody>
+      </p:sp>
+      <p:sp>
+        <p:nvSpPr>
+          <p:cNvPr id="3" name="Content Placeholder 2"/>
+          <p:cNvSpPr>
+            <a:spLocks noGrp="1"/>
+          </p:cNvSpPr>
+          <p:nvPr>
+            <p:ph idx="1"/>
+          </p:nvPr>
+        </p:nvSpPr>
+        <p:spPr/>
+        <p:txBody>
+          <a:bodyPr/>
+          <a:lstStyle/>
+          <a:p>
+            <a:pPr>
+              <a:buNone/>
+            </a:pPr>
+            <a:endParaRPr lang="en-US" dirty="0" smtClean="0"/>
+          </a:p>
+          <a:p>
+            <a:endParaRPr lang="en-US" dirty="0" smtClean="0"/>
+          </a:p>
+          <a:p>
+            <a:r>
+              <a:rPr lang="en-US" dirty="0" smtClean="0"/>
+              <a:t>Not quite so perfect….</a:t>
+            </a:r>
+          </a:p>
+          <a:p>
+            <a:endParaRPr lang="en-US" dirty="0" smtClean="0"/>
+          </a:p>
+          <a:p>
+            <a:endParaRPr lang="en-US" dirty="0" smtClean="0"/>
+          </a:p>
+          <a:p>
+            <a:r>
+              <a:rPr lang="en-US" dirty="0" smtClean="0"/>
+              <a:t>Bad input… no error</a:t>
             </a:r>
             <a:endParaRPr lang="en-US" dirty="0"/>
           </a:p>
@@ -5242,7 +5778,7 @@
       </p:sp>
       <p:pic>
         <p:nvPicPr>
-          <p:cNvPr id="10242" name="Picture 2"/>
+          <p:cNvPr id="13314" name="Picture 2"/>
           <p:cNvPicPr>
             <a:picLocks noChangeAspect="1" noChangeArrowheads="1"/>
           </p:cNvPicPr>
@@ -5257,8 +5793,8 @@
         </p:blipFill>
         <p:spPr bwMode="auto">
           <a:xfrm>
-            <a:off x="838200" y="1905000"/>
-            <a:ext cx="6977743" cy="381000"/>
+            <a:off x="609600" y="1524000"/>
+            <a:ext cx="5857875" cy="952500"/>
           </a:xfrm>
           <a:prstGeom prst="rect">
             <a:avLst/>
@@ -5270,79 +5806,40 @@
             <a:headEnd/>
             <a:tailEnd/>
           </a:ln>
-          <a:effectLst/>
         </p:spPr>
       </p:pic>
-      <p:sp>
-        <p:nvSpPr>
-          <p:cNvPr id="5" name="Down Arrow 4"/>
-          <p:cNvSpPr/>
-          <p:nvPr/>
-        </p:nvSpPr>
-        <p:spPr>
-          <a:xfrm rot="10800000">
-            <a:off x="5029200" y="2362200"/>
-            <a:ext cx="609600" cy="1230702"/>
-          </a:xfrm>
-          <a:prstGeom prst="downArrow">
-            <a:avLst/>
-          </a:prstGeom>
-        </p:spPr>
-        <p:style>
-          <a:lnRef idx="2">
-            <a:schemeClr val="accent1">
-              <a:shade val="50000"/>
-            </a:schemeClr>
-          </a:lnRef>
-          <a:fillRef idx="1">
-            <a:schemeClr val="accent1"/>
-          </a:fillRef>
-          <a:effectRef idx="0">
-            <a:schemeClr val="accent1"/>
-          </a:effectRef>
-          <a:fontRef idx="minor">
-            <a:schemeClr val="lt1"/>
-          </a:fontRef>
-        </p:style>
-        <p:txBody>
-          <a:bodyPr rtlCol="0" anchor="ctr"/>
-          <a:lstStyle/>
-          <a:p>
-            <a:pPr algn="ctr"/>
-            <a:endParaRPr lang="en-US"/>
-          </a:p>
-        </p:txBody>
-      </p:sp>
-      <p:sp>
-        <p:nvSpPr>
-          <p:cNvPr id="6" name="TextBox 5"/>
-          <p:cNvSpPr txBox="1"/>
-          <p:nvPr/>
-        </p:nvSpPr>
-        <p:spPr>
-          <a:xfrm>
-            <a:off x="3657600" y="3657600"/>
-            <a:ext cx="2732351" cy="369332"/>
+      <p:pic>
+        <p:nvPicPr>
+          <p:cNvPr id="13315" name="Picture 3"/>
+          <p:cNvPicPr>
+            <a:picLocks noChangeAspect="1" noChangeArrowheads="1"/>
+          </p:cNvPicPr>
+          <p:nvPr/>
+        </p:nvPicPr>
+        <p:blipFill>
+          <a:blip r:embed="rId3" cstate="print"/>
+          <a:srcRect/>
+          <a:stretch>
+            <a:fillRect/>
+          </a:stretch>
+        </p:blipFill>
+        <p:spPr bwMode="auto">
+          <a:xfrm>
+            <a:off x="609600" y="3505200"/>
+            <a:ext cx="5848350" cy="952500"/>
           </a:xfrm>
           <a:prstGeom prst="rect">
             <a:avLst/>
           </a:prstGeom>
           <a:noFill/>
-        </p:spPr>
-        <p:txBody>
-          <a:bodyPr wrap="none" rtlCol="0">
-            <a:spAutoFit/>
-          </a:bodyPr>
-          <a:lstStyle/>
-          <a:p>
-            <a:r>
-              <a:rPr lang="en-US" dirty="0" smtClean="0"/>
-              <a:t>Validates On Data Errors</a:t>
-            </a:r>
-            <a:endParaRPr lang="en-US" dirty="0"/>
-          </a:p>
-        </p:txBody>
-      </p:sp>
+          <a:ln w="9525">
+            <a:noFill/>
+            <a:miter lim="800000"/>
+            <a:headEnd/>
+            <a:tailEnd/>
+          </a:ln>
+        </p:spPr>
+      </p:pic>
     </p:spTree>
   </p:cSld>
   <p:clrMapOvr>
@@ -5385,32 +5882,147 @@
           <a:p>
             <a:r>
               <a:rPr lang="en-US" dirty="0" smtClean="0"/>
-              <a:t>Custom </a:t>
-            </a:r>
-            <a:r>
-              <a:rPr lang="en-US" smtClean="0"/>
-              <a:t>Markup Extensions</a:t>
+              <a:t>Solution</a:t>
             </a:r>
             <a:endParaRPr lang="en-US" dirty="0"/>
           </a:p>
         </p:txBody>
       </p:sp>
-      <p:sp>
-        <p:nvSpPr>
-          <p:cNvPr id="3" name="Content Placeholder 2"/>
-          <p:cNvSpPr>
-            <a:spLocks noGrp="1"/>
-          </p:cNvSpPr>
-          <p:nvPr>
-            <p:ph idx="1"/>
-          </p:nvPr>
-        </p:nvSpPr>
-        <p:spPr/>
-        <p:txBody>
-          <a:bodyPr/>
-          <a:lstStyle/>
-          <a:p>
-            <a:endParaRPr lang="en-US"/>
+      <p:pic>
+        <p:nvPicPr>
+          <p:cNvPr id="15362" name="Picture 2"/>
+          <p:cNvPicPr>
+            <a:picLocks noChangeAspect="1" noChangeArrowheads="1"/>
+          </p:cNvPicPr>
+          <p:nvPr/>
+        </p:nvPicPr>
+        <p:blipFill>
+          <a:blip r:embed="rId2" cstate="print"/>
+          <a:srcRect/>
+          <a:stretch>
+            <a:fillRect/>
+          </a:stretch>
+        </p:blipFill>
+        <p:spPr bwMode="auto">
+          <a:xfrm>
+            <a:off x="609600" y="1828800"/>
+            <a:ext cx="4267200" cy="2038350"/>
+          </a:xfrm>
+          <a:prstGeom prst="rect">
+            <a:avLst/>
+          </a:prstGeom>
+          <a:noFill/>
+          <a:ln w="9525">
+            <a:noFill/>
+            <a:miter lim="800000"/>
+            <a:headEnd/>
+            <a:tailEnd/>
+          </a:ln>
+          <a:effectLst>
+            <a:outerShdw blurRad="63500" sx="102000" sy="102000" algn="ctr" rotWithShape="0">
+              <a:prstClr val="black">
+                <a:alpha val="40000"/>
+              </a:prstClr>
+            </a:outerShdw>
+          </a:effectLst>
+        </p:spPr>
+      </p:pic>
+      <p:sp>
+        <p:nvSpPr>
+          <p:cNvPr id="5" name="TextBox 4"/>
+          <p:cNvSpPr txBox="1"/>
+          <p:nvPr/>
+        </p:nvSpPr>
+        <p:spPr>
+          <a:xfrm>
+            <a:off x="533400" y="1295400"/>
+            <a:ext cx="2470613" cy="461665"/>
+          </a:xfrm>
+          <a:prstGeom prst="rect">
+            <a:avLst/>
+          </a:prstGeom>
+          <a:noFill/>
+        </p:spPr>
+        <p:txBody>
+          <a:bodyPr wrap="none" rtlCol="0">
+            <a:spAutoFit/>
+          </a:bodyPr>
+          <a:lstStyle/>
+          <a:p>
+            <a:r>
+              <a:rPr lang="en-US" sz="2400" dirty="0" smtClean="0"/>
+              <a:t>Make Age a string</a:t>
+            </a:r>
+            <a:endParaRPr lang="en-US" sz="2400" dirty="0"/>
+          </a:p>
+        </p:txBody>
+      </p:sp>
+      <p:pic>
+        <p:nvPicPr>
+          <p:cNvPr id="15363" name="Picture 3"/>
+          <p:cNvPicPr>
+            <a:picLocks noChangeAspect="1" noChangeArrowheads="1"/>
+          </p:cNvPicPr>
+          <p:nvPr/>
+        </p:nvPicPr>
+        <p:blipFill>
+          <a:blip r:embed="rId3" cstate="print"/>
+          <a:srcRect/>
+          <a:stretch>
+            <a:fillRect/>
+          </a:stretch>
+        </p:blipFill>
+        <p:spPr bwMode="auto">
+          <a:xfrm>
+            <a:off x="3352800" y="3657600"/>
+            <a:ext cx="4381500" cy="2476500"/>
+          </a:xfrm>
+          <a:prstGeom prst="rect">
+            <a:avLst/>
+          </a:prstGeom>
+          <a:noFill/>
+          <a:ln w="9525">
+            <a:noFill/>
+            <a:miter lim="800000"/>
+            <a:headEnd/>
+            <a:tailEnd/>
+          </a:ln>
+          <a:effectLst>
+            <a:outerShdw blurRad="63500" sx="102000" sy="102000" algn="ctr" rotWithShape="0">
+              <a:prstClr val="black">
+                <a:alpha val="40000"/>
+              </a:prstClr>
+            </a:outerShdw>
+          </a:effectLst>
+        </p:spPr>
+      </p:pic>
+      <p:sp>
+        <p:nvSpPr>
+          <p:cNvPr id="7" name="TextBox 6"/>
+          <p:cNvSpPr txBox="1"/>
+          <p:nvPr/>
+        </p:nvSpPr>
+        <p:spPr>
+          <a:xfrm>
+            <a:off x="5105400" y="3048000"/>
+            <a:ext cx="3067635" cy="461665"/>
+          </a:xfrm>
+          <a:prstGeom prst="rect">
+            <a:avLst/>
+          </a:prstGeom>
+          <a:noFill/>
+        </p:spPr>
+        <p:txBody>
+          <a:bodyPr wrap="none" rtlCol="0">
+            <a:spAutoFit/>
+          </a:bodyPr>
+          <a:lstStyle/>
+          <a:p>
+            <a:r>
+              <a:rPr lang="en-US" sz="2400" dirty="0" smtClean="0"/>
+              <a:t>Change Error Checking</a:t>
+            </a:r>
+            <a:endParaRPr lang="en-US" sz="2400" dirty="0"/>
           </a:p>
         </p:txBody>
       </p:sp>
@@ -5456,34 +6068,172 @@
           <a:p>
             <a:r>
               <a:rPr lang="en-US" dirty="0" smtClean="0"/>
-              <a:t>References</a:t>
+              <a:t>And now…</a:t>
             </a:r>
             <a:endParaRPr lang="en-US" dirty="0"/>
           </a:p>
         </p:txBody>
       </p:sp>
-      <p:sp>
-        <p:nvSpPr>
-          <p:cNvPr id="3" name="Content Placeholder 2"/>
-          <p:cNvSpPr>
-            <a:spLocks noGrp="1"/>
-          </p:cNvSpPr>
-          <p:nvPr>
-            <p:ph idx="1"/>
-          </p:nvPr>
-        </p:nvSpPr>
-        <p:spPr/>
-        <p:txBody>
-          <a:bodyPr/>
-          <a:lstStyle/>
-          <a:p>
-            <a:r>
-              <a:rPr lang="en-US" dirty="0" smtClean="0"/>
-              <a:t>http://msdn.microsoft.com/en-us/library/dd203099.aspx</a:t>
-            </a:r>
-          </a:p>
-          <a:p>
+      <p:pic>
+        <p:nvPicPr>
+          <p:cNvPr id="16386" name="Picture 2"/>
+          <p:cNvPicPr>
+            <a:picLocks noChangeAspect="1" noChangeArrowheads="1"/>
+          </p:cNvPicPr>
+          <p:nvPr/>
+        </p:nvPicPr>
+        <p:blipFill>
+          <a:blip r:embed="rId2" cstate="print"/>
+          <a:srcRect/>
+          <a:stretch>
+            <a:fillRect/>
+          </a:stretch>
+        </p:blipFill>
+        <p:spPr bwMode="auto">
+          <a:xfrm>
+            <a:off x="1447800" y="1752600"/>
+            <a:ext cx="5829300" cy="952500"/>
+          </a:xfrm>
+          <a:prstGeom prst="rect">
+            <a:avLst/>
+          </a:prstGeom>
+          <a:noFill/>
+          <a:ln w="9525">
+            <a:noFill/>
+            <a:miter lim="800000"/>
+            <a:headEnd/>
+            <a:tailEnd/>
+          </a:ln>
+        </p:spPr>
+      </p:pic>
+      <p:pic>
+        <p:nvPicPr>
+          <p:cNvPr id="16387" name="Picture 3"/>
+          <p:cNvPicPr>
+            <a:picLocks noChangeAspect="1" noChangeArrowheads="1"/>
+          </p:cNvPicPr>
+          <p:nvPr/>
+        </p:nvPicPr>
+        <p:blipFill>
+          <a:blip r:embed="rId3" cstate="print"/>
+          <a:srcRect/>
+          <a:stretch>
+            <a:fillRect/>
+          </a:stretch>
+        </p:blipFill>
+        <p:spPr bwMode="auto">
+          <a:xfrm>
+            <a:off x="1447800" y="3276600"/>
+            <a:ext cx="5867400" cy="952500"/>
+          </a:xfrm>
+          <a:prstGeom prst="rect">
+            <a:avLst/>
+          </a:prstGeom>
+          <a:noFill/>
+          <a:ln w="9525">
+            <a:noFill/>
+            <a:miter lim="800000"/>
+            <a:headEnd/>
+            <a:tailEnd/>
+          </a:ln>
+        </p:spPr>
+      </p:pic>
+      <p:pic>
+        <p:nvPicPr>
+          <p:cNvPr id="16388" name="Picture 4"/>
+          <p:cNvPicPr>
+            <a:picLocks noChangeAspect="1" noChangeArrowheads="1"/>
+          </p:cNvPicPr>
+          <p:nvPr/>
+        </p:nvPicPr>
+        <p:blipFill>
+          <a:blip r:embed="rId4" cstate="print"/>
+          <a:srcRect/>
+          <a:stretch>
+            <a:fillRect/>
+          </a:stretch>
+        </p:blipFill>
+        <p:spPr bwMode="auto">
+          <a:xfrm>
+            <a:off x="1447800" y="4800600"/>
+            <a:ext cx="5829300" cy="914400"/>
+          </a:xfrm>
+          <a:prstGeom prst="rect">
+            <a:avLst/>
+          </a:prstGeom>
+          <a:noFill/>
+          <a:ln w="9525">
+            <a:noFill/>
+            <a:miter lim="800000"/>
+            <a:headEnd/>
+            <a:tailEnd/>
+          </a:ln>
+        </p:spPr>
+      </p:pic>
+    </p:spTree>
+  </p:cSld>
+  <p:clrMapOvr>
+    <a:masterClrMapping/>
+  </p:clrMapOvr>
+</p:sld>
+</file>
+
+<file path=ppt/slides/slide29.xml><?xml version="1.0" encoding="utf-8"?>
+<p:sld xmlns:a="http://schemas.openxmlformats.org/drawingml/2006/main" xmlns:r="http://schemas.openxmlformats.org/officeDocument/2006/relationships" xmlns:p="http://schemas.openxmlformats.org/presentationml/2006/main">
+  <p:cSld>
+    <p:spTree>
+      <p:nvGrpSpPr>
+        <p:cNvPr id="1" name=""/>
+        <p:cNvGrpSpPr/>
+        <p:nvPr/>
+      </p:nvGrpSpPr>
+      <p:grpSpPr>
+        <a:xfrm>
+          <a:off x="0" y="0"/>
+          <a:ext cx="0" cy="0"/>
+          <a:chOff x="0" y="0"/>
+          <a:chExt cx="0" cy="0"/>
+        </a:xfrm>
+      </p:grpSpPr>
+      <p:sp>
+        <p:nvSpPr>
+          <p:cNvPr id="2" name="Title 1"/>
+          <p:cNvSpPr>
+            <a:spLocks noGrp="1"/>
+          </p:cNvSpPr>
+          <p:nvPr>
+            <p:ph type="title"/>
+          </p:nvPr>
+        </p:nvSpPr>
+        <p:spPr/>
+        <p:txBody>
+          <a:bodyPr/>
+          <a:lstStyle/>
+          <a:p>
+            <a:r>
+              <a:rPr lang="en-US" dirty="0" smtClean="0"/>
+              <a:t>Enterprise Library </a:t>
+            </a:r>
             <a:endParaRPr lang="en-US" dirty="0"/>
+          </a:p>
+        </p:txBody>
+      </p:sp>
+      <p:sp>
+        <p:nvSpPr>
+          <p:cNvPr id="3" name="Text Placeholder 2"/>
+          <p:cNvSpPr>
+            <a:spLocks noGrp="1"/>
+          </p:cNvSpPr>
+          <p:nvPr>
+            <p:ph type="body" idx="1"/>
+          </p:nvPr>
+        </p:nvSpPr>
+        <p:spPr/>
+        <p:txBody>
+          <a:bodyPr/>
+          <a:lstStyle/>
+          <a:p>
+            <a:endParaRPr lang="en-US"/>
           </a:p>
         </p:txBody>
       </p:sp>
@@ -5524,19 +6274,1047 @@
         </p:nvSpPr>
         <p:spPr/>
         <p:txBody>
+          <a:bodyPr/>
+          <a:lstStyle/>
+          <a:p>
+            <a:r>
+              <a:rPr lang="en-US" dirty="0" smtClean="0"/>
+              <a:t>Sample</a:t>
+            </a:r>
+            <a:endParaRPr lang="en-US" dirty="0"/>
+          </a:p>
+        </p:txBody>
+      </p:sp>
+      <p:sp>
+        <p:nvSpPr>
+          <p:cNvPr id="3" name="Content Placeholder 2"/>
+          <p:cNvSpPr>
+            <a:spLocks noGrp="1"/>
+          </p:cNvSpPr>
+          <p:nvPr>
+            <p:ph idx="1"/>
+          </p:nvPr>
+        </p:nvSpPr>
+        <p:spPr/>
+        <p:txBody>
+          <a:bodyPr/>
+          <a:lstStyle/>
+          <a:p>
+            <a:r>
+              <a:rPr lang="en-US" dirty="0" smtClean="0"/>
+              <a:t>App to create a list of party invitees</a:t>
+            </a:r>
+          </a:p>
+          <a:p>
+            <a:r>
+              <a:rPr lang="en-US" dirty="0" smtClean="0"/>
+              <a:t>Rules </a:t>
+            </a:r>
+            <a:r>
+              <a:rPr lang="en-US" dirty="0" smtClean="0"/>
+              <a:t>for being an </a:t>
+            </a:r>
+            <a:r>
+              <a:rPr lang="en-US" dirty="0" smtClean="0"/>
+              <a:t>Invitee</a:t>
+            </a:r>
+          </a:p>
+          <a:p>
+            <a:pPr lvl="1"/>
+            <a:r>
+              <a:rPr lang="en-US" dirty="0" smtClean="0"/>
+              <a:t>Name </a:t>
+            </a:r>
+            <a:r>
+              <a:rPr lang="en-US" dirty="0" smtClean="0"/>
+              <a:t>is required</a:t>
+            </a:r>
+          </a:p>
+          <a:p>
+            <a:pPr lvl="1"/>
+            <a:r>
+              <a:rPr lang="en-US" dirty="0" smtClean="0"/>
+              <a:t>Age has to be greater than 18</a:t>
+            </a:r>
+          </a:p>
+          <a:p>
+            <a:pPr lvl="1"/>
+            <a:r>
+              <a:rPr lang="en-US" dirty="0" smtClean="0"/>
+              <a:t>Must have a valid email address</a:t>
+            </a:r>
+          </a:p>
+        </p:txBody>
+      </p:sp>
+    </p:spTree>
+  </p:cSld>
+  <p:clrMapOvr>
+    <a:masterClrMapping/>
+  </p:clrMapOvr>
+</p:sld>
+</file>
+
+<file path=ppt/slides/slide30.xml><?xml version="1.0" encoding="utf-8"?>
+<p:sld xmlns:a="http://schemas.openxmlformats.org/drawingml/2006/main" xmlns:r="http://schemas.openxmlformats.org/officeDocument/2006/relationships" xmlns:p="http://schemas.openxmlformats.org/presentationml/2006/main">
+  <p:cSld>
+    <p:spTree>
+      <p:nvGrpSpPr>
+        <p:cNvPr id="1" name=""/>
+        <p:cNvGrpSpPr/>
+        <p:nvPr/>
+      </p:nvGrpSpPr>
+      <p:grpSpPr>
+        <a:xfrm>
+          <a:off x="0" y="0"/>
+          <a:ext cx="0" cy="0"/>
+          <a:chOff x="0" y="0"/>
+          <a:chExt cx="0" cy="0"/>
+        </a:xfrm>
+      </p:grpSpPr>
+      <p:sp>
+        <p:nvSpPr>
+          <p:cNvPr id="2" name="Title 1"/>
+          <p:cNvSpPr>
+            <a:spLocks noGrp="1"/>
+          </p:cNvSpPr>
+          <p:nvPr>
+            <p:ph type="title"/>
+          </p:nvPr>
+        </p:nvSpPr>
+        <p:spPr/>
+        <p:txBody>
+          <a:bodyPr/>
+          <a:lstStyle/>
+          <a:p>
+            <a:r>
+              <a:rPr lang="en-US" dirty="0" smtClean="0"/>
+              <a:t>Enterprise Library is</a:t>
+            </a:r>
+            <a:endParaRPr lang="en-US" dirty="0"/>
+          </a:p>
+        </p:txBody>
+      </p:sp>
+      <p:sp>
+        <p:nvSpPr>
+          <p:cNvPr id="3" name="Content Placeholder 2"/>
+          <p:cNvSpPr>
+            <a:spLocks noGrp="1"/>
+          </p:cNvSpPr>
+          <p:nvPr>
+            <p:ph idx="1"/>
+          </p:nvPr>
+        </p:nvSpPr>
+        <p:spPr/>
+        <p:txBody>
+          <a:bodyPr/>
+          <a:lstStyle/>
+          <a:p>
+            <a:r>
+              <a:rPr lang="en-US" dirty="0" smtClean="0"/>
+              <a:t>The Microsoft Enterprise Library is a collection of application blocks designed to assist developers with common enterprise development challenges</a:t>
+            </a:r>
+          </a:p>
+          <a:p>
+            <a:r>
+              <a:rPr lang="en-US" dirty="0" smtClean="0"/>
+              <a:t>One of which is the </a:t>
+            </a:r>
+            <a:r>
+              <a:rPr lang="en-US" dirty="0" smtClean="0"/>
+              <a:t>Validation </a:t>
+            </a:r>
+            <a:r>
+              <a:rPr lang="en-US" dirty="0" smtClean="0"/>
+              <a:t>Block</a:t>
+            </a:r>
+            <a:endParaRPr lang="en-US" dirty="0"/>
+          </a:p>
+        </p:txBody>
+      </p:sp>
+    </p:spTree>
+  </p:cSld>
+  <p:clrMapOvr>
+    <a:masterClrMapping/>
+  </p:clrMapOvr>
+</p:sld>
+</file>
+
+<file path=ppt/slides/slide31.xml><?xml version="1.0" encoding="utf-8"?>
+<p:sld xmlns:a="http://schemas.openxmlformats.org/drawingml/2006/main" xmlns:r="http://schemas.openxmlformats.org/officeDocument/2006/relationships" xmlns:p="http://schemas.openxmlformats.org/presentationml/2006/main">
+  <p:cSld>
+    <p:spTree>
+      <p:nvGrpSpPr>
+        <p:cNvPr id="1" name=""/>
+        <p:cNvGrpSpPr/>
+        <p:nvPr/>
+      </p:nvGrpSpPr>
+      <p:grpSpPr>
+        <a:xfrm>
+          <a:off x="0" y="0"/>
+          <a:ext cx="0" cy="0"/>
+          <a:chOff x="0" y="0"/>
+          <a:chExt cx="0" cy="0"/>
+        </a:xfrm>
+      </p:grpSpPr>
+      <p:sp>
+        <p:nvSpPr>
+          <p:cNvPr id="2" name="Title 1"/>
+          <p:cNvSpPr>
+            <a:spLocks noGrp="1"/>
+          </p:cNvSpPr>
+          <p:nvPr>
+            <p:ph type="title"/>
+          </p:nvPr>
+        </p:nvSpPr>
+        <p:spPr/>
+        <p:txBody>
+          <a:bodyPr/>
+          <a:lstStyle/>
+          <a:p>
+            <a:r>
+              <a:rPr lang="en-US" dirty="0" smtClean="0"/>
+              <a:t>You can get </a:t>
+            </a:r>
+            <a:r>
+              <a:rPr lang="en-US" dirty="0" err="1" smtClean="0"/>
+              <a:t>EntLib</a:t>
+            </a:r>
+            <a:r>
+              <a:rPr lang="en-US" dirty="0" smtClean="0"/>
+              <a:t> 4.1 here</a:t>
+            </a:r>
+            <a:endParaRPr lang="en-US" dirty="0"/>
+          </a:p>
+        </p:txBody>
+      </p:sp>
+      <p:sp>
+        <p:nvSpPr>
+          <p:cNvPr id="3" name="Content Placeholder 2"/>
+          <p:cNvSpPr>
+            <a:spLocks noGrp="1"/>
+          </p:cNvSpPr>
+          <p:nvPr>
+            <p:ph idx="1"/>
+          </p:nvPr>
+        </p:nvSpPr>
+        <p:spPr/>
+        <p:txBody>
+          <a:bodyPr/>
+          <a:lstStyle/>
+          <a:p>
+            <a:r>
+              <a:rPr lang="en-US" dirty="0" smtClean="0"/>
+              <a:t>http://msdn.microsoft.com/en-us/library/dd203099.aspx</a:t>
+            </a:r>
+            <a:endParaRPr lang="en-US" dirty="0"/>
+          </a:p>
+        </p:txBody>
+      </p:sp>
+      <p:pic>
+        <p:nvPicPr>
+          <p:cNvPr id="11268" name="Picture 4"/>
+          <p:cNvPicPr>
+            <a:picLocks noChangeAspect="1" noChangeArrowheads="1"/>
+          </p:cNvPicPr>
+          <p:nvPr/>
+        </p:nvPicPr>
+        <p:blipFill>
+          <a:blip r:embed="rId2" cstate="print"/>
+          <a:srcRect/>
+          <a:stretch>
+            <a:fillRect/>
+          </a:stretch>
+        </p:blipFill>
+        <p:spPr bwMode="auto">
+          <a:xfrm>
+            <a:off x="304800" y="2819400"/>
+            <a:ext cx="8477250" cy="2628900"/>
+          </a:xfrm>
+          <a:prstGeom prst="rect">
+            <a:avLst/>
+          </a:prstGeom>
+          <a:noFill/>
+          <a:ln w="9525">
+            <a:noFill/>
+            <a:miter lim="800000"/>
+            <a:headEnd/>
+            <a:tailEnd/>
+          </a:ln>
+          <a:effectLst/>
+        </p:spPr>
+      </p:pic>
+      <p:sp>
+        <p:nvSpPr>
+          <p:cNvPr id="8" name="Rectangle 7"/>
+          <p:cNvSpPr/>
+          <p:nvPr/>
+        </p:nvSpPr>
+        <p:spPr>
+          <a:xfrm>
+            <a:off x="2286000" y="4953000"/>
+            <a:ext cx="5181600" cy="533400"/>
+          </a:xfrm>
+          <a:prstGeom prst="rect">
+            <a:avLst/>
+          </a:prstGeom>
+          <a:noFill/>
+          <a:ln w="28575">
+            <a:solidFill>
+              <a:srgbClr val="FF0000"/>
+            </a:solidFill>
+          </a:ln>
+        </p:spPr>
+        <p:style>
+          <a:lnRef idx="2">
+            <a:schemeClr val="accent1">
+              <a:shade val="50000"/>
+            </a:schemeClr>
+          </a:lnRef>
+          <a:fillRef idx="1">
+            <a:schemeClr val="accent1"/>
+          </a:fillRef>
+          <a:effectRef idx="0">
+            <a:schemeClr val="accent1"/>
+          </a:effectRef>
+          <a:fontRef idx="minor">
+            <a:schemeClr val="lt1"/>
+          </a:fontRef>
+        </p:style>
+        <p:txBody>
+          <a:bodyPr rtlCol="0" anchor="ctr"/>
+          <a:lstStyle/>
+          <a:p>
+            <a:pPr algn="ctr"/>
+            <a:endParaRPr lang="en-US"/>
+          </a:p>
+        </p:txBody>
+      </p:sp>
+    </p:spTree>
+  </p:cSld>
+  <p:clrMapOvr>
+    <a:masterClrMapping/>
+  </p:clrMapOvr>
+</p:sld>
+</file>
+
+<file path=ppt/slides/slide32.xml><?xml version="1.0" encoding="utf-8"?>
+<p:sld xmlns:a="http://schemas.openxmlformats.org/drawingml/2006/main" xmlns:r="http://schemas.openxmlformats.org/officeDocument/2006/relationships" xmlns:p="http://schemas.openxmlformats.org/presentationml/2006/main">
+  <p:cSld>
+    <p:spTree>
+      <p:nvGrpSpPr>
+        <p:cNvPr id="1" name=""/>
+        <p:cNvGrpSpPr/>
+        <p:nvPr/>
+      </p:nvGrpSpPr>
+      <p:grpSpPr>
+        <a:xfrm>
+          <a:off x="0" y="0"/>
+          <a:ext cx="0" cy="0"/>
+          <a:chOff x="0" y="0"/>
+          <a:chExt cx="0" cy="0"/>
+        </a:xfrm>
+      </p:grpSpPr>
+      <p:sp>
+        <p:nvSpPr>
+          <p:cNvPr id="2" name="Title 1"/>
+          <p:cNvSpPr>
+            <a:spLocks noGrp="1"/>
+          </p:cNvSpPr>
+          <p:nvPr>
+            <p:ph type="title"/>
+          </p:nvPr>
+        </p:nvSpPr>
+        <p:spPr/>
+        <p:txBody>
+          <a:bodyPr/>
+          <a:lstStyle/>
+          <a:p>
+            <a:r>
+              <a:rPr lang="en-US" dirty="0" smtClean="0"/>
+              <a:t>Add Reference</a:t>
+            </a:r>
+            <a:endParaRPr lang="en-US" dirty="0"/>
+          </a:p>
+        </p:txBody>
+      </p:sp>
+      <p:pic>
+        <p:nvPicPr>
+          <p:cNvPr id="1026" name="Picture 2"/>
+          <p:cNvPicPr>
+            <a:picLocks noChangeAspect="1" noChangeArrowheads="1"/>
+          </p:cNvPicPr>
+          <p:nvPr/>
+        </p:nvPicPr>
+        <p:blipFill>
+          <a:blip r:embed="rId2" cstate="print"/>
+          <a:srcRect/>
+          <a:stretch>
+            <a:fillRect/>
+          </a:stretch>
+        </p:blipFill>
+        <p:spPr bwMode="auto">
+          <a:xfrm>
+            <a:off x="2209800" y="1423988"/>
+            <a:ext cx="4724400" cy="4010025"/>
+          </a:xfrm>
+          <a:prstGeom prst="rect">
+            <a:avLst/>
+          </a:prstGeom>
+          <a:noFill/>
+          <a:ln w="9525">
+            <a:noFill/>
+            <a:miter lim="800000"/>
+            <a:headEnd/>
+            <a:tailEnd/>
+          </a:ln>
+        </p:spPr>
+      </p:pic>
+    </p:spTree>
+  </p:cSld>
+  <p:clrMapOvr>
+    <a:masterClrMapping/>
+  </p:clrMapOvr>
+</p:sld>
+</file>
+
+<file path=ppt/slides/slide33.xml><?xml version="1.0" encoding="utf-8"?>
+<p:sld xmlns:a="http://schemas.openxmlformats.org/drawingml/2006/main" xmlns:r="http://schemas.openxmlformats.org/officeDocument/2006/relationships" xmlns:p="http://schemas.openxmlformats.org/presentationml/2006/main">
+  <p:cSld>
+    <p:spTree>
+      <p:nvGrpSpPr>
+        <p:cNvPr id="1" name=""/>
+        <p:cNvGrpSpPr/>
+        <p:nvPr/>
+      </p:nvGrpSpPr>
+      <p:grpSpPr>
+        <a:xfrm>
+          <a:off x="0" y="0"/>
+          <a:ext cx="0" cy="0"/>
+          <a:chOff x="0" y="0"/>
+          <a:chExt cx="0" cy="0"/>
+        </a:xfrm>
+      </p:grpSpPr>
+      <p:sp>
+        <p:nvSpPr>
+          <p:cNvPr id="2" name="Title 1"/>
+          <p:cNvSpPr>
+            <a:spLocks noGrp="1"/>
+          </p:cNvSpPr>
+          <p:nvPr>
+            <p:ph type="title"/>
+          </p:nvPr>
+        </p:nvSpPr>
+        <p:spPr/>
+        <p:txBody>
+          <a:bodyPr/>
+          <a:lstStyle/>
+          <a:p>
+            <a:r>
+              <a:rPr lang="en-US" dirty="0" smtClean="0"/>
+              <a:t>Use Validation Attributes</a:t>
+            </a:r>
+            <a:endParaRPr lang="en-US" dirty="0"/>
+          </a:p>
+        </p:txBody>
+      </p:sp>
+      <p:pic>
+        <p:nvPicPr>
+          <p:cNvPr id="2050" name="Picture 2"/>
+          <p:cNvPicPr>
+            <a:picLocks noChangeAspect="1" noChangeArrowheads="1"/>
+          </p:cNvPicPr>
+          <p:nvPr/>
+        </p:nvPicPr>
+        <p:blipFill>
+          <a:blip r:embed="rId2" cstate="print"/>
+          <a:srcRect/>
+          <a:stretch>
+            <a:fillRect/>
+          </a:stretch>
+        </p:blipFill>
+        <p:spPr bwMode="auto">
+          <a:xfrm>
+            <a:off x="304800" y="1295400"/>
+            <a:ext cx="4362450" cy="2238375"/>
+          </a:xfrm>
+          <a:prstGeom prst="rect">
+            <a:avLst/>
+          </a:prstGeom>
+          <a:noFill/>
+          <a:ln w="9525">
+            <a:noFill/>
+            <a:miter lim="800000"/>
+            <a:headEnd/>
+            <a:tailEnd/>
+          </a:ln>
+          <a:effectLst>
+            <a:outerShdw blurRad="63500" sx="102000" sy="102000" algn="ctr" rotWithShape="0">
+              <a:prstClr val="black">
+                <a:alpha val="40000"/>
+              </a:prstClr>
+            </a:outerShdw>
+          </a:effectLst>
+        </p:spPr>
+      </p:pic>
+      <p:pic>
+        <p:nvPicPr>
+          <p:cNvPr id="2051" name="Picture 3"/>
+          <p:cNvPicPr>
+            <a:picLocks noChangeAspect="1" noChangeArrowheads="1"/>
+          </p:cNvPicPr>
+          <p:nvPr/>
+        </p:nvPicPr>
+        <p:blipFill>
+          <a:blip r:embed="rId3" cstate="print"/>
+          <a:srcRect/>
+          <a:stretch>
+            <a:fillRect/>
+          </a:stretch>
+        </p:blipFill>
+        <p:spPr bwMode="auto">
+          <a:xfrm>
+            <a:off x="4114800" y="2057400"/>
+            <a:ext cx="4438650" cy="2247900"/>
+          </a:xfrm>
+          <a:prstGeom prst="rect">
+            <a:avLst/>
+          </a:prstGeom>
+          <a:noFill/>
+          <a:ln w="9525">
+            <a:noFill/>
+            <a:miter lim="800000"/>
+            <a:headEnd/>
+            <a:tailEnd/>
+          </a:ln>
+          <a:effectLst>
+            <a:outerShdw blurRad="63500" sx="102000" sy="102000" algn="ctr" rotWithShape="0">
+              <a:prstClr val="black">
+                <a:alpha val="40000"/>
+              </a:prstClr>
+            </a:outerShdw>
+          </a:effectLst>
+        </p:spPr>
+      </p:pic>
+      <p:pic>
+        <p:nvPicPr>
+          <p:cNvPr id="2052" name="Picture 4"/>
+          <p:cNvPicPr>
+            <a:picLocks noChangeAspect="1" noChangeArrowheads="1"/>
+          </p:cNvPicPr>
+          <p:nvPr/>
+        </p:nvPicPr>
+        <p:blipFill>
+          <a:blip r:embed="rId4" cstate="print"/>
+          <a:srcRect/>
+          <a:stretch>
+            <a:fillRect/>
+          </a:stretch>
+        </p:blipFill>
+        <p:spPr bwMode="auto">
+          <a:xfrm>
+            <a:off x="304800" y="3962400"/>
+            <a:ext cx="7696200" cy="1903711"/>
+          </a:xfrm>
+          <a:prstGeom prst="rect">
+            <a:avLst/>
+          </a:prstGeom>
+          <a:noFill/>
+          <a:ln w="9525">
+            <a:noFill/>
+            <a:miter lim="800000"/>
+            <a:headEnd/>
+            <a:tailEnd/>
+          </a:ln>
+          <a:effectLst>
+            <a:outerShdw blurRad="63500" sx="102000" sy="102000" algn="ctr" rotWithShape="0">
+              <a:prstClr val="black">
+                <a:alpha val="40000"/>
+              </a:prstClr>
+            </a:outerShdw>
+          </a:effectLst>
+        </p:spPr>
+      </p:pic>
+    </p:spTree>
+  </p:cSld>
+  <p:clrMapOvr>
+    <a:masterClrMapping/>
+  </p:clrMapOvr>
+</p:sld>
+</file>
+
+<file path=ppt/slides/slide34.xml><?xml version="1.0" encoding="utf-8"?>
+<p:sld xmlns:a="http://schemas.openxmlformats.org/drawingml/2006/main" xmlns:r="http://schemas.openxmlformats.org/officeDocument/2006/relationships" xmlns:p="http://schemas.openxmlformats.org/presentationml/2006/main">
+  <p:cSld>
+    <p:spTree>
+      <p:nvGrpSpPr>
+        <p:cNvPr id="1" name=""/>
+        <p:cNvGrpSpPr/>
+        <p:nvPr/>
+      </p:nvGrpSpPr>
+      <p:grpSpPr>
+        <a:xfrm>
+          <a:off x="0" y="0"/>
+          <a:ext cx="0" cy="0"/>
+          <a:chOff x="0" y="0"/>
+          <a:chExt cx="0" cy="0"/>
+        </a:xfrm>
+      </p:grpSpPr>
+      <p:sp>
+        <p:nvSpPr>
+          <p:cNvPr id="2" name="Title 1"/>
+          <p:cNvSpPr>
+            <a:spLocks noGrp="1"/>
+          </p:cNvSpPr>
+          <p:nvPr>
+            <p:ph type="title"/>
+          </p:nvPr>
+        </p:nvSpPr>
+        <p:spPr/>
+        <p:txBody>
+          <a:bodyPr/>
+          <a:lstStyle/>
+          <a:p>
+            <a:r>
+              <a:rPr lang="en-US" dirty="0" smtClean="0"/>
+              <a:t>On Binding</a:t>
+            </a:r>
+            <a:endParaRPr lang="en-US" dirty="0"/>
+          </a:p>
+        </p:txBody>
+      </p:sp>
+      <p:pic>
+        <p:nvPicPr>
+          <p:cNvPr id="10242" name="Picture 2"/>
+          <p:cNvPicPr>
+            <a:picLocks noChangeAspect="1" noChangeArrowheads="1"/>
+          </p:cNvPicPr>
+          <p:nvPr/>
+        </p:nvPicPr>
+        <p:blipFill>
+          <a:blip r:embed="rId2" cstate="print"/>
+          <a:srcRect/>
+          <a:stretch>
+            <a:fillRect/>
+          </a:stretch>
+        </p:blipFill>
+        <p:spPr bwMode="auto">
+          <a:xfrm>
+            <a:off x="838200" y="1905000"/>
+            <a:ext cx="6977743" cy="381000"/>
+          </a:xfrm>
+          <a:prstGeom prst="rect">
+            <a:avLst/>
+          </a:prstGeom>
+          <a:noFill/>
+          <a:ln w="9525">
+            <a:noFill/>
+            <a:miter lim="800000"/>
+            <a:headEnd/>
+            <a:tailEnd/>
+          </a:ln>
+          <a:effectLst/>
+        </p:spPr>
+      </p:pic>
+      <p:sp>
+        <p:nvSpPr>
+          <p:cNvPr id="5" name="Down Arrow 4"/>
+          <p:cNvSpPr/>
+          <p:nvPr/>
+        </p:nvSpPr>
+        <p:spPr>
+          <a:xfrm rot="10800000">
+            <a:off x="5029200" y="2362200"/>
+            <a:ext cx="609600" cy="1230702"/>
+          </a:xfrm>
+          <a:prstGeom prst="downArrow">
+            <a:avLst/>
+          </a:prstGeom>
+        </p:spPr>
+        <p:style>
+          <a:lnRef idx="2">
+            <a:schemeClr val="accent1">
+              <a:shade val="50000"/>
+            </a:schemeClr>
+          </a:lnRef>
+          <a:fillRef idx="1">
+            <a:schemeClr val="accent1"/>
+          </a:fillRef>
+          <a:effectRef idx="0">
+            <a:schemeClr val="accent1"/>
+          </a:effectRef>
+          <a:fontRef idx="minor">
+            <a:schemeClr val="lt1"/>
+          </a:fontRef>
+        </p:style>
+        <p:txBody>
+          <a:bodyPr rtlCol="0" anchor="ctr"/>
+          <a:lstStyle/>
+          <a:p>
+            <a:pPr algn="ctr"/>
+            <a:endParaRPr lang="en-US"/>
+          </a:p>
+        </p:txBody>
+      </p:sp>
+      <p:sp>
+        <p:nvSpPr>
+          <p:cNvPr id="6" name="TextBox 5"/>
+          <p:cNvSpPr txBox="1"/>
+          <p:nvPr/>
+        </p:nvSpPr>
+        <p:spPr>
+          <a:xfrm>
+            <a:off x="3657600" y="3657600"/>
+            <a:ext cx="2732351" cy="369332"/>
+          </a:xfrm>
+          <a:prstGeom prst="rect">
+            <a:avLst/>
+          </a:prstGeom>
+          <a:noFill/>
+        </p:spPr>
+        <p:txBody>
+          <a:bodyPr wrap="none" rtlCol="0">
+            <a:spAutoFit/>
+          </a:bodyPr>
+          <a:lstStyle/>
+          <a:p>
+            <a:r>
+              <a:rPr lang="en-US" dirty="0" smtClean="0"/>
+              <a:t>Validates On Data Errors</a:t>
+            </a:r>
+            <a:endParaRPr lang="en-US" dirty="0"/>
+          </a:p>
+        </p:txBody>
+      </p:sp>
+    </p:spTree>
+  </p:cSld>
+  <p:clrMapOvr>
+    <a:masterClrMapping/>
+  </p:clrMapOvr>
+</p:sld>
+</file>
+
+<file path=ppt/slides/slide35.xml><?xml version="1.0" encoding="utf-8"?>
+<p:sld xmlns:a="http://schemas.openxmlformats.org/drawingml/2006/main" xmlns:r="http://schemas.openxmlformats.org/officeDocument/2006/relationships" xmlns:p="http://schemas.openxmlformats.org/presentationml/2006/main">
+  <p:cSld>
+    <p:spTree>
+      <p:nvGrpSpPr>
+        <p:cNvPr id="1" name=""/>
+        <p:cNvGrpSpPr/>
+        <p:nvPr/>
+      </p:nvGrpSpPr>
+      <p:grpSpPr>
+        <a:xfrm>
+          <a:off x="0" y="0"/>
+          <a:ext cx="0" cy="0"/>
+          <a:chOff x="0" y="0"/>
+          <a:chExt cx="0" cy="0"/>
+        </a:xfrm>
+      </p:grpSpPr>
+      <p:sp>
+        <p:nvSpPr>
+          <p:cNvPr id="2" name="Title 1"/>
+          <p:cNvSpPr>
+            <a:spLocks noGrp="1"/>
+          </p:cNvSpPr>
+          <p:nvPr>
+            <p:ph type="title"/>
+          </p:nvPr>
+        </p:nvSpPr>
+        <p:spPr/>
+        <p:txBody>
+          <a:bodyPr/>
+          <a:lstStyle/>
+          <a:p>
+            <a:r>
+              <a:rPr lang="en-US" dirty="0" smtClean="0"/>
+              <a:t>Custom markup extension</a:t>
+            </a:r>
+            <a:endParaRPr lang="en-US" dirty="0"/>
+          </a:p>
+        </p:txBody>
+      </p:sp>
+      <p:sp>
+        <p:nvSpPr>
+          <p:cNvPr id="3" name="Text Placeholder 2"/>
+          <p:cNvSpPr>
+            <a:spLocks noGrp="1"/>
+          </p:cNvSpPr>
+          <p:nvPr>
+            <p:ph type="body" idx="1"/>
+          </p:nvPr>
+        </p:nvSpPr>
+        <p:spPr/>
+        <p:txBody>
+          <a:bodyPr/>
+          <a:lstStyle/>
+          <a:p>
+            <a:endParaRPr lang="en-US"/>
+          </a:p>
+        </p:txBody>
+      </p:sp>
+    </p:spTree>
+  </p:cSld>
+  <p:clrMapOvr>
+    <a:masterClrMapping/>
+  </p:clrMapOvr>
+</p:sld>
+</file>
+
+<file path=ppt/slides/slide36.xml><?xml version="1.0" encoding="utf-8"?>
+<p:sld xmlns:a="http://schemas.openxmlformats.org/drawingml/2006/main" xmlns:r="http://schemas.openxmlformats.org/officeDocument/2006/relationships" xmlns:p="http://schemas.openxmlformats.org/presentationml/2006/main">
+  <p:cSld>
+    <p:spTree>
+      <p:nvGrpSpPr>
+        <p:cNvPr id="1" name=""/>
+        <p:cNvGrpSpPr/>
+        <p:nvPr/>
+      </p:nvGrpSpPr>
+      <p:grpSpPr>
+        <a:xfrm>
+          <a:off x="0" y="0"/>
+          <a:ext cx="0" cy="0"/>
+          <a:chOff x="0" y="0"/>
+          <a:chExt cx="0" cy="0"/>
+        </a:xfrm>
+      </p:grpSpPr>
+      <p:sp>
+        <p:nvSpPr>
+          <p:cNvPr id="2" name="Title 1"/>
+          <p:cNvSpPr>
+            <a:spLocks noGrp="1"/>
+          </p:cNvSpPr>
+          <p:nvPr>
+            <p:ph type="title"/>
+          </p:nvPr>
+        </p:nvSpPr>
+        <p:spPr/>
+        <p:txBody>
+          <a:bodyPr/>
+          <a:lstStyle/>
+          <a:p>
+            <a:r>
+              <a:rPr lang="en-US" dirty="0" smtClean="0"/>
+              <a:t>Markup Extensions</a:t>
+            </a:r>
+            <a:endParaRPr lang="en-US" dirty="0"/>
+          </a:p>
+        </p:txBody>
+      </p:sp>
+      <p:sp>
+        <p:nvSpPr>
+          <p:cNvPr id="3" name="Content Placeholder 2"/>
+          <p:cNvSpPr>
+            <a:spLocks noGrp="1"/>
+          </p:cNvSpPr>
+          <p:nvPr>
+            <p:ph idx="1"/>
+          </p:nvPr>
+        </p:nvSpPr>
+        <p:spPr/>
+        <p:txBody>
           <a:bodyPr>
-            <a:normAutofit fontScale="90000"/>
+            <a:normAutofit lnSpcReduction="10000"/>
           </a:bodyPr>
           <a:lstStyle/>
           <a:p>
             <a:r>
               <a:rPr lang="en-US" dirty="0" smtClean="0"/>
-              <a:t>If you know all this… then feel free to leave</a:t>
+              <a:t>The most common markup extensions used in WPF programming are those that support resource references (</a:t>
+            </a:r>
+            <a:r>
+              <a:rPr lang="en-US" dirty="0" err="1" smtClean="0"/>
+              <a:t>StaticResource</a:t>
+            </a:r>
+            <a:r>
+              <a:rPr lang="en-US" dirty="0" smtClean="0"/>
+              <a:t> and </a:t>
+            </a:r>
+            <a:r>
+              <a:rPr lang="en-US" dirty="0" err="1" smtClean="0"/>
+              <a:t>DynamicResource</a:t>
+            </a:r>
+            <a:r>
+              <a:rPr lang="en-US" dirty="0" smtClean="0"/>
+              <a:t>), and those that support data binding (Binding)</a:t>
+            </a:r>
+          </a:p>
+          <a:p>
+            <a:pPr>
+              <a:buNone/>
+            </a:pPr>
+            <a:endParaRPr lang="en-US" dirty="0" smtClean="0"/>
+          </a:p>
+          <a:p>
+            <a:r>
+              <a:rPr lang="en-US" dirty="0" smtClean="0"/>
+              <a:t>Static Resource</a:t>
+            </a:r>
+            <a:endParaRPr lang="en-US" dirty="0" smtClean="0"/>
+          </a:p>
+          <a:p>
+            <a:r>
+              <a:rPr lang="en-US" dirty="0" smtClean="0"/>
+              <a:t>Dynamic Resource</a:t>
+            </a:r>
+            <a:endParaRPr lang="en-US" dirty="0" smtClean="0"/>
+          </a:p>
+          <a:p>
+            <a:r>
+              <a:rPr lang="en-US" dirty="0" smtClean="0"/>
+              <a:t>Binding</a:t>
             </a:r>
             <a:endParaRPr lang="en-US" dirty="0"/>
           </a:p>
         </p:txBody>
       </p:sp>
+      <p:pic>
+        <p:nvPicPr>
+          <p:cNvPr id="1028" name="Picture 4"/>
+          <p:cNvPicPr>
+            <a:picLocks noChangeAspect="1" noChangeArrowheads="1"/>
+          </p:cNvPicPr>
+          <p:nvPr/>
+        </p:nvPicPr>
+        <p:blipFill>
+          <a:blip r:embed="rId2" cstate="print"/>
+          <a:srcRect/>
+          <a:stretch>
+            <a:fillRect/>
+          </a:stretch>
+        </p:blipFill>
+        <p:spPr bwMode="auto">
+          <a:xfrm>
+            <a:off x="1143000" y="6019800"/>
+            <a:ext cx="7543800" cy="276225"/>
+          </a:xfrm>
+          <a:prstGeom prst="rect">
+            <a:avLst/>
+          </a:prstGeom>
+          <a:noFill/>
+          <a:ln w="9525">
+            <a:noFill/>
+            <a:miter lim="800000"/>
+            <a:headEnd/>
+            <a:tailEnd/>
+          </a:ln>
+        </p:spPr>
+      </p:pic>
+      <p:pic>
+        <p:nvPicPr>
+          <p:cNvPr id="1030" name="Picture 6"/>
+          <p:cNvPicPr>
+            <a:picLocks noChangeAspect="1" noChangeArrowheads="1"/>
+          </p:cNvPicPr>
+          <p:nvPr/>
+        </p:nvPicPr>
+        <p:blipFill>
+          <a:blip r:embed="rId3" cstate="print"/>
+          <a:srcRect/>
+          <a:stretch>
+            <a:fillRect/>
+          </a:stretch>
+        </p:blipFill>
+        <p:spPr bwMode="auto">
+          <a:xfrm>
+            <a:off x="4114800" y="5105400"/>
+            <a:ext cx="2876550" cy="295275"/>
+          </a:xfrm>
+          <a:prstGeom prst="rect">
+            <a:avLst/>
+          </a:prstGeom>
+          <a:noFill/>
+          <a:ln w="9525">
+            <a:noFill/>
+            <a:miter lim="800000"/>
+            <a:headEnd/>
+            <a:tailEnd/>
+          </a:ln>
+        </p:spPr>
+      </p:pic>
+      <p:pic>
+        <p:nvPicPr>
+          <p:cNvPr id="1031" name="Picture 7"/>
+          <p:cNvPicPr>
+            <a:picLocks noChangeAspect="1" noChangeArrowheads="1"/>
+          </p:cNvPicPr>
+          <p:nvPr/>
+        </p:nvPicPr>
+        <p:blipFill>
+          <a:blip r:embed="rId4" cstate="print"/>
+          <a:srcRect/>
+          <a:stretch>
+            <a:fillRect/>
+          </a:stretch>
+        </p:blipFill>
+        <p:spPr bwMode="auto">
+          <a:xfrm>
+            <a:off x="3581400" y="4572000"/>
+            <a:ext cx="2790825" cy="276225"/>
+          </a:xfrm>
+          <a:prstGeom prst="rect">
+            <a:avLst/>
+          </a:prstGeom>
+          <a:noFill/>
+          <a:ln w="9525">
+            <a:noFill/>
+            <a:miter lim="800000"/>
+            <a:headEnd/>
+            <a:tailEnd/>
+          </a:ln>
+        </p:spPr>
+      </p:pic>
+    </p:spTree>
+  </p:cSld>
+  <p:clrMapOvr>
+    <a:masterClrMapping/>
+  </p:clrMapOvr>
+</p:sld>
+</file>
+
+<file path=ppt/slides/slide37.xml><?xml version="1.0" encoding="utf-8"?>
+<p:sld xmlns:a="http://schemas.openxmlformats.org/drawingml/2006/main" xmlns:r="http://schemas.openxmlformats.org/officeDocument/2006/relationships" xmlns:p="http://schemas.openxmlformats.org/presentationml/2006/main">
+  <p:cSld>
+    <p:spTree>
+      <p:nvGrpSpPr>
+        <p:cNvPr id="1" name=""/>
+        <p:cNvGrpSpPr/>
+        <p:nvPr/>
+      </p:nvGrpSpPr>
+      <p:grpSpPr>
+        <a:xfrm>
+          <a:off x="0" y="0"/>
+          <a:ext cx="0" cy="0"/>
+          <a:chOff x="0" y="0"/>
+          <a:chExt cx="0" cy="0"/>
+        </a:xfrm>
+      </p:grpSpPr>
+      <p:sp>
+        <p:nvSpPr>
+          <p:cNvPr id="2" name="Title 1"/>
+          <p:cNvSpPr>
+            <a:spLocks noGrp="1"/>
+          </p:cNvSpPr>
+          <p:nvPr>
+            <p:ph type="title"/>
+          </p:nvPr>
+        </p:nvSpPr>
+        <p:spPr/>
+        <p:txBody>
+          <a:bodyPr/>
+          <a:lstStyle/>
+          <a:p>
+            <a:r>
+              <a:rPr lang="en-US" dirty="0" smtClean="0"/>
+              <a:t>Custom </a:t>
+            </a:r>
+            <a:r>
+              <a:rPr lang="en-US" smtClean="0"/>
+              <a:t>Markup Extensions</a:t>
+            </a:r>
+            <a:endParaRPr lang="en-US" dirty="0"/>
+          </a:p>
+        </p:txBody>
+      </p:sp>
       <p:sp>
         <p:nvSpPr>
           <p:cNvPr id="3" name="Content Placeholder 2"/>
@@ -5554,60 +7332,527 @@
           <a:p>
             <a:r>
               <a:rPr lang="en-US" dirty="0" smtClean="0"/>
-              <a:t>How to do binding validation with:</a:t>
+              <a:t>We can make our own markup extensions</a:t>
+            </a:r>
+            <a:endParaRPr lang="en-US" dirty="0"/>
+          </a:p>
+        </p:txBody>
+      </p:sp>
+      <p:pic>
+        <p:nvPicPr>
+          <p:cNvPr id="2050" name="Picture 2"/>
+          <p:cNvPicPr>
+            <a:picLocks noChangeAspect="1" noChangeArrowheads="1"/>
+          </p:cNvPicPr>
+          <p:nvPr/>
+        </p:nvPicPr>
+        <p:blipFill>
+          <a:blip r:embed="rId2" cstate="print"/>
+          <a:srcRect/>
+          <a:stretch>
+            <a:fillRect/>
+          </a:stretch>
+        </p:blipFill>
+        <p:spPr bwMode="auto">
+          <a:xfrm>
+            <a:off x="914400" y="2895600"/>
+            <a:ext cx="7029450" cy="1809750"/>
+          </a:xfrm>
+          <a:prstGeom prst="rect">
+            <a:avLst/>
+          </a:prstGeom>
+          <a:noFill/>
+          <a:ln w="9525">
+            <a:noFill/>
+            <a:miter lim="800000"/>
+            <a:headEnd/>
+            <a:tailEnd/>
+          </a:ln>
+        </p:spPr>
+      </p:pic>
+      <p:sp>
+        <p:nvSpPr>
+          <p:cNvPr id="5" name="TextBox 4"/>
+          <p:cNvSpPr txBox="1"/>
+          <p:nvPr/>
+        </p:nvSpPr>
+        <p:spPr>
+          <a:xfrm>
+            <a:off x="533400" y="2209800"/>
+            <a:ext cx="5046574" cy="369332"/>
+          </a:xfrm>
+          <a:prstGeom prst="rect">
+            <a:avLst/>
+          </a:prstGeom>
+          <a:noFill/>
+        </p:spPr>
+        <p:txBody>
+          <a:bodyPr wrap="none" rtlCol="0">
+            <a:spAutoFit/>
+          </a:bodyPr>
+          <a:lstStyle/>
+          <a:p>
+            <a:r>
+              <a:rPr lang="en-US" dirty="0" smtClean="0"/>
+              <a:t>Use attribute to specify markup extension return type</a:t>
+            </a:r>
+            <a:endParaRPr lang="en-US" dirty="0"/>
+          </a:p>
+        </p:txBody>
+      </p:sp>
+      <p:sp>
+        <p:nvSpPr>
+          <p:cNvPr id="6" name="TextBox 5"/>
+          <p:cNvSpPr txBox="1"/>
+          <p:nvPr/>
+        </p:nvSpPr>
+        <p:spPr>
+          <a:xfrm>
+            <a:off x="5638800" y="2438400"/>
+            <a:ext cx="2915350" cy="369332"/>
+          </a:xfrm>
+          <a:prstGeom prst="rect">
+            <a:avLst/>
+          </a:prstGeom>
+          <a:noFill/>
+        </p:spPr>
+        <p:txBody>
+          <a:bodyPr wrap="none" rtlCol="0">
+            <a:spAutoFit/>
+          </a:bodyPr>
+          <a:lstStyle/>
+          <a:p>
+            <a:r>
+              <a:rPr lang="en-US" dirty="0" smtClean="0"/>
+              <a:t>Inherit from </a:t>
+            </a:r>
+            <a:r>
+              <a:rPr lang="en-US" dirty="0" err="1" smtClean="0"/>
+              <a:t>MarkupExtension</a:t>
+            </a:r>
+            <a:endParaRPr lang="en-US" dirty="0"/>
+          </a:p>
+        </p:txBody>
+      </p:sp>
+      <p:sp>
+        <p:nvSpPr>
+          <p:cNvPr id="7" name="TextBox 6"/>
+          <p:cNvSpPr txBox="1"/>
+          <p:nvPr/>
+        </p:nvSpPr>
+        <p:spPr>
+          <a:xfrm>
+            <a:off x="2971800" y="5181600"/>
+            <a:ext cx="2409827" cy="369332"/>
+          </a:xfrm>
+          <a:prstGeom prst="rect">
+            <a:avLst/>
+          </a:prstGeom>
+          <a:noFill/>
+        </p:spPr>
+        <p:txBody>
+          <a:bodyPr wrap="none" rtlCol="0">
+            <a:spAutoFit/>
+          </a:bodyPr>
+          <a:lstStyle/>
+          <a:p>
+            <a:r>
+              <a:rPr lang="en-US" dirty="0" smtClean="0"/>
+              <a:t>Implement </a:t>
+            </a:r>
+            <a:r>
+              <a:rPr lang="en-US" dirty="0" err="1" smtClean="0"/>
+              <a:t>ProvideValue</a:t>
+            </a:r>
+            <a:endParaRPr lang="en-US" dirty="0"/>
+          </a:p>
+        </p:txBody>
+      </p:sp>
+      <p:sp>
+        <p:nvSpPr>
+          <p:cNvPr id="8" name="Bent-Up Arrow 7"/>
+          <p:cNvSpPr/>
+          <p:nvPr/>
+        </p:nvSpPr>
+        <p:spPr>
+          <a:xfrm rot="5400000" flipV="1">
+            <a:off x="6297692" y="2846309"/>
+            <a:ext cx="620078" cy="566261"/>
+          </a:xfrm>
+          <a:prstGeom prst="bentUpArrow">
+            <a:avLst/>
+          </a:prstGeom>
+        </p:spPr>
+        <p:style>
+          <a:lnRef idx="2">
+            <a:schemeClr val="accent1">
+              <a:shade val="50000"/>
+            </a:schemeClr>
+          </a:lnRef>
+          <a:fillRef idx="1">
+            <a:schemeClr val="accent1"/>
+          </a:fillRef>
+          <a:effectRef idx="0">
+            <a:schemeClr val="accent1"/>
+          </a:effectRef>
+          <a:fontRef idx="minor">
+            <a:schemeClr val="lt1"/>
+          </a:fontRef>
+        </p:style>
+        <p:txBody>
+          <a:bodyPr rtlCol="0" anchor="ctr"/>
+          <a:lstStyle/>
+          <a:p>
+            <a:pPr algn="ctr"/>
+            <a:endParaRPr lang="en-US"/>
+          </a:p>
+        </p:txBody>
+      </p:sp>
+      <p:sp>
+        <p:nvSpPr>
+          <p:cNvPr id="9" name="Down Arrow 8"/>
+          <p:cNvSpPr/>
+          <p:nvPr/>
+        </p:nvSpPr>
+        <p:spPr>
+          <a:xfrm>
+            <a:off x="2286000" y="2590800"/>
+            <a:ext cx="304800" cy="304800"/>
+          </a:xfrm>
+          <a:prstGeom prst="downArrow">
+            <a:avLst/>
+          </a:prstGeom>
+        </p:spPr>
+        <p:style>
+          <a:lnRef idx="2">
+            <a:schemeClr val="accent1">
+              <a:shade val="50000"/>
+            </a:schemeClr>
+          </a:lnRef>
+          <a:fillRef idx="1">
+            <a:schemeClr val="accent1"/>
+          </a:fillRef>
+          <a:effectRef idx="0">
+            <a:schemeClr val="accent1"/>
+          </a:effectRef>
+          <a:fontRef idx="minor">
+            <a:schemeClr val="lt1"/>
+          </a:fontRef>
+        </p:style>
+        <p:txBody>
+          <a:bodyPr rtlCol="0" anchor="ctr"/>
+          <a:lstStyle/>
+          <a:p>
+            <a:pPr algn="ctr"/>
+            <a:endParaRPr lang="en-US"/>
+          </a:p>
+        </p:txBody>
+      </p:sp>
+      <p:sp>
+        <p:nvSpPr>
+          <p:cNvPr id="10" name="Down Arrow 9"/>
+          <p:cNvSpPr/>
+          <p:nvPr/>
+        </p:nvSpPr>
+        <p:spPr>
+          <a:xfrm rot="10800000">
+            <a:off x="3733800" y="4267200"/>
+            <a:ext cx="609600" cy="914400"/>
+          </a:xfrm>
+          <a:prstGeom prst="downArrow">
+            <a:avLst/>
+          </a:prstGeom>
+        </p:spPr>
+        <p:style>
+          <a:lnRef idx="2">
+            <a:schemeClr val="accent1">
+              <a:shade val="50000"/>
+            </a:schemeClr>
+          </a:lnRef>
+          <a:fillRef idx="1">
+            <a:schemeClr val="accent1"/>
+          </a:fillRef>
+          <a:effectRef idx="0">
+            <a:schemeClr val="accent1"/>
+          </a:effectRef>
+          <a:fontRef idx="minor">
+            <a:schemeClr val="lt1"/>
+          </a:fontRef>
+        </p:style>
+        <p:txBody>
+          <a:bodyPr rtlCol="0" anchor="ctr"/>
+          <a:lstStyle/>
+          <a:p>
+            <a:pPr algn="ctr"/>
+            <a:endParaRPr lang="en-US"/>
+          </a:p>
+        </p:txBody>
+      </p:sp>
+    </p:spTree>
+  </p:cSld>
+  <p:clrMapOvr>
+    <a:masterClrMapping/>
+  </p:clrMapOvr>
+</p:sld>
+</file>
+
+<file path=ppt/slides/slide38.xml><?xml version="1.0" encoding="utf-8"?>
+<p:sld xmlns:a="http://schemas.openxmlformats.org/drawingml/2006/main" xmlns:r="http://schemas.openxmlformats.org/officeDocument/2006/relationships" xmlns:p="http://schemas.openxmlformats.org/presentationml/2006/main">
+  <p:cSld>
+    <p:spTree>
+      <p:nvGrpSpPr>
+        <p:cNvPr id="1" name=""/>
+        <p:cNvGrpSpPr/>
+        <p:nvPr/>
+      </p:nvGrpSpPr>
+      <p:grpSpPr>
+        <a:xfrm>
+          <a:off x="0" y="0"/>
+          <a:ext cx="0" cy="0"/>
+          <a:chOff x="0" y="0"/>
+          <a:chExt cx="0" cy="0"/>
+        </a:xfrm>
+      </p:grpSpPr>
+      <p:sp>
+        <p:nvSpPr>
+          <p:cNvPr id="2" name="Title 1"/>
+          <p:cNvSpPr>
+            <a:spLocks noGrp="1"/>
+          </p:cNvSpPr>
+          <p:nvPr>
+            <p:ph type="title"/>
+          </p:nvPr>
+        </p:nvSpPr>
+        <p:spPr/>
+        <p:txBody>
+          <a:bodyPr/>
+          <a:lstStyle/>
+          <a:p>
+            <a:r>
+              <a:rPr lang="en-US" dirty="0" smtClean="0"/>
+              <a:t>Binding Decorator Base</a:t>
+            </a:r>
+            <a:endParaRPr lang="en-US" dirty="0"/>
+          </a:p>
+        </p:txBody>
+      </p:sp>
+      <p:sp>
+        <p:nvSpPr>
+          <p:cNvPr id="3" name="Content Placeholder 2"/>
+          <p:cNvSpPr>
+            <a:spLocks noGrp="1"/>
+          </p:cNvSpPr>
+          <p:nvPr>
+            <p:ph idx="1"/>
+          </p:nvPr>
+        </p:nvSpPr>
+        <p:spPr/>
+        <p:txBody>
+          <a:bodyPr/>
+          <a:lstStyle/>
+          <a:p>
+            <a:r>
+              <a:rPr lang="en-US" dirty="0" smtClean="0"/>
+              <a:t>Copied from Philip </a:t>
+            </a:r>
+            <a:r>
+              <a:rPr lang="en-US" dirty="0" err="1" smtClean="0"/>
+              <a:t>Sumi</a:t>
+            </a:r>
+            <a:r>
+              <a:rPr lang="en-US" dirty="0" smtClean="0"/>
+              <a:t> @</a:t>
             </a:r>
           </a:p>
           <a:p>
             <a:pPr lvl="1"/>
             <a:r>
-              <a:rPr lang="en-US" dirty="0" smtClean="0"/>
-              <a:t>Validation Rules</a:t>
-            </a:r>
-          </a:p>
-          <a:p>
-            <a:pPr lvl="1">
-              <a:buFontTx/>
-              <a:buChar char="-"/>
-            </a:pPr>
-            <a:r>
-              <a:rPr lang="en-US" dirty="0" smtClean="0"/>
-              <a:t>Exceptions</a:t>
-            </a:r>
-          </a:p>
-          <a:p>
-            <a:pPr lvl="1">
-              <a:buFontTx/>
-              <a:buChar char="-"/>
-            </a:pPr>
-            <a:r>
-              <a:rPr lang="en-US" dirty="0" err="1" smtClean="0"/>
-              <a:t>IDataErrorInfo</a:t>
-            </a:r>
-            <a:endParaRPr lang="en-US" dirty="0" smtClean="0"/>
-          </a:p>
-          <a:p>
-            <a:pPr lvl="1">
-              <a:buFontTx/>
-              <a:buChar char="-"/>
-            </a:pPr>
-            <a:r>
-              <a:rPr lang="en-US" dirty="0" smtClean="0"/>
-              <a:t>Validation Application Block</a:t>
-            </a:r>
-          </a:p>
-          <a:p>
-            <a:pPr lvl="1">
-              <a:buFontTx/>
-              <a:buChar char="-"/>
-            </a:pPr>
-            <a:r>
-              <a:rPr lang="en-US" dirty="0" smtClean="0"/>
-              <a:t>Markup Extensions</a:t>
-            </a:r>
+              <a:rPr lang="en-US" sz="1600" dirty="0" smtClean="0"/>
+              <a:t>http://www.hardcodet.net/2008/04/wpf-custom-binding-class</a:t>
+            </a:r>
+          </a:p>
+          <a:p>
+            <a:pPr lvl="1"/>
             <a:endParaRPr lang="en-US" dirty="0"/>
           </a:p>
         </p:txBody>
       </p:sp>
+      <p:pic>
+        <p:nvPicPr>
+          <p:cNvPr id="3074" name="Picture 2"/>
+          <p:cNvPicPr>
+            <a:picLocks noChangeAspect="1" noChangeArrowheads="1"/>
+          </p:cNvPicPr>
+          <p:nvPr/>
+        </p:nvPicPr>
+        <p:blipFill>
+          <a:blip r:embed="rId2" cstate="print"/>
+          <a:srcRect/>
+          <a:stretch>
+            <a:fillRect/>
+          </a:stretch>
+        </p:blipFill>
+        <p:spPr bwMode="auto">
+          <a:xfrm>
+            <a:off x="6553200" y="1447800"/>
+            <a:ext cx="2034740" cy="4895850"/>
+          </a:xfrm>
+          <a:prstGeom prst="rect">
+            <a:avLst/>
+          </a:prstGeom>
+          <a:noFill/>
+          <a:ln w="9525">
+            <a:noFill/>
+            <a:miter lim="800000"/>
+            <a:headEnd/>
+            <a:tailEnd/>
+          </a:ln>
+        </p:spPr>
+      </p:pic>
+      <p:pic>
+        <p:nvPicPr>
+          <p:cNvPr id="3075" name="Picture 3"/>
+          <p:cNvPicPr>
+            <a:picLocks noChangeAspect="1" noChangeArrowheads="1"/>
+          </p:cNvPicPr>
+          <p:nvPr/>
+        </p:nvPicPr>
+        <p:blipFill>
+          <a:blip r:embed="rId3" cstate="print"/>
+          <a:srcRect/>
+          <a:stretch>
+            <a:fillRect/>
+          </a:stretch>
+        </p:blipFill>
+        <p:spPr bwMode="auto">
+          <a:xfrm>
+            <a:off x="381000" y="2743200"/>
+            <a:ext cx="5981700" cy="1171575"/>
+          </a:xfrm>
+          <a:prstGeom prst="rect">
+            <a:avLst/>
+          </a:prstGeom>
+          <a:noFill/>
+          <a:ln w="9525">
+            <a:noFill/>
+            <a:miter lim="800000"/>
+            <a:headEnd/>
+            <a:tailEnd/>
+          </a:ln>
+        </p:spPr>
+      </p:pic>
+      <p:pic>
+        <p:nvPicPr>
+          <p:cNvPr id="3076" name="Picture 4"/>
+          <p:cNvPicPr>
+            <a:picLocks noChangeAspect="1" noChangeArrowheads="1"/>
+          </p:cNvPicPr>
+          <p:nvPr/>
+        </p:nvPicPr>
+        <p:blipFill>
+          <a:blip r:embed="rId4" cstate="print"/>
+          <a:srcRect/>
+          <a:stretch>
+            <a:fillRect/>
+          </a:stretch>
+        </p:blipFill>
+        <p:spPr bwMode="auto">
+          <a:xfrm>
+            <a:off x="381000" y="4038600"/>
+            <a:ext cx="5605463" cy="2452777"/>
+          </a:xfrm>
+          <a:prstGeom prst="rect">
+            <a:avLst/>
+          </a:prstGeom>
+          <a:noFill/>
+          <a:ln w="9525">
+            <a:noFill/>
+            <a:miter lim="800000"/>
+            <a:headEnd/>
+            <a:tailEnd/>
+          </a:ln>
+        </p:spPr>
+      </p:pic>
+    </p:spTree>
+  </p:cSld>
+  <p:clrMapOvr>
+    <a:masterClrMapping/>
+  </p:clrMapOvr>
+</p:sld>
+</file>
+
+<file path=ppt/slides/slide39.xml><?xml version="1.0" encoding="utf-8"?>
+<p:sld xmlns:a="http://schemas.openxmlformats.org/drawingml/2006/main" xmlns:r="http://schemas.openxmlformats.org/officeDocument/2006/relationships" xmlns:p="http://schemas.openxmlformats.org/presentationml/2006/main">
+  <p:cSld>
+    <p:spTree>
+      <p:nvGrpSpPr>
+        <p:cNvPr id="1" name=""/>
+        <p:cNvGrpSpPr/>
+        <p:nvPr/>
+      </p:nvGrpSpPr>
+      <p:grpSpPr>
+        <a:xfrm>
+          <a:off x="0" y="0"/>
+          <a:ext cx="0" cy="0"/>
+          <a:chOff x="0" y="0"/>
+          <a:chExt cx="0" cy="0"/>
+        </a:xfrm>
+      </p:grpSpPr>
+      <p:sp>
+        <p:nvSpPr>
+          <p:cNvPr id="2" name="Title 1"/>
+          <p:cNvSpPr>
+            <a:spLocks noGrp="1"/>
+          </p:cNvSpPr>
+          <p:nvPr>
+            <p:ph type="title"/>
+          </p:nvPr>
+        </p:nvSpPr>
+        <p:spPr/>
+        <p:txBody>
+          <a:bodyPr/>
+          <a:lstStyle/>
+          <a:p>
+            <a:r>
+              <a:rPr lang="en-US" dirty="0" smtClean="0"/>
+              <a:t>Base Validation Binding</a:t>
+            </a:r>
+            <a:endParaRPr lang="en-US" dirty="0"/>
+          </a:p>
+        </p:txBody>
+      </p:sp>
+      <p:pic>
+        <p:nvPicPr>
+          <p:cNvPr id="4098" name="Picture 2"/>
+          <p:cNvPicPr>
+            <a:picLocks noChangeAspect="1" noChangeArrowheads="1"/>
+          </p:cNvPicPr>
+          <p:nvPr/>
+        </p:nvPicPr>
+        <p:blipFill>
+          <a:blip r:embed="rId2" cstate="print"/>
+          <a:srcRect/>
+          <a:stretch>
+            <a:fillRect/>
+          </a:stretch>
+        </p:blipFill>
+        <p:spPr bwMode="auto">
+          <a:xfrm>
+            <a:off x="990600" y="1981200"/>
+            <a:ext cx="7029450" cy="3762375"/>
+          </a:xfrm>
+          <a:prstGeom prst="rect">
+            <a:avLst/>
+          </a:prstGeom>
+          <a:noFill/>
+          <a:ln w="9525">
+            <a:noFill/>
+            <a:miter lim="800000"/>
+            <a:headEnd/>
+            <a:tailEnd/>
+          </a:ln>
+        </p:spPr>
+      </p:pic>
     </p:spTree>
   </p:cSld>
   <p:clrMapOvr>
@@ -5650,7 +7895,7 @@
           <a:p>
             <a:r>
               <a:rPr lang="en-US" dirty="0" smtClean="0"/>
-              <a:t>Rules for being an Invitee</a:t>
+              <a:t>Using Validation Rules</a:t>
             </a:r>
             <a:endParaRPr lang="en-US" dirty="0"/>
           </a:p>
@@ -5658,6 +7903,73 @@
       </p:sp>
       <p:sp>
         <p:nvSpPr>
+          <p:cNvPr id="3" name="Text Placeholder 2"/>
+          <p:cNvSpPr>
+            <a:spLocks noGrp="1"/>
+          </p:cNvSpPr>
+          <p:nvPr>
+            <p:ph type="body" idx="1"/>
+          </p:nvPr>
+        </p:nvSpPr>
+        <p:spPr/>
+        <p:txBody>
+          <a:bodyPr/>
+          <a:lstStyle/>
+          <a:p>
+            <a:endParaRPr lang="en-US"/>
+          </a:p>
+        </p:txBody>
+      </p:sp>
+    </p:spTree>
+  </p:cSld>
+  <p:clrMapOvr>
+    <a:masterClrMapping/>
+  </p:clrMapOvr>
+</p:sld>
+</file>
+
+<file path=ppt/slides/slide40.xml><?xml version="1.0" encoding="utf-8"?>
+<p:sld xmlns:a="http://schemas.openxmlformats.org/drawingml/2006/main" xmlns:r="http://schemas.openxmlformats.org/officeDocument/2006/relationships" xmlns:p="http://schemas.openxmlformats.org/presentationml/2006/main">
+  <p:cSld>
+    <p:spTree>
+      <p:nvGrpSpPr>
+        <p:cNvPr id="1" name=""/>
+        <p:cNvGrpSpPr/>
+        <p:nvPr/>
+      </p:nvGrpSpPr>
+      <p:grpSpPr>
+        <a:xfrm>
+          <a:off x="0" y="0"/>
+          <a:ext cx="0" cy="0"/>
+          <a:chOff x="0" y="0"/>
+          <a:chExt cx="0" cy="0"/>
+        </a:xfrm>
+      </p:grpSpPr>
+      <p:sp>
+        <p:nvSpPr>
+          <p:cNvPr id="2" name="Title 1"/>
+          <p:cNvSpPr>
+            <a:spLocks noGrp="1"/>
+          </p:cNvSpPr>
+          <p:nvPr>
+            <p:ph type="title"/>
+          </p:nvPr>
+        </p:nvSpPr>
+        <p:spPr/>
+        <p:txBody>
+          <a:bodyPr/>
+          <a:lstStyle/>
+          <a:p>
+            <a:r>
+              <a:rPr lang="en-US" dirty="0" smtClean="0"/>
+              <a:t>Required</a:t>
+            </a:r>
+            <a:endParaRPr lang="en-US" dirty="0"/>
+          </a:p>
+        </p:txBody>
+      </p:sp>
+      <p:sp>
+        <p:nvSpPr>
           <p:cNvPr id="3" name="Content Placeholder 2"/>
           <p:cNvSpPr>
             <a:spLocks noGrp="1"/>
@@ -5673,20 +7985,507 @@
           <a:p>
             <a:r>
               <a:rPr lang="en-US" dirty="0" smtClean="0"/>
-              <a:t>Name is required</a:t>
-            </a:r>
-          </a:p>
-          <a:p>
-            <a:r>
-              <a:rPr lang="en-US" dirty="0" smtClean="0"/>
-              <a:t>Age has to be greater than 18</a:t>
-            </a:r>
-          </a:p>
-          <a:p>
-            <a:r>
-              <a:rPr lang="en-US" dirty="0" smtClean="0"/>
-              <a:t>Must have a valid email address</a:t>
-            </a:r>
+              <a:t>Implementation</a:t>
+            </a:r>
+          </a:p>
+          <a:p>
+            <a:endParaRPr lang="en-US" dirty="0" smtClean="0"/>
+          </a:p>
+          <a:p>
+            <a:endParaRPr lang="en-US" dirty="0" smtClean="0"/>
+          </a:p>
+          <a:p>
+            <a:endParaRPr lang="en-US" dirty="0" smtClean="0"/>
+          </a:p>
+          <a:p>
+            <a:r>
+              <a:rPr lang="en-US" dirty="0" err="1" smtClean="0"/>
+              <a:t>Xaml</a:t>
+            </a:r>
+            <a:endParaRPr lang="en-US" dirty="0"/>
+          </a:p>
+        </p:txBody>
+      </p:sp>
+      <p:pic>
+        <p:nvPicPr>
+          <p:cNvPr id="4" name="Picture 2"/>
+          <p:cNvPicPr>
+            <a:picLocks noChangeAspect="1" noChangeArrowheads="1"/>
+          </p:cNvPicPr>
+          <p:nvPr/>
+        </p:nvPicPr>
+        <p:blipFill>
+          <a:blip r:embed="rId2" cstate="print"/>
+          <a:srcRect/>
+          <a:stretch>
+            <a:fillRect/>
+          </a:stretch>
+        </p:blipFill>
+        <p:spPr bwMode="auto">
+          <a:xfrm>
+            <a:off x="990600" y="2209800"/>
+            <a:ext cx="6591300" cy="1571625"/>
+          </a:xfrm>
+          <a:prstGeom prst="rect">
+            <a:avLst/>
+          </a:prstGeom>
+          <a:noFill/>
+          <a:ln w="9525">
+            <a:noFill/>
+            <a:miter lim="800000"/>
+            <a:headEnd/>
+            <a:tailEnd/>
+          </a:ln>
+        </p:spPr>
+      </p:pic>
+      <p:pic>
+        <p:nvPicPr>
+          <p:cNvPr id="5" name="Picture 3"/>
+          <p:cNvPicPr>
+            <a:picLocks noChangeAspect="1" noChangeArrowheads="1"/>
+          </p:cNvPicPr>
+          <p:nvPr/>
+        </p:nvPicPr>
+        <p:blipFill>
+          <a:blip r:embed="rId3" cstate="print"/>
+          <a:srcRect/>
+          <a:stretch>
+            <a:fillRect/>
+          </a:stretch>
+        </p:blipFill>
+        <p:spPr bwMode="auto">
+          <a:xfrm>
+            <a:off x="990600" y="4648200"/>
+            <a:ext cx="5429250" cy="333375"/>
+          </a:xfrm>
+          <a:prstGeom prst="rect">
+            <a:avLst/>
+          </a:prstGeom>
+          <a:noFill/>
+          <a:ln w="9525">
+            <a:noFill/>
+            <a:miter lim="800000"/>
+            <a:headEnd/>
+            <a:tailEnd/>
+          </a:ln>
+        </p:spPr>
+      </p:pic>
+    </p:spTree>
+  </p:cSld>
+  <p:clrMapOvr>
+    <a:masterClrMapping/>
+  </p:clrMapOvr>
+</p:sld>
+</file>
+
+<file path=ppt/slides/slide41.xml><?xml version="1.0" encoding="utf-8"?>
+<p:sld xmlns:a="http://schemas.openxmlformats.org/drawingml/2006/main" xmlns:r="http://schemas.openxmlformats.org/officeDocument/2006/relationships" xmlns:p="http://schemas.openxmlformats.org/presentationml/2006/main">
+  <p:cSld>
+    <p:spTree>
+      <p:nvGrpSpPr>
+        <p:cNvPr id="1" name=""/>
+        <p:cNvGrpSpPr/>
+        <p:nvPr/>
+      </p:nvGrpSpPr>
+      <p:grpSpPr>
+        <a:xfrm>
+          <a:off x="0" y="0"/>
+          <a:ext cx="0" cy="0"/>
+          <a:chOff x="0" y="0"/>
+          <a:chExt cx="0" cy="0"/>
+        </a:xfrm>
+      </p:grpSpPr>
+      <p:sp>
+        <p:nvSpPr>
+          <p:cNvPr id="2" name="Title 1"/>
+          <p:cNvSpPr>
+            <a:spLocks noGrp="1"/>
+          </p:cNvSpPr>
+          <p:nvPr>
+            <p:ph type="title"/>
+          </p:nvPr>
+        </p:nvSpPr>
+        <p:spPr/>
+        <p:txBody>
+          <a:bodyPr/>
+          <a:lstStyle/>
+          <a:p>
+            <a:r>
+              <a:rPr lang="en-US" dirty="0" smtClean="0"/>
+              <a:t>Greater Than</a:t>
+            </a:r>
+            <a:endParaRPr lang="en-US" dirty="0"/>
+          </a:p>
+        </p:txBody>
+      </p:sp>
+      <p:sp>
+        <p:nvSpPr>
+          <p:cNvPr id="3" name="Content Placeholder 2"/>
+          <p:cNvSpPr>
+            <a:spLocks noGrp="1"/>
+          </p:cNvSpPr>
+          <p:nvPr>
+            <p:ph idx="1"/>
+          </p:nvPr>
+        </p:nvSpPr>
+        <p:spPr/>
+        <p:txBody>
+          <a:bodyPr/>
+          <a:lstStyle/>
+          <a:p>
+            <a:r>
+              <a:rPr lang="en-US" dirty="0" smtClean="0"/>
+              <a:t>Implementation</a:t>
+            </a:r>
+          </a:p>
+          <a:p>
+            <a:endParaRPr lang="en-US" dirty="0" smtClean="0"/>
+          </a:p>
+          <a:p>
+            <a:endParaRPr lang="en-US" dirty="0" smtClean="0"/>
+          </a:p>
+          <a:p>
+            <a:endParaRPr lang="en-US" dirty="0" smtClean="0"/>
+          </a:p>
+          <a:p>
+            <a:r>
+              <a:rPr lang="en-US" dirty="0" err="1" smtClean="0"/>
+              <a:t>Xaml</a:t>
+            </a:r>
+            <a:endParaRPr lang="en-US" dirty="0"/>
+          </a:p>
+        </p:txBody>
+      </p:sp>
+      <p:pic>
+        <p:nvPicPr>
+          <p:cNvPr id="6146" name="Picture 2"/>
+          <p:cNvPicPr>
+            <a:picLocks noChangeAspect="1" noChangeArrowheads="1"/>
+          </p:cNvPicPr>
+          <p:nvPr/>
+        </p:nvPicPr>
+        <p:blipFill>
+          <a:blip r:embed="rId2" cstate="print"/>
+          <a:srcRect/>
+          <a:stretch>
+            <a:fillRect/>
+          </a:stretch>
+        </p:blipFill>
+        <p:spPr bwMode="auto">
+          <a:xfrm>
+            <a:off x="990600" y="4648200"/>
+            <a:ext cx="6648450" cy="333375"/>
+          </a:xfrm>
+          <a:prstGeom prst="rect">
+            <a:avLst/>
+          </a:prstGeom>
+          <a:noFill/>
+          <a:ln w="9525">
+            <a:noFill/>
+            <a:miter lim="800000"/>
+            <a:headEnd/>
+            <a:tailEnd/>
+          </a:ln>
+        </p:spPr>
+      </p:pic>
+      <p:pic>
+        <p:nvPicPr>
+          <p:cNvPr id="6147" name="Picture 3"/>
+          <p:cNvPicPr>
+            <a:picLocks noChangeAspect="1" noChangeArrowheads="1"/>
+          </p:cNvPicPr>
+          <p:nvPr/>
+        </p:nvPicPr>
+        <p:blipFill>
+          <a:blip r:embed="rId3" cstate="print"/>
+          <a:srcRect/>
+          <a:stretch>
+            <a:fillRect/>
+          </a:stretch>
+        </p:blipFill>
+        <p:spPr bwMode="auto">
+          <a:xfrm>
+            <a:off x="990601" y="2133600"/>
+            <a:ext cx="6857999" cy="1822583"/>
+          </a:xfrm>
+          <a:prstGeom prst="rect">
+            <a:avLst/>
+          </a:prstGeom>
+          <a:noFill/>
+          <a:ln w="9525">
+            <a:noFill/>
+            <a:miter lim="800000"/>
+            <a:headEnd/>
+            <a:tailEnd/>
+          </a:ln>
+        </p:spPr>
+      </p:pic>
+    </p:spTree>
+  </p:cSld>
+  <p:clrMapOvr>
+    <a:masterClrMapping/>
+  </p:clrMapOvr>
+</p:sld>
+</file>
+
+<file path=ppt/slides/slide42.xml><?xml version="1.0" encoding="utf-8"?>
+<p:sld xmlns:a="http://schemas.openxmlformats.org/drawingml/2006/main" xmlns:r="http://schemas.openxmlformats.org/officeDocument/2006/relationships" xmlns:p="http://schemas.openxmlformats.org/presentationml/2006/main">
+  <p:cSld>
+    <p:spTree>
+      <p:nvGrpSpPr>
+        <p:cNvPr id="1" name=""/>
+        <p:cNvGrpSpPr/>
+        <p:nvPr/>
+      </p:nvGrpSpPr>
+      <p:grpSpPr>
+        <a:xfrm>
+          <a:off x="0" y="0"/>
+          <a:ext cx="0" cy="0"/>
+          <a:chOff x="0" y="0"/>
+          <a:chExt cx="0" cy="0"/>
+        </a:xfrm>
+      </p:grpSpPr>
+      <p:sp>
+        <p:nvSpPr>
+          <p:cNvPr id="2" name="Title 1"/>
+          <p:cNvSpPr>
+            <a:spLocks noGrp="1"/>
+          </p:cNvSpPr>
+          <p:nvPr>
+            <p:ph type="title"/>
+          </p:nvPr>
+        </p:nvSpPr>
+        <p:spPr/>
+        <p:txBody>
+          <a:bodyPr/>
+          <a:lstStyle/>
+          <a:p>
+            <a:r>
+              <a:rPr lang="en-US" dirty="0" smtClean="0"/>
+              <a:t>Email</a:t>
+            </a:r>
+            <a:endParaRPr lang="en-US" dirty="0"/>
+          </a:p>
+        </p:txBody>
+      </p:sp>
+      <p:sp>
+        <p:nvSpPr>
+          <p:cNvPr id="3" name="Content Placeholder 2"/>
+          <p:cNvSpPr>
+            <a:spLocks noGrp="1"/>
+          </p:cNvSpPr>
+          <p:nvPr>
+            <p:ph idx="1"/>
+          </p:nvPr>
+        </p:nvSpPr>
+        <p:spPr/>
+        <p:txBody>
+          <a:bodyPr/>
+          <a:lstStyle/>
+          <a:p>
+            <a:r>
+              <a:rPr lang="en-US" dirty="0" smtClean="0"/>
+              <a:t>Implementation</a:t>
+            </a:r>
+          </a:p>
+          <a:p>
+            <a:endParaRPr lang="en-US" dirty="0" smtClean="0"/>
+          </a:p>
+          <a:p>
+            <a:endParaRPr lang="en-US" dirty="0" smtClean="0"/>
+          </a:p>
+          <a:p>
+            <a:endParaRPr lang="en-US" dirty="0" smtClean="0"/>
+          </a:p>
+          <a:p>
+            <a:r>
+              <a:rPr lang="en-US" dirty="0" err="1" smtClean="0"/>
+              <a:t>Xaml</a:t>
+            </a:r>
+            <a:endParaRPr lang="en-US" dirty="0"/>
+          </a:p>
+        </p:txBody>
+      </p:sp>
+      <p:pic>
+        <p:nvPicPr>
+          <p:cNvPr id="7170" name="Picture 2"/>
+          <p:cNvPicPr>
+            <a:picLocks noChangeAspect="1" noChangeArrowheads="1"/>
+          </p:cNvPicPr>
+          <p:nvPr/>
+        </p:nvPicPr>
+        <p:blipFill>
+          <a:blip r:embed="rId2" cstate="print"/>
+          <a:srcRect/>
+          <a:stretch>
+            <a:fillRect/>
+          </a:stretch>
+        </p:blipFill>
+        <p:spPr bwMode="auto">
+          <a:xfrm>
+            <a:off x="533400" y="2362200"/>
+            <a:ext cx="8153400" cy="1314303"/>
+          </a:xfrm>
+          <a:prstGeom prst="rect">
+            <a:avLst/>
+          </a:prstGeom>
+          <a:noFill/>
+          <a:ln w="9525">
+            <a:noFill/>
+            <a:miter lim="800000"/>
+            <a:headEnd/>
+            <a:tailEnd/>
+          </a:ln>
+        </p:spPr>
+      </p:pic>
+      <p:pic>
+        <p:nvPicPr>
+          <p:cNvPr id="7171" name="Picture 3"/>
+          <p:cNvPicPr>
+            <a:picLocks noChangeAspect="1" noChangeArrowheads="1"/>
+          </p:cNvPicPr>
+          <p:nvPr/>
+        </p:nvPicPr>
+        <p:blipFill>
+          <a:blip r:embed="rId3" cstate="print"/>
+          <a:srcRect/>
+          <a:stretch>
+            <a:fillRect/>
+          </a:stretch>
+        </p:blipFill>
+        <p:spPr bwMode="auto">
+          <a:xfrm>
+            <a:off x="838200" y="4800600"/>
+            <a:ext cx="5286375" cy="295275"/>
+          </a:xfrm>
+          <a:prstGeom prst="rect">
+            <a:avLst/>
+          </a:prstGeom>
+          <a:noFill/>
+          <a:ln w="9525">
+            <a:noFill/>
+            <a:miter lim="800000"/>
+            <a:headEnd/>
+            <a:tailEnd/>
+          </a:ln>
+        </p:spPr>
+      </p:pic>
+    </p:spTree>
+  </p:cSld>
+  <p:clrMapOvr>
+    <a:masterClrMapping/>
+  </p:clrMapOvr>
+</p:sld>
+</file>
+
+<file path=ppt/slides/slide43.xml><?xml version="1.0" encoding="utf-8"?>
+<p:sld xmlns:a="http://schemas.openxmlformats.org/drawingml/2006/main" xmlns:r="http://schemas.openxmlformats.org/officeDocument/2006/relationships" xmlns:p="http://schemas.openxmlformats.org/presentationml/2006/main">
+  <p:cSld>
+    <p:spTree>
+      <p:nvGrpSpPr>
+        <p:cNvPr id="1" name=""/>
+        <p:cNvGrpSpPr/>
+        <p:nvPr/>
+      </p:nvGrpSpPr>
+      <p:grpSpPr>
+        <a:xfrm>
+          <a:off x="0" y="0"/>
+          <a:ext cx="0" cy="0"/>
+          <a:chOff x="0" y="0"/>
+          <a:chExt cx="0" cy="0"/>
+        </a:xfrm>
+      </p:grpSpPr>
+      <p:sp>
+        <p:nvSpPr>
+          <p:cNvPr id="2" name="Title 1"/>
+          <p:cNvSpPr>
+            <a:spLocks noGrp="1"/>
+          </p:cNvSpPr>
+          <p:nvPr>
+            <p:ph type="title"/>
+          </p:nvPr>
+        </p:nvSpPr>
+        <p:spPr/>
+        <p:txBody>
+          <a:bodyPr/>
+          <a:lstStyle/>
+          <a:p>
+            <a:r>
+              <a:rPr lang="en-US" dirty="0" smtClean="0"/>
+              <a:t>References</a:t>
+            </a:r>
+            <a:endParaRPr lang="en-US" dirty="0"/>
+          </a:p>
+        </p:txBody>
+      </p:sp>
+      <p:sp>
+        <p:nvSpPr>
+          <p:cNvPr id="3" name="Content Placeholder 2"/>
+          <p:cNvSpPr>
+            <a:spLocks noGrp="1"/>
+          </p:cNvSpPr>
+          <p:nvPr>
+            <p:ph idx="1"/>
+          </p:nvPr>
+        </p:nvSpPr>
+        <p:spPr/>
+        <p:txBody>
+          <a:bodyPr/>
+          <a:lstStyle/>
+          <a:p>
+            <a:r>
+              <a:rPr lang="en-US" dirty="0" smtClean="0"/>
+              <a:t>MSDN</a:t>
+            </a:r>
+          </a:p>
+          <a:p>
+            <a:pPr lvl="1"/>
+            <a:r>
+              <a:rPr lang="en-US" sz="1800" dirty="0" smtClean="0"/>
+              <a:t>http</a:t>
+            </a:r>
+            <a:r>
+              <a:rPr lang="en-US" sz="1800" dirty="0" smtClean="0"/>
+              <a:t>://</a:t>
+            </a:r>
+            <a:r>
+              <a:rPr lang="en-US" sz="1800" dirty="0" smtClean="0"/>
+              <a:t>msdn.microsoft.com/en-us/library/dd203099.aspx</a:t>
+            </a:r>
+          </a:p>
+          <a:p>
+            <a:r>
+              <a:rPr lang="en-US" dirty="0" smtClean="0"/>
+              <a:t>Josh Smith</a:t>
+            </a:r>
+          </a:p>
+          <a:p>
+            <a:r>
+              <a:rPr lang="en-US" dirty="0" smtClean="0"/>
+              <a:t>Karl </a:t>
+            </a:r>
+            <a:r>
+              <a:rPr lang="en-US" dirty="0" err="1" smtClean="0"/>
+              <a:t>Shifflet</a:t>
+            </a:r>
+            <a:r>
+              <a:rPr lang="en-US" dirty="0" smtClean="0"/>
+              <a:t> </a:t>
+            </a:r>
+          </a:p>
+          <a:p>
+            <a:r>
+              <a:rPr lang="en-US" dirty="0" smtClean="0"/>
+              <a:t>Philip </a:t>
+            </a:r>
+            <a:r>
+              <a:rPr lang="en-US" dirty="0" err="1" smtClean="0"/>
+              <a:t>Sumi</a:t>
+            </a:r>
+            <a:endParaRPr lang="en-US" dirty="0" smtClean="0"/>
+          </a:p>
+          <a:p>
+            <a:endParaRPr lang="en-US" dirty="0"/>
           </a:p>
         </p:txBody>
       </p:sp>
@@ -5732,7 +8531,7 @@
           <a:p>
             <a:r>
               <a:rPr lang="en-US" dirty="0" smtClean="0"/>
-              <a:t>Using Validation Rules</a:t>
+              <a:t>Validation Rules</a:t>
             </a:r>
             <a:endParaRPr lang="en-US" dirty="0"/>
           </a:p>
@@ -5740,20 +8539,32 @@
       </p:sp>
       <p:sp>
         <p:nvSpPr>
-          <p:cNvPr id="3" name="Text Placeholder 2"/>
-          <p:cNvSpPr>
-            <a:spLocks noGrp="1"/>
-          </p:cNvSpPr>
-          <p:nvPr>
-            <p:ph type="body" idx="1"/>
-          </p:nvPr>
-        </p:nvSpPr>
-        <p:spPr/>
-        <p:txBody>
-          <a:bodyPr/>
-          <a:lstStyle/>
-          <a:p>
-            <a:endParaRPr lang="en-US"/>
+          <p:cNvPr id="3" name="Content Placeholder 2"/>
+          <p:cNvSpPr>
+            <a:spLocks noGrp="1"/>
+          </p:cNvSpPr>
+          <p:nvPr>
+            <p:ph idx="1"/>
+          </p:nvPr>
+        </p:nvSpPr>
+        <p:spPr/>
+        <p:txBody>
+          <a:bodyPr/>
+          <a:lstStyle/>
+          <a:p>
+            <a:r>
+              <a:rPr lang="en-US" dirty="0" smtClean="0"/>
+              <a:t>Validation Rules are the mechanism built into </a:t>
+            </a:r>
+            <a:r>
+              <a:rPr lang="en-US" dirty="0" err="1" smtClean="0"/>
+              <a:t>databinding</a:t>
+            </a:r>
+            <a:r>
+              <a:rPr lang="en-US" dirty="0" smtClean="0"/>
+              <a:t> with WPF</a:t>
+            </a:r>
+            <a:endParaRPr lang="en-US" dirty="0"/>
           </a:p>
         </p:txBody>
       </p:sp>
@@ -6163,7 +8974,7 @@
         <p:spPr>
           <a:xfrm>
             <a:off x="228600" y="3048000"/>
-            <a:ext cx="2209800" cy="923330"/>
+            <a:ext cx="2362200" cy="923330"/>
           </a:xfrm>
           <a:prstGeom prst="rect">
             <a:avLst/>
@@ -6178,7 +8989,15 @@
           <a:p>
             <a:r>
               <a:rPr lang="en-US" dirty="0" smtClean="0"/>
-              <a:t>Allows to the setting of Validation Rules to Binding</a:t>
+              <a:t>Allows </a:t>
+            </a:r>
+            <a:r>
+              <a:rPr lang="en-US" dirty="0" smtClean="0"/>
+              <a:t>the </a:t>
+            </a:r>
+            <a:r>
+              <a:rPr lang="en-US" dirty="0" smtClean="0"/>
+              <a:t>setting of Validation Rules to Binding</a:t>
             </a:r>
             <a:endParaRPr lang="en-US" dirty="0"/>
           </a:p>
@@ -6317,13 +9136,13 @@
         <p:spPr/>
         <p:txBody>
           <a:bodyPr>
-            <a:normAutofit fontScale="90000"/>
+            <a:normAutofit/>
           </a:bodyPr>
           <a:lstStyle/>
           <a:p>
             <a:r>
               <a:rPr lang="en-US" dirty="0" smtClean="0"/>
-              <a:t>How can I make my own Validation Rule</a:t>
+              <a:t>Custom Validation Rules</a:t>
             </a:r>
             <a:endParaRPr lang="en-US" dirty="0"/>
           </a:p>
@@ -6447,7 +9266,7 @@
         <p:spPr>
           <a:xfrm>
             <a:off x="1752600" y="3048000"/>
-            <a:ext cx="2604111" cy="369332"/>
+            <a:ext cx="3218382" cy="369332"/>
           </a:xfrm>
           <a:prstGeom prst="rect">
             <a:avLst/>
@@ -6462,7 +9281,11 @@
           <a:p>
             <a:r>
               <a:rPr lang="en-US" dirty="0" smtClean="0"/>
-              <a:t>And override Validate…</a:t>
+              <a:t>And override </a:t>
+            </a:r>
+            <a:r>
+              <a:rPr lang="en-US" dirty="0" smtClean="0"/>
+              <a:t>Validate method …</a:t>
             </a:r>
             <a:endParaRPr lang="en-US" dirty="0"/>
           </a:p>

--- a/WPF Validation.pptx
+++ b/WPF Validation.pptx
@@ -6,48 +6,57 @@
   </p:sldMasterIdLst>
   <p:sldIdLst>
     <p:sldId id="256" r:id="rId2"/>
-    <p:sldId id="258" r:id="rId3"/>
-    <p:sldId id="262" r:id="rId4"/>
-    <p:sldId id="259" r:id="rId5"/>
-    <p:sldId id="297" r:id="rId6"/>
-    <p:sldId id="263" r:id="rId7"/>
-    <p:sldId id="264" r:id="rId8"/>
-    <p:sldId id="265" r:id="rId9"/>
-    <p:sldId id="266" r:id="rId10"/>
-    <p:sldId id="267" r:id="rId11"/>
-    <p:sldId id="292" r:id="rId12"/>
-    <p:sldId id="293" r:id="rId13"/>
-    <p:sldId id="294" r:id="rId14"/>
-    <p:sldId id="268" r:id="rId15"/>
-    <p:sldId id="295" r:id="rId16"/>
-    <p:sldId id="296" r:id="rId17"/>
-    <p:sldId id="260" r:id="rId18"/>
-    <p:sldId id="270" r:id="rId19"/>
-    <p:sldId id="271" r:id="rId20"/>
-    <p:sldId id="301" r:id="rId21"/>
-    <p:sldId id="261" r:id="rId22"/>
-    <p:sldId id="272" r:id="rId23"/>
-    <p:sldId id="273" r:id="rId24"/>
-    <p:sldId id="274" r:id="rId25"/>
-    <p:sldId id="276" r:id="rId26"/>
-    <p:sldId id="298" r:id="rId27"/>
-    <p:sldId id="299" r:id="rId28"/>
-    <p:sldId id="300" r:id="rId29"/>
-    <p:sldId id="275" r:id="rId30"/>
-    <p:sldId id="277" r:id="rId31"/>
-    <p:sldId id="278" r:id="rId32"/>
-    <p:sldId id="279" r:id="rId33"/>
-    <p:sldId id="281" r:id="rId34"/>
-    <p:sldId id="283" r:id="rId35"/>
-    <p:sldId id="284" r:id="rId36"/>
-    <p:sldId id="285" r:id="rId37"/>
-    <p:sldId id="282" r:id="rId38"/>
-    <p:sldId id="286" r:id="rId39"/>
-    <p:sldId id="287" r:id="rId40"/>
-    <p:sldId id="289" r:id="rId41"/>
-    <p:sldId id="290" r:id="rId42"/>
-    <p:sldId id="291" r:id="rId43"/>
-    <p:sldId id="280" r:id="rId44"/>
+    <p:sldId id="307" r:id="rId3"/>
+    <p:sldId id="308" r:id="rId4"/>
+    <p:sldId id="309" r:id="rId5"/>
+    <p:sldId id="258" r:id="rId6"/>
+    <p:sldId id="310" r:id="rId7"/>
+    <p:sldId id="262" r:id="rId8"/>
+    <p:sldId id="259" r:id="rId9"/>
+    <p:sldId id="297" r:id="rId10"/>
+    <p:sldId id="263" r:id="rId11"/>
+    <p:sldId id="264" r:id="rId12"/>
+    <p:sldId id="265" r:id="rId13"/>
+    <p:sldId id="266" r:id="rId14"/>
+    <p:sldId id="267" r:id="rId15"/>
+    <p:sldId id="292" r:id="rId16"/>
+    <p:sldId id="293" r:id="rId17"/>
+    <p:sldId id="294" r:id="rId18"/>
+    <p:sldId id="268" r:id="rId19"/>
+    <p:sldId id="295" r:id="rId20"/>
+    <p:sldId id="296" r:id="rId21"/>
+    <p:sldId id="311" r:id="rId22"/>
+    <p:sldId id="260" r:id="rId23"/>
+    <p:sldId id="270" r:id="rId24"/>
+    <p:sldId id="271" r:id="rId25"/>
+    <p:sldId id="301" r:id="rId26"/>
+    <p:sldId id="261" r:id="rId27"/>
+    <p:sldId id="272" r:id="rId28"/>
+    <p:sldId id="273" r:id="rId29"/>
+    <p:sldId id="274" r:id="rId30"/>
+    <p:sldId id="276" r:id="rId31"/>
+    <p:sldId id="298" r:id="rId32"/>
+    <p:sldId id="299" r:id="rId33"/>
+    <p:sldId id="300" r:id="rId34"/>
+    <p:sldId id="275" r:id="rId35"/>
+    <p:sldId id="277" r:id="rId36"/>
+    <p:sldId id="278" r:id="rId37"/>
+    <p:sldId id="279" r:id="rId38"/>
+    <p:sldId id="281" r:id="rId39"/>
+    <p:sldId id="302" r:id="rId40"/>
+    <p:sldId id="303" r:id="rId41"/>
+    <p:sldId id="304" r:id="rId42"/>
+    <p:sldId id="305" r:id="rId43"/>
+    <p:sldId id="306" r:id="rId44"/>
+    <p:sldId id="284" r:id="rId45"/>
+    <p:sldId id="285" r:id="rId46"/>
+    <p:sldId id="282" r:id="rId47"/>
+    <p:sldId id="286" r:id="rId48"/>
+    <p:sldId id="287" r:id="rId49"/>
+    <p:sldId id="289" r:id="rId50"/>
+    <p:sldId id="290" r:id="rId51"/>
+    <p:sldId id="291" r:id="rId52"/>
+    <p:sldId id="280" r:id="rId53"/>
   </p:sldIdLst>
   <p:sldSz cx="9144000" cy="6858000" type="screen4x3"/>
   <p:notesSz cx="6858000" cy="9144000"/>
@@ -331,7 +340,7 @@
             <a:fld id="{60029C98-5D54-43BD-B436-29F4C541DD0B}" type="datetimeFigureOut">
               <a:rPr lang="en-US" smtClean="0"/>
               <a:pPr/>
-              <a:t>9/24/2009</a:t>
+              <a:t>9/25/2009</a:t>
             </a:fld>
             <a:endParaRPr lang="en-US"/>
           </a:p>
@@ -498,7 +507,7 @@
             <a:fld id="{60029C98-5D54-43BD-B436-29F4C541DD0B}" type="datetimeFigureOut">
               <a:rPr lang="en-US" smtClean="0"/>
               <a:pPr/>
-              <a:t>9/24/2009</a:t>
+              <a:t>9/25/2009</a:t>
             </a:fld>
             <a:endParaRPr lang="en-US"/>
           </a:p>
@@ -675,7 +684,7 @@
             <a:fld id="{60029C98-5D54-43BD-B436-29F4C541DD0B}" type="datetimeFigureOut">
               <a:rPr lang="en-US" smtClean="0"/>
               <a:pPr/>
-              <a:t>9/24/2009</a:t>
+              <a:t>9/25/2009</a:t>
             </a:fld>
             <a:endParaRPr lang="en-US"/>
           </a:p>
@@ -842,7 +851,7 @@
             <a:fld id="{60029C98-5D54-43BD-B436-29F4C541DD0B}" type="datetimeFigureOut">
               <a:rPr lang="en-US" smtClean="0"/>
               <a:pPr/>
-              <a:t>9/24/2009</a:t>
+              <a:t>9/25/2009</a:t>
             </a:fld>
             <a:endParaRPr lang="en-US"/>
           </a:p>
@@ -1085,7 +1094,7 @@
             <a:fld id="{60029C98-5D54-43BD-B436-29F4C541DD0B}" type="datetimeFigureOut">
               <a:rPr lang="en-US" smtClean="0"/>
               <a:pPr/>
-              <a:t>9/24/2009</a:t>
+              <a:t>9/25/2009</a:t>
             </a:fld>
             <a:endParaRPr lang="en-US"/>
           </a:p>
@@ -1370,7 +1379,7 @@
             <a:fld id="{60029C98-5D54-43BD-B436-29F4C541DD0B}" type="datetimeFigureOut">
               <a:rPr lang="en-US" smtClean="0"/>
               <a:pPr/>
-              <a:t>9/24/2009</a:t>
+              <a:t>9/25/2009</a:t>
             </a:fld>
             <a:endParaRPr lang="en-US"/>
           </a:p>
@@ -1789,7 +1798,7 @@
             <a:fld id="{60029C98-5D54-43BD-B436-29F4C541DD0B}" type="datetimeFigureOut">
               <a:rPr lang="en-US" smtClean="0"/>
               <a:pPr/>
-              <a:t>9/24/2009</a:t>
+              <a:t>9/25/2009</a:t>
             </a:fld>
             <a:endParaRPr lang="en-US"/>
           </a:p>
@@ -1904,7 +1913,7 @@
             <a:fld id="{60029C98-5D54-43BD-B436-29F4C541DD0B}" type="datetimeFigureOut">
               <a:rPr lang="en-US" smtClean="0"/>
               <a:pPr/>
-              <a:t>9/24/2009</a:t>
+              <a:t>9/25/2009</a:t>
             </a:fld>
             <a:endParaRPr lang="en-US"/>
           </a:p>
@@ -1996,7 +2005,7 @@
             <a:fld id="{60029C98-5D54-43BD-B436-29F4C541DD0B}" type="datetimeFigureOut">
               <a:rPr lang="en-US" smtClean="0"/>
               <a:pPr/>
-              <a:t>9/24/2009</a:t>
+              <a:t>9/25/2009</a:t>
             </a:fld>
             <a:endParaRPr lang="en-US"/>
           </a:p>
@@ -2270,7 +2279,7 @@
             <a:fld id="{60029C98-5D54-43BD-B436-29F4C541DD0B}" type="datetimeFigureOut">
               <a:rPr lang="en-US" smtClean="0"/>
               <a:pPr/>
-              <a:t>9/24/2009</a:t>
+              <a:t>9/25/2009</a:t>
             </a:fld>
             <a:endParaRPr lang="en-US"/>
           </a:p>
@@ -2524,7 +2533,7 @@
             <a:fld id="{60029C98-5D54-43BD-B436-29F4C541DD0B}" type="datetimeFigureOut">
               <a:rPr lang="en-US" smtClean="0"/>
               <a:pPr/>
-              <a:t>9/24/2009</a:t>
+              <a:t>9/25/2009</a:t>
             </a:fld>
             <a:endParaRPr lang="en-US"/>
           </a:p>
@@ -2751,7 +2760,7 @@
             <a:fld id="{60029C98-5D54-43BD-B436-29F4C541DD0B}" type="datetimeFigureOut">
               <a:rPr lang="en-US" smtClean="0"/>
               <a:pPr/>
-              <a:t>9/24/2009</a:t>
+              <a:t>9/25/2009</a:t>
             </a:fld>
             <a:endParaRPr lang="en-US"/>
           </a:p>
@@ -3139,7 +3148,11 @@
           <a:p>
             <a:r>
               <a:rPr lang="en-US" dirty="0" smtClean="0"/>
-              <a:t>WPF Validation</a:t>
+              <a:t>WPF </a:t>
+            </a:r>
+            <a:r>
+              <a:rPr lang="en-US" dirty="0" smtClean="0"/>
+              <a:t>Input Validation</a:t>
             </a:r>
             <a:endParaRPr lang="en-US" dirty="0"/>
           </a:p>
@@ -3160,7 +3173,21 @@
           <a:bodyPr/>
           <a:lstStyle/>
           <a:p>
-            <a:endParaRPr lang="en-US"/>
+            <a:r>
+              <a:rPr lang="en-US" sz="2000" dirty="0" smtClean="0"/>
+              <a:t>presented by</a:t>
+            </a:r>
+          </a:p>
+          <a:p>
+            <a:r>
+              <a:rPr lang="en-US" dirty="0" smtClean="0"/>
+              <a:t>Jonathan </a:t>
+            </a:r>
+            <a:r>
+              <a:rPr lang="en-US" dirty="0" err="1" smtClean="0"/>
+              <a:t>Birkholz</a:t>
+            </a:r>
+            <a:endParaRPr lang="en-US" dirty="0"/>
           </a:p>
         </p:txBody>
       </p:sp>
@@ -3201,26 +3228,50 @@
         </p:nvSpPr>
         <p:spPr/>
         <p:txBody>
-          <a:bodyPr>
-            <a:normAutofit fontScale="90000"/>
+          <a:bodyPr/>
+          <a:lstStyle/>
+          <a:p>
+            <a:r>
+              <a:rPr lang="en-US" dirty="0" smtClean="0"/>
+              <a:t>Binding – Markup Extension</a:t>
+            </a:r>
+            <a:endParaRPr lang="en-US" dirty="0"/>
+          </a:p>
+        </p:txBody>
+      </p:sp>
+      <p:sp>
+        <p:nvSpPr>
+          <p:cNvPr id="6" name="TextBox 5"/>
+          <p:cNvSpPr txBox="1"/>
+          <p:nvPr/>
+        </p:nvSpPr>
+        <p:spPr>
+          <a:xfrm>
+            <a:off x="2819400" y="2895600"/>
+            <a:ext cx="5413983" cy="461665"/>
+          </a:xfrm>
+          <a:prstGeom prst="rect">
+            <a:avLst/>
+          </a:prstGeom>
+          <a:noFill/>
+        </p:spPr>
+        <p:txBody>
+          <a:bodyPr wrap="none" rtlCol="0">
+            <a:spAutoFit/>
           </a:bodyPr>
           <a:lstStyle/>
           <a:p>
             <a:r>
-              <a:rPr lang="en-US" dirty="0" smtClean="0"/>
-              <a:t>Implement Validate and return </a:t>
-            </a:r>
-            <a:r>
-              <a:rPr lang="en-US" dirty="0" err="1" smtClean="0"/>
-              <a:t>ValidationResult</a:t>
-            </a:r>
-            <a:endParaRPr lang="en-US" dirty="0"/>
+              <a:rPr lang="en-US" sz="2400" dirty="0" smtClean="0"/>
+              <a:t>but that is just a binding markup extension.</a:t>
+            </a:r>
+            <a:endParaRPr lang="en-US" sz="2400" dirty="0"/>
           </a:p>
         </p:txBody>
       </p:sp>
       <p:pic>
         <p:nvPicPr>
-          <p:cNvPr id="3075" name="Picture 3"/>
+          <p:cNvPr id="1028" name="Picture 4"/>
           <p:cNvPicPr>
             <a:picLocks noChangeAspect="1" noChangeArrowheads="1"/>
           </p:cNvPicPr>
@@ -3235,8 +3286,8 @@
         </p:blipFill>
         <p:spPr bwMode="auto">
           <a:xfrm>
-            <a:off x="381000" y="2133600"/>
-            <a:ext cx="8205199" cy="2835972"/>
+            <a:off x="762000" y="2133600"/>
+            <a:ext cx="3495675" cy="619125"/>
           </a:xfrm>
           <a:prstGeom prst="rect">
             <a:avLst/>
@@ -3251,96 +3302,49 @@
           <a:effectLst/>
         </p:spPr>
       </p:pic>
-      <p:sp>
-        <p:nvSpPr>
-          <p:cNvPr id="12" name="Right Arrow 11"/>
-          <p:cNvSpPr/>
+      <p:pic>
+        <p:nvPicPr>
+          <p:cNvPr id="1029" name="Picture 5"/>
+          <p:cNvPicPr>
+            <a:picLocks noChangeAspect="1" noChangeArrowheads="1"/>
+          </p:cNvPicPr>
+          <p:nvPr/>
+        </p:nvPicPr>
+        <p:blipFill>
+          <a:blip r:embed="rId3" cstate="print"/>
+          <a:srcRect/>
+          <a:stretch>
+            <a:fillRect/>
+          </a:stretch>
+        </p:blipFill>
+        <p:spPr bwMode="auto">
+          <a:xfrm>
+            <a:off x="3733800" y="4038600"/>
+            <a:ext cx="3409950" cy="1409700"/>
+          </a:xfrm>
+          <a:prstGeom prst="rect">
+            <a:avLst/>
+          </a:prstGeom>
+          <a:noFill/>
+          <a:ln w="9525">
+            <a:noFill/>
+            <a:miter lim="800000"/>
+            <a:headEnd/>
+            <a:tailEnd/>
+          </a:ln>
+          <a:effectLst/>
+        </p:spPr>
+      </p:pic>
+      <p:sp>
+        <p:nvSpPr>
+          <p:cNvPr id="9" name="TextBox 8"/>
+          <p:cNvSpPr txBox="1"/>
           <p:nvPr/>
         </p:nvSpPr>
         <p:spPr>
-          <a:xfrm rot="10800000">
-            <a:off x="6705600" y="2590800"/>
-            <a:ext cx="533400" cy="457200"/>
-          </a:xfrm>
-          <a:prstGeom prst="rightArrow">
-            <a:avLst/>
-          </a:prstGeom>
-        </p:spPr>
-        <p:style>
-          <a:lnRef idx="2">
-            <a:schemeClr val="accent1">
-              <a:shade val="50000"/>
-            </a:schemeClr>
-          </a:lnRef>
-          <a:fillRef idx="1">
-            <a:schemeClr val="accent1"/>
-          </a:fillRef>
-          <a:effectRef idx="0">
-            <a:schemeClr val="accent1"/>
-          </a:effectRef>
-          <a:fontRef idx="minor">
-            <a:schemeClr val="lt1"/>
-          </a:fontRef>
-        </p:style>
-        <p:txBody>
-          <a:bodyPr rtlCol="0" anchor="ctr"/>
-          <a:lstStyle/>
-          <a:p>
-            <a:pPr algn="ctr"/>
-            <a:endParaRPr lang="en-US"/>
-          </a:p>
-        </p:txBody>
-      </p:sp>
-      <p:sp>
-        <p:nvSpPr>
-          <p:cNvPr id="13" name="Right Arrow 12"/>
-          <p:cNvSpPr/>
-          <p:nvPr/>
-        </p:nvSpPr>
-        <p:spPr>
-          <a:xfrm rot="10800000">
-            <a:off x="4495800" y="4038600"/>
-            <a:ext cx="533400" cy="457200"/>
-          </a:xfrm>
-          <a:prstGeom prst="rightArrow">
-            <a:avLst/>
-          </a:prstGeom>
-        </p:spPr>
-        <p:style>
-          <a:lnRef idx="2">
-            <a:schemeClr val="accent1">
-              <a:shade val="50000"/>
-            </a:schemeClr>
-          </a:lnRef>
-          <a:fillRef idx="1">
-            <a:schemeClr val="accent1"/>
-          </a:fillRef>
-          <a:effectRef idx="0">
-            <a:schemeClr val="accent1"/>
-          </a:effectRef>
-          <a:fontRef idx="minor">
-            <a:schemeClr val="lt1"/>
-          </a:fontRef>
-        </p:style>
-        <p:txBody>
-          <a:bodyPr rtlCol="0" anchor="ctr"/>
-          <a:lstStyle/>
-          <a:p>
-            <a:pPr algn="ctr"/>
-            <a:endParaRPr lang="en-US"/>
-          </a:p>
-        </p:txBody>
-      </p:sp>
-      <p:sp>
-        <p:nvSpPr>
-          <p:cNvPr id="14" name="TextBox 13"/>
-          <p:cNvSpPr txBox="1"/>
-          <p:nvPr/>
-        </p:nvSpPr>
-        <p:spPr>
-          <a:xfrm>
-            <a:off x="7315200" y="2590800"/>
-            <a:ext cx="556563" cy="369332"/>
+          <a:xfrm>
+            <a:off x="304800" y="1524000"/>
+            <a:ext cx="3716658" cy="461665"/>
           </a:xfrm>
           <a:prstGeom prst="rect">
             <a:avLst/>
@@ -3354,31 +3358,23 @@
           <a:lstStyle/>
           <a:p>
             <a:r>
-              <a:rPr lang="en-US" dirty="0" smtClean="0">
-                <a:solidFill>
-                  <a:schemeClr val="bg1"/>
-                </a:solidFill>
-              </a:rPr>
-              <a:t>Fail</a:t>
-            </a:r>
-            <a:endParaRPr lang="en-US" dirty="0">
-              <a:solidFill>
-                <a:schemeClr val="bg1"/>
-              </a:solidFill>
-            </a:endParaRPr>
-          </a:p>
-        </p:txBody>
-      </p:sp>
-      <p:sp>
-        <p:nvSpPr>
-          <p:cNvPr id="15" name="TextBox 14"/>
+              <a:rPr lang="en-US" sz="2400" dirty="0" smtClean="0"/>
+              <a:t>Normally you see binding as</a:t>
+            </a:r>
+            <a:endParaRPr lang="en-US" sz="2400" dirty="0"/>
+          </a:p>
+        </p:txBody>
+      </p:sp>
+      <p:sp>
+        <p:nvSpPr>
+          <p:cNvPr id="10" name="TextBox 9"/>
           <p:cNvSpPr txBox="1"/>
           <p:nvPr/>
         </p:nvSpPr>
         <p:spPr>
           <a:xfrm>
-            <a:off x="5257800" y="4038600"/>
-            <a:ext cx="697627" cy="369332"/>
+            <a:off x="1066800" y="3505200"/>
+            <a:ext cx="4335161" cy="461665"/>
           </a:xfrm>
           <a:prstGeom prst="rect">
             <a:avLst/>
@@ -3392,88 +3388,10 @@
           <a:lstStyle/>
           <a:p>
             <a:r>
-              <a:rPr lang="en-US" dirty="0" smtClean="0">
-                <a:solidFill>
-                  <a:schemeClr val="bg1"/>
-                </a:solidFill>
-              </a:rPr>
-              <a:t>Pass</a:t>
-            </a:r>
-            <a:endParaRPr lang="en-US" dirty="0">
-              <a:solidFill>
-                <a:schemeClr val="bg1"/>
-              </a:solidFill>
-            </a:endParaRPr>
-          </a:p>
-        </p:txBody>
-      </p:sp>
-      <p:sp>
-        <p:nvSpPr>
-          <p:cNvPr id="8" name="Right Arrow 7"/>
-          <p:cNvSpPr/>
-          <p:nvPr/>
-        </p:nvSpPr>
-        <p:spPr>
-          <a:xfrm rot="16200000">
-            <a:off x="4305300" y="4838700"/>
-            <a:ext cx="609600" cy="533400"/>
-          </a:xfrm>
-          <a:prstGeom prst="rightArrow">
-            <a:avLst/>
-          </a:prstGeom>
-        </p:spPr>
-        <p:style>
-          <a:lnRef idx="2">
-            <a:schemeClr val="accent1">
-              <a:shade val="50000"/>
-            </a:schemeClr>
-          </a:lnRef>
-          <a:fillRef idx="1">
-            <a:schemeClr val="accent1"/>
-          </a:fillRef>
-          <a:effectRef idx="0">
-            <a:schemeClr val="accent1"/>
-          </a:effectRef>
-          <a:fontRef idx="minor">
-            <a:schemeClr val="lt1"/>
-          </a:fontRef>
-        </p:style>
-        <p:txBody>
-          <a:bodyPr rtlCol="0" anchor="ctr"/>
-          <a:lstStyle/>
-          <a:p>
-            <a:pPr algn="ctr"/>
-            <a:endParaRPr lang="en-US"/>
-          </a:p>
-        </p:txBody>
-      </p:sp>
-      <p:sp>
-        <p:nvSpPr>
-          <p:cNvPr id="9" name="TextBox 8"/>
-          <p:cNvSpPr txBox="1"/>
-          <p:nvPr/>
-        </p:nvSpPr>
-        <p:spPr>
-          <a:xfrm>
-            <a:off x="3481092" y="5486400"/>
-            <a:ext cx="2538708" cy="369332"/>
-          </a:xfrm>
-          <a:prstGeom prst="rect">
-            <a:avLst/>
-          </a:prstGeom>
-          <a:noFill/>
-        </p:spPr>
-        <p:txBody>
-          <a:bodyPr wrap="none" rtlCol="0">
-            <a:spAutoFit/>
-          </a:bodyPr>
-          <a:lstStyle/>
-          <a:p>
-            <a:r>
-              <a:rPr lang="en-US" dirty="0" smtClean="0"/>
-              <a:t>Validation Error Message</a:t>
-            </a:r>
-            <a:endParaRPr lang="en-US" dirty="0"/>
+              <a:rPr lang="en-US" sz="2400" dirty="0" smtClean="0"/>
+              <a:t>We can also set a binding like this</a:t>
+            </a:r>
+            <a:endParaRPr lang="en-US" sz="2400" dirty="0"/>
           </a:p>
         </p:txBody>
       </p:sp>
@@ -3514,12 +3432,14 @@
         </p:nvSpPr>
         <p:spPr/>
         <p:txBody>
-          <a:bodyPr/>
-          <a:lstStyle/>
-          <a:p>
-            <a:r>
-              <a:rPr lang="en-US" dirty="0" smtClean="0"/>
-              <a:t>Required</a:t>
+          <a:bodyPr>
+            <a:normAutofit/>
+          </a:bodyPr>
+          <a:lstStyle/>
+          <a:p>
+            <a:r>
+              <a:rPr lang="en-US" dirty="0" smtClean="0"/>
+              <a:t>Add Validation Rules to Binding</a:t>
             </a:r>
             <a:endParaRPr lang="en-US" dirty="0"/>
           </a:p>
@@ -3527,7 +3447,7 @@
       </p:sp>
       <p:pic>
         <p:nvPicPr>
-          <p:cNvPr id="8194" name="Picture 2"/>
+          <p:cNvPr id="2050" name="Picture 2"/>
           <p:cNvPicPr>
             <a:picLocks noChangeAspect="1" noChangeArrowheads="1"/>
           </p:cNvPicPr>
@@ -3542,8 +3462,8 @@
         </p:blipFill>
         <p:spPr bwMode="auto">
           <a:xfrm>
-            <a:off x="304799" y="1371600"/>
-            <a:ext cx="6771557" cy="2438400"/>
+            <a:off x="2895600" y="2286000"/>
+            <a:ext cx="5410200" cy="2390775"/>
           </a:xfrm>
           <a:prstGeom prst="rect">
             <a:avLst/>
@@ -3555,54 +3475,149 @@
             <a:headEnd/>
             <a:tailEnd/>
           </a:ln>
-          <a:effectLst>
-            <a:outerShdw blurRad="63500" sx="102000" sy="102000" algn="ctr" rotWithShape="0">
-              <a:prstClr val="black">
-                <a:alpha val="40000"/>
-              </a:prstClr>
-            </a:outerShdw>
-          </a:effectLst>
+          <a:effectLst/>
         </p:spPr>
       </p:pic>
-      <p:pic>
-        <p:nvPicPr>
-          <p:cNvPr id="8195" name="Picture 3"/>
-          <p:cNvPicPr>
-            <a:picLocks noChangeAspect="1" noChangeArrowheads="1"/>
-          </p:cNvPicPr>
-          <p:nvPr/>
-        </p:nvPicPr>
-        <p:blipFill>
-          <a:blip r:embed="rId3" cstate="print"/>
-          <a:srcRect/>
-          <a:stretch>
-            <a:fillRect/>
-          </a:stretch>
-        </p:blipFill>
-        <p:spPr bwMode="auto">
-          <a:xfrm>
-            <a:off x="3429000" y="3581400"/>
-            <a:ext cx="4545366" cy="1828800"/>
+      <p:sp>
+        <p:nvSpPr>
+          <p:cNvPr id="8" name="Down Arrow 7"/>
+          <p:cNvSpPr/>
+          <p:nvPr/>
+        </p:nvSpPr>
+        <p:spPr>
+          <a:xfrm>
+            <a:off x="6248400" y="1905000"/>
+            <a:ext cx="609600" cy="1066800"/>
+          </a:xfrm>
+          <a:prstGeom prst="downArrow">
+            <a:avLst/>
+          </a:prstGeom>
+        </p:spPr>
+        <p:style>
+          <a:lnRef idx="2">
+            <a:schemeClr val="accent2">
+              <a:shade val="50000"/>
+            </a:schemeClr>
+          </a:lnRef>
+          <a:fillRef idx="1">
+            <a:schemeClr val="accent2"/>
+          </a:fillRef>
+          <a:effectRef idx="0">
+            <a:schemeClr val="accent2"/>
+          </a:effectRef>
+          <a:fontRef idx="minor">
+            <a:schemeClr val="lt1"/>
+          </a:fontRef>
+        </p:style>
+        <p:txBody>
+          <a:bodyPr rtlCol="0" anchor="ctr"/>
+          <a:lstStyle/>
+          <a:p>
+            <a:pPr algn="ctr"/>
+            <a:endParaRPr lang="en-US"/>
+          </a:p>
+        </p:txBody>
+      </p:sp>
+      <p:sp>
+        <p:nvSpPr>
+          <p:cNvPr id="9" name="Right Arrow 8"/>
+          <p:cNvSpPr/>
+          <p:nvPr/>
+        </p:nvSpPr>
+        <p:spPr>
+          <a:xfrm>
+            <a:off x="2438400" y="3276600"/>
+            <a:ext cx="1828800" cy="533400"/>
+          </a:xfrm>
+          <a:prstGeom prst="rightArrow">
+            <a:avLst/>
+          </a:prstGeom>
+        </p:spPr>
+        <p:style>
+          <a:lnRef idx="2">
+            <a:schemeClr val="accent2">
+              <a:shade val="50000"/>
+            </a:schemeClr>
+          </a:lnRef>
+          <a:fillRef idx="1">
+            <a:schemeClr val="accent2"/>
+          </a:fillRef>
+          <a:effectRef idx="0">
+            <a:schemeClr val="accent2"/>
+          </a:effectRef>
+          <a:fontRef idx="minor">
+            <a:schemeClr val="lt1"/>
+          </a:fontRef>
+        </p:style>
+        <p:txBody>
+          <a:bodyPr rtlCol="0" anchor="ctr"/>
+          <a:lstStyle/>
+          <a:p>
+            <a:pPr algn="ctr"/>
+            <a:endParaRPr lang="en-US"/>
+          </a:p>
+        </p:txBody>
+      </p:sp>
+      <p:sp>
+        <p:nvSpPr>
+          <p:cNvPr id="10" name="TextBox 9"/>
+          <p:cNvSpPr txBox="1"/>
+          <p:nvPr/>
+        </p:nvSpPr>
+        <p:spPr>
+          <a:xfrm>
+            <a:off x="2819400" y="1524000"/>
+            <a:ext cx="4232762" cy="369332"/>
           </a:xfrm>
           <a:prstGeom prst="rect">
             <a:avLst/>
           </a:prstGeom>
           <a:noFill/>
-          <a:ln w="9525">
-            <a:noFill/>
-            <a:miter lim="800000"/>
-            <a:headEnd/>
-            <a:tailEnd/>
-          </a:ln>
-          <a:effectLst>
-            <a:outerShdw blurRad="63500" sx="102000" sy="102000" algn="ctr" rotWithShape="0">
-              <a:prstClr val="black">
-                <a:alpha val="40000"/>
-              </a:prstClr>
-            </a:outerShdw>
-          </a:effectLst>
-        </p:spPr>
-      </p:pic>
+        </p:spPr>
+        <p:txBody>
+          <a:bodyPr wrap="none" rtlCol="0">
+            <a:spAutoFit/>
+          </a:bodyPr>
+          <a:lstStyle/>
+          <a:p>
+            <a:r>
+              <a:rPr lang="en-US" dirty="0" smtClean="0"/>
+              <a:t>Binding needs to Validate on Data Error</a:t>
+            </a:r>
+            <a:endParaRPr lang="en-US" dirty="0"/>
+          </a:p>
+        </p:txBody>
+      </p:sp>
+      <p:sp>
+        <p:nvSpPr>
+          <p:cNvPr id="11" name="TextBox 10"/>
+          <p:cNvSpPr txBox="1"/>
+          <p:nvPr/>
+        </p:nvSpPr>
+        <p:spPr>
+          <a:xfrm>
+            <a:off x="228600" y="3048000"/>
+            <a:ext cx="2362200" cy="923330"/>
+          </a:xfrm>
+          <a:prstGeom prst="rect">
+            <a:avLst/>
+          </a:prstGeom>
+          <a:noFill/>
+        </p:spPr>
+        <p:txBody>
+          <a:bodyPr wrap="square" rtlCol="0">
+            <a:spAutoFit/>
+          </a:bodyPr>
+          <a:lstStyle/>
+          <a:p>
+            <a:r>
+              <a:rPr lang="en-US" dirty="0" smtClean="0"/>
+              <a:t>Allows the setting of Validation Rules to Binding</a:t>
+            </a:r>
+            <a:endParaRPr lang="en-US" dirty="0"/>
+          </a:p>
+        </p:txBody>
+      </p:sp>
     </p:spTree>
   </p:cSld>
   <p:clrMapOvr>
@@ -3640,95 +3655,64 @@
         </p:nvSpPr>
         <p:spPr/>
         <p:txBody>
-          <a:bodyPr/>
-          <a:lstStyle/>
-          <a:p>
-            <a:r>
-              <a:rPr lang="en-US" dirty="0" smtClean="0"/>
-              <a:t>Greater Than</a:t>
+          <a:bodyPr>
+            <a:normAutofit fontScale="90000"/>
+          </a:bodyPr>
+          <a:lstStyle/>
+          <a:p>
+            <a:r>
+              <a:rPr lang="en-US" dirty="0" smtClean="0"/>
+              <a:t>What Validation Rules come with WPF</a:t>
             </a:r>
             <a:endParaRPr lang="en-US" dirty="0"/>
           </a:p>
         </p:txBody>
       </p:sp>
-      <p:pic>
-        <p:nvPicPr>
-          <p:cNvPr id="7" name="Picture 3"/>
-          <p:cNvPicPr>
-            <a:picLocks noChangeAspect="1" noChangeArrowheads="1"/>
-          </p:cNvPicPr>
-          <p:nvPr/>
-        </p:nvPicPr>
-        <p:blipFill>
-          <a:blip r:embed="rId2" cstate="print"/>
-          <a:srcRect/>
-          <a:stretch>
-            <a:fillRect/>
-          </a:stretch>
-        </p:blipFill>
-        <p:spPr bwMode="auto">
-          <a:xfrm>
-            <a:off x="381000" y="1219200"/>
-            <a:ext cx="6969494" cy="3276600"/>
+      <p:sp>
+        <p:nvSpPr>
+          <p:cNvPr id="4" name="TextBox 3"/>
+          <p:cNvSpPr txBox="1"/>
+          <p:nvPr/>
+        </p:nvSpPr>
+        <p:spPr>
+          <a:xfrm>
+            <a:off x="914400" y="2133600"/>
+            <a:ext cx="5313699" cy="1200329"/>
           </a:xfrm>
           <a:prstGeom prst="rect">
             <a:avLst/>
           </a:prstGeom>
           <a:noFill/>
-          <a:ln w="9525">
-            <a:noFill/>
-            <a:miter lim="800000"/>
-            <a:headEnd/>
-            <a:tailEnd/>
-          </a:ln>
-          <a:effectLst>
-            <a:outerShdw blurRad="63500" sx="102000" sy="102000" algn="ctr" rotWithShape="0">
-              <a:prstClr val="black">
-                <a:alpha val="40000"/>
-              </a:prstClr>
-            </a:outerShdw>
-          </a:effectLst>
-        </p:spPr>
-      </p:pic>
-      <p:pic>
-        <p:nvPicPr>
-          <p:cNvPr id="9218" name="Picture 2"/>
-          <p:cNvPicPr>
-            <a:picLocks noChangeAspect="1" noChangeArrowheads="1"/>
-          </p:cNvPicPr>
-          <p:nvPr/>
-        </p:nvPicPr>
-        <p:blipFill>
-          <a:blip r:embed="rId3" cstate="print"/>
-          <a:srcRect/>
-          <a:stretch>
-            <a:fillRect/>
-          </a:stretch>
-        </p:blipFill>
-        <p:spPr bwMode="auto">
-          <a:xfrm>
-            <a:off x="3048000" y="4343400"/>
-            <a:ext cx="5153025" cy="1786727"/>
-          </a:xfrm>
-          <a:prstGeom prst="rect">
-            <a:avLst/>
-          </a:prstGeom>
-          <a:noFill/>
-          <a:ln w="9525">
-            <a:noFill/>
-            <a:miter lim="800000"/>
-            <a:headEnd/>
-            <a:tailEnd/>
-          </a:ln>
-          <a:effectLst>
-            <a:outerShdw blurRad="63500" sx="102000" sy="102000" algn="ctr" rotWithShape="0">
-              <a:prstClr val="black">
-                <a:alpha val="40000"/>
-              </a:prstClr>
-            </a:outerShdw>
-          </a:effectLst>
-        </p:spPr>
-      </p:pic>
+        </p:spPr>
+        <p:txBody>
+          <a:bodyPr wrap="none" rtlCol="0">
+            <a:spAutoFit/>
+          </a:bodyPr>
+          <a:lstStyle/>
+          <a:p>
+            <a:pPr>
+              <a:buFont typeface="Arial" pitchFamily="34" charset="0"/>
+              <a:buChar char="•"/>
+            </a:pPr>
+            <a:r>
+              <a:rPr lang="en-US" sz="3600" dirty="0" err="1" smtClean="0"/>
+              <a:t>DataErrorValidationRule</a:t>
+            </a:r>
+            <a:endParaRPr lang="en-US" sz="3600" dirty="0" smtClean="0"/>
+          </a:p>
+          <a:p>
+            <a:pPr>
+              <a:buFont typeface="Arial" pitchFamily="34" charset="0"/>
+              <a:buChar char="•"/>
+            </a:pPr>
+            <a:r>
+              <a:rPr lang="en-US" sz="3600" dirty="0" err="1" smtClean="0"/>
+              <a:t>ExceptionValidationRule</a:t>
+            </a:r>
+            <a:endParaRPr lang="en-US" sz="3600" dirty="0"/>
+          </a:p>
+        </p:txBody>
+      </p:sp>
     </p:spTree>
   </p:cSld>
   <p:clrMapOvr>
@@ -3766,12 +3750,14 @@
         </p:nvSpPr>
         <p:spPr/>
         <p:txBody>
-          <a:bodyPr/>
-          <a:lstStyle/>
-          <a:p>
-            <a:r>
-              <a:rPr lang="en-US" dirty="0" smtClean="0"/>
-              <a:t>Regular Expression</a:t>
+          <a:bodyPr>
+            <a:normAutofit/>
+          </a:bodyPr>
+          <a:lstStyle/>
+          <a:p>
+            <a:r>
+              <a:rPr lang="en-US" dirty="0" smtClean="0"/>
+              <a:t>Custom Validation Rules</a:t>
             </a:r>
             <a:endParaRPr lang="en-US" dirty="0"/>
           </a:p>
@@ -3779,7 +3765,7 @@
       </p:sp>
       <p:pic>
         <p:nvPicPr>
-          <p:cNvPr id="10242" name="Picture 2"/>
+          <p:cNvPr id="3074" name="Picture 2"/>
           <p:cNvPicPr>
             <a:picLocks noChangeAspect="1" noChangeArrowheads="1"/>
           </p:cNvPicPr>
@@ -3794,8 +3780,8 @@
         </p:blipFill>
         <p:spPr bwMode="auto">
           <a:xfrm>
-            <a:off x="304800" y="1239962"/>
-            <a:ext cx="7772400" cy="3484438"/>
+            <a:off x="304800" y="2057400"/>
+            <a:ext cx="5210175" cy="276225"/>
           </a:xfrm>
           <a:prstGeom prst="rect">
             <a:avLst/>
@@ -3807,18 +3793,118 @@
             <a:headEnd/>
             <a:tailEnd/>
           </a:ln>
-          <a:effectLst>
-            <a:outerShdw blurRad="63500" sx="102000" sy="102000" algn="ctr" rotWithShape="0">
-              <a:prstClr val="black">
-                <a:alpha val="40000"/>
-              </a:prstClr>
-            </a:outerShdw>
-          </a:effectLst>
+          <a:effectLst/>
         </p:spPr>
       </p:pic>
+      <p:sp>
+        <p:nvSpPr>
+          <p:cNvPr id="5" name="Rectangle 4"/>
+          <p:cNvSpPr/>
+          <p:nvPr/>
+        </p:nvSpPr>
+        <p:spPr>
+          <a:xfrm>
+            <a:off x="3733800" y="1981200"/>
+            <a:ext cx="1981200" cy="457200"/>
+          </a:xfrm>
+          <a:prstGeom prst="rect">
+            <a:avLst/>
+          </a:prstGeom>
+          <a:noFill/>
+          <a:ln w="28575">
+            <a:solidFill>
+              <a:srgbClr val="FF0000"/>
+            </a:solidFill>
+          </a:ln>
+        </p:spPr>
+        <p:style>
+          <a:lnRef idx="2">
+            <a:schemeClr val="accent1">
+              <a:shade val="50000"/>
+            </a:schemeClr>
+          </a:lnRef>
+          <a:fillRef idx="1">
+            <a:schemeClr val="accent1"/>
+          </a:fillRef>
+          <a:effectRef idx="0">
+            <a:schemeClr val="accent1"/>
+          </a:effectRef>
+          <a:fontRef idx="minor">
+            <a:schemeClr val="lt1"/>
+          </a:fontRef>
+        </p:style>
+        <p:txBody>
+          <a:bodyPr rtlCol="0" anchor="ctr"/>
+          <a:lstStyle/>
+          <a:p>
+            <a:pPr algn="ctr"/>
+            <a:endParaRPr lang="en-US"/>
+          </a:p>
+        </p:txBody>
+      </p:sp>
+      <p:sp>
+        <p:nvSpPr>
+          <p:cNvPr id="6" name="TextBox 5"/>
+          <p:cNvSpPr txBox="1"/>
+          <p:nvPr/>
+        </p:nvSpPr>
+        <p:spPr>
+          <a:xfrm>
+            <a:off x="685800" y="2590800"/>
+            <a:ext cx="3424848" cy="369332"/>
+          </a:xfrm>
+          <a:prstGeom prst="rect">
+            <a:avLst/>
+          </a:prstGeom>
+          <a:noFill/>
+        </p:spPr>
+        <p:txBody>
+          <a:bodyPr wrap="none" rtlCol="0">
+            <a:spAutoFit/>
+          </a:bodyPr>
+          <a:lstStyle/>
+          <a:p>
+            <a:r>
+              <a:rPr lang="en-US" dirty="0" smtClean="0"/>
+              <a:t>Just inherit from Validation Rule</a:t>
+            </a:r>
+            <a:endParaRPr lang="en-US" dirty="0"/>
+          </a:p>
+        </p:txBody>
+      </p:sp>
+      <p:sp>
+        <p:nvSpPr>
+          <p:cNvPr id="7" name="TextBox 6"/>
+          <p:cNvSpPr txBox="1"/>
+          <p:nvPr/>
+        </p:nvSpPr>
+        <p:spPr>
+          <a:xfrm>
+            <a:off x="1752600" y="3048000"/>
+            <a:ext cx="3218382" cy="369332"/>
+          </a:xfrm>
+          <a:prstGeom prst="rect">
+            <a:avLst/>
+          </a:prstGeom>
+          <a:noFill/>
+        </p:spPr>
+        <p:txBody>
+          <a:bodyPr wrap="none" rtlCol="0">
+            <a:spAutoFit/>
+          </a:bodyPr>
+          <a:lstStyle/>
+          <a:p>
+            <a:r>
+              <a:rPr lang="en-US" dirty="0" smtClean="0"/>
+              <a:t>And override Validate method …</a:t>
+            </a:r>
+            <a:endParaRPr lang="en-US" dirty="0"/>
+          </a:p>
+        </p:txBody>
+      </p:sp>
       <p:pic>
         <p:nvPicPr>
-          <p:cNvPr id="10243" name="Picture 3"/>
+          <p:cNvPr id="3075" name="Picture 3"/>
           <p:cNvPicPr>
             <a:picLocks noChangeAspect="1" noChangeArrowheads="1"/>
           </p:cNvPicPr>
@@ -3833,8 +3919,8 @@
         </p:blipFill>
         <p:spPr bwMode="auto">
           <a:xfrm>
-            <a:off x="1905000" y="4419600"/>
-            <a:ext cx="6600825" cy="2190750"/>
+            <a:off x="533400" y="3581400"/>
+            <a:ext cx="7543800" cy="2607372"/>
           </a:xfrm>
           <a:prstGeom prst="rect">
             <a:avLst/>
@@ -3846,13 +3932,7 @@
             <a:headEnd/>
             <a:tailEnd/>
           </a:ln>
-          <a:effectLst>
-            <a:outerShdw blurRad="63500" sx="102000" sy="102000" algn="ctr" rotWithShape="0">
-              <a:prstClr val="black">
-                <a:alpha val="40000"/>
-              </a:prstClr>
-            </a:outerShdw>
-          </a:effectLst>
+          <a:effectLst/>
         </p:spPr>
       </p:pic>
     </p:spTree>
@@ -3892,33 +3972,279 @@
         </p:nvSpPr>
         <p:spPr/>
         <p:txBody>
-          <a:bodyPr/>
-          <a:lstStyle/>
-          <a:p>
-            <a:r>
-              <a:rPr lang="en-US" dirty="0" smtClean="0"/>
-              <a:t>Displaying the Errors</a:t>
+          <a:bodyPr>
+            <a:normAutofit fontScale="90000"/>
+          </a:bodyPr>
+          <a:lstStyle/>
+          <a:p>
+            <a:r>
+              <a:rPr lang="en-US" dirty="0" smtClean="0"/>
+              <a:t>Implement Validate and return </a:t>
+            </a:r>
+            <a:r>
+              <a:rPr lang="en-US" dirty="0" err="1" smtClean="0"/>
+              <a:t>ValidationResult</a:t>
             </a:r>
             <a:endParaRPr lang="en-US" dirty="0"/>
           </a:p>
         </p:txBody>
       </p:sp>
-      <p:sp>
-        <p:nvSpPr>
-          <p:cNvPr id="3" name="Text Placeholder 2"/>
-          <p:cNvSpPr>
-            <a:spLocks noGrp="1"/>
-          </p:cNvSpPr>
-          <p:nvPr>
-            <p:ph type="body" idx="1"/>
-          </p:nvPr>
-        </p:nvSpPr>
-        <p:spPr/>
-        <p:txBody>
-          <a:bodyPr/>
-          <a:lstStyle/>
-          <a:p>
+      <p:pic>
+        <p:nvPicPr>
+          <p:cNvPr id="3075" name="Picture 3"/>
+          <p:cNvPicPr>
+            <a:picLocks noChangeAspect="1" noChangeArrowheads="1"/>
+          </p:cNvPicPr>
+          <p:nvPr/>
+        </p:nvPicPr>
+        <p:blipFill>
+          <a:blip r:embed="rId2" cstate="print"/>
+          <a:srcRect/>
+          <a:stretch>
+            <a:fillRect/>
+          </a:stretch>
+        </p:blipFill>
+        <p:spPr bwMode="auto">
+          <a:xfrm>
+            <a:off x="381000" y="2133600"/>
+            <a:ext cx="8205199" cy="2835972"/>
+          </a:xfrm>
+          <a:prstGeom prst="rect">
+            <a:avLst/>
+          </a:prstGeom>
+          <a:noFill/>
+          <a:ln w="9525">
+            <a:noFill/>
+            <a:miter lim="800000"/>
+            <a:headEnd/>
+            <a:tailEnd/>
+          </a:ln>
+          <a:effectLst/>
+        </p:spPr>
+      </p:pic>
+      <p:sp>
+        <p:nvSpPr>
+          <p:cNvPr id="12" name="Right Arrow 11"/>
+          <p:cNvSpPr/>
+          <p:nvPr/>
+        </p:nvSpPr>
+        <p:spPr>
+          <a:xfrm rot="10800000">
+            <a:off x="6705600" y="2590800"/>
+            <a:ext cx="533400" cy="457200"/>
+          </a:xfrm>
+          <a:prstGeom prst="rightArrow">
+            <a:avLst/>
+          </a:prstGeom>
+        </p:spPr>
+        <p:style>
+          <a:lnRef idx="2">
+            <a:schemeClr val="accent2">
+              <a:shade val="50000"/>
+            </a:schemeClr>
+          </a:lnRef>
+          <a:fillRef idx="1">
+            <a:schemeClr val="accent2"/>
+          </a:fillRef>
+          <a:effectRef idx="0">
+            <a:schemeClr val="accent2"/>
+          </a:effectRef>
+          <a:fontRef idx="minor">
+            <a:schemeClr val="lt1"/>
+          </a:fontRef>
+        </p:style>
+        <p:txBody>
+          <a:bodyPr rtlCol="0" anchor="ctr"/>
+          <a:lstStyle/>
+          <a:p>
+            <a:pPr algn="ctr"/>
             <a:endParaRPr lang="en-US"/>
+          </a:p>
+        </p:txBody>
+      </p:sp>
+      <p:sp>
+        <p:nvSpPr>
+          <p:cNvPr id="13" name="Right Arrow 12"/>
+          <p:cNvSpPr/>
+          <p:nvPr/>
+        </p:nvSpPr>
+        <p:spPr>
+          <a:xfrm rot="10800000">
+            <a:off x="4495800" y="4038600"/>
+            <a:ext cx="533400" cy="457200"/>
+          </a:xfrm>
+          <a:prstGeom prst="rightArrow">
+            <a:avLst/>
+          </a:prstGeom>
+        </p:spPr>
+        <p:style>
+          <a:lnRef idx="2">
+            <a:schemeClr val="accent2">
+              <a:shade val="50000"/>
+            </a:schemeClr>
+          </a:lnRef>
+          <a:fillRef idx="1">
+            <a:schemeClr val="accent2"/>
+          </a:fillRef>
+          <a:effectRef idx="0">
+            <a:schemeClr val="accent2"/>
+          </a:effectRef>
+          <a:fontRef idx="minor">
+            <a:schemeClr val="lt1"/>
+          </a:fontRef>
+        </p:style>
+        <p:txBody>
+          <a:bodyPr rtlCol="0" anchor="ctr"/>
+          <a:lstStyle/>
+          <a:p>
+            <a:pPr algn="ctr"/>
+            <a:endParaRPr lang="en-US"/>
+          </a:p>
+        </p:txBody>
+      </p:sp>
+      <p:sp>
+        <p:nvSpPr>
+          <p:cNvPr id="14" name="TextBox 13"/>
+          <p:cNvSpPr txBox="1"/>
+          <p:nvPr/>
+        </p:nvSpPr>
+        <p:spPr>
+          <a:xfrm>
+            <a:off x="7315200" y="2590800"/>
+            <a:ext cx="556563" cy="369332"/>
+          </a:xfrm>
+          <a:prstGeom prst="rect">
+            <a:avLst/>
+          </a:prstGeom>
+          <a:noFill/>
+        </p:spPr>
+        <p:txBody>
+          <a:bodyPr wrap="none" rtlCol="0">
+            <a:spAutoFit/>
+          </a:bodyPr>
+          <a:lstStyle/>
+          <a:p>
+            <a:r>
+              <a:rPr lang="en-US" dirty="0" smtClean="0">
+                <a:solidFill>
+                  <a:schemeClr val="bg1"/>
+                </a:solidFill>
+              </a:rPr>
+              <a:t>Fail</a:t>
+            </a:r>
+            <a:endParaRPr lang="en-US" dirty="0">
+              <a:solidFill>
+                <a:schemeClr val="bg1"/>
+              </a:solidFill>
+            </a:endParaRPr>
+          </a:p>
+        </p:txBody>
+      </p:sp>
+      <p:sp>
+        <p:nvSpPr>
+          <p:cNvPr id="15" name="TextBox 14"/>
+          <p:cNvSpPr txBox="1"/>
+          <p:nvPr/>
+        </p:nvSpPr>
+        <p:spPr>
+          <a:xfrm>
+            <a:off x="5257800" y="4038600"/>
+            <a:ext cx="697627" cy="369332"/>
+          </a:xfrm>
+          <a:prstGeom prst="rect">
+            <a:avLst/>
+          </a:prstGeom>
+          <a:noFill/>
+        </p:spPr>
+        <p:txBody>
+          <a:bodyPr wrap="none" rtlCol="0">
+            <a:spAutoFit/>
+          </a:bodyPr>
+          <a:lstStyle/>
+          <a:p>
+            <a:r>
+              <a:rPr lang="en-US" dirty="0" smtClean="0">
+                <a:solidFill>
+                  <a:schemeClr val="bg1"/>
+                </a:solidFill>
+              </a:rPr>
+              <a:t>Pass</a:t>
+            </a:r>
+            <a:endParaRPr lang="en-US" dirty="0">
+              <a:solidFill>
+                <a:schemeClr val="bg1"/>
+              </a:solidFill>
+            </a:endParaRPr>
+          </a:p>
+        </p:txBody>
+      </p:sp>
+      <p:sp>
+        <p:nvSpPr>
+          <p:cNvPr id="8" name="Right Arrow 7"/>
+          <p:cNvSpPr/>
+          <p:nvPr/>
+        </p:nvSpPr>
+        <p:spPr>
+          <a:xfrm rot="16200000">
+            <a:off x="4305300" y="4838700"/>
+            <a:ext cx="609600" cy="533400"/>
+          </a:xfrm>
+          <a:prstGeom prst="rightArrow">
+            <a:avLst/>
+          </a:prstGeom>
+        </p:spPr>
+        <p:style>
+          <a:lnRef idx="2">
+            <a:schemeClr val="accent2">
+              <a:shade val="50000"/>
+            </a:schemeClr>
+          </a:lnRef>
+          <a:fillRef idx="1">
+            <a:schemeClr val="accent2"/>
+          </a:fillRef>
+          <a:effectRef idx="0">
+            <a:schemeClr val="accent2"/>
+          </a:effectRef>
+          <a:fontRef idx="minor">
+            <a:schemeClr val="lt1"/>
+          </a:fontRef>
+        </p:style>
+        <p:txBody>
+          <a:bodyPr rtlCol="0" anchor="ctr"/>
+          <a:lstStyle/>
+          <a:p>
+            <a:pPr algn="ctr"/>
+            <a:endParaRPr lang="en-US"/>
+          </a:p>
+        </p:txBody>
+      </p:sp>
+      <p:sp>
+        <p:nvSpPr>
+          <p:cNvPr id="9" name="TextBox 8"/>
+          <p:cNvSpPr txBox="1"/>
+          <p:nvPr/>
+        </p:nvSpPr>
+        <p:spPr>
+          <a:xfrm>
+            <a:off x="3481092" y="5486400"/>
+            <a:ext cx="2538708" cy="369332"/>
+          </a:xfrm>
+          <a:prstGeom prst="rect">
+            <a:avLst/>
+          </a:prstGeom>
+          <a:noFill/>
+        </p:spPr>
+        <p:txBody>
+          <a:bodyPr wrap="none" rtlCol="0">
+            <a:spAutoFit/>
+          </a:bodyPr>
+          <a:lstStyle/>
+          <a:p>
+            <a:r>
+              <a:rPr lang="en-US" dirty="0" smtClean="0"/>
+              <a:t>Validation Error Message</a:t>
+            </a:r>
+            <a:endParaRPr lang="en-US" dirty="0"/>
           </a:p>
         </p:txBody>
       </p:sp>
@@ -3964,7 +4290,7 @@
           <a:p>
             <a:r>
               <a:rPr lang="en-US" dirty="0" smtClean="0"/>
-              <a:t>Error Template</a:t>
+              <a:t>Required</a:t>
             </a:r>
             <a:endParaRPr lang="en-US" dirty="0"/>
           </a:p>
@@ -3972,7 +4298,7 @@
       </p:sp>
       <p:pic>
         <p:nvPicPr>
-          <p:cNvPr id="11266" name="Picture 2"/>
+          <p:cNvPr id="8194" name="Picture 2"/>
           <p:cNvPicPr>
             <a:picLocks noChangeAspect="1" noChangeArrowheads="1"/>
           </p:cNvPicPr>
@@ -3987,8 +4313,8 @@
         </p:blipFill>
         <p:spPr bwMode="auto">
           <a:xfrm>
-            <a:off x="304800" y="1752600"/>
-            <a:ext cx="3810000" cy="1362075"/>
+            <a:off x="304799" y="1371600"/>
+            <a:ext cx="6771557" cy="2438400"/>
           </a:xfrm>
           <a:prstGeom prst="rect">
             <a:avLst/>
@@ -4000,11 +4326,18 @@
             <a:headEnd/>
             <a:tailEnd/>
           </a:ln>
+          <a:effectLst>
+            <a:outerShdw blurRad="63500" sx="102000" sy="102000" algn="ctr" rotWithShape="0">
+              <a:prstClr val="black">
+                <a:alpha val="40000"/>
+              </a:prstClr>
+            </a:outerShdw>
+          </a:effectLst>
         </p:spPr>
       </p:pic>
       <p:pic>
         <p:nvPicPr>
-          <p:cNvPr id="11267" name="Picture 3"/>
+          <p:cNvPr id="8195" name="Picture 3"/>
           <p:cNvPicPr>
             <a:picLocks noChangeAspect="1" noChangeArrowheads="1"/>
           </p:cNvPicPr>
@@ -4019,8 +4352,8 @@
         </p:blipFill>
         <p:spPr bwMode="auto">
           <a:xfrm>
-            <a:off x="2057400" y="3886200"/>
-            <a:ext cx="5848350" cy="1009650"/>
+            <a:off x="3429000" y="3581400"/>
+            <a:ext cx="4545366" cy="1828800"/>
           </a:xfrm>
           <a:prstGeom prst="rect">
             <a:avLst/>
@@ -4032,82 +4365,15 @@
             <a:headEnd/>
             <a:tailEnd/>
           </a:ln>
+          <a:effectLst>
+            <a:outerShdw blurRad="63500" sx="102000" sy="102000" algn="ctr" rotWithShape="0">
+              <a:prstClr val="black">
+                <a:alpha val="40000"/>
+              </a:prstClr>
+            </a:outerShdw>
+          </a:effectLst>
         </p:spPr>
       </p:pic>
-      <p:sp>
-        <p:nvSpPr>
-          <p:cNvPr id="6" name="Bent Arrow 5"/>
-          <p:cNvSpPr/>
-          <p:nvPr/>
-        </p:nvSpPr>
-        <p:spPr>
-          <a:xfrm rot="5400000">
-            <a:off x="4076700" y="2247900"/>
-            <a:ext cx="1905000" cy="1676400"/>
-          </a:xfrm>
-          <a:prstGeom prst="bentArrow">
-            <a:avLst/>
-          </a:prstGeom>
-        </p:spPr>
-        <p:style>
-          <a:lnRef idx="2">
-            <a:schemeClr val="accent2">
-              <a:shade val="50000"/>
-            </a:schemeClr>
-          </a:lnRef>
-          <a:fillRef idx="1">
-            <a:schemeClr val="accent2"/>
-          </a:fillRef>
-          <a:effectRef idx="0">
-            <a:schemeClr val="accent2"/>
-          </a:effectRef>
-          <a:fontRef idx="minor">
-            <a:schemeClr val="lt1"/>
-          </a:fontRef>
-        </p:style>
-        <p:txBody>
-          <a:bodyPr rtlCol="0" anchor="ctr"/>
-          <a:lstStyle/>
-          <a:p>
-            <a:pPr algn="ctr"/>
-            <a:endParaRPr lang="en-US">
-              <a:solidFill>
-                <a:schemeClr val="tx1"/>
-              </a:solidFill>
-            </a:endParaRPr>
-          </a:p>
-        </p:txBody>
-      </p:sp>
-      <p:sp>
-        <p:nvSpPr>
-          <p:cNvPr id="7" name="TextBox 6"/>
-          <p:cNvSpPr txBox="1"/>
-          <p:nvPr/>
-        </p:nvSpPr>
-        <p:spPr>
-          <a:xfrm>
-            <a:off x="4953000" y="1752600"/>
-            <a:ext cx="2284408" cy="369332"/>
-          </a:xfrm>
-          <a:prstGeom prst="rect">
-            <a:avLst/>
-          </a:prstGeom>
-          <a:noFill/>
-        </p:spPr>
-        <p:txBody>
-          <a:bodyPr wrap="none" rtlCol="0">
-            <a:spAutoFit/>
-          </a:bodyPr>
-          <a:lstStyle/>
-          <a:p>
-            <a:r>
-              <a:rPr lang="en-US" dirty="0" smtClean="0"/>
-              <a:t>Creates the red border</a:t>
-            </a:r>
-            <a:endParaRPr lang="en-US" dirty="0"/>
-          </a:p>
-        </p:txBody>
-      </p:sp>
     </p:spTree>
   </p:cSld>
   <p:clrMapOvr>
@@ -4150,7 +4416,7 @@
           <a:p>
             <a:r>
               <a:rPr lang="en-US" dirty="0" smtClean="0"/>
-              <a:t>Displaying Error Message</a:t>
+              <a:t>Greater Than</a:t>
             </a:r>
             <a:endParaRPr lang="en-US" dirty="0"/>
           </a:p>
@@ -4158,7 +4424,7 @@
       </p:sp>
       <p:pic>
         <p:nvPicPr>
-          <p:cNvPr id="4" name="Picture 3"/>
+          <p:cNvPr id="7" name="Picture 3"/>
           <p:cNvPicPr>
             <a:picLocks noChangeAspect="1" noChangeArrowheads="1"/>
           </p:cNvPicPr>
@@ -4173,8 +4439,8 @@
         </p:blipFill>
         <p:spPr bwMode="auto">
           <a:xfrm>
-            <a:off x="2133600" y="4495800"/>
-            <a:ext cx="5848350" cy="1009650"/>
+            <a:off x="381000" y="1219200"/>
+            <a:ext cx="6969494" cy="3276600"/>
           </a:xfrm>
           <a:prstGeom prst="rect">
             <a:avLst/>
@@ -4186,11 +4452,18 @@
             <a:headEnd/>
             <a:tailEnd/>
           </a:ln>
+          <a:effectLst>
+            <a:outerShdw blurRad="63500" sx="102000" sy="102000" algn="ctr" rotWithShape="0">
+              <a:prstClr val="black">
+                <a:alpha val="40000"/>
+              </a:prstClr>
+            </a:outerShdw>
+          </a:effectLst>
         </p:spPr>
       </p:pic>
       <p:pic>
         <p:nvPicPr>
-          <p:cNvPr id="12290" name="Picture 2"/>
+          <p:cNvPr id="9218" name="Picture 2"/>
           <p:cNvPicPr>
             <a:picLocks noChangeAspect="1" noChangeArrowheads="1"/>
           </p:cNvPicPr>
@@ -4205,8 +4478,8 @@
         </p:blipFill>
         <p:spPr bwMode="auto">
           <a:xfrm>
-            <a:off x="228600" y="1828800"/>
-            <a:ext cx="8524875" cy="2438400"/>
+            <a:off x="3048000" y="4343400"/>
+            <a:ext cx="5153025" cy="1786727"/>
           </a:xfrm>
           <a:prstGeom prst="rect">
             <a:avLst/>
@@ -4218,156 +4491,15 @@
             <a:headEnd/>
             <a:tailEnd/>
           </a:ln>
+          <a:effectLst>
+            <a:outerShdw blurRad="63500" sx="102000" sy="102000" algn="ctr" rotWithShape="0">
+              <a:prstClr val="black">
+                <a:alpha val="40000"/>
+              </a:prstClr>
+            </a:outerShdw>
+          </a:effectLst>
         </p:spPr>
       </p:pic>
-      <p:sp>
-        <p:nvSpPr>
-          <p:cNvPr id="6" name="TextBox 5"/>
-          <p:cNvSpPr txBox="1"/>
-          <p:nvPr/>
-        </p:nvSpPr>
-        <p:spPr>
-          <a:xfrm>
-            <a:off x="3657600" y="1295400"/>
-            <a:ext cx="4294061" cy="369332"/>
-          </a:xfrm>
-          <a:prstGeom prst="rect">
-            <a:avLst/>
-          </a:prstGeom>
-          <a:noFill/>
-        </p:spPr>
-        <p:txBody>
-          <a:bodyPr wrap="none" rtlCol="0">
-            <a:spAutoFit/>
-          </a:bodyPr>
-          <a:lstStyle/>
-          <a:p>
-            <a:r>
-              <a:rPr lang="en-US" dirty="0" smtClean="0"/>
-              <a:t>This is setting the error template we specified</a:t>
-            </a:r>
-            <a:endParaRPr lang="en-US" dirty="0"/>
-          </a:p>
-        </p:txBody>
-      </p:sp>
-      <p:sp>
-        <p:nvSpPr>
-          <p:cNvPr id="7" name="Down Arrow 6"/>
-          <p:cNvSpPr/>
-          <p:nvPr/>
-        </p:nvSpPr>
-        <p:spPr>
-          <a:xfrm>
-            <a:off x="6629400" y="1676400"/>
-            <a:ext cx="381000" cy="381000"/>
-          </a:xfrm>
-          <a:prstGeom prst="downArrow">
-            <a:avLst/>
-          </a:prstGeom>
-        </p:spPr>
-        <p:style>
-          <a:lnRef idx="2">
-            <a:schemeClr val="accent2">
-              <a:shade val="50000"/>
-            </a:schemeClr>
-          </a:lnRef>
-          <a:fillRef idx="1">
-            <a:schemeClr val="accent2"/>
-          </a:fillRef>
-          <a:effectRef idx="0">
-            <a:schemeClr val="accent2"/>
-          </a:effectRef>
-          <a:fontRef idx="minor">
-            <a:schemeClr val="lt1"/>
-          </a:fontRef>
-        </p:style>
-        <p:txBody>
-          <a:bodyPr rtlCol="0" anchor="ctr"/>
-          <a:lstStyle/>
-          <a:p>
-            <a:pPr algn="ctr"/>
-            <a:endParaRPr lang="en-US"/>
-          </a:p>
-        </p:txBody>
-      </p:sp>
-      <p:sp>
-        <p:nvSpPr>
-          <p:cNvPr id="8" name="Down Arrow 7"/>
-          <p:cNvSpPr/>
-          <p:nvPr/>
-        </p:nvSpPr>
-        <p:spPr>
-          <a:xfrm>
-            <a:off x="3124200" y="3429000"/>
-            <a:ext cx="533400" cy="1600200"/>
-          </a:xfrm>
-          <a:prstGeom prst="downArrow">
-            <a:avLst/>
-          </a:prstGeom>
-        </p:spPr>
-        <p:style>
-          <a:lnRef idx="2">
-            <a:schemeClr val="accent2">
-              <a:shade val="50000"/>
-            </a:schemeClr>
-          </a:lnRef>
-          <a:fillRef idx="1">
-            <a:schemeClr val="accent2"/>
-          </a:fillRef>
-          <a:effectRef idx="0">
-            <a:schemeClr val="accent2"/>
-          </a:effectRef>
-          <a:fontRef idx="minor">
-            <a:schemeClr val="lt1"/>
-          </a:fontRef>
-        </p:style>
-        <p:txBody>
-          <a:bodyPr rtlCol="0" anchor="ctr"/>
-          <a:lstStyle/>
-          <a:p>
-            <a:pPr algn="ctr"/>
-            <a:endParaRPr lang="en-US"/>
-          </a:p>
-        </p:txBody>
-      </p:sp>
-      <p:sp>
-        <p:nvSpPr>
-          <p:cNvPr id="9" name="TextBox 8"/>
-          <p:cNvSpPr txBox="1"/>
-          <p:nvPr/>
-        </p:nvSpPr>
-        <p:spPr>
-          <a:xfrm>
-            <a:off x="3733800" y="3733800"/>
-            <a:ext cx="4533613" cy="369332"/>
-          </a:xfrm>
-          <a:prstGeom prst="rect">
-            <a:avLst/>
-          </a:prstGeom>
-          <a:noFill/>
-        </p:spPr>
-        <p:txBody>
-          <a:bodyPr wrap="none" rtlCol="0">
-            <a:spAutoFit/>
-          </a:bodyPr>
-          <a:lstStyle/>
-          <a:p>
-            <a:r>
-              <a:rPr lang="en-US" dirty="0" smtClean="0">
-                <a:solidFill>
-                  <a:schemeClr val="bg1"/>
-                </a:solidFill>
-              </a:rPr>
-              <a:t>This trigger sets the tooltip to the error message</a:t>
-            </a:r>
-            <a:endParaRPr lang="en-US" dirty="0">
-              <a:solidFill>
-                <a:schemeClr val="bg1"/>
-              </a:solidFill>
-            </a:endParaRPr>
-          </a:p>
-        </p:txBody>
-      </p:sp>
     </p:spTree>
   </p:cSld>
   <p:clrMapOvr>
@@ -4410,31 +4542,90 @@
           <a:p>
             <a:r>
               <a:rPr lang="en-US" dirty="0" smtClean="0"/>
-              <a:t>Using Exceptions</a:t>
+              <a:t>Regular Expression</a:t>
             </a:r>
             <a:endParaRPr lang="en-US" dirty="0"/>
           </a:p>
         </p:txBody>
       </p:sp>
-      <p:sp>
-        <p:nvSpPr>
-          <p:cNvPr id="3" name="Text Placeholder 2"/>
-          <p:cNvSpPr>
-            <a:spLocks noGrp="1"/>
-          </p:cNvSpPr>
-          <p:nvPr>
-            <p:ph type="body" idx="1"/>
-          </p:nvPr>
-        </p:nvSpPr>
-        <p:spPr/>
-        <p:txBody>
-          <a:bodyPr/>
-          <a:lstStyle/>
-          <a:p>
-            <a:endParaRPr lang="en-US"/>
-          </a:p>
-        </p:txBody>
-      </p:sp>
+      <p:pic>
+        <p:nvPicPr>
+          <p:cNvPr id="10242" name="Picture 2"/>
+          <p:cNvPicPr>
+            <a:picLocks noChangeAspect="1" noChangeArrowheads="1"/>
+          </p:cNvPicPr>
+          <p:nvPr/>
+        </p:nvPicPr>
+        <p:blipFill>
+          <a:blip r:embed="rId2" cstate="print"/>
+          <a:srcRect/>
+          <a:stretch>
+            <a:fillRect/>
+          </a:stretch>
+        </p:blipFill>
+        <p:spPr bwMode="auto">
+          <a:xfrm>
+            <a:off x="304800" y="1239962"/>
+            <a:ext cx="7772400" cy="3484438"/>
+          </a:xfrm>
+          <a:prstGeom prst="rect">
+            <a:avLst/>
+          </a:prstGeom>
+          <a:noFill/>
+          <a:ln w="9525">
+            <a:noFill/>
+            <a:miter lim="800000"/>
+            <a:headEnd/>
+            <a:tailEnd/>
+          </a:ln>
+          <a:effectLst>
+            <a:outerShdw blurRad="63500" sx="102000" sy="102000" algn="ctr" rotWithShape="0">
+              <a:prstClr val="black">
+                <a:alpha val="40000"/>
+              </a:prstClr>
+            </a:outerShdw>
+          </a:effectLst>
+        </p:spPr>
+      </p:pic>
+      <p:pic>
+        <p:nvPicPr>
+          <p:cNvPr id="10243" name="Picture 3"/>
+          <p:cNvPicPr>
+            <a:picLocks noChangeAspect="1" noChangeArrowheads="1"/>
+          </p:cNvPicPr>
+          <p:nvPr/>
+        </p:nvPicPr>
+        <p:blipFill>
+          <a:blip r:embed="rId3" cstate="print"/>
+          <a:srcRect/>
+          <a:stretch>
+            <a:fillRect/>
+          </a:stretch>
+        </p:blipFill>
+        <p:spPr bwMode="auto">
+          <a:xfrm>
+            <a:off x="1905000" y="4419600"/>
+            <a:ext cx="6600825" cy="2190750"/>
+          </a:xfrm>
+          <a:prstGeom prst="rect">
+            <a:avLst/>
+          </a:prstGeom>
+          <a:noFill/>
+          <a:ln w="9525">
+            <a:noFill/>
+            <a:miter lim="800000"/>
+            <a:headEnd/>
+            <a:tailEnd/>
+          </a:ln>
+          <a:effectLst>
+            <a:outerShdw blurRad="63500" sx="102000" sy="102000" algn="ctr" rotWithShape="0">
+              <a:prstClr val="black">
+                <a:alpha val="40000"/>
+              </a:prstClr>
+            </a:outerShdw>
+          </a:effectLst>
+        </p:spPr>
+      </p:pic>
     </p:spTree>
   </p:cSld>
   <p:clrMapOvr>
@@ -4460,38 +4651,6 @@
           <a:chExt cx="0" cy="0"/>
         </a:xfrm>
       </p:grpSpPr>
-      <p:pic>
-        <p:nvPicPr>
-          <p:cNvPr id="18434" name="Picture 2"/>
-          <p:cNvPicPr>
-            <a:picLocks noChangeAspect="1" noChangeArrowheads="1"/>
-          </p:cNvPicPr>
-          <p:nvPr/>
-        </p:nvPicPr>
-        <p:blipFill>
-          <a:blip r:embed="rId2" cstate="print"/>
-          <a:srcRect/>
-          <a:stretch>
-            <a:fillRect/>
-          </a:stretch>
-        </p:blipFill>
-        <p:spPr bwMode="auto">
-          <a:xfrm>
-            <a:off x="990600" y="2362200"/>
-            <a:ext cx="6067425" cy="2667000"/>
-          </a:xfrm>
-          <a:prstGeom prst="rect">
-            <a:avLst/>
-          </a:prstGeom>
-          <a:noFill/>
-          <a:ln w="9525">
-            <a:noFill/>
-            <a:miter lim="800000"/>
-            <a:headEnd/>
-            <a:tailEnd/>
-          </a:ln>
-        </p:spPr>
-      </p:pic>
       <p:sp>
         <p:nvSpPr>
           <p:cNvPr id="2" name="Title 1"/>
@@ -4504,14 +4663,12 @@
         </p:nvSpPr>
         <p:spPr/>
         <p:txBody>
-          <a:bodyPr>
-            <a:normAutofit/>
-          </a:bodyPr>
-          <a:lstStyle/>
-          <a:p>
-            <a:r>
-              <a:rPr lang="en-US" dirty="0" smtClean="0"/>
-              <a:t>On source…</a:t>
+          <a:bodyPr/>
+          <a:lstStyle/>
+          <a:p>
+            <a:r>
+              <a:rPr lang="en-US" dirty="0" smtClean="0"/>
+              <a:t>Displaying the Errors</a:t>
             </a:r>
             <a:endParaRPr lang="en-US" dirty="0"/>
           </a:p>
@@ -4519,140 +4676,19 @@
       </p:sp>
       <p:sp>
         <p:nvSpPr>
-          <p:cNvPr id="6" name="Down Arrow 5"/>
-          <p:cNvSpPr/>
-          <p:nvPr/>
-        </p:nvSpPr>
-        <p:spPr>
-          <a:xfrm rot="10800000">
-            <a:off x="5715000" y="4114800"/>
-            <a:ext cx="533400" cy="1143000"/>
-          </a:xfrm>
-          <a:prstGeom prst="downArrow">
-            <a:avLst/>
-          </a:prstGeom>
-        </p:spPr>
-        <p:style>
-          <a:lnRef idx="2">
-            <a:schemeClr val="accent2">
-              <a:shade val="50000"/>
-            </a:schemeClr>
-          </a:lnRef>
-          <a:fillRef idx="1">
-            <a:schemeClr val="accent2"/>
-          </a:fillRef>
-          <a:effectRef idx="0">
-            <a:schemeClr val="accent2"/>
-          </a:effectRef>
-          <a:fontRef idx="minor">
-            <a:schemeClr val="lt1"/>
-          </a:fontRef>
-        </p:style>
-        <p:txBody>
-          <a:bodyPr rtlCol="0" anchor="ctr"/>
-          <a:lstStyle/>
-          <a:p>
-            <a:pPr algn="ctr"/>
-            <a:endParaRPr lang="en-US"/>
-          </a:p>
-        </p:txBody>
-      </p:sp>
-      <p:sp>
-        <p:nvSpPr>
-          <p:cNvPr id="7" name="TextBox 6"/>
-          <p:cNvSpPr txBox="1"/>
-          <p:nvPr/>
-        </p:nvSpPr>
-        <p:spPr>
-          <a:xfrm>
-            <a:off x="3733800" y="5410200"/>
-            <a:ext cx="4660250" cy="369332"/>
-          </a:xfrm>
-          <a:prstGeom prst="rect">
-            <a:avLst/>
-          </a:prstGeom>
-          <a:noFill/>
-        </p:spPr>
-        <p:txBody>
-          <a:bodyPr wrap="none" rtlCol="0">
-            <a:spAutoFit/>
-          </a:bodyPr>
-          <a:lstStyle/>
-          <a:p>
-            <a:r>
-              <a:rPr lang="en-US" dirty="0" smtClean="0"/>
-              <a:t>Exception message will be the error content</a:t>
-            </a:r>
-            <a:endParaRPr lang="en-US" dirty="0"/>
-          </a:p>
-        </p:txBody>
-      </p:sp>
-      <p:sp>
-        <p:nvSpPr>
-          <p:cNvPr id="8" name="TextBox 7"/>
-          <p:cNvSpPr txBox="1"/>
-          <p:nvPr/>
-        </p:nvSpPr>
-        <p:spPr>
-          <a:xfrm>
-            <a:off x="3124200" y="1600200"/>
-            <a:ext cx="1877437" cy="369332"/>
-          </a:xfrm>
-          <a:prstGeom prst="rect">
-            <a:avLst/>
-          </a:prstGeom>
-          <a:noFill/>
-        </p:spPr>
-        <p:txBody>
-          <a:bodyPr wrap="none" rtlCol="0">
-            <a:spAutoFit/>
-          </a:bodyPr>
-          <a:lstStyle/>
-          <a:p>
-            <a:r>
-              <a:rPr lang="en-US" dirty="0" smtClean="0"/>
-              <a:t>Throw exception</a:t>
-            </a:r>
-            <a:endParaRPr lang="en-US" dirty="0"/>
-          </a:p>
-        </p:txBody>
-      </p:sp>
-      <p:sp>
-        <p:nvSpPr>
-          <p:cNvPr id="10" name="Down Arrow 9"/>
-          <p:cNvSpPr/>
-          <p:nvPr/>
-        </p:nvSpPr>
-        <p:spPr>
-          <a:xfrm>
-            <a:off x="3505200" y="2057400"/>
-            <a:ext cx="533400" cy="1600200"/>
-          </a:xfrm>
-          <a:prstGeom prst="downArrow">
-            <a:avLst/>
-          </a:prstGeom>
-        </p:spPr>
-        <p:style>
-          <a:lnRef idx="2">
-            <a:schemeClr val="accent2">
-              <a:shade val="50000"/>
-            </a:schemeClr>
-          </a:lnRef>
-          <a:fillRef idx="1">
-            <a:schemeClr val="accent2"/>
-          </a:fillRef>
-          <a:effectRef idx="0">
-            <a:schemeClr val="accent2"/>
-          </a:effectRef>
-          <a:fontRef idx="minor">
-            <a:schemeClr val="lt1"/>
-          </a:fontRef>
-        </p:style>
-        <p:txBody>
-          <a:bodyPr rtlCol="0" anchor="ctr"/>
-          <a:lstStyle/>
-          <a:p>
-            <a:pPr algn="ctr"/>
+          <p:cNvPr id="3" name="Text Placeholder 2"/>
+          <p:cNvSpPr>
+            <a:spLocks noGrp="1"/>
+          </p:cNvSpPr>
+          <p:nvPr>
+            <p:ph type="body" idx="1"/>
+          </p:nvPr>
+        </p:nvSpPr>
+        <p:spPr/>
+        <p:txBody>
+          <a:bodyPr/>
+          <a:lstStyle/>
+          <a:p>
             <a:endParaRPr lang="en-US"/>
           </a:p>
         </p:txBody>
@@ -4694,48 +4730,12 @@
         </p:nvSpPr>
         <p:spPr/>
         <p:txBody>
-          <a:bodyPr>
-            <a:normAutofit/>
-          </a:bodyPr>
-          <a:lstStyle/>
-          <a:p>
-            <a:r>
-              <a:rPr lang="en-US" dirty="0" smtClean="0"/>
-              <a:t>On binding…</a:t>
-            </a:r>
-            <a:endParaRPr lang="en-US" dirty="0"/>
-          </a:p>
-        </p:txBody>
-      </p:sp>
-      <p:sp>
-        <p:nvSpPr>
-          <p:cNvPr id="7" name="TextBox 6"/>
-          <p:cNvSpPr txBox="1"/>
-          <p:nvPr/>
-        </p:nvSpPr>
-        <p:spPr>
-          <a:xfrm>
-            <a:off x="3124200" y="1524000"/>
-            <a:ext cx="2963183" cy="369332"/>
-          </a:xfrm>
-          <a:prstGeom prst="rect">
-            <a:avLst/>
-          </a:prstGeom>
-          <a:noFill/>
-        </p:spPr>
-        <p:txBody>
-          <a:bodyPr wrap="none" rtlCol="0">
-            <a:spAutoFit/>
-          </a:bodyPr>
-          <a:lstStyle/>
-          <a:p>
-            <a:r>
-              <a:rPr lang="en-US" dirty="0" smtClean="0"/>
-              <a:t>Set </a:t>
-            </a:r>
-            <a:r>
-              <a:rPr lang="en-US" dirty="0" err="1" smtClean="0"/>
-              <a:t>ValidatesOnExceptions</a:t>
+          <a:bodyPr/>
+          <a:lstStyle/>
+          <a:p>
+            <a:r>
+              <a:rPr lang="en-US" dirty="0" smtClean="0"/>
+              <a:t>Error Template</a:t>
             </a:r>
             <a:endParaRPr lang="en-US" dirty="0"/>
           </a:p>
@@ -4743,7 +4743,7 @@
       </p:sp>
       <p:pic>
         <p:nvPicPr>
-          <p:cNvPr id="6146" name="Picture 2"/>
+          <p:cNvPr id="11266" name="Picture 2"/>
           <p:cNvPicPr>
             <a:picLocks noChangeAspect="1" noChangeArrowheads="1"/>
           </p:cNvPicPr>
@@ -4758,8 +4758,8 @@
         </p:blipFill>
         <p:spPr bwMode="auto">
           <a:xfrm>
-            <a:off x="990600" y="3114675"/>
-            <a:ext cx="6067425" cy="466725"/>
+            <a:off x="304800" y="1752600"/>
+            <a:ext cx="3810000" cy="1362075"/>
           </a:xfrm>
           <a:prstGeom prst="rect">
             <a:avLst/>
@@ -4771,21 +4771,52 @@
             <a:headEnd/>
             <a:tailEnd/>
           </a:ln>
-          <a:effectLst/>
         </p:spPr>
       </p:pic>
-      <p:sp>
-        <p:nvSpPr>
-          <p:cNvPr id="6" name="Down Arrow 5"/>
+      <p:pic>
+        <p:nvPicPr>
+          <p:cNvPr id="11267" name="Picture 3"/>
+          <p:cNvPicPr>
+            <a:picLocks noChangeAspect="1" noChangeArrowheads="1"/>
+          </p:cNvPicPr>
+          <p:nvPr/>
+        </p:nvPicPr>
+        <p:blipFill>
+          <a:blip r:embed="rId3" cstate="print"/>
+          <a:srcRect/>
+          <a:stretch>
+            <a:fillRect/>
+          </a:stretch>
+        </p:blipFill>
+        <p:spPr bwMode="auto">
+          <a:xfrm>
+            <a:off x="2057400" y="3886200"/>
+            <a:ext cx="5848350" cy="1009650"/>
+          </a:xfrm>
+          <a:prstGeom prst="rect">
+            <a:avLst/>
+          </a:prstGeom>
+          <a:noFill/>
+          <a:ln w="9525">
+            <a:noFill/>
+            <a:miter lim="800000"/>
+            <a:headEnd/>
+            <a:tailEnd/>
+          </a:ln>
+        </p:spPr>
+      </p:pic>
+      <p:sp>
+        <p:nvSpPr>
+          <p:cNvPr id="6" name="Bent Arrow 5"/>
           <p:cNvSpPr/>
           <p:nvPr/>
         </p:nvSpPr>
         <p:spPr>
-          <a:xfrm>
-            <a:off x="5029200" y="2057400"/>
-            <a:ext cx="533400" cy="1143000"/>
-          </a:xfrm>
-          <a:prstGeom prst="downArrow">
+          <a:xfrm rot="5400000">
+            <a:off x="4076700" y="2247900"/>
+            <a:ext cx="1905000" cy="1676400"/>
+          </a:xfrm>
+          <a:prstGeom prst="bentArrow">
             <a:avLst/>
           </a:prstGeom>
         </p:spPr>
@@ -4810,7 +4841,41 @@
           <a:lstStyle/>
           <a:p>
             <a:pPr algn="ctr"/>
-            <a:endParaRPr lang="en-US"/>
+            <a:endParaRPr lang="en-US">
+              <a:solidFill>
+                <a:schemeClr val="tx1"/>
+              </a:solidFill>
+            </a:endParaRPr>
+          </a:p>
+        </p:txBody>
+      </p:sp>
+      <p:sp>
+        <p:nvSpPr>
+          <p:cNvPr id="7" name="TextBox 6"/>
+          <p:cNvSpPr txBox="1"/>
+          <p:nvPr/>
+        </p:nvSpPr>
+        <p:spPr>
+          <a:xfrm>
+            <a:off x="5029200" y="1676400"/>
+            <a:ext cx="2990306" cy="461665"/>
+          </a:xfrm>
+          <a:prstGeom prst="rect">
+            <a:avLst/>
+          </a:prstGeom>
+          <a:noFill/>
+        </p:spPr>
+        <p:txBody>
+          <a:bodyPr wrap="none" rtlCol="0">
+            <a:spAutoFit/>
+          </a:bodyPr>
+          <a:lstStyle/>
+          <a:p>
+            <a:r>
+              <a:rPr lang="en-US" sz="2400" dirty="0" smtClean="0"/>
+              <a:t>Creates the red border</a:t>
+            </a:r>
+            <a:endParaRPr lang="en-US" sz="2400" dirty="0"/>
           </a:p>
         </p:txBody>
       </p:sp>
@@ -4851,14 +4916,12 @@
         </p:nvSpPr>
         <p:spPr/>
         <p:txBody>
-          <a:bodyPr>
-            <a:normAutofit fontScale="90000"/>
-          </a:bodyPr>
-          <a:lstStyle/>
-          <a:p>
-            <a:r>
-              <a:rPr lang="en-US" dirty="0" smtClean="0"/>
-              <a:t>If you know all this… then feel free to leave</a:t>
+          <a:bodyPr/>
+          <a:lstStyle/>
+          <a:p>
+            <a:r>
+              <a:rPr lang="en-US" dirty="0" smtClean="0"/>
+              <a:t>About Me</a:t>
             </a:r>
             <a:endParaRPr lang="en-US" dirty="0"/>
           </a:p>
@@ -4881,55 +4944,24 @@
           <a:p>
             <a:r>
               <a:rPr lang="en-US" dirty="0" smtClean="0"/>
-              <a:t>How to do binding validation with:</a:t>
-            </a:r>
-          </a:p>
-          <a:p>
-            <a:pPr lvl="1"/>
-            <a:r>
-              <a:rPr lang="en-US" dirty="0" smtClean="0"/>
-              <a:t>Validation Rules</a:t>
-            </a:r>
-          </a:p>
-          <a:p>
-            <a:pPr lvl="1">
-              <a:buFontTx/>
-              <a:buChar char="-"/>
-            </a:pPr>
-            <a:r>
-              <a:rPr lang="en-US" dirty="0" smtClean="0"/>
-              <a:t>Exceptions</a:t>
-            </a:r>
-          </a:p>
-          <a:p>
-            <a:pPr lvl="1">
-              <a:buFontTx/>
-              <a:buChar char="-"/>
-            </a:pPr>
+              <a:t>Blog : theabsentmindedcoder.com</a:t>
+            </a:r>
+          </a:p>
+          <a:p>
+            <a:r>
+              <a:rPr lang="en-US" dirty="0" smtClean="0"/>
+              <a:t>Twitter : </a:t>
+            </a:r>
             <a:r>
               <a:rPr lang="en-US" dirty="0" err="1" smtClean="0"/>
-              <a:t>IDataErrorInfo</a:t>
+              <a:t>RookieOne</a:t>
             </a:r>
             <a:endParaRPr lang="en-US" dirty="0" smtClean="0"/>
           </a:p>
           <a:p>
-            <a:pPr lvl="1">
-              <a:buFontTx/>
-              <a:buChar char="-"/>
-            </a:pPr>
-            <a:r>
-              <a:rPr lang="en-US" dirty="0" smtClean="0"/>
-              <a:t>Validation Application Block</a:t>
-            </a:r>
-          </a:p>
-          <a:p>
-            <a:pPr lvl="1">
-              <a:buFontTx/>
-              <a:buChar char="-"/>
-            </a:pPr>
-            <a:r>
-              <a:rPr lang="en-US" dirty="0" smtClean="0"/>
-              <a:t>Markup Extensions</a:t>
+            <a:r>
+              <a:rPr lang="en-US" dirty="0" smtClean="0"/>
+              <a:t>Email : rookieone@gmail.com</a:t>
             </a:r>
             <a:endParaRPr lang="en-US" dirty="0"/>
           </a:p>
@@ -4977,7 +5009,7 @@
           <a:p>
             <a:r>
               <a:rPr lang="en-US" dirty="0" smtClean="0"/>
-              <a:t>Exception Messages</a:t>
+              <a:t>Displaying Error Message</a:t>
             </a:r>
             <a:endParaRPr lang="en-US" dirty="0"/>
           </a:p>
@@ -4985,13 +5017,11 @@
       </p:sp>
       <p:pic>
         <p:nvPicPr>
-          <p:cNvPr id="17410" name="Picture 2"/>
+          <p:cNvPr id="4" name="Picture 3"/>
           <p:cNvPicPr>
-            <a:picLocks noGrp="1" noChangeAspect="1" noChangeArrowheads="1"/>
+            <a:picLocks noChangeAspect="1" noChangeArrowheads="1"/>
           </p:cNvPicPr>
-          <p:nvPr>
-            <p:ph idx="1"/>
-          </p:nvPr>
+          <p:nvPr/>
         </p:nvPicPr>
         <p:blipFill>
           <a:blip r:embed="rId2" cstate="print"/>
@@ -5002,8 +5032,8 @@
         </p:blipFill>
         <p:spPr bwMode="auto">
           <a:xfrm>
-            <a:off x="1295400" y="1447800"/>
-            <a:ext cx="5819775" cy="971550"/>
+            <a:off x="2133600" y="4495800"/>
+            <a:ext cx="5848350" cy="1009650"/>
           </a:xfrm>
           <a:prstGeom prst="rect">
             <a:avLst/>
@@ -5019,7 +5049,7 @@
       </p:pic>
       <p:pic>
         <p:nvPicPr>
-          <p:cNvPr id="17412" name="Picture 4"/>
+          <p:cNvPr id="12290" name="Picture 2"/>
           <p:cNvPicPr>
             <a:picLocks noChangeAspect="1" noChangeArrowheads="1"/>
           </p:cNvPicPr>
@@ -5034,8 +5064,8 @@
         </p:blipFill>
         <p:spPr bwMode="auto">
           <a:xfrm>
-            <a:off x="1295400" y="4876800"/>
-            <a:ext cx="5819775" cy="942975"/>
+            <a:off x="228600" y="1828800"/>
+            <a:ext cx="8524875" cy="2438400"/>
           </a:xfrm>
           <a:prstGeom prst="rect">
             <a:avLst/>
@@ -5049,48 +5079,16 @@
           </a:ln>
         </p:spPr>
       </p:pic>
-      <p:pic>
-        <p:nvPicPr>
-          <p:cNvPr id="17414" name="Picture 6"/>
-          <p:cNvPicPr>
-            <a:picLocks noChangeAspect="1" noChangeArrowheads="1"/>
-          </p:cNvPicPr>
-          <p:nvPr/>
-        </p:nvPicPr>
-        <p:blipFill>
-          <a:blip r:embed="rId4" cstate="print"/>
-          <a:srcRect/>
-          <a:stretch>
-            <a:fillRect/>
-          </a:stretch>
-        </p:blipFill>
-        <p:spPr bwMode="auto">
-          <a:xfrm>
-            <a:off x="1295400" y="3124200"/>
-            <a:ext cx="5829300" cy="923925"/>
-          </a:xfrm>
-          <a:prstGeom prst="rect">
-            <a:avLst/>
-          </a:prstGeom>
-          <a:noFill/>
-          <a:ln w="9525">
-            <a:noFill/>
-            <a:miter lim="800000"/>
-            <a:headEnd/>
-            <a:tailEnd/>
-          </a:ln>
-        </p:spPr>
-      </p:pic>
-      <p:sp>
-        <p:nvSpPr>
-          <p:cNvPr id="9" name="TextBox 8"/>
+      <p:sp>
+        <p:nvSpPr>
+          <p:cNvPr id="6" name="TextBox 5"/>
           <p:cNvSpPr txBox="1"/>
           <p:nvPr/>
         </p:nvSpPr>
         <p:spPr>
           <a:xfrm>
-            <a:off x="1371600" y="2667000"/>
-            <a:ext cx="5253361" cy="369332"/>
+            <a:off x="3657600" y="1295400"/>
+            <a:ext cx="4745338" cy="400110"/>
           </a:xfrm>
           <a:prstGeom prst="rect">
             <a:avLst/>
@@ -5104,23 +5102,103 @@
           <a:lstStyle/>
           <a:p>
             <a:r>
-              <a:rPr lang="en-US" dirty="0" smtClean="0"/>
-              <a:t>Hmm… not exactly the error message we would want…</a:t>
-            </a:r>
-            <a:endParaRPr lang="en-US" dirty="0"/>
-          </a:p>
-        </p:txBody>
-      </p:sp>
-      <p:sp>
-        <p:nvSpPr>
-          <p:cNvPr id="10" name="TextBox 9"/>
+              <a:rPr lang="en-US" sz="2000" dirty="0" smtClean="0"/>
+              <a:t>This is setting the error template we specified</a:t>
+            </a:r>
+            <a:endParaRPr lang="en-US" sz="2000" dirty="0"/>
+          </a:p>
+        </p:txBody>
+      </p:sp>
+      <p:sp>
+        <p:nvSpPr>
+          <p:cNvPr id="7" name="Down Arrow 6"/>
+          <p:cNvSpPr/>
+          <p:nvPr/>
+        </p:nvSpPr>
+        <p:spPr>
+          <a:xfrm>
+            <a:off x="6629400" y="1676400"/>
+            <a:ext cx="381000" cy="381000"/>
+          </a:xfrm>
+          <a:prstGeom prst="downArrow">
+            <a:avLst/>
+          </a:prstGeom>
+        </p:spPr>
+        <p:style>
+          <a:lnRef idx="2">
+            <a:schemeClr val="accent2">
+              <a:shade val="50000"/>
+            </a:schemeClr>
+          </a:lnRef>
+          <a:fillRef idx="1">
+            <a:schemeClr val="accent2"/>
+          </a:fillRef>
+          <a:effectRef idx="0">
+            <a:schemeClr val="accent2"/>
+          </a:effectRef>
+          <a:fontRef idx="minor">
+            <a:schemeClr val="lt1"/>
+          </a:fontRef>
+        </p:style>
+        <p:txBody>
+          <a:bodyPr rtlCol="0" anchor="ctr"/>
+          <a:lstStyle/>
+          <a:p>
+            <a:pPr algn="ctr"/>
+            <a:endParaRPr lang="en-US"/>
+          </a:p>
+        </p:txBody>
+      </p:sp>
+      <p:sp>
+        <p:nvSpPr>
+          <p:cNvPr id="8" name="Down Arrow 7"/>
+          <p:cNvSpPr/>
+          <p:nvPr/>
+        </p:nvSpPr>
+        <p:spPr>
+          <a:xfrm>
+            <a:off x="3124200" y="3429000"/>
+            <a:ext cx="533400" cy="1600200"/>
+          </a:xfrm>
+          <a:prstGeom prst="downArrow">
+            <a:avLst/>
+          </a:prstGeom>
+        </p:spPr>
+        <p:style>
+          <a:lnRef idx="2">
+            <a:schemeClr val="accent2">
+              <a:shade val="50000"/>
+            </a:schemeClr>
+          </a:lnRef>
+          <a:fillRef idx="1">
+            <a:schemeClr val="accent2"/>
+          </a:fillRef>
+          <a:effectRef idx="0">
+            <a:schemeClr val="accent2"/>
+          </a:effectRef>
+          <a:fontRef idx="minor">
+            <a:schemeClr val="lt1"/>
+          </a:fontRef>
+        </p:style>
+        <p:txBody>
+          <a:bodyPr rtlCol="0" anchor="ctr"/>
+          <a:lstStyle/>
+          <a:p>
+            <a:pPr algn="ctr"/>
+            <a:endParaRPr lang="en-US"/>
+          </a:p>
+        </p:txBody>
+      </p:sp>
+      <p:sp>
+        <p:nvSpPr>
+          <p:cNvPr id="9" name="TextBox 8"/>
           <p:cNvSpPr txBox="1"/>
           <p:nvPr/>
         </p:nvSpPr>
         <p:spPr>
           <a:xfrm>
-            <a:off x="1447800" y="4267200"/>
-            <a:ext cx="4370042" cy="369332"/>
+            <a:off x="3733800" y="3733800"/>
+            <a:ext cx="4533613" cy="369332"/>
           </a:xfrm>
           <a:prstGeom prst="rect">
             <a:avLst/>
@@ -5134,10 +5212,18 @@
           <a:lstStyle/>
           <a:p>
             <a:r>
-              <a:rPr lang="en-US" dirty="0" smtClean="0"/>
-              <a:t>Although nice to report.. The message is lame</a:t>
-            </a:r>
-            <a:endParaRPr lang="en-US" dirty="0"/>
+              <a:rPr lang="en-US" dirty="0" smtClean="0">
+                <a:solidFill>
+                  <a:schemeClr val="bg1"/>
+                </a:solidFill>
+              </a:rPr>
+              <a:t>This trigger sets the tooltip to the error message</a:t>
+            </a:r>
+            <a:endParaRPr lang="en-US" dirty="0">
+              <a:solidFill>
+                <a:schemeClr val="bg1"/>
+              </a:solidFill>
+            </a:endParaRPr>
           </a:p>
         </p:txBody>
       </p:sp>
@@ -5183,32 +5269,279 @@
           <a:p>
             <a:r>
               <a:rPr lang="en-US" dirty="0" smtClean="0"/>
-              <a:t>Using </a:t>
-            </a:r>
-            <a:r>
-              <a:rPr lang="en-US" dirty="0" err="1" smtClean="0"/>
-              <a:t>IDataErrorinfo</a:t>
+              <a:t>Tooltip Conflicts</a:t>
             </a:r>
             <a:endParaRPr lang="en-US" dirty="0"/>
           </a:p>
         </p:txBody>
       </p:sp>
-      <p:sp>
-        <p:nvSpPr>
-          <p:cNvPr id="3" name="Text Placeholder 2"/>
-          <p:cNvSpPr>
-            <a:spLocks noGrp="1"/>
-          </p:cNvSpPr>
-          <p:nvPr>
-            <p:ph type="body" idx="1"/>
-          </p:nvPr>
-        </p:nvSpPr>
-        <p:spPr/>
-        <p:txBody>
-          <a:bodyPr/>
-          <a:lstStyle/>
-          <a:p>
+      <p:pic>
+        <p:nvPicPr>
+          <p:cNvPr id="5123" name="Picture 3"/>
+          <p:cNvPicPr>
+            <a:picLocks noChangeAspect="1" noChangeArrowheads="1"/>
+          </p:cNvPicPr>
+          <p:nvPr/>
+        </p:nvPicPr>
+        <p:blipFill>
+          <a:blip r:embed="rId2" cstate="print"/>
+          <a:srcRect/>
+          <a:stretch>
+            <a:fillRect/>
+          </a:stretch>
+        </p:blipFill>
+        <p:spPr bwMode="auto">
+          <a:xfrm>
+            <a:off x="152400" y="1143000"/>
+            <a:ext cx="4838700" cy="2261566"/>
+          </a:xfrm>
+          <a:prstGeom prst="rect">
+            <a:avLst/>
+          </a:prstGeom>
+          <a:noFill/>
+          <a:ln w="9525">
+            <a:noFill/>
+            <a:miter lim="800000"/>
+            <a:headEnd/>
+            <a:tailEnd/>
+          </a:ln>
+        </p:spPr>
+      </p:pic>
+      <p:pic>
+        <p:nvPicPr>
+          <p:cNvPr id="5124" name="Picture 4"/>
+          <p:cNvPicPr>
+            <a:picLocks noChangeAspect="1" noChangeArrowheads="1"/>
+          </p:cNvPicPr>
+          <p:nvPr/>
+        </p:nvPicPr>
+        <p:blipFill>
+          <a:blip r:embed="rId3" cstate="print"/>
+          <a:srcRect/>
+          <a:stretch>
+            <a:fillRect/>
+          </a:stretch>
+        </p:blipFill>
+        <p:spPr bwMode="auto">
+          <a:xfrm>
+            <a:off x="2514600" y="4953000"/>
+            <a:ext cx="5848350" cy="952500"/>
+          </a:xfrm>
+          <a:prstGeom prst="rect">
+            <a:avLst/>
+          </a:prstGeom>
+          <a:noFill/>
+          <a:ln w="9525">
+            <a:noFill/>
+            <a:miter lim="800000"/>
+            <a:headEnd/>
+            <a:tailEnd/>
+          </a:ln>
+        </p:spPr>
+      </p:pic>
+      <p:pic>
+        <p:nvPicPr>
+          <p:cNvPr id="5126" name="Picture 6"/>
+          <p:cNvPicPr>
+            <a:picLocks noChangeAspect="1" noChangeArrowheads="1"/>
+          </p:cNvPicPr>
+          <p:nvPr/>
+        </p:nvPicPr>
+        <p:blipFill>
+          <a:blip r:embed="rId4" cstate="print"/>
+          <a:srcRect/>
+          <a:stretch>
+            <a:fillRect/>
+          </a:stretch>
+        </p:blipFill>
+        <p:spPr bwMode="auto">
+          <a:xfrm>
+            <a:off x="2514600" y="3048000"/>
+            <a:ext cx="5829300" cy="914400"/>
+          </a:xfrm>
+          <a:prstGeom prst="rect">
+            <a:avLst/>
+          </a:prstGeom>
+          <a:noFill/>
+          <a:ln w="9525">
+            <a:noFill/>
+            <a:miter lim="800000"/>
+            <a:headEnd/>
+            <a:tailEnd/>
+          </a:ln>
+        </p:spPr>
+      </p:pic>
+      <p:sp>
+        <p:nvSpPr>
+          <p:cNvPr id="9" name="Bent-Up Arrow 8"/>
+          <p:cNvSpPr/>
+          <p:nvPr/>
+        </p:nvSpPr>
+        <p:spPr>
+          <a:xfrm rot="10800000" flipH="1">
+            <a:off x="2819400" y="1524000"/>
+            <a:ext cx="2819400" cy="1524000"/>
+          </a:xfrm>
+          <a:prstGeom prst="bentUpArrow">
+            <a:avLst>
+              <a:gd name="adj1" fmla="val 15303"/>
+              <a:gd name="adj2" fmla="val 25000"/>
+              <a:gd name="adj3" fmla="val 20757"/>
+            </a:avLst>
+          </a:prstGeom>
+        </p:spPr>
+        <p:style>
+          <a:lnRef idx="2">
+            <a:schemeClr val="accent2">
+              <a:shade val="50000"/>
+            </a:schemeClr>
+          </a:lnRef>
+          <a:fillRef idx="1">
+            <a:schemeClr val="accent2"/>
+          </a:fillRef>
+          <a:effectRef idx="0">
+            <a:schemeClr val="accent2"/>
+          </a:effectRef>
+          <a:fontRef idx="minor">
+            <a:schemeClr val="lt1"/>
+          </a:fontRef>
+        </p:style>
+        <p:txBody>
+          <a:bodyPr rtlCol="0" anchor="ctr"/>
+          <a:lstStyle/>
+          <a:p>
+            <a:pPr algn="ctr"/>
             <a:endParaRPr lang="en-US"/>
+          </a:p>
+        </p:txBody>
+      </p:sp>
+      <p:sp>
+        <p:nvSpPr>
+          <p:cNvPr id="10" name="TextBox 9"/>
+          <p:cNvSpPr txBox="1"/>
+          <p:nvPr/>
+        </p:nvSpPr>
+        <p:spPr>
+          <a:xfrm>
+            <a:off x="5486401" y="1524000"/>
+            <a:ext cx="3200400" cy="830997"/>
+          </a:xfrm>
+          <a:prstGeom prst="rect">
+            <a:avLst/>
+          </a:prstGeom>
+          <a:noFill/>
+        </p:spPr>
+        <p:txBody>
+          <a:bodyPr wrap="square" rtlCol="0">
+            <a:spAutoFit/>
+          </a:bodyPr>
+          <a:lstStyle/>
+          <a:p>
+            <a:r>
+              <a:rPr lang="en-US" sz="2400" dirty="0" smtClean="0"/>
+              <a:t>Now my normal tooltip shows</a:t>
+            </a:r>
+            <a:endParaRPr lang="en-US" sz="2400" dirty="0"/>
+          </a:p>
+        </p:txBody>
+      </p:sp>
+      <p:sp>
+        <p:nvSpPr>
+          <p:cNvPr id="11" name="TextBox 10"/>
+          <p:cNvSpPr txBox="1"/>
+          <p:nvPr/>
+        </p:nvSpPr>
+        <p:spPr>
+          <a:xfrm>
+            <a:off x="304800" y="4191000"/>
+            <a:ext cx="4572000" cy="461665"/>
+          </a:xfrm>
+          <a:prstGeom prst="rect">
+            <a:avLst/>
+          </a:prstGeom>
+          <a:noFill/>
+        </p:spPr>
+        <p:txBody>
+          <a:bodyPr wrap="square" rtlCol="0">
+            <a:spAutoFit/>
+          </a:bodyPr>
+          <a:lstStyle/>
+          <a:p>
+            <a:r>
+              <a:rPr lang="en-US" sz="2400" dirty="0" smtClean="0"/>
+              <a:t>But I lost my Error Message tooltip</a:t>
+            </a:r>
+            <a:endParaRPr lang="en-US" sz="2400" dirty="0"/>
+          </a:p>
+        </p:txBody>
+      </p:sp>
+      <p:sp>
+        <p:nvSpPr>
+          <p:cNvPr id="12" name="Right Arrow 11"/>
+          <p:cNvSpPr/>
+          <p:nvPr/>
+        </p:nvSpPr>
+        <p:spPr>
+          <a:xfrm rot="5400000">
+            <a:off x="4762500" y="4152900"/>
+            <a:ext cx="914400" cy="685800"/>
+          </a:xfrm>
+          <a:prstGeom prst="rightArrow">
+            <a:avLst/>
+          </a:prstGeom>
+        </p:spPr>
+        <p:style>
+          <a:lnRef idx="2">
+            <a:schemeClr val="accent2">
+              <a:shade val="50000"/>
+            </a:schemeClr>
+          </a:lnRef>
+          <a:fillRef idx="1">
+            <a:schemeClr val="accent2"/>
+          </a:fillRef>
+          <a:effectRef idx="0">
+            <a:schemeClr val="accent2"/>
+          </a:effectRef>
+          <a:fontRef idx="minor">
+            <a:schemeClr val="lt1"/>
+          </a:fontRef>
+        </p:style>
+        <p:txBody>
+          <a:bodyPr rtlCol="0" anchor="ctr"/>
+          <a:lstStyle/>
+          <a:p>
+            <a:pPr algn="ctr"/>
+            <a:endParaRPr lang="en-US"/>
+          </a:p>
+        </p:txBody>
+      </p:sp>
+      <p:sp>
+        <p:nvSpPr>
+          <p:cNvPr id="14" name="TextBox 13"/>
+          <p:cNvSpPr txBox="1"/>
+          <p:nvPr/>
+        </p:nvSpPr>
+        <p:spPr>
+          <a:xfrm>
+            <a:off x="457200" y="6019800"/>
+            <a:ext cx="7922875" cy="400110"/>
+          </a:xfrm>
+          <a:prstGeom prst="rect">
+            <a:avLst/>
+          </a:prstGeom>
+          <a:noFill/>
+        </p:spPr>
+        <p:txBody>
+          <a:bodyPr wrap="none" rtlCol="0">
+            <a:spAutoFit/>
+          </a:bodyPr>
+          <a:lstStyle/>
+          <a:p>
+            <a:r>
+              <a:rPr lang="en-US" sz="2000" dirty="0" smtClean="0"/>
+              <a:t>This is due to how Property values are resolved … Styles, Triggers, local, etc</a:t>
+            </a:r>
+            <a:endParaRPr lang="en-US" sz="2000" dirty="0"/>
           </a:p>
         </p:txBody>
       </p:sp>
@@ -5254,114 +5587,27 @@
           <a:p>
             <a:r>
               <a:rPr lang="en-US" dirty="0" smtClean="0"/>
-              <a:t>Implement</a:t>
+              <a:t>Using Exceptions</a:t>
             </a:r>
             <a:endParaRPr lang="en-US" dirty="0"/>
           </a:p>
         </p:txBody>
       </p:sp>
-      <p:pic>
-        <p:nvPicPr>
-          <p:cNvPr id="7170" name="Picture 2"/>
-          <p:cNvPicPr>
-            <a:picLocks noChangeAspect="1" noChangeArrowheads="1"/>
-          </p:cNvPicPr>
-          <p:nvPr/>
-        </p:nvPicPr>
-        <p:blipFill>
-          <a:blip r:embed="rId2" cstate="print"/>
-          <a:srcRect/>
-          <a:stretch>
-            <a:fillRect/>
-          </a:stretch>
-        </p:blipFill>
-        <p:spPr bwMode="auto">
-          <a:xfrm>
-            <a:off x="1371600" y="1600200"/>
-            <a:ext cx="1838325" cy="419100"/>
-          </a:xfrm>
-          <a:prstGeom prst="rect">
-            <a:avLst/>
-          </a:prstGeom>
-          <a:noFill/>
-          <a:ln w="9525">
-            <a:noFill/>
-            <a:miter lim="800000"/>
-            <a:headEnd/>
-            <a:tailEnd/>
-          </a:ln>
-          <a:effectLst/>
-        </p:spPr>
-      </p:pic>
-      <p:pic>
-        <p:nvPicPr>
-          <p:cNvPr id="7171" name="Picture 3"/>
-          <p:cNvPicPr>
-            <a:picLocks noChangeAspect="1" noChangeArrowheads="1"/>
-          </p:cNvPicPr>
-          <p:nvPr/>
-        </p:nvPicPr>
-        <p:blipFill>
-          <a:blip r:embed="rId3" cstate="print"/>
-          <a:srcRect/>
-          <a:stretch>
-            <a:fillRect/>
-          </a:stretch>
-        </p:blipFill>
-        <p:spPr bwMode="auto">
-          <a:xfrm>
-            <a:off x="1219200" y="2828925"/>
-            <a:ext cx="4895850" cy="2124075"/>
-          </a:xfrm>
-          <a:prstGeom prst="rect">
-            <a:avLst/>
-          </a:prstGeom>
-          <a:noFill/>
-          <a:ln w="9525">
-            <a:noFill/>
-            <a:miter lim="800000"/>
-            <a:headEnd/>
-            <a:tailEnd/>
-          </a:ln>
-          <a:effectLst/>
-        </p:spPr>
-      </p:pic>
-      <p:sp>
-        <p:nvSpPr>
-          <p:cNvPr id="6" name="Down Arrow 5"/>
-          <p:cNvSpPr/>
-          <p:nvPr/>
-        </p:nvSpPr>
-        <p:spPr>
-          <a:xfrm>
-            <a:off x="1981200" y="2057400"/>
-            <a:ext cx="391886" cy="685800"/>
-          </a:xfrm>
-          <a:prstGeom prst="downArrow">
-            <a:avLst/>
-          </a:prstGeom>
-        </p:spPr>
-        <p:style>
-          <a:lnRef idx="2">
-            <a:schemeClr val="accent2">
-              <a:shade val="50000"/>
-            </a:schemeClr>
-          </a:lnRef>
-          <a:fillRef idx="1">
-            <a:schemeClr val="accent2"/>
-          </a:fillRef>
-          <a:effectRef idx="0">
-            <a:schemeClr val="accent2"/>
-          </a:effectRef>
-          <a:fontRef idx="minor">
-            <a:schemeClr val="lt1"/>
-          </a:fontRef>
-        </p:style>
-        <p:txBody>
-          <a:bodyPr rtlCol="0" anchor="ctr"/>
-          <a:lstStyle/>
-          <a:p>
-            <a:pPr algn="ctr"/>
+      <p:sp>
+        <p:nvSpPr>
+          <p:cNvPr id="3" name="Text Placeholder 2"/>
+          <p:cNvSpPr>
+            <a:spLocks noGrp="1"/>
+          </p:cNvSpPr>
+          <p:nvPr>
+            <p:ph type="body" idx="1"/>
+          </p:nvPr>
+        </p:nvSpPr>
+        <p:spPr/>
+        <p:txBody>
+          <a:bodyPr/>
+          <a:lstStyle/>
+          <a:p>
             <a:endParaRPr lang="en-US"/>
           </a:p>
         </p:txBody>
@@ -5391,38 +5637,9 @@
           <a:chExt cx="0" cy="0"/>
         </a:xfrm>
       </p:grpSpPr>
-      <p:sp>
-        <p:nvSpPr>
-          <p:cNvPr id="2" name="Title 1"/>
-          <p:cNvSpPr>
-            <a:spLocks noGrp="1"/>
-          </p:cNvSpPr>
-          <p:nvPr>
-            <p:ph type="title"/>
-          </p:nvPr>
-        </p:nvSpPr>
-        <p:spPr/>
-        <p:txBody>
-          <a:bodyPr>
-            <a:normAutofit/>
-          </a:bodyPr>
-          <a:lstStyle/>
-          <a:p>
-            <a:r>
-              <a:rPr lang="en-US" dirty="0" smtClean="0"/>
-              <a:t>On base </a:t>
-            </a:r>
-            <a:r>
-              <a:rPr lang="en-US" dirty="0" err="1" smtClean="0"/>
-              <a:t>ViewModel</a:t>
-            </a:r>
-            <a:endParaRPr lang="en-US" dirty="0"/>
-          </a:p>
-        </p:txBody>
-      </p:sp>
       <p:pic>
         <p:nvPicPr>
-          <p:cNvPr id="8194" name="Picture 2"/>
+          <p:cNvPr id="18434" name="Picture 2"/>
           <p:cNvPicPr>
             <a:picLocks noChangeAspect="1" noChangeArrowheads="1"/>
           </p:cNvPicPr>
@@ -5437,8 +5654,8 @@
         </p:blipFill>
         <p:spPr bwMode="auto">
           <a:xfrm>
-            <a:off x="685800" y="1295400"/>
-            <a:ext cx="5867400" cy="4752975"/>
+            <a:off x="990600" y="2362200"/>
+            <a:ext cx="6067425" cy="2667000"/>
           </a:xfrm>
           <a:prstGeom prst="rect">
             <a:avLst/>
@@ -5450,9 +5667,103 @@
             <a:headEnd/>
             <a:tailEnd/>
           </a:ln>
-          <a:effectLst/>
         </p:spPr>
       </p:pic>
+      <p:sp>
+        <p:nvSpPr>
+          <p:cNvPr id="2" name="Title 1"/>
+          <p:cNvSpPr>
+            <a:spLocks noGrp="1"/>
+          </p:cNvSpPr>
+          <p:nvPr>
+            <p:ph type="title"/>
+          </p:nvPr>
+        </p:nvSpPr>
+        <p:spPr/>
+        <p:txBody>
+          <a:bodyPr>
+            <a:normAutofit/>
+          </a:bodyPr>
+          <a:lstStyle/>
+          <a:p>
+            <a:r>
+              <a:rPr lang="en-US" dirty="0" smtClean="0"/>
+              <a:t>On source…</a:t>
+            </a:r>
+            <a:endParaRPr lang="en-US" dirty="0"/>
+          </a:p>
+        </p:txBody>
+      </p:sp>
+      <p:sp>
+        <p:nvSpPr>
+          <p:cNvPr id="8" name="TextBox 7"/>
+          <p:cNvSpPr txBox="1"/>
+          <p:nvPr/>
+        </p:nvSpPr>
+        <p:spPr>
+          <a:xfrm>
+            <a:off x="3124200" y="1600200"/>
+            <a:ext cx="1877437" cy="369332"/>
+          </a:xfrm>
+          <a:prstGeom prst="rect">
+            <a:avLst/>
+          </a:prstGeom>
+          <a:noFill/>
+        </p:spPr>
+        <p:txBody>
+          <a:bodyPr wrap="none" rtlCol="0">
+            <a:spAutoFit/>
+          </a:bodyPr>
+          <a:lstStyle/>
+          <a:p>
+            <a:r>
+              <a:rPr lang="en-US" dirty="0" smtClean="0"/>
+              <a:t>Throw exception</a:t>
+            </a:r>
+            <a:endParaRPr lang="en-US" dirty="0"/>
+          </a:p>
+        </p:txBody>
+      </p:sp>
+      <p:sp>
+        <p:nvSpPr>
+          <p:cNvPr id="10" name="Down Arrow 9"/>
+          <p:cNvSpPr/>
+          <p:nvPr/>
+        </p:nvSpPr>
+        <p:spPr>
+          <a:xfrm>
+            <a:off x="3505200" y="2057400"/>
+            <a:ext cx="533400" cy="1600200"/>
+          </a:xfrm>
+          <a:prstGeom prst="downArrow">
+            <a:avLst/>
+          </a:prstGeom>
+        </p:spPr>
+        <p:style>
+          <a:lnRef idx="2">
+            <a:schemeClr val="accent2">
+              <a:shade val="50000"/>
+            </a:schemeClr>
+          </a:lnRef>
+          <a:fillRef idx="1">
+            <a:schemeClr val="accent2"/>
+          </a:fillRef>
+          <a:effectRef idx="0">
+            <a:schemeClr val="accent2"/>
+          </a:effectRef>
+          <a:fontRef idx="minor">
+            <a:schemeClr val="lt1"/>
+          </a:fontRef>
+        </p:style>
+        <p:txBody>
+          <a:bodyPr rtlCol="0" anchor="ctr"/>
+          <a:lstStyle/>
+          <a:p>
+            <a:pPr algn="ctr"/>
+            <a:endParaRPr lang="en-US"/>
+          </a:p>
+        </p:txBody>
+      </p:sp>
     </p:spTree>
   </p:cSld>
   <p:clrMapOvr>
@@ -5490,12 +5801,48 @@
         </p:nvSpPr>
         <p:spPr/>
         <p:txBody>
-          <a:bodyPr/>
-          <a:lstStyle/>
-          <a:p>
-            <a:r>
-              <a:rPr lang="en-US" dirty="0" smtClean="0"/>
-              <a:t>On Party Invitee View Model</a:t>
+          <a:bodyPr>
+            <a:normAutofit/>
+          </a:bodyPr>
+          <a:lstStyle/>
+          <a:p>
+            <a:r>
+              <a:rPr lang="en-US" dirty="0" smtClean="0"/>
+              <a:t>On binding…</a:t>
+            </a:r>
+            <a:endParaRPr lang="en-US" dirty="0"/>
+          </a:p>
+        </p:txBody>
+      </p:sp>
+      <p:sp>
+        <p:nvSpPr>
+          <p:cNvPr id="7" name="TextBox 6"/>
+          <p:cNvSpPr txBox="1"/>
+          <p:nvPr/>
+        </p:nvSpPr>
+        <p:spPr>
+          <a:xfrm>
+            <a:off x="3124200" y="1524000"/>
+            <a:ext cx="2963183" cy="369332"/>
+          </a:xfrm>
+          <a:prstGeom prst="rect">
+            <a:avLst/>
+          </a:prstGeom>
+          <a:noFill/>
+        </p:spPr>
+        <p:txBody>
+          <a:bodyPr wrap="none" rtlCol="0">
+            <a:spAutoFit/>
+          </a:bodyPr>
+          <a:lstStyle/>
+          <a:p>
+            <a:r>
+              <a:rPr lang="en-US" dirty="0" smtClean="0"/>
+              <a:t>Set </a:t>
+            </a:r>
+            <a:r>
+              <a:rPr lang="en-US" dirty="0" err="1" smtClean="0"/>
+              <a:t>ValidatesOnExceptions</a:t>
             </a:r>
             <a:endParaRPr lang="en-US" dirty="0"/>
           </a:p>
@@ -5503,7 +5850,7 @@
       </p:sp>
       <p:pic>
         <p:nvPicPr>
-          <p:cNvPr id="14338" name="Picture 2"/>
+          <p:cNvPr id="6146" name="Picture 2"/>
           <p:cNvPicPr>
             <a:picLocks noChangeAspect="1" noChangeArrowheads="1"/>
           </p:cNvPicPr>
@@ -5518,8 +5865,8 @@
         </p:blipFill>
         <p:spPr bwMode="auto">
           <a:xfrm>
-            <a:off x="457200" y="1219200"/>
-            <a:ext cx="8248650" cy="5276850"/>
+            <a:off x="990600" y="3114675"/>
+            <a:ext cx="6067425" cy="466725"/>
           </a:xfrm>
           <a:prstGeom prst="rect">
             <a:avLst/>
@@ -5531,8 +5878,49 @@
             <a:headEnd/>
             <a:tailEnd/>
           </a:ln>
+          <a:effectLst/>
         </p:spPr>
       </p:pic>
+      <p:sp>
+        <p:nvSpPr>
+          <p:cNvPr id="6" name="Down Arrow 5"/>
+          <p:cNvSpPr/>
+          <p:nvPr/>
+        </p:nvSpPr>
+        <p:spPr>
+          <a:xfrm>
+            <a:off x="5029200" y="2057400"/>
+            <a:ext cx="533400" cy="1143000"/>
+          </a:xfrm>
+          <a:prstGeom prst="downArrow">
+            <a:avLst/>
+          </a:prstGeom>
+        </p:spPr>
+        <p:style>
+          <a:lnRef idx="2">
+            <a:schemeClr val="accent2">
+              <a:shade val="50000"/>
+            </a:schemeClr>
+          </a:lnRef>
+          <a:fillRef idx="1">
+            <a:schemeClr val="accent2"/>
+          </a:fillRef>
+          <a:effectRef idx="0">
+            <a:schemeClr val="accent2"/>
+          </a:effectRef>
+          <a:fontRef idx="minor">
+            <a:schemeClr val="lt1"/>
+          </a:fontRef>
+        </p:style>
+        <p:txBody>
+          <a:bodyPr rtlCol="0" anchor="ctr"/>
+          <a:lstStyle/>
+          <a:p>
+            <a:pPr algn="ctr"/>
+            <a:endParaRPr lang="en-US"/>
+          </a:p>
+        </p:txBody>
+      </p:sp>
     </p:spTree>
   </p:cSld>
   <p:clrMapOvr>
@@ -5575,7 +5963,7 @@
           <a:p>
             <a:r>
               <a:rPr lang="en-US" dirty="0" smtClean="0"/>
-              <a:t>On Binding</a:t>
+              <a:t>Exception Messages</a:t>
             </a:r>
             <a:endParaRPr lang="en-US" dirty="0"/>
           </a:p>
@@ -5583,11 +5971,13 @@
       </p:sp>
       <p:pic>
         <p:nvPicPr>
-          <p:cNvPr id="10242" name="Picture 2"/>
+          <p:cNvPr id="17410" name="Picture 2"/>
           <p:cNvPicPr>
-            <a:picLocks noChangeAspect="1" noChangeArrowheads="1"/>
+            <a:picLocks noGrp="1" noChangeAspect="1" noChangeArrowheads="1"/>
           </p:cNvPicPr>
-          <p:nvPr/>
+          <p:nvPr>
+            <p:ph idx="1"/>
+          </p:nvPr>
         </p:nvPicPr>
         <p:blipFill>
           <a:blip r:embed="rId2" cstate="print"/>
@@ -5598,8 +5988,8 @@
         </p:blipFill>
         <p:spPr bwMode="auto">
           <a:xfrm>
-            <a:off x="838200" y="1905000"/>
-            <a:ext cx="6977743" cy="381000"/>
+            <a:off x="1295400" y="1447800"/>
+            <a:ext cx="5819775" cy="971550"/>
           </a:xfrm>
           <a:prstGeom prst="rect">
             <a:avLst/>
@@ -5611,59 +6001,82 @@
             <a:headEnd/>
             <a:tailEnd/>
           </a:ln>
-          <a:effectLst/>
         </p:spPr>
       </p:pic>
-      <p:sp>
-        <p:nvSpPr>
-          <p:cNvPr id="5" name="Down Arrow 4"/>
-          <p:cNvSpPr/>
+      <p:pic>
+        <p:nvPicPr>
+          <p:cNvPr id="17412" name="Picture 4"/>
+          <p:cNvPicPr>
+            <a:picLocks noChangeAspect="1" noChangeArrowheads="1"/>
+          </p:cNvPicPr>
+          <p:nvPr/>
+        </p:nvPicPr>
+        <p:blipFill>
+          <a:blip r:embed="rId3" cstate="print"/>
+          <a:srcRect/>
+          <a:stretch>
+            <a:fillRect/>
+          </a:stretch>
+        </p:blipFill>
+        <p:spPr bwMode="auto">
+          <a:xfrm>
+            <a:off x="1295400" y="4876800"/>
+            <a:ext cx="5819775" cy="942975"/>
+          </a:xfrm>
+          <a:prstGeom prst="rect">
+            <a:avLst/>
+          </a:prstGeom>
+          <a:noFill/>
+          <a:ln w="9525">
+            <a:noFill/>
+            <a:miter lim="800000"/>
+            <a:headEnd/>
+            <a:tailEnd/>
+          </a:ln>
+        </p:spPr>
+      </p:pic>
+      <p:pic>
+        <p:nvPicPr>
+          <p:cNvPr id="17414" name="Picture 6"/>
+          <p:cNvPicPr>
+            <a:picLocks noChangeAspect="1" noChangeArrowheads="1"/>
+          </p:cNvPicPr>
+          <p:nvPr/>
+        </p:nvPicPr>
+        <p:blipFill>
+          <a:blip r:embed="rId4" cstate="print"/>
+          <a:srcRect/>
+          <a:stretch>
+            <a:fillRect/>
+          </a:stretch>
+        </p:blipFill>
+        <p:spPr bwMode="auto">
+          <a:xfrm>
+            <a:off x="1295400" y="3124200"/>
+            <a:ext cx="5829300" cy="923925"/>
+          </a:xfrm>
+          <a:prstGeom prst="rect">
+            <a:avLst/>
+          </a:prstGeom>
+          <a:noFill/>
+          <a:ln w="9525">
+            <a:noFill/>
+            <a:miter lim="800000"/>
+            <a:headEnd/>
+            <a:tailEnd/>
+          </a:ln>
+        </p:spPr>
+      </p:pic>
+      <p:sp>
+        <p:nvSpPr>
+          <p:cNvPr id="9" name="TextBox 8"/>
+          <p:cNvSpPr txBox="1"/>
           <p:nvPr/>
         </p:nvSpPr>
         <p:spPr>
-          <a:xfrm rot="10800000">
-            <a:off x="5029200" y="2362200"/>
-            <a:ext cx="609600" cy="1230702"/>
-          </a:xfrm>
-          <a:prstGeom prst="downArrow">
-            <a:avLst/>
-          </a:prstGeom>
-        </p:spPr>
-        <p:style>
-          <a:lnRef idx="2">
-            <a:schemeClr val="accent1">
-              <a:shade val="50000"/>
-            </a:schemeClr>
-          </a:lnRef>
-          <a:fillRef idx="1">
-            <a:schemeClr val="accent1"/>
-          </a:fillRef>
-          <a:effectRef idx="0">
-            <a:schemeClr val="accent1"/>
-          </a:effectRef>
-          <a:fontRef idx="minor">
-            <a:schemeClr val="lt1"/>
-          </a:fontRef>
-        </p:style>
-        <p:txBody>
-          <a:bodyPr rtlCol="0" anchor="ctr"/>
-          <a:lstStyle/>
-          <a:p>
-            <a:pPr algn="ctr"/>
-            <a:endParaRPr lang="en-US"/>
-          </a:p>
-        </p:txBody>
-      </p:sp>
-      <p:sp>
-        <p:nvSpPr>
-          <p:cNvPr id="6" name="TextBox 5"/>
-          <p:cNvSpPr txBox="1"/>
-          <p:nvPr/>
-        </p:nvSpPr>
-        <p:spPr>
-          <a:xfrm>
-            <a:off x="3657600" y="3657600"/>
-            <a:ext cx="2732351" cy="369332"/>
+          <a:xfrm>
+            <a:off x="1371600" y="2667000"/>
+            <a:ext cx="5253361" cy="369332"/>
           </a:xfrm>
           <a:prstGeom prst="rect">
             <a:avLst/>
@@ -5678,7 +6091,45 @@
           <a:p>
             <a:r>
               <a:rPr lang="en-US" dirty="0" smtClean="0"/>
-              <a:t>Validates On Data Errors</a:t>
+              <a:t>Hmm… not exactly the error message we would want…</a:t>
+            </a:r>
+            <a:endParaRPr lang="en-US" dirty="0"/>
+          </a:p>
+        </p:txBody>
+      </p:sp>
+      <p:sp>
+        <p:nvSpPr>
+          <p:cNvPr id="10" name="TextBox 9"/>
+          <p:cNvSpPr txBox="1"/>
+          <p:nvPr/>
+        </p:nvSpPr>
+        <p:spPr>
+          <a:xfrm>
+            <a:off x="1447800" y="4267200"/>
+            <a:ext cx="2654894" cy="369332"/>
+          </a:xfrm>
+          <a:prstGeom prst="rect">
+            <a:avLst/>
+          </a:prstGeom>
+          <a:noFill/>
+        </p:spPr>
+        <p:txBody>
+          <a:bodyPr wrap="none" rtlCol="0">
+            <a:spAutoFit/>
+          </a:bodyPr>
+          <a:lstStyle/>
+          <a:p>
+            <a:r>
+              <a:rPr lang="en-US" dirty="0" smtClean="0"/>
+              <a:t>And this message </a:t>
+            </a:r>
+            <a:r>
+              <a:rPr lang="en-US" dirty="0" smtClean="0"/>
+              <a:t>is </a:t>
+            </a:r>
+            <a:r>
+              <a:rPr lang="en-US" dirty="0" smtClean="0"/>
+              <a:t>lame…</a:t>
             </a:r>
             <a:endParaRPr lang="en-US" dirty="0"/>
           </a:p>
@@ -5726,7 +6177,11 @@
           <a:p>
             <a:r>
               <a:rPr lang="en-US" dirty="0" smtClean="0"/>
-              <a:t>Works great right?</a:t>
+              <a:t>Using </a:t>
+            </a:r>
+            <a:r>
+              <a:rPr lang="en-US" dirty="0" err="1" smtClean="0"/>
+              <a:t>IDataErrorinfo</a:t>
             </a:r>
             <a:endParaRPr lang="en-US" dirty="0"/>
           </a:p>
@@ -5734,112 +6189,23 @@
       </p:sp>
       <p:sp>
         <p:nvSpPr>
-          <p:cNvPr id="3" name="Content Placeholder 2"/>
-          <p:cNvSpPr>
-            <a:spLocks noGrp="1"/>
-          </p:cNvSpPr>
-          <p:nvPr>
-            <p:ph idx="1"/>
-          </p:nvPr>
-        </p:nvSpPr>
-        <p:spPr/>
-        <p:txBody>
-          <a:bodyPr/>
-          <a:lstStyle/>
-          <a:p>
-            <a:pPr>
-              <a:buNone/>
-            </a:pPr>
-            <a:endParaRPr lang="en-US" dirty="0" smtClean="0"/>
-          </a:p>
-          <a:p>
-            <a:endParaRPr lang="en-US" dirty="0" smtClean="0"/>
-          </a:p>
-          <a:p>
-            <a:r>
-              <a:rPr lang="en-US" dirty="0" smtClean="0"/>
-              <a:t>Not quite so perfect….</a:t>
-            </a:r>
-          </a:p>
-          <a:p>
-            <a:endParaRPr lang="en-US" dirty="0" smtClean="0"/>
-          </a:p>
-          <a:p>
-            <a:endParaRPr lang="en-US" dirty="0" smtClean="0"/>
-          </a:p>
-          <a:p>
-            <a:r>
-              <a:rPr lang="en-US" dirty="0" smtClean="0"/>
-              <a:t>Bad input… no error</a:t>
-            </a:r>
-            <a:endParaRPr lang="en-US" dirty="0"/>
-          </a:p>
-        </p:txBody>
-      </p:sp>
-      <p:pic>
-        <p:nvPicPr>
-          <p:cNvPr id="13314" name="Picture 2"/>
-          <p:cNvPicPr>
-            <a:picLocks noChangeAspect="1" noChangeArrowheads="1"/>
-          </p:cNvPicPr>
-          <p:nvPr/>
-        </p:nvPicPr>
-        <p:blipFill>
-          <a:blip r:embed="rId2" cstate="print"/>
-          <a:srcRect/>
-          <a:stretch>
-            <a:fillRect/>
-          </a:stretch>
-        </p:blipFill>
-        <p:spPr bwMode="auto">
-          <a:xfrm>
-            <a:off x="609600" y="1524000"/>
-            <a:ext cx="5857875" cy="952500"/>
-          </a:xfrm>
-          <a:prstGeom prst="rect">
-            <a:avLst/>
-          </a:prstGeom>
-          <a:noFill/>
-          <a:ln w="9525">
-            <a:noFill/>
-            <a:miter lim="800000"/>
-            <a:headEnd/>
-            <a:tailEnd/>
-          </a:ln>
-        </p:spPr>
-      </p:pic>
-      <p:pic>
-        <p:nvPicPr>
-          <p:cNvPr id="13315" name="Picture 3"/>
-          <p:cNvPicPr>
-            <a:picLocks noChangeAspect="1" noChangeArrowheads="1"/>
-          </p:cNvPicPr>
-          <p:nvPr/>
-        </p:nvPicPr>
-        <p:blipFill>
-          <a:blip r:embed="rId3" cstate="print"/>
-          <a:srcRect/>
-          <a:stretch>
-            <a:fillRect/>
-          </a:stretch>
-        </p:blipFill>
-        <p:spPr bwMode="auto">
-          <a:xfrm>
-            <a:off x="609600" y="3505200"/>
-            <a:ext cx="5848350" cy="952500"/>
-          </a:xfrm>
-          <a:prstGeom prst="rect">
-            <a:avLst/>
-          </a:prstGeom>
-          <a:noFill/>
-          <a:ln w="9525">
-            <a:noFill/>
-            <a:miter lim="800000"/>
-            <a:headEnd/>
-            <a:tailEnd/>
-          </a:ln>
-        </p:spPr>
-      </p:pic>
+          <p:cNvPr id="3" name="Text Placeholder 2"/>
+          <p:cNvSpPr>
+            <a:spLocks noGrp="1"/>
+          </p:cNvSpPr>
+          <p:nvPr>
+            <p:ph type="body" idx="1"/>
+          </p:nvPr>
+        </p:nvSpPr>
+        <p:spPr/>
+        <p:txBody>
+          <a:bodyPr/>
+          <a:lstStyle/>
+          <a:p>
+            <a:endParaRPr lang="en-US"/>
+          </a:p>
+        </p:txBody>
+      </p:sp>
     </p:spTree>
   </p:cSld>
   <p:clrMapOvr>
@@ -5882,7 +6248,7 @@
           <a:p>
             <a:r>
               <a:rPr lang="en-US" dirty="0" smtClean="0"/>
-              <a:t>Solution</a:t>
+              <a:t>Implement</a:t>
             </a:r>
             <a:endParaRPr lang="en-US" dirty="0"/>
           </a:p>
@@ -5890,7 +6256,7 @@
       </p:sp>
       <p:pic>
         <p:nvPicPr>
-          <p:cNvPr id="15362" name="Picture 2"/>
+          <p:cNvPr id="7170" name="Picture 2"/>
           <p:cNvPicPr>
             <a:picLocks noChangeAspect="1" noChangeArrowheads="1"/>
           </p:cNvPicPr>
@@ -5905,8 +6271,8 @@
         </p:blipFill>
         <p:spPr bwMode="auto">
           <a:xfrm>
-            <a:off x="609600" y="1828800"/>
-            <a:ext cx="4267200" cy="2038350"/>
+            <a:off x="1371600" y="1600200"/>
+            <a:ext cx="1838325" cy="419100"/>
           </a:xfrm>
           <a:prstGeom prst="rect">
             <a:avLst/>
@@ -5918,48 +6284,12 @@
             <a:headEnd/>
             <a:tailEnd/>
           </a:ln>
-          <a:effectLst>
-            <a:outerShdw blurRad="63500" sx="102000" sy="102000" algn="ctr" rotWithShape="0">
-              <a:prstClr val="black">
-                <a:alpha val="40000"/>
-              </a:prstClr>
-            </a:outerShdw>
-          </a:effectLst>
+          <a:effectLst/>
         </p:spPr>
       </p:pic>
-      <p:sp>
-        <p:nvSpPr>
-          <p:cNvPr id="5" name="TextBox 4"/>
-          <p:cNvSpPr txBox="1"/>
-          <p:nvPr/>
-        </p:nvSpPr>
-        <p:spPr>
-          <a:xfrm>
-            <a:off x="533400" y="1295400"/>
-            <a:ext cx="2470613" cy="461665"/>
-          </a:xfrm>
-          <a:prstGeom prst="rect">
-            <a:avLst/>
-          </a:prstGeom>
-          <a:noFill/>
-        </p:spPr>
-        <p:txBody>
-          <a:bodyPr wrap="none" rtlCol="0">
-            <a:spAutoFit/>
-          </a:bodyPr>
-          <a:lstStyle/>
-          <a:p>
-            <a:r>
-              <a:rPr lang="en-US" sz="2400" dirty="0" smtClean="0"/>
-              <a:t>Make Age a string</a:t>
-            </a:r>
-            <a:endParaRPr lang="en-US" sz="2400" dirty="0"/>
-          </a:p>
-        </p:txBody>
-      </p:sp>
       <p:pic>
         <p:nvPicPr>
-          <p:cNvPr id="15363" name="Picture 3"/>
+          <p:cNvPr id="7171" name="Picture 3"/>
           <p:cNvPicPr>
             <a:picLocks noChangeAspect="1" noChangeArrowheads="1"/>
           </p:cNvPicPr>
@@ -5974,8 +6304,8 @@
         </p:blipFill>
         <p:spPr bwMode="auto">
           <a:xfrm>
-            <a:off x="3352800" y="3657600"/>
-            <a:ext cx="4381500" cy="2476500"/>
+            <a:off x="1219200" y="2828925"/>
+            <a:ext cx="4895850" cy="2124075"/>
           </a:xfrm>
           <a:prstGeom prst="rect">
             <a:avLst/>
@@ -5987,42 +6317,46 @@
             <a:headEnd/>
             <a:tailEnd/>
           </a:ln>
-          <a:effectLst>
-            <a:outerShdw blurRad="63500" sx="102000" sy="102000" algn="ctr" rotWithShape="0">
-              <a:prstClr val="black">
-                <a:alpha val="40000"/>
-              </a:prstClr>
-            </a:outerShdw>
-          </a:effectLst>
+          <a:effectLst/>
         </p:spPr>
       </p:pic>
       <p:sp>
         <p:nvSpPr>
-          <p:cNvPr id="7" name="TextBox 6"/>
-          <p:cNvSpPr txBox="1"/>
+          <p:cNvPr id="6" name="Down Arrow 5"/>
+          <p:cNvSpPr/>
           <p:nvPr/>
         </p:nvSpPr>
         <p:spPr>
           <a:xfrm>
-            <a:off x="5105400" y="3048000"/>
-            <a:ext cx="3067635" cy="461665"/>
-          </a:xfrm>
-          <a:prstGeom prst="rect">
-            <a:avLst/>
-          </a:prstGeom>
-          <a:noFill/>
-        </p:spPr>
-        <p:txBody>
-          <a:bodyPr wrap="none" rtlCol="0">
-            <a:spAutoFit/>
-          </a:bodyPr>
-          <a:lstStyle/>
-          <a:p>
-            <a:r>
-              <a:rPr lang="en-US" sz="2400" dirty="0" smtClean="0"/>
-              <a:t>Change Error Checking</a:t>
-            </a:r>
-            <a:endParaRPr lang="en-US" sz="2400" dirty="0"/>
+            <a:off x="1981200" y="2057400"/>
+            <a:ext cx="391886" cy="685800"/>
+          </a:xfrm>
+          <a:prstGeom prst="downArrow">
+            <a:avLst/>
+          </a:prstGeom>
+        </p:spPr>
+        <p:style>
+          <a:lnRef idx="2">
+            <a:schemeClr val="accent2">
+              <a:shade val="50000"/>
+            </a:schemeClr>
+          </a:lnRef>
+          <a:fillRef idx="1">
+            <a:schemeClr val="accent2"/>
+          </a:fillRef>
+          <a:effectRef idx="0">
+            <a:schemeClr val="accent2"/>
+          </a:effectRef>
+          <a:fontRef idx="minor">
+            <a:schemeClr val="lt1"/>
+          </a:fontRef>
+        </p:style>
+        <p:txBody>
+          <a:bodyPr rtlCol="0" anchor="ctr"/>
+          <a:lstStyle/>
+          <a:p>
+            <a:pPr algn="ctr"/>
+            <a:endParaRPr lang="en-US"/>
           </a:p>
         </p:txBody>
       </p:sp>
@@ -6063,12 +6397,18 @@
         </p:nvSpPr>
         <p:spPr/>
         <p:txBody>
-          <a:bodyPr/>
-          <a:lstStyle/>
-          <a:p>
-            <a:r>
-              <a:rPr lang="en-US" dirty="0" smtClean="0"/>
-              <a:t>And now…</a:t>
+          <a:bodyPr>
+            <a:normAutofit/>
+          </a:bodyPr>
+          <a:lstStyle/>
+          <a:p>
+            <a:r>
+              <a:rPr lang="en-US" dirty="0" smtClean="0"/>
+              <a:t>On base </a:t>
+            </a:r>
+            <a:r>
+              <a:rPr lang="en-US" dirty="0" err="1" smtClean="0"/>
+              <a:t>ViewModel</a:t>
             </a:r>
             <a:endParaRPr lang="en-US" dirty="0"/>
           </a:p>
@@ -6076,7 +6416,7 @@
       </p:sp>
       <p:pic>
         <p:nvPicPr>
-          <p:cNvPr id="16386" name="Picture 2"/>
+          <p:cNvPr id="8194" name="Picture 2"/>
           <p:cNvPicPr>
             <a:picLocks noChangeAspect="1" noChangeArrowheads="1"/>
           </p:cNvPicPr>
@@ -6091,8 +6431,8 @@
         </p:blipFill>
         <p:spPr bwMode="auto">
           <a:xfrm>
-            <a:off x="1447800" y="1752600"/>
-            <a:ext cx="5829300" cy="952500"/>
+            <a:off x="685800" y="1295400"/>
+            <a:ext cx="5867400" cy="4752975"/>
           </a:xfrm>
           <a:prstGeom prst="rect">
             <a:avLst/>
@@ -6104,70 +6444,7 @@
             <a:headEnd/>
             <a:tailEnd/>
           </a:ln>
-        </p:spPr>
-      </p:pic>
-      <p:pic>
-        <p:nvPicPr>
-          <p:cNvPr id="16387" name="Picture 3"/>
-          <p:cNvPicPr>
-            <a:picLocks noChangeAspect="1" noChangeArrowheads="1"/>
-          </p:cNvPicPr>
-          <p:nvPr/>
-        </p:nvPicPr>
-        <p:blipFill>
-          <a:blip r:embed="rId3" cstate="print"/>
-          <a:srcRect/>
-          <a:stretch>
-            <a:fillRect/>
-          </a:stretch>
-        </p:blipFill>
-        <p:spPr bwMode="auto">
-          <a:xfrm>
-            <a:off x="1447800" y="3276600"/>
-            <a:ext cx="5867400" cy="952500"/>
-          </a:xfrm>
-          <a:prstGeom prst="rect">
-            <a:avLst/>
-          </a:prstGeom>
-          <a:noFill/>
-          <a:ln w="9525">
-            <a:noFill/>
-            <a:miter lim="800000"/>
-            <a:headEnd/>
-            <a:tailEnd/>
-          </a:ln>
-        </p:spPr>
-      </p:pic>
-      <p:pic>
-        <p:nvPicPr>
-          <p:cNvPr id="16388" name="Picture 4"/>
-          <p:cNvPicPr>
-            <a:picLocks noChangeAspect="1" noChangeArrowheads="1"/>
-          </p:cNvPicPr>
-          <p:nvPr/>
-        </p:nvPicPr>
-        <p:blipFill>
-          <a:blip r:embed="rId4" cstate="print"/>
-          <a:srcRect/>
-          <a:stretch>
-            <a:fillRect/>
-          </a:stretch>
-        </p:blipFill>
-        <p:spPr bwMode="auto">
-          <a:xfrm>
-            <a:off x="1447800" y="4800600"/>
-            <a:ext cx="5829300" cy="914400"/>
-          </a:xfrm>
-          <a:prstGeom prst="rect">
-            <a:avLst/>
-          </a:prstGeom>
-          <a:noFill/>
-          <a:ln w="9525">
-            <a:noFill/>
-            <a:miter lim="800000"/>
-            <a:headEnd/>
-            <a:tailEnd/>
-          </a:ln>
+          <a:effectLst/>
         </p:spPr>
       </p:pic>
     </p:spTree>
@@ -6212,31 +6489,44 @@
           <a:p>
             <a:r>
               <a:rPr lang="en-US" dirty="0" smtClean="0"/>
-              <a:t>Enterprise Library </a:t>
+              <a:t>On Party Invitee View Model</a:t>
             </a:r>
             <a:endParaRPr lang="en-US" dirty="0"/>
           </a:p>
         </p:txBody>
       </p:sp>
-      <p:sp>
-        <p:nvSpPr>
-          <p:cNvPr id="3" name="Text Placeholder 2"/>
-          <p:cNvSpPr>
-            <a:spLocks noGrp="1"/>
-          </p:cNvSpPr>
-          <p:nvPr>
-            <p:ph type="body" idx="1"/>
-          </p:nvPr>
-        </p:nvSpPr>
-        <p:spPr/>
-        <p:txBody>
-          <a:bodyPr/>
-          <a:lstStyle/>
-          <a:p>
-            <a:endParaRPr lang="en-US"/>
-          </a:p>
-        </p:txBody>
-      </p:sp>
+      <p:pic>
+        <p:nvPicPr>
+          <p:cNvPr id="14338" name="Picture 2"/>
+          <p:cNvPicPr>
+            <a:picLocks noChangeAspect="1" noChangeArrowheads="1"/>
+          </p:cNvPicPr>
+          <p:nvPr/>
+        </p:nvPicPr>
+        <p:blipFill>
+          <a:blip r:embed="rId2" cstate="print"/>
+          <a:srcRect/>
+          <a:stretch>
+            <a:fillRect/>
+          </a:stretch>
+        </p:blipFill>
+        <p:spPr bwMode="auto">
+          <a:xfrm>
+            <a:off x="457200" y="1219200"/>
+            <a:ext cx="8248650" cy="5276850"/>
+          </a:xfrm>
+          <a:prstGeom prst="rect">
+            <a:avLst/>
+          </a:prstGeom>
+          <a:noFill/>
+          <a:ln w="9525">
+            <a:noFill/>
+            <a:miter lim="800000"/>
+            <a:headEnd/>
+            <a:tailEnd/>
+          </a:ln>
+        </p:spPr>
+      </p:pic>
     </p:spTree>
   </p:cSld>
   <p:clrMapOvr>
@@ -6279,7 +6569,7 @@
           <a:p>
             <a:r>
               <a:rPr lang="en-US" dirty="0" smtClean="0"/>
-              <a:t>Sample</a:t>
+              <a:t>Virtual Brown Bags</a:t>
             </a:r>
             <a:endParaRPr lang="en-US" dirty="0"/>
           </a:p>
@@ -6300,49 +6590,7 @@
           <a:bodyPr/>
           <a:lstStyle/>
           <a:p>
-            <a:r>
-              <a:rPr lang="en-US" dirty="0" smtClean="0"/>
-              <a:t>App to create a list of party invitees</a:t>
-            </a:r>
-          </a:p>
-          <a:p>
-            <a:r>
-              <a:rPr lang="en-US" dirty="0" smtClean="0"/>
-              <a:t>Rules </a:t>
-            </a:r>
-            <a:r>
-              <a:rPr lang="en-US" dirty="0" smtClean="0"/>
-              <a:t>for being an </a:t>
-            </a:r>
-            <a:r>
-              <a:rPr lang="en-US" dirty="0" smtClean="0"/>
-              <a:t>Invitee</a:t>
-            </a:r>
-          </a:p>
-          <a:p>
-            <a:pPr lvl="1"/>
-            <a:r>
-              <a:rPr lang="en-US" dirty="0" smtClean="0"/>
-              <a:t>Name </a:t>
-            </a:r>
-            <a:r>
-              <a:rPr lang="en-US" dirty="0" smtClean="0"/>
-              <a:t>is required</a:t>
-            </a:r>
-          </a:p>
-          <a:p>
-            <a:pPr lvl="1"/>
-            <a:r>
-              <a:rPr lang="en-US" dirty="0" smtClean="0"/>
-              <a:t>Age has to be greater than 18</a:t>
-            </a:r>
-          </a:p>
-          <a:p>
-            <a:pPr lvl="1"/>
-            <a:r>
-              <a:rPr lang="en-US" dirty="0" smtClean="0"/>
-              <a:t>Must have a valid email address</a:t>
-            </a:r>
+            <a:endParaRPr lang="en-US"/>
           </a:p>
         </p:txBody>
       </p:sp>
@@ -6388,44 +6636,110 @@
           <a:p>
             <a:r>
               <a:rPr lang="en-US" dirty="0" smtClean="0"/>
-              <a:t>Enterprise Library is</a:t>
+              <a:t>On Binding</a:t>
             </a:r>
             <a:endParaRPr lang="en-US" dirty="0"/>
           </a:p>
         </p:txBody>
       </p:sp>
-      <p:sp>
-        <p:nvSpPr>
-          <p:cNvPr id="3" name="Content Placeholder 2"/>
-          <p:cNvSpPr>
-            <a:spLocks noGrp="1"/>
-          </p:cNvSpPr>
-          <p:nvPr>
-            <p:ph idx="1"/>
-          </p:nvPr>
-        </p:nvSpPr>
-        <p:spPr/>
-        <p:txBody>
-          <a:bodyPr/>
-          <a:lstStyle/>
-          <a:p>
-            <a:r>
-              <a:rPr lang="en-US" dirty="0" smtClean="0"/>
-              <a:t>The Microsoft Enterprise Library is a collection of application blocks designed to assist developers with common enterprise development challenges</a:t>
-            </a:r>
-          </a:p>
-          <a:p>
-            <a:r>
-              <a:rPr lang="en-US" dirty="0" smtClean="0"/>
-              <a:t>One of which is the </a:t>
-            </a:r>
-            <a:r>
-              <a:rPr lang="en-US" dirty="0" smtClean="0"/>
-              <a:t>Validation </a:t>
-            </a:r>
-            <a:r>
-              <a:rPr lang="en-US" dirty="0" smtClean="0"/>
-              <a:t>Block</a:t>
+      <p:pic>
+        <p:nvPicPr>
+          <p:cNvPr id="10242" name="Picture 2"/>
+          <p:cNvPicPr>
+            <a:picLocks noChangeAspect="1" noChangeArrowheads="1"/>
+          </p:cNvPicPr>
+          <p:nvPr/>
+        </p:nvPicPr>
+        <p:blipFill>
+          <a:blip r:embed="rId2" cstate="print"/>
+          <a:srcRect/>
+          <a:stretch>
+            <a:fillRect/>
+          </a:stretch>
+        </p:blipFill>
+        <p:spPr bwMode="auto">
+          <a:xfrm>
+            <a:off x="838200" y="1905000"/>
+            <a:ext cx="6977743" cy="381000"/>
+          </a:xfrm>
+          <a:prstGeom prst="rect">
+            <a:avLst/>
+          </a:prstGeom>
+          <a:noFill/>
+          <a:ln w="9525">
+            <a:noFill/>
+            <a:miter lim="800000"/>
+            <a:headEnd/>
+            <a:tailEnd/>
+          </a:ln>
+          <a:effectLst/>
+        </p:spPr>
+      </p:pic>
+      <p:sp>
+        <p:nvSpPr>
+          <p:cNvPr id="5" name="Down Arrow 4"/>
+          <p:cNvSpPr/>
+          <p:nvPr/>
+        </p:nvSpPr>
+        <p:spPr>
+          <a:xfrm rot="10800000">
+            <a:off x="5029200" y="2362200"/>
+            <a:ext cx="609600" cy="1230702"/>
+          </a:xfrm>
+          <a:prstGeom prst="downArrow">
+            <a:avLst/>
+          </a:prstGeom>
+        </p:spPr>
+        <p:style>
+          <a:lnRef idx="2">
+            <a:schemeClr val="accent2">
+              <a:shade val="50000"/>
+            </a:schemeClr>
+          </a:lnRef>
+          <a:fillRef idx="1">
+            <a:schemeClr val="accent2"/>
+          </a:fillRef>
+          <a:effectRef idx="0">
+            <a:schemeClr val="accent2"/>
+          </a:effectRef>
+          <a:fontRef idx="minor">
+            <a:schemeClr val="lt1"/>
+          </a:fontRef>
+        </p:style>
+        <p:txBody>
+          <a:bodyPr rtlCol="0" anchor="ctr"/>
+          <a:lstStyle/>
+          <a:p>
+            <a:pPr algn="ctr"/>
+            <a:endParaRPr lang="en-US"/>
+          </a:p>
+        </p:txBody>
+      </p:sp>
+      <p:sp>
+        <p:nvSpPr>
+          <p:cNvPr id="6" name="TextBox 5"/>
+          <p:cNvSpPr txBox="1"/>
+          <p:nvPr/>
+        </p:nvSpPr>
+        <p:spPr>
+          <a:xfrm>
+            <a:off x="3657600" y="3657600"/>
+            <a:ext cx="2732351" cy="369332"/>
+          </a:xfrm>
+          <a:prstGeom prst="rect">
+            <a:avLst/>
+          </a:prstGeom>
+          <a:noFill/>
+        </p:spPr>
+        <p:txBody>
+          <a:bodyPr wrap="none" rtlCol="0">
+            <a:spAutoFit/>
+          </a:bodyPr>
+          <a:lstStyle/>
+          <a:p>
+            <a:r>
+              <a:rPr lang="en-US" dirty="0" smtClean="0"/>
+              <a:t>Validates On Data Errors</a:t>
             </a:r>
             <a:endParaRPr lang="en-US" dirty="0"/>
           </a:p>
@@ -6473,15 +6787,7 @@
           <a:p>
             <a:r>
               <a:rPr lang="en-US" dirty="0" smtClean="0"/>
-              <a:t>You can get </a:t>
-            </a:r>
-            <a:r>
-              <a:rPr lang="en-US" dirty="0" err="1" smtClean="0"/>
-              <a:t>EntLib</a:t>
-            </a:r>
-            <a:r>
-              <a:rPr lang="en-US" dirty="0" smtClean="0"/>
-              <a:t> 4.1 here</a:t>
+              <a:t>Works great right?</a:t>
             </a:r>
             <a:endParaRPr lang="en-US" dirty="0"/>
           </a:p>
@@ -6502,9 +6808,30 @@
           <a:bodyPr/>
           <a:lstStyle/>
           <a:p>
-            <a:r>
-              <a:rPr lang="en-US" dirty="0" smtClean="0"/>
-              <a:t>http://msdn.microsoft.com/en-us/library/dd203099.aspx</a:t>
+            <a:pPr>
+              <a:buNone/>
+            </a:pPr>
+            <a:endParaRPr lang="en-US" dirty="0" smtClean="0"/>
+          </a:p>
+          <a:p>
+            <a:endParaRPr lang="en-US" dirty="0" smtClean="0"/>
+          </a:p>
+          <a:p>
+            <a:r>
+              <a:rPr lang="en-US" dirty="0" smtClean="0"/>
+              <a:t>Not quite so perfect….</a:t>
+            </a:r>
+          </a:p>
+          <a:p>
+            <a:endParaRPr lang="en-US" dirty="0" smtClean="0"/>
+          </a:p>
+          <a:p>
+            <a:endParaRPr lang="en-US" dirty="0" smtClean="0"/>
+          </a:p>
+          <a:p>
+            <a:r>
+              <a:rPr lang="en-US" dirty="0" smtClean="0"/>
+              <a:t>Bad input… no error</a:t>
             </a:r>
             <a:endParaRPr lang="en-US" dirty="0"/>
           </a:p>
@@ -6512,7 +6839,7 @@
       </p:sp>
       <p:pic>
         <p:nvPicPr>
-          <p:cNvPr id="11268" name="Picture 4"/>
+          <p:cNvPr id="13314" name="Picture 2"/>
           <p:cNvPicPr>
             <a:picLocks noChangeAspect="1" noChangeArrowheads="1"/>
           </p:cNvPicPr>
@@ -6527,8 +6854,8 @@
         </p:blipFill>
         <p:spPr bwMode="auto">
           <a:xfrm>
-            <a:off x="304800" y="2819400"/>
-            <a:ext cx="8477250" cy="2628900"/>
+            <a:off x="609600" y="1524000"/>
+            <a:ext cx="5857875" cy="952500"/>
           </a:xfrm>
           <a:prstGeom prst="rect">
             <a:avLst/>
@@ -6540,55 +6867,40 @@
             <a:headEnd/>
             <a:tailEnd/>
           </a:ln>
-          <a:effectLst/>
         </p:spPr>
       </p:pic>
-      <p:sp>
-        <p:nvSpPr>
-          <p:cNvPr id="8" name="Rectangle 7"/>
-          <p:cNvSpPr/>
-          <p:nvPr/>
-        </p:nvSpPr>
-        <p:spPr>
-          <a:xfrm>
-            <a:off x="2286000" y="4953000"/>
-            <a:ext cx="5181600" cy="533400"/>
+      <p:pic>
+        <p:nvPicPr>
+          <p:cNvPr id="13315" name="Picture 3"/>
+          <p:cNvPicPr>
+            <a:picLocks noChangeAspect="1" noChangeArrowheads="1"/>
+          </p:cNvPicPr>
+          <p:nvPr/>
+        </p:nvPicPr>
+        <p:blipFill>
+          <a:blip r:embed="rId3" cstate="print"/>
+          <a:srcRect/>
+          <a:stretch>
+            <a:fillRect/>
+          </a:stretch>
+        </p:blipFill>
+        <p:spPr bwMode="auto">
+          <a:xfrm>
+            <a:off x="609600" y="3505200"/>
+            <a:ext cx="5848350" cy="952500"/>
           </a:xfrm>
           <a:prstGeom prst="rect">
             <a:avLst/>
           </a:prstGeom>
           <a:noFill/>
-          <a:ln w="28575">
-            <a:solidFill>
-              <a:srgbClr val="FF0000"/>
-            </a:solidFill>
+          <a:ln w="9525">
+            <a:noFill/>
+            <a:miter lim="800000"/>
+            <a:headEnd/>
+            <a:tailEnd/>
           </a:ln>
         </p:spPr>
-        <p:style>
-          <a:lnRef idx="2">
-            <a:schemeClr val="accent1">
-              <a:shade val="50000"/>
-            </a:schemeClr>
-          </a:lnRef>
-          <a:fillRef idx="1">
-            <a:schemeClr val="accent1"/>
-          </a:fillRef>
-          <a:effectRef idx="0">
-            <a:schemeClr val="accent1"/>
-          </a:effectRef>
-          <a:fontRef idx="minor">
-            <a:schemeClr val="lt1"/>
-          </a:fontRef>
-        </p:style>
-        <p:txBody>
-          <a:bodyPr rtlCol="0" anchor="ctr"/>
-          <a:lstStyle/>
-          <a:p>
-            <a:pPr algn="ctr"/>
-            <a:endParaRPr lang="en-US"/>
-          </a:p>
-        </p:txBody>
-      </p:sp>
+      </p:pic>
     </p:spTree>
   </p:cSld>
   <p:clrMapOvr>
@@ -6631,7 +6943,7 @@
           <a:p>
             <a:r>
               <a:rPr lang="en-US" dirty="0" smtClean="0"/>
-              <a:t>Add Reference</a:t>
+              <a:t>Solution</a:t>
             </a:r>
             <a:endParaRPr lang="en-US" dirty="0"/>
           </a:p>
@@ -6639,7 +6951,7 @@
       </p:sp>
       <p:pic>
         <p:nvPicPr>
-          <p:cNvPr id="1026" name="Picture 2"/>
+          <p:cNvPr id="15362" name="Picture 2"/>
           <p:cNvPicPr>
             <a:picLocks noChangeAspect="1" noChangeArrowheads="1"/>
           </p:cNvPicPr>
@@ -6654,8 +6966,8 @@
         </p:blipFill>
         <p:spPr bwMode="auto">
           <a:xfrm>
-            <a:off x="2209800" y="1423988"/>
-            <a:ext cx="4724400" cy="4010025"/>
+            <a:off x="609600" y="1828800"/>
+            <a:ext cx="4267200" cy="2038350"/>
           </a:xfrm>
           <a:prstGeom prst="rect">
             <a:avLst/>
@@ -6667,8 +6979,114 @@
             <a:headEnd/>
             <a:tailEnd/>
           </a:ln>
+          <a:effectLst>
+            <a:outerShdw blurRad="63500" sx="102000" sy="102000" algn="ctr" rotWithShape="0">
+              <a:prstClr val="black">
+                <a:alpha val="40000"/>
+              </a:prstClr>
+            </a:outerShdw>
+          </a:effectLst>
         </p:spPr>
       </p:pic>
+      <p:sp>
+        <p:nvSpPr>
+          <p:cNvPr id="5" name="TextBox 4"/>
+          <p:cNvSpPr txBox="1"/>
+          <p:nvPr/>
+        </p:nvSpPr>
+        <p:spPr>
+          <a:xfrm>
+            <a:off x="533400" y="1295400"/>
+            <a:ext cx="2470613" cy="461665"/>
+          </a:xfrm>
+          <a:prstGeom prst="rect">
+            <a:avLst/>
+          </a:prstGeom>
+          <a:noFill/>
+        </p:spPr>
+        <p:txBody>
+          <a:bodyPr wrap="none" rtlCol="0">
+            <a:spAutoFit/>
+          </a:bodyPr>
+          <a:lstStyle/>
+          <a:p>
+            <a:r>
+              <a:rPr lang="en-US" sz="2400" dirty="0" smtClean="0"/>
+              <a:t>Make Age a string</a:t>
+            </a:r>
+            <a:endParaRPr lang="en-US" sz="2400" dirty="0"/>
+          </a:p>
+        </p:txBody>
+      </p:sp>
+      <p:pic>
+        <p:nvPicPr>
+          <p:cNvPr id="15363" name="Picture 3"/>
+          <p:cNvPicPr>
+            <a:picLocks noChangeAspect="1" noChangeArrowheads="1"/>
+          </p:cNvPicPr>
+          <p:nvPr/>
+        </p:nvPicPr>
+        <p:blipFill>
+          <a:blip r:embed="rId3" cstate="print"/>
+          <a:srcRect/>
+          <a:stretch>
+            <a:fillRect/>
+          </a:stretch>
+        </p:blipFill>
+        <p:spPr bwMode="auto">
+          <a:xfrm>
+            <a:off x="3352800" y="3657600"/>
+            <a:ext cx="4381500" cy="2476500"/>
+          </a:xfrm>
+          <a:prstGeom prst="rect">
+            <a:avLst/>
+          </a:prstGeom>
+          <a:noFill/>
+          <a:ln w="9525">
+            <a:noFill/>
+            <a:miter lim="800000"/>
+            <a:headEnd/>
+            <a:tailEnd/>
+          </a:ln>
+          <a:effectLst>
+            <a:outerShdw blurRad="63500" sx="102000" sy="102000" algn="ctr" rotWithShape="0">
+              <a:prstClr val="black">
+                <a:alpha val="40000"/>
+              </a:prstClr>
+            </a:outerShdw>
+          </a:effectLst>
+        </p:spPr>
+      </p:pic>
+      <p:sp>
+        <p:nvSpPr>
+          <p:cNvPr id="7" name="TextBox 6"/>
+          <p:cNvSpPr txBox="1"/>
+          <p:nvPr/>
+        </p:nvSpPr>
+        <p:spPr>
+          <a:xfrm>
+            <a:off x="5105400" y="3048000"/>
+            <a:ext cx="3067635" cy="461665"/>
+          </a:xfrm>
+          <a:prstGeom prst="rect">
+            <a:avLst/>
+          </a:prstGeom>
+          <a:noFill/>
+        </p:spPr>
+        <p:txBody>
+          <a:bodyPr wrap="none" rtlCol="0">
+            <a:spAutoFit/>
+          </a:bodyPr>
+          <a:lstStyle/>
+          <a:p>
+            <a:r>
+              <a:rPr lang="en-US" sz="2400" dirty="0" smtClean="0"/>
+              <a:t>Change Error Checking</a:t>
+            </a:r>
+            <a:endParaRPr lang="en-US" sz="2400" dirty="0"/>
+          </a:p>
+        </p:txBody>
+      </p:sp>
     </p:spTree>
   </p:cSld>
   <p:clrMapOvr>
@@ -6711,7 +7129,7 @@
           <a:p>
             <a:r>
               <a:rPr lang="en-US" dirty="0" smtClean="0"/>
-              <a:t>Use Validation Attributes</a:t>
+              <a:t>And now…</a:t>
             </a:r>
             <a:endParaRPr lang="en-US" dirty="0"/>
           </a:p>
@@ -6719,7 +7137,7 @@
       </p:sp>
       <p:pic>
         <p:nvPicPr>
-          <p:cNvPr id="2050" name="Picture 2"/>
+          <p:cNvPr id="16386" name="Picture 2"/>
           <p:cNvPicPr>
             <a:picLocks noChangeAspect="1" noChangeArrowheads="1"/>
           </p:cNvPicPr>
@@ -6734,8 +7152,8 @@
         </p:blipFill>
         <p:spPr bwMode="auto">
           <a:xfrm>
-            <a:off x="304800" y="1295400"/>
-            <a:ext cx="4362450" cy="2238375"/>
+            <a:off x="1447800" y="1752600"/>
+            <a:ext cx="5829300" cy="952500"/>
           </a:xfrm>
           <a:prstGeom prst="rect">
             <a:avLst/>
@@ -6747,18 +7165,11 @@
             <a:headEnd/>
             <a:tailEnd/>
           </a:ln>
-          <a:effectLst>
-            <a:outerShdw blurRad="63500" sx="102000" sy="102000" algn="ctr" rotWithShape="0">
-              <a:prstClr val="black">
-                <a:alpha val="40000"/>
-              </a:prstClr>
-            </a:outerShdw>
-          </a:effectLst>
         </p:spPr>
       </p:pic>
       <p:pic>
         <p:nvPicPr>
-          <p:cNvPr id="2051" name="Picture 3"/>
+          <p:cNvPr id="16387" name="Picture 3"/>
           <p:cNvPicPr>
             <a:picLocks noChangeAspect="1" noChangeArrowheads="1"/>
           </p:cNvPicPr>
@@ -6773,8 +7184,8 @@
         </p:blipFill>
         <p:spPr bwMode="auto">
           <a:xfrm>
-            <a:off x="4114800" y="2057400"/>
-            <a:ext cx="4438650" cy="2247900"/>
+            <a:off x="1447800" y="3276600"/>
+            <a:ext cx="5867400" cy="952500"/>
           </a:xfrm>
           <a:prstGeom prst="rect">
             <a:avLst/>
@@ -6786,18 +7197,11 @@
             <a:headEnd/>
             <a:tailEnd/>
           </a:ln>
-          <a:effectLst>
-            <a:outerShdw blurRad="63500" sx="102000" sy="102000" algn="ctr" rotWithShape="0">
-              <a:prstClr val="black">
-                <a:alpha val="40000"/>
-              </a:prstClr>
-            </a:outerShdw>
-          </a:effectLst>
         </p:spPr>
       </p:pic>
       <p:pic>
         <p:nvPicPr>
-          <p:cNvPr id="2052" name="Picture 4"/>
+          <p:cNvPr id="16388" name="Picture 4"/>
           <p:cNvPicPr>
             <a:picLocks noChangeAspect="1" noChangeArrowheads="1"/>
           </p:cNvPicPr>
@@ -6812,8 +7216,8 @@
         </p:blipFill>
         <p:spPr bwMode="auto">
           <a:xfrm>
-            <a:off x="304800" y="3962400"/>
-            <a:ext cx="7696200" cy="1903711"/>
+            <a:off x="1447800" y="4800600"/>
+            <a:ext cx="5829300" cy="914400"/>
           </a:xfrm>
           <a:prstGeom prst="rect">
             <a:avLst/>
@@ -6825,13 +7229,6 @@
             <a:headEnd/>
             <a:tailEnd/>
           </a:ln>
-          <a:effectLst>
-            <a:outerShdw blurRad="63500" sx="102000" sy="102000" algn="ctr" rotWithShape="0">
-              <a:prstClr val="black">
-                <a:alpha val="40000"/>
-              </a:prstClr>
-            </a:outerShdw>
-          </a:effectLst>
         </p:spPr>
       </p:pic>
     </p:spTree>
@@ -6876,112 +7273,28 @@
           <a:p>
             <a:r>
               <a:rPr lang="en-US" dirty="0" smtClean="0"/>
-              <a:t>On Binding</a:t>
+              <a:t>Enterprise Library </a:t>
             </a:r>
             <a:endParaRPr lang="en-US" dirty="0"/>
           </a:p>
         </p:txBody>
       </p:sp>
-      <p:pic>
-        <p:nvPicPr>
-          <p:cNvPr id="10242" name="Picture 2"/>
-          <p:cNvPicPr>
-            <a:picLocks noChangeAspect="1" noChangeArrowheads="1"/>
-          </p:cNvPicPr>
-          <p:nvPr/>
-        </p:nvPicPr>
-        <p:blipFill>
-          <a:blip r:embed="rId2" cstate="print"/>
-          <a:srcRect/>
-          <a:stretch>
-            <a:fillRect/>
-          </a:stretch>
-        </p:blipFill>
-        <p:spPr bwMode="auto">
-          <a:xfrm>
-            <a:off x="838200" y="1905000"/>
-            <a:ext cx="6977743" cy="381000"/>
-          </a:xfrm>
-          <a:prstGeom prst="rect">
-            <a:avLst/>
-          </a:prstGeom>
-          <a:noFill/>
-          <a:ln w="9525">
-            <a:noFill/>
-            <a:miter lim="800000"/>
-            <a:headEnd/>
-            <a:tailEnd/>
-          </a:ln>
-          <a:effectLst/>
-        </p:spPr>
-      </p:pic>
-      <p:sp>
-        <p:nvSpPr>
-          <p:cNvPr id="5" name="Down Arrow 4"/>
-          <p:cNvSpPr/>
-          <p:nvPr/>
-        </p:nvSpPr>
-        <p:spPr>
-          <a:xfrm rot="10800000">
-            <a:off x="5029200" y="2362200"/>
-            <a:ext cx="609600" cy="1230702"/>
-          </a:xfrm>
-          <a:prstGeom prst="downArrow">
-            <a:avLst/>
-          </a:prstGeom>
-        </p:spPr>
-        <p:style>
-          <a:lnRef idx="2">
-            <a:schemeClr val="accent1">
-              <a:shade val="50000"/>
-            </a:schemeClr>
-          </a:lnRef>
-          <a:fillRef idx="1">
-            <a:schemeClr val="accent1"/>
-          </a:fillRef>
-          <a:effectRef idx="0">
-            <a:schemeClr val="accent1"/>
-          </a:effectRef>
-          <a:fontRef idx="minor">
-            <a:schemeClr val="lt1"/>
-          </a:fontRef>
-        </p:style>
-        <p:txBody>
-          <a:bodyPr rtlCol="0" anchor="ctr"/>
-          <a:lstStyle/>
-          <a:p>
-            <a:pPr algn="ctr"/>
+      <p:sp>
+        <p:nvSpPr>
+          <p:cNvPr id="3" name="Text Placeholder 2"/>
+          <p:cNvSpPr>
+            <a:spLocks noGrp="1"/>
+          </p:cNvSpPr>
+          <p:nvPr>
+            <p:ph type="body" idx="1"/>
+          </p:nvPr>
+        </p:nvSpPr>
+        <p:spPr/>
+        <p:txBody>
+          <a:bodyPr/>
+          <a:lstStyle/>
+          <a:p>
             <a:endParaRPr lang="en-US"/>
-          </a:p>
-        </p:txBody>
-      </p:sp>
-      <p:sp>
-        <p:nvSpPr>
-          <p:cNvPr id="6" name="TextBox 5"/>
-          <p:cNvSpPr txBox="1"/>
-          <p:nvPr/>
-        </p:nvSpPr>
-        <p:spPr>
-          <a:xfrm>
-            <a:off x="3657600" y="3657600"/>
-            <a:ext cx="2732351" cy="369332"/>
-          </a:xfrm>
-          <a:prstGeom prst="rect">
-            <a:avLst/>
-          </a:prstGeom>
-          <a:noFill/>
-        </p:spPr>
-        <p:txBody>
-          <a:bodyPr wrap="none" rtlCol="0">
-            <a:spAutoFit/>
-          </a:bodyPr>
-          <a:lstStyle/>
-          <a:p>
-            <a:r>
-              <a:rPr lang="en-US" dirty="0" smtClean="0"/>
-              <a:t>Validates On Data Errors</a:t>
-            </a:r>
-            <a:endParaRPr lang="en-US" dirty="0"/>
           </a:p>
         </p:txBody>
       </p:sp>
@@ -7027,7 +7340,7 @@
           <a:p>
             <a:r>
               <a:rPr lang="en-US" dirty="0" smtClean="0"/>
-              <a:t>Custom markup extension</a:t>
+              <a:t>Enterprise Library is</a:t>
             </a:r>
             <a:endParaRPr lang="en-US" dirty="0"/>
           </a:p>
@@ -7035,20 +7348,30 @@
       </p:sp>
       <p:sp>
         <p:nvSpPr>
-          <p:cNvPr id="3" name="Text Placeholder 2"/>
-          <p:cNvSpPr>
-            <a:spLocks noGrp="1"/>
-          </p:cNvSpPr>
-          <p:nvPr>
-            <p:ph type="body" idx="1"/>
-          </p:nvPr>
-        </p:nvSpPr>
-        <p:spPr/>
-        <p:txBody>
-          <a:bodyPr/>
-          <a:lstStyle/>
-          <a:p>
-            <a:endParaRPr lang="en-US"/>
+          <p:cNvPr id="3" name="Content Placeholder 2"/>
+          <p:cNvSpPr>
+            <a:spLocks noGrp="1"/>
+          </p:cNvSpPr>
+          <p:nvPr>
+            <p:ph idx="1"/>
+          </p:nvPr>
+        </p:nvSpPr>
+        <p:spPr/>
+        <p:txBody>
+          <a:bodyPr/>
+          <a:lstStyle/>
+          <a:p>
+            <a:r>
+              <a:rPr lang="en-US" dirty="0" smtClean="0"/>
+              <a:t>The Microsoft Enterprise Library is a collection of application blocks designed to assist developers with common enterprise development challenges</a:t>
+            </a:r>
+          </a:p>
+          <a:p>
+            <a:r>
+              <a:rPr lang="en-US" dirty="0" smtClean="0"/>
+              <a:t>One of which is the Validation Block</a:t>
+            </a:r>
+            <a:endParaRPr lang="en-US" dirty="0"/>
           </a:p>
         </p:txBody>
       </p:sp>
@@ -7094,7 +7417,15 @@
           <a:p>
             <a:r>
               <a:rPr lang="en-US" dirty="0" smtClean="0"/>
-              <a:t>Markup Extensions</a:t>
+              <a:t>You can get </a:t>
+            </a:r>
+            <a:r>
+              <a:rPr lang="en-US" dirty="0" err="1" smtClean="0"/>
+              <a:t>EntLib</a:t>
+            </a:r>
+            <a:r>
+              <a:rPr lang="en-US" dirty="0" smtClean="0"/>
+              <a:t> 4.1 here</a:t>
             </a:r>
             <a:endParaRPr lang="en-US" dirty="0"/>
           </a:p>
@@ -7112,56 +7443,12 @@
         </p:nvSpPr>
         <p:spPr/>
         <p:txBody>
-          <a:bodyPr>
-            <a:normAutofit lnSpcReduction="10000"/>
-          </a:bodyPr>
-          <a:lstStyle/>
-          <a:p>
-            <a:r>
-              <a:rPr lang="en-US" dirty="0" smtClean="0"/>
-              <a:t>The most common markup extensions used in WPF programming are those that support resource references (</a:t>
-            </a:r>
-            <a:r>
-              <a:rPr lang="en-US" dirty="0" err="1" smtClean="0"/>
-              <a:t>StaticResource</a:t>
-            </a:r>
-            <a:r>
-              <a:rPr lang="en-US" dirty="0" smtClean="0"/>
-              <a:t> and </a:t>
-            </a:r>
-            <a:r>
-              <a:rPr lang="en-US" dirty="0" err="1" smtClean="0"/>
-              <a:t>DynamicResource</a:t>
-            </a:r>
-            <a:r>
-              <a:rPr lang="en-US" dirty="0" smtClean="0"/>
-              <a:t>), and those that support data binding (Binding)</a:t>
-            </a:r>
-          </a:p>
-          <a:p>
-            <a:pPr>
-              <a:buNone/>
-            </a:pPr>
-            <a:endParaRPr lang="en-US" dirty="0" smtClean="0"/>
-          </a:p>
-          <a:p>
-            <a:r>
-              <a:rPr lang="en-US" dirty="0" smtClean="0"/>
-              <a:t>Static Resource</a:t>
-            </a:r>
-            <a:endParaRPr lang="en-US" dirty="0" smtClean="0"/>
-          </a:p>
-          <a:p>
-            <a:r>
-              <a:rPr lang="en-US" dirty="0" smtClean="0"/>
-              <a:t>Dynamic Resource</a:t>
-            </a:r>
-            <a:endParaRPr lang="en-US" dirty="0" smtClean="0"/>
-          </a:p>
-          <a:p>
-            <a:r>
-              <a:rPr lang="en-US" dirty="0" smtClean="0"/>
-              <a:t>Binding</a:t>
+          <a:bodyPr/>
+          <a:lstStyle/>
+          <a:p>
+            <a:r>
+              <a:rPr lang="en-US" dirty="0" smtClean="0"/>
+              <a:t>http://msdn.microsoft.com/en-us/library/dd203099.aspx</a:t>
             </a:r>
             <a:endParaRPr lang="en-US" dirty="0"/>
           </a:p>
@@ -7169,7 +7456,7 @@
       </p:sp>
       <p:pic>
         <p:nvPicPr>
-          <p:cNvPr id="1028" name="Picture 4"/>
+          <p:cNvPr id="11268" name="Picture 4"/>
           <p:cNvPicPr>
             <a:picLocks noChangeAspect="1" noChangeArrowheads="1"/>
           </p:cNvPicPr>
@@ -7184,8 +7471,8 @@
         </p:blipFill>
         <p:spPr bwMode="auto">
           <a:xfrm>
-            <a:off x="1143000" y="6019800"/>
-            <a:ext cx="7543800" cy="276225"/>
+            <a:off x="304800" y="2819400"/>
+            <a:ext cx="8477250" cy="2628900"/>
           </a:xfrm>
           <a:prstGeom prst="rect">
             <a:avLst/>
@@ -7197,72 +7484,55 @@
             <a:headEnd/>
             <a:tailEnd/>
           </a:ln>
+          <a:effectLst/>
         </p:spPr>
       </p:pic>
-      <p:pic>
-        <p:nvPicPr>
-          <p:cNvPr id="1030" name="Picture 6"/>
-          <p:cNvPicPr>
-            <a:picLocks noChangeAspect="1" noChangeArrowheads="1"/>
-          </p:cNvPicPr>
-          <p:nvPr/>
-        </p:nvPicPr>
-        <p:blipFill>
-          <a:blip r:embed="rId3" cstate="print"/>
-          <a:srcRect/>
-          <a:stretch>
-            <a:fillRect/>
-          </a:stretch>
-        </p:blipFill>
-        <p:spPr bwMode="auto">
-          <a:xfrm>
-            <a:off x="4114800" y="5105400"/>
-            <a:ext cx="2876550" cy="295275"/>
+      <p:sp>
+        <p:nvSpPr>
+          <p:cNvPr id="8" name="Rectangle 7"/>
+          <p:cNvSpPr/>
+          <p:nvPr/>
+        </p:nvSpPr>
+        <p:spPr>
+          <a:xfrm>
+            <a:off x="2286000" y="4953000"/>
+            <a:ext cx="5181600" cy="533400"/>
           </a:xfrm>
           <a:prstGeom prst="rect">
             <a:avLst/>
           </a:prstGeom>
           <a:noFill/>
-          <a:ln w="9525">
-            <a:noFill/>
-            <a:miter lim="800000"/>
-            <a:headEnd/>
-            <a:tailEnd/>
+          <a:ln w="28575">
+            <a:solidFill>
+              <a:srgbClr val="FF0000"/>
+            </a:solidFill>
           </a:ln>
         </p:spPr>
-      </p:pic>
-      <p:pic>
-        <p:nvPicPr>
-          <p:cNvPr id="1031" name="Picture 7"/>
-          <p:cNvPicPr>
-            <a:picLocks noChangeAspect="1" noChangeArrowheads="1"/>
-          </p:cNvPicPr>
-          <p:nvPr/>
-        </p:nvPicPr>
-        <p:blipFill>
-          <a:blip r:embed="rId4" cstate="print"/>
-          <a:srcRect/>
-          <a:stretch>
-            <a:fillRect/>
-          </a:stretch>
-        </p:blipFill>
-        <p:spPr bwMode="auto">
-          <a:xfrm>
-            <a:off x="3581400" y="4572000"/>
-            <a:ext cx="2790825" cy="276225"/>
-          </a:xfrm>
-          <a:prstGeom prst="rect">
-            <a:avLst/>
-          </a:prstGeom>
-          <a:noFill/>
-          <a:ln w="9525">
-            <a:noFill/>
-            <a:miter lim="800000"/>
-            <a:headEnd/>
-            <a:tailEnd/>
-          </a:ln>
-        </p:spPr>
-      </p:pic>
+        <p:style>
+          <a:lnRef idx="2">
+            <a:schemeClr val="accent1">
+              <a:shade val="50000"/>
+            </a:schemeClr>
+          </a:lnRef>
+          <a:fillRef idx="1">
+            <a:schemeClr val="accent1"/>
+          </a:fillRef>
+          <a:effectRef idx="0">
+            <a:schemeClr val="accent1"/>
+          </a:effectRef>
+          <a:fontRef idx="minor">
+            <a:schemeClr val="lt1"/>
+          </a:fontRef>
+        </p:style>
+        <p:txBody>
+          <a:bodyPr rtlCol="0" anchor="ctr"/>
+          <a:lstStyle/>
+          <a:p>
+            <a:pPr algn="ctr"/>
+            <a:endParaRPr lang="en-US"/>
+          </a:p>
+        </p:txBody>
+      </p:sp>
     </p:spTree>
   </p:cSld>
   <p:clrMapOvr>
@@ -7305,34 +7575,7 @@
           <a:p>
             <a:r>
               <a:rPr lang="en-US" dirty="0" smtClean="0"/>
-              <a:t>Custom </a:t>
-            </a:r>
-            <a:r>
-              <a:rPr lang="en-US" smtClean="0"/>
-              <a:t>Markup Extensions</a:t>
-            </a:r>
-            <a:endParaRPr lang="en-US" dirty="0"/>
-          </a:p>
-        </p:txBody>
-      </p:sp>
-      <p:sp>
-        <p:nvSpPr>
-          <p:cNvPr id="3" name="Content Placeholder 2"/>
-          <p:cNvSpPr>
-            <a:spLocks noGrp="1"/>
-          </p:cNvSpPr>
-          <p:nvPr>
-            <p:ph idx="1"/>
-          </p:nvPr>
-        </p:nvSpPr>
-        <p:spPr/>
-        <p:txBody>
-          <a:bodyPr/>
-          <a:lstStyle/>
-          <a:p>
-            <a:r>
-              <a:rPr lang="en-US" dirty="0" smtClean="0"/>
-              <a:t>We can make our own markup extensions</a:t>
+              <a:t>Add Reference</a:t>
             </a:r>
             <a:endParaRPr lang="en-US" dirty="0"/>
           </a:p>
@@ -7340,7 +7583,7 @@
       </p:sp>
       <p:pic>
         <p:nvPicPr>
-          <p:cNvPr id="2050" name="Picture 2"/>
+          <p:cNvPr id="1026" name="Picture 2"/>
           <p:cNvPicPr>
             <a:picLocks noChangeAspect="1" noChangeArrowheads="1"/>
           </p:cNvPicPr>
@@ -7355,8 +7598,8 @@
         </p:blipFill>
         <p:spPr bwMode="auto">
           <a:xfrm>
-            <a:off x="914400" y="2895600"/>
-            <a:ext cx="7029450" cy="1809750"/>
+            <a:off x="2209800" y="1423988"/>
+            <a:ext cx="4724400" cy="4010025"/>
           </a:xfrm>
           <a:prstGeom prst="rect">
             <a:avLst/>
@@ -7370,224 +7613,6 @@
           </a:ln>
         </p:spPr>
       </p:pic>
-      <p:sp>
-        <p:nvSpPr>
-          <p:cNvPr id="5" name="TextBox 4"/>
-          <p:cNvSpPr txBox="1"/>
-          <p:nvPr/>
-        </p:nvSpPr>
-        <p:spPr>
-          <a:xfrm>
-            <a:off x="533400" y="2209800"/>
-            <a:ext cx="5046574" cy="369332"/>
-          </a:xfrm>
-          <a:prstGeom prst="rect">
-            <a:avLst/>
-          </a:prstGeom>
-          <a:noFill/>
-        </p:spPr>
-        <p:txBody>
-          <a:bodyPr wrap="none" rtlCol="0">
-            <a:spAutoFit/>
-          </a:bodyPr>
-          <a:lstStyle/>
-          <a:p>
-            <a:r>
-              <a:rPr lang="en-US" dirty="0" smtClean="0"/>
-              <a:t>Use attribute to specify markup extension return type</a:t>
-            </a:r>
-            <a:endParaRPr lang="en-US" dirty="0"/>
-          </a:p>
-        </p:txBody>
-      </p:sp>
-      <p:sp>
-        <p:nvSpPr>
-          <p:cNvPr id="6" name="TextBox 5"/>
-          <p:cNvSpPr txBox="1"/>
-          <p:nvPr/>
-        </p:nvSpPr>
-        <p:spPr>
-          <a:xfrm>
-            <a:off x="5638800" y="2438400"/>
-            <a:ext cx="2915350" cy="369332"/>
-          </a:xfrm>
-          <a:prstGeom prst="rect">
-            <a:avLst/>
-          </a:prstGeom>
-          <a:noFill/>
-        </p:spPr>
-        <p:txBody>
-          <a:bodyPr wrap="none" rtlCol="0">
-            <a:spAutoFit/>
-          </a:bodyPr>
-          <a:lstStyle/>
-          <a:p>
-            <a:r>
-              <a:rPr lang="en-US" dirty="0" smtClean="0"/>
-              <a:t>Inherit from </a:t>
-            </a:r>
-            <a:r>
-              <a:rPr lang="en-US" dirty="0" err="1" smtClean="0"/>
-              <a:t>MarkupExtension</a:t>
-            </a:r>
-            <a:endParaRPr lang="en-US" dirty="0"/>
-          </a:p>
-        </p:txBody>
-      </p:sp>
-      <p:sp>
-        <p:nvSpPr>
-          <p:cNvPr id="7" name="TextBox 6"/>
-          <p:cNvSpPr txBox="1"/>
-          <p:nvPr/>
-        </p:nvSpPr>
-        <p:spPr>
-          <a:xfrm>
-            <a:off x="2971800" y="5181600"/>
-            <a:ext cx="2409827" cy="369332"/>
-          </a:xfrm>
-          <a:prstGeom prst="rect">
-            <a:avLst/>
-          </a:prstGeom>
-          <a:noFill/>
-        </p:spPr>
-        <p:txBody>
-          <a:bodyPr wrap="none" rtlCol="0">
-            <a:spAutoFit/>
-          </a:bodyPr>
-          <a:lstStyle/>
-          <a:p>
-            <a:r>
-              <a:rPr lang="en-US" dirty="0" smtClean="0"/>
-              <a:t>Implement </a:t>
-            </a:r>
-            <a:r>
-              <a:rPr lang="en-US" dirty="0" err="1" smtClean="0"/>
-              <a:t>ProvideValue</a:t>
-            </a:r>
-            <a:endParaRPr lang="en-US" dirty="0"/>
-          </a:p>
-        </p:txBody>
-      </p:sp>
-      <p:sp>
-        <p:nvSpPr>
-          <p:cNvPr id="8" name="Bent-Up Arrow 7"/>
-          <p:cNvSpPr/>
-          <p:nvPr/>
-        </p:nvSpPr>
-        <p:spPr>
-          <a:xfrm rot="5400000" flipV="1">
-            <a:off x="6297692" y="2846309"/>
-            <a:ext cx="620078" cy="566261"/>
-          </a:xfrm>
-          <a:prstGeom prst="bentUpArrow">
-            <a:avLst/>
-          </a:prstGeom>
-        </p:spPr>
-        <p:style>
-          <a:lnRef idx="2">
-            <a:schemeClr val="accent1">
-              <a:shade val="50000"/>
-            </a:schemeClr>
-          </a:lnRef>
-          <a:fillRef idx="1">
-            <a:schemeClr val="accent1"/>
-          </a:fillRef>
-          <a:effectRef idx="0">
-            <a:schemeClr val="accent1"/>
-          </a:effectRef>
-          <a:fontRef idx="minor">
-            <a:schemeClr val="lt1"/>
-          </a:fontRef>
-        </p:style>
-        <p:txBody>
-          <a:bodyPr rtlCol="0" anchor="ctr"/>
-          <a:lstStyle/>
-          <a:p>
-            <a:pPr algn="ctr"/>
-            <a:endParaRPr lang="en-US"/>
-          </a:p>
-        </p:txBody>
-      </p:sp>
-      <p:sp>
-        <p:nvSpPr>
-          <p:cNvPr id="9" name="Down Arrow 8"/>
-          <p:cNvSpPr/>
-          <p:nvPr/>
-        </p:nvSpPr>
-        <p:spPr>
-          <a:xfrm>
-            <a:off x="2286000" y="2590800"/>
-            <a:ext cx="304800" cy="304800"/>
-          </a:xfrm>
-          <a:prstGeom prst="downArrow">
-            <a:avLst/>
-          </a:prstGeom>
-        </p:spPr>
-        <p:style>
-          <a:lnRef idx="2">
-            <a:schemeClr val="accent1">
-              <a:shade val="50000"/>
-            </a:schemeClr>
-          </a:lnRef>
-          <a:fillRef idx="1">
-            <a:schemeClr val="accent1"/>
-          </a:fillRef>
-          <a:effectRef idx="0">
-            <a:schemeClr val="accent1"/>
-          </a:effectRef>
-          <a:fontRef idx="minor">
-            <a:schemeClr val="lt1"/>
-          </a:fontRef>
-        </p:style>
-        <p:txBody>
-          <a:bodyPr rtlCol="0" anchor="ctr"/>
-          <a:lstStyle/>
-          <a:p>
-            <a:pPr algn="ctr"/>
-            <a:endParaRPr lang="en-US"/>
-          </a:p>
-        </p:txBody>
-      </p:sp>
-      <p:sp>
-        <p:nvSpPr>
-          <p:cNvPr id="10" name="Down Arrow 9"/>
-          <p:cNvSpPr/>
-          <p:nvPr/>
-        </p:nvSpPr>
-        <p:spPr>
-          <a:xfrm rot="10800000">
-            <a:off x="3733800" y="4267200"/>
-            <a:ext cx="609600" cy="914400"/>
-          </a:xfrm>
-          <a:prstGeom prst="downArrow">
-            <a:avLst/>
-          </a:prstGeom>
-        </p:spPr>
-        <p:style>
-          <a:lnRef idx="2">
-            <a:schemeClr val="accent1">
-              <a:shade val="50000"/>
-            </a:schemeClr>
-          </a:lnRef>
-          <a:fillRef idx="1">
-            <a:schemeClr val="accent1"/>
-          </a:fillRef>
-          <a:effectRef idx="0">
-            <a:schemeClr val="accent1"/>
-          </a:effectRef>
-          <a:fontRef idx="minor">
-            <a:schemeClr val="lt1"/>
-          </a:fontRef>
-        </p:style>
-        <p:txBody>
-          <a:bodyPr rtlCol="0" anchor="ctr"/>
-          <a:lstStyle/>
-          <a:p>
-            <a:pPr algn="ctr"/>
-            <a:endParaRPr lang="en-US"/>
-          </a:p>
-        </p:txBody>
-      </p:sp>
     </p:spTree>
   </p:cSld>
   <p:clrMapOvr>
@@ -7630,56 +7655,15 @@
           <a:p>
             <a:r>
               <a:rPr lang="en-US" dirty="0" smtClean="0"/>
-              <a:t>Binding Decorator Base</a:t>
-            </a:r>
-            <a:endParaRPr lang="en-US" dirty="0"/>
-          </a:p>
-        </p:txBody>
-      </p:sp>
-      <p:sp>
-        <p:nvSpPr>
-          <p:cNvPr id="3" name="Content Placeholder 2"/>
-          <p:cNvSpPr>
-            <a:spLocks noGrp="1"/>
-          </p:cNvSpPr>
-          <p:nvPr>
-            <p:ph idx="1"/>
-          </p:nvPr>
-        </p:nvSpPr>
-        <p:spPr/>
-        <p:txBody>
-          <a:bodyPr/>
-          <a:lstStyle/>
-          <a:p>
-            <a:r>
-              <a:rPr lang="en-US" dirty="0" smtClean="0"/>
-              <a:t>Copied from Philip </a:t>
-            </a:r>
-            <a:r>
-              <a:rPr lang="en-US" dirty="0" err="1" smtClean="0"/>
-              <a:t>Sumi</a:t>
-            </a:r>
-            <a:r>
-              <a:rPr lang="en-US" dirty="0" smtClean="0"/>
-              <a:t> @</a:t>
-            </a:r>
-          </a:p>
-          <a:p>
-            <a:pPr lvl="1"/>
-            <a:r>
-              <a:rPr lang="en-US" sz="1600" dirty="0" smtClean="0"/>
-              <a:t>http://www.hardcodet.net/2008/04/wpf-custom-binding-class</a:t>
-            </a:r>
-          </a:p>
-          <a:p>
-            <a:pPr lvl="1"/>
+              <a:t>Use Validation Attributes</a:t>
+            </a:r>
             <a:endParaRPr lang="en-US" dirty="0"/>
           </a:p>
         </p:txBody>
       </p:sp>
       <p:pic>
         <p:nvPicPr>
-          <p:cNvPr id="3074" name="Picture 2"/>
+          <p:cNvPr id="2050" name="Picture 2"/>
           <p:cNvPicPr>
             <a:picLocks noChangeAspect="1" noChangeArrowheads="1"/>
           </p:cNvPicPr>
@@ -7694,8 +7678,8 @@
         </p:blipFill>
         <p:spPr bwMode="auto">
           <a:xfrm>
-            <a:off x="6553200" y="1447800"/>
-            <a:ext cx="2034740" cy="4895850"/>
+            <a:off x="304800" y="1295400"/>
+            <a:ext cx="4362450" cy="2238375"/>
           </a:xfrm>
           <a:prstGeom prst="rect">
             <a:avLst/>
@@ -7707,11 +7691,18 @@
             <a:headEnd/>
             <a:tailEnd/>
           </a:ln>
+          <a:effectLst>
+            <a:outerShdw blurRad="63500" sx="102000" sy="102000" algn="ctr" rotWithShape="0">
+              <a:prstClr val="black">
+                <a:alpha val="40000"/>
+              </a:prstClr>
+            </a:outerShdw>
+          </a:effectLst>
         </p:spPr>
       </p:pic>
       <p:pic>
         <p:nvPicPr>
-          <p:cNvPr id="3075" name="Picture 3"/>
+          <p:cNvPr id="2051" name="Picture 3"/>
           <p:cNvPicPr>
             <a:picLocks noChangeAspect="1" noChangeArrowheads="1"/>
           </p:cNvPicPr>
@@ -7726,8 +7717,8 @@
         </p:blipFill>
         <p:spPr bwMode="auto">
           <a:xfrm>
-            <a:off x="381000" y="2743200"/>
-            <a:ext cx="5981700" cy="1171575"/>
+            <a:off x="4114800" y="2057400"/>
+            <a:ext cx="4438650" cy="2247900"/>
           </a:xfrm>
           <a:prstGeom prst="rect">
             <a:avLst/>
@@ -7739,11 +7730,18 @@
             <a:headEnd/>
             <a:tailEnd/>
           </a:ln>
+          <a:effectLst>
+            <a:outerShdw blurRad="63500" sx="102000" sy="102000" algn="ctr" rotWithShape="0">
+              <a:prstClr val="black">
+                <a:alpha val="40000"/>
+              </a:prstClr>
+            </a:outerShdw>
+          </a:effectLst>
         </p:spPr>
       </p:pic>
       <p:pic>
         <p:nvPicPr>
-          <p:cNvPr id="3076" name="Picture 4"/>
+          <p:cNvPr id="2052" name="Picture 4"/>
           <p:cNvPicPr>
             <a:picLocks noChangeAspect="1" noChangeArrowheads="1"/>
           </p:cNvPicPr>
@@ -7758,8 +7756,8 @@
         </p:blipFill>
         <p:spPr bwMode="auto">
           <a:xfrm>
-            <a:off x="381000" y="4038600"/>
-            <a:ext cx="5605463" cy="2452777"/>
+            <a:off x="304800" y="3962400"/>
+            <a:ext cx="7696200" cy="1903711"/>
           </a:xfrm>
           <a:prstGeom prst="rect">
             <a:avLst/>
@@ -7771,6 +7769,13 @@
             <a:headEnd/>
             <a:tailEnd/>
           </a:ln>
+          <a:effectLst>
+            <a:outerShdw blurRad="63500" sx="102000" sy="102000" algn="ctr" rotWithShape="0">
+              <a:prstClr val="black">
+                <a:alpha val="40000"/>
+              </a:prstClr>
+            </a:outerShdw>
+          </a:effectLst>
         </p:spPr>
       </p:pic>
     </p:spTree>
@@ -7815,44 +7820,88 @@
           <a:p>
             <a:r>
               <a:rPr lang="en-US" dirty="0" smtClean="0"/>
-              <a:t>Base Validation Binding</a:t>
+              <a:t>Error Provider</a:t>
             </a:r>
             <a:endParaRPr lang="en-US" dirty="0"/>
           </a:p>
         </p:txBody>
       </p:sp>
-      <p:pic>
-        <p:nvPicPr>
-          <p:cNvPr id="4098" name="Picture 2"/>
-          <p:cNvPicPr>
-            <a:picLocks noChangeAspect="1" noChangeArrowheads="1"/>
-          </p:cNvPicPr>
-          <p:nvPr/>
-        </p:nvPicPr>
-        <p:blipFill>
-          <a:blip r:embed="rId2" cstate="print"/>
-          <a:srcRect/>
-          <a:stretch>
-            <a:fillRect/>
-          </a:stretch>
-        </p:blipFill>
-        <p:spPr bwMode="auto">
-          <a:xfrm>
-            <a:off x="990600" y="1981200"/>
-            <a:ext cx="7029450" cy="3762375"/>
-          </a:xfrm>
-          <a:prstGeom prst="rect">
-            <a:avLst/>
-          </a:prstGeom>
-          <a:noFill/>
-          <a:ln w="9525">
-            <a:noFill/>
-            <a:miter lim="800000"/>
-            <a:headEnd/>
-            <a:tailEnd/>
-          </a:ln>
-        </p:spPr>
-      </p:pic>
+      <p:sp>
+        <p:nvSpPr>
+          <p:cNvPr id="3" name="Content Placeholder 2"/>
+          <p:cNvSpPr>
+            <a:spLocks noGrp="1"/>
+          </p:cNvSpPr>
+          <p:nvPr>
+            <p:ph idx="1"/>
+          </p:nvPr>
+        </p:nvSpPr>
+        <p:spPr/>
+        <p:txBody>
+          <a:bodyPr/>
+          <a:lstStyle/>
+          <a:p>
+            <a:r>
+              <a:rPr lang="en-US" dirty="0" smtClean="0"/>
+              <a:t>Martin </a:t>
+            </a:r>
+            <a:r>
+              <a:rPr lang="en-US" dirty="0" err="1" smtClean="0"/>
+              <a:t>Bennedik</a:t>
+            </a:r>
+            <a:r>
+              <a:rPr lang="en-US" dirty="0" smtClean="0"/>
+              <a:t> @</a:t>
+            </a:r>
+            <a:endParaRPr lang="en-US" dirty="0" smtClean="0"/>
+          </a:p>
+          <a:p>
+            <a:pPr lvl="1"/>
+            <a:r>
+              <a:rPr lang="en-US" sz="1800" dirty="0" smtClean="0"/>
+              <a:t>http</a:t>
+            </a:r>
+            <a:r>
+              <a:rPr lang="en-US" sz="1800" dirty="0" smtClean="0"/>
+              <a:t>://</a:t>
+            </a:r>
+            <a:r>
+              <a:rPr lang="en-US" sz="1800" dirty="0" smtClean="0"/>
+              <a:t>www.bennedik.de/2007/04/wpf-integration-for-validation.html</a:t>
+            </a:r>
+          </a:p>
+          <a:p>
+            <a:r>
+              <a:rPr lang="en-US" dirty="0" smtClean="0"/>
+              <a:t>Download WPF Validation project</a:t>
+            </a:r>
+          </a:p>
+          <a:p>
+            <a:pPr lvl="1"/>
+            <a:r>
+              <a:rPr lang="en-US" dirty="0" smtClean="0"/>
+              <a:t>Has the </a:t>
+            </a:r>
+            <a:r>
+              <a:rPr lang="en-US" dirty="0" err="1" smtClean="0"/>
+              <a:t>ErrorProvider</a:t>
+            </a:r>
+            <a:r>
+              <a:rPr lang="en-US" dirty="0" smtClean="0"/>
+              <a:t> control</a:t>
+            </a:r>
+          </a:p>
+          <a:p>
+            <a:r>
+              <a:rPr lang="en-US" dirty="0" smtClean="0"/>
+              <a:t>The error provider recursively finds all the bindings down the Logical Tree and adds the Enterprise Validation Rule to the bindings</a:t>
+            </a:r>
+          </a:p>
+          <a:p>
+            <a:endParaRPr lang="en-US" dirty="0"/>
+          </a:p>
+        </p:txBody>
+      </p:sp>
     </p:spTree>
   </p:cSld>
   <p:clrMapOvr>
@@ -7895,7 +7944,7 @@
           <a:p>
             <a:r>
               <a:rPr lang="en-US" dirty="0" smtClean="0"/>
-              <a:t>Using Validation Rules</a:t>
+              <a:t>EPS / CODE Consulting</a:t>
             </a:r>
             <a:endParaRPr lang="en-US" dirty="0"/>
           </a:p>
@@ -7903,12 +7952,12 @@
       </p:sp>
       <p:sp>
         <p:nvSpPr>
-          <p:cNvPr id="3" name="Text Placeholder 2"/>
-          <p:cNvSpPr>
-            <a:spLocks noGrp="1"/>
-          </p:cNvSpPr>
-          <p:nvPr>
-            <p:ph type="body" idx="1"/>
+          <p:cNvPr id="3" name="Content Placeholder 2"/>
+          <p:cNvSpPr>
+            <a:spLocks noGrp="1"/>
+          </p:cNvSpPr>
+          <p:nvPr>
+            <p:ph idx="1"/>
           </p:nvPr>
         </p:nvSpPr>
         <p:spPr/>
@@ -7962,45 +8011,7 @@
           <a:p>
             <a:r>
               <a:rPr lang="en-US" dirty="0" smtClean="0"/>
-              <a:t>Required</a:t>
-            </a:r>
-            <a:endParaRPr lang="en-US" dirty="0"/>
-          </a:p>
-        </p:txBody>
-      </p:sp>
-      <p:sp>
-        <p:nvSpPr>
-          <p:cNvPr id="3" name="Content Placeholder 2"/>
-          <p:cNvSpPr>
-            <a:spLocks noGrp="1"/>
-          </p:cNvSpPr>
-          <p:nvPr>
-            <p:ph idx="1"/>
-          </p:nvPr>
-        </p:nvSpPr>
-        <p:spPr/>
-        <p:txBody>
-          <a:bodyPr/>
-          <a:lstStyle/>
-          <a:p>
-            <a:r>
-              <a:rPr lang="en-US" dirty="0" smtClean="0"/>
-              <a:t>Implementation</a:t>
-            </a:r>
-          </a:p>
-          <a:p>
-            <a:endParaRPr lang="en-US" dirty="0" smtClean="0"/>
-          </a:p>
-          <a:p>
-            <a:endParaRPr lang="en-US" dirty="0" smtClean="0"/>
-          </a:p>
-          <a:p>
-            <a:endParaRPr lang="en-US" dirty="0" smtClean="0"/>
-          </a:p>
-          <a:p>
-            <a:r>
-              <a:rPr lang="en-US" dirty="0" err="1" smtClean="0"/>
-              <a:t>Xaml</a:t>
+              <a:t>On View</a:t>
             </a:r>
             <a:endParaRPr lang="en-US" dirty="0"/>
           </a:p>
@@ -8008,7 +8019,7 @@
       </p:sp>
       <p:pic>
         <p:nvPicPr>
-          <p:cNvPr id="4" name="Picture 2"/>
+          <p:cNvPr id="1026" name="Picture 2"/>
           <p:cNvPicPr>
             <a:picLocks noChangeAspect="1" noChangeArrowheads="1"/>
           </p:cNvPicPr>
@@ -8023,8 +8034,8 @@
         </p:blipFill>
         <p:spPr bwMode="auto">
           <a:xfrm>
-            <a:off x="990600" y="2209800"/>
-            <a:ext cx="6591300" cy="1571625"/>
+            <a:off x="762000" y="2667000"/>
+            <a:ext cx="3057525" cy="342900"/>
           </a:xfrm>
           <a:prstGeom prst="rect">
             <a:avLst/>
@@ -8040,7 +8051,7 @@
       </p:pic>
       <p:pic>
         <p:nvPicPr>
-          <p:cNvPr id="5" name="Picture 3"/>
+          <p:cNvPr id="1027" name="Picture 3"/>
           <p:cNvPicPr>
             <a:picLocks noChangeAspect="1" noChangeArrowheads="1"/>
           </p:cNvPicPr>
@@ -8055,8 +8066,8 @@
         </p:blipFill>
         <p:spPr bwMode="auto">
           <a:xfrm>
-            <a:off x="990600" y="4648200"/>
-            <a:ext cx="5429250" cy="333375"/>
+            <a:off x="381000" y="1524000"/>
+            <a:ext cx="8229600" cy="191922"/>
           </a:xfrm>
           <a:prstGeom prst="rect">
             <a:avLst/>
@@ -8070,6 +8081,98 @@
           </a:ln>
         </p:spPr>
       </p:pic>
+      <p:sp>
+        <p:nvSpPr>
+          <p:cNvPr id="6" name="TextBox 5"/>
+          <p:cNvSpPr txBox="1"/>
+          <p:nvPr/>
+        </p:nvSpPr>
+        <p:spPr>
+          <a:xfrm>
+            <a:off x="762000" y="1981200"/>
+            <a:ext cx="6206123" cy="461665"/>
+          </a:xfrm>
+          <a:prstGeom prst="rect">
+            <a:avLst/>
+          </a:prstGeom>
+          <a:noFill/>
+        </p:spPr>
+        <p:txBody>
+          <a:bodyPr wrap="none" rtlCol="0">
+            <a:spAutoFit/>
+          </a:bodyPr>
+          <a:lstStyle/>
+          <a:p>
+            <a:r>
+              <a:rPr lang="en-US" sz="2400" dirty="0" smtClean="0"/>
+              <a:t>Wrap bindings to validate with the Error Provider</a:t>
+            </a:r>
+            <a:endParaRPr lang="en-US" sz="2400" dirty="0"/>
+          </a:p>
+        </p:txBody>
+      </p:sp>
+      <p:pic>
+        <p:nvPicPr>
+          <p:cNvPr id="1028" name="Picture 4"/>
+          <p:cNvPicPr>
+            <a:picLocks noChangeAspect="1" noChangeArrowheads="1"/>
+          </p:cNvPicPr>
+          <p:nvPr/>
+        </p:nvPicPr>
+        <p:blipFill>
+          <a:blip r:embed="rId4" cstate="print"/>
+          <a:srcRect/>
+          <a:stretch>
+            <a:fillRect/>
+          </a:stretch>
+        </p:blipFill>
+        <p:spPr bwMode="auto">
+          <a:xfrm>
+            <a:off x="685800" y="4038600"/>
+            <a:ext cx="6829425" cy="381000"/>
+          </a:xfrm>
+          <a:prstGeom prst="rect">
+            <a:avLst/>
+          </a:prstGeom>
+          <a:noFill/>
+          <a:ln w="9525">
+            <a:noFill/>
+            <a:miter lim="800000"/>
+            <a:headEnd/>
+            <a:tailEnd/>
+          </a:ln>
+        </p:spPr>
+      </p:pic>
+      <p:sp>
+        <p:nvSpPr>
+          <p:cNvPr id="8" name="TextBox 7"/>
+          <p:cNvSpPr txBox="1"/>
+          <p:nvPr/>
+        </p:nvSpPr>
+        <p:spPr>
+          <a:xfrm>
+            <a:off x="762000" y="3276600"/>
+            <a:ext cx="3511410" cy="461665"/>
+          </a:xfrm>
+          <a:prstGeom prst="rect">
+            <a:avLst/>
+          </a:prstGeom>
+          <a:noFill/>
+        </p:spPr>
+        <p:txBody>
+          <a:bodyPr wrap="none" rtlCol="0">
+            <a:spAutoFit/>
+          </a:bodyPr>
+          <a:lstStyle/>
+          <a:p>
+            <a:r>
+              <a:rPr lang="en-US" sz="2400" dirty="0" smtClean="0"/>
+              <a:t>Bindings can remain simple</a:t>
+            </a:r>
+            <a:endParaRPr lang="en-US" sz="2400" dirty="0"/>
+          </a:p>
+        </p:txBody>
+      </p:sp>
     </p:spTree>
   </p:cSld>
   <p:clrMapOvr>
@@ -8112,45 +8215,7 @@
           <a:p>
             <a:r>
               <a:rPr lang="en-US" dirty="0" smtClean="0"/>
-              <a:t>Greater Than</a:t>
-            </a:r>
-            <a:endParaRPr lang="en-US" dirty="0"/>
-          </a:p>
-        </p:txBody>
-      </p:sp>
-      <p:sp>
-        <p:nvSpPr>
-          <p:cNvPr id="3" name="Content Placeholder 2"/>
-          <p:cNvSpPr>
-            <a:spLocks noGrp="1"/>
-          </p:cNvSpPr>
-          <p:nvPr>
-            <p:ph idx="1"/>
-          </p:nvPr>
-        </p:nvSpPr>
-        <p:spPr/>
-        <p:txBody>
-          <a:bodyPr/>
-          <a:lstStyle/>
-          <a:p>
-            <a:r>
-              <a:rPr lang="en-US" dirty="0" smtClean="0"/>
-              <a:t>Implementation</a:t>
-            </a:r>
-          </a:p>
-          <a:p>
-            <a:endParaRPr lang="en-US" dirty="0" smtClean="0"/>
-          </a:p>
-          <a:p>
-            <a:endParaRPr lang="en-US" dirty="0" smtClean="0"/>
-          </a:p>
-          <a:p>
-            <a:endParaRPr lang="en-US" dirty="0" smtClean="0"/>
-          </a:p>
-          <a:p>
-            <a:r>
-              <a:rPr lang="en-US" dirty="0" err="1" smtClean="0"/>
-              <a:t>Xaml</a:t>
+              <a:t>In action</a:t>
             </a:r>
             <a:endParaRPr lang="en-US" dirty="0"/>
           </a:p>
@@ -8158,7 +8223,7 @@
       </p:sp>
       <p:pic>
         <p:nvPicPr>
-          <p:cNvPr id="6146" name="Picture 2"/>
+          <p:cNvPr id="2050" name="Picture 2"/>
           <p:cNvPicPr>
             <a:picLocks noChangeAspect="1" noChangeArrowheads="1"/>
           </p:cNvPicPr>
@@ -8173,8 +8238,8 @@
         </p:blipFill>
         <p:spPr bwMode="auto">
           <a:xfrm>
-            <a:off x="990600" y="4648200"/>
-            <a:ext cx="6648450" cy="333375"/>
+            <a:off x="1600200" y="1600200"/>
+            <a:ext cx="5819775" cy="923925"/>
           </a:xfrm>
           <a:prstGeom prst="rect">
             <a:avLst/>
@@ -8190,7 +8255,7 @@
       </p:pic>
       <p:pic>
         <p:nvPicPr>
-          <p:cNvPr id="6147" name="Picture 3"/>
+          <p:cNvPr id="2051" name="Picture 3"/>
           <p:cNvPicPr>
             <a:picLocks noChangeAspect="1" noChangeArrowheads="1"/>
           </p:cNvPicPr>
@@ -8205,8 +8270,8 @@
         </p:blipFill>
         <p:spPr bwMode="auto">
           <a:xfrm>
-            <a:off x="990601" y="2133600"/>
-            <a:ext cx="6857999" cy="1822583"/>
+            <a:off x="1600200" y="4343400"/>
+            <a:ext cx="5819775" cy="914400"/>
           </a:xfrm>
           <a:prstGeom prst="rect">
             <a:avLst/>
@@ -8220,6 +8285,68 @@
           </a:ln>
         </p:spPr>
       </p:pic>
+      <p:pic>
+        <p:nvPicPr>
+          <p:cNvPr id="2052" name="Picture 4"/>
+          <p:cNvPicPr>
+            <a:picLocks noChangeAspect="1" noChangeArrowheads="1"/>
+          </p:cNvPicPr>
+          <p:nvPr/>
+        </p:nvPicPr>
+        <p:blipFill>
+          <a:blip r:embed="rId4" cstate="print"/>
+          <a:srcRect/>
+          <a:stretch>
+            <a:fillRect/>
+          </a:stretch>
+        </p:blipFill>
+        <p:spPr bwMode="auto">
+          <a:xfrm>
+            <a:off x="1600200" y="2962275"/>
+            <a:ext cx="5800725" cy="923925"/>
+          </a:xfrm>
+          <a:prstGeom prst="rect">
+            <a:avLst/>
+          </a:prstGeom>
+          <a:noFill/>
+          <a:ln w="9525">
+            <a:noFill/>
+            <a:miter lim="800000"/>
+            <a:headEnd/>
+            <a:tailEnd/>
+          </a:ln>
+        </p:spPr>
+      </p:pic>
+      <p:sp>
+        <p:nvSpPr>
+          <p:cNvPr id="7" name="TextBox 6"/>
+          <p:cNvSpPr txBox="1"/>
+          <p:nvPr/>
+        </p:nvSpPr>
+        <p:spPr>
+          <a:xfrm>
+            <a:off x="1616472" y="5562600"/>
+            <a:ext cx="5989845" cy="461665"/>
+          </a:xfrm>
+          <a:prstGeom prst="rect">
+            <a:avLst/>
+          </a:prstGeom>
+          <a:noFill/>
+        </p:spPr>
+        <p:txBody>
+          <a:bodyPr wrap="none" rtlCol="0">
+            <a:spAutoFit/>
+          </a:bodyPr>
+          <a:lstStyle/>
+          <a:p>
+            <a:r>
+              <a:rPr lang="en-US" sz="2400" dirty="0" smtClean="0"/>
+              <a:t>Not exactly the best out of the box messages…</a:t>
+            </a:r>
+            <a:endParaRPr lang="en-US" sz="2400" dirty="0"/>
+          </a:p>
+        </p:txBody>
+      </p:sp>
     </p:spTree>
   </p:cSld>
   <p:clrMapOvr>
@@ -8262,45 +8389,7 @@
           <a:p>
             <a:r>
               <a:rPr lang="en-US" dirty="0" smtClean="0"/>
-              <a:t>Email</a:t>
-            </a:r>
-            <a:endParaRPr lang="en-US" dirty="0"/>
-          </a:p>
-        </p:txBody>
-      </p:sp>
-      <p:sp>
-        <p:nvSpPr>
-          <p:cNvPr id="3" name="Content Placeholder 2"/>
-          <p:cNvSpPr>
-            <a:spLocks noGrp="1"/>
-          </p:cNvSpPr>
-          <p:nvPr>
-            <p:ph idx="1"/>
-          </p:nvPr>
-        </p:nvSpPr>
-        <p:spPr/>
-        <p:txBody>
-          <a:bodyPr/>
-          <a:lstStyle/>
-          <a:p>
-            <a:r>
-              <a:rPr lang="en-US" dirty="0" smtClean="0"/>
-              <a:t>Implementation</a:t>
-            </a:r>
-          </a:p>
-          <a:p>
-            <a:endParaRPr lang="en-US" dirty="0" smtClean="0"/>
-          </a:p>
-          <a:p>
-            <a:endParaRPr lang="en-US" dirty="0" smtClean="0"/>
-          </a:p>
-          <a:p>
-            <a:endParaRPr lang="en-US" dirty="0" smtClean="0"/>
-          </a:p>
-          <a:p>
-            <a:r>
-              <a:rPr lang="en-US" dirty="0" err="1" smtClean="0"/>
-              <a:t>Xaml</a:t>
+              <a:t>Setting the Error Message</a:t>
             </a:r>
             <a:endParaRPr lang="en-US" dirty="0"/>
           </a:p>
@@ -8308,7 +8397,7 @@
       </p:sp>
       <p:pic>
         <p:nvPicPr>
-          <p:cNvPr id="7170" name="Picture 2"/>
+          <p:cNvPr id="3074" name="Picture 2"/>
           <p:cNvPicPr>
             <a:picLocks noChangeAspect="1" noChangeArrowheads="1"/>
           </p:cNvPicPr>
@@ -8323,8 +8412,8 @@
         </p:blipFill>
         <p:spPr bwMode="auto">
           <a:xfrm>
-            <a:off x="533400" y="2362200"/>
-            <a:ext cx="8153400" cy="1314303"/>
+            <a:off x="228600" y="1524000"/>
+            <a:ext cx="5886450" cy="2466975"/>
           </a:xfrm>
           <a:prstGeom prst="rect">
             <a:avLst/>
@@ -8336,11 +8425,18 @@
             <a:headEnd/>
             <a:tailEnd/>
           </a:ln>
+          <a:effectLst>
+            <a:outerShdw blurRad="63500" sx="102000" sy="102000" algn="ctr" rotWithShape="0">
+              <a:prstClr val="black">
+                <a:alpha val="40000"/>
+              </a:prstClr>
+            </a:outerShdw>
+          </a:effectLst>
         </p:spPr>
       </p:pic>
       <p:pic>
         <p:nvPicPr>
-          <p:cNvPr id="7171" name="Picture 3"/>
+          <p:cNvPr id="3075" name="Picture 3"/>
           <p:cNvPicPr>
             <a:picLocks noChangeAspect="1" noChangeArrowheads="1"/>
           </p:cNvPicPr>
@@ -8355,8 +8451,8 @@
         </p:blipFill>
         <p:spPr bwMode="auto">
           <a:xfrm>
-            <a:off x="838200" y="4800600"/>
-            <a:ext cx="5286375" cy="295275"/>
+            <a:off x="152400" y="3962400"/>
+            <a:ext cx="8896350" cy="2486025"/>
           </a:xfrm>
           <a:prstGeom prst="rect">
             <a:avLst/>
@@ -8368,6 +8464,13 @@
             <a:headEnd/>
             <a:tailEnd/>
           </a:ln>
+          <a:effectLst>
+            <a:outerShdw blurRad="63500" sx="102000" sy="102000" algn="ctr" rotWithShape="0">
+              <a:prstClr val="black">
+                <a:alpha val="40000"/>
+              </a:prstClr>
+            </a:outerShdw>
+          </a:effectLst>
         </p:spPr>
       </p:pic>
     </p:spTree>
@@ -8412,12 +8515,191 @@
           <a:p>
             <a:r>
               <a:rPr lang="en-US" dirty="0" smtClean="0"/>
-              <a:t>References</a:t>
+              <a:t>New and improved</a:t>
             </a:r>
             <a:endParaRPr lang="en-US" dirty="0"/>
           </a:p>
         </p:txBody>
       </p:sp>
+      <p:pic>
+        <p:nvPicPr>
+          <p:cNvPr id="4098" name="Picture 2"/>
+          <p:cNvPicPr>
+            <a:picLocks noChangeAspect="1" noChangeArrowheads="1"/>
+          </p:cNvPicPr>
+          <p:nvPr/>
+        </p:nvPicPr>
+        <p:blipFill>
+          <a:blip r:embed="rId2" cstate="print"/>
+          <a:srcRect/>
+          <a:stretch>
+            <a:fillRect/>
+          </a:stretch>
+        </p:blipFill>
+        <p:spPr bwMode="auto">
+          <a:xfrm>
+            <a:off x="1371600" y="1828800"/>
+            <a:ext cx="6249971" cy="990600"/>
+          </a:xfrm>
+          <a:prstGeom prst="rect">
+            <a:avLst/>
+          </a:prstGeom>
+          <a:noFill/>
+          <a:ln w="9525">
+            <a:noFill/>
+            <a:miter lim="800000"/>
+            <a:headEnd/>
+            <a:tailEnd/>
+          </a:ln>
+        </p:spPr>
+      </p:pic>
+      <p:pic>
+        <p:nvPicPr>
+          <p:cNvPr id="4099" name="Picture 3"/>
+          <p:cNvPicPr>
+            <a:picLocks noChangeAspect="1" noChangeArrowheads="1"/>
+          </p:cNvPicPr>
+          <p:nvPr/>
+        </p:nvPicPr>
+        <p:blipFill>
+          <a:blip r:embed="rId3" cstate="print"/>
+          <a:srcRect/>
+          <a:stretch>
+            <a:fillRect/>
+          </a:stretch>
+        </p:blipFill>
+        <p:spPr bwMode="auto">
+          <a:xfrm>
+            <a:off x="1371600" y="3276600"/>
+            <a:ext cx="6239758" cy="1102936"/>
+          </a:xfrm>
+          <a:prstGeom prst="rect">
+            <a:avLst/>
+          </a:prstGeom>
+          <a:noFill/>
+          <a:ln w="9525">
+            <a:noFill/>
+            <a:miter lim="800000"/>
+            <a:headEnd/>
+            <a:tailEnd/>
+          </a:ln>
+        </p:spPr>
+      </p:pic>
+    </p:spTree>
+  </p:cSld>
+  <p:clrMapOvr>
+    <a:masterClrMapping/>
+  </p:clrMapOvr>
+</p:sld>
+</file>
+
+<file path=ppt/slides/slide44.xml><?xml version="1.0" encoding="utf-8"?>
+<p:sld xmlns:a="http://schemas.openxmlformats.org/drawingml/2006/main" xmlns:r="http://schemas.openxmlformats.org/officeDocument/2006/relationships" xmlns:p="http://schemas.openxmlformats.org/presentationml/2006/main">
+  <p:cSld>
+    <p:spTree>
+      <p:nvGrpSpPr>
+        <p:cNvPr id="1" name=""/>
+        <p:cNvGrpSpPr/>
+        <p:nvPr/>
+      </p:nvGrpSpPr>
+      <p:grpSpPr>
+        <a:xfrm>
+          <a:off x="0" y="0"/>
+          <a:ext cx="0" cy="0"/>
+          <a:chOff x="0" y="0"/>
+          <a:chExt cx="0" cy="0"/>
+        </a:xfrm>
+      </p:grpSpPr>
+      <p:sp>
+        <p:nvSpPr>
+          <p:cNvPr id="2" name="Title 1"/>
+          <p:cNvSpPr>
+            <a:spLocks noGrp="1"/>
+          </p:cNvSpPr>
+          <p:nvPr>
+            <p:ph type="title"/>
+          </p:nvPr>
+        </p:nvSpPr>
+        <p:spPr/>
+        <p:txBody>
+          <a:bodyPr/>
+          <a:lstStyle/>
+          <a:p>
+            <a:r>
+              <a:rPr lang="en-US" dirty="0" smtClean="0"/>
+              <a:t>Custom markup extension</a:t>
+            </a:r>
+            <a:endParaRPr lang="en-US" dirty="0"/>
+          </a:p>
+        </p:txBody>
+      </p:sp>
+      <p:sp>
+        <p:nvSpPr>
+          <p:cNvPr id="3" name="Text Placeholder 2"/>
+          <p:cNvSpPr>
+            <a:spLocks noGrp="1"/>
+          </p:cNvSpPr>
+          <p:nvPr>
+            <p:ph type="body" idx="1"/>
+          </p:nvPr>
+        </p:nvSpPr>
+        <p:spPr/>
+        <p:txBody>
+          <a:bodyPr/>
+          <a:lstStyle/>
+          <a:p>
+            <a:endParaRPr lang="en-US"/>
+          </a:p>
+        </p:txBody>
+      </p:sp>
+    </p:spTree>
+  </p:cSld>
+  <p:clrMapOvr>
+    <a:masterClrMapping/>
+  </p:clrMapOvr>
+</p:sld>
+</file>
+
+<file path=ppt/slides/slide45.xml><?xml version="1.0" encoding="utf-8"?>
+<p:sld xmlns:a="http://schemas.openxmlformats.org/drawingml/2006/main" xmlns:r="http://schemas.openxmlformats.org/officeDocument/2006/relationships" xmlns:p="http://schemas.openxmlformats.org/presentationml/2006/main">
+  <p:cSld>
+    <p:spTree>
+      <p:nvGrpSpPr>
+        <p:cNvPr id="1" name=""/>
+        <p:cNvGrpSpPr/>
+        <p:nvPr/>
+      </p:nvGrpSpPr>
+      <p:grpSpPr>
+        <a:xfrm>
+          <a:off x="0" y="0"/>
+          <a:ext cx="0" cy="0"/>
+          <a:chOff x="0" y="0"/>
+          <a:chExt cx="0" cy="0"/>
+        </a:xfrm>
+      </p:grpSpPr>
+      <p:sp>
+        <p:nvSpPr>
+          <p:cNvPr id="2" name="Title 1"/>
+          <p:cNvSpPr>
+            <a:spLocks noGrp="1"/>
+          </p:cNvSpPr>
+          <p:nvPr>
+            <p:ph type="title"/>
+          </p:nvPr>
+        </p:nvSpPr>
+        <p:spPr/>
+        <p:txBody>
+          <a:bodyPr/>
+          <a:lstStyle/>
+          <a:p>
+            <a:r>
+              <a:rPr lang="en-US" dirty="0" smtClean="0"/>
+              <a:t>Markup Extensions</a:t>
+            </a:r>
+            <a:endParaRPr lang="en-US" dirty="0"/>
+          </a:p>
+        </p:txBody>
+      </p:sp>
       <p:sp>
         <p:nvSpPr>
           <p:cNvPr id="3" name="Content Placeholder 2"/>
@@ -8430,49 +8712,542 @@
         </p:nvSpPr>
         <p:spPr/>
         <p:txBody>
-          <a:bodyPr/>
-          <a:lstStyle/>
-          <a:p>
-            <a:r>
-              <a:rPr lang="en-US" dirty="0" smtClean="0"/>
-              <a:t>MSDN</a:t>
-            </a:r>
-          </a:p>
-          <a:p>
-            <a:pPr lvl="1"/>
-            <a:r>
-              <a:rPr lang="en-US" sz="1800" dirty="0" smtClean="0"/>
-              <a:t>http</a:t>
-            </a:r>
-            <a:r>
-              <a:rPr lang="en-US" sz="1800" dirty="0" smtClean="0"/>
-              <a:t>://</a:t>
-            </a:r>
-            <a:r>
-              <a:rPr lang="en-US" sz="1800" dirty="0" smtClean="0"/>
-              <a:t>msdn.microsoft.com/en-us/library/dd203099.aspx</a:t>
-            </a:r>
-          </a:p>
-          <a:p>
-            <a:r>
-              <a:rPr lang="en-US" dirty="0" smtClean="0"/>
-              <a:t>Josh Smith</a:t>
-            </a:r>
-          </a:p>
-          <a:p>
-            <a:r>
-              <a:rPr lang="en-US" dirty="0" smtClean="0"/>
-              <a:t>Karl </a:t>
+          <a:bodyPr>
+            <a:normAutofit lnSpcReduction="10000"/>
+          </a:bodyPr>
+          <a:lstStyle/>
+          <a:p>
+            <a:r>
+              <a:rPr lang="en-US" dirty="0" smtClean="0"/>
+              <a:t>The most common markup extensions used in WPF programming are those that support resource references (</a:t>
             </a:r>
             <a:r>
               <a:rPr lang="en-US" dirty="0" err="1" smtClean="0"/>
-              <a:t>Shifflet</a:t>
-            </a:r>
-            <a:r>
-              <a:rPr lang="en-US" dirty="0" smtClean="0"/>
-              <a:t> </a:t>
-            </a:r>
-          </a:p>
+              <a:t>StaticResource</a:t>
+            </a:r>
+            <a:r>
+              <a:rPr lang="en-US" dirty="0" smtClean="0"/>
+              <a:t> and </a:t>
+            </a:r>
+            <a:r>
+              <a:rPr lang="en-US" dirty="0" err="1" smtClean="0"/>
+              <a:t>DynamicResource</a:t>
+            </a:r>
+            <a:r>
+              <a:rPr lang="en-US" dirty="0" smtClean="0"/>
+              <a:t>), and those that support data binding (Binding)</a:t>
+            </a:r>
+          </a:p>
+          <a:p>
+            <a:pPr>
+              <a:buNone/>
+            </a:pPr>
+            <a:endParaRPr lang="en-US" dirty="0" smtClean="0"/>
+          </a:p>
+          <a:p>
+            <a:r>
+              <a:rPr lang="en-US" dirty="0" smtClean="0"/>
+              <a:t>Static Resource</a:t>
+            </a:r>
+          </a:p>
+          <a:p>
+            <a:r>
+              <a:rPr lang="en-US" dirty="0" smtClean="0"/>
+              <a:t>Dynamic Resource</a:t>
+            </a:r>
+          </a:p>
+          <a:p>
+            <a:r>
+              <a:rPr lang="en-US" dirty="0" smtClean="0"/>
+              <a:t>Binding</a:t>
+            </a:r>
+            <a:endParaRPr lang="en-US" dirty="0"/>
+          </a:p>
+        </p:txBody>
+      </p:sp>
+      <p:pic>
+        <p:nvPicPr>
+          <p:cNvPr id="1028" name="Picture 4"/>
+          <p:cNvPicPr>
+            <a:picLocks noChangeAspect="1" noChangeArrowheads="1"/>
+          </p:cNvPicPr>
+          <p:nvPr/>
+        </p:nvPicPr>
+        <p:blipFill>
+          <a:blip r:embed="rId2" cstate="print"/>
+          <a:srcRect/>
+          <a:stretch>
+            <a:fillRect/>
+          </a:stretch>
+        </p:blipFill>
+        <p:spPr bwMode="auto">
+          <a:xfrm>
+            <a:off x="1143000" y="6019800"/>
+            <a:ext cx="7543800" cy="276225"/>
+          </a:xfrm>
+          <a:prstGeom prst="rect">
+            <a:avLst/>
+          </a:prstGeom>
+          <a:noFill/>
+          <a:ln w="9525">
+            <a:noFill/>
+            <a:miter lim="800000"/>
+            <a:headEnd/>
+            <a:tailEnd/>
+          </a:ln>
+        </p:spPr>
+      </p:pic>
+      <p:pic>
+        <p:nvPicPr>
+          <p:cNvPr id="1030" name="Picture 6"/>
+          <p:cNvPicPr>
+            <a:picLocks noChangeAspect="1" noChangeArrowheads="1"/>
+          </p:cNvPicPr>
+          <p:nvPr/>
+        </p:nvPicPr>
+        <p:blipFill>
+          <a:blip r:embed="rId3" cstate="print"/>
+          <a:srcRect/>
+          <a:stretch>
+            <a:fillRect/>
+          </a:stretch>
+        </p:blipFill>
+        <p:spPr bwMode="auto">
+          <a:xfrm>
+            <a:off x="4114800" y="5105400"/>
+            <a:ext cx="2876550" cy="295275"/>
+          </a:xfrm>
+          <a:prstGeom prst="rect">
+            <a:avLst/>
+          </a:prstGeom>
+          <a:noFill/>
+          <a:ln w="9525">
+            <a:noFill/>
+            <a:miter lim="800000"/>
+            <a:headEnd/>
+            <a:tailEnd/>
+          </a:ln>
+        </p:spPr>
+      </p:pic>
+      <p:pic>
+        <p:nvPicPr>
+          <p:cNvPr id="1031" name="Picture 7"/>
+          <p:cNvPicPr>
+            <a:picLocks noChangeAspect="1" noChangeArrowheads="1"/>
+          </p:cNvPicPr>
+          <p:nvPr/>
+        </p:nvPicPr>
+        <p:blipFill>
+          <a:blip r:embed="rId4" cstate="print"/>
+          <a:srcRect/>
+          <a:stretch>
+            <a:fillRect/>
+          </a:stretch>
+        </p:blipFill>
+        <p:spPr bwMode="auto">
+          <a:xfrm>
+            <a:off x="3581400" y="4572000"/>
+            <a:ext cx="2790825" cy="276225"/>
+          </a:xfrm>
+          <a:prstGeom prst="rect">
+            <a:avLst/>
+          </a:prstGeom>
+          <a:noFill/>
+          <a:ln w="9525">
+            <a:noFill/>
+            <a:miter lim="800000"/>
+            <a:headEnd/>
+            <a:tailEnd/>
+          </a:ln>
+        </p:spPr>
+      </p:pic>
+    </p:spTree>
+  </p:cSld>
+  <p:clrMapOvr>
+    <a:masterClrMapping/>
+  </p:clrMapOvr>
+</p:sld>
+</file>
+
+<file path=ppt/slides/slide46.xml><?xml version="1.0" encoding="utf-8"?>
+<p:sld xmlns:a="http://schemas.openxmlformats.org/drawingml/2006/main" xmlns:r="http://schemas.openxmlformats.org/officeDocument/2006/relationships" xmlns:p="http://schemas.openxmlformats.org/presentationml/2006/main">
+  <p:cSld>
+    <p:spTree>
+      <p:nvGrpSpPr>
+        <p:cNvPr id="1" name=""/>
+        <p:cNvGrpSpPr/>
+        <p:nvPr/>
+      </p:nvGrpSpPr>
+      <p:grpSpPr>
+        <a:xfrm>
+          <a:off x="0" y="0"/>
+          <a:ext cx="0" cy="0"/>
+          <a:chOff x="0" y="0"/>
+          <a:chExt cx="0" cy="0"/>
+        </a:xfrm>
+      </p:grpSpPr>
+      <p:sp>
+        <p:nvSpPr>
+          <p:cNvPr id="2" name="Title 1"/>
+          <p:cNvSpPr>
+            <a:spLocks noGrp="1"/>
+          </p:cNvSpPr>
+          <p:nvPr>
+            <p:ph type="title"/>
+          </p:nvPr>
+        </p:nvSpPr>
+        <p:spPr/>
+        <p:txBody>
+          <a:bodyPr/>
+          <a:lstStyle/>
+          <a:p>
+            <a:r>
+              <a:rPr lang="en-US" dirty="0" smtClean="0"/>
+              <a:t>Custom </a:t>
+            </a:r>
+            <a:r>
+              <a:rPr lang="en-US" smtClean="0"/>
+              <a:t>Markup Extensions</a:t>
+            </a:r>
+            <a:endParaRPr lang="en-US" dirty="0"/>
+          </a:p>
+        </p:txBody>
+      </p:sp>
+      <p:sp>
+        <p:nvSpPr>
+          <p:cNvPr id="3" name="Content Placeholder 2"/>
+          <p:cNvSpPr>
+            <a:spLocks noGrp="1"/>
+          </p:cNvSpPr>
+          <p:nvPr>
+            <p:ph idx="1"/>
+          </p:nvPr>
+        </p:nvSpPr>
+        <p:spPr/>
+        <p:txBody>
+          <a:bodyPr/>
+          <a:lstStyle/>
+          <a:p>
+            <a:r>
+              <a:rPr lang="en-US" dirty="0" smtClean="0"/>
+              <a:t>We can make our own markup extensions</a:t>
+            </a:r>
+            <a:endParaRPr lang="en-US" dirty="0"/>
+          </a:p>
+        </p:txBody>
+      </p:sp>
+      <p:pic>
+        <p:nvPicPr>
+          <p:cNvPr id="2050" name="Picture 2"/>
+          <p:cNvPicPr>
+            <a:picLocks noChangeAspect="1" noChangeArrowheads="1"/>
+          </p:cNvPicPr>
+          <p:nvPr/>
+        </p:nvPicPr>
+        <p:blipFill>
+          <a:blip r:embed="rId2" cstate="print"/>
+          <a:srcRect/>
+          <a:stretch>
+            <a:fillRect/>
+          </a:stretch>
+        </p:blipFill>
+        <p:spPr bwMode="auto">
+          <a:xfrm>
+            <a:off x="914400" y="2895600"/>
+            <a:ext cx="7029450" cy="1809750"/>
+          </a:xfrm>
+          <a:prstGeom prst="rect">
+            <a:avLst/>
+          </a:prstGeom>
+          <a:noFill/>
+          <a:ln w="9525">
+            <a:noFill/>
+            <a:miter lim="800000"/>
+            <a:headEnd/>
+            <a:tailEnd/>
+          </a:ln>
+        </p:spPr>
+      </p:pic>
+      <p:sp>
+        <p:nvSpPr>
+          <p:cNvPr id="5" name="TextBox 4"/>
+          <p:cNvSpPr txBox="1"/>
+          <p:nvPr/>
+        </p:nvSpPr>
+        <p:spPr>
+          <a:xfrm>
+            <a:off x="533400" y="2209800"/>
+            <a:ext cx="5046574" cy="369332"/>
+          </a:xfrm>
+          <a:prstGeom prst="rect">
+            <a:avLst/>
+          </a:prstGeom>
+          <a:noFill/>
+        </p:spPr>
+        <p:txBody>
+          <a:bodyPr wrap="none" rtlCol="0">
+            <a:spAutoFit/>
+          </a:bodyPr>
+          <a:lstStyle/>
+          <a:p>
+            <a:r>
+              <a:rPr lang="en-US" dirty="0" smtClean="0"/>
+              <a:t>Use attribute to specify markup extension return type</a:t>
+            </a:r>
+            <a:endParaRPr lang="en-US" dirty="0"/>
+          </a:p>
+        </p:txBody>
+      </p:sp>
+      <p:sp>
+        <p:nvSpPr>
+          <p:cNvPr id="6" name="TextBox 5"/>
+          <p:cNvSpPr txBox="1"/>
+          <p:nvPr/>
+        </p:nvSpPr>
+        <p:spPr>
+          <a:xfrm>
+            <a:off x="5638800" y="2438400"/>
+            <a:ext cx="2915350" cy="369332"/>
+          </a:xfrm>
+          <a:prstGeom prst="rect">
+            <a:avLst/>
+          </a:prstGeom>
+          <a:noFill/>
+        </p:spPr>
+        <p:txBody>
+          <a:bodyPr wrap="none" rtlCol="0">
+            <a:spAutoFit/>
+          </a:bodyPr>
+          <a:lstStyle/>
+          <a:p>
+            <a:r>
+              <a:rPr lang="en-US" dirty="0" smtClean="0"/>
+              <a:t>Inherit from </a:t>
+            </a:r>
+            <a:r>
+              <a:rPr lang="en-US" dirty="0" err="1" smtClean="0"/>
+              <a:t>MarkupExtension</a:t>
+            </a:r>
+            <a:endParaRPr lang="en-US" dirty="0"/>
+          </a:p>
+        </p:txBody>
+      </p:sp>
+      <p:sp>
+        <p:nvSpPr>
+          <p:cNvPr id="7" name="TextBox 6"/>
+          <p:cNvSpPr txBox="1"/>
+          <p:nvPr/>
+        </p:nvSpPr>
+        <p:spPr>
+          <a:xfrm>
+            <a:off x="2971800" y="5181600"/>
+            <a:ext cx="2409827" cy="369332"/>
+          </a:xfrm>
+          <a:prstGeom prst="rect">
+            <a:avLst/>
+          </a:prstGeom>
+          <a:noFill/>
+        </p:spPr>
+        <p:txBody>
+          <a:bodyPr wrap="none" rtlCol="0">
+            <a:spAutoFit/>
+          </a:bodyPr>
+          <a:lstStyle/>
+          <a:p>
+            <a:r>
+              <a:rPr lang="en-US" dirty="0" smtClean="0"/>
+              <a:t>Implement </a:t>
+            </a:r>
+            <a:r>
+              <a:rPr lang="en-US" dirty="0" err="1" smtClean="0"/>
+              <a:t>ProvideValue</a:t>
+            </a:r>
+            <a:endParaRPr lang="en-US" dirty="0"/>
+          </a:p>
+        </p:txBody>
+      </p:sp>
+      <p:sp>
+        <p:nvSpPr>
+          <p:cNvPr id="8" name="Bent-Up Arrow 7"/>
+          <p:cNvSpPr/>
+          <p:nvPr/>
+        </p:nvSpPr>
+        <p:spPr>
+          <a:xfrm rot="5400000" flipV="1">
+            <a:off x="6297692" y="2846309"/>
+            <a:ext cx="620078" cy="566261"/>
+          </a:xfrm>
+          <a:prstGeom prst="bentUpArrow">
+            <a:avLst/>
+          </a:prstGeom>
+        </p:spPr>
+        <p:style>
+          <a:lnRef idx="2">
+            <a:schemeClr val="accent2">
+              <a:shade val="50000"/>
+            </a:schemeClr>
+          </a:lnRef>
+          <a:fillRef idx="1">
+            <a:schemeClr val="accent2"/>
+          </a:fillRef>
+          <a:effectRef idx="0">
+            <a:schemeClr val="accent2"/>
+          </a:effectRef>
+          <a:fontRef idx="minor">
+            <a:schemeClr val="lt1"/>
+          </a:fontRef>
+        </p:style>
+        <p:txBody>
+          <a:bodyPr rtlCol="0" anchor="ctr"/>
+          <a:lstStyle/>
+          <a:p>
+            <a:pPr algn="ctr"/>
+            <a:endParaRPr lang="en-US"/>
+          </a:p>
+        </p:txBody>
+      </p:sp>
+      <p:sp>
+        <p:nvSpPr>
+          <p:cNvPr id="9" name="Down Arrow 8"/>
+          <p:cNvSpPr/>
+          <p:nvPr/>
+        </p:nvSpPr>
+        <p:spPr>
+          <a:xfrm>
+            <a:off x="2286000" y="2590800"/>
+            <a:ext cx="304800" cy="304800"/>
+          </a:xfrm>
+          <a:prstGeom prst="downArrow">
+            <a:avLst/>
+          </a:prstGeom>
+        </p:spPr>
+        <p:style>
+          <a:lnRef idx="2">
+            <a:schemeClr val="accent2">
+              <a:shade val="50000"/>
+            </a:schemeClr>
+          </a:lnRef>
+          <a:fillRef idx="1">
+            <a:schemeClr val="accent2"/>
+          </a:fillRef>
+          <a:effectRef idx="0">
+            <a:schemeClr val="accent2"/>
+          </a:effectRef>
+          <a:fontRef idx="minor">
+            <a:schemeClr val="lt1"/>
+          </a:fontRef>
+        </p:style>
+        <p:txBody>
+          <a:bodyPr rtlCol="0" anchor="ctr"/>
+          <a:lstStyle/>
+          <a:p>
+            <a:pPr algn="ctr"/>
+            <a:endParaRPr lang="en-US"/>
+          </a:p>
+        </p:txBody>
+      </p:sp>
+      <p:sp>
+        <p:nvSpPr>
+          <p:cNvPr id="10" name="Down Arrow 9"/>
+          <p:cNvSpPr/>
+          <p:nvPr/>
+        </p:nvSpPr>
+        <p:spPr>
+          <a:xfrm rot="10800000">
+            <a:off x="3733800" y="4267200"/>
+            <a:ext cx="609600" cy="914400"/>
+          </a:xfrm>
+          <a:prstGeom prst="downArrow">
+            <a:avLst/>
+          </a:prstGeom>
+        </p:spPr>
+        <p:style>
+          <a:lnRef idx="2">
+            <a:schemeClr val="accent2">
+              <a:shade val="50000"/>
+            </a:schemeClr>
+          </a:lnRef>
+          <a:fillRef idx="1">
+            <a:schemeClr val="accent2"/>
+          </a:fillRef>
+          <a:effectRef idx="0">
+            <a:schemeClr val="accent2"/>
+          </a:effectRef>
+          <a:fontRef idx="minor">
+            <a:schemeClr val="lt1"/>
+          </a:fontRef>
+        </p:style>
+        <p:txBody>
+          <a:bodyPr rtlCol="0" anchor="ctr"/>
+          <a:lstStyle/>
+          <a:p>
+            <a:pPr algn="ctr"/>
+            <a:endParaRPr lang="en-US"/>
+          </a:p>
+        </p:txBody>
+      </p:sp>
+    </p:spTree>
+  </p:cSld>
+  <p:clrMapOvr>
+    <a:masterClrMapping/>
+  </p:clrMapOvr>
+</p:sld>
+</file>
+
+<file path=ppt/slides/slide47.xml><?xml version="1.0" encoding="utf-8"?>
+<p:sld xmlns:a="http://schemas.openxmlformats.org/drawingml/2006/main" xmlns:r="http://schemas.openxmlformats.org/officeDocument/2006/relationships" xmlns:p="http://schemas.openxmlformats.org/presentationml/2006/main">
+  <p:cSld>
+    <p:spTree>
+      <p:nvGrpSpPr>
+        <p:cNvPr id="1" name=""/>
+        <p:cNvGrpSpPr/>
+        <p:nvPr/>
+      </p:nvGrpSpPr>
+      <p:grpSpPr>
+        <a:xfrm>
+          <a:off x="0" y="0"/>
+          <a:ext cx="0" cy="0"/>
+          <a:chOff x="0" y="0"/>
+          <a:chExt cx="0" cy="0"/>
+        </a:xfrm>
+      </p:grpSpPr>
+      <p:sp>
+        <p:nvSpPr>
+          <p:cNvPr id="2" name="Title 1"/>
+          <p:cNvSpPr>
+            <a:spLocks noGrp="1"/>
+          </p:cNvSpPr>
+          <p:nvPr>
+            <p:ph type="title"/>
+          </p:nvPr>
+        </p:nvSpPr>
+        <p:spPr/>
+        <p:txBody>
+          <a:bodyPr/>
+          <a:lstStyle/>
+          <a:p>
+            <a:r>
+              <a:rPr lang="en-US" dirty="0" smtClean="0"/>
+              <a:t>Binding Decorator Base</a:t>
+            </a:r>
+            <a:endParaRPr lang="en-US" dirty="0"/>
+          </a:p>
+        </p:txBody>
+      </p:sp>
+      <p:sp>
+        <p:nvSpPr>
+          <p:cNvPr id="3" name="Content Placeholder 2"/>
+          <p:cNvSpPr>
+            <a:spLocks noGrp="1"/>
+          </p:cNvSpPr>
+          <p:nvPr>
+            <p:ph idx="1"/>
+          </p:nvPr>
+        </p:nvSpPr>
+        <p:spPr/>
+        <p:txBody>
+          <a:bodyPr/>
+          <a:lstStyle/>
           <a:p>
             <a:r>
               <a:rPr lang="en-US" dirty="0" smtClean="0"/>
@@ -8482,13 +9257,350 @@
               <a:rPr lang="en-US" dirty="0" err="1" smtClean="0"/>
               <a:t>Sumi</a:t>
             </a:r>
+            <a:r>
+              <a:rPr lang="en-US" dirty="0" smtClean="0"/>
+              <a:t> @</a:t>
+            </a:r>
+          </a:p>
+          <a:p>
+            <a:pPr lvl="1"/>
+            <a:r>
+              <a:rPr lang="en-US" sz="1600" dirty="0" smtClean="0"/>
+              <a:t>http://www.hardcodet.net/2008/04/wpf-custom-binding-class</a:t>
+            </a:r>
+          </a:p>
+          <a:p>
+            <a:pPr lvl="1"/>
+            <a:endParaRPr lang="en-US" dirty="0"/>
+          </a:p>
+        </p:txBody>
+      </p:sp>
+      <p:pic>
+        <p:nvPicPr>
+          <p:cNvPr id="3074" name="Picture 2"/>
+          <p:cNvPicPr>
+            <a:picLocks noChangeAspect="1" noChangeArrowheads="1"/>
+          </p:cNvPicPr>
+          <p:nvPr/>
+        </p:nvPicPr>
+        <p:blipFill>
+          <a:blip r:embed="rId2" cstate="print"/>
+          <a:srcRect/>
+          <a:stretch>
+            <a:fillRect/>
+          </a:stretch>
+        </p:blipFill>
+        <p:spPr bwMode="auto">
+          <a:xfrm>
+            <a:off x="6553200" y="1447800"/>
+            <a:ext cx="2034740" cy="4895850"/>
+          </a:xfrm>
+          <a:prstGeom prst="rect">
+            <a:avLst/>
+          </a:prstGeom>
+          <a:noFill/>
+          <a:ln w="9525">
+            <a:noFill/>
+            <a:miter lim="800000"/>
+            <a:headEnd/>
+            <a:tailEnd/>
+          </a:ln>
+        </p:spPr>
+      </p:pic>
+      <p:pic>
+        <p:nvPicPr>
+          <p:cNvPr id="3075" name="Picture 3"/>
+          <p:cNvPicPr>
+            <a:picLocks noChangeAspect="1" noChangeArrowheads="1"/>
+          </p:cNvPicPr>
+          <p:nvPr/>
+        </p:nvPicPr>
+        <p:blipFill>
+          <a:blip r:embed="rId3" cstate="print"/>
+          <a:srcRect/>
+          <a:stretch>
+            <a:fillRect/>
+          </a:stretch>
+        </p:blipFill>
+        <p:spPr bwMode="auto">
+          <a:xfrm>
+            <a:off x="381000" y="2743200"/>
+            <a:ext cx="5981700" cy="1171575"/>
+          </a:xfrm>
+          <a:prstGeom prst="rect">
+            <a:avLst/>
+          </a:prstGeom>
+          <a:noFill/>
+          <a:ln w="9525">
+            <a:noFill/>
+            <a:miter lim="800000"/>
+            <a:headEnd/>
+            <a:tailEnd/>
+          </a:ln>
+        </p:spPr>
+      </p:pic>
+      <p:pic>
+        <p:nvPicPr>
+          <p:cNvPr id="3076" name="Picture 4"/>
+          <p:cNvPicPr>
+            <a:picLocks noChangeAspect="1" noChangeArrowheads="1"/>
+          </p:cNvPicPr>
+          <p:nvPr/>
+        </p:nvPicPr>
+        <p:blipFill>
+          <a:blip r:embed="rId4" cstate="print"/>
+          <a:srcRect/>
+          <a:stretch>
+            <a:fillRect/>
+          </a:stretch>
+        </p:blipFill>
+        <p:spPr bwMode="auto">
+          <a:xfrm>
+            <a:off x="381000" y="4038600"/>
+            <a:ext cx="5605463" cy="2452777"/>
+          </a:xfrm>
+          <a:prstGeom prst="rect">
+            <a:avLst/>
+          </a:prstGeom>
+          <a:noFill/>
+          <a:ln w="9525">
+            <a:noFill/>
+            <a:miter lim="800000"/>
+            <a:headEnd/>
+            <a:tailEnd/>
+          </a:ln>
+        </p:spPr>
+      </p:pic>
+    </p:spTree>
+  </p:cSld>
+  <p:clrMapOvr>
+    <a:masterClrMapping/>
+  </p:clrMapOvr>
+</p:sld>
+</file>
+
+<file path=ppt/slides/slide48.xml><?xml version="1.0" encoding="utf-8"?>
+<p:sld xmlns:a="http://schemas.openxmlformats.org/drawingml/2006/main" xmlns:r="http://schemas.openxmlformats.org/officeDocument/2006/relationships" xmlns:p="http://schemas.openxmlformats.org/presentationml/2006/main">
+  <p:cSld>
+    <p:spTree>
+      <p:nvGrpSpPr>
+        <p:cNvPr id="1" name=""/>
+        <p:cNvGrpSpPr/>
+        <p:nvPr/>
+      </p:nvGrpSpPr>
+      <p:grpSpPr>
+        <a:xfrm>
+          <a:off x="0" y="0"/>
+          <a:ext cx="0" cy="0"/>
+          <a:chOff x="0" y="0"/>
+          <a:chExt cx="0" cy="0"/>
+        </a:xfrm>
+      </p:grpSpPr>
+      <p:sp>
+        <p:nvSpPr>
+          <p:cNvPr id="2" name="Title 1"/>
+          <p:cNvSpPr>
+            <a:spLocks noGrp="1"/>
+          </p:cNvSpPr>
+          <p:nvPr>
+            <p:ph type="title"/>
+          </p:nvPr>
+        </p:nvSpPr>
+        <p:spPr/>
+        <p:txBody>
+          <a:bodyPr/>
+          <a:lstStyle/>
+          <a:p>
+            <a:r>
+              <a:rPr lang="en-US" dirty="0" smtClean="0"/>
+              <a:t>Base Validation Binding</a:t>
+            </a:r>
+            <a:endParaRPr lang="en-US" dirty="0"/>
+          </a:p>
+        </p:txBody>
+      </p:sp>
+      <p:pic>
+        <p:nvPicPr>
+          <p:cNvPr id="4098" name="Picture 2"/>
+          <p:cNvPicPr>
+            <a:picLocks noChangeAspect="1" noChangeArrowheads="1"/>
+          </p:cNvPicPr>
+          <p:nvPr/>
+        </p:nvPicPr>
+        <p:blipFill>
+          <a:blip r:embed="rId2" cstate="print"/>
+          <a:srcRect/>
+          <a:stretch>
+            <a:fillRect/>
+          </a:stretch>
+        </p:blipFill>
+        <p:spPr bwMode="auto">
+          <a:xfrm>
+            <a:off x="990600" y="1981200"/>
+            <a:ext cx="7029450" cy="3762375"/>
+          </a:xfrm>
+          <a:prstGeom prst="rect">
+            <a:avLst/>
+          </a:prstGeom>
+          <a:noFill/>
+          <a:ln w="9525">
+            <a:noFill/>
+            <a:miter lim="800000"/>
+            <a:headEnd/>
+            <a:tailEnd/>
+          </a:ln>
+        </p:spPr>
+      </p:pic>
+    </p:spTree>
+  </p:cSld>
+  <p:clrMapOvr>
+    <a:masterClrMapping/>
+  </p:clrMapOvr>
+</p:sld>
+</file>
+
+<file path=ppt/slides/slide49.xml><?xml version="1.0" encoding="utf-8"?>
+<p:sld xmlns:a="http://schemas.openxmlformats.org/drawingml/2006/main" xmlns:r="http://schemas.openxmlformats.org/officeDocument/2006/relationships" xmlns:p="http://schemas.openxmlformats.org/presentationml/2006/main">
+  <p:cSld>
+    <p:spTree>
+      <p:nvGrpSpPr>
+        <p:cNvPr id="1" name=""/>
+        <p:cNvGrpSpPr/>
+        <p:nvPr/>
+      </p:nvGrpSpPr>
+      <p:grpSpPr>
+        <a:xfrm>
+          <a:off x="0" y="0"/>
+          <a:ext cx="0" cy="0"/>
+          <a:chOff x="0" y="0"/>
+          <a:chExt cx="0" cy="0"/>
+        </a:xfrm>
+      </p:grpSpPr>
+      <p:sp>
+        <p:nvSpPr>
+          <p:cNvPr id="2" name="Title 1"/>
+          <p:cNvSpPr>
+            <a:spLocks noGrp="1"/>
+          </p:cNvSpPr>
+          <p:nvPr>
+            <p:ph type="title"/>
+          </p:nvPr>
+        </p:nvSpPr>
+        <p:spPr/>
+        <p:txBody>
+          <a:bodyPr/>
+          <a:lstStyle/>
+          <a:p>
+            <a:r>
+              <a:rPr lang="en-US" dirty="0" smtClean="0"/>
+              <a:t>Required</a:t>
+            </a:r>
+            <a:endParaRPr lang="en-US" dirty="0"/>
+          </a:p>
+        </p:txBody>
+      </p:sp>
+      <p:sp>
+        <p:nvSpPr>
+          <p:cNvPr id="3" name="Content Placeholder 2"/>
+          <p:cNvSpPr>
+            <a:spLocks noGrp="1"/>
+          </p:cNvSpPr>
+          <p:nvPr>
+            <p:ph idx="1"/>
+          </p:nvPr>
+        </p:nvSpPr>
+        <p:spPr/>
+        <p:txBody>
+          <a:bodyPr/>
+          <a:lstStyle/>
+          <a:p>
+            <a:r>
+              <a:rPr lang="en-US" dirty="0" smtClean="0"/>
+              <a:t>Implementation</a:t>
+            </a:r>
+          </a:p>
+          <a:p>
             <a:endParaRPr lang="en-US" dirty="0" smtClean="0"/>
           </a:p>
           <a:p>
+            <a:endParaRPr lang="en-US" dirty="0" smtClean="0"/>
+          </a:p>
+          <a:p>
+            <a:endParaRPr lang="en-US" dirty="0" smtClean="0"/>
+          </a:p>
+          <a:p>
+            <a:r>
+              <a:rPr lang="en-US" dirty="0" err="1" smtClean="0"/>
+              <a:t>Xaml</a:t>
+            </a:r>
             <a:endParaRPr lang="en-US" dirty="0"/>
           </a:p>
         </p:txBody>
       </p:sp>
+      <p:pic>
+        <p:nvPicPr>
+          <p:cNvPr id="4" name="Picture 2"/>
+          <p:cNvPicPr>
+            <a:picLocks noChangeAspect="1" noChangeArrowheads="1"/>
+          </p:cNvPicPr>
+          <p:nvPr/>
+        </p:nvPicPr>
+        <p:blipFill>
+          <a:blip r:embed="rId2" cstate="print"/>
+          <a:srcRect/>
+          <a:stretch>
+            <a:fillRect/>
+          </a:stretch>
+        </p:blipFill>
+        <p:spPr bwMode="auto">
+          <a:xfrm>
+            <a:off x="990600" y="2209800"/>
+            <a:ext cx="6591300" cy="1571625"/>
+          </a:xfrm>
+          <a:prstGeom prst="rect">
+            <a:avLst/>
+          </a:prstGeom>
+          <a:noFill/>
+          <a:ln w="9525">
+            <a:noFill/>
+            <a:miter lim="800000"/>
+            <a:headEnd/>
+            <a:tailEnd/>
+          </a:ln>
+        </p:spPr>
+      </p:pic>
+      <p:pic>
+        <p:nvPicPr>
+          <p:cNvPr id="5" name="Picture 3"/>
+          <p:cNvPicPr>
+            <a:picLocks noChangeAspect="1" noChangeArrowheads="1"/>
+          </p:cNvPicPr>
+          <p:nvPr/>
+        </p:nvPicPr>
+        <p:blipFill>
+          <a:blip r:embed="rId3" cstate="print"/>
+          <a:srcRect/>
+          <a:stretch>
+            <a:fillRect/>
+          </a:stretch>
+        </p:blipFill>
+        <p:spPr bwMode="auto">
+          <a:xfrm>
+            <a:off x="990600" y="4648200"/>
+            <a:ext cx="5429250" cy="333375"/>
+          </a:xfrm>
+          <a:prstGeom prst="rect">
+            <a:avLst/>
+          </a:prstGeom>
+          <a:noFill/>
+          <a:ln w="9525">
+            <a:noFill/>
+            <a:miter lim="800000"/>
+            <a:headEnd/>
+            <a:tailEnd/>
+          </a:ln>
+        </p:spPr>
+      </p:pic>
     </p:spTree>
   </p:cSld>
   <p:clrMapOvr>
@@ -8526,17 +9638,142 @@
         </p:nvSpPr>
         <p:spPr/>
         <p:txBody>
-          <a:bodyPr/>
-          <a:lstStyle/>
-          <a:p>
+          <a:bodyPr>
+            <a:normAutofit fontScale="90000"/>
+          </a:bodyPr>
+          <a:lstStyle/>
+          <a:p>
+            <a:r>
+              <a:rPr lang="en-US" dirty="0" smtClean="0"/>
+              <a:t>If you know all this… then feel free to leave</a:t>
+            </a:r>
+            <a:endParaRPr lang="en-US" dirty="0"/>
+          </a:p>
+        </p:txBody>
+      </p:sp>
+      <p:sp>
+        <p:nvSpPr>
+          <p:cNvPr id="3" name="Content Placeholder 2"/>
+          <p:cNvSpPr>
+            <a:spLocks noGrp="1"/>
+          </p:cNvSpPr>
+          <p:nvPr>
+            <p:ph idx="1"/>
+          </p:nvPr>
+        </p:nvSpPr>
+        <p:spPr/>
+        <p:txBody>
+          <a:bodyPr/>
+          <a:lstStyle/>
+          <a:p>
+            <a:r>
+              <a:rPr lang="en-US" dirty="0" smtClean="0"/>
+              <a:t>How to do binding validation </a:t>
+            </a:r>
+            <a:r>
+              <a:rPr lang="en-US" dirty="0" smtClean="0"/>
+              <a:t>with:</a:t>
+            </a:r>
+          </a:p>
+          <a:p>
+            <a:pPr lvl="1"/>
             <a:r>
               <a:rPr lang="en-US" dirty="0" smtClean="0"/>
               <a:t>Validation Rules</a:t>
             </a:r>
+          </a:p>
+          <a:p>
+            <a:pPr lvl="1"/>
+            <a:r>
+              <a:rPr lang="en-US" dirty="0" smtClean="0"/>
+              <a:t>Exceptions</a:t>
+            </a:r>
+          </a:p>
+          <a:p>
+            <a:pPr lvl="1"/>
+            <a:r>
+              <a:rPr lang="en-US" dirty="0" err="1" smtClean="0"/>
+              <a:t>IDataErrorInfo</a:t>
+            </a:r>
+            <a:endParaRPr lang="en-US" dirty="0" smtClean="0"/>
+          </a:p>
+          <a:p>
+            <a:pPr lvl="1"/>
+            <a:r>
+              <a:rPr lang="en-US" dirty="0" smtClean="0"/>
+              <a:t>Enterprise Library - Validation </a:t>
+            </a:r>
+            <a:r>
+              <a:rPr lang="en-US" dirty="0" smtClean="0"/>
+              <a:t>Application </a:t>
+            </a:r>
+            <a:r>
+              <a:rPr lang="en-US" dirty="0" smtClean="0"/>
+              <a:t>Block</a:t>
+            </a:r>
+          </a:p>
+          <a:p>
+            <a:pPr lvl="1"/>
+            <a:r>
+              <a:rPr lang="en-US" dirty="0" smtClean="0"/>
+              <a:t>Markup </a:t>
+            </a:r>
+            <a:r>
+              <a:rPr lang="en-US" dirty="0" smtClean="0"/>
+              <a:t>Extensions</a:t>
+            </a:r>
             <a:endParaRPr lang="en-US" dirty="0"/>
           </a:p>
         </p:txBody>
       </p:sp>
+    </p:spTree>
+  </p:cSld>
+  <p:clrMapOvr>
+    <a:masterClrMapping/>
+  </p:clrMapOvr>
+</p:sld>
+</file>
+
+<file path=ppt/slides/slide50.xml><?xml version="1.0" encoding="utf-8"?>
+<p:sld xmlns:a="http://schemas.openxmlformats.org/drawingml/2006/main" xmlns:r="http://schemas.openxmlformats.org/officeDocument/2006/relationships" xmlns:p="http://schemas.openxmlformats.org/presentationml/2006/main">
+  <p:cSld>
+    <p:spTree>
+      <p:nvGrpSpPr>
+        <p:cNvPr id="1" name=""/>
+        <p:cNvGrpSpPr/>
+        <p:nvPr/>
+      </p:nvGrpSpPr>
+      <p:grpSpPr>
+        <a:xfrm>
+          <a:off x="0" y="0"/>
+          <a:ext cx="0" cy="0"/>
+          <a:chOff x="0" y="0"/>
+          <a:chExt cx="0" cy="0"/>
+        </a:xfrm>
+      </p:grpSpPr>
+      <p:sp>
+        <p:nvSpPr>
+          <p:cNvPr id="2" name="Title 1"/>
+          <p:cNvSpPr>
+            <a:spLocks noGrp="1"/>
+          </p:cNvSpPr>
+          <p:nvPr>
+            <p:ph type="title"/>
+          </p:nvPr>
+        </p:nvSpPr>
+        <p:spPr/>
+        <p:txBody>
+          <a:bodyPr/>
+          <a:lstStyle/>
+          <a:p>
+            <a:r>
+              <a:rPr lang="en-US" dirty="0" smtClean="0"/>
+              <a:t>Greater Than</a:t>
+            </a:r>
+            <a:endParaRPr lang="en-US" dirty="0"/>
+          </a:p>
+        </p:txBody>
+      </p:sp>
       <p:sp>
         <p:nvSpPr>
           <p:cNvPr id="3" name="Content Placeholder 2"/>
@@ -8554,16 +9791,360 @@
           <a:p>
             <a:r>
               <a:rPr lang="en-US" dirty="0" smtClean="0"/>
-              <a:t>Validation Rules are the mechanism built into </a:t>
-            </a:r>
+              <a:t>Implementation</a:t>
+            </a:r>
+          </a:p>
+          <a:p>
+            <a:endParaRPr lang="en-US" dirty="0" smtClean="0"/>
+          </a:p>
+          <a:p>
+            <a:endParaRPr lang="en-US" dirty="0" smtClean="0"/>
+          </a:p>
+          <a:p>
+            <a:endParaRPr lang="en-US" dirty="0" smtClean="0"/>
+          </a:p>
+          <a:p>
             <a:r>
               <a:rPr lang="en-US" dirty="0" err="1" smtClean="0"/>
-              <a:t>databinding</a:t>
-            </a:r>
-            <a:r>
-              <a:rPr lang="en-US" dirty="0" smtClean="0"/>
-              <a:t> with WPF</a:t>
-            </a:r>
+              <a:t>Xaml</a:t>
+            </a:r>
+            <a:endParaRPr lang="en-US" dirty="0"/>
+          </a:p>
+        </p:txBody>
+      </p:sp>
+      <p:pic>
+        <p:nvPicPr>
+          <p:cNvPr id="6146" name="Picture 2"/>
+          <p:cNvPicPr>
+            <a:picLocks noChangeAspect="1" noChangeArrowheads="1"/>
+          </p:cNvPicPr>
+          <p:nvPr/>
+        </p:nvPicPr>
+        <p:blipFill>
+          <a:blip r:embed="rId2" cstate="print"/>
+          <a:srcRect/>
+          <a:stretch>
+            <a:fillRect/>
+          </a:stretch>
+        </p:blipFill>
+        <p:spPr bwMode="auto">
+          <a:xfrm>
+            <a:off x="990600" y="4648200"/>
+            <a:ext cx="6648450" cy="333375"/>
+          </a:xfrm>
+          <a:prstGeom prst="rect">
+            <a:avLst/>
+          </a:prstGeom>
+          <a:noFill/>
+          <a:ln w="9525">
+            <a:noFill/>
+            <a:miter lim="800000"/>
+            <a:headEnd/>
+            <a:tailEnd/>
+          </a:ln>
+        </p:spPr>
+      </p:pic>
+      <p:pic>
+        <p:nvPicPr>
+          <p:cNvPr id="6147" name="Picture 3"/>
+          <p:cNvPicPr>
+            <a:picLocks noChangeAspect="1" noChangeArrowheads="1"/>
+          </p:cNvPicPr>
+          <p:nvPr/>
+        </p:nvPicPr>
+        <p:blipFill>
+          <a:blip r:embed="rId3" cstate="print"/>
+          <a:srcRect/>
+          <a:stretch>
+            <a:fillRect/>
+          </a:stretch>
+        </p:blipFill>
+        <p:spPr bwMode="auto">
+          <a:xfrm>
+            <a:off x="990601" y="2133600"/>
+            <a:ext cx="6857999" cy="1822583"/>
+          </a:xfrm>
+          <a:prstGeom prst="rect">
+            <a:avLst/>
+          </a:prstGeom>
+          <a:noFill/>
+          <a:ln w="9525">
+            <a:noFill/>
+            <a:miter lim="800000"/>
+            <a:headEnd/>
+            <a:tailEnd/>
+          </a:ln>
+        </p:spPr>
+      </p:pic>
+    </p:spTree>
+  </p:cSld>
+  <p:clrMapOvr>
+    <a:masterClrMapping/>
+  </p:clrMapOvr>
+</p:sld>
+</file>
+
+<file path=ppt/slides/slide51.xml><?xml version="1.0" encoding="utf-8"?>
+<p:sld xmlns:a="http://schemas.openxmlformats.org/drawingml/2006/main" xmlns:r="http://schemas.openxmlformats.org/officeDocument/2006/relationships" xmlns:p="http://schemas.openxmlformats.org/presentationml/2006/main">
+  <p:cSld>
+    <p:spTree>
+      <p:nvGrpSpPr>
+        <p:cNvPr id="1" name=""/>
+        <p:cNvGrpSpPr/>
+        <p:nvPr/>
+      </p:nvGrpSpPr>
+      <p:grpSpPr>
+        <a:xfrm>
+          <a:off x="0" y="0"/>
+          <a:ext cx="0" cy="0"/>
+          <a:chOff x="0" y="0"/>
+          <a:chExt cx="0" cy="0"/>
+        </a:xfrm>
+      </p:grpSpPr>
+      <p:sp>
+        <p:nvSpPr>
+          <p:cNvPr id="2" name="Title 1"/>
+          <p:cNvSpPr>
+            <a:spLocks noGrp="1"/>
+          </p:cNvSpPr>
+          <p:nvPr>
+            <p:ph type="title"/>
+          </p:nvPr>
+        </p:nvSpPr>
+        <p:spPr/>
+        <p:txBody>
+          <a:bodyPr/>
+          <a:lstStyle/>
+          <a:p>
+            <a:r>
+              <a:rPr lang="en-US" dirty="0" smtClean="0"/>
+              <a:t>Email</a:t>
+            </a:r>
+            <a:endParaRPr lang="en-US" dirty="0"/>
+          </a:p>
+        </p:txBody>
+      </p:sp>
+      <p:sp>
+        <p:nvSpPr>
+          <p:cNvPr id="3" name="Content Placeholder 2"/>
+          <p:cNvSpPr>
+            <a:spLocks noGrp="1"/>
+          </p:cNvSpPr>
+          <p:nvPr>
+            <p:ph idx="1"/>
+          </p:nvPr>
+        </p:nvSpPr>
+        <p:spPr/>
+        <p:txBody>
+          <a:bodyPr/>
+          <a:lstStyle/>
+          <a:p>
+            <a:r>
+              <a:rPr lang="en-US" dirty="0" smtClean="0"/>
+              <a:t>Implementation</a:t>
+            </a:r>
+          </a:p>
+          <a:p>
+            <a:endParaRPr lang="en-US" dirty="0" smtClean="0"/>
+          </a:p>
+          <a:p>
+            <a:endParaRPr lang="en-US" dirty="0" smtClean="0"/>
+          </a:p>
+          <a:p>
+            <a:endParaRPr lang="en-US" dirty="0" smtClean="0"/>
+          </a:p>
+          <a:p>
+            <a:r>
+              <a:rPr lang="en-US" dirty="0" err="1" smtClean="0"/>
+              <a:t>Xaml</a:t>
+            </a:r>
+            <a:endParaRPr lang="en-US" dirty="0"/>
+          </a:p>
+        </p:txBody>
+      </p:sp>
+      <p:pic>
+        <p:nvPicPr>
+          <p:cNvPr id="7170" name="Picture 2"/>
+          <p:cNvPicPr>
+            <a:picLocks noChangeAspect="1" noChangeArrowheads="1"/>
+          </p:cNvPicPr>
+          <p:nvPr/>
+        </p:nvPicPr>
+        <p:blipFill>
+          <a:blip r:embed="rId2" cstate="print"/>
+          <a:srcRect/>
+          <a:stretch>
+            <a:fillRect/>
+          </a:stretch>
+        </p:blipFill>
+        <p:spPr bwMode="auto">
+          <a:xfrm>
+            <a:off x="533400" y="2362200"/>
+            <a:ext cx="8153400" cy="1314303"/>
+          </a:xfrm>
+          <a:prstGeom prst="rect">
+            <a:avLst/>
+          </a:prstGeom>
+          <a:noFill/>
+          <a:ln w="9525">
+            <a:noFill/>
+            <a:miter lim="800000"/>
+            <a:headEnd/>
+            <a:tailEnd/>
+          </a:ln>
+        </p:spPr>
+      </p:pic>
+      <p:pic>
+        <p:nvPicPr>
+          <p:cNvPr id="7171" name="Picture 3"/>
+          <p:cNvPicPr>
+            <a:picLocks noChangeAspect="1" noChangeArrowheads="1"/>
+          </p:cNvPicPr>
+          <p:nvPr/>
+        </p:nvPicPr>
+        <p:blipFill>
+          <a:blip r:embed="rId3" cstate="print"/>
+          <a:srcRect/>
+          <a:stretch>
+            <a:fillRect/>
+          </a:stretch>
+        </p:blipFill>
+        <p:spPr bwMode="auto">
+          <a:xfrm>
+            <a:off x="838200" y="4800600"/>
+            <a:ext cx="5286375" cy="295275"/>
+          </a:xfrm>
+          <a:prstGeom prst="rect">
+            <a:avLst/>
+          </a:prstGeom>
+          <a:noFill/>
+          <a:ln w="9525">
+            <a:noFill/>
+            <a:miter lim="800000"/>
+            <a:headEnd/>
+            <a:tailEnd/>
+          </a:ln>
+        </p:spPr>
+      </p:pic>
+    </p:spTree>
+  </p:cSld>
+  <p:clrMapOvr>
+    <a:masterClrMapping/>
+  </p:clrMapOvr>
+</p:sld>
+</file>
+
+<file path=ppt/slides/slide52.xml><?xml version="1.0" encoding="utf-8"?>
+<p:sld xmlns:a="http://schemas.openxmlformats.org/drawingml/2006/main" xmlns:r="http://schemas.openxmlformats.org/officeDocument/2006/relationships" xmlns:p="http://schemas.openxmlformats.org/presentationml/2006/main">
+  <p:cSld>
+    <p:spTree>
+      <p:nvGrpSpPr>
+        <p:cNvPr id="1" name=""/>
+        <p:cNvGrpSpPr/>
+        <p:nvPr/>
+      </p:nvGrpSpPr>
+      <p:grpSpPr>
+        <a:xfrm>
+          <a:off x="0" y="0"/>
+          <a:ext cx="0" cy="0"/>
+          <a:chOff x="0" y="0"/>
+          <a:chExt cx="0" cy="0"/>
+        </a:xfrm>
+      </p:grpSpPr>
+      <p:sp>
+        <p:nvSpPr>
+          <p:cNvPr id="2" name="Title 1"/>
+          <p:cNvSpPr>
+            <a:spLocks noGrp="1"/>
+          </p:cNvSpPr>
+          <p:nvPr>
+            <p:ph type="title"/>
+          </p:nvPr>
+        </p:nvSpPr>
+        <p:spPr/>
+        <p:txBody>
+          <a:bodyPr/>
+          <a:lstStyle/>
+          <a:p>
+            <a:r>
+              <a:rPr lang="en-US" dirty="0" smtClean="0"/>
+              <a:t>References</a:t>
+            </a:r>
+            <a:endParaRPr lang="en-US" dirty="0"/>
+          </a:p>
+        </p:txBody>
+      </p:sp>
+      <p:sp>
+        <p:nvSpPr>
+          <p:cNvPr id="3" name="Content Placeholder 2"/>
+          <p:cNvSpPr>
+            <a:spLocks noGrp="1"/>
+          </p:cNvSpPr>
+          <p:nvPr>
+            <p:ph idx="1"/>
+          </p:nvPr>
+        </p:nvSpPr>
+        <p:spPr/>
+        <p:txBody>
+          <a:bodyPr/>
+          <a:lstStyle/>
+          <a:p>
+            <a:r>
+              <a:rPr lang="en-US" dirty="0" smtClean="0"/>
+              <a:t>MSDN</a:t>
+            </a:r>
+          </a:p>
+          <a:p>
+            <a:pPr lvl="1"/>
+            <a:r>
+              <a:rPr lang="en-US" sz="1800" dirty="0" smtClean="0"/>
+              <a:t>http://msdn.microsoft.com/en-us/library/dd203099.aspx</a:t>
+            </a:r>
+          </a:p>
+          <a:p>
+            <a:r>
+              <a:rPr lang="en-US" dirty="0" smtClean="0"/>
+              <a:t>Josh Smith</a:t>
+            </a:r>
+          </a:p>
+          <a:p>
+            <a:r>
+              <a:rPr lang="en-US" dirty="0" smtClean="0"/>
+              <a:t>Karl </a:t>
+            </a:r>
+            <a:r>
+              <a:rPr lang="en-US" dirty="0" err="1" smtClean="0"/>
+              <a:t>Shifflet</a:t>
+            </a:r>
+            <a:r>
+              <a:rPr lang="en-US" dirty="0" smtClean="0"/>
+              <a:t> </a:t>
+            </a:r>
+            <a:endParaRPr lang="en-US" dirty="0" smtClean="0"/>
+          </a:p>
+          <a:p>
+            <a:r>
+              <a:rPr lang="en-US" dirty="0" smtClean="0"/>
+              <a:t>Martin </a:t>
+            </a:r>
+            <a:r>
+              <a:rPr lang="en-US" dirty="0" err="1" smtClean="0"/>
+              <a:t>Bennedik</a:t>
+            </a:r>
+            <a:endParaRPr lang="en-US" dirty="0" smtClean="0"/>
+          </a:p>
+          <a:p>
+            <a:r>
+              <a:rPr lang="en-US" dirty="0" smtClean="0"/>
+              <a:t>Philip </a:t>
+            </a:r>
+            <a:r>
+              <a:rPr lang="en-US" dirty="0" err="1" smtClean="0"/>
+              <a:t>Sumi</a:t>
+            </a:r>
+            <a:endParaRPr lang="en-US" dirty="0" smtClean="0"/>
+          </a:p>
+          <a:p>
             <a:endParaRPr lang="en-US" dirty="0"/>
           </a:p>
         </p:txBody>
@@ -8610,7 +10191,7 @@
           <a:p>
             <a:r>
               <a:rPr lang="en-US" dirty="0" smtClean="0"/>
-              <a:t>Binding – Markup Extension</a:t>
+              <a:t>Objective</a:t>
             </a:r>
             <a:endParaRPr lang="en-US" dirty="0"/>
           </a:p>
@@ -8618,155 +10199,34 @@
       </p:sp>
       <p:sp>
         <p:nvSpPr>
-          <p:cNvPr id="6" name="TextBox 5"/>
-          <p:cNvSpPr txBox="1"/>
-          <p:nvPr/>
-        </p:nvSpPr>
-        <p:spPr>
-          <a:xfrm>
-            <a:off x="2819400" y="2819400"/>
-            <a:ext cx="4557658" cy="369332"/>
-          </a:xfrm>
-          <a:prstGeom prst="rect">
-            <a:avLst/>
-          </a:prstGeom>
-          <a:noFill/>
-        </p:spPr>
-        <p:txBody>
-          <a:bodyPr wrap="none" rtlCol="0">
-            <a:spAutoFit/>
-          </a:bodyPr>
-          <a:lstStyle/>
-          <a:p>
-            <a:r>
-              <a:rPr lang="en-US" dirty="0" smtClean="0"/>
-              <a:t>but that is just a binding markup extension.</a:t>
-            </a:r>
-            <a:endParaRPr lang="en-US" dirty="0"/>
-          </a:p>
-        </p:txBody>
-      </p:sp>
-      <p:pic>
-        <p:nvPicPr>
-          <p:cNvPr id="1028" name="Picture 4"/>
-          <p:cNvPicPr>
-            <a:picLocks noChangeAspect="1" noChangeArrowheads="1"/>
-          </p:cNvPicPr>
-          <p:nvPr/>
-        </p:nvPicPr>
-        <p:blipFill>
-          <a:blip r:embed="rId2" cstate="print"/>
-          <a:srcRect/>
-          <a:stretch>
-            <a:fillRect/>
-          </a:stretch>
-        </p:blipFill>
-        <p:spPr bwMode="auto">
-          <a:xfrm>
-            <a:off x="762000" y="2057400"/>
-            <a:ext cx="3495675" cy="619125"/>
-          </a:xfrm>
-          <a:prstGeom prst="rect">
-            <a:avLst/>
-          </a:prstGeom>
-          <a:noFill/>
-          <a:ln w="9525">
-            <a:noFill/>
-            <a:miter lim="800000"/>
-            <a:headEnd/>
-            <a:tailEnd/>
-          </a:ln>
-          <a:effectLst/>
-        </p:spPr>
-      </p:pic>
-      <p:pic>
-        <p:nvPicPr>
-          <p:cNvPr id="1029" name="Picture 5"/>
-          <p:cNvPicPr>
-            <a:picLocks noChangeAspect="1" noChangeArrowheads="1"/>
-          </p:cNvPicPr>
-          <p:nvPr/>
-        </p:nvPicPr>
-        <p:blipFill>
-          <a:blip r:embed="rId3" cstate="print"/>
-          <a:srcRect/>
-          <a:stretch>
-            <a:fillRect/>
-          </a:stretch>
-        </p:blipFill>
-        <p:spPr bwMode="auto">
-          <a:xfrm>
-            <a:off x="3733800" y="4038600"/>
-            <a:ext cx="3409950" cy="1409700"/>
-          </a:xfrm>
-          <a:prstGeom prst="rect">
-            <a:avLst/>
-          </a:prstGeom>
-          <a:noFill/>
-          <a:ln w="9525">
-            <a:noFill/>
-            <a:miter lim="800000"/>
-            <a:headEnd/>
-            <a:tailEnd/>
-          </a:ln>
-          <a:effectLst/>
-        </p:spPr>
-      </p:pic>
-      <p:sp>
-        <p:nvSpPr>
-          <p:cNvPr id="9" name="TextBox 8"/>
-          <p:cNvSpPr txBox="1"/>
-          <p:nvPr/>
-        </p:nvSpPr>
-        <p:spPr>
-          <a:xfrm>
-            <a:off x="304800" y="1524000"/>
-            <a:ext cx="3082895" cy="369332"/>
-          </a:xfrm>
-          <a:prstGeom prst="rect">
-            <a:avLst/>
-          </a:prstGeom>
-          <a:noFill/>
-        </p:spPr>
-        <p:txBody>
-          <a:bodyPr wrap="none" rtlCol="0">
-            <a:spAutoFit/>
-          </a:bodyPr>
-          <a:lstStyle/>
-          <a:p>
-            <a:r>
-              <a:rPr lang="en-US" dirty="0" smtClean="0"/>
-              <a:t>Normally you see binding as</a:t>
-            </a:r>
-            <a:endParaRPr lang="en-US" dirty="0"/>
-          </a:p>
-        </p:txBody>
-      </p:sp>
-      <p:sp>
-        <p:nvSpPr>
-          <p:cNvPr id="10" name="TextBox 9"/>
-          <p:cNvSpPr txBox="1"/>
-          <p:nvPr/>
-        </p:nvSpPr>
-        <p:spPr>
-          <a:xfrm>
-            <a:off x="1066800" y="3505200"/>
-            <a:ext cx="3655809" cy="369332"/>
-          </a:xfrm>
-          <a:prstGeom prst="rect">
-            <a:avLst/>
-          </a:prstGeom>
-          <a:noFill/>
-        </p:spPr>
-        <p:txBody>
-          <a:bodyPr wrap="none" rtlCol="0">
-            <a:spAutoFit/>
-          </a:bodyPr>
-          <a:lstStyle/>
-          <a:p>
-            <a:r>
-              <a:rPr lang="en-US" dirty="0" smtClean="0"/>
-              <a:t>We can also set a binding like this</a:t>
+          <p:cNvPr id="3" name="Content Placeholder 2"/>
+          <p:cNvSpPr>
+            <a:spLocks noGrp="1"/>
+          </p:cNvSpPr>
+          <p:nvPr>
+            <p:ph idx="1"/>
+          </p:nvPr>
+        </p:nvSpPr>
+        <p:spPr/>
+        <p:txBody>
+          <a:bodyPr/>
+          <a:lstStyle/>
+          <a:p>
+            <a:r>
+              <a:rPr lang="en-US" dirty="0" smtClean="0"/>
+              <a:t>Not to tell you how to do input validation with WPF </a:t>
+            </a:r>
+          </a:p>
+          <a:p>
+            <a:r>
+              <a:rPr lang="en-US" dirty="0" smtClean="0"/>
+              <a:t>Instead just show you a variety of methods available</a:t>
+            </a:r>
+          </a:p>
+          <a:p>
+            <a:r>
+              <a:rPr lang="en-US" dirty="0" smtClean="0"/>
+              <a:t>In the end, you must decide which methods works best for you</a:t>
             </a:r>
             <a:endParaRPr lang="en-US" dirty="0"/>
           </a:p>
@@ -8809,197 +10269,63 @@
         </p:nvSpPr>
         <p:spPr/>
         <p:txBody>
-          <a:bodyPr>
-            <a:normAutofit/>
-          </a:bodyPr>
-          <a:lstStyle/>
-          <a:p>
-            <a:r>
-              <a:rPr lang="en-US" dirty="0" smtClean="0"/>
-              <a:t>Add Validation Rules to Binding</a:t>
+          <a:bodyPr/>
+          <a:lstStyle/>
+          <a:p>
+            <a:r>
+              <a:rPr lang="en-US" dirty="0" smtClean="0"/>
+              <a:t>Sample</a:t>
             </a:r>
             <a:endParaRPr lang="en-US" dirty="0"/>
           </a:p>
         </p:txBody>
       </p:sp>
-      <p:pic>
-        <p:nvPicPr>
-          <p:cNvPr id="2050" name="Picture 2"/>
-          <p:cNvPicPr>
-            <a:picLocks noChangeAspect="1" noChangeArrowheads="1"/>
-          </p:cNvPicPr>
-          <p:nvPr/>
-        </p:nvPicPr>
-        <p:blipFill>
-          <a:blip r:embed="rId2" cstate="print"/>
-          <a:srcRect/>
-          <a:stretch>
-            <a:fillRect/>
-          </a:stretch>
-        </p:blipFill>
-        <p:spPr bwMode="auto">
-          <a:xfrm>
-            <a:off x="2895600" y="2286000"/>
-            <a:ext cx="5410200" cy="2390775"/>
-          </a:xfrm>
-          <a:prstGeom prst="rect">
-            <a:avLst/>
-          </a:prstGeom>
-          <a:noFill/>
-          <a:ln w="9525">
-            <a:noFill/>
-            <a:miter lim="800000"/>
-            <a:headEnd/>
-            <a:tailEnd/>
-          </a:ln>
-          <a:effectLst/>
-        </p:spPr>
-      </p:pic>
-      <p:sp>
-        <p:nvSpPr>
-          <p:cNvPr id="8" name="Down Arrow 7"/>
-          <p:cNvSpPr/>
-          <p:nvPr/>
-        </p:nvSpPr>
-        <p:spPr>
-          <a:xfrm>
-            <a:off x="6248400" y="1905000"/>
-            <a:ext cx="609600" cy="1066800"/>
-          </a:xfrm>
-          <a:prstGeom prst="downArrow">
-            <a:avLst/>
-          </a:prstGeom>
-        </p:spPr>
-        <p:style>
-          <a:lnRef idx="2">
-            <a:schemeClr val="accent2">
-              <a:shade val="50000"/>
-            </a:schemeClr>
-          </a:lnRef>
-          <a:fillRef idx="1">
-            <a:schemeClr val="accent2"/>
-          </a:fillRef>
-          <a:effectRef idx="0">
-            <a:schemeClr val="accent2"/>
-          </a:effectRef>
-          <a:fontRef idx="minor">
-            <a:schemeClr val="lt1"/>
-          </a:fontRef>
-        </p:style>
-        <p:txBody>
-          <a:bodyPr rtlCol="0" anchor="ctr"/>
-          <a:lstStyle/>
-          <a:p>
-            <a:pPr algn="ctr"/>
-            <a:endParaRPr lang="en-US"/>
-          </a:p>
-        </p:txBody>
-      </p:sp>
-      <p:sp>
-        <p:nvSpPr>
-          <p:cNvPr id="9" name="Right Arrow 8"/>
-          <p:cNvSpPr/>
-          <p:nvPr/>
-        </p:nvSpPr>
-        <p:spPr>
-          <a:xfrm>
-            <a:off x="2438400" y="3276600"/>
-            <a:ext cx="1828800" cy="533400"/>
-          </a:xfrm>
-          <a:prstGeom prst="rightArrow">
-            <a:avLst/>
-          </a:prstGeom>
-        </p:spPr>
-        <p:style>
-          <a:lnRef idx="2">
-            <a:schemeClr val="accent2">
-              <a:shade val="50000"/>
-            </a:schemeClr>
-          </a:lnRef>
-          <a:fillRef idx="1">
-            <a:schemeClr val="accent2"/>
-          </a:fillRef>
-          <a:effectRef idx="0">
-            <a:schemeClr val="accent2"/>
-          </a:effectRef>
-          <a:fontRef idx="minor">
-            <a:schemeClr val="lt1"/>
-          </a:fontRef>
-        </p:style>
-        <p:txBody>
-          <a:bodyPr rtlCol="0" anchor="ctr"/>
-          <a:lstStyle/>
-          <a:p>
-            <a:pPr algn="ctr"/>
-            <a:endParaRPr lang="en-US"/>
-          </a:p>
-        </p:txBody>
-      </p:sp>
-      <p:sp>
-        <p:nvSpPr>
-          <p:cNvPr id="10" name="TextBox 9"/>
-          <p:cNvSpPr txBox="1"/>
-          <p:nvPr/>
-        </p:nvSpPr>
-        <p:spPr>
-          <a:xfrm>
-            <a:off x="2819400" y="1524000"/>
-            <a:ext cx="4232762" cy="369332"/>
-          </a:xfrm>
-          <a:prstGeom prst="rect">
-            <a:avLst/>
-          </a:prstGeom>
-          <a:noFill/>
-        </p:spPr>
-        <p:txBody>
-          <a:bodyPr wrap="none" rtlCol="0">
-            <a:spAutoFit/>
-          </a:bodyPr>
-          <a:lstStyle/>
-          <a:p>
-            <a:r>
-              <a:rPr lang="en-US" dirty="0" smtClean="0"/>
-              <a:t>Binding needs to Validate on Data Error</a:t>
-            </a:r>
-            <a:endParaRPr lang="en-US" dirty="0"/>
-          </a:p>
-        </p:txBody>
-      </p:sp>
-      <p:sp>
-        <p:nvSpPr>
-          <p:cNvPr id="11" name="TextBox 10"/>
-          <p:cNvSpPr txBox="1"/>
-          <p:nvPr/>
-        </p:nvSpPr>
-        <p:spPr>
-          <a:xfrm>
-            <a:off x="228600" y="3048000"/>
-            <a:ext cx="2362200" cy="923330"/>
-          </a:xfrm>
-          <a:prstGeom prst="rect">
-            <a:avLst/>
-          </a:prstGeom>
-          <a:noFill/>
-        </p:spPr>
-        <p:txBody>
-          <a:bodyPr wrap="square" rtlCol="0">
-            <a:spAutoFit/>
-          </a:bodyPr>
-          <a:lstStyle/>
-          <a:p>
-            <a:r>
-              <a:rPr lang="en-US" dirty="0" smtClean="0"/>
-              <a:t>Allows </a:t>
-            </a:r>
-            <a:r>
-              <a:rPr lang="en-US" dirty="0" smtClean="0"/>
-              <a:t>the </a:t>
-            </a:r>
-            <a:r>
-              <a:rPr lang="en-US" dirty="0" smtClean="0"/>
-              <a:t>setting of Validation Rules to Binding</a:t>
-            </a:r>
-            <a:endParaRPr lang="en-US" dirty="0"/>
+      <p:sp>
+        <p:nvSpPr>
+          <p:cNvPr id="3" name="Content Placeholder 2"/>
+          <p:cNvSpPr>
+            <a:spLocks noGrp="1"/>
+          </p:cNvSpPr>
+          <p:nvPr>
+            <p:ph idx="1"/>
+          </p:nvPr>
+        </p:nvSpPr>
+        <p:spPr/>
+        <p:txBody>
+          <a:bodyPr/>
+          <a:lstStyle/>
+          <a:p>
+            <a:r>
+              <a:rPr lang="en-US" dirty="0" smtClean="0"/>
+              <a:t>App to create a list of party invitees</a:t>
+            </a:r>
+          </a:p>
+          <a:p>
+            <a:r>
+              <a:rPr lang="en-US" dirty="0" smtClean="0"/>
+              <a:t>Rules for being an Invitee</a:t>
+            </a:r>
+          </a:p>
+          <a:p>
+            <a:pPr lvl="1"/>
+            <a:r>
+              <a:rPr lang="en-US" dirty="0" smtClean="0"/>
+              <a:t>Name is required</a:t>
+            </a:r>
+          </a:p>
+          <a:p>
+            <a:pPr lvl="1"/>
+            <a:r>
+              <a:rPr lang="en-US" dirty="0" smtClean="0"/>
+              <a:t>Age has to be greater than 18</a:t>
+            </a:r>
+          </a:p>
+          <a:p>
+            <a:pPr lvl="1"/>
+            <a:r>
+              <a:rPr lang="en-US" dirty="0" smtClean="0"/>
+              <a:t>Must have a valid email address</a:t>
+            </a:r>
           </a:p>
         </p:txBody>
       </p:sp>
@@ -9040,14 +10366,12 @@
         </p:nvSpPr>
         <p:spPr/>
         <p:txBody>
-          <a:bodyPr>
-            <a:normAutofit fontScale="90000"/>
-          </a:bodyPr>
-          <a:lstStyle/>
-          <a:p>
-            <a:r>
-              <a:rPr lang="en-US" dirty="0" smtClean="0"/>
-              <a:t>What Validation Rules come with WPF</a:t>
+          <a:bodyPr/>
+          <a:lstStyle/>
+          <a:p>
+            <a:r>
+              <a:rPr lang="en-US" dirty="0" smtClean="0"/>
+              <a:t>Using Validation Rules</a:t>
             </a:r>
             <a:endParaRPr lang="en-US" dirty="0"/>
           </a:p>
@@ -9055,46 +10379,20 @@
       </p:sp>
       <p:sp>
         <p:nvSpPr>
-          <p:cNvPr id="4" name="TextBox 3"/>
-          <p:cNvSpPr txBox="1"/>
-          <p:nvPr/>
-        </p:nvSpPr>
-        <p:spPr>
-          <a:xfrm>
-            <a:off x="914400" y="2133600"/>
-            <a:ext cx="5313699" cy="1200329"/>
-          </a:xfrm>
-          <a:prstGeom prst="rect">
-            <a:avLst/>
-          </a:prstGeom>
-          <a:noFill/>
-        </p:spPr>
-        <p:txBody>
-          <a:bodyPr wrap="none" rtlCol="0">
-            <a:spAutoFit/>
-          </a:bodyPr>
-          <a:lstStyle/>
-          <a:p>
-            <a:pPr>
-              <a:buFont typeface="Arial" pitchFamily="34" charset="0"/>
-              <a:buChar char="•"/>
-            </a:pPr>
-            <a:r>
-              <a:rPr lang="en-US" sz="3600" dirty="0" err="1" smtClean="0"/>
-              <a:t>DataErrorValidationRule</a:t>
-            </a:r>
-            <a:endParaRPr lang="en-US" sz="3600" dirty="0" smtClean="0"/>
-          </a:p>
-          <a:p>
-            <a:pPr>
-              <a:buFont typeface="Arial" pitchFamily="34" charset="0"/>
-              <a:buChar char="•"/>
-            </a:pPr>
-            <a:r>
-              <a:rPr lang="en-US" sz="3600" dirty="0" err="1" smtClean="0"/>
-              <a:t>ExceptionValidationRule</a:t>
-            </a:r>
-            <a:endParaRPr lang="en-US" sz="3600" dirty="0"/>
+          <p:cNvPr id="3" name="Text Placeholder 2"/>
+          <p:cNvSpPr>
+            <a:spLocks noGrp="1"/>
+          </p:cNvSpPr>
+          <p:nvPr>
+            <p:ph type="body" idx="1"/>
+          </p:nvPr>
+        </p:nvSpPr>
+        <p:spPr/>
+        <p:txBody>
+          <a:bodyPr/>
+          <a:lstStyle/>
+          <a:p>
+            <a:endParaRPr lang="en-US"/>
           </a:p>
         </p:txBody>
       </p:sp>
@@ -9135,195 +10433,56 @@
         </p:nvSpPr>
         <p:spPr/>
         <p:txBody>
-          <a:bodyPr>
-            <a:normAutofit/>
-          </a:bodyPr>
-          <a:lstStyle/>
-          <a:p>
-            <a:r>
-              <a:rPr lang="en-US" dirty="0" smtClean="0"/>
-              <a:t>Custom Validation Rules</a:t>
+          <a:bodyPr/>
+          <a:lstStyle/>
+          <a:p>
+            <a:r>
+              <a:rPr lang="en-US" dirty="0" smtClean="0"/>
+              <a:t>Validation Rules</a:t>
             </a:r>
             <a:endParaRPr lang="en-US" dirty="0"/>
           </a:p>
         </p:txBody>
       </p:sp>
-      <p:pic>
-        <p:nvPicPr>
-          <p:cNvPr id="3074" name="Picture 2"/>
-          <p:cNvPicPr>
-            <a:picLocks noChangeAspect="1" noChangeArrowheads="1"/>
-          </p:cNvPicPr>
-          <p:nvPr/>
-        </p:nvPicPr>
-        <p:blipFill>
-          <a:blip r:embed="rId2" cstate="print"/>
-          <a:srcRect/>
-          <a:stretch>
-            <a:fillRect/>
-          </a:stretch>
-        </p:blipFill>
-        <p:spPr bwMode="auto">
-          <a:xfrm>
-            <a:off x="304800" y="2057400"/>
-            <a:ext cx="5210175" cy="276225"/>
-          </a:xfrm>
-          <a:prstGeom prst="rect">
-            <a:avLst/>
-          </a:prstGeom>
-          <a:noFill/>
-          <a:ln w="9525">
-            <a:noFill/>
-            <a:miter lim="800000"/>
-            <a:headEnd/>
-            <a:tailEnd/>
-          </a:ln>
-          <a:effectLst/>
-        </p:spPr>
-      </p:pic>
-      <p:sp>
-        <p:nvSpPr>
-          <p:cNvPr id="5" name="Rectangle 4"/>
-          <p:cNvSpPr/>
-          <p:nvPr/>
-        </p:nvSpPr>
-        <p:spPr>
-          <a:xfrm>
-            <a:off x="3733800" y="1981200"/>
-            <a:ext cx="1981200" cy="457200"/>
-          </a:xfrm>
-          <a:prstGeom prst="rect">
-            <a:avLst/>
-          </a:prstGeom>
-          <a:noFill/>
-          <a:ln w="28575">
-            <a:solidFill>
-              <a:srgbClr val="FF0000"/>
-            </a:solidFill>
-          </a:ln>
-        </p:spPr>
-        <p:style>
-          <a:lnRef idx="2">
-            <a:schemeClr val="accent1">
-              <a:shade val="50000"/>
-            </a:schemeClr>
-          </a:lnRef>
-          <a:fillRef idx="1">
-            <a:schemeClr val="accent1"/>
-          </a:fillRef>
-          <a:effectRef idx="0">
-            <a:schemeClr val="accent1"/>
-          </a:effectRef>
-          <a:fontRef idx="minor">
-            <a:schemeClr val="lt1"/>
-          </a:fontRef>
-        </p:style>
-        <p:txBody>
-          <a:bodyPr rtlCol="0" anchor="ctr"/>
-          <a:lstStyle/>
-          <a:p>
-            <a:pPr algn="ctr"/>
-            <a:endParaRPr lang="en-US"/>
-          </a:p>
-        </p:txBody>
-      </p:sp>
-      <p:sp>
-        <p:nvSpPr>
-          <p:cNvPr id="6" name="TextBox 5"/>
-          <p:cNvSpPr txBox="1"/>
-          <p:nvPr/>
-        </p:nvSpPr>
-        <p:spPr>
-          <a:xfrm>
-            <a:off x="685800" y="2590800"/>
-            <a:ext cx="3424848" cy="369332"/>
-          </a:xfrm>
-          <a:prstGeom prst="rect">
-            <a:avLst/>
-          </a:prstGeom>
-          <a:noFill/>
-        </p:spPr>
-        <p:txBody>
-          <a:bodyPr wrap="none" rtlCol="0">
-            <a:spAutoFit/>
-          </a:bodyPr>
-          <a:lstStyle/>
-          <a:p>
-            <a:r>
-              <a:rPr lang="en-US" dirty="0" smtClean="0"/>
-              <a:t>Just inherit from Validation Rule</a:t>
+      <p:sp>
+        <p:nvSpPr>
+          <p:cNvPr id="3" name="Content Placeholder 2"/>
+          <p:cNvSpPr>
+            <a:spLocks noGrp="1"/>
+          </p:cNvSpPr>
+          <p:nvPr>
+            <p:ph idx="1"/>
+          </p:nvPr>
+        </p:nvSpPr>
+        <p:spPr/>
+        <p:txBody>
+          <a:bodyPr/>
+          <a:lstStyle/>
+          <a:p>
+            <a:r>
+              <a:rPr lang="en-US" dirty="0" smtClean="0"/>
+              <a:t>Validation Rules are </a:t>
+            </a:r>
+            <a:r>
+              <a:rPr lang="en-US" dirty="0" smtClean="0"/>
+              <a:t>the mechanism built </a:t>
+            </a:r>
+            <a:r>
+              <a:rPr lang="en-US" dirty="0" smtClean="0"/>
+              <a:t>into </a:t>
+            </a:r>
+            <a:r>
+              <a:rPr lang="en-US" dirty="0" smtClean="0"/>
+              <a:t>data binding </a:t>
+            </a:r>
+            <a:r>
+              <a:rPr lang="en-US" dirty="0" smtClean="0"/>
+              <a:t>with WPF</a:t>
             </a:r>
             <a:endParaRPr lang="en-US" dirty="0"/>
           </a:p>
         </p:txBody>
       </p:sp>
-      <p:sp>
-        <p:nvSpPr>
-          <p:cNvPr id="7" name="TextBox 6"/>
-          <p:cNvSpPr txBox="1"/>
-          <p:nvPr/>
-        </p:nvSpPr>
-        <p:spPr>
-          <a:xfrm>
-            <a:off x="1752600" y="3048000"/>
-            <a:ext cx="3218382" cy="369332"/>
-          </a:xfrm>
-          <a:prstGeom prst="rect">
-            <a:avLst/>
-          </a:prstGeom>
-          <a:noFill/>
-        </p:spPr>
-        <p:txBody>
-          <a:bodyPr wrap="none" rtlCol="0">
-            <a:spAutoFit/>
-          </a:bodyPr>
-          <a:lstStyle/>
-          <a:p>
-            <a:r>
-              <a:rPr lang="en-US" dirty="0" smtClean="0"/>
-              <a:t>And override </a:t>
-            </a:r>
-            <a:r>
-              <a:rPr lang="en-US" dirty="0" smtClean="0"/>
-              <a:t>Validate method …</a:t>
-            </a:r>
-            <a:endParaRPr lang="en-US" dirty="0"/>
-          </a:p>
-        </p:txBody>
-      </p:sp>
-      <p:pic>
-        <p:nvPicPr>
-          <p:cNvPr id="3075" name="Picture 3"/>
-          <p:cNvPicPr>
-            <a:picLocks noChangeAspect="1" noChangeArrowheads="1"/>
-          </p:cNvPicPr>
-          <p:nvPr/>
-        </p:nvPicPr>
-        <p:blipFill>
-          <a:blip r:embed="rId3" cstate="print"/>
-          <a:srcRect/>
-          <a:stretch>
-            <a:fillRect/>
-          </a:stretch>
-        </p:blipFill>
-        <p:spPr bwMode="auto">
-          <a:xfrm>
-            <a:off x="533400" y="3581400"/>
-            <a:ext cx="7543800" cy="2607372"/>
-          </a:xfrm>
-          <a:prstGeom prst="rect">
-            <a:avLst/>
-          </a:prstGeom>
-          <a:noFill/>
-          <a:ln w="9525">
-            <a:noFill/>
-            <a:miter lim="800000"/>
-            <a:headEnd/>
-            <a:tailEnd/>
-          </a:ln>
-          <a:effectLst/>
-        </p:spPr>
-      </p:pic>
     </p:spTree>
   </p:cSld>
   <p:clrMapOvr>

--- a/WPF Validation.pptx
+++ b/WPF Validation.pptx
@@ -56,7 +56,11 @@
     <p:sldId id="289" r:id="rId50"/>
     <p:sldId id="290" r:id="rId51"/>
     <p:sldId id="291" r:id="rId52"/>
-    <p:sldId id="280" r:id="rId53"/>
+    <p:sldId id="315" r:id="rId53"/>
+    <p:sldId id="312" r:id="rId54"/>
+    <p:sldId id="313" r:id="rId55"/>
+    <p:sldId id="314" r:id="rId56"/>
+    <p:sldId id="280" r:id="rId57"/>
   </p:sldIdLst>
   <p:sldSz cx="9144000" cy="6858000" type="screen4x3"/>
   <p:notesSz cx="6858000" cy="9144000"/>
@@ -340,7 +344,7 @@
             <a:fld id="{60029C98-5D54-43BD-B436-29F4C541DD0B}" type="datetimeFigureOut">
               <a:rPr lang="en-US" smtClean="0"/>
               <a:pPr/>
-              <a:t>9/25/2009</a:t>
+              <a:t>9/26/2009</a:t>
             </a:fld>
             <a:endParaRPr lang="en-US"/>
           </a:p>
@@ -507,7 +511,7 @@
             <a:fld id="{60029C98-5D54-43BD-B436-29F4C541DD0B}" type="datetimeFigureOut">
               <a:rPr lang="en-US" smtClean="0"/>
               <a:pPr/>
-              <a:t>9/25/2009</a:t>
+              <a:t>9/26/2009</a:t>
             </a:fld>
             <a:endParaRPr lang="en-US"/>
           </a:p>
@@ -684,7 +688,7 @@
             <a:fld id="{60029C98-5D54-43BD-B436-29F4C541DD0B}" type="datetimeFigureOut">
               <a:rPr lang="en-US" smtClean="0"/>
               <a:pPr/>
-              <a:t>9/25/2009</a:t>
+              <a:t>9/26/2009</a:t>
             </a:fld>
             <a:endParaRPr lang="en-US"/>
           </a:p>
@@ -851,7 +855,7 @@
             <a:fld id="{60029C98-5D54-43BD-B436-29F4C541DD0B}" type="datetimeFigureOut">
               <a:rPr lang="en-US" smtClean="0"/>
               <a:pPr/>
-              <a:t>9/25/2009</a:t>
+              <a:t>9/26/2009</a:t>
             </a:fld>
             <a:endParaRPr lang="en-US"/>
           </a:p>
@@ -1094,7 +1098,7 @@
             <a:fld id="{60029C98-5D54-43BD-B436-29F4C541DD0B}" type="datetimeFigureOut">
               <a:rPr lang="en-US" smtClean="0"/>
               <a:pPr/>
-              <a:t>9/25/2009</a:t>
+              <a:t>9/26/2009</a:t>
             </a:fld>
             <a:endParaRPr lang="en-US"/>
           </a:p>
@@ -1379,7 +1383,7 @@
             <a:fld id="{60029C98-5D54-43BD-B436-29F4C541DD0B}" type="datetimeFigureOut">
               <a:rPr lang="en-US" smtClean="0"/>
               <a:pPr/>
-              <a:t>9/25/2009</a:t>
+              <a:t>9/26/2009</a:t>
             </a:fld>
             <a:endParaRPr lang="en-US"/>
           </a:p>
@@ -1798,7 +1802,7 @@
             <a:fld id="{60029C98-5D54-43BD-B436-29F4C541DD0B}" type="datetimeFigureOut">
               <a:rPr lang="en-US" smtClean="0"/>
               <a:pPr/>
-              <a:t>9/25/2009</a:t>
+              <a:t>9/26/2009</a:t>
             </a:fld>
             <a:endParaRPr lang="en-US"/>
           </a:p>
@@ -1913,7 +1917,7 @@
             <a:fld id="{60029C98-5D54-43BD-B436-29F4C541DD0B}" type="datetimeFigureOut">
               <a:rPr lang="en-US" smtClean="0"/>
               <a:pPr/>
-              <a:t>9/25/2009</a:t>
+              <a:t>9/26/2009</a:t>
             </a:fld>
             <a:endParaRPr lang="en-US"/>
           </a:p>
@@ -2005,7 +2009,7 @@
             <a:fld id="{60029C98-5D54-43BD-B436-29F4C541DD0B}" type="datetimeFigureOut">
               <a:rPr lang="en-US" smtClean="0"/>
               <a:pPr/>
-              <a:t>9/25/2009</a:t>
+              <a:t>9/26/2009</a:t>
             </a:fld>
             <a:endParaRPr lang="en-US"/>
           </a:p>
@@ -2279,7 +2283,7 @@
             <a:fld id="{60029C98-5D54-43BD-B436-29F4C541DD0B}" type="datetimeFigureOut">
               <a:rPr lang="en-US" smtClean="0"/>
               <a:pPr/>
-              <a:t>9/25/2009</a:t>
+              <a:t>9/26/2009</a:t>
             </a:fld>
             <a:endParaRPr lang="en-US"/>
           </a:p>
@@ -2533,7 +2537,7 @@
             <a:fld id="{60029C98-5D54-43BD-B436-29F4C541DD0B}" type="datetimeFigureOut">
               <a:rPr lang="en-US" smtClean="0"/>
               <a:pPr/>
-              <a:t>9/25/2009</a:t>
+              <a:t>9/26/2009</a:t>
             </a:fld>
             <a:endParaRPr lang="en-US"/>
           </a:p>
@@ -2760,7 +2764,7 @@
             <a:fld id="{60029C98-5D54-43BD-B436-29F4C541DD0B}" type="datetimeFigureOut">
               <a:rPr lang="en-US" smtClean="0"/>
               <a:pPr/>
-              <a:t>9/25/2009</a:t>
+              <a:t>9/26/2009</a:t>
             </a:fld>
             <a:endParaRPr lang="en-US"/>
           </a:p>
@@ -3148,11 +3152,7 @@
           <a:p>
             <a:r>
               <a:rPr lang="en-US" dirty="0" smtClean="0"/>
-              <a:t>WPF </a:t>
-            </a:r>
-            <a:r>
-              <a:rPr lang="en-US" dirty="0" smtClean="0"/>
-              <a:t>Input Validation</a:t>
+              <a:t>WPF Input Validation</a:t>
             </a:r>
             <a:endParaRPr lang="en-US" dirty="0"/>
           </a:p>
@@ -3811,26 +3811,20 @@
             <a:avLst/>
           </a:prstGeom>
           <a:noFill/>
-          <a:ln w="28575">
-            <a:solidFill>
-              <a:srgbClr val="FF0000"/>
-            </a:solidFill>
-          </a:ln>
+          <a:ln/>
         </p:spPr>
         <p:style>
           <a:lnRef idx="2">
-            <a:schemeClr val="accent1">
-              <a:shade val="50000"/>
-            </a:schemeClr>
+            <a:schemeClr val="accent2"/>
           </a:lnRef>
           <a:fillRef idx="1">
-            <a:schemeClr val="accent1"/>
+            <a:schemeClr val="lt1"/>
           </a:fillRef>
           <a:effectRef idx="0">
-            <a:schemeClr val="accent1"/>
+            <a:schemeClr val="accent2"/>
           </a:effectRef>
           <a:fontRef idx="minor">
-            <a:schemeClr val="lt1"/>
+            <a:schemeClr val="dk1"/>
           </a:fontRef>
         </p:style>
         <p:txBody>
@@ -3850,8 +3844,8 @@
         </p:nvSpPr>
         <p:spPr>
           <a:xfrm>
-            <a:off x="685800" y="2590800"/>
-            <a:ext cx="3424848" cy="369332"/>
+            <a:off x="1219200" y="1447800"/>
+            <a:ext cx="4033476" cy="461665"/>
           </a:xfrm>
           <a:prstGeom prst="rect">
             <a:avLst/>
@@ -3865,10 +3859,10 @@
           <a:lstStyle/>
           <a:p>
             <a:r>
-              <a:rPr lang="en-US" dirty="0" smtClean="0"/>
+              <a:rPr lang="en-US" sz="2400" dirty="0" smtClean="0"/>
               <a:t>Just inherit from Validation Rule</a:t>
             </a:r>
-            <a:endParaRPr lang="en-US" dirty="0"/>
+            <a:endParaRPr lang="en-US" sz="2400" dirty="0"/>
           </a:p>
         </p:txBody>
       </p:sp>
@@ -3880,8 +3874,8 @@
         </p:nvSpPr>
         <p:spPr>
           <a:xfrm>
-            <a:off x="1752600" y="3048000"/>
-            <a:ext cx="3218382" cy="369332"/>
+            <a:off x="1447800" y="2895600"/>
+            <a:ext cx="4231928" cy="461665"/>
           </a:xfrm>
           <a:prstGeom prst="rect">
             <a:avLst/>
@@ -3895,10 +3889,10 @@
           <a:lstStyle/>
           <a:p>
             <a:r>
-              <a:rPr lang="en-US" dirty="0" smtClean="0"/>
+              <a:rPr lang="en-US" sz="2400" dirty="0" smtClean="0"/>
               <a:t>And override Validate method …</a:t>
             </a:r>
-            <a:endParaRPr lang="en-US" dirty="0"/>
+            <a:endParaRPr lang="en-US" sz="2400" dirty="0"/>
           </a:p>
         </p:txBody>
       </p:sp>
@@ -4944,13 +4938,42 @@
           <a:p>
             <a:r>
               <a:rPr lang="en-US" dirty="0" smtClean="0"/>
-              <a:t>Blog : theabsentmindedcoder.com</a:t>
+              <a:t>Blogs : </a:t>
+            </a:r>
+          </a:p>
+          <a:p>
+            <a:pPr lvl="1"/>
+            <a:r>
+              <a:rPr lang="en-US" dirty="0" smtClean="0"/>
+              <a:t>theabsentmindedcoder.com</a:t>
+            </a:r>
+          </a:p>
+          <a:p>
+            <a:pPr lvl="1"/>
+            <a:r>
+              <a:rPr lang="en-US" dirty="0" smtClean="0"/>
+              <a:t>wizardsofsmart.net</a:t>
             </a:r>
           </a:p>
           <a:p>
             <a:r>
               <a:rPr lang="en-US" dirty="0" smtClean="0"/>
               <a:t>Twitter : </a:t>
+            </a:r>
+            <a:r>
+              <a:rPr lang="en-US" dirty="0" err="1" smtClean="0"/>
+              <a:t>RookieOne</a:t>
+            </a:r>
+            <a:endParaRPr lang="en-US" dirty="0" smtClean="0"/>
+          </a:p>
+          <a:p>
+            <a:r>
+              <a:rPr lang="en-US" dirty="0" err="1" smtClean="0"/>
+              <a:t>GitHub</a:t>
+            </a:r>
+            <a:r>
+              <a:rPr lang="en-US" dirty="0" smtClean="0"/>
+              <a:t> : github.com/</a:t>
             </a:r>
             <a:r>
               <a:rPr lang="en-US" dirty="0" err="1" smtClean="0"/>
@@ -5454,7 +5477,7 @@
         <p:spPr>
           <a:xfrm>
             <a:off x="304800" y="4191000"/>
-            <a:ext cx="4572000" cy="461665"/>
+            <a:ext cx="4648200" cy="461665"/>
           </a:xfrm>
           <a:prstGeom prst="rect">
             <a:avLst/>
@@ -5469,7 +5492,15 @@
           <a:p>
             <a:r>
               <a:rPr lang="en-US" sz="2400" dirty="0" smtClean="0"/>
-              <a:t>But I lost my Error Message tooltip</a:t>
+              <a:t>Now </a:t>
+            </a:r>
+            <a:r>
+              <a:rPr lang="en-US" sz="2400" dirty="0" smtClean="0"/>
+              <a:t>I loss </a:t>
+            </a:r>
+            <a:r>
+              <a:rPr lang="en-US" sz="2400" dirty="0" smtClean="0"/>
+              <a:t>my Error Message tooltip</a:t>
             </a:r>
             <a:endParaRPr lang="en-US" sz="2400" dirty="0"/>
           </a:p>
@@ -5702,8 +5733,8 @@
         </p:nvSpPr>
         <p:spPr>
           <a:xfrm>
-            <a:off x="3124200" y="1600200"/>
-            <a:ext cx="1877437" cy="369332"/>
+            <a:off x="2209800" y="1371600"/>
+            <a:ext cx="2872709" cy="584775"/>
           </a:xfrm>
           <a:prstGeom prst="rect">
             <a:avLst/>
@@ -5717,10 +5748,10 @@
           <a:lstStyle/>
           <a:p>
             <a:r>
-              <a:rPr lang="en-US" dirty="0" smtClean="0"/>
+              <a:rPr lang="en-US" sz="3200" dirty="0" smtClean="0"/>
               <a:t>Throw exception</a:t>
             </a:r>
-            <a:endParaRPr lang="en-US" dirty="0"/>
+            <a:endParaRPr lang="en-US" sz="3200" dirty="0"/>
           </a:p>
         </p:txBody>
       </p:sp>
@@ -5822,8 +5853,8 @@
         </p:nvSpPr>
         <p:spPr>
           <a:xfrm>
-            <a:off x="3124200" y="1524000"/>
-            <a:ext cx="2963183" cy="369332"/>
+            <a:off x="2133600" y="1524000"/>
+            <a:ext cx="5105950" cy="523220"/>
           </a:xfrm>
           <a:prstGeom prst="rect">
             <a:avLst/>
@@ -5837,14 +5868,18 @@
           <a:lstStyle/>
           <a:p>
             <a:r>
-              <a:rPr lang="en-US" dirty="0" smtClean="0"/>
+              <a:rPr lang="en-US" sz="2800" dirty="0" smtClean="0"/>
               <a:t>Set </a:t>
             </a:r>
             <a:r>
-              <a:rPr lang="en-US" dirty="0" err="1" smtClean="0"/>
+              <a:rPr lang="en-US" sz="2800" dirty="0" err="1" smtClean="0"/>
               <a:t>ValidatesOnExceptions</a:t>
             </a:r>
-            <a:endParaRPr lang="en-US" dirty="0"/>
+            <a:r>
+              <a:rPr lang="en-US" sz="2800" dirty="0" smtClean="0"/>
+              <a:t> to True</a:t>
+            </a:r>
+            <a:endParaRPr lang="en-US" sz="2800" dirty="0"/>
           </a:p>
         </p:txBody>
       </p:sp>
@@ -5889,7 +5924,7 @@
         </p:nvSpPr>
         <p:spPr>
           <a:xfrm>
-            <a:off x="5029200" y="2057400"/>
+            <a:off x="4724400" y="2057400"/>
             <a:ext cx="533400" cy="1143000"/>
           </a:xfrm>
           <a:prstGeom prst="downArrow">
@@ -5988,7 +6023,7 @@
         </p:blipFill>
         <p:spPr bwMode="auto">
           <a:xfrm>
-            <a:off x="1295400" y="1447800"/>
+            <a:off x="1409875" y="1447800"/>
             <a:ext cx="5819775" cy="971550"/>
           </a:xfrm>
           <a:prstGeom prst="rect">
@@ -6020,7 +6055,7 @@
         </p:blipFill>
         <p:spPr bwMode="auto">
           <a:xfrm>
-            <a:off x="1295400" y="4876800"/>
+            <a:off x="1409875" y="4876800"/>
             <a:ext cx="5819775" cy="942975"/>
           </a:xfrm>
           <a:prstGeom prst="rect">
@@ -6052,7 +6087,7 @@
         </p:blipFill>
         <p:spPr bwMode="auto">
           <a:xfrm>
-            <a:off x="1295400" y="3124200"/>
+            <a:off x="1405112" y="3124200"/>
             <a:ext cx="5829300" cy="923925"/>
           </a:xfrm>
           <a:prstGeom prst="rect">
@@ -6075,8 +6110,8 @@
         </p:nvSpPr>
         <p:spPr>
           <a:xfrm>
-            <a:off x="1371600" y="2667000"/>
-            <a:ext cx="5253361" cy="369332"/>
+            <a:off x="838200" y="2590800"/>
+            <a:ext cx="6963125" cy="461665"/>
           </a:xfrm>
           <a:prstGeom prst="rect">
             <a:avLst/>
@@ -6090,10 +6125,10 @@
           <a:lstStyle/>
           <a:p>
             <a:r>
-              <a:rPr lang="en-US" dirty="0" smtClean="0"/>
+              <a:rPr lang="en-US" sz="2400" dirty="0" smtClean="0"/>
               <a:t>Hmm… not exactly the error message we would want…</a:t>
             </a:r>
-            <a:endParaRPr lang="en-US" dirty="0"/>
+            <a:endParaRPr lang="en-US" sz="2400" dirty="0"/>
           </a:p>
         </p:txBody>
       </p:sp>
@@ -6105,8 +6140,8 @@
         </p:nvSpPr>
         <p:spPr>
           <a:xfrm>
-            <a:off x="1447800" y="4267200"/>
-            <a:ext cx="2654894" cy="369332"/>
+            <a:off x="2568321" y="4191000"/>
+            <a:ext cx="3502882" cy="461665"/>
           </a:xfrm>
           <a:prstGeom prst="rect">
             <a:avLst/>
@@ -6120,18 +6155,10 @@
           <a:lstStyle/>
           <a:p>
             <a:r>
-              <a:rPr lang="en-US" dirty="0" smtClean="0"/>
-              <a:t>And this message </a:t>
-            </a:r>
-            <a:r>
-              <a:rPr lang="en-US" dirty="0" smtClean="0"/>
-              <a:t>is </a:t>
-            </a:r>
-            <a:r>
-              <a:rPr lang="en-US" dirty="0" smtClean="0"/>
-              <a:t>lame…</a:t>
-            </a:r>
-            <a:endParaRPr lang="en-US" dirty="0"/>
+              <a:rPr lang="en-US" sz="2400" dirty="0" smtClean="0"/>
+              <a:t>And this message is lame…</a:t>
+            </a:r>
+            <a:endParaRPr lang="en-US" sz="2400" dirty="0"/>
           </a:p>
         </p:txBody>
       </p:sp>
@@ -6587,10 +6614,85 @@
         </p:nvSpPr>
         <p:spPr/>
         <p:txBody>
-          <a:bodyPr/>
-          <a:lstStyle/>
-          <a:p>
-            <a:endParaRPr lang="en-US"/>
+          <a:bodyPr>
+            <a:normAutofit fontScale="92500" lnSpcReduction="20000"/>
+          </a:bodyPr>
+          <a:lstStyle/>
+          <a:p>
+            <a:r>
+              <a:rPr lang="en-US" dirty="0" smtClean="0"/>
+              <a:t>What : Virtual Brown Bags</a:t>
+            </a:r>
+          </a:p>
+          <a:p>
+            <a:pPr lvl="1"/>
+            <a:r>
+              <a:rPr lang="en-US" sz="2600" dirty="0" smtClean="0"/>
+              <a:t>An online meeting where the attendees share:</a:t>
+            </a:r>
+          </a:p>
+          <a:p>
+            <a:pPr lvl="2"/>
+            <a:r>
+              <a:rPr lang="en-US" dirty="0" smtClean="0"/>
+              <a:t>Tips and tricks</a:t>
+            </a:r>
+          </a:p>
+          <a:p>
+            <a:pPr lvl="3"/>
+            <a:r>
+              <a:rPr lang="en-US" dirty="0" smtClean="0"/>
+              <a:t>Tools, shortcuts, articles, books, patterns, languages, you name it</a:t>
+            </a:r>
+          </a:p>
+          <a:p>
+            <a:pPr lvl="2"/>
+            <a:r>
+              <a:rPr lang="en-US" dirty="0" smtClean="0"/>
+              <a:t>Experiences</a:t>
+            </a:r>
+          </a:p>
+          <a:p>
+            <a:pPr lvl="3"/>
+            <a:r>
+              <a:rPr lang="en-US" dirty="0" smtClean="0"/>
+              <a:t>Things they’ve learned the hard way</a:t>
+            </a:r>
+          </a:p>
+          <a:p>
+            <a:pPr lvl="2"/>
+            <a:r>
+              <a:rPr lang="en-US" dirty="0" smtClean="0"/>
+              <a:t>Frustrations or difficulties</a:t>
+            </a:r>
+          </a:p>
+          <a:p>
+            <a:pPr lvl="3"/>
+            <a:r>
+              <a:rPr lang="en-US" dirty="0" smtClean="0"/>
+              <a:t>Frustrating issues or difficulties they’re facing that somebody else may be able to help them with</a:t>
+            </a:r>
+          </a:p>
+          <a:p>
+            <a:r>
+              <a:rPr lang="en-US" dirty="0" smtClean="0"/>
+              <a:t>When : Every Thursday @ 12pm – 1pm</a:t>
+            </a:r>
+          </a:p>
+          <a:p>
+            <a:r>
+              <a:rPr lang="en-US" dirty="0" smtClean="0"/>
+              <a:t>Where : http://snipr.com/virtualaltnet </a:t>
+            </a:r>
+          </a:p>
+          <a:p>
+            <a:r>
+              <a:rPr lang="en-US" dirty="0" smtClean="0"/>
+              <a:t>Who : Anyone and Everyone</a:t>
+            </a:r>
+          </a:p>
+          <a:p>
+            <a:endParaRPr lang="en-US" dirty="0"/>
           </a:p>
         </p:txBody>
       </p:sp>
@@ -6724,7 +6826,7 @@
         <p:spPr>
           <a:xfrm>
             <a:off x="3657600" y="3657600"/>
-            <a:ext cx="2732351" cy="369332"/>
+            <a:ext cx="3789627" cy="523220"/>
           </a:xfrm>
           <a:prstGeom prst="rect">
             <a:avLst/>
@@ -6738,10 +6840,10 @@
           <a:lstStyle/>
           <a:p>
             <a:r>
-              <a:rPr lang="en-US" dirty="0" smtClean="0"/>
+              <a:rPr lang="en-US" sz="2800" dirty="0" smtClean="0"/>
               <a:t>Validates On Data Errors</a:t>
             </a:r>
-            <a:endParaRPr lang="en-US" dirty="0"/>
+            <a:endParaRPr lang="en-US" sz="2800" dirty="0"/>
           </a:p>
         </p:txBody>
       </p:sp>
@@ -7502,26 +7604,20 @@
             <a:avLst/>
           </a:prstGeom>
           <a:noFill/>
-          <a:ln w="28575">
-            <a:solidFill>
-              <a:srgbClr val="FF0000"/>
-            </a:solidFill>
-          </a:ln>
+          <a:ln/>
         </p:spPr>
         <p:style>
           <a:lnRef idx="2">
-            <a:schemeClr val="accent1">
-              <a:shade val="50000"/>
-            </a:schemeClr>
+            <a:schemeClr val="accent2"/>
           </a:lnRef>
           <a:fillRef idx="1">
-            <a:schemeClr val="accent1"/>
+            <a:schemeClr val="lt1"/>
           </a:fillRef>
           <a:effectRef idx="0">
-            <a:schemeClr val="accent1"/>
+            <a:schemeClr val="accent2"/>
           </a:effectRef>
           <a:fontRef idx="minor">
-            <a:schemeClr val="lt1"/>
+            <a:schemeClr val="dk1"/>
           </a:fontRef>
         </p:style>
         <p:txBody>
@@ -7853,21 +7949,12 @@
               <a:rPr lang="en-US" dirty="0" smtClean="0"/>
               <a:t> @</a:t>
             </a:r>
-            <a:endParaRPr lang="en-US" dirty="0" smtClean="0"/>
           </a:p>
           <a:p>
             <a:pPr lvl="1"/>
             <a:r>
               <a:rPr lang="en-US" sz="1800" dirty="0" smtClean="0"/>
-              <a:t>http</a:t>
-            </a:r>
-            <a:r>
-              <a:rPr lang="en-US" sz="1800" dirty="0" smtClean="0"/>
-              <a:t>://</a:t>
-            </a:r>
-            <a:r>
-              <a:rPr lang="en-US" sz="1800" dirty="0" smtClean="0"/>
-              <a:t>www.bennedik.de/2007/04/wpf-integration-for-validation.html</a:t>
+              <a:t>http://www.bennedik.de/2007/04/wpf-integration-for-validation.html</a:t>
             </a:r>
           </a:p>
           <a:p>
@@ -7944,7 +8031,11 @@
           <a:p>
             <a:r>
               <a:rPr lang="en-US" dirty="0" smtClean="0"/>
-              <a:t>EPS / CODE Consulting</a:t>
+              <a:t>EPS </a:t>
+            </a:r>
+            <a:r>
+              <a:rPr lang="en-US" dirty="0" smtClean="0"/>
+              <a:t>Consulting</a:t>
             </a:r>
             <a:endParaRPr lang="en-US" dirty="0"/>
           </a:p>
@@ -7965,7 +8056,51 @@
           <a:bodyPr/>
           <a:lstStyle/>
           <a:p>
-            <a:endParaRPr lang="en-US"/>
+            <a:r>
+              <a:rPr lang="en-US" dirty="0" smtClean="0"/>
+              <a:t>Custom Software Development</a:t>
+            </a:r>
+          </a:p>
+          <a:p>
+            <a:r>
+              <a:rPr lang="en-US" dirty="0" smtClean="0"/>
+              <a:t>Consulting / Mentoring</a:t>
+            </a:r>
+          </a:p>
+          <a:p>
+            <a:r>
+              <a:rPr lang="en-US" dirty="0" smtClean="0"/>
+              <a:t>Training</a:t>
+            </a:r>
+          </a:p>
+          <a:p>
+            <a:pPr lvl="1"/>
+            <a:r>
+              <a:rPr lang="en-US" dirty="0" smtClean="0"/>
+              <a:t>WPF</a:t>
+            </a:r>
+          </a:p>
+          <a:p>
+            <a:pPr lvl="1"/>
+            <a:r>
+              <a:rPr lang="en-US" dirty="0" smtClean="0"/>
+              <a:t>.NET</a:t>
+            </a:r>
+          </a:p>
+          <a:p>
+            <a:r>
+              <a:rPr lang="en-US" dirty="0" smtClean="0"/>
+              <a:t>CODE Magazine</a:t>
+            </a:r>
+          </a:p>
+          <a:p>
+            <a:r>
+              <a:rPr lang="en-US" dirty="0" smtClean="0"/>
+              <a:t>Hiring Developers, PM’s</a:t>
+            </a:r>
+          </a:p>
+          <a:p>
+            <a:endParaRPr lang="en-US" dirty="0"/>
           </a:p>
         </p:txBody>
       </p:sp>
@@ -8128,7 +8263,7 @@
         </p:blipFill>
         <p:spPr bwMode="auto">
           <a:xfrm>
-            <a:off x="685800" y="4038600"/>
+            <a:off x="1295400" y="4038600"/>
             <a:ext cx="6829425" cy="381000"/>
           </a:xfrm>
           <a:prstGeom prst="rect">
@@ -8173,6 +8308,38 @@
           </a:p>
         </p:txBody>
       </p:sp>
+      <p:pic>
+        <p:nvPicPr>
+          <p:cNvPr id="3" name="Picture 2"/>
+          <p:cNvPicPr>
+            <a:picLocks noChangeAspect="1" noChangeArrowheads="1"/>
+          </p:cNvPicPr>
+          <p:nvPr/>
+        </p:nvPicPr>
+        <p:blipFill>
+          <a:blip r:embed="rId5" cstate="print"/>
+          <a:srcRect/>
+          <a:stretch>
+            <a:fillRect/>
+          </a:stretch>
+        </p:blipFill>
+        <p:spPr bwMode="auto">
+          <a:xfrm>
+            <a:off x="762000" y="5029200"/>
+            <a:ext cx="3150577" cy="381000"/>
+          </a:xfrm>
+          <a:prstGeom prst="rect">
+            <a:avLst/>
+          </a:prstGeom>
+          <a:noFill/>
+          <a:ln w="9525">
+            <a:noFill/>
+            <a:miter lim="800000"/>
+            <a:headEnd/>
+            <a:tailEnd/>
+          </a:ln>
+        </p:spPr>
+      </p:pic>
     </p:spTree>
   </p:cSld>
   <p:clrMapOvr>
@@ -9668,11 +9835,7 @@
           <a:p>
             <a:r>
               <a:rPr lang="en-US" dirty="0" smtClean="0"/>
-              <a:t>How to do binding validation </a:t>
-            </a:r>
-            <a:r>
-              <a:rPr lang="en-US" dirty="0" smtClean="0"/>
-              <a:t>with:</a:t>
+              <a:t>How to do binding validation with:</a:t>
             </a:r>
           </a:p>
           <a:p>
@@ -9701,26 +9864,14 @@
             <a:pPr lvl="1"/>
             <a:r>
               <a:rPr lang="en-US" dirty="0" smtClean="0"/>
-              <a:t>Enterprise Library - Validation </a:t>
-            </a:r>
-            <a:r>
-              <a:rPr lang="en-US" dirty="0" smtClean="0"/>
-              <a:t>Application </a:t>
-            </a:r>
-            <a:r>
-              <a:rPr lang="en-US" dirty="0" smtClean="0"/>
-              <a:t>Block</a:t>
+              <a:t>Enterprise Library - Validation Application Block</a:t>
             </a:r>
           </a:p>
           <a:p>
             <a:pPr lvl="1"/>
             <a:r>
               <a:rPr lang="en-US" dirty="0" smtClean="0"/>
-              <a:t>Markup </a:t>
-            </a:r>
-            <a:r>
-              <a:rPr lang="en-US" dirty="0" smtClean="0"/>
-              <a:t>Extensions</a:t>
+              <a:t>Markup Extensions</a:t>
             </a:r>
             <a:endParaRPr lang="en-US" dirty="0"/>
           </a:p>
@@ -10068,6 +10219,468 @@
           <a:p>
             <a:r>
               <a:rPr lang="en-US" dirty="0" smtClean="0"/>
+              <a:t>With Custom Markup Extensions</a:t>
+            </a:r>
+            <a:endParaRPr lang="en-US" dirty="0"/>
+          </a:p>
+        </p:txBody>
+      </p:sp>
+      <p:pic>
+        <p:nvPicPr>
+          <p:cNvPr id="3074" name="Picture 2"/>
+          <p:cNvPicPr>
+            <a:picLocks noChangeAspect="1" noChangeArrowheads="1"/>
+          </p:cNvPicPr>
+          <p:nvPr/>
+        </p:nvPicPr>
+        <p:blipFill>
+          <a:blip r:embed="rId2" cstate="print"/>
+          <a:srcRect/>
+          <a:stretch>
+            <a:fillRect/>
+          </a:stretch>
+        </p:blipFill>
+        <p:spPr bwMode="auto">
+          <a:xfrm>
+            <a:off x="1676400" y="1676400"/>
+            <a:ext cx="5819775" cy="962025"/>
+          </a:xfrm>
+          <a:prstGeom prst="rect">
+            <a:avLst/>
+          </a:prstGeom>
+          <a:noFill/>
+          <a:ln w="9525">
+            <a:noFill/>
+            <a:miter lim="800000"/>
+            <a:headEnd/>
+            <a:tailEnd/>
+          </a:ln>
+        </p:spPr>
+      </p:pic>
+      <p:pic>
+        <p:nvPicPr>
+          <p:cNvPr id="3075" name="Picture 3"/>
+          <p:cNvPicPr>
+            <a:picLocks noChangeAspect="1" noChangeArrowheads="1"/>
+          </p:cNvPicPr>
+          <p:nvPr/>
+        </p:nvPicPr>
+        <p:blipFill>
+          <a:blip r:embed="rId3" cstate="print"/>
+          <a:srcRect/>
+          <a:stretch>
+            <a:fillRect/>
+          </a:stretch>
+        </p:blipFill>
+        <p:spPr bwMode="auto">
+          <a:xfrm>
+            <a:off x="1666875" y="3124200"/>
+            <a:ext cx="5838825" cy="962025"/>
+          </a:xfrm>
+          <a:prstGeom prst="rect">
+            <a:avLst/>
+          </a:prstGeom>
+          <a:noFill/>
+          <a:ln w="9525">
+            <a:noFill/>
+            <a:miter lim="800000"/>
+            <a:headEnd/>
+            <a:tailEnd/>
+          </a:ln>
+        </p:spPr>
+      </p:pic>
+      <p:pic>
+        <p:nvPicPr>
+          <p:cNvPr id="3078" name="Picture 6"/>
+          <p:cNvPicPr>
+            <a:picLocks noChangeAspect="1" noChangeArrowheads="1"/>
+          </p:cNvPicPr>
+          <p:nvPr/>
+        </p:nvPicPr>
+        <p:blipFill>
+          <a:blip r:embed="rId4" cstate="print"/>
+          <a:srcRect/>
+          <a:stretch>
+            <a:fillRect/>
+          </a:stretch>
+        </p:blipFill>
+        <p:spPr bwMode="auto">
+          <a:xfrm>
+            <a:off x="1676400" y="4572000"/>
+            <a:ext cx="5819775" cy="942975"/>
+          </a:xfrm>
+          <a:prstGeom prst="rect">
+            <a:avLst/>
+          </a:prstGeom>
+          <a:noFill/>
+          <a:ln w="9525">
+            <a:noFill/>
+            <a:miter lim="800000"/>
+            <a:headEnd/>
+            <a:tailEnd/>
+          </a:ln>
+        </p:spPr>
+      </p:pic>
+    </p:spTree>
+  </p:cSld>
+  <p:clrMapOvr>
+    <a:masterClrMapping/>
+  </p:clrMapOvr>
+</p:sld>
+</file>
+
+<file path=ppt/slides/slide53.xml><?xml version="1.0" encoding="utf-8"?>
+<p:sld xmlns:a="http://schemas.openxmlformats.org/drawingml/2006/main" xmlns:r="http://schemas.openxmlformats.org/officeDocument/2006/relationships" xmlns:p="http://schemas.openxmlformats.org/presentationml/2006/main">
+  <p:cSld>
+    <p:spTree>
+      <p:nvGrpSpPr>
+        <p:cNvPr id="1" name=""/>
+        <p:cNvGrpSpPr/>
+        <p:nvPr/>
+      </p:nvGrpSpPr>
+      <p:grpSpPr>
+        <a:xfrm>
+          <a:off x="0" y="0"/>
+          <a:ext cx="0" cy="0"/>
+          <a:chOff x="0" y="0"/>
+          <a:chExt cx="0" cy="0"/>
+        </a:xfrm>
+      </p:grpSpPr>
+      <p:sp>
+        <p:nvSpPr>
+          <p:cNvPr id="2" name="Title 1"/>
+          <p:cNvSpPr>
+            <a:spLocks noGrp="1"/>
+          </p:cNvSpPr>
+          <p:nvPr>
+            <p:ph type="title"/>
+          </p:nvPr>
+        </p:nvSpPr>
+        <p:spPr/>
+        <p:txBody>
+          <a:bodyPr/>
+          <a:lstStyle/>
+          <a:p>
+            <a:r>
+              <a:rPr lang="en-US" dirty="0" smtClean="0"/>
+              <a:t>Conclusion</a:t>
+            </a:r>
+            <a:endParaRPr lang="en-US" dirty="0"/>
+          </a:p>
+        </p:txBody>
+      </p:sp>
+      <p:sp>
+        <p:nvSpPr>
+          <p:cNvPr id="3" name="Content Placeholder 2"/>
+          <p:cNvSpPr>
+            <a:spLocks noGrp="1"/>
+          </p:cNvSpPr>
+          <p:nvPr>
+            <p:ph idx="1"/>
+          </p:nvPr>
+        </p:nvSpPr>
+        <p:spPr/>
+        <p:txBody>
+          <a:bodyPr>
+            <a:normAutofit/>
+          </a:bodyPr>
+          <a:lstStyle/>
+          <a:p>
+            <a:r>
+              <a:rPr lang="en-US" dirty="0" smtClean="0"/>
+              <a:t>We covered how we can do WPF Input Validation with</a:t>
+            </a:r>
+          </a:p>
+          <a:p>
+            <a:pPr lvl="1"/>
+            <a:r>
+              <a:rPr lang="en-US" dirty="0" smtClean="0"/>
+              <a:t>Validation Rules</a:t>
+            </a:r>
+          </a:p>
+          <a:p>
+            <a:pPr lvl="1"/>
+            <a:r>
+              <a:rPr lang="en-US" dirty="0" smtClean="0"/>
+              <a:t>Exceptions</a:t>
+            </a:r>
+          </a:p>
+          <a:p>
+            <a:pPr lvl="1"/>
+            <a:r>
+              <a:rPr lang="en-US" dirty="0" err="1" smtClean="0"/>
+              <a:t>IDataErrorInfo</a:t>
+            </a:r>
+            <a:endParaRPr lang="en-US" dirty="0" smtClean="0"/>
+          </a:p>
+          <a:p>
+            <a:pPr lvl="1"/>
+            <a:r>
+              <a:rPr lang="en-US" dirty="0" smtClean="0"/>
+              <a:t>Enterprise Library Validation Block</a:t>
+            </a:r>
+          </a:p>
+          <a:p>
+            <a:pPr lvl="1"/>
+            <a:r>
+              <a:rPr lang="en-US" dirty="0" smtClean="0"/>
+              <a:t>Custom Markup Extensions</a:t>
+            </a:r>
+          </a:p>
+          <a:p>
+            <a:endParaRPr lang="en-US" dirty="0" smtClean="0"/>
+          </a:p>
+        </p:txBody>
+      </p:sp>
+    </p:spTree>
+  </p:cSld>
+  <p:clrMapOvr>
+    <a:masterClrMapping/>
+  </p:clrMapOvr>
+</p:sld>
+</file>
+
+<file path=ppt/slides/slide54.xml><?xml version="1.0" encoding="utf-8"?>
+<p:sld xmlns:a="http://schemas.openxmlformats.org/drawingml/2006/main" xmlns:r="http://schemas.openxmlformats.org/officeDocument/2006/relationships" xmlns:p="http://schemas.openxmlformats.org/presentationml/2006/main">
+  <p:cSld>
+    <p:spTree>
+      <p:nvGrpSpPr>
+        <p:cNvPr id="1" name=""/>
+        <p:cNvGrpSpPr/>
+        <p:nvPr/>
+      </p:nvGrpSpPr>
+      <p:grpSpPr>
+        <a:xfrm>
+          <a:off x="0" y="0"/>
+          <a:ext cx="0" cy="0"/>
+          <a:chOff x="0" y="0"/>
+          <a:chExt cx="0" cy="0"/>
+        </a:xfrm>
+      </p:grpSpPr>
+      <p:sp>
+        <p:nvSpPr>
+          <p:cNvPr id="2" name="Title 1"/>
+          <p:cNvSpPr>
+            <a:spLocks noGrp="1"/>
+          </p:cNvSpPr>
+          <p:nvPr>
+            <p:ph type="title"/>
+          </p:nvPr>
+        </p:nvSpPr>
+        <p:spPr/>
+        <p:txBody>
+          <a:bodyPr/>
+          <a:lstStyle/>
+          <a:p>
+            <a:r>
+              <a:rPr lang="en-US" dirty="0" smtClean="0"/>
+              <a:t>Questions</a:t>
+            </a:r>
+            <a:endParaRPr lang="en-US" dirty="0"/>
+          </a:p>
+        </p:txBody>
+      </p:sp>
+      <p:sp>
+        <p:nvSpPr>
+          <p:cNvPr id="4" name="TextBox 3"/>
+          <p:cNvSpPr txBox="1"/>
+          <p:nvPr/>
+        </p:nvSpPr>
+        <p:spPr>
+          <a:xfrm>
+            <a:off x="3276600" y="609600"/>
+            <a:ext cx="2680542" cy="5478423"/>
+          </a:xfrm>
+          <a:prstGeom prst="rect">
+            <a:avLst/>
+          </a:prstGeom>
+          <a:noFill/>
+        </p:spPr>
+        <p:txBody>
+          <a:bodyPr wrap="none" rtlCol="0">
+            <a:spAutoFit/>
+          </a:bodyPr>
+          <a:lstStyle/>
+          <a:p>
+            <a:r>
+              <a:rPr lang="en-US" sz="35000" dirty="0" smtClean="0">
+                <a:latin typeface="Arial" pitchFamily="34" charset="0"/>
+                <a:cs typeface="Arial" pitchFamily="34" charset="0"/>
+              </a:rPr>
+              <a:t>?</a:t>
+            </a:r>
+            <a:endParaRPr lang="en-US" sz="35000" dirty="0">
+              <a:latin typeface="Arial" pitchFamily="34" charset="0"/>
+              <a:cs typeface="Arial" pitchFamily="34" charset="0"/>
+            </a:endParaRPr>
+          </a:p>
+        </p:txBody>
+      </p:sp>
+    </p:spTree>
+  </p:cSld>
+  <p:clrMapOvr>
+    <a:masterClrMapping/>
+  </p:clrMapOvr>
+</p:sld>
+</file>
+
+<file path=ppt/slides/slide55.xml><?xml version="1.0" encoding="utf-8"?>
+<p:sld xmlns:a="http://schemas.openxmlformats.org/drawingml/2006/main" xmlns:r="http://schemas.openxmlformats.org/officeDocument/2006/relationships" xmlns:p="http://schemas.openxmlformats.org/presentationml/2006/main">
+  <p:cSld>
+    <p:spTree>
+      <p:nvGrpSpPr>
+        <p:cNvPr id="1" name=""/>
+        <p:cNvGrpSpPr/>
+        <p:nvPr/>
+      </p:nvGrpSpPr>
+      <p:grpSpPr>
+        <a:xfrm>
+          <a:off x="0" y="0"/>
+          <a:ext cx="0" cy="0"/>
+          <a:chOff x="0" y="0"/>
+          <a:chExt cx="0" cy="0"/>
+        </a:xfrm>
+      </p:grpSpPr>
+      <p:sp>
+        <p:nvSpPr>
+          <p:cNvPr id="2" name="Title 1"/>
+          <p:cNvSpPr>
+            <a:spLocks noGrp="1"/>
+          </p:cNvSpPr>
+          <p:nvPr>
+            <p:ph type="title"/>
+          </p:nvPr>
+        </p:nvSpPr>
+        <p:spPr/>
+        <p:txBody>
+          <a:bodyPr/>
+          <a:lstStyle/>
+          <a:p>
+            <a:r>
+              <a:rPr lang="en-US" dirty="0" err="1" smtClean="0"/>
+              <a:t>Git</a:t>
+            </a:r>
+            <a:r>
+              <a:rPr lang="en-US" dirty="0" smtClean="0"/>
+              <a:t> Hub Repository</a:t>
+            </a:r>
+            <a:endParaRPr lang="en-US" dirty="0"/>
+          </a:p>
+        </p:txBody>
+      </p:sp>
+      <p:sp>
+        <p:nvSpPr>
+          <p:cNvPr id="3" name="Content Placeholder 2"/>
+          <p:cNvSpPr>
+            <a:spLocks noGrp="1"/>
+          </p:cNvSpPr>
+          <p:nvPr>
+            <p:ph idx="1"/>
+          </p:nvPr>
+        </p:nvSpPr>
+        <p:spPr/>
+        <p:txBody>
+          <a:bodyPr/>
+          <a:lstStyle/>
+          <a:p>
+            <a:r>
+              <a:rPr lang="en-US" dirty="0" smtClean="0"/>
+              <a:t>http://</a:t>
+            </a:r>
+            <a:r>
+              <a:rPr lang="en-US" dirty="0" smtClean="0"/>
+              <a:t>github.com/RookieOne/WPF-Input-Validation</a:t>
+            </a:r>
+          </a:p>
+          <a:p>
+            <a:r>
+              <a:rPr lang="en-US" dirty="0" smtClean="0"/>
+              <a:t>Has solution with projects and slide show</a:t>
+            </a:r>
+          </a:p>
+          <a:p>
+            <a:r>
+              <a:rPr lang="en-US" dirty="0" smtClean="0"/>
+              <a:t>Offered as is</a:t>
+            </a:r>
+            <a:endParaRPr lang="en-US" dirty="0"/>
+          </a:p>
+        </p:txBody>
+      </p:sp>
+      <p:pic>
+        <p:nvPicPr>
+          <p:cNvPr id="2050" name="Picture 2"/>
+          <p:cNvPicPr>
+            <a:picLocks noChangeAspect="1" noChangeArrowheads="1"/>
+          </p:cNvPicPr>
+          <p:nvPr/>
+        </p:nvPicPr>
+        <p:blipFill>
+          <a:blip r:embed="rId2" cstate="print"/>
+          <a:srcRect/>
+          <a:stretch>
+            <a:fillRect/>
+          </a:stretch>
+        </p:blipFill>
+        <p:spPr bwMode="auto">
+          <a:xfrm>
+            <a:off x="152400" y="3895725"/>
+            <a:ext cx="8839200" cy="2428875"/>
+          </a:xfrm>
+          <a:prstGeom prst="rect">
+            <a:avLst/>
+          </a:prstGeom>
+          <a:noFill/>
+          <a:ln w="9525">
+            <a:noFill/>
+            <a:miter lim="800000"/>
+            <a:headEnd/>
+            <a:tailEnd/>
+          </a:ln>
+        </p:spPr>
+      </p:pic>
+    </p:spTree>
+  </p:cSld>
+  <p:clrMapOvr>
+    <a:masterClrMapping/>
+  </p:clrMapOvr>
+</p:sld>
+</file>
+
+<file path=ppt/slides/slide56.xml><?xml version="1.0" encoding="utf-8"?>
+<p:sld xmlns:a="http://schemas.openxmlformats.org/drawingml/2006/main" xmlns:r="http://schemas.openxmlformats.org/officeDocument/2006/relationships" xmlns:p="http://schemas.openxmlformats.org/presentationml/2006/main">
+  <p:cSld>
+    <p:spTree>
+      <p:nvGrpSpPr>
+        <p:cNvPr id="1" name=""/>
+        <p:cNvGrpSpPr/>
+        <p:nvPr/>
+      </p:nvGrpSpPr>
+      <p:grpSpPr>
+        <a:xfrm>
+          <a:off x="0" y="0"/>
+          <a:ext cx="0" cy="0"/>
+          <a:chOff x="0" y="0"/>
+          <a:chExt cx="0" cy="0"/>
+        </a:xfrm>
+      </p:grpSpPr>
+      <p:sp>
+        <p:nvSpPr>
+          <p:cNvPr id="2" name="Title 1"/>
+          <p:cNvSpPr>
+            <a:spLocks noGrp="1"/>
+          </p:cNvSpPr>
+          <p:nvPr>
+            <p:ph type="title"/>
+          </p:nvPr>
+        </p:nvSpPr>
+        <p:spPr/>
+        <p:txBody>
+          <a:bodyPr/>
+          <a:lstStyle/>
+          <a:p>
+            <a:r>
+              <a:rPr lang="en-US" dirty="0" smtClean="0"/>
               <a:t>References</a:t>
             </a:r>
             <a:endParaRPr lang="en-US" dirty="0"/>
@@ -10104,10 +10717,26 @@
           <a:p>
             <a:r>
               <a:rPr lang="en-US" dirty="0" smtClean="0"/>
-              <a:t>Josh Smith</a:t>
-            </a:r>
-          </a:p>
-          <a:p>
+              <a:t>Blogs and </a:t>
+            </a:r>
+            <a:r>
+              <a:rPr lang="en-US" dirty="0" smtClean="0"/>
+              <a:t>articles by</a:t>
+            </a:r>
+          </a:p>
+          <a:p>
+            <a:pPr lvl="1"/>
+            <a:r>
+              <a:rPr lang="en-US" dirty="0" smtClean="0"/>
+              <a:t>Josh </a:t>
+            </a:r>
+            <a:r>
+              <a:rPr lang="en-US" dirty="0" smtClean="0"/>
+              <a:t>Smith</a:t>
+            </a:r>
+          </a:p>
+          <a:p>
+            <a:pPr lvl="1"/>
             <a:r>
               <a:rPr lang="en-US" dirty="0" smtClean="0"/>
               <a:t>Karl </a:t>
@@ -10120,9 +10749,9 @@
               <a:rPr lang="en-US" dirty="0" smtClean="0"/>
               <a:t> </a:t>
             </a:r>
-            <a:endParaRPr lang="en-US" dirty="0" smtClean="0"/>
-          </a:p>
-          <a:p>
+          </a:p>
+          <a:p>
+            <a:pPr lvl="1"/>
             <a:r>
               <a:rPr lang="en-US" dirty="0" smtClean="0"/>
               <a:t>Martin </a:t>
@@ -10134,6 +10763,7 @@
             <a:endParaRPr lang="en-US" dirty="0" smtClean="0"/>
           </a:p>
           <a:p>
+            <a:pPr lvl="1"/>
             <a:r>
               <a:rPr lang="en-US" dirty="0" smtClean="0"/>
               <a:t>Philip </a:t>
@@ -10461,23 +11091,7 @@
           <a:p>
             <a:r>
               <a:rPr lang="en-US" dirty="0" smtClean="0"/>
-              <a:t>Validation Rules are </a:t>
-            </a:r>
-            <a:r>
-              <a:rPr lang="en-US" dirty="0" smtClean="0"/>
-              <a:t>the mechanism built </a:t>
-            </a:r>
-            <a:r>
-              <a:rPr lang="en-US" dirty="0" smtClean="0"/>
-              <a:t>into </a:t>
-            </a:r>
-            <a:r>
-              <a:rPr lang="en-US" dirty="0" smtClean="0"/>
-              <a:t>data binding </a:t>
-            </a:r>
-            <a:r>
-              <a:rPr lang="en-US" dirty="0" smtClean="0"/>
-              <a:t>with WPF</a:t>
+              <a:t>Validation Rules are the mechanism built into data binding with WPF</a:t>
             </a:r>
             <a:endParaRPr lang="en-US" dirty="0"/>
           </a:p>
